--- a/23-25_Automatic-Control-Lab/Projects/24_Aerosol/Paper/Figs/pics.pptx
+++ b/23-25_Automatic-Control-Lab/Projects/24_Aerosol/Paper/Figs/pics.pptx
@@ -10,8 +10,7 @@
     <p:sldId id="267" r:id="rId4"/>
     <p:sldId id="270" r:id="rId5"/>
     <p:sldId id="271" r:id="rId6"/>
-    <p:sldId id="269" r:id="rId7"/>
-    <p:sldId id="268" r:id="rId8"/>
+    <p:sldId id="268" r:id="rId7"/>
   </p:sldIdLst>
   <p:sldSz cx="12192000" cy="6858000"/>
   <p:notesSz cx="6858000" cy="9144000"/>
@@ -265,7 +264,7 @@
           <a:p>
             <a:fld id="{D576A762-347D-4C51-B170-BDB093476561}" type="datetimeFigureOut">
               <a:rPr lang="en-US" smtClean="0"/>
-              <a:t>1/7/2025</a:t>
+              <a:t>1/8/2025</a:t>
             </a:fld>
             <a:endParaRPr lang="en-US"/>
           </a:p>
@@ -463,7 +462,7 @@
           <a:p>
             <a:fld id="{D576A762-347D-4C51-B170-BDB093476561}" type="datetimeFigureOut">
               <a:rPr lang="en-US" smtClean="0"/>
-              <a:t>1/7/2025</a:t>
+              <a:t>1/8/2025</a:t>
             </a:fld>
             <a:endParaRPr lang="en-US"/>
           </a:p>
@@ -671,7 +670,7 @@
           <a:p>
             <a:fld id="{D576A762-347D-4C51-B170-BDB093476561}" type="datetimeFigureOut">
               <a:rPr lang="en-US" smtClean="0"/>
-              <a:t>1/7/2025</a:t>
+              <a:t>1/8/2025</a:t>
             </a:fld>
             <a:endParaRPr lang="en-US"/>
           </a:p>
@@ -869,7 +868,7 @@
           <a:p>
             <a:fld id="{D576A762-347D-4C51-B170-BDB093476561}" type="datetimeFigureOut">
               <a:rPr lang="en-US" smtClean="0"/>
-              <a:t>1/7/2025</a:t>
+              <a:t>1/8/2025</a:t>
             </a:fld>
             <a:endParaRPr lang="en-US"/>
           </a:p>
@@ -1144,7 +1143,7 @@
           <a:p>
             <a:fld id="{D576A762-347D-4C51-B170-BDB093476561}" type="datetimeFigureOut">
               <a:rPr lang="en-US" smtClean="0"/>
-              <a:t>1/7/2025</a:t>
+              <a:t>1/8/2025</a:t>
             </a:fld>
             <a:endParaRPr lang="en-US"/>
           </a:p>
@@ -1409,7 +1408,7 @@
           <a:p>
             <a:fld id="{D576A762-347D-4C51-B170-BDB093476561}" type="datetimeFigureOut">
               <a:rPr lang="en-US" smtClean="0"/>
-              <a:t>1/7/2025</a:t>
+              <a:t>1/8/2025</a:t>
             </a:fld>
             <a:endParaRPr lang="en-US"/>
           </a:p>
@@ -1821,7 +1820,7 @@
           <a:p>
             <a:fld id="{D576A762-347D-4C51-B170-BDB093476561}" type="datetimeFigureOut">
               <a:rPr lang="en-US" smtClean="0"/>
-              <a:t>1/7/2025</a:t>
+              <a:t>1/8/2025</a:t>
             </a:fld>
             <a:endParaRPr lang="en-US"/>
           </a:p>
@@ -1962,7 +1961,7 @@
           <a:p>
             <a:fld id="{D576A762-347D-4C51-B170-BDB093476561}" type="datetimeFigureOut">
               <a:rPr lang="en-US" smtClean="0"/>
-              <a:t>1/7/2025</a:t>
+              <a:t>1/8/2025</a:t>
             </a:fld>
             <a:endParaRPr lang="en-US"/>
           </a:p>
@@ -2075,7 +2074,7 @@
           <a:p>
             <a:fld id="{D576A762-347D-4C51-B170-BDB093476561}" type="datetimeFigureOut">
               <a:rPr lang="en-US" smtClean="0"/>
-              <a:t>1/7/2025</a:t>
+              <a:t>1/8/2025</a:t>
             </a:fld>
             <a:endParaRPr lang="en-US"/>
           </a:p>
@@ -2386,7 +2385,7 @@
           <a:p>
             <a:fld id="{D576A762-347D-4C51-B170-BDB093476561}" type="datetimeFigureOut">
               <a:rPr lang="en-US" smtClean="0"/>
-              <a:t>1/7/2025</a:t>
+              <a:t>1/8/2025</a:t>
             </a:fld>
             <a:endParaRPr lang="en-US"/>
           </a:p>
@@ -2674,7 +2673,7 @@
           <a:p>
             <a:fld id="{D576A762-347D-4C51-B170-BDB093476561}" type="datetimeFigureOut">
               <a:rPr lang="en-US" smtClean="0"/>
-              <a:t>1/7/2025</a:t>
+              <a:t>1/8/2025</a:t>
             </a:fld>
             <a:endParaRPr lang="en-US"/>
           </a:p>
@@ -2915,7 +2914,7 @@
           <a:p>
             <a:fld id="{D576A762-347D-4C51-B170-BDB093476561}" type="datetimeFigureOut">
               <a:rPr lang="en-US" smtClean="0"/>
-              <a:t>1/7/2025</a:t>
+              <a:t>1/8/2025</a:t>
             </a:fld>
             <a:endParaRPr lang="en-US"/>
           </a:p>
@@ -4492,8 +4491,8 @@
           </p:sp>
         </mc:Fallback>
       </mc:AlternateContent>
-      <mc:AlternateContent xmlns:mc="http://schemas.openxmlformats.org/markup-compatibility/2006">
-        <mc:Choice xmlns:a14="http://schemas.microsoft.com/office/drawing/2010/main" Requires="a14">
+      <mc:AlternateContent xmlns:mc="http://schemas.openxmlformats.org/markup-compatibility/2006" xmlns:a14="http://schemas.microsoft.com/office/drawing/2010/main">
+        <mc:Choice Requires="a14">
           <p:sp>
             <p:nvSpPr>
               <p:cNvPr id="11" name="TextBox 10">
@@ -4543,7 +4542,7 @@
             </p:txBody>
           </p:sp>
         </mc:Choice>
-        <mc:Fallback>
+        <mc:Fallback xmlns="">
           <p:sp>
             <p:nvSpPr>
               <p:cNvPr id="11" name="TextBox 10">
@@ -4863,6 +4862,62 @@
       </p:grpSpPr>
       <p:sp>
         <p:nvSpPr>
+          <p:cNvPr id="47" name="Rectangle 46">
+            <a:extLst>
+              <a:ext uri="{FF2B5EF4-FFF2-40B4-BE49-F238E27FC236}">
+                <a16:creationId xmlns:a16="http://schemas.microsoft.com/office/drawing/2014/main" id="{DF3C6BD3-D3BD-F560-D277-9AC3515674E0}"/>
+              </a:ext>
+            </a:extLst>
+          </p:cNvPr>
+          <p:cNvSpPr/>
+          <p:nvPr/>
+        </p:nvSpPr>
+        <p:spPr>
+          <a:xfrm>
+            <a:off x="3975017" y="874948"/>
+            <a:ext cx="824968" cy="1406951"/>
+          </a:xfrm>
+          <a:prstGeom prst="rect">
+            <a:avLst/>
+          </a:prstGeom>
+          <a:noFill/>
+          <a:ln>
+            <a:solidFill>
+              <a:schemeClr val="accent1"/>
+            </a:solidFill>
+          </a:ln>
+        </p:spPr>
+        <p:style>
+          <a:lnRef idx="2">
+            <a:schemeClr val="accent1">
+              <a:shade val="15000"/>
+            </a:schemeClr>
+          </a:lnRef>
+          <a:fillRef idx="1">
+            <a:schemeClr val="accent1"/>
+          </a:fillRef>
+          <a:effectRef idx="0">
+            <a:schemeClr val="accent1"/>
+          </a:effectRef>
+          <a:fontRef idx="minor">
+            <a:schemeClr val="lt1"/>
+          </a:fontRef>
+        </p:style>
+        <p:txBody>
+          <a:bodyPr rtlCol="0" anchor="ctr"/>
+          <a:lstStyle/>
+          <a:p>
+            <a:pPr algn="ctr"/>
+            <a:endParaRPr lang="en-US" sz="1400" dirty="0">
+              <a:solidFill>
+                <a:schemeClr val="tx1"/>
+              </a:solidFill>
+            </a:endParaRPr>
+          </a:p>
+        </p:txBody>
+      </p:sp>
+      <p:sp>
+        <p:nvSpPr>
           <p:cNvPr id="3" name="TextBox 2">
             <a:extLst>
               <a:ext uri="{FF2B5EF4-FFF2-40B4-BE49-F238E27FC236}">
@@ -4875,8 +4930,8 @@
         </p:nvSpPr>
         <p:spPr>
           <a:xfrm>
-            <a:off x="485761" y="1880994"/>
-            <a:ext cx="1246889" cy="369332"/>
+            <a:off x="660232" y="1952059"/>
+            <a:ext cx="1013166" cy="307777"/>
           </a:xfrm>
           <a:prstGeom prst="rect">
             <a:avLst/>
@@ -4890,7 +4945,7 @@
           <a:lstStyle/>
           <a:p>
             <a:r>
-              <a:rPr lang="en-US" dirty="0"/>
+              <a:rPr lang="en-US" sz="1400" dirty="0"/>
               <a:t>Instance 1</a:t>
             </a:r>
           </a:p>
@@ -4910,7 +4965,7 @@
         </p:nvSpPr>
         <p:spPr>
           <a:xfrm>
-            <a:off x="610687" y="3397153"/>
+            <a:off x="610687" y="3109676"/>
             <a:ext cx="1062711" cy="369332"/>
           </a:xfrm>
           <a:prstGeom prst="rect">
@@ -4951,8 +5006,8 @@
         </p:nvSpPr>
         <p:spPr>
           <a:xfrm>
-            <a:off x="4241232" y="3039824"/>
-            <a:ext cx="1573591" cy="461174"/>
+            <a:off x="3860371" y="2432560"/>
+            <a:ext cx="1062711" cy="461174"/>
           </a:xfrm>
           <a:prstGeom prst="roundRect">
             <a:avLst>
@@ -4998,7 +5053,7 @@
                   <a:schemeClr val="tx1"/>
                 </a:solidFill>
               </a:rPr>
-              <a:t>CNN</a:t>
+              <a:t>CNN/RNN</a:t>
             </a:r>
           </a:p>
         </p:txBody>
@@ -5017,8 +5072,8 @@
         </p:nvSpPr>
         <p:spPr>
           <a:xfrm>
-            <a:off x="1789374" y="1489587"/>
-            <a:ext cx="815351" cy="369332"/>
+            <a:off x="1844833" y="1520067"/>
+            <a:ext cx="720960" cy="307777"/>
           </a:xfrm>
           <a:prstGeom prst="rect">
             <a:avLst/>
@@ -5026,13 +5081,14 @@
           <a:noFill/>
         </p:spPr>
         <p:txBody>
-          <a:bodyPr wrap="none" rtlCol="0">
+          <a:bodyPr wrap="square" rtlCol="0">
             <a:spAutoFit/>
           </a:bodyPr>
           <a:lstStyle/>
           <a:p>
+            <a:pPr algn="ctr"/>
             <a:r>
-              <a:rPr lang="en-US" dirty="0"/>
+              <a:rPr lang="en-US" sz="1400" dirty="0"/>
               <a:t>Inputs</a:t>
             </a:r>
           </a:p>
@@ -5052,8 +5108,8 @@
         </p:nvSpPr>
         <p:spPr>
           <a:xfrm>
-            <a:off x="2881443" y="1441889"/>
-            <a:ext cx="1001300" cy="369332"/>
+            <a:off x="2860372" y="1520067"/>
+            <a:ext cx="827686" cy="307777"/>
           </a:xfrm>
           <a:prstGeom prst="rect">
             <a:avLst/>
@@ -5061,13 +5117,14 @@
           <a:noFill/>
         </p:spPr>
         <p:txBody>
-          <a:bodyPr wrap="none" rtlCol="0">
+          <a:bodyPr wrap="square" rtlCol="0">
             <a:spAutoFit/>
           </a:bodyPr>
           <a:lstStyle/>
           <a:p>
+            <a:pPr algn="ctr"/>
             <a:r>
-              <a:rPr lang="en-US" dirty="0"/>
+              <a:rPr lang="en-US" sz="1400" dirty="0"/>
               <a:t>Outputs</a:t>
             </a:r>
           </a:p>
@@ -5087,8 +5144,8 @@
         </p:nvSpPr>
         <p:spPr>
           <a:xfrm>
-            <a:off x="1849590" y="2025667"/>
-            <a:ext cx="720961" cy="170234"/>
+            <a:off x="1849590" y="1987167"/>
+            <a:ext cx="720961" cy="237561"/>
           </a:xfrm>
           <a:prstGeom prst="rect">
             <a:avLst/>
@@ -5127,7 +5184,7 @@
           <a:p>
             <a:pPr algn="ctr"/>
             <a:r>
-              <a:rPr lang="en-US" sz="1100" dirty="0">
+              <a:rPr lang="en-US" sz="1400" dirty="0">
                 <a:solidFill>
                   <a:schemeClr val="tx1"/>
                 </a:solidFill>
@@ -5151,8 +5208,8 @@
         </p:nvSpPr>
         <p:spPr>
           <a:xfrm>
-            <a:off x="2913740" y="2025666"/>
-            <a:ext cx="936706" cy="170234"/>
+            <a:off x="2913740" y="1987167"/>
+            <a:ext cx="720961" cy="237561"/>
           </a:xfrm>
           <a:prstGeom prst="rect">
             <a:avLst/>
@@ -5191,7 +5248,7 @@
           <a:p>
             <a:pPr algn="ctr"/>
             <a:r>
-              <a:rPr lang="en-US" sz="1100" dirty="0">
+              <a:rPr lang="en-US" sz="1400" dirty="0">
                 <a:solidFill>
                   <a:schemeClr val="tx1"/>
                 </a:solidFill>
@@ -5215,8 +5272,8 @@
         </p:nvSpPr>
         <p:spPr>
           <a:xfrm>
-            <a:off x="1849398" y="2441343"/>
-            <a:ext cx="720961" cy="166442"/>
+            <a:off x="1849398" y="2368363"/>
+            <a:ext cx="720961" cy="237560"/>
           </a:xfrm>
           <a:prstGeom prst="rect">
             <a:avLst/>
@@ -5255,7 +5312,7 @@
           <a:p>
             <a:pPr algn="ctr"/>
             <a:r>
-              <a:rPr lang="en-US" sz="1100" dirty="0">
+              <a:rPr lang="en-US" sz="1400" dirty="0">
                 <a:solidFill>
                   <a:schemeClr val="tx1"/>
                 </a:solidFill>
@@ -5279,8 +5336,8 @@
         </p:nvSpPr>
         <p:spPr>
           <a:xfrm>
-            <a:off x="2913739" y="2441343"/>
-            <a:ext cx="936706" cy="166442"/>
+            <a:off x="2913739" y="2368364"/>
+            <a:ext cx="720961" cy="237559"/>
           </a:xfrm>
           <a:prstGeom prst="rect">
             <a:avLst/>
@@ -5319,7 +5376,7 @@
           <a:p>
             <a:pPr algn="ctr"/>
             <a:r>
-              <a:rPr lang="en-US" sz="1100" dirty="0">
+              <a:rPr lang="en-US" sz="1400" dirty="0">
                 <a:solidFill>
                   <a:schemeClr val="tx1"/>
                 </a:solidFill>
@@ -5343,8 +5400,8 @@
         </p:nvSpPr>
         <p:spPr>
           <a:xfrm>
-            <a:off x="1849398" y="2830422"/>
-            <a:ext cx="720960" cy="165901"/>
+            <a:off x="1849398" y="2749559"/>
+            <a:ext cx="720960" cy="237560"/>
           </a:xfrm>
           <a:prstGeom prst="rect">
             <a:avLst/>
@@ -5383,7 +5440,7 @@
           <a:p>
             <a:pPr algn="ctr"/>
             <a:r>
-              <a:rPr lang="en-US" sz="1100" dirty="0">
+              <a:rPr lang="en-US" sz="1400" dirty="0">
                 <a:solidFill>
                   <a:schemeClr val="tx1"/>
                 </a:solidFill>
@@ -5407,8 +5464,8 @@
         </p:nvSpPr>
         <p:spPr>
           <a:xfrm>
-            <a:off x="2913738" y="2830422"/>
-            <a:ext cx="933200" cy="165901"/>
+            <a:off x="2913738" y="2749560"/>
+            <a:ext cx="720958" cy="237559"/>
           </a:xfrm>
           <a:prstGeom prst="rect">
             <a:avLst/>
@@ -5447,7 +5504,7 @@
           <a:p>
             <a:pPr algn="ctr"/>
             <a:r>
-              <a:rPr lang="en-US" sz="1100" dirty="0">
+              <a:rPr lang="en-US" sz="1400" dirty="0">
                 <a:solidFill>
                   <a:schemeClr val="tx1"/>
                 </a:solidFill>
@@ -5471,8 +5528,8 @@
         </p:nvSpPr>
         <p:spPr>
           <a:xfrm>
-            <a:off x="1849398" y="4122839"/>
-            <a:ext cx="720960" cy="146153"/>
+            <a:off x="1849398" y="3573504"/>
+            <a:ext cx="720960" cy="237560"/>
           </a:xfrm>
           <a:prstGeom prst="rect">
             <a:avLst/>
@@ -5511,7 +5568,7 @@
           <a:p>
             <a:pPr algn="ctr"/>
             <a:r>
-              <a:rPr lang="en-US" sz="1100" dirty="0">
+              <a:rPr lang="en-US" sz="1400" dirty="0">
                 <a:solidFill>
                   <a:schemeClr val="tx1"/>
                 </a:solidFill>
@@ -5535,8 +5592,8 @@
         </p:nvSpPr>
         <p:spPr>
           <a:xfrm>
-            <a:off x="2913738" y="4122840"/>
-            <a:ext cx="936708" cy="140480"/>
+            <a:off x="2913738" y="3573505"/>
+            <a:ext cx="720958" cy="237559"/>
           </a:xfrm>
           <a:prstGeom prst="rect">
             <a:avLst/>
@@ -5575,7 +5632,7 @@
           <a:p>
             <a:pPr algn="ctr"/>
             <a:r>
-              <a:rPr lang="en-US" sz="1100" dirty="0">
+              <a:rPr lang="en-US" sz="1400" dirty="0">
                 <a:solidFill>
                   <a:schemeClr val="tx1"/>
                 </a:solidFill>
@@ -5585,198 +5642,6 @@
           </a:p>
         </p:txBody>
       </p:sp>
-      <p:sp>
-        <p:nvSpPr>
-          <p:cNvPr id="21" name="Rectangle 20">
-            <a:extLst>
-              <a:ext uri="{FF2B5EF4-FFF2-40B4-BE49-F238E27FC236}">
-                <a16:creationId xmlns:a16="http://schemas.microsoft.com/office/drawing/2014/main" id="{717930D6-0EBA-AE64-D004-661963B80381}"/>
-              </a:ext>
-            </a:extLst>
-          </p:cNvPr>
-          <p:cNvSpPr/>
-          <p:nvPr/>
-        </p:nvSpPr>
-        <p:spPr>
-          <a:xfrm>
-            <a:off x="4559675" y="2135259"/>
-            <a:ext cx="936706" cy="146153"/>
-          </a:xfrm>
-          <a:prstGeom prst="rect">
-            <a:avLst/>
-          </a:prstGeom>
-          <a:solidFill>
-            <a:schemeClr val="accent1">
-              <a:lumMod val="20000"/>
-              <a:lumOff val="80000"/>
-            </a:schemeClr>
-          </a:solidFill>
-          <a:ln>
-            <a:solidFill>
-              <a:schemeClr val="accent1"/>
-            </a:solidFill>
-          </a:ln>
-        </p:spPr>
-        <p:style>
-          <a:lnRef idx="2">
-            <a:schemeClr val="accent1">
-              <a:shade val="15000"/>
-            </a:schemeClr>
-          </a:lnRef>
-          <a:fillRef idx="1">
-            <a:schemeClr val="accent1"/>
-          </a:fillRef>
-          <a:effectRef idx="0">
-            <a:schemeClr val="accent1"/>
-          </a:effectRef>
-          <a:fontRef idx="minor">
-            <a:schemeClr val="lt1"/>
-          </a:fontRef>
-        </p:style>
-        <p:txBody>
-          <a:bodyPr rtlCol="0" anchor="ctr"/>
-          <a:lstStyle/>
-          <a:p>
-            <a:pPr algn="ctr"/>
-            <a:r>
-              <a:rPr lang="en-US" sz="1100" dirty="0">
-                <a:solidFill>
-                  <a:schemeClr val="tx1"/>
-                </a:solidFill>
-              </a:rPr>
-              <a:t>i-2</a:t>
-            </a:r>
-          </a:p>
-        </p:txBody>
-      </p:sp>
-      <p:sp>
-        <p:nvSpPr>
-          <p:cNvPr id="22" name="Rectangle 21">
-            <a:extLst>
-              <a:ext uri="{FF2B5EF4-FFF2-40B4-BE49-F238E27FC236}">
-                <a16:creationId xmlns:a16="http://schemas.microsoft.com/office/drawing/2014/main" id="{E0156418-ADBB-3EB4-904B-28DBE47B7635}"/>
-              </a:ext>
-            </a:extLst>
-          </p:cNvPr>
-          <p:cNvSpPr/>
-          <p:nvPr/>
-        </p:nvSpPr>
-        <p:spPr>
-          <a:xfrm>
-            <a:off x="4559675" y="2393002"/>
-            <a:ext cx="936706" cy="146153"/>
-          </a:xfrm>
-          <a:prstGeom prst="rect">
-            <a:avLst/>
-          </a:prstGeom>
-          <a:solidFill>
-            <a:schemeClr val="accent1">
-              <a:lumMod val="20000"/>
-              <a:lumOff val="80000"/>
-            </a:schemeClr>
-          </a:solidFill>
-          <a:ln>
-            <a:solidFill>
-              <a:schemeClr val="accent1"/>
-            </a:solidFill>
-          </a:ln>
-        </p:spPr>
-        <p:style>
-          <a:lnRef idx="2">
-            <a:schemeClr val="accent1">
-              <a:shade val="15000"/>
-            </a:schemeClr>
-          </a:lnRef>
-          <a:fillRef idx="1">
-            <a:schemeClr val="accent1"/>
-          </a:fillRef>
-          <a:effectRef idx="0">
-            <a:schemeClr val="accent1"/>
-          </a:effectRef>
-          <a:fontRef idx="minor">
-            <a:schemeClr val="lt1"/>
-          </a:fontRef>
-        </p:style>
-        <p:txBody>
-          <a:bodyPr rtlCol="0" anchor="ctr"/>
-          <a:lstStyle/>
-          <a:p>
-            <a:pPr algn="ctr"/>
-            <a:r>
-              <a:rPr lang="en-US" sz="1100" dirty="0">
-                <a:solidFill>
-                  <a:schemeClr val="tx1"/>
-                </a:solidFill>
-              </a:rPr>
-              <a:t>i-1</a:t>
-            </a:r>
-          </a:p>
-        </p:txBody>
-      </p:sp>
-      <p:sp>
-        <p:nvSpPr>
-          <p:cNvPr id="23" name="Rectangle 22">
-            <a:extLst>
-              <a:ext uri="{FF2B5EF4-FFF2-40B4-BE49-F238E27FC236}">
-                <a16:creationId xmlns:a16="http://schemas.microsoft.com/office/drawing/2014/main" id="{119991E3-2485-B2F6-D633-86E9D20982D0}"/>
-              </a:ext>
-            </a:extLst>
-          </p:cNvPr>
-          <p:cNvSpPr/>
-          <p:nvPr/>
-        </p:nvSpPr>
-        <p:spPr>
-          <a:xfrm>
-            <a:off x="4559675" y="2650745"/>
-            <a:ext cx="936706" cy="146153"/>
-          </a:xfrm>
-          <a:prstGeom prst="rect">
-            <a:avLst/>
-          </a:prstGeom>
-          <a:solidFill>
-            <a:schemeClr val="accent1">
-              <a:lumMod val="20000"/>
-              <a:lumOff val="80000"/>
-            </a:schemeClr>
-          </a:solidFill>
-          <a:ln>
-            <a:solidFill>
-              <a:schemeClr val="accent1"/>
-            </a:solidFill>
-          </a:ln>
-        </p:spPr>
-        <p:style>
-          <a:lnRef idx="2">
-            <a:schemeClr val="accent1">
-              <a:shade val="15000"/>
-            </a:schemeClr>
-          </a:lnRef>
-          <a:fillRef idx="1">
-            <a:schemeClr val="accent1"/>
-          </a:fillRef>
-          <a:effectRef idx="0">
-            <a:schemeClr val="accent1"/>
-          </a:effectRef>
-          <a:fontRef idx="minor">
-            <a:schemeClr val="lt1"/>
-          </a:fontRef>
-        </p:style>
-        <p:txBody>
-          <a:bodyPr rtlCol="0" anchor="ctr"/>
-          <a:lstStyle/>
-          <a:p>
-            <a:pPr algn="ctr"/>
-            <a:r>
-              <a:rPr lang="en-US" sz="1100" dirty="0">
-                <a:solidFill>
-                  <a:schemeClr val="tx1"/>
-                </a:solidFill>
-              </a:rPr>
-              <a:t>i</a:t>
-            </a:r>
-          </a:p>
-        </p:txBody>
-      </p:sp>
       <p:cxnSp>
         <p:nvCxnSpPr>
           <p:cNvPr id="25" name="Straight Arrow Connector 24">
@@ -5787,14 +5652,16 @@
             </a:extLst>
           </p:cNvPr>
           <p:cNvCxnSpPr>
+            <a:cxnSpLocks/>
+            <a:stCxn id="35" idx="2"/>
             <a:endCxn id="8" idx="0"/>
           </p:cNvCxnSpPr>
           <p:nvPr/>
         </p:nvCxnSpPr>
         <p:spPr>
           <a:xfrm>
-            <a:off x="5028027" y="2873923"/>
-            <a:ext cx="1" cy="165901"/>
+            <a:off x="4391727" y="2219538"/>
+            <a:ext cx="0" cy="213022"/>
           </a:xfrm>
           <a:prstGeom prst="straightConnector1">
             <a:avLst/>
@@ -5832,7 +5699,7 @@
         </p:nvCxnSpPr>
         <p:spPr>
           <a:xfrm>
-            <a:off x="5028026" y="3500998"/>
+            <a:off x="4391727" y="2893734"/>
             <a:ext cx="1" cy="165901"/>
           </a:xfrm>
           <a:prstGeom prst="straightConnector1">
@@ -5859,84 +5726,20 @@
       </p:cxnSp>
       <p:sp>
         <p:nvSpPr>
-          <p:cNvPr id="27" name="Rectangle 26">
-            <a:extLst>
-              <a:ext uri="{FF2B5EF4-FFF2-40B4-BE49-F238E27FC236}">
-                <a16:creationId xmlns:a16="http://schemas.microsoft.com/office/drawing/2014/main" id="{FD665FC1-178E-77E1-0B60-666E763A4CD3}"/>
-              </a:ext>
-            </a:extLst>
-          </p:cNvPr>
-          <p:cNvSpPr/>
+          <p:cNvPr id="7" name="TextBox 6">
+            <a:extLst>
+              <a:ext uri="{FF2B5EF4-FFF2-40B4-BE49-F238E27FC236}">
+                <a16:creationId xmlns:a16="http://schemas.microsoft.com/office/drawing/2014/main" id="{141D6853-94BD-27E2-B12D-4BC8AC88BE3D}"/>
+              </a:ext>
+            </a:extLst>
+          </p:cNvPr>
+          <p:cNvSpPr txBox="1"/>
           <p:nvPr/>
         </p:nvSpPr>
         <p:spPr>
           <a:xfrm>
-            <a:off x="4287909" y="3762445"/>
-            <a:ext cx="1480233" cy="146153"/>
-          </a:xfrm>
-          <a:prstGeom prst="rect">
-            <a:avLst/>
-          </a:prstGeom>
-          <a:solidFill>
-            <a:schemeClr val="accent2">
-              <a:lumMod val="20000"/>
-              <a:lumOff val="80000"/>
-            </a:schemeClr>
-          </a:solidFill>
-          <a:ln>
-            <a:solidFill>
-              <a:schemeClr val="accent2"/>
-            </a:solidFill>
-          </a:ln>
-        </p:spPr>
-        <p:style>
-          <a:lnRef idx="2">
-            <a:schemeClr val="accent1">
-              <a:shade val="15000"/>
-            </a:schemeClr>
-          </a:lnRef>
-          <a:fillRef idx="1">
-            <a:schemeClr val="accent1"/>
-          </a:fillRef>
-          <a:effectRef idx="0">
-            <a:schemeClr val="accent1"/>
-          </a:effectRef>
-          <a:fontRef idx="minor">
-            <a:schemeClr val="lt1"/>
-          </a:fontRef>
-        </p:style>
-        <p:txBody>
-          <a:bodyPr rtlCol="0" anchor="ctr"/>
-          <a:lstStyle/>
-          <a:p>
-            <a:pPr algn="ctr"/>
-            <a:r>
-              <a:rPr lang="en-US" sz="1100" dirty="0">
-                <a:solidFill>
-                  <a:schemeClr val="tx1"/>
-                </a:solidFill>
-              </a:rPr>
-              <a:t>i</a:t>
-            </a:r>
-          </a:p>
-        </p:txBody>
-      </p:sp>
-      <p:sp>
-        <p:nvSpPr>
-          <p:cNvPr id="7" name="TextBox 6">
-            <a:extLst>
-              <a:ext uri="{FF2B5EF4-FFF2-40B4-BE49-F238E27FC236}">
-                <a16:creationId xmlns:a16="http://schemas.microsoft.com/office/drawing/2014/main" id="{141D6853-94BD-27E2-B12D-4BC8AC88BE3D}"/>
-              </a:ext>
-            </a:extLst>
-          </p:cNvPr>
-          <p:cNvSpPr txBox="1"/>
-          <p:nvPr/>
-        </p:nvSpPr>
-        <p:spPr>
-          <a:xfrm>
-            <a:off x="492852" y="2348832"/>
-            <a:ext cx="1238870" cy="369332"/>
+            <a:off x="660232" y="2333255"/>
+            <a:ext cx="1013166" cy="307777"/>
           </a:xfrm>
           <a:prstGeom prst="rect">
             <a:avLst/>
@@ -5950,7 +5753,7 @@
           <a:lstStyle/>
           <a:p>
             <a:r>
-              <a:rPr lang="en-US" dirty="0"/>
+              <a:rPr lang="en-US" sz="1400" dirty="0"/>
               <a:t>Instance 2</a:t>
             </a:r>
           </a:p>
@@ -5970,8 +5773,8 @@
         </p:nvSpPr>
         <p:spPr>
           <a:xfrm>
-            <a:off x="492852" y="2731134"/>
-            <a:ext cx="1238870" cy="369332"/>
+            <a:off x="660232" y="2714451"/>
+            <a:ext cx="1013166" cy="307777"/>
           </a:xfrm>
           <a:prstGeom prst="rect">
             <a:avLst/>
@@ -5985,7 +5788,7 @@
           <a:lstStyle/>
           <a:p>
             <a:r>
-              <a:rPr lang="en-US" dirty="0"/>
+              <a:rPr lang="en-US" sz="1400" dirty="0"/>
               <a:t>Instance 3</a:t>
             </a:r>
           </a:p>
@@ -6005,8 +5808,8 @@
         </p:nvSpPr>
         <p:spPr>
           <a:xfrm>
-            <a:off x="492852" y="3972737"/>
-            <a:ext cx="1296522" cy="369332"/>
+            <a:off x="660232" y="3538396"/>
+            <a:ext cx="1013166" cy="307777"/>
           </a:xfrm>
           <a:prstGeom prst="rect">
             <a:avLst/>
@@ -6020,7 +5823,7 @@
           <a:lstStyle/>
           <a:p>
             <a:r>
-              <a:rPr lang="en-US" dirty="0"/>
+              <a:rPr lang="en-US" sz="1400" dirty="0"/>
               <a:t>Instance n</a:t>
             </a:r>
           </a:p>
@@ -6040,8 +5843,8 @@
         </p:nvSpPr>
         <p:spPr>
           <a:xfrm>
-            <a:off x="1750441" y="3397153"/>
-            <a:ext cx="1062711" cy="369332"/>
+            <a:off x="1844832" y="3109676"/>
+            <a:ext cx="720962" cy="369332"/>
           </a:xfrm>
           <a:prstGeom prst="rect">
             <a:avLst/>
@@ -6081,8 +5884,8 @@
         </p:nvSpPr>
         <p:spPr>
           <a:xfrm>
-            <a:off x="2839914" y="3397153"/>
-            <a:ext cx="1062711" cy="369332"/>
+            <a:off x="2913734" y="3109676"/>
+            <a:ext cx="720962" cy="369332"/>
           </a:xfrm>
           <a:prstGeom prst="rect">
             <a:avLst/>
@@ -6108,319 +5911,131 @@
           </a:p>
         </p:txBody>
       </p:sp>
-      <p:sp>
-        <p:nvSpPr>
-          <p:cNvPr id="5" name="Rectangle: Rounded Corners 4">
-            <a:extLst>
-              <a:ext uri="{FF2B5EF4-FFF2-40B4-BE49-F238E27FC236}">
-                <a16:creationId xmlns:a16="http://schemas.microsoft.com/office/drawing/2014/main" id="{8E016086-90A2-AF99-4AE4-B5F56083CFFA}"/>
-              </a:ext>
-            </a:extLst>
-          </p:cNvPr>
-          <p:cNvSpPr/>
-          <p:nvPr/>
-        </p:nvSpPr>
-        <p:spPr>
-          <a:xfrm>
-            <a:off x="6771461" y="1450333"/>
-            <a:ext cx="4357896" cy="517905"/>
-          </a:xfrm>
-          <a:prstGeom prst="roundRect">
-            <a:avLst/>
-          </a:prstGeom>
-          <a:solidFill>
-            <a:schemeClr val="tx2">
-              <a:lumMod val="10000"/>
-              <a:lumOff val="90000"/>
-            </a:schemeClr>
-          </a:solidFill>
-          <a:ln>
-            <a:solidFill>
-              <a:schemeClr val="tx2"/>
-            </a:solidFill>
-          </a:ln>
-        </p:spPr>
-        <p:style>
-          <a:lnRef idx="2">
-            <a:schemeClr val="accent1">
-              <a:shade val="15000"/>
-            </a:schemeClr>
-          </a:lnRef>
-          <a:fillRef idx="1">
-            <a:schemeClr val="accent1"/>
-          </a:fillRef>
-          <a:effectRef idx="0">
-            <a:schemeClr val="accent1"/>
-          </a:effectRef>
-          <a:fontRef idx="minor">
-            <a:schemeClr val="lt1"/>
-          </a:fontRef>
-        </p:style>
-        <p:txBody>
-          <a:bodyPr rtlCol="0" anchor="ctr"/>
-          <a:lstStyle/>
-          <a:p>
-            <a:pPr algn="ctr"/>
-            <a:r>
-              <a:rPr lang="en-US" b="1" dirty="0">
-                <a:solidFill>
-                  <a:schemeClr val="tx1"/>
-                </a:solidFill>
-              </a:rPr>
-              <a:t>Conv1D[Kernel=2, Stride=1], 256, ReLU</a:t>
-            </a:r>
-          </a:p>
-        </p:txBody>
-      </p:sp>
-      <p:sp>
-        <p:nvSpPr>
-          <p:cNvPr id="28" name="Rectangle: Rounded Corners 27">
-            <a:extLst>
-              <a:ext uri="{FF2B5EF4-FFF2-40B4-BE49-F238E27FC236}">
-                <a16:creationId xmlns:a16="http://schemas.microsoft.com/office/drawing/2014/main" id="{F0253257-A0AF-3A59-ED2B-2F0576165D2F}"/>
-              </a:ext>
-            </a:extLst>
-          </p:cNvPr>
-          <p:cNvSpPr/>
-          <p:nvPr/>
-        </p:nvSpPr>
-        <p:spPr>
-          <a:xfrm>
-            <a:off x="6771459" y="2245624"/>
-            <a:ext cx="4357896" cy="517905"/>
-          </a:xfrm>
-          <a:prstGeom prst="roundRect">
-            <a:avLst/>
-          </a:prstGeom>
-          <a:solidFill>
-            <a:schemeClr val="tx2">
-              <a:lumMod val="10000"/>
-              <a:lumOff val="90000"/>
-            </a:schemeClr>
-          </a:solidFill>
-          <a:ln>
-            <a:solidFill>
-              <a:schemeClr val="tx2"/>
-            </a:solidFill>
-          </a:ln>
-        </p:spPr>
-        <p:style>
-          <a:lnRef idx="2">
-            <a:schemeClr val="accent1">
-              <a:shade val="15000"/>
-            </a:schemeClr>
-          </a:lnRef>
-          <a:fillRef idx="1">
-            <a:schemeClr val="accent1"/>
-          </a:fillRef>
-          <a:effectRef idx="0">
-            <a:schemeClr val="accent1"/>
-          </a:effectRef>
-          <a:fontRef idx="minor">
-            <a:schemeClr val="lt1"/>
-          </a:fontRef>
-        </p:style>
-        <p:txBody>
-          <a:bodyPr rtlCol="0" anchor="ctr"/>
-          <a:lstStyle/>
-          <a:p>
-            <a:pPr algn="ctr"/>
-            <a:r>
-              <a:rPr lang="en-US" b="1" dirty="0">
-                <a:solidFill>
-                  <a:schemeClr val="tx1"/>
-                </a:solidFill>
-              </a:rPr>
-              <a:t>Conv1D[Kernel=2, Stride=1], 256, ReLU</a:t>
-            </a:r>
-          </a:p>
-        </p:txBody>
-      </p:sp>
-      <p:sp>
-        <p:nvSpPr>
-          <p:cNvPr id="29" name="Rectangle: Rounded Corners 28">
-            <a:extLst>
-              <a:ext uri="{FF2B5EF4-FFF2-40B4-BE49-F238E27FC236}">
-                <a16:creationId xmlns:a16="http://schemas.microsoft.com/office/drawing/2014/main" id="{4FEF99F8-27FF-8CEE-4A88-7FF12EF9EFBC}"/>
-              </a:ext>
-            </a:extLst>
-          </p:cNvPr>
-          <p:cNvSpPr/>
-          <p:nvPr/>
-        </p:nvSpPr>
-        <p:spPr>
-          <a:xfrm>
-            <a:off x="6771461" y="2996323"/>
-            <a:ext cx="4357896" cy="517905"/>
-          </a:xfrm>
-          <a:prstGeom prst="roundRect">
-            <a:avLst/>
-          </a:prstGeom>
-          <a:solidFill>
-            <a:schemeClr val="accent2">
-              <a:lumMod val="20000"/>
-              <a:lumOff val="80000"/>
-            </a:schemeClr>
-          </a:solidFill>
-          <a:ln>
-            <a:solidFill>
-              <a:schemeClr val="accent2"/>
-            </a:solidFill>
-          </a:ln>
-        </p:spPr>
-        <p:style>
-          <a:lnRef idx="2">
-            <a:schemeClr val="accent1">
-              <a:shade val="15000"/>
-            </a:schemeClr>
-          </a:lnRef>
-          <a:fillRef idx="1">
-            <a:schemeClr val="accent1"/>
-          </a:fillRef>
-          <a:effectRef idx="0">
-            <a:schemeClr val="accent1"/>
-          </a:effectRef>
-          <a:fontRef idx="minor">
-            <a:schemeClr val="lt1"/>
-          </a:fontRef>
-        </p:style>
-        <p:txBody>
-          <a:bodyPr rtlCol="0" anchor="ctr"/>
-          <a:lstStyle/>
-          <a:p>
-            <a:pPr algn="ctr"/>
-            <a:r>
-              <a:rPr lang="en-US" b="1" dirty="0">
-                <a:solidFill>
-                  <a:schemeClr val="tx1"/>
-                </a:solidFill>
-              </a:rPr>
-              <a:t>Linear, 256, ReLU</a:t>
-            </a:r>
-          </a:p>
-        </p:txBody>
-      </p:sp>
-      <mc:AlternateContent xmlns:mc="http://schemas.openxmlformats.org/markup-compatibility/2006" xmlns:a14="http://schemas.microsoft.com/office/drawing/2010/main">
-        <mc:Choice Requires="a14">
+      <mc:AlternateContent xmlns:mc="http://schemas.openxmlformats.org/markup-compatibility/2006">
+        <mc:Choice xmlns:a14="http://schemas.microsoft.com/office/drawing/2010/main" Requires="a14">
           <p:sp>
             <p:nvSpPr>
-              <p:cNvPr id="31" name="TextBox 30">
+              <p:cNvPr id="24" name="Rectangle 23">
                 <a:extLst>
                   <a:ext uri="{FF2B5EF4-FFF2-40B4-BE49-F238E27FC236}">
-                    <a16:creationId xmlns:a16="http://schemas.microsoft.com/office/drawing/2014/main" id="{E3924CA1-8AB4-3CEE-90DD-05386ECEDF23}"/>
+                    <a16:creationId xmlns:a16="http://schemas.microsoft.com/office/drawing/2014/main" id="{B79FDC1C-E794-0FA3-E8B9-E3A01D335F15}"/>
                   </a:ext>
                 </a:extLst>
               </p:cNvPr>
-              <p:cNvSpPr txBox="1"/>
+              <p:cNvSpPr/>
               <p:nvPr/>
             </p:nvSpPr>
             <p:spPr>
               <a:xfrm>
-                <a:off x="7712120" y="4666053"/>
-                <a:ext cx="2476575" cy="369332"/>
+                <a:off x="4031439" y="1410086"/>
+                <a:ext cx="720961" cy="237561"/>
               </a:xfrm>
               <a:prstGeom prst="rect">
                 <a:avLst/>
               </a:prstGeom>
-              <a:noFill/>
+              <a:solidFill>
+                <a:schemeClr val="accent1">
+                  <a:lumMod val="20000"/>
+                  <a:lumOff val="80000"/>
+                </a:schemeClr>
+              </a:solidFill>
+              <a:ln>
+                <a:solidFill>
+                  <a:schemeClr val="accent1"/>
+                </a:solidFill>
+              </a:ln>
             </p:spPr>
+            <p:style>
+              <a:lnRef idx="2">
+                <a:schemeClr val="accent1">
+                  <a:shade val="15000"/>
+                </a:schemeClr>
+              </a:lnRef>
+              <a:fillRef idx="1">
+                <a:schemeClr val="accent1"/>
+              </a:fillRef>
+              <a:effectRef idx="0">
+                <a:schemeClr val="accent1"/>
+              </a:effectRef>
+              <a:fontRef idx="minor">
+                <a:schemeClr val="lt1"/>
+              </a:fontRef>
+            </p:style>
             <p:txBody>
-              <a:bodyPr wrap="none" rtlCol="0">
-                <a:spAutoFit/>
-              </a:bodyPr>
+              <a:bodyPr rtlCol="0" anchor="ctr"/>
               <a:lstStyle/>
               <a:p>
+                <a:pPr algn="ctr"/>
                 <a14:m>
-                  <m:oMath xmlns:m="http://schemas.openxmlformats.org/officeDocument/2006/math">
-                    <m:d>
-                      <m:dPr>
-                        <m:begChr m:val="⟨"/>
-                        <m:endChr m:val="⟩"/>
-                        <m:ctrlPr>
-                          <a:rPr lang="en-US" b="0" i="1" smtClean="0">
-                            <a:latin typeface="Cambria Math" panose="02040503050406030204" pitchFamily="18" charset="0"/>
-                          </a:rPr>
-                        </m:ctrlPr>
-                      </m:dPr>
-                      <m:e>
-                        <m:sSub>
-                          <m:sSubPr>
-                            <m:ctrlPr>
-                              <a:rPr lang="en-US" i="1">
-                                <a:latin typeface="Cambria Math" panose="02040503050406030204" pitchFamily="18" charset="0"/>
-                              </a:rPr>
-                            </m:ctrlPr>
-                          </m:sSubPr>
-                          <m:e>
-                            <m:r>
-                              <a:rPr lang="en-US" i="1" smtClean="0">
-                                <a:latin typeface="Cambria Math" panose="02040503050406030204" pitchFamily="18" charset="0"/>
-                              </a:rPr>
-                              <m:t>𝑅</m:t>
-                            </m:r>
-                          </m:e>
-                          <m:sub>
-                            <m:r>
-                              <a:rPr lang="en-US" i="1" smtClean="0">
-                                <a:latin typeface="Cambria Math" panose="02040503050406030204" pitchFamily="18" charset="0"/>
-                              </a:rPr>
-                              <m:t>𝐼</m:t>
-                            </m:r>
-                          </m:sub>
-                        </m:sSub>
-                        <m:r>
-                          <a:rPr lang="en-US" b="0" i="1" smtClean="0">
-                            <a:latin typeface="Cambria Math" panose="02040503050406030204" pitchFamily="18" charset="0"/>
-                          </a:rPr>
-                          <m:t> </m:t>
-                        </m:r>
-                        <m:r>
-                          <a:rPr lang="en-US" b="0" i="1" smtClean="0">
-                            <a:latin typeface="Cambria Math" panose="02040503050406030204" pitchFamily="18" charset="0"/>
-                          </a:rPr>
-                          <m:t>𝐷𝑜𝐿𝑃</m:t>
-                        </m:r>
-                      </m:e>
-                    </m:d>
-                  </m:oMath>
+                  <m:oMathPara xmlns:m="http://schemas.openxmlformats.org/officeDocument/2006/math">
+                    <m:oMathParaPr>
+                      <m:jc m:val="centerGroup"/>
+                    </m:oMathParaPr>
+                    <m:oMath xmlns:m="http://schemas.openxmlformats.org/officeDocument/2006/math">
+                      <m:r>
+                        <a:rPr lang="en-US" sz="1400" i="1" dirty="0" smtClean="0">
+                          <a:solidFill>
+                            <a:schemeClr val="tx1"/>
+                          </a:solidFill>
+                          <a:latin typeface="Cambria Math" panose="02040503050406030204" pitchFamily="18" charset="0"/>
+                        </a:rPr>
+                        <m:t>𝑖</m:t>
+                      </m:r>
+                      <m:r>
+                        <a:rPr lang="en-US" sz="1400" i="1" dirty="0" smtClean="0">
+                          <a:solidFill>
+                            <a:schemeClr val="tx1"/>
+                          </a:solidFill>
+                          <a:latin typeface="Cambria Math" panose="02040503050406030204" pitchFamily="18" charset="0"/>
+                        </a:rPr>
+                        <m:t>−2</m:t>
+                      </m:r>
+                    </m:oMath>
+                  </m:oMathPara>
                 </a14:m>
-                <a:r>
-                  <a:rPr lang="en-US" dirty="0"/>
-                  <a:t> (22 features)</a:t>
-                </a:r>
+                <a:endParaRPr lang="en-US" sz="1400" dirty="0">
+                  <a:solidFill>
+                    <a:schemeClr val="tx1"/>
+                  </a:solidFill>
+                </a:endParaRPr>
               </a:p>
             </p:txBody>
           </p:sp>
         </mc:Choice>
-        <mc:Fallback xmlns="">
+        <mc:Fallback>
           <p:sp>
             <p:nvSpPr>
-              <p:cNvPr id="31" name="TextBox 30">
+              <p:cNvPr id="24" name="Rectangle 23">
                 <a:extLst>
                   <a:ext uri="{FF2B5EF4-FFF2-40B4-BE49-F238E27FC236}">
-                    <a16:creationId xmlns:a16="http://schemas.microsoft.com/office/drawing/2014/main" id="{E3924CA1-8AB4-3CEE-90DD-05386ECEDF23}"/>
+                    <a16:creationId xmlns:a16="http://schemas.microsoft.com/office/drawing/2014/main" id="{B79FDC1C-E794-0FA3-E8B9-E3A01D335F15}"/>
                   </a:ext>
                 </a:extLst>
               </p:cNvPr>
-              <p:cNvSpPr txBox="1">
+              <p:cNvSpPr>
                 <a:spLocks noRot="1" noChangeAspect="1" noMove="1" noResize="1" noEditPoints="1" noAdjustHandles="1" noChangeArrowheads="1" noChangeShapeType="1" noTextEdit="1"/>
               </p:cNvSpPr>
               <p:nvPr/>
             </p:nvSpPr>
             <p:spPr>
               <a:xfrm>
-                <a:off x="7712120" y="4666053"/>
-                <a:ext cx="2476575" cy="369332"/>
+                <a:off x="4031439" y="1410086"/>
+                <a:ext cx="720961" cy="237561"/>
               </a:xfrm>
               <a:prstGeom prst="rect">
                 <a:avLst/>
               </a:prstGeom>
               <a:blipFill>
-                <a:blip r:embed="rId3"/>
+                <a:blip r:embed="rId2"/>
                 <a:stretch>
-                  <a:fillRect t="-6557" r="-1478" b="-26230"/>
+                  <a:fillRect/>
                 </a:stretch>
               </a:blipFill>
+              <a:ln>
+                <a:solidFill>
+                  <a:schemeClr val="accent1"/>
+                </a:solidFill>
+              </a:ln>
             </p:spPr>
             <p:txBody>
               <a:bodyPr/>
@@ -6437,183 +6052,417 @@
           </p:sp>
         </mc:Fallback>
       </mc:AlternateContent>
-      <p:cxnSp>
-        <p:nvCxnSpPr>
-          <p:cNvPr id="33" name="Straight Arrow Connector 32">
-            <a:extLst>
-              <a:ext uri="{FF2B5EF4-FFF2-40B4-BE49-F238E27FC236}">
-                <a16:creationId xmlns:a16="http://schemas.microsoft.com/office/drawing/2014/main" id="{637CA5AF-D11F-1687-EC40-858F2864306B}"/>
-              </a:ext>
-            </a:extLst>
-          </p:cNvPr>
-          <p:cNvCxnSpPr>
-            <a:cxnSpLocks/>
-            <a:endCxn id="5" idx="0"/>
-          </p:cNvCxnSpPr>
-          <p:nvPr/>
-        </p:nvCxnSpPr>
-        <p:spPr>
-          <a:xfrm>
-            <a:off x="8950409" y="1141662"/>
-            <a:ext cx="0" cy="308671"/>
-          </a:xfrm>
-          <a:prstGeom prst="straightConnector1">
-            <a:avLst/>
-          </a:prstGeom>
-          <a:ln>
-            <a:tailEnd type="triangle"/>
-          </a:ln>
-        </p:spPr>
-        <p:style>
-          <a:lnRef idx="2">
-            <a:schemeClr val="accent1"/>
-          </a:lnRef>
-          <a:fillRef idx="0">
-            <a:schemeClr val="accent1"/>
-          </a:fillRef>
-          <a:effectRef idx="1">
-            <a:schemeClr val="accent1"/>
-          </a:effectRef>
-          <a:fontRef idx="minor">
-            <a:schemeClr val="tx1"/>
-          </a:fontRef>
-        </p:style>
-      </p:cxnSp>
-      <p:cxnSp>
-        <p:nvCxnSpPr>
-          <p:cNvPr id="34" name="Straight Arrow Connector 33">
-            <a:extLst>
-              <a:ext uri="{FF2B5EF4-FFF2-40B4-BE49-F238E27FC236}">
-                <a16:creationId xmlns:a16="http://schemas.microsoft.com/office/drawing/2014/main" id="{1CCC0769-1F65-7083-81DA-7ABF2B63F55F}"/>
-              </a:ext>
-            </a:extLst>
-          </p:cNvPr>
-          <p:cNvCxnSpPr>
-            <a:cxnSpLocks/>
-            <a:stCxn id="28" idx="2"/>
-            <a:endCxn id="29" idx="0"/>
-          </p:cNvCxnSpPr>
-          <p:nvPr/>
-        </p:nvCxnSpPr>
-        <p:spPr>
-          <a:xfrm>
-            <a:off x="8950407" y="2763529"/>
-            <a:ext cx="2" cy="232794"/>
-          </a:xfrm>
-          <a:prstGeom prst="straightConnector1">
-            <a:avLst/>
-          </a:prstGeom>
-          <a:ln>
-            <a:tailEnd type="triangle"/>
-          </a:ln>
-        </p:spPr>
-        <p:style>
-          <a:lnRef idx="2">
-            <a:schemeClr val="accent1"/>
-          </a:lnRef>
-          <a:fillRef idx="0">
-            <a:schemeClr val="accent1"/>
-          </a:fillRef>
-          <a:effectRef idx="1">
-            <a:schemeClr val="accent1"/>
-          </a:effectRef>
-          <a:fontRef idx="minor">
-            <a:schemeClr val="tx1"/>
-          </a:fontRef>
-        </p:style>
-      </p:cxnSp>
-      <p:cxnSp>
-        <p:nvCxnSpPr>
-          <p:cNvPr id="36" name="Straight Arrow Connector 35">
-            <a:extLst>
-              <a:ext uri="{FF2B5EF4-FFF2-40B4-BE49-F238E27FC236}">
-                <a16:creationId xmlns:a16="http://schemas.microsoft.com/office/drawing/2014/main" id="{0BB4C74A-8FE0-2EB9-0F4C-55EDF65D2592}"/>
-              </a:ext>
-            </a:extLst>
-          </p:cNvPr>
-          <p:cNvCxnSpPr>
-            <a:cxnSpLocks/>
-            <a:stCxn id="29" idx="2"/>
-            <a:endCxn id="37" idx="0"/>
-          </p:cNvCxnSpPr>
-          <p:nvPr/>
-        </p:nvCxnSpPr>
-        <p:spPr>
-          <a:xfrm flipH="1">
-            <a:off x="8950407" y="3514228"/>
-            <a:ext cx="2" cy="248217"/>
-          </a:xfrm>
-          <a:prstGeom prst="straightConnector1">
-            <a:avLst/>
-          </a:prstGeom>
-          <a:ln>
-            <a:tailEnd type="triangle"/>
-          </a:ln>
-        </p:spPr>
-        <p:style>
-          <a:lnRef idx="2">
-            <a:schemeClr val="accent1"/>
-          </a:lnRef>
-          <a:fillRef idx="0">
-            <a:schemeClr val="accent1"/>
-          </a:fillRef>
-          <a:effectRef idx="1">
-            <a:schemeClr val="accent1"/>
-          </a:effectRef>
-          <a:fontRef idx="minor">
-            <a:schemeClr val="tx1"/>
-          </a:fontRef>
-        </p:style>
-      </p:cxnSp>
-      <p:cxnSp>
-        <p:nvCxnSpPr>
-          <p:cNvPr id="30" name="Straight Arrow Connector 29">
-            <a:extLst>
-              <a:ext uri="{FF2B5EF4-FFF2-40B4-BE49-F238E27FC236}">
-                <a16:creationId xmlns:a16="http://schemas.microsoft.com/office/drawing/2014/main" id="{51C1637C-3879-3FB2-CA4F-BAAC1F93821A}"/>
-              </a:ext>
-            </a:extLst>
-          </p:cNvPr>
-          <p:cNvCxnSpPr>
-            <a:cxnSpLocks/>
-            <a:stCxn id="5" idx="2"/>
-            <a:endCxn id="28" idx="0"/>
-          </p:cNvCxnSpPr>
-          <p:nvPr/>
-        </p:nvCxnSpPr>
-        <p:spPr>
-          <a:xfrm flipH="1">
-            <a:off x="8950407" y="1968238"/>
-            <a:ext cx="2" cy="277386"/>
-          </a:xfrm>
-          <a:prstGeom prst="straightConnector1">
-            <a:avLst/>
-          </a:prstGeom>
-          <a:ln>
-            <a:tailEnd type="triangle"/>
-          </a:ln>
-        </p:spPr>
-        <p:style>
-          <a:lnRef idx="2">
-            <a:schemeClr val="accent1"/>
-          </a:lnRef>
-          <a:fillRef idx="0">
-            <a:schemeClr val="accent1"/>
-          </a:fillRef>
-          <a:effectRef idx="1">
-            <a:schemeClr val="accent1"/>
-          </a:effectRef>
-          <a:fontRef idx="minor">
-            <a:schemeClr val="tx1"/>
-          </a:fontRef>
-        </p:style>
-      </p:cxnSp>
+      <mc:AlternateContent xmlns:mc="http://schemas.openxmlformats.org/markup-compatibility/2006">
+        <mc:Choice xmlns:a14="http://schemas.microsoft.com/office/drawing/2010/main" Requires="a14">
+          <p:sp>
+            <p:nvSpPr>
+              <p:cNvPr id="32" name="Rectangle 31">
+                <a:extLst>
+                  <a:ext uri="{FF2B5EF4-FFF2-40B4-BE49-F238E27FC236}">
+                    <a16:creationId xmlns:a16="http://schemas.microsoft.com/office/drawing/2014/main" id="{E6650403-4618-108C-E958-987C3993EC88}"/>
+                  </a:ext>
+                </a:extLst>
+              </p:cNvPr>
+              <p:cNvSpPr/>
+              <p:nvPr/>
+            </p:nvSpPr>
+            <p:spPr>
+              <a:xfrm>
+                <a:off x="4031247" y="1696032"/>
+                <a:ext cx="720961" cy="237560"/>
+              </a:xfrm>
+              <a:prstGeom prst="rect">
+                <a:avLst/>
+              </a:prstGeom>
+              <a:solidFill>
+                <a:schemeClr val="accent1">
+                  <a:lumMod val="20000"/>
+                  <a:lumOff val="80000"/>
+                </a:schemeClr>
+              </a:solidFill>
+              <a:ln>
+                <a:solidFill>
+                  <a:schemeClr val="accent1"/>
+                </a:solidFill>
+              </a:ln>
+            </p:spPr>
+            <p:style>
+              <a:lnRef idx="2">
+                <a:schemeClr val="accent1">
+                  <a:shade val="15000"/>
+                </a:schemeClr>
+              </a:lnRef>
+              <a:fillRef idx="1">
+                <a:schemeClr val="accent1"/>
+              </a:fillRef>
+              <a:effectRef idx="0">
+                <a:schemeClr val="accent1"/>
+              </a:effectRef>
+              <a:fontRef idx="minor">
+                <a:schemeClr val="lt1"/>
+              </a:fontRef>
+            </p:style>
+            <p:txBody>
+              <a:bodyPr rtlCol="0" anchor="ctr"/>
+              <a:lstStyle/>
+              <a:p>
+                <a:pPr algn="ctr"/>
+                <a14:m>
+                  <m:oMathPara xmlns:m="http://schemas.openxmlformats.org/officeDocument/2006/math">
+                    <m:oMathParaPr>
+                      <m:jc m:val="centerGroup"/>
+                    </m:oMathParaPr>
+                    <m:oMath xmlns:m="http://schemas.openxmlformats.org/officeDocument/2006/math">
+                      <m:r>
+                        <a:rPr lang="en-US" sz="1400" i="1" dirty="0" smtClean="0">
+                          <a:solidFill>
+                            <a:schemeClr val="tx1"/>
+                          </a:solidFill>
+                          <a:latin typeface="Cambria Math" panose="02040503050406030204" pitchFamily="18" charset="0"/>
+                        </a:rPr>
+                        <m:t>𝑖</m:t>
+                      </m:r>
+                      <m:r>
+                        <a:rPr lang="en-US" sz="1400" i="1" dirty="0" smtClean="0">
+                          <a:solidFill>
+                            <a:schemeClr val="tx1"/>
+                          </a:solidFill>
+                          <a:latin typeface="Cambria Math" panose="02040503050406030204" pitchFamily="18" charset="0"/>
+                        </a:rPr>
+                        <m:t>−1</m:t>
+                      </m:r>
+                    </m:oMath>
+                  </m:oMathPara>
+                </a14:m>
+                <a:endParaRPr lang="en-US" sz="1400" dirty="0">
+                  <a:solidFill>
+                    <a:schemeClr val="tx1"/>
+                  </a:solidFill>
+                </a:endParaRPr>
+              </a:p>
+            </p:txBody>
+          </p:sp>
+        </mc:Choice>
+        <mc:Fallback>
+          <p:sp>
+            <p:nvSpPr>
+              <p:cNvPr id="32" name="Rectangle 31">
+                <a:extLst>
+                  <a:ext uri="{FF2B5EF4-FFF2-40B4-BE49-F238E27FC236}">
+                    <a16:creationId xmlns:a16="http://schemas.microsoft.com/office/drawing/2014/main" id="{E6650403-4618-108C-E958-987C3993EC88}"/>
+                  </a:ext>
+                </a:extLst>
+              </p:cNvPr>
+              <p:cNvSpPr>
+                <a:spLocks noRot="1" noChangeAspect="1" noMove="1" noResize="1" noEditPoints="1" noAdjustHandles="1" noChangeArrowheads="1" noChangeShapeType="1" noTextEdit="1"/>
+              </p:cNvSpPr>
+              <p:nvPr/>
+            </p:nvSpPr>
+            <p:spPr>
+              <a:xfrm>
+                <a:off x="4031247" y="1696032"/>
+                <a:ext cx="720961" cy="237560"/>
+              </a:xfrm>
+              <a:prstGeom prst="rect">
+                <a:avLst/>
+              </a:prstGeom>
+              <a:blipFill>
+                <a:blip r:embed="rId3"/>
+                <a:stretch>
+                  <a:fillRect/>
+                </a:stretch>
+              </a:blipFill>
+              <a:ln>
+                <a:solidFill>
+                  <a:schemeClr val="accent1"/>
+                </a:solidFill>
+              </a:ln>
+            </p:spPr>
+            <p:txBody>
+              <a:bodyPr/>
+              <a:lstStyle/>
+              <a:p>
+                <a:r>
+                  <a:rPr lang="en-US">
+                    <a:noFill/>
+                  </a:rPr>
+                  <a:t> </a:t>
+                </a:r>
+              </a:p>
+            </p:txBody>
+          </p:sp>
+        </mc:Fallback>
+      </mc:AlternateContent>
+      <mc:AlternateContent xmlns:mc="http://schemas.openxmlformats.org/markup-compatibility/2006">
+        <mc:Choice xmlns:a14="http://schemas.microsoft.com/office/drawing/2010/main" Requires="a14">
+          <p:sp>
+            <p:nvSpPr>
+              <p:cNvPr id="35" name="Rectangle 34">
+                <a:extLst>
+                  <a:ext uri="{FF2B5EF4-FFF2-40B4-BE49-F238E27FC236}">
+                    <a16:creationId xmlns:a16="http://schemas.microsoft.com/office/drawing/2014/main" id="{55E06E8B-9ADC-3BAD-29D6-0FC39C3F6E4F}"/>
+                  </a:ext>
+                </a:extLst>
+              </p:cNvPr>
+              <p:cNvSpPr/>
+              <p:nvPr/>
+            </p:nvSpPr>
+            <p:spPr>
+              <a:xfrm>
+                <a:off x="4031247" y="1981978"/>
+                <a:ext cx="720960" cy="237560"/>
+              </a:xfrm>
+              <a:prstGeom prst="rect">
+                <a:avLst/>
+              </a:prstGeom>
+              <a:solidFill>
+                <a:schemeClr val="accent1">
+                  <a:lumMod val="20000"/>
+                  <a:lumOff val="80000"/>
+                </a:schemeClr>
+              </a:solidFill>
+              <a:ln>
+                <a:solidFill>
+                  <a:schemeClr val="accent1"/>
+                </a:solidFill>
+              </a:ln>
+            </p:spPr>
+            <p:style>
+              <a:lnRef idx="2">
+                <a:schemeClr val="accent1">
+                  <a:shade val="15000"/>
+                </a:schemeClr>
+              </a:lnRef>
+              <a:fillRef idx="1">
+                <a:schemeClr val="accent1"/>
+              </a:fillRef>
+              <a:effectRef idx="0">
+                <a:schemeClr val="accent1"/>
+              </a:effectRef>
+              <a:fontRef idx="minor">
+                <a:schemeClr val="lt1"/>
+              </a:fontRef>
+            </p:style>
+            <p:txBody>
+              <a:bodyPr rtlCol="0" anchor="ctr"/>
+              <a:lstStyle/>
+              <a:p>
+                <a:pPr algn="ctr"/>
+                <a14:m>
+                  <m:oMathPara xmlns:m="http://schemas.openxmlformats.org/officeDocument/2006/math">
+                    <m:oMathParaPr>
+                      <m:jc m:val="centerGroup"/>
+                    </m:oMathParaPr>
+                    <m:oMath xmlns:m="http://schemas.openxmlformats.org/officeDocument/2006/math">
+                      <m:r>
+                        <a:rPr lang="en-US" sz="1400" i="1" dirty="0" smtClean="0">
+                          <a:solidFill>
+                            <a:schemeClr val="tx1"/>
+                          </a:solidFill>
+                          <a:latin typeface="Cambria Math" panose="02040503050406030204" pitchFamily="18" charset="0"/>
+                        </a:rPr>
+                        <m:t>𝑖</m:t>
+                      </m:r>
+                    </m:oMath>
+                  </m:oMathPara>
+                </a14:m>
+                <a:endParaRPr lang="en-US" sz="1400" dirty="0">
+                  <a:solidFill>
+                    <a:schemeClr val="tx1"/>
+                  </a:solidFill>
+                </a:endParaRPr>
+              </a:p>
+            </p:txBody>
+          </p:sp>
+        </mc:Choice>
+        <mc:Fallback>
+          <p:sp>
+            <p:nvSpPr>
+              <p:cNvPr id="35" name="Rectangle 34">
+                <a:extLst>
+                  <a:ext uri="{FF2B5EF4-FFF2-40B4-BE49-F238E27FC236}">
+                    <a16:creationId xmlns:a16="http://schemas.microsoft.com/office/drawing/2014/main" id="{55E06E8B-9ADC-3BAD-29D6-0FC39C3F6E4F}"/>
+                  </a:ext>
+                </a:extLst>
+              </p:cNvPr>
+              <p:cNvSpPr>
+                <a:spLocks noRot="1" noChangeAspect="1" noMove="1" noResize="1" noEditPoints="1" noAdjustHandles="1" noChangeArrowheads="1" noChangeShapeType="1" noTextEdit="1"/>
+              </p:cNvSpPr>
+              <p:nvPr/>
+            </p:nvSpPr>
+            <p:spPr>
+              <a:xfrm>
+                <a:off x="4031247" y="1981978"/>
+                <a:ext cx="720960" cy="237560"/>
+              </a:xfrm>
+              <a:prstGeom prst="rect">
+                <a:avLst/>
+              </a:prstGeom>
+              <a:blipFill>
+                <a:blip r:embed="rId4"/>
+                <a:stretch>
+                  <a:fillRect/>
+                </a:stretch>
+              </a:blipFill>
+              <a:ln>
+                <a:solidFill>
+                  <a:schemeClr val="accent1"/>
+                </a:solidFill>
+              </a:ln>
+            </p:spPr>
+            <p:txBody>
+              <a:bodyPr/>
+              <a:lstStyle/>
+              <a:p>
+                <a:r>
+                  <a:rPr lang="en-US">
+                    <a:noFill/>
+                  </a:rPr>
+                  <a:t> </a:t>
+                </a:r>
+              </a:p>
+            </p:txBody>
+          </p:sp>
+        </mc:Fallback>
+      </mc:AlternateContent>
+      <mc:AlternateContent xmlns:mc="http://schemas.openxmlformats.org/markup-compatibility/2006">
+        <mc:Choice xmlns:a14="http://schemas.microsoft.com/office/drawing/2010/main" Requires="a14">
+          <p:sp>
+            <p:nvSpPr>
+              <p:cNvPr id="38" name="Rectangle 37">
+                <a:extLst>
+                  <a:ext uri="{FF2B5EF4-FFF2-40B4-BE49-F238E27FC236}">
+                    <a16:creationId xmlns:a16="http://schemas.microsoft.com/office/drawing/2014/main" id="{13AD4670-81AF-D669-02D8-2A954A2219E0}"/>
+                  </a:ext>
+                </a:extLst>
+              </p:cNvPr>
+              <p:cNvSpPr/>
+              <p:nvPr/>
+            </p:nvSpPr>
+            <p:spPr>
+              <a:xfrm>
+                <a:off x="4031247" y="3541096"/>
+                <a:ext cx="720958" cy="237559"/>
+              </a:xfrm>
+              <a:prstGeom prst="rect">
+                <a:avLst/>
+              </a:prstGeom>
+              <a:solidFill>
+                <a:schemeClr val="accent2">
+                  <a:lumMod val="20000"/>
+                  <a:lumOff val="80000"/>
+                </a:schemeClr>
+              </a:solidFill>
+              <a:ln>
+                <a:solidFill>
+                  <a:schemeClr val="accent2"/>
+                </a:solidFill>
+              </a:ln>
+            </p:spPr>
+            <p:style>
+              <a:lnRef idx="2">
+                <a:schemeClr val="accent1">
+                  <a:shade val="15000"/>
+                </a:schemeClr>
+              </a:lnRef>
+              <a:fillRef idx="1">
+                <a:schemeClr val="accent1"/>
+              </a:fillRef>
+              <a:effectRef idx="0">
+                <a:schemeClr val="accent1"/>
+              </a:effectRef>
+              <a:fontRef idx="minor">
+                <a:schemeClr val="lt1"/>
+              </a:fontRef>
+            </p:style>
+            <p:txBody>
+              <a:bodyPr rtlCol="0" anchor="ctr"/>
+              <a:lstStyle/>
+              <a:p>
+                <a:pPr algn="ctr"/>
+                <a14:m>
+                  <m:oMathPara xmlns:m="http://schemas.openxmlformats.org/officeDocument/2006/math">
+                    <m:oMathParaPr>
+                      <m:jc m:val="centerGroup"/>
+                    </m:oMathParaPr>
+                    <m:oMath xmlns:m="http://schemas.openxmlformats.org/officeDocument/2006/math">
+                      <m:r>
+                        <a:rPr lang="en-US" sz="1400" i="1" dirty="0" smtClean="0">
+                          <a:solidFill>
+                            <a:schemeClr val="tx1"/>
+                          </a:solidFill>
+                          <a:latin typeface="Cambria Math" panose="02040503050406030204" pitchFamily="18" charset="0"/>
+                        </a:rPr>
+                        <m:t>𝑖</m:t>
+                      </m:r>
+                    </m:oMath>
+                  </m:oMathPara>
+                </a14:m>
+                <a:endParaRPr lang="en-US" sz="1400" dirty="0">
+                  <a:solidFill>
+                    <a:schemeClr val="tx1"/>
+                  </a:solidFill>
+                </a:endParaRPr>
+              </a:p>
+            </p:txBody>
+          </p:sp>
+        </mc:Choice>
+        <mc:Fallback>
+          <p:sp>
+            <p:nvSpPr>
+              <p:cNvPr id="38" name="Rectangle 37">
+                <a:extLst>
+                  <a:ext uri="{FF2B5EF4-FFF2-40B4-BE49-F238E27FC236}">
+                    <a16:creationId xmlns:a16="http://schemas.microsoft.com/office/drawing/2014/main" id="{13AD4670-81AF-D669-02D8-2A954A2219E0}"/>
+                  </a:ext>
+                </a:extLst>
+              </p:cNvPr>
+              <p:cNvSpPr>
+                <a:spLocks noRot="1" noChangeAspect="1" noMove="1" noResize="1" noEditPoints="1" noAdjustHandles="1" noChangeArrowheads="1" noChangeShapeType="1" noTextEdit="1"/>
+              </p:cNvSpPr>
+              <p:nvPr/>
+            </p:nvSpPr>
+            <p:spPr>
+              <a:xfrm>
+                <a:off x="4031247" y="3541096"/>
+                <a:ext cx="720958" cy="237559"/>
+              </a:xfrm>
+              <a:prstGeom prst="rect">
+                <a:avLst/>
+              </a:prstGeom>
+              <a:blipFill>
+                <a:blip r:embed="rId5"/>
+                <a:stretch>
+                  <a:fillRect/>
+                </a:stretch>
+              </a:blipFill>
+              <a:ln>
+                <a:solidFill>
+                  <a:schemeClr val="accent2"/>
+                </a:solidFill>
+              </a:ln>
+            </p:spPr>
+            <p:txBody>
+              <a:bodyPr/>
+              <a:lstStyle/>
+              <a:p>
+                <a:r>
+                  <a:rPr lang="en-US">
+                    <a:noFill/>
+                  </a:rPr>
+                  <a:t> </a:t>
+                </a:r>
+              </a:p>
+            </p:txBody>
+          </p:sp>
+        </mc:Fallback>
+      </mc:AlternateContent>
       <p:sp>
         <p:nvSpPr>
-          <p:cNvPr id="37" name="Rectangle: Rounded Corners 36">
-            <a:extLst>
-              <a:ext uri="{FF2B5EF4-FFF2-40B4-BE49-F238E27FC236}">
-                <a16:creationId xmlns:a16="http://schemas.microsoft.com/office/drawing/2014/main" id="{7A044FE9-9E60-C73A-DF74-715C43A22D7F}"/>
+          <p:cNvPr id="42" name="Rectangle: Rounded Corners 41">
+            <a:extLst>
+              <a:ext uri="{FF2B5EF4-FFF2-40B4-BE49-F238E27FC236}">
+                <a16:creationId xmlns:a16="http://schemas.microsoft.com/office/drawing/2014/main" id="{3BE7C4F5-BDC0-56F4-2C7A-8650FDF1C385}"/>
               </a:ext>
             </a:extLst>
           </p:cNvPr>
@@ -6622,28 +6471,30 @@
         </p:nvSpPr>
         <p:spPr>
           <a:xfrm>
-            <a:off x="6771459" y="3762445"/>
-            <a:ext cx="4357896" cy="517905"/>
+            <a:off x="5033289" y="2432560"/>
+            <a:ext cx="1062711" cy="461174"/>
           </a:xfrm>
           <a:prstGeom prst="roundRect">
-            <a:avLst/>
+            <a:avLst>
+              <a:gd name="adj" fmla="val 17092"/>
+            </a:avLst>
           </a:prstGeom>
           <a:solidFill>
-            <a:schemeClr val="accent2">
-              <a:lumMod val="20000"/>
-              <a:lumOff val="80000"/>
+            <a:schemeClr val="tx2">
+              <a:lumMod val="10000"/>
+              <a:lumOff val="90000"/>
             </a:schemeClr>
           </a:solidFill>
-          <a:ln>
+          <a:ln w="19050">
             <a:solidFill>
-              <a:schemeClr val="accent2"/>
+              <a:schemeClr val="accent1"/>
             </a:solidFill>
           </a:ln>
         </p:spPr>
         <p:style>
           <a:lnRef idx="2">
             <a:schemeClr val="accent1">
-              <a:shade val="15000"/>
+              <a:shade val="50000"/>
             </a:schemeClr>
           </a:lnRef>
           <a:fillRef idx="1">
@@ -6662,13 +6513,671 @@
           <a:p>
             <a:pPr algn="ctr"/>
             <a:r>
-              <a:rPr lang="en-US" b="1" dirty="0">
+              <a:rPr lang="en-US" sz="1400" b="1" dirty="0">
                 <a:solidFill>
                   <a:schemeClr val="tx1"/>
                 </a:solidFill>
               </a:rPr>
-              <a:t>Linear, 256, ReLU</a:t>
+              <a:t>FNN</a:t>
             </a:r>
+          </a:p>
+        </p:txBody>
+      </p:sp>
+      <p:cxnSp>
+        <p:nvCxnSpPr>
+          <p:cNvPr id="43" name="Straight Arrow Connector 42">
+            <a:extLst>
+              <a:ext uri="{FF2B5EF4-FFF2-40B4-BE49-F238E27FC236}">
+                <a16:creationId xmlns:a16="http://schemas.microsoft.com/office/drawing/2014/main" id="{842ED40D-F399-01CD-CA88-F5AB24BCDCF9}"/>
+              </a:ext>
+            </a:extLst>
+          </p:cNvPr>
+          <p:cNvCxnSpPr>
+            <a:cxnSpLocks/>
+            <a:stCxn id="45" idx="2"/>
+            <a:endCxn id="42" idx="0"/>
+          </p:cNvCxnSpPr>
+          <p:nvPr/>
+        </p:nvCxnSpPr>
+        <p:spPr>
+          <a:xfrm>
+            <a:off x="5564645" y="2219538"/>
+            <a:ext cx="0" cy="213022"/>
+          </a:xfrm>
+          <a:prstGeom prst="straightConnector1">
+            <a:avLst/>
+          </a:prstGeom>
+          <a:ln>
+            <a:tailEnd type="triangle"/>
+          </a:ln>
+        </p:spPr>
+        <p:style>
+          <a:lnRef idx="2">
+            <a:schemeClr val="accent1"/>
+          </a:lnRef>
+          <a:fillRef idx="0">
+            <a:schemeClr val="accent1"/>
+          </a:fillRef>
+          <a:effectRef idx="1">
+            <a:schemeClr val="accent1"/>
+          </a:effectRef>
+          <a:fontRef idx="minor">
+            <a:schemeClr val="tx1"/>
+          </a:fontRef>
+        </p:style>
+      </p:cxnSp>
+      <p:cxnSp>
+        <p:nvCxnSpPr>
+          <p:cNvPr id="44" name="Straight Arrow Connector 43">
+            <a:extLst>
+              <a:ext uri="{FF2B5EF4-FFF2-40B4-BE49-F238E27FC236}">
+                <a16:creationId xmlns:a16="http://schemas.microsoft.com/office/drawing/2014/main" id="{8ABE1368-42A5-3C1B-93A9-C01604D6D0F2}"/>
+              </a:ext>
+            </a:extLst>
+          </p:cNvPr>
+          <p:cNvCxnSpPr/>
+          <p:nvPr/>
+        </p:nvCxnSpPr>
+        <p:spPr>
+          <a:xfrm>
+            <a:off x="5564645" y="2893734"/>
+            <a:ext cx="1" cy="165901"/>
+          </a:xfrm>
+          <a:prstGeom prst="straightConnector1">
+            <a:avLst/>
+          </a:prstGeom>
+          <a:ln>
+            <a:tailEnd type="triangle"/>
+          </a:ln>
+        </p:spPr>
+        <p:style>
+          <a:lnRef idx="2">
+            <a:schemeClr val="accent1"/>
+          </a:lnRef>
+          <a:fillRef idx="0">
+            <a:schemeClr val="accent1"/>
+          </a:fillRef>
+          <a:effectRef idx="1">
+            <a:schemeClr val="accent1"/>
+          </a:effectRef>
+          <a:fontRef idx="minor">
+            <a:schemeClr val="tx1"/>
+          </a:fontRef>
+        </p:style>
+      </p:cxnSp>
+      <mc:AlternateContent xmlns:mc="http://schemas.openxmlformats.org/markup-compatibility/2006">
+        <mc:Choice xmlns:a14="http://schemas.microsoft.com/office/drawing/2010/main" Requires="a14">
+          <p:sp>
+            <p:nvSpPr>
+              <p:cNvPr id="45" name="Rectangle 44">
+                <a:extLst>
+                  <a:ext uri="{FF2B5EF4-FFF2-40B4-BE49-F238E27FC236}">
+                    <a16:creationId xmlns:a16="http://schemas.microsoft.com/office/drawing/2014/main" id="{790AC41F-53AF-3E6E-30B6-6E6600C3E6F3}"/>
+                  </a:ext>
+                </a:extLst>
+              </p:cNvPr>
+              <p:cNvSpPr/>
+              <p:nvPr/>
+            </p:nvSpPr>
+            <p:spPr>
+              <a:xfrm>
+                <a:off x="5204165" y="1981978"/>
+                <a:ext cx="720960" cy="237560"/>
+              </a:xfrm>
+              <a:prstGeom prst="rect">
+                <a:avLst/>
+              </a:prstGeom>
+              <a:solidFill>
+                <a:schemeClr val="accent1">
+                  <a:lumMod val="20000"/>
+                  <a:lumOff val="80000"/>
+                </a:schemeClr>
+              </a:solidFill>
+              <a:ln>
+                <a:solidFill>
+                  <a:schemeClr val="accent1"/>
+                </a:solidFill>
+              </a:ln>
+            </p:spPr>
+            <p:style>
+              <a:lnRef idx="2">
+                <a:schemeClr val="accent1">
+                  <a:shade val="15000"/>
+                </a:schemeClr>
+              </a:lnRef>
+              <a:fillRef idx="1">
+                <a:schemeClr val="accent1"/>
+              </a:fillRef>
+              <a:effectRef idx="0">
+                <a:schemeClr val="accent1"/>
+              </a:effectRef>
+              <a:fontRef idx="minor">
+                <a:schemeClr val="lt1"/>
+              </a:fontRef>
+            </p:style>
+            <p:txBody>
+              <a:bodyPr rtlCol="0" anchor="ctr"/>
+              <a:lstStyle/>
+              <a:p>
+                <a:pPr algn="ctr"/>
+                <a14:m>
+                  <m:oMathPara xmlns:m="http://schemas.openxmlformats.org/officeDocument/2006/math">
+                    <m:oMathParaPr>
+                      <m:jc m:val="centerGroup"/>
+                    </m:oMathParaPr>
+                    <m:oMath xmlns:m="http://schemas.openxmlformats.org/officeDocument/2006/math">
+                      <m:r>
+                        <a:rPr lang="en-US" sz="1400" i="1" dirty="0" smtClean="0">
+                          <a:solidFill>
+                            <a:schemeClr val="tx1"/>
+                          </a:solidFill>
+                          <a:latin typeface="Cambria Math" panose="02040503050406030204" pitchFamily="18" charset="0"/>
+                        </a:rPr>
+                        <m:t>𝑖</m:t>
+                      </m:r>
+                    </m:oMath>
+                  </m:oMathPara>
+                </a14:m>
+                <a:endParaRPr lang="en-US" sz="1400" dirty="0">
+                  <a:solidFill>
+                    <a:schemeClr val="tx1"/>
+                  </a:solidFill>
+                </a:endParaRPr>
+              </a:p>
+            </p:txBody>
+          </p:sp>
+        </mc:Choice>
+        <mc:Fallback>
+          <p:sp>
+            <p:nvSpPr>
+              <p:cNvPr id="45" name="Rectangle 44">
+                <a:extLst>
+                  <a:ext uri="{FF2B5EF4-FFF2-40B4-BE49-F238E27FC236}">
+                    <a16:creationId xmlns:a16="http://schemas.microsoft.com/office/drawing/2014/main" id="{790AC41F-53AF-3E6E-30B6-6E6600C3E6F3}"/>
+                  </a:ext>
+                </a:extLst>
+              </p:cNvPr>
+              <p:cNvSpPr>
+                <a:spLocks noRot="1" noChangeAspect="1" noMove="1" noResize="1" noEditPoints="1" noAdjustHandles="1" noChangeArrowheads="1" noChangeShapeType="1" noTextEdit="1"/>
+              </p:cNvSpPr>
+              <p:nvPr/>
+            </p:nvSpPr>
+            <p:spPr>
+              <a:xfrm>
+                <a:off x="5204165" y="1981978"/>
+                <a:ext cx="720960" cy="237560"/>
+              </a:xfrm>
+              <a:prstGeom prst="rect">
+                <a:avLst/>
+              </a:prstGeom>
+              <a:blipFill>
+                <a:blip r:embed="rId6"/>
+                <a:stretch>
+                  <a:fillRect/>
+                </a:stretch>
+              </a:blipFill>
+              <a:ln>
+                <a:solidFill>
+                  <a:schemeClr val="accent1"/>
+                </a:solidFill>
+              </a:ln>
+            </p:spPr>
+            <p:txBody>
+              <a:bodyPr/>
+              <a:lstStyle/>
+              <a:p>
+                <a:r>
+                  <a:rPr lang="en-US">
+                    <a:noFill/>
+                  </a:rPr>
+                  <a:t> </a:t>
+                </a:r>
+              </a:p>
+            </p:txBody>
+          </p:sp>
+        </mc:Fallback>
+      </mc:AlternateContent>
+      <p:sp>
+        <p:nvSpPr>
+          <p:cNvPr id="48" name="TextBox 47">
+            <a:extLst>
+              <a:ext uri="{FF2B5EF4-FFF2-40B4-BE49-F238E27FC236}">
+                <a16:creationId xmlns:a16="http://schemas.microsoft.com/office/drawing/2014/main" id="{0C67B0A2-5346-CA1A-A8D6-BF33E5D95A39}"/>
+              </a:ext>
+            </a:extLst>
+          </p:cNvPr>
+          <p:cNvSpPr txBox="1"/>
+          <p:nvPr/>
+        </p:nvSpPr>
+        <p:spPr>
+          <a:xfrm>
+            <a:off x="3982637" y="874948"/>
+            <a:ext cx="827686" cy="523220"/>
+          </a:xfrm>
+          <a:prstGeom prst="rect">
+            <a:avLst/>
+          </a:prstGeom>
+          <a:noFill/>
+        </p:spPr>
+        <p:txBody>
+          <a:bodyPr wrap="square" rtlCol="0">
+            <a:spAutoFit/>
+          </a:bodyPr>
+          <a:lstStyle/>
+          <a:p>
+            <a:pPr algn="ctr"/>
+            <a:r>
+              <a:rPr lang="en-US" sz="1400" dirty="0"/>
+              <a:t>Input Tensor</a:t>
+            </a:r>
+          </a:p>
+        </p:txBody>
+      </p:sp>
+      <p:sp>
+        <p:nvSpPr>
+          <p:cNvPr id="49" name="Rectangle 48">
+            <a:extLst>
+              <a:ext uri="{FF2B5EF4-FFF2-40B4-BE49-F238E27FC236}">
+                <a16:creationId xmlns:a16="http://schemas.microsoft.com/office/drawing/2014/main" id="{BDEFB7EE-9976-03FA-59A2-782BF257907C}"/>
+              </a:ext>
+            </a:extLst>
+          </p:cNvPr>
+          <p:cNvSpPr/>
+          <p:nvPr/>
+        </p:nvSpPr>
+        <p:spPr>
+          <a:xfrm>
+            <a:off x="5156428" y="1520419"/>
+            <a:ext cx="824968" cy="746240"/>
+          </a:xfrm>
+          <a:prstGeom prst="rect">
+            <a:avLst/>
+          </a:prstGeom>
+          <a:noFill/>
+          <a:ln>
+            <a:solidFill>
+              <a:schemeClr val="accent1"/>
+            </a:solidFill>
+          </a:ln>
+        </p:spPr>
+        <p:style>
+          <a:lnRef idx="2">
+            <a:schemeClr val="accent1">
+              <a:shade val="15000"/>
+            </a:schemeClr>
+          </a:lnRef>
+          <a:fillRef idx="1">
+            <a:schemeClr val="accent1"/>
+          </a:fillRef>
+          <a:effectRef idx="0">
+            <a:schemeClr val="accent1"/>
+          </a:effectRef>
+          <a:fontRef idx="minor">
+            <a:schemeClr val="lt1"/>
+          </a:fontRef>
+        </p:style>
+        <p:txBody>
+          <a:bodyPr rtlCol="0" anchor="ctr"/>
+          <a:lstStyle/>
+          <a:p>
+            <a:pPr algn="ctr"/>
+            <a:endParaRPr lang="en-US" sz="1400" dirty="0">
+              <a:solidFill>
+                <a:schemeClr val="tx1"/>
+              </a:solidFill>
+            </a:endParaRPr>
+          </a:p>
+        </p:txBody>
+      </p:sp>
+      <p:sp>
+        <p:nvSpPr>
+          <p:cNvPr id="50" name="TextBox 49">
+            <a:extLst>
+              <a:ext uri="{FF2B5EF4-FFF2-40B4-BE49-F238E27FC236}">
+                <a16:creationId xmlns:a16="http://schemas.microsoft.com/office/drawing/2014/main" id="{447B9C3B-FD9B-A205-552E-C0EDFF78C200}"/>
+              </a:ext>
+            </a:extLst>
+          </p:cNvPr>
+          <p:cNvSpPr txBox="1"/>
+          <p:nvPr/>
+        </p:nvSpPr>
+        <p:spPr>
+          <a:xfrm>
+            <a:off x="5146090" y="1457952"/>
+            <a:ext cx="827686" cy="523220"/>
+          </a:xfrm>
+          <a:prstGeom prst="rect">
+            <a:avLst/>
+          </a:prstGeom>
+          <a:noFill/>
+        </p:spPr>
+        <p:txBody>
+          <a:bodyPr wrap="square" rtlCol="0">
+            <a:spAutoFit/>
+          </a:bodyPr>
+          <a:lstStyle/>
+          <a:p>
+            <a:pPr algn="ctr"/>
+            <a:r>
+              <a:rPr lang="en-US" sz="1400" dirty="0"/>
+              <a:t>Input Tensor</a:t>
+            </a:r>
+          </a:p>
+        </p:txBody>
+      </p:sp>
+      <p:sp>
+        <p:nvSpPr>
+          <p:cNvPr id="51" name="TextBox 50">
+            <a:extLst>
+              <a:ext uri="{FF2B5EF4-FFF2-40B4-BE49-F238E27FC236}">
+                <a16:creationId xmlns:a16="http://schemas.microsoft.com/office/drawing/2014/main" id="{EE6D5046-2BF8-9DA4-F801-E03867611253}"/>
+              </a:ext>
+            </a:extLst>
+          </p:cNvPr>
+          <p:cNvSpPr txBox="1"/>
+          <p:nvPr/>
+        </p:nvSpPr>
+        <p:spPr>
+          <a:xfrm>
+            <a:off x="3972299" y="3030771"/>
+            <a:ext cx="827686" cy="523220"/>
+          </a:xfrm>
+          <a:prstGeom prst="rect">
+            <a:avLst/>
+          </a:prstGeom>
+          <a:noFill/>
+        </p:spPr>
+        <p:txBody>
+          <a:bodyPr wrap="square" rtlCol="0">
+            <a:spAutoFit/>
+          </a:bodyPr>
+          <a:lstStyle/>
+          <a:p>
+            <a:pPr algn="ctr"/>
+            <a:r>
+              <a:rPr lang="en-US" sz="1400" dirty="0"/>
+              <a:t>Output Tensor</a:t>
+            </a:r>
+          </a:p>
+        </p:txBody>
+      </p:sp>
+      <p:sp>
+        <p:nvSpPr>
+          <p:cNvPr id="52" name="Rectangle 51">
+            <a:extLst>
+              <a:ext uri="{FF2B5EF4-FFF2-40B4-BE49-F238E27FC236}">
+                <a16:creationId xmlns:a16="http://schemas.microsoft.com/office/drawing/2014/main" id="{0EE7DD8F-A6D9-87A4-4A2D-8F9B98453F91}"/>
+              </a:ext>
+            </a:extLst>
+          </p:cNvPr>
+          <p:cNvSpPr/>
+          <p:nvPr/>
+        </p:nvSpPr>
+        <p:spPr>
+          <a:xfrm>
+            <a:off x="3975016" y="3071649"/>
+            <a:ext cx="835305" cy="774524"/>
+          </a:xfrm>
+          <a:prstGeom prst="rect">
+            <a:avLst/>
+          </a:prstGeom>
+          <a:noFill/>
+          <a:ln>
+            <a:solidFill>
+              <a:schemeClr val="accent2"/>
+            </a:solidFill>
+          </a:ln>
+        </p:spPr>
+        <p:style>
+          <a:lnRef idx="2">
+            <a:schemeClr val="accent1">
+              <a:shade val="15000"/>
+            </a:schemeClr>
+          </a:lnRef>
+          <a:fillRef idx="1">
+            <a:schemeClr val="accent1"/>
+          </a:fillRef>
+          <a:effectRef idx="0">
+            <a:schemeClr val="accent1"/>
+          </a:effectRef>
+          <a:fontRef idx="minor">
+            <a:schemeClr val="lt1"/>
+          </a:fontRef>
+        </p:style>
+        <p:txBody>
+          <a:bodyPr rtlCol="0" anchor="ctr"/>
+          <a:lstStyle/>
+          <a:p>
+            <a:pPr algn="ctr"/>
+            <a:endParaRPr lang="en-US" sz="1400" dirty="0">
+              <a:solidFill>
+                <a:schemeClr val="tx1"/>
+              </a:solidFill>
+            </a:endParaRPr>
+          </a:p>
+        </p:txBody>
+      </p:sp>
+      <mc:AlternateContent xmlns:mc="http://schemas.openxmlformats.org/markup-compatibility/2006">
+        <mc:Choice xmlns:a14="http://schemas.microsoft.com/office/drawing/2010/main" Requires="a14">
+          <p:sp>
+            <p:nvSpPr>
+              <p:cNvPr id="53" name="Rectangle 52">
+                <a:extLst>
+                  <a:ext uri="{FF2B5EF4-FFF2-40B4-BE49-F238E27FC236}">
+                    <a16:creationId xmlns:a16="http://schemas.microsoft.com/office/drawing/2014/main" id="{01189270-A7C8-C92D-B8EB-0C5135A38D1E}"/>
+                  </a:ext>
+                </a:extLst>
+              </p:cNvPr>
+              <p:cNvSpPr/>
+              <p:nvPr/>
+            </p:nvSpPr>
+            <p:spPr>
+              <a:xfrm>
+                <a:off x="5232682" y="3537825"/>
+                <a:ext cx="720958" cy="237559"/>
+              </a:xfrm>
+              <a:prstGeom prst="rect">
+                <a:avLst/>
+              </a:prstGeom>
+              <a:solidFill>
+                <a:schemeClr val="accent2">
+                  <a:lumMod val="20000"/>
+                  <a:lumOff val="80000"/>
+                </a:schemeClr>
+              </a:solidFill>
+              <a:ln>
+                <a:solidFill>
+                  <a:schemeClr val="accent2"/>
+                </a:solidFill>
+              </a:ln>
+            </p:spPr>
+            <p:style>
+              <a:lnRef idx="2">
+                <a:schemeClr val="accent1">
+                  <a:shade val="15000"/>
+                </a:schemeClr>
+              </a:lnRef>
+              <a:fillRef idx="1">
+                <a:schemeClr val="accent1"/>
+              </a:fillRef>
+              <a:effectRef idx="0">
+                <a:schemeClr val="accent1"/>
+              </a:effectRef>
+              <a:fontRef idx="minor">
+                <a:schemeClr val="lt1"/>
+              </a:fontRef>
+            </p:style>
+            <p:txBody>
+              <a:bodyPr rtlCol="0" anchor="ctr"/>
+              <a:lstStyle/>
+              <a:p>
+                <a:pPr algn="ctr"/>
+                <a14:m>
+                  <m:oMathPara xmlns:m="http://schemas.openxmlformats.org/officeDocument/2006/math">
+                    <m:oMathParaPr>
+                      <m:jc m:val="centerGroup"/>
+                    </m:oMathParaPr>
+                    <m:oMath xmlns:m="http://schemas.openxmlformats.org/officeDocument/2006/math">
+                      <m:r>
+                        <a:rPr lang="en-US" sz="1400" i="1" dirty="0" smtClean="0">
+                          <a:solidFill>
+                            <a:schemeClr val="tx1"/>
+                          </a:solidFill>
+                          <a:latin typeface="Cambria Math" panose="02040503050406030204" pitchFamily="18" charset="0"/>
+                        </a:rPr>
+                        <m:t>𝑖</m:t>
+                      </m:r>
+                    </m:oMath>
+                  </m:oMathPara>
+                </a14:m>
+                <a:endParaRPr lang="en-US" sz="1400" dirty="0">
+                  <a:solidFill>
+                    <a:schemeClr val="tx1"/>
+                  </a:solidFill>
+                </a:endParaRPr>
+              </a:p>
+            </p:txBody>
+          </p:sp>
+        </mc:Choice>
+        <mc:Fallback>
+          <p:sp>
+            <p:nvSpPr>
+              <p:cNvPr id="53" name="Rectangle 52">
+                <a:extLst>
+                  <a:ext uri="{FF2B5EF4-FFF2-40B4-BE49-F238E27FC236}">
+                    <a16:creationId xmlns:a16="http://schemas.microsoft.com/office/drawing/2014/main" id="{01189270-A7C8-C92D-B8EB-0C5135A38D1E}"/>
+                  </a:ext>
+                </a:extLst>
+              </p:cNvPr>
+              <p:cNvSpPr>
+                <a:spLocks noRot="1" noChangeAspect="1" noMove="1" noResize="1" noEditPoints="1" noAdjustHandles="1" noChangeArrowheads="1" noChangeShapeType="1" noTextEdit="1"/>
+              </p:cNvSpPr>
+              <p:nvPr/>
+            </p:nvSpPr>
+            <p:spPr>
+              <a:xfrm>
+                <a:off x="5232682" y="3537825"/>
+                <a:ext cx="720958" cy="237559"/>
+              </a:xfrm>
+              <a:prstGeom prst="rect">
+                <a:avLst/>
+              </a:prstGeom>
+              <a:blipFill>
+                <a:blip r:embed="rId7"/>
+                <a:stretch>
+                  <a:fillRect/>
+                </a:stretch>
+              </a:blipFill>
+              <a:ln>
+                <a:solidFill>
+                  <a:schemeClr val="accent2"/>
+                </a:solidFill>
+              </a:ln>
+            </p:spPr>
+            <p:txBody>
+              <a:bodyPr/>
+              <a:lstStyle/>
+              <a:p>
+                <a:r>
+                  <a:rPr lang="en-US">
+                    <a:noFill/>
+                  </a:rPr>
+                  <a:t> </a:t>
+                </a:r>
+              </a:p>
+            </p:txBody>
+          </p:sp>
+        </mc:Fallback>
+      </mc:AlternateContent>
+      <p:sp>
+        <p:nvSpPr>
+          <p:cNvPr id="54" name="TextBox 53">
+            <a:extLst>
+              <a:ext uri="{FF2B5EF4-FFF2-40B4-BE49-F238E27FC236}">
+                <a16:creationId xmlns:a16="http://schemas.microsoft.com/office/drawing/2014/main" id="{D6F6A2B5-7D23-7B53-A0D9-014306BE181C}"/>
+              </a:ext>
+            </a:extLst>
+          </p:cNvPr>
+          <p:cNvSpPr txBox="1"/>
+          <p:nvPr/>
+        </p:nvSpPr>
+        <p:spPr>
+          <a:xfrm>
+            <a:off x="5173734" y="3019880"/>
+            <a:ext cx="827686" cy="523220"/>
+          </a:xfrm>
+          <a:prstGeom prst="rect">
+            <a:avLst/>
+          </a:prstGeom>
+          <a:noFill/>
+        </p:spPr>
+        <p:txBody>
+          <a:bodyPr wrap="square" rtlCol="0">
+            <a:spAutoFit/>
+          </a:bodyPr>
+          <a:lstStyle/>
+          <a:p>
+            <a:pPr algn="ctr"/>
+            <a:r>
+              <a:rPr lang="en-US" sz="1400" dirty="0"/>
+              <a:t>Output Tensor</a:t>
+            </a:r>
+          </a:p>
+        </p:txBody>
+      </p:sp>
+      <p:sp>
+        <p:nvSpPr>
+          <p:cNvPr id="55" name="Rectangle 54">
+            <a:extLst>
+              <a:ext uri="{FF2B5EF4-FFF2-40B4-BE49-F238E27FC236}">
+                <a16:creationId xmlns:a16="http://schemas.microsoft.com/office/drawing/2014/main" id="{8E18B77D-4BE9-0A5F-6E92-3DD8C501AD67}"/>
+              </a:ext>
+            </a:extLst>
+          </p:cNvPr>
+          <p:cNvSpPr/>
+          <p:nvPr/>
+        </p:nvSpPr>
+        <p:spPr>
+          <a:xfrm>
+            <a:off x="5176451" y="3068378"/>
+            <a:ext cx="835305" cy="774524"/>
+          </a:xfrm>
+          <a:prstGeom prst="rect">
+            <a:avLst/>
+          </a:prstGeom>
+          <a:noFill/>
+          <a:ln>
+            <a:solidFill>
+              <a:schemeClr val="accent2"/>
+            </a:solidFill>
+          </a:ln>
+        </p:spPr>
+        <p:style>
+          <a:lnRef idx="2">
+            <a:schemeClr val="accent1">
+              <a:shade val="15000"/>
+            </a:schemeClr>
+          </a:lnRef>
+          <a:fillRef idx="1">
+            <a:schemeClr val="accent1"/>
+          </a:fillRef>
+          <a:effectRef idx="0">
+            <a:schemeClr val="accent1"/>
+          </a:effectRef>
+          <a:fontRef idx="minor">
+            <a:schemeClr val="lt1"/>
+          </a:fontRef>
+        </p:style>
+        <p:txBody>
+          <a:bodyPr rtlCol="0" anchor="ctr"/>
+          <a:lstStyle/>
+          <a:p>
+            <a:pPr algn="ctr"/>
+            <a:endParaRPr lang="en-US" sz="1400" dirty="0">
+              <a:solidFill>
+                <a:schemeClr val="tx1"/>
+              </a:solidFill>
+            </a:endParaRPr>
           </a:p>
         </p:txBody>
       </p:sp>
@@ -6725,7 +7234,7 @@
         </p:nvCxnSpPr>
         <p:spPr>
           <a:xfrm flipV="1">
-            <a:off x="9408352" y="3709778"/>
+            <a:off x="6142637" y="2853435"/>
             <a:ext cx="0" cy="429446"/>
           </a:xfrm>
           <a:prstGeom prst="straightConnector1">
@@ -6773,7 +7282,7 @@
         </p:nvCxnSpPr>
         <p:spPr>
           <a:xfrm flipV="1">
-            <a:off x="9408352" y="4514727"/>
+            <a:off x="6142637" y="3658384"/>
             <a:ext cx="0" cy="389131"/>
           </a:xfrm>
           <a:prstGeom prst="straightConnector1">
@@ -6821,7 +7330,7 @@
         </p:nvCxnSpPr>
         <p:spPr>
           <a:xfrm flipV="1">
-            <a:off x="9408352" y="5279361"/>
+            <a:off x="6142637" y="4423018"/>
             <a:ext cx="0" cy="438666"/>
           </a:xfrm>
           <a:prstGeom prst="straightConnector1">
@@ -6849,1317 +7358,6 @@
           </a:fontRef>
         </p:style>
       </p:cxnSp>
-      <p:sp>
-        <p:nvSpPr>
-          <p:cNvPr id="3" name="TextBox 2">
-            <a:extLst>
-              <a:ext uri="{FF2B5EF4-FFF2-40B4-BE49-F238E27FC236}">
-                <a16:creationId xmlns:a16="http://schemas.microsoft.com/office/drawing/2014/main" id="{62A7DA1F-2311-BE71-C13A-66677624F2B4}"/>
-              </a:ext>
-            </a:extLst>
-          </p:cNvPr>
-          <p:cNvSpPr txBox="1"/>
-          <p:nvPr/>
-        </p:nvSpPr>
-        <p:spPr>
-          <a:xfrm>
-            <a:off x="485761" y="1880994"/>
-            <a:ext cx="1246889" cy="369332"/>
-          </a:xfrm>
-          <a:prstGeom prst="rect">
-            <a:avLst/>
-          </a:prstGeom>
-          <a:noFill/>
-        </p:spPr>
-        <p:txBody>
-          <a:bodyPr wrap="square" rtlCol="0">
-            <a:spAutoFit/>
-          </a:bodyPr>
-          <a:lstStyle/>
-          <a:p>
-            <a:r>
-              <a:rPr lang="en-US" dirty="0"/>
-              <a:t>Instance 1</a:t>
-            </a:r>
-          </a:p>
-        </p:txBody>
-      </p:sp>
-      <p:sp>
-        <p:nvSpPr>
-          <p:cNvPr id="6" name="TextBox 5">
-            <a:extLst>
-              <a:ext uri="{FF2B5EF4-FFF2-40B4-BE49-F238E27FC236}">
-                <a16:creationId xmlns:a16="http://schemas.microsoft.com/office/drawing/2014/main" id="{5CD0ED24-40A2-BA1E-6C89-C5637D4401D4}"/>
-              </a:ext>
-            </a:extLst>
-          </p:cNvPr>
-          <p:cNvSpPr txBox="1"/>
-          <p:nvPr/>
-        </p:nvSpPr>
-        <p:spPr>
-          <a:xfrm>
-            <a:off x="610687" y="3397153"/>
-            <a:ext cx="1062711" cy="369332"/>
-          </a:xfrm>
-          <a:prstGeom prst="rect">
-            <a:avLst/>
-          </a:prstGeom>
-          <a:noFill/>
-        </p:spPr>
-        <p:txBody>
-          <a:bodyPr wrap="square" rtlCol="0">
-            <a:spAutoFit/>
-          </a:bodyPr>
-          <a:lstStyle/>
-          <a:p>
-            <a:pPr algn="ctr"/>
-            <a:r>
-              <a:rPr lang="en-US" dirty="0">
-                <a:latin typeface="Calibri" panose="020F0502020204030204" pitchFamily="34" charset="0"/>
-                <a:ea typeface="Calibri" panose="020F0502020204030204" pitchFamily="34" charset="0"/>
-                <a:cs typeface="Calibri" panose="020F0502020204030204" pitchFamily="34" charset="0"/>
-              </a:rPr>
-              <a:t>⁞</a:t>
-            </a:r>
-            <a:endParaRPr lang="en-US" dirty="0"/>
-          </a:p>
-        </p:txBody>
-      </p:sp>
-      <p:sp>
-        <p:nvSpPr>
-          <p:cNvPr id="8" name="Rectangle: Rounded Corners 7">
-            <a:extLst>
-              <a:ext uri="{FF2B5EF4-FFF2-40B4-BE49-F238E27FC236}">
-                <a16:creationId xmlns:a16="http://schemas.microsoft.com/office/drawing/2014/main" id="{E67F605F-4BBE-736C-9850-6C1280D71436}"/>
-              </a:ext>
-            </a:extLst>
-          </p:cNvPr>
-          <p:cNvSpPr/>
-          <p:nvPr/>
-        </p:nvSpPr>
-        <p:spPr>
-          <a:xfrm>
-            <a:off x="4241232" y="3039824"/>
-            <a:ext cx="1573591" cy="461174"/>
-          </a:xfrm>
-          <a:prstGeom prst="roundRect">
-            <a:avLst>
-              <a:gd name="adj" fmla="val 17092"/>
-            </a:avLst>
-          </a:prstGeom>
-          <a:solidFill>
-            <a:schemeClr val="tx2">
-              <a:lumMod val="10000"/>
-              <a:lumOff val="90000"/>
-            </a:schemeClr>
-          </a:solidFill>
-          <a:ln w="19050">
-            <a:solidFill>
-              <a:schemeClr val="accent1"/>
-            </a:solidFill>
-          </a:ln>
-        </p:spPr>
-        <p:style>
-          <a:lnRef idx="2">
-            <a:schemeClr val="accent1">
-              <a:shade val="50000"/>
-            </a:schemeClr>
-          </a:lnRef>
-          <a:fillRef idx="1">
-            <a:schemeClr val="accent1"/>
-          </a:fillRef>
-          <a:effectRef idx="0">
-            <a:schemeClr val="accent1"/>
-          </a:effectRef>
-          <a:fontRef idx="minor">
-            <a:schemeClr val="lt1"/>
-          </a:fontRef>
-        </p:style>
-        <p:txBody>
-          <a:bodyPr rtlCol="0" anchor="ctr"/>
-          <a:lstStyle/>
-          <a:p>
-            <a:pPr algn="ctr"/>
-            <a:r>
-              <a:rPr lang="en-US" sz="1400" b="1" dirty="0">
-                <a:solidFill>
-                  <a:schemeClr val="tx1"/>
-                </a:solidFill>
-              </a:rPr>
-              <a:t>CNN</a:t>
-            </a:r>
-          </a:p>
-        </p:txBody>
-      </p:sp>
-      <p:sp>
-        <p:nvSpPr>
-          <p:cNvPr id="9" name="TextBox 8">
-            <a:extLst>
-              <a:ext uri="{FF2B5EF4-FFF2-40B4-BE49-F238E27FC236}">
-                <a16:creationId xmlns:a16="http://schemas.microsoft.com/office/drawing/2014/main" id="{67E332BE-1985-FEC1-F859-5DA6F988248E}"/>
-              </a:ext>
-            </a:extLst>
-          </p:cNvPr>
-          <p:cNvSpPr txBox="1"/>
-          <p:nvPr/>
-        </p:nvSpPr>
-        <p:spPr>
-          <a:xfrm>
-            <a:off x="1789374" y="1489587"/>
-            <a:ext cx="815351" cy="369332"/>
-          </a:xfrm>
-          <a:prstGeom prst="rect">
-            <a:avLst/>
-          </a:prstGeom>
-          <a:noFill/>
-        </p:spPr>
-        <p:txBody>
-          <a:bodyPr wrap="none" rtlCol="0">
-            <a:spAutoFit/>
-          </a:bodyPr>
-          <a:lstStyle/>
-          <a:p>
-            <a:r>
-              <a:rPr lang="en-US" dirty="0"/>
-              <a:t>Inputs</a:t>
-            </a:r>
-          </a:p>
-        </p:txBody>
-      </p:sp>
-      <p:sp>
-        <p:nvSpPr>
-          <p:cNvPr id="10" name="TextBox 9">
-            <a:extLst>
-              <a:ext uri="{FF2B5EF4-FFF2-40B4-BE49-F238E27FC236}">
-                <a16:creationId xmlns:a16="http://schemas.microsoft.com/office/drawing/2014/main" id="{E98DEAFF-C478-7DCD-61FF-07A9C6596329}"/>
-              </a:ext>
-            </a:extLst>
-          </p:cNvPr>
-          <p:cNvSpPr txBox="1"/>
-          <p:nvPr/>
-        </p:nvSpPr>
-        <p:spPr>
-          <a:xfrm>
-            <a:off x="2881443" y="1441889"/>
-            <a:ext cx="1001300" cy="369332"/>
-          </a:xfrm>
-          <a:prstGeom prst="rect">
-            <a:avLst/>
-          </a:prstGeom>
-          <a:noFill/>
-        </p:spPr>
-        <p:txBody>
-          <a:bodyPr wrap="none" rtlCol="0">
-            <a:spAutoFit/>
-          </a:bodyPr>
-          <a:lstStyle/>
-          <a:p>
-            <a:r>
-              <a:rPr lang="en-US" dirty="0"/>
-              <a:t>Outputs</a:t>
-            </a:r>
-          </a:p>
-        </p:txBody>
-      </p:sp>
-      <p:sp>
-        <p:nvSpPr>
-          <p:cNvPr id="11" name="Rectangle 10">
-            <a:extLst>
-              <a:ext uri="{FF2B5EF4-FFF2-40B4-BE49-F238E27FC236}">
-                <a16:creationId xmlns:a16="http://schemas.microsoft.com/office/drawing/2014/main" id="{4EC424FA-B748-D8A6-4314-6CCE8131B06C}"/>
-              </a:ext>
-            </a:extLst>
-          </p:cNvPr>
-          <p:cNvSpPr/>
-          <p:nvPr/>
-        </p:nvSpPr>
-        <p:spPr>
-          <a:xfrm>
-            <a:off x="1849590" y="2025667"/>
-            <a:ext cx="720961" cy="170234"/>
-          </a:xfrm>
-          <a:prstGeom prst="rect">
-            <a:avLst/>
-          </a:prstGeom>
-          <a:solidFill>
-            <a:schemeClr val="accent1">
-              <a:lumMod val="20000"/>
-              <a:lumOff val="80000"/>
-            </a:schemeClr>
-          </a:solidFill>
-          <a:ln>
-            <a:solidFill>
-              <a:schemeClr val="accent1"/>
-            </a:solidFill>
-          </a:ln>
-        </p:spPr>
-        <p:style>
-          <a:lnRef idx="2">
-            <a:schemeClr val="accent1">
-              <a:shade val="15000"/>
-            </a:schemeClr>
-          </a:lnRef>
-          <a:fillRef idx="1">
-            <a:schemeClr val="accent1"/>
-          </a:fillRef>
-          <a:effectRef idx="0">
-            <a:schemeClr val="accent1"/>
-          </a:effectRef>
-          <a:fontRef idx="minor">
-            <a:schemeClr val="lt1"/>
-          </a:fontRef>
-        </p:style>
-        <p:txBody>
-          <a:bodyPr rtlCol="0" anchor="ctr"/>
-          <a:lstStyle/>
-          <a:p>
-            <a:pPr algn="ctr"/>
-            <a:r>
-              <a:rPr lang="en-US" sz="1100" dirty="0">
-                <a:solidFill>
-                  <a:schemeClr val="tx1"/>
-                </a:solidFill>
-              </a:rPr>
-              <a:t>1</a:t>
-            </a:r>
-          </a:p>
-        </p:txBody>
-      </p:sp>
-      <p:sp>
-        <p:nvSpPr>
-          <p:cNvPr id="12" name="Rectangle 11">
-            <a:extLst>
-              <a:ext uri="{FF2B5EF4-FFF2-40B4-BE49-F238E27FC236}">
-                <a16:creationId xmlns:a16="http://schemas.microsoft.com/office/drawing/2014/main" id="{0BE712C5-84F7-9C6D-A67A-98EC9DE0973B}"/>
-              </a:ext>
-            </a:extLst>
-          </p:cNvPr>
-          <p:cNvSpPr/>
-          <p:nvPr/>
-        </p:nvSpPr>
-        <p:spPr>
-          <a:xfrm>
-            <a:off x="2913740" y="2025666"/>
-            <a:ext cx="936706" cy="170234"/>
-          </a:xfrm>
-          <a:prstGeom prst="rect">
-            <a:avLst/>
-          </a:prstGeom>
-          <a:solidFill>
-            <a:schemeClr val="accent2">
-              <a:lumMod val="20000"/>
-              <a:lumOff val="80000"/>
-            </a:schemeClr>
-          </a:solidFill>
-          <a:ln>
-            <a:solidFill>
-              <a:schemeClr val="accent2"/>
-            </a:solidFill>
-          </a:ln>
-        </p:spPr>
-        <p:style>
-          <a:lnRef idx="2">
-            <a:schemeClr val="accent1">
-              <a:shade val="15000"/>
-            </a:schemeClr>
-          </a:lnRef>
-          <a:fillRef idx="1">
-            <a:schemeClr val="accent1"/>
-          </a:fillRef>
-          <a:effectRef idx="0">
-            <a:schemeClr val="accent1"/>
-          </a:effectRef>
-          <a:fontRef idx="minor">
-            <a:schemeClr val="lt1"/>
-          </a:fontRef>
-        </p:style>
-        <p:txBody>
-          <a:bodyPr rtlCol="0" anchor="ctr"/>
-          <a:lstStyle/>
-          <a:p>
-            <a:pPr algn="ctr"/>
-            <a:r>
-              <a:rPr lang="en-US" sz="1100" dirty="0">
-                <a:solidFill>
-                  <a:schemeClr val="tx1"/>
-                </a:solidFill>
-              </a:rPr>
-              <a:t>1</a:t>
-            </a:r>
-          </a:p>
-        </p:txBody>
-      </p:sp>
-      <p:sp>
-        <p:nvSpPr>
-          <p:cNvPr id="13" name="Rectangle 12">
-            <a:extLst>
-              <a:ext uri="{FF2B5EF4-FFF2-40B4-BE49-F238E27FC236}">
-                <a16:creationId xmlns:a16="http://schemas.microsoft.com/office/drawing/2014/main" id="{11FC14E3-E368-DCB3-1BB7-B49EA05E70A1}"/>
-              </a:ext>
-            </a:extLst>
-          </p:cNvPr>
-          <p:cNvSpPr/>
-          <p:nvPr/>
-        </p:nvSpPr>
-        <p:spPr>
-          <a:xfrm>
-            <a:off x="1849398" y="2441343"/>
-            <a:ext cx="720961" cy="166442"/>
-          </a:xfrm>
-          <a:prstGeom prst="rect">
-            <a:avLst/>
-          </a:prstGeom>
-          <a:solidFill>
-            <a:schemeClr val="accent1">
-              <a:lumMod val="20000"/>
-              <a:lumOff val="80000"/>
-            </a:schemeClr>
-          </a:solidFill>
-          <a:ln>
-            <a:solidFill>
-              <a:schemeClr val="accent1"/>
-            </a:solidFill>
-          </a:ln>
-        </p:spPr>
-        <p:style>
-          <a:lnRef idx="2">
-            <a:schemeClr val="accent1">
-              <a:shade val="15000"/>
-            </a:schemeClr>
-          </a:lnRef>
-          <a:fillRef idx="1">
-            <a:schemeClr val="accent1"/>
-          </a:fillRef>
-          <a:effectRef idx="0">
-            <a:schemeClr val="accent1"/>
-          </a:effectRef>
-          <a:fontRef idx="minor">
-            <a:schemeClr val="lt1"/>
-          </a:fontRef>
-        </p:style>
-        <p:txBody>
-          <a:bodyPr rtlCol="0" anchor="ctr"/>
-          <a:lstStyle/>
-          <a:p>
-            <a:pPr algn="ctr"/>
-            <a:r>
-              <a:rPr lang="en-US" sz="1100" dirty="0">
-                <a:solidFill>
-                  <a:schemeClr val="tx1"/>
-                </a:solidFill>
-              </a:rPr>
-              <a:t>2</a:t>
-            </a:r>
-          </a:p>
-        </p:txBody>
-      </p:sp>
-      <p:sp>
-        <p:nvSpPr>
-          <p:cNvPr id="14" name="Rectangle 13">
-            <a:extLst>
-              <a:ext uri="{FF2B5EF4-FFF2-40B4-BE49-F238E27FC236}">
-                <a16:creationId xmlns:a16="http://schemas.microsoft.com/office/drawing/2014/main" id="{B057BF21-867C-4628-29CE-1AAD3ECDB065}"/>
-              </a:ext>
-            </a:extLst>
-          </p:cNvPr>
-          <p:cNvSpPr/>
-          <p:nvPr/>
-        </p:nvSpPr>
-        <p:spPr>
-          <a:xfrm>
-            <a:off x="2913739" y="2441343"/>
-            <a:ext cx="936706" cy="166442"/>
-          </a:xfrm>
-          <a:prstGeom prst="rect">
-            <a:avLst/>
-          </a:prstGeom>
-          <a:solidFill>
-            <a:schemeClr val="accent2">
-              <a:lumMod val="20000"/>
-              <a:lumOff val="80000"/>
-            </a:schemeClr>
-          </a:solidFill>
-          <a:ln>
-            <a:solidFill>
-              <a:schemeClr val="accent2"/>
-            </a:solidFill>
-          </a:ln>
-        </p:spPr>
-        <p:style>
-          <a:lnRef idx="2">
-            <a:schemeClr val="accent1">
-              <a:shade val="15000"/>
-            </a:schemeClr>
-          </a:lnRef>
-          <a:fillRef idx="1">
-            <a:schemeClr val="accent1"/>
-          </a:fillRef>
-          <a:effectRef idx="0">
-            <a:schemeClr val="accent1"/>
-          </a:effectRef>
-          <a:fontRef idx="minor">
-            <a:schemeClr val="lt1"/>
-          </a:fontRef>
-        </p:style>
-        <p:txBody>
-          <a:bodyPr rtlCol="0" anchor="ctr"/>
-          <a:lstStyle/>
-          <a:p>
-            <a:pPr algn="ctr"/>
-            <a:r>
-              <a:rPr lang="en-US" sz="1100" dirty="0">
-                <a:solidFill>
-                  <a:schemeClr val="tx1"/>
-                </a:solidFill>
-              </a:rPr>
-              <a:t>2</a:t>
-            </a:r>
-          </a:p>
-        </p:txBody>
-      </p:sp>
-      <p:sp>
-        <p:nvSpPr>
-          <p:cNvPr id="15" name="Rectangle 14">
-            <a:extLst>
-              <a:ext uri="{FF2B5EF4-FFF2-40B4-BE49-F238E27FC236}">
-                <a16:creationId xmlns:a16="http://schemas.microsoft.com/office/drawing/2014/main" id="{B2F3D4D0-5868-5C0E-A858-49000C9D9DAD}"/>
-              </a:ext>
-            </a:extLst>
-          </p:cNvPr>
-          <p:cNvSpPr/>
-          <p:nvPr/>
-        </p:nvSpPr>
-        <p:spPr>
-          <a:xfrm>
-            <a:off x="1849398" y="2830422"/>
-            <a:ext cx="720960" cy="165901"/>
-          </a:xfrm>
-          <a:prstGeom prst="rect">
-            <a:avLst/>
-          </a:prstGeom>
-          <a:solidFill>
-            <a:schemeClr val="accent1">
-              <a:lumMod val="20000"/>
-              <a:lumOff val="80000"/>
-            </a:schemeClr>
-          </a:solidFill>
-          <a:ln>
-            <a:solidFill>
-              <a:schemeClr val="accent1"/>
-            </a:solidFill>
-          </a:ln>
-        </p:spPr>
-        <p:style>
-          <a:lnRef idx="2">
-            <a:schemeClr val="accent1">
-              <a:shade val="15000"/>
-            </a:schemeClr>
-          </a:lnRef>
-          <a:fillRef idx="1">
-            <a:schemeClr val="accent1"/>
-          </a:fillRef>
-          <a:effectRef idx="0">
-            <a:schemeClr val="accent1"/>
-          </a:effectRef>
-          <a:fontRef idx="minor">
-            <a:schemeClr val="lt1"/>
-          </a:fontRef>
-        </p:style>
-        <p:txBody>
-          <a:bodyPr rtlCol="0" anchor="ctr"/>
-          <a:lstStyle/>
-          <a:p>
-            <a:pPr algn="ctr"/>
-            <a:r>
-              <a:rPr lang="en-US" sz="1100" dirty="0">
-                <a:solidFill>
-                  <a:schemeClr val="tx1"/>
-                </a:solidFill>
-              </a:rPr>
-              <a:t>3</a:t>
-            </a:r>
-          </a:p>
-        </p:txBody>
-      </p:sp>
-      <p:sp>
-        <p:nvSpPr>
-          <p:cNvPr id="17" name="Rectangle 16">
-            <a:extLst>
-              <a:ext uri="{FF2B5EF4-FFF2-40B4-BE49-F238E27FC236}">
-                <a16:creationId xmlns:a16="http://schemas.microsoft.com/office/drawing/2014/main" id="{5A34C915-DE2E-C16D-4C55-7F4F3AA8DA81}"/>
-              </a:ext>
-            </a:extLst>
-          </p:cNvPr>
-          <p:cNvSpPr/>
-          <p:nvPr/>
-        </p:nvSpPr>
-        <p:spPr>
-          <a:xfrm>
-            <a:off x="2913738" y="2830422"/>
-            <a:ext cx="933200" cy="165901"/>
-          </a:xfrm>
-          <a:prstGeom prst="rect">
-            <a:avLst/>
-          </a:prstGeom>
-          <a:solidFill>
-            <a:schemeClr val="accent2">
-              <a:lumMod val="20000"/>
-              <a:lumOff val="80000"/>
-            </a:schemeClr>
-          </a:solidFill>
-          <a:ln>
-            <a:solidFill>
-              <a:schemeClr val="accent2"/>
-            </a:solidFill>
-          </a:ln>
-        </p:spPr>
-        <p:style>
-          <a:lnRef idx="2">
-            <a:schemeClr val="accent1">
-              <a:shade val="15000"/>
-            </a:schemeClr>
-          </a:lnRef>
-          <a:fillRef idx="1">
-            <a:schemeClr val="accent1"/>
-          </a:fillRef>
-          <a:effectRef idx="0">
-            <a:schemeClr val="accent1"/>
-          </a:effectRef>
-          <a:fontRef idx="minor">
-            <a:schemeClr val="lt1"/>
-          </a:fontRef>
-        </p:style>
-        <p:txBody>
-          <a:bodyPr rtlCol="0" anchor="ctr"/>
-          <a:lstStyle/>
-          <a:p>
-            <a:pPr algn="ctr"/>
-            <a:r>
-              <a:rPr lang="en-US" sz="1100" dirty="0">
-                <a:solidFill>
-                  <a:schemeClr val="tx1"/>
-                </a:solidFill>
-              </a:rPr>
-              <a:t>3</a:t>
-            </a:r>
-          </a:p>
-        </p:txBody>
-      </p:sp>
-      <p:sp>
-        <p:nvSpPr>
-          <p:cNvPr id="18" name="Rectangle 17">
-            <a:extLst>
-              <a:ext uri="{FF2B5EF4-FFF2-40B4-BE49-F238E27FC236}">
-                <a16:creationId xmlns:a16="http://schemas.microsoft.com/office/drawing/2014/main" id="{43C17012-AF95-446D-3EEE-869C55EEC690}"/>
-              </a:ext>
-            </a:extLst>
-          </p:cNvPr>
-          <p:cNvSpPr/>
-          <p:nvPr/>
-        </p:nvSpPr>
-        <p:spPr>
-          <a:xfrm>
-            <a:off x="1849398" y="4122839"/>
-            <a:ext cx="720960" cy="146153"/>
-          </a:xfrm>
-          <a:prstGeom prst="rect">
-            <a:avLst/>
-          </a:prstGeom>
-          <a:solidFill>
-            <a:schemeClr val="accent1">
-              <a:lumMod val="20000"/>
-              <a:lumOff val="80000"/>
-            </a:schemeClr>
-          </a:solidFill>
-          <a:ln>
-            <a:solidFill>
-              <a:schemeClr val="accent1"/>
-            </a:solidFill>
-          </a:ln>
-        </p:spPr>
-        <p:style>
-          <a:lnRef idx="2">
-            <a:schemeClr val="accent1">
-              <a:shade val="15000"/>
-            </a:schemeClr>
-          </a:lnRef>
-          <a:fillRef idx="1">
-            <a:schemeClr val="accent1"/>
-          </a:fillRef>
-          <a:effectRef idx="0">
-            <a:schemeClr val="accent1"/>
-          </a:effectRef>
-          <a:fontRef idx="minor">
-            <a:schemeClr val="lt1"/>
-          </a:fontRef>
-        </p:style>
-        <p:txBody>
-          <a:bodyPr rtlCol="0" anchor="ctr"/>
-          <a:lstStyle/>
-          <a:p>
-            <a:pPr algn="ctr"/>
-            <a:r>
-              <a:rPr lang="en-US" sz="1100" dirty="0">
-                <a:solidFill>
-                  <a:schemeClr val="tx1"/>
-                </a:solidFill>
-              </a:rPr>
-              <a:t>n</a:t>
-            </a:r>
-          </a:p>
-        </p:txBody>
-      </p:sp>
-      <p:sp>
-        <p:nvSpPr>
-          <p:cNvPr id="20" name="Rectangle 19">
-            <a:extLst>
-              <a:ext uri="{FF2B5EF4-FFF2-40B4-BE49-F238E27FC236}">
-                <a16:creationId xmlns:a16="http://schemas.microsoft.com/office/drawing/2014/main" id="{A4841729-E7EA-DEF2-B02D-B791EE5C066F}"/>
-              </a:ext>
-            </a:extLst>
-          </p:cNvPr>
-          <p:cNvSpPr/>
-          <p:nvPr/>
-        </p:nvSpPr>
-        <p:spPr>
-          <a:xfrm>
-            <a:off x="2913738" y="4122840"/>
-            <a:ext cx="936708" cy="140480"/>
-          </a:xfrm>
-          <a:prstGeom prst="rect">
-            <a:avLst/>
-          </a:prstGeom>
-          <a:solidFill>
-            <a:schemeClr val="accent2">
-              <a:lumMod val="20000"/>
-              <a:lumOff val="80000"/>
-            </a:schemeClr>
-          </a:solidFill>
-          <a:ln>
-            <a:solidFill>
-              <a:schemeClr val="accent2"/>
-            </a:solidFill>
-          </a:ln>
-        </p:spPr>
-        <p:style>
-          <a:lnRef idx="2">
-            <a:schemeClr val="accent1">
-              <a:shade val="15000"/>
-            </a:schemeClr>
-          </a:lnRef>
-          <a:fillRef idx="1">
-            <a:schemeClr val="accent1"/>
-          </a:fillRef>
-          <a:effectRef idx="0">
-            <a:schemeClr val="accent1"/>
-          </a:effectRef>
-          <a:fontRef idx="minor">
-            <a:schemeClr val="lt1"/>
-          </a:fontRef>
-        </p:style>
-        <p:txBody>
-          <a:bodyPr rtlCol="0" anchor="ctr"/>
-          <a:lstStyle/>
-          <a:p>
-            <a:pPr algn="ctr"/>
-            <a:r>
-              <a:rPr lang="en-US" sz="1100" dirty="0">
-                <a:solidFill>
-                  <a:schemeClr val="tx1"/>
-                </a:solidFill>
-              </a:rPr>
-              <a:t>n</a:t>
-            </a:r>
-          </a:p>
-        </p:txBody>
-      </p:sp>
-      <p:sp>
-        <p:nvSpPr>
-          <p:cNvPr id="21" name="Rectangle 20">
-            <a:extLst>
-              <a:ext uri="{FF2B5EF4-FFF2-40B4-BE49-F238E27FC236}">
-                <a16:creationId xmlns:a16="http://schemas.microsoft.com/office/drawing/2014/main" id="{987DD69F-D499-32B0-B8A9-D7036B27D53A}"/>
-              </a:ext>
-            </a:extLst>
-          </p:cNvPr>
-          <p:cNvSpPr/>
-          <p:nvPr/>
-        </p:nvSpPr>
-        <p:spPr>
-          <a:xfrm>
-            <a:off x="4559675" y="2135259"/>
-            <a:ext cx="936706" cy="146153"/>
-          </a:xfrm>
-          <a:prstGeom prst="rect">
-            <a:avLst/>
-          </a:prstGeom>
-          <a:solidFill>
-            <a:schemeClr val="accent1">
-              <a:lumMod val="20000"/>
-              <a:lumOff val="80000"/>
-            </a:schemeClr>
-          </a:solidFill>
-          <a:ln>
-            <a:solidFill>
-              <a:schemeClr val="accent1"/>
-            </a:solidFill>
-          </a:ln>
-        </p:spPr>
-        <p:style>
-          <a:lnRef idx="2">
-            <a:schemeClr val="accent1">
-              <a:shade val="15000"/>
-            </a:schemeClr>
-          </a:lnRef>
-          <a:fillRef idx="1">
-            <a:schemeClr val="accent1"/>
-          </a:fillRef>
-          <a:effectRef idx="0">
-            <a:schemeClr val="accent1"/>
-          </a:effectRef>
-          <a:fontRef idx="minor">
-            <a:schemeClr val="lt1"/>
-          </a:fontRef>
-        </p:style>
-        <p:txBody>
-          <a:bodyPr rtlCol="0" anchor="ctr"/>
-          <a:lstStyle/>
-          <a:p>
-            <a:pPr algn="ctr"/>
-            <a:r>
-              <a:rPr lang="en-US" sz="1100" dirty="0">
-                <a:solidFill>
-                  <a:schemeClr val="tx1"/>
-                </a:solidFill>
-              </a:rPr>
-              <a:t>i-2</a:t>
-            </a:r>
-          </a:p>
-        </p:txBody>
-      </p:sp>
-      <p:sp>
-        <p:nvSpPr>
-          <p:cNvPr id="22" name="Rectangle 21">
-            <a:extLst>
-              <a:ext uri="{FF2B5EF4-FFF2-40B4-BE49-F238E27FC236}">
-                <a16:creationId xmlns:a16="http://schemas.microsoft.com/office/drawing/2014/main" id="{3149FA99-131A-6649-7C87-01C373C200C2}"/>
-              </a:ext>
-            </a:extLst>
-          </p:cNvPr>
-          <p:cNvSpPr/>
-          <p:nvPr/>
-        </p:nvSpPr>
-        <p:spPr>
-          <a:xfrm>
-            <a:off x="4559675" y="2393002"/>
-            <a:ext cx="936706" cy="146153"/>
-          </a:xfrm>
-          <a:prstGeom prst="rect">
-            <a:avLst/>
-          </a:prstGeom>
-          <a:solidFill>
-            <a:schemeClr val="accent1">
-              <a:lumMod val="20000"/>
-              <a:lumOff val="80000"/>
-            </a:schemeClr>
-          </a:solidFill>
-          <a:ln>
-            <a:solidFill>
-              <a:schemeClr val="accent1"/>
-            </a:solidFill>
-          </a:ln>
-        </p:spPr>
-        <p:style>
-          <a:lnRef idx="2">
-            <a:schemeClr val="accent1">
-              <a:shade val="15000"/>
-            </a:schemeClr>
-          </a:lnRef>
-          <a:fillRef idx="1">
-            <a:schemeClr val="accent1"/>
-          </a:fillRef>
-          <a:effectRef idx="0">
-            <a:schemeClr val="accent1"/>
-          </a:effectRef>
-          <a:fontRef idx="minor">
-            <a:schemeClr val="lt1"/>
-          </a:fontRef>
-        </p:style>
-        <p:txBody>
-          <a:bodyPr rtlCol="0" anchor="ctr"/>
-          <a:lstStyle/>
-          <a:p>
-            <a:pPr algn="ctr"/>
-            <a:r>
-              <a:rPr lang="en-US" sz="1100" dirty="0">
-                <a:solidFill>
-                  <a:schemeClr val="tx1"/>
-                </a:solidFill>
-              </a:rPr>
-              <a:t>i-1</a:t>
-            </a:r>
-          </a:p>
-        </p:txBody>
-      </p:sp>
-      <p:sp>
-        <p:nvSpPr>
-          <p:cNvPr id="23" name="Rectangle 22">
-            <a:extLst>
-              <a:ext uri="{FF2B5EF4-FFF2-40B4-BE49-F238E27FC236}">
-                <a16:creationId xmlns:a16="http://schemas.microsoft.com/office/drawing/2014/main" id="{5D05437D-DAB4-C96C-2B63-22E2F5B9A401}"/>
-              </a:ext>
-            </a:extLst>
-          </p:cNvPr>
-          <p:cNvSpPr/>
-          <p:nvPr/>
-        </p:nvSpPr>
-        <p:spPr>
-          <a:xfrm>
-            <a:off x="4559675" y="2650745"/>
-            <a:ext cx="936706" cy="146153"/>
-          </a:xfrm>
-          <a:prstGeom prst="rect">
-            <a:avLst/>
-          </a:prstGeom>
-          <a:solidFill>
-            <a:schemeClr val="accent1">
-              <a:lumMod val="20000"/>
-              <a:lumOff val="80000"/>
-            </a:schemeClr>
-          </a:solidFill>
-          <a:ln>
-            <a:solidFill>
-              <a:schemeClr val="accent1"/>
-            </a:solidFill>
-          </a:ln>
-        </p:spPr>
-        <p:style>
-          <a:lnRef idx="2">
-            <a:schemeClr val="accent1">
-              <a:shade val="15000"/>
-            </a:schemeClr>
-          </a:lnRef>
-          <a:fillRef idx="1">
-            <a:schemeClr val="accent1"/>
-          </a:fillRef>
-          <a:effectRef idx="0">
-            <a:schemeClr val="accent1"/>
-          </a:effectRef>
-          <a:fontRef idx="minor">
-            <a:schemeClr val="lt1"/>
-          </a:fontRef>
-        </p:style>
-        <p:txBody>
-          <a:bodyPr rtlCol="0" anchor="ctr"/>
-          <a:lstStyle/>
-          <a:p>
-            <a:pPr algn="ctr"/>
-            <a:r>
-              <a:rPr lang="en-US" sz="1100" dirty="0">
-                <a:solidFill>
-                  <a:schemeClr val="tx1"/>
-                </a:solidFill>
-              </a:rPr>
-              <a:t>i</a:t>
-            </a:r>
-          </a:p>
-        </p:txBody>
-      </p:sp>
-      <p:cxnSp>
-        <p:nvCxnSpPr>
-          <p:cNvPr id="25" name="Straight Arrow Connector 24">
-            <a:extLst>
-              <a:ext uri="{FF2B5EF4-FFF2-40B4-BE49-F238E27FC236}">
-                <a16:creationId xmlns:a16="http://schemas.microsoft.com/office/drawing/2014/main" id="{C5F49174-0ADB-497C-1A2E-A38F2AFC85A9}"/>
-              </a:ext>
-            </a:extLst>
-          </p:cNvPr>
-          <p:cNvCxnSpPr>
-            <a:endCxn id="8" idx="0"/>
-          </p:cNvCxnSpPr>
-          <p:nvPr/>
-        </p:nvCxnSpPr>
-        <p:spPr>
-          <a:xfrm>
-            <a:off x="5028027" y="2873923"/>
-            <a:ext cx="1" cy="165901"/>
-          </a:xfrm>
-          <a:prstGeom prst="straightConnector1">
-            <a:avLst/>
-          </a:prstGeom>
-          <a:ln>
-            <a:tailEnd type="triangle"/>
-          </a:ln>
-        </p:spPr>
-        <p:style>
-          <a:lnRef idx="2">
-            <a:schemeClr val="accent1"/>
-          </a:lnRef>
-          <a:fillRef idx="0">
-            <a:schemeClr val="accent1"/>
-          </a:fillRef>
-          <a:effectRef idx="1">
-            <a:schemeClr val="accent1"/>
-          </a:effectRef>
-          <a:fontRef idx="minor">
-            <a:schemeClr val="tx1"/>
-          </a:fontRef>
-        </p:style>
-      </p:cxnSp>
-      <p:cxnSp>
-        <p:nvCxnSpPr>
-          <p:cNvPr id="26" name="Straight Arrow Connector 25">
-            <a:extLst>
-              <a:ext uri="{FF2B5EF4-FFF2-40B4-BE49-F238E27FC236}">
-                <a16:creationId xmlns:a16="http://schemas.microsoft.com/office/drawing/2014/main" id="{3A6444C2-93C2-DA8D-3971-1AF722B15A6F}"/>
-              </a:ext>
-            </a:extLst>
-          </p:cNvPr>
-          <p:cNvCxnSpPr/>
-          <p:nvPr/>
-        </p:nvCxnSpPr>
-        <p:spPr>
-          <a:xfrm>
-            <a:off x="5028026" y="3500998"/>
-            <a:ext cx="1" cy="165901"/>
-          </a:xfrm>
-          <a:prstGeom prst="straightConnector1">
-            <a:avLst/>
-          </a:prstGeom>
-          <a:ln>
-            <a:tailEnd type="triangle"/>
-          </a:ln>
-        </p:spPr>
-        <p:style>
-          <a:lnRef idx="2">
-            <a:schemeClr val="accent1"/>
-          </a:lnRef>
-          <a:fillRef idx="0">
-            <a:schemeClr val="accent1"/>
-          </a:fillRef>
-          <a:effectRef idx="1">
-            <a:schemeClr val="accent1"/>
-          </a:effectRef>
-          <a:fontRef idx="minor">
-            <a:schemeClr val="tx1"/>
-          </a:fontRef>
-        </p:style>
-      </p:cxnSp>
-      <p:sp>
-        <p:nvSpPr>
-          <p:cNvPr id="27" name="Rectangle 26">
-            <a:extLst>
-              <a:ext uri="{FF2B5EF4-FFF2-40B4-BE49-F238E27FC236}">
-                <a16:creationId xmlns:a16="http://schemas.microsoft.com/office/drawing/2014/main" id="{8E035286-9AD5-0E53-16E8-8E31EA8D8B95}"/>
-              </a:ext>
-            </a:extLst>
-          </p:cNvPr>
-          <p:cNvSpPr/>
-          <p:nvPr/>
-        </p:nvSpPr>
-        <p:spPr>
-          <a:xfrm>
-            <a:off x="4287909" y="3762445"/>
-            <a:ext cx="1480233" cy="146153"/>
-          </a:xfrm>
-          <a:prstGeom prst="rect">
-            <a:avLst/>
-          </a:prstGeom>
-          <a:solidFill>
-            <a:schemeClr val="accent2">
-              <a:lumMod val="20000"/>
-              <a:lumOff val="80000"/>
-            </a:schemeClr>
-          </a:solidFill>
-          <a:ln>
-            <a:solidFill>
-              <a:schemeClr val="accent2"/>
-            </a:solidFill>
-          </a:ln>
-        </p:spPr>
-        <p:style>
-          <a:lnRef idx="2">
-            <a:schemeClr val="accent1">
-              <a:shade val="15000"/>
-            </a:schemeClr>
-          </a:lnRef>
-          <a:fillRef idx="1">
-            <a:schemeClr val="accent1"/>
-          </a:fillRef>
-          <a:effectRef idx="0">
-            <a:schemeClr val="accent1"/>
-          </a:effectRef>
-          <a:fontRef idx="minor">
-            <a:schemeClr val="lt1"/>
-          </a:fontRef>
-        </p:style>
-        <p:txBody>
-          <a:bodyPr rtlCol="0" anchor="ctr"/>
-          <a:lstStyle/>
-          <a:p>
-            <a:pPr algn="ctr"/>
-            <a:r>
-              <a:rPr lang="en-US" sz="1100" dirty="0">
-                <a:solidFill>
-                  <a:schemeClr val="tx1"/>
-                </a:solidFill>
-              </a:rPr>
-              <a:t>i</a:t>
-            </a:r>
-          </a:p>
-        </p:txBody>
-      </p:sp>
-      <p:sp>
-        <p:nvSpPr>
-          <p:cNvPr id="7" name="TextBox 6">
-            <a:extLst>
-              <a:ext uri="{FF2B5EF4-FFF2-40B4-BE49-F238E27FC236}">
-                <a16:creationId xmlns:a16="http://schemas.microsoft.com/office/drawing/2014/main" id="{07D719BA-E0D0-0FB0-8CB2-3DBA4024C48E}"/>
-              </a:ext>
-            </a:extLst>
-          </p:cNvPr>
-          <p:cNvSpPr txBox="1"/>
-          <p:nvPr/>
-        </p:nvSpPr>
-        <p:spPr>
-          <a:xfrm>
-            <a:off x="492852" y="2348832"/>
-            <a:ext cx="1238870" cy="369332"/>
-          </a:xfrm>
-          <a:prstGeom prst="rect">
-            <a:avLst/>
-          </a:prstGeom>
-          <a:noFill/>
-        </p:spPr>
-        <p:txBody>
-          <a:bodyPr wrap="square" rtlCol="0">
-            <a:spAutoFit/>
-          </a:bodyPr>
-          <a:lstStyle/>
-          <a:p>
-            <a:r>
-              <a:rPr lang="en-US" dirty="0"/>
-              <a:t>Instance 2</a:t>
-            </a:r>
-          </a:p>
-        </p:txBody>
-      </p:sp>
-      <p:sp>
-        <p:nvSpPr>
-          <p:cNvPr id="16" name="TextBox 15">
-            <a:extLst>
-              <a:ext uri="{FF2B5EF4-FFF2-40B4-BE49-F238E27FC236}">
-                <a16:creationId xmlns:a16="http://schemas.microsoft.com/office/drawing/2014/main" id="{5DF387D4-5A70-1517-2509-6FD329B3FCB7}"/>
-              </a:ext>
-            </a:extLst>
-          </p:cNvPr>
-          <p:cNvSpPr txBox="1"/>
-          <p:nvPr/>
-        </p:nvSpPr>
-        <p:spPr>
-          <a:xfrm>
-            <a:off x="492852" y="2731134"/>
-            <a:ext cx="1238870" cy="369332"/>
-          </a:xfrm>
-          <a:prstGeom prst="rect">
-            <a:avLst/>
-          </a:prstGeom>
-          <a:noFill/>
-        </p:spPr>
-        <p:txBody>
-          <a:bodyPr wrap="square" rtlCol="0">
-            <a:spAutoFit/>
-          </a:bodyPr>
-          <a:lstStyle/>
-          <a:p>
-            <a:r>
-              <a:rPr lang="en-US" dirty="0"/>
-              <a:t>Instance 3</a:t>
-            </a:r>
-          </a:p>
-        </p:txBody>
-      </p:sp>
-      <p:sp>
-        <p:nvSpPr>
-          <p:cNvPr id="19" name="TextBox 18">
-            <a:extLst>
-              <a:ext uri="{FF2B5EF4-FFF2-40B4-BE49-F238E27FC236}">
-                <a16:creationId xmlns:a16="http://schemas.microsoft.com/office/drawing/2014/main" id="{45C58DB5-1E54-E46B-788E-8C9DF4E3BBF1}"/>
-              </a:ext>
-            </a:extLst>
-          </p:cNvPr>
-          <p:cNvSpPr txBox="1"/>
-          <p:nvPr/>
-        </p:nvSpPr>
-        <p:spPr>
-          <a:xfrm>
-            <a:off x="492852" y="3972737"/>
-            <a:ext cx="1296522" cy="369332"/>
-          </a:xfrm>
-          <a:prstGeom prst="rect">
-            <a:avLst/>
-          </a:prstGeom>
-          <a:noFill/>
-        </p:spPr>
-        <p:txBody>
-          <a:bodyPr wrap="square" rtlCol="0">
-            <a:spAutoFit/>
-          </a:bodyPr>
-          <a:lstStyle/>
-          <a:p>
-            <a:r>
-              <a:rPr lang="en-US" dirty="0"/>
-              <a:t>Instance n</a:t>
-            </a:r>
-          </a:p>
-        </p:txBody>
-      </p:sp>
-      <p:sp>
-        <p:nvSpPr>
-          <p:cNvPr id="2" name="TextBox 1">
-            <a:extLst>
-              <a:ext uri="{FF2B5EF4-FFF2-40B4-BE49-F238E27FC236}">
-                <a16:creationId xmlns:a16="http://schemas.microsoft.com/office/drawing/2014/main" id="{C28A5F75-2113-4AAC-6C2A-E98344DC88BC}"/>
-              </a:ext>
-            </a:extLst>
-          </p:cNvPr>
-          <p:cNvSpPr txBox="1"/>
-          <p:nvPr/>
-        </p:nvSpPr>
-        <p:spPr>
-          <a:xfrm>
-            <a:off x="1750441" y="3397153"/>
-            <a:ext cx="1062711" cy="369332"/>
-          </a:xfrm>
-          <a:prstGeom prst="rect">
-            <a:avLst/>
-          </a:prstGeom>
-          <a:noFill/>
-        </p:spPr>
-        <p:txBody>
-          <a:bodyPr wrap="square" rtlCol="0">
-            <a:spAutoFit/>
-          </a:bodyPr>
-          <a:lstStyle/>
-          <a:p>
-            <a:pPr algn="ctr"/>
-            <a:r>
-              <a:rPr lang="en-US" dirty="0">
-                <a:latin typeface="Calibri" panose="020F0502020204030204" pitchFamily="34" charset="0"/>
-                <a:ea typeface="Calibri" panose="020F0502020204030204" pitchFamily="34" charset="0"/>
-                <a:cs typeface="Calibri" panose="020F0502020204030204" pitchFamily="34" charset="0"/>
-              </a:rPr>
-              <a:t>⁞</a:t>
-            </a:r>
-            <a:endParaRPr lang="en-US" dirty="0"/>
-          </a:p>
-        </p:txBody>
-      </p:sp>
-      <p:sp>
-        <p:nvSpPr>
-          <p:cNvPr id="4" name="TextBox 3">
-            <a:extLst>
-              <a:ext uri="{FF2B5EF4-FFF2-40B4-BE49-F238E27FC236}">
-                <a16:creationId xmlns:a16="http://schemas.microsoft.com/office/drawing/2014/main" id="{20DEF476-7ED7-F0BB-62A0-A68921DFB73E}"/>
-              </a:ext>
-            </a:extLst>
-          </p:cNvPr>
-          <p:cNvSpPr txBox="1"/>
-          <p:nvPr/>
-        </p:nvSpPr>
-        <p:spPr>
-          <a:xfrm>
-            <a:off x="2839914" y="3397153"/>
-            <a:ext cx="1062711" cy="369332"/>
-          </a:xfrm>
-          <a:prstGeom prst="rect">
-            <a:avLst/>
-          </a:prstGeom>
-          <a:noFill/>
-        </p:spPr>
-        <p:txBody>
-          <a:bodyPr wrap="square" rtlCol="0">
-            <a:spAutoFit/>
-          </a:bodyPr>
-          <a:lstStyle/>
-          <a:p>
-            <a:pPr algn="ctr"/>
-            <a:r>
-              <a:rPr lang="en-US" dirty="0">
-                <a:latin typeface="Calibri" panose="020F0502020204030204" pitchFamily="34" charset="0"/>
-                <a:ea typeface="Calibri" panose="020F0502020204030204" pitchFamily="34" charset="0"/>
-                <a:cs typeface="Calibri" panose="020F0502020204030204" pitchFamily="34" charset="0"/>
-              </a:rPr>
-              <a:t>⁞</a:t>
-            </a:r>
-            <a:endParaRPr lang="en-US" dirty="0"/>
-          </a:p>
-        </p:txBody>
-      </p:sp>
-      <p:sp>
-        <p:nvSpPr>
-          <p:cNvPr id="5" name="Rectangle: Rounded Corners 4">
-            <a:extLst>
-              <a:ext uri="{FF2B5EF4-FFF2-40B4-BE49-F238E27FC236}">
-                <a16:creationId xmlns:a16="http://schemas.microsoft.com/office/drawing/2014/main" id="{1E91F2FE-361F-FE86-09E8-E618EC874090}"/>
-              </a:ext>
-            </a:extLst>
-          </p:cNvPr>
-          <p:cNvSpPr/>
-          <p:nvPr/>
-        </p:nvSpPr>
-        <p:spPr>
-          <a:xfrm>
-            <a:off x="2062284" y="-2332462"/>
-            <a:ext cx="4357896" cy="517905"/>
-          </a:xfrm>
-          <a:prstGeom prst="roundRect">
-            <a:avLst/>
-          </a:prstGeom>
-          <a:solidFill>
-            <a:schemeClr val="tx2">
-              <a:lumMod val="10000"/>
-              <a:lumOff val="90000"/>
-            </a:schemeClr>
-          </a:solidFill>
-          <a:ln>
-            <a:solidFill>
-              <a:schemeClr val="tx2"/>
-            </a:solidFill>
-          </a:ln>
-        </p:spPr>
-        <p:style>
-          <a:lnRef idx="2">
-            <a:schemeClr val="accent1">
-              <a:shade val="15000"/>
-            </a:schemeClr>
-          </a:lnRef>
-          <a:fillRef idx="1">
-            <a:schemeClr val="accent1"/>
-          </a:fillRef>
-          <a:effectRef idx="0">
-            <a:schemeClr val="accent1"/>
-          </a:effectRef>
-          <a:fontRef idx="minor">
-            <a:schemeClr val="lt1"/>
-          </a:fontRef>
-        </p:style>
-        <p:txBody>
-          <a:bodyPr rtlCol="0" anchor="ctr"/>
-          <a:lstStyle/>
-          <a:p>
-            <a:pPr algn="ctr"/>
-            <a:r>
-              <a:rPr lang="en-US" b="1" dirty="0">
-                <a:solidFill>
-                  <a:schemeClr val="tx1"/>
-                </a:solidFill>
-              </a:rPr>
-              <a:t>Conv1D[Kernel=2, Stride=1], 256, ReLU</a:t>
-            </a:r>
-          </a:p>
-        </p:txBody>
-      </p:sp>
       <mc:AlternateContent xmlns:mc="http://schemas.openxmlformats.org/markup-compatibility/2006">
         <mc:Choice xmlns:a14="http://schemas.microsoft.com/office/drawing/2010/main" Requires="a14">
           <p:sp>
@@ -8176,7 +7374,7 @@
             </p:nvSpPr>
             <p:spPr>
               <a:xfrm>
-                <a:off x="10249595" y="5589706"/>
+                <a:off x="6983880" y="4733363"/>
                 <a:ext cx="884962" cy="523220"/>
               </a:xfrm>
               <a:prstGeom prst="rect">
@@ -8190,6 +7388,7 @@
               </a:bodyPr>
               <a:lstStyle/>
               <a:p>
+                <a:pPr/>
                 <a14:m>
                   <m:oMathPara xmlns:m="http://schemas.openxmlformats.org/officeDocument/2006/math">
                     <m:oMathParaPr>
@@ -8213,6 +7412,7 @@
                 </a:endParaRPr>
               </a:p>
               <a:p>
+                <a:pPr/>
                 <a14:m>
                   <m:oMathPara xmlns:m="http://schemas.openxmlformats.org/officeDocument/2006/math">
                     <m:oMathParaPr>
@@ -8274,7 +7474,7 @@
             </p:nvSpPr>
             <p:spPr>
               <a:xfrm>
-                <a:off x="10249595" y="5589706"/>
+                <a:off x="6983880" y="4733363"/>
                 <a:ext cx="884962" cy="523220"/>
               </a:xfrm>
               <a:prstGeom prst="rect">
@@ -8302,1696 +7502,6 @@
           </p:sp>
         </mc:Fallback>
       </mc:AlternateContent>
-      <p:sp>
-        <p:nvSpPr>
-          <p:cNvPr id="28" name="Rectangle: Rounded Corners 27">
-            <a:extLst>
-              <a:ext uri="{FF2B5EF4-FFF2-40B4-BE49-F238E27FC236}">
-                <a16:creationId xmlns:a16="http://schemas.microsoft.com/office/drawing/2014/main" id="{ED4E3F06-3B72-C331-E8F3-679A2324A8C8}"/>
-              </a:ext>
-            </a:extLst>
-          </p:cNvPr>
-          <p:cNvSpPr/>
-          <p:nvPr/>
-        </p:nvSpPr>
-        <p:spPr>
-          <a:xfrm>
-            <a:off x="2062282" y="-1537171"/>
-            <a:ext cx="4357896" cy="517905"/>
-          </a:xfrm>
-          <a:prstGeom prst="roundRect">
-            <a:avLst/>
-          </a:prstGeom>
-          <a:solidFill>
-            <a:schemeClr val="tx2">
-              <a:lumMod val="10000"/>
-              <a:lumOff val="90000"/>
-            </a:schemeClr>
-          </a:solidFill>
-          <a:ln>
-            <a:solidFill>
-              <a:schemeClr val="tx2"/>
-            </a:solidFill>
-          </a:ln>
-        </p:spPr>
-        <p:style>
-          <a:lnRef idx="2">
-            <a:schemeClr val="accent1">
-              <a:shade val="15000"/>
-            </a:schemeClr>
-          </a:lnRef>
-          <a:fillRef idx="1">
-            <a:schemeClr val="accent1"/>
-          </a:fillRef>
-          <a:effectRef idx="0">
-            <a:schemeClr val="accent1"/>
-          </a:effectRef>
-          <a:fontRef idx="minor">
-            <a:schemeClr val="lt1"/>
-          </a:fontRef>
-        </p:style>
-        <p:txBody>
-          <a:bodyPr rtlCol="0" anchor="ctr"/>
-          <a:lstStyle/>
-          <a:p>
-            <a:pPr algn="ctr"/>
-            <a:r>
-              <a:rPr lang="en-US" b="1" dirty="0">
-                <a:solidFill>
-                  <a:schemeClr val="tx1"/>
-                </a:solidFill>
-              </a:rPr>
-              <a:t>Conv1D[Kernel=2, Stride=1], 256, ReLU</a:t>
-            </a:r>
-          </a:p>
-        </p:txBody>
-      </p:sp>
-      <p:sp>
-        <p:nvSpPr>
-          <p:cNvPr id="29" name="Rectangle: Rounded Corners 28">
-            <a:extLst>
-              <a:ext uri="{FF2B5EF4-FFF2-40B4-BE49-F238E27FC236}">
-                <a16:creationId xmlns:a16="http://schemas.microsoft.com/office/drawing/2014/main" id="{CE09426B-39FE-B83D-A9C3-27FCD16A37EB}"/>
-              </a:ext>
-            </a:extLst>
-          </p:cNvPr>
-          <p:cNvSpPr/>
-          <p:nvPr/>
-        </p:nvSpPr>
-        <p:spPr>
-          <a:xfrm>
-            <a:off x="2062284" y="-786472"/>
-            <a:ext cx="4357896" cy="517905"/>
-          </a:xfrm>
-          <a:prstGeom prst="roundRect">
-            <a:avLst/>
-          </a:prstGeom>
-          <a:solidFill>
-            <a:schemeClr val="accent2">
-              <a:lumMod val="20000"/>
-              <a:lumOff val="80000"/>
-            </a:schemeClr>
-          </a:solidFill>
-          <a:ln>
-            <a:solidFill>
-              <a:schemeClr val="accent2"/>
-            </a:solidFill>
-          </a:ln>
-        </p:spPr>
-        <p:style>
-          <a:lnRef idx="2">
-            <a:schemeClr val="accent1">
-              <a:shade val="15000"/>
-            </a:schemeClr>
-          </a:lnRef>
-          <a:fillRef idx="1">
-            <a:schemeClr val="accent1"/>
-          </a:fillRef>
-          <a:effectRef idx="0">
-            <a:schemeClr val="accent1"/>
-          </a:effectRef>
-          <a:fontRef idx="minor">
-            <a:schemeClr val="lt1"/>
-          </a:fontRef>
-        </p:style>
-        <p:txBody>
-          <a:bodyPr rtlCol="0" anchor="ctr"/>
-          <a:lstStyle/>
-          <a:p>
-            <a:pPr algn="ctr"/>
-            <a:r>
-              <a:rPr lang="en-US" b="1" dirty="0">
-                <a:solidFill>
-                  <a:schemeClr val="tx1"/>
-                </a:solidFill>
-              </a:rPr>
-              <a:t>Linear, 256, ReLU</a:t>
-            </a:r>
-          </a:p>
-        </p:txBody>
-      </p:sp>
-      <mc:AlternateContent xmlns:mc="http://schemas.openxmlformats.org/markup-compatibility/2006">
-        <mc:Choice xmlns:a14="http://schemas.microsoft.com/office/drawing/2010/main" Requires="a14">
-          <p:sp>
-            <p:nvSpPr>
-              <p:cNvPr id="31" name="TextBox 30">
-                <a:extLst>
-                  <a:ext uri="{FF2B5EF4-FFF2-40B4-BE49-F238E27FC236}">
-                    <a16:creationId xmlns:a16="http://schemas.microsoft.com/office/drawing/2014/main" id="{0E451D5C-7AB8-6774-97CE-CEC34C94B0D2}"/>
-                  </a:ext>
-                </a:extLst>
-              </p:cNvPr>
-              <p:cNvSpPr txBox="1"/>
-              <p:nvPr/>
-            </p:nvSpPr>
-            <p:spPr>
-              <a:xfrm>
-                <a:off x="7621319" y="-395579"/>
-                <a:ext cx="2940670" cy="369332"/>
-              </a:xfrm>
-              <a:prstGeom prst="rect">
-                <a:avLst/>
-              </a:prstGeom>
-              <a:noFill/>
-            </p:spPr>
-            <p:txBody>
-              <a:bodyPr wrap="square" rtlCol="0">
-                <a:spAutoFit/>
-              </a:bodyPr>
-              <a:lstStyle/>
-              <a:p>
-                <a14:m>
-                  <m:oMathPara xmlns:m="http://schemas.openxmlformats.org/officeDocument/2006/math">
-                    <m:oMathParaPr>
-                      <m:jc m:val="centerGroup"/>
-                    </m:oMathParaPr>
-                    <m:oMath xmlns:m="http://schemas.openxmlformats.org/officeDocument/2006/math">
-                      <m:d>
-                        <m:dPr>
-                          <m:begChr m:val="⟨"/>
-                          <m:endChr m:val="⟩"/>
-                          <m:ctrlPr>
-                            <a:rPr lang="en-US" b="0" smtClean="0">
-                              <a:latin typeface="Cambria Math" panose="02040503050406030204" pitchFamily="18" charset="0"/>
-                            </a:rPr>
-                          </m:ctrlPr>
-                        </m:dPr>
-                        <m:e>
-                          <m:sSub>
-                            <m:sSubPr>
-                              <m:ctrlPr>
-                                <a:rPr lang="en-US">
-                                  <a:latin typeface="Cambria Math" panose="02040503050406030204" pitchFamily="18" charset="0"/>
-                                </a:rPr>
-                              </m:ctrlPr>
-                            </m:sSubPr>
-                            <m:e>
-                              <m:r>
-                                <m:rPr>
-                                  <m:sty m:val="p"/>
-                                </m:rPr>
-                                <a:rPr lang="en-US" i="0" smtClean="0">
-                                  <a:latin typeface="Cambria Math" panose="02040503050406030204" pitchFamily="18" charset="0"/>
-                                </a:rPr>
-                                <m:t>R</m:t>
-                              </m:r>
-                            </m:e>
-                            <m:sub>
-                              <m:r>
-                                <m:rPr>
-                                  <m:sty m:val="p"/>
-                                </m:rPr>
-                                <a:rPr lang="en-US" i="0" smtClean="0">
-                                  <a:latin typeface="Cambria Math" panose="02040503050406030204" pitchFamily="18" charset="0"/>
-                                </a:rPr>
-                                <m:t>I</m:t>
-                              </m:r>
-                            </m:sub>
-                          </m:sSub>
-                          <m:r>
-                            <a:rPr lang="en-US" b="0" i="0" smtClean="0">
-                              <a:latin typeface="Cambria Math" panose="02040503050406030204" pitchFamily="18" charset="0"/>
-                            </a:rPr>
-                            <m:t> </m:t>
-                          </m:r>
-                          <m:r>
-                            <m:rPr>
-                              <m:sty m:val="p"/>
-                            </m:rPr>
-                            <a:rPr lang="en-US" b="0" i="0" smtClean="0">
-                              <a:latin typeface="Cambria Math" panose="02040503050406030204" pitchFamily="18" charset="0"/>
-                            </a:rPr>
-                            <m:t>DoLP</m:t>
-                          </m:r>
-                        </m:e>
-                      </m:d>
-                      <m:r>
-                        <a:rPr lang="en-US" b="0" i="0" smtClean="0">
-                          <a:latin typeface="Cambria Math" panose="02040503050406030204" pitchFamily="18" charset="0"/>
-                        </a:rPr>
-                        <m:t> </m:t>
-                      </m:r>
-                      <m:d>
-                        <m:dPr>
-                          <m:ctrlPr>
-                            <a:rPr lang="en-US" b="0" i="1" smtClean="0">
-                              <a:latin typeface="Cambria Math" panose="02040503050406030204" pitchFamily="18" charset="0"/>
-                            </a:rPr>
-                          </m:ctrlPr>
-                        </m:dPr>
-                        <m:e>
-                          <m:r>
-                            <a:rPr lang="en-US" b="0" i="0" smtClean="0">
-                              <a:latin typeface="Cambria Math" panose="02040503050406030204" pitchFamily="18" charset="0"/>
-                            </a:rPr>
-                            <m:t>1</m:t>
-                          </m:r>
-                          <m:r>
-                            <a:rPr lang="en-US" b="0" i="1" smtClean="0">
-                              <a:latin typeface="Cambria Math" panose="02040503050406030204" pitchFamily="18" charset="0"/>
-                              <a:ea typeface="Cambria Math" panose="02040503050406030204" pitchFamily="18" charset="0"/>
-                            </a:rPr>
-                            <m:t>×</m:t>
-                          </m:r>
-                          <m:r>
-                            <a:rPr lang="en-US" b="0" i="0" smtClean="0">
-                              <a:latin typeface="Cambria Math" panose="02040503050406030204" pitchFamily="18" charset="0"/>
-                            </a:rPr>
-                            <m:t>22 </m:t>
-                          </m:r>
-                          <m:r>
-                            <m:rPr>
-                              <m:sty m:val="p"/>
-                            </m:rPr>
-                            <a:rPr lang="en-US" b="0" i="0" smtClean="0">
-                              <a:latin typeface="Cambria Math" panose="02040503050406030204" pitchFamily="18" charset="0"/>
-                            </a:rPr>
-                            <m:t>Features</m:t>
-                          </m:r>
-                        </m:e>
-                      </m:d>
-                    </m:oMath>
-                  </m:oMathPara>
-                </a14:m>
-                <a:endParaRPr lang="en-US" dirty="0"/>
-              </a:p>
-            </p:txBody>
-          </p:sp>
-        </mc:Choice>
-        <mc:Fallback>
-          <p:sp>
-            <p:nvSpPr>
-              <p:cNvPr id="31" name="TextBox 30">
-                <a:extLst>
-                  <a:ext uri="{FF2B5EF4-FFF2-40B4-BE49-F238E27FC236}">
-                    <a16:creationId xmlns:a16="http://schemas.microsoft.com/office/drawing/2014/main" id="{0E451D5C-7AB8-6774-97CE-CEC34C94B0D2}"/>
-                  </a:ext>
-                </a:extLst>
-              </p:cNvPr>
-              <p:cNvSpPr txBox="1">
-                <a:spLocks noRot="1" noChangeAspect="1" noMove="1" noResize="1" noEditPoints="1" noAdjustHandles="1" noChangeArrowheads="1" noChangeShapeType="1" noTextEdit="1"/>
-              </p:cNvSpPr>
-              <p:nvPr/>
-            </p:nvSpPr>
-            <p:spPr>
-              <a:xfrm>
-                <a:off x="7621319" y="-395579"/>
-                <a:ext cx="2940670" cy="369332"/>
-              </a:xfrm>
-              <a:prstGeom prst="rect">
-                <a:avLst/>
-              </a:prstGeom>
-              <a:blipFill>
-                <a:blip r:embed="rId3"/>
-                <a:stretch>
-                  <a:fillRect/>
-                </a:stretch>
-              </a:blipFill>
-            </p:spPr>
-            <p:txBody>
-              <a:bodyPr/>
-              <a:lstStyle/>
-              <a:p>
-                <a:r>
-                  <a:rPr lang="en-US">
-                    <a:noFill/>
-                  </a:rPr>
-                  <a:t> </a:t>
-                </a:r>
-              </a:p>
-            </p:txBody>
-          </p:sp>
-        </mc:Fallback>
-      </mc:AlternateContent>
-      <p:cxnSp>
-        <p:nvCxnSpPr>
-          <p:cNvPr id="34" name="Straight Arrow Connector 33">
-            <a:extLst>
-              <a:ext uri="{FF2B5EF4-FFF2-40B4-BE49-F238E27FC236}">
-                <a16:creationId xmlns:a16="http://schemas.microsoft.com/office/drawing/2014/main" id="{1C2192EC-3DE3-CBAB-418C-15D194A70159}"/>
-              </a:ext>
-            </a:extLst>
-          </p:cNvPr>
-          <p:cNvCxnSpPr>
-            <a:cxnSpLocks/>
-            <a:stCxn id="28" idx="2"/>
-            <a:endCxn id="29" idx="0"/>
-          </p:cNvCxnSpPr>
-          <p:nvPr/>
-        </p:nvCxnSpPr>
-        <p:spPr>
-          <a:xfrm>
-            <a:off x="4241230" y="-1019266"/>
-            <a:ext cx="2" cy="232794"/>
-          </a:xfrm>
-          <a:prstGeom prst="straightConnector1">
-            <a:avLst/>
-          </a:prstGeom>
-          <a:ln>
-            <a:tailEnd type="triangle"/>
-          </a:ln>
-        </p:spPr>
-        <p:style>
-          <a:lnRef idx="2">
-            <a:schemeClr val="accent1"/>
-          </a:lnRef>
-          <a:fillRef idx="0">
-            <a:schemeClr val="accent1"/>
-          </a:fillRef>
-          <a:effectRef idx="1">
-            <a:schemeClr val="accent1"/>
-          </a:effectRef>
-          <a:fontRef idx="minor">
-            <a:schemeClr val="tx1"/>
-          </a:fontRef>
-        </p:style>
-      </p:cxnSp>
-      <p:cxnSp>
-        <p:nvCxnSpPr>
-          <p:cNvPr id="36" name="Straight Arrow Connector 35">
-            <a:extLst>
-              <a:ext uri="{FF2B5EF4-FFF2-40B4-BE49-F238E27FC236}">
-                <a16:creationId xmlns:a16="http://schemas.microsoft.com/office/drawing/2014/main" id="{4C02A190-290A-EB70-E36D-9C2BEEB539EA}"/>
-              </a:ext>
-            </a:extLst>
-          </p:cNvPr>
-          <p:cNvCxnSpPr>
-            <a:cxnSpLocks/>
-            <a:stCxn id="29" idx="2"/>
-            <a:endCxn id="37" idx="0"/>
-          </p:cNvCxnSpPr>
-          <p:nvPr/>
-        </p:nvCxnSpPr>
-        <p:spPr>
-          <a:xfrm flipH="1">
-            <a:off x="4241230" y="-268567"/>
-            <a:ext cx="2" cy="248217"/>
-          </a:xfrm>
-          <a:prstGeom prst="straightConnector1">
-            <a:avLst/>
-          </a:prstGeom>
-          <a:ln>
-            <a:tailEnd type="triangle"/>
-          </a:ln>
-        </p:spPr>
-        <p:style>
-          <a:lnRef idx="2">
-            <a:schemeClr val="accent1"/>
-          </a:lnRef>
-          <a:fillRef idx="0">
-            <a:schemeClr val="accent1"/>
-          </a:fillRef>
-          <a:effectRef idx="1">
-            <a:schemeClr val="accent1"/>
-          </a:effectRef>
-          <a:fontRef idx="minor">
-            <a:schemeClr val="tx1"/>
-          </a:fontRef>
-        </p:style>
-      </p:cxnSp>
-      <p:cxnSp>
-        <p:nvCxnSpPr>
-          <p:cNvPr id="30" name="Straight Arrow Connector 29">
-            <a:extLst>
-              <a:ext uri="{FF2B5EF4-FFF2-40B4-BE49-F238E27FC236}">
-                <a16:creationId xmlns:a16="http://schemas.microsoft.com/office/drawing/2014/main" id="{E56FE0AD-7FB5-8564-9C07-79F0D7C69B51}"/>
-              </a:ext>
-            </a:extLst>
-          </p:cNvPr>
-          <p:cNvCxnSpPr>
-            <a:cxnSpLocks/>
-            <a:stCxn id="5" idx="2"/>
-            <a:endCxn id="28" idx="0"/>
-          </p:cNvCxnSpPr>
-          <p:nvPr/>
-        </p:nvCxnSpPr>
-        <p:spPr>
-          <a:xfrm flipH="1">
-            <a:off x="4241230" y="-1814557"/>
-            <a:ext cx="2" cy="277386"/>
-          </a:xfrm>
-          <a:prstGeom prst="straightConnector1">
-            <a:avLst/>
-          </a:prstGeom>
-          <a:ln>
-            <a:tailEnd type="triangle"/>
-          </a:ln>
-        </p:spPr>
-        <p:style>
-          <a:lnRef idx="2">
-            <a:schemeClr val="accent1"/>
-          </a:lnRef>
-          <a:fillRef idx="0">
-            <a:schemeClr val="accent1"/>
-          </a:fillRef>
-          <a:effectRef idx="1">
-            <a:schemeClr val="accent1"/>
-          </a:effectRef>
-          <a:fontRef idx="minor">
-            <a:schemeClr val="tx1"/>
-          </a:fontRef>
-        </p:style>
-      </p:cxnSp>
-      <p:sp>
-        <p:nvSpPr>
-          <p:cNvPr id="37" name="Rectangle: Rounded Corners 36">
-            <a:extLst>
-              <a:ext uri="{FF2B5EF4-FFF2-40B4-BE49-F238E27FC236}">
-                <a16:creationId xmlns:a16="http://schemas.microsoft.com/office/drawing/2014/main" id="{F8B65FF3-BD82-E518-286E-EAFCE55B1EEF}"/>
-              </a:ext>
-            </a:extLst>
-          </p:cNvPr>
-          <p:cNvSpPr/>
-          <p:nvPr/>
-        </p:nvSpPr>
-        <p:spPr>
-          <a:xfrm>
-            <a:off x="2062282" y="-20350"/>
-            <a:ext cx="4357896" cy="517905"/>
-          </a:xfrm>
-          <a:prstGeom prst="roundRect">
-            <a:avLst/>
-          </a:prstGeom>
-          <a:solidFill>
-            <a:schemeClr val="accent2">
-              <a:lumMod val="20000"/>
-              <a:lumOff val="80000"/>
-            </a:schemeClr>
-          </a:solidFill>
-          <a:ln>
-            <a:solidFill>
-              <a:schemeClr val="accent2"/>
-            </a:solidFill>
-          </a:ln>
-        </p:spPr>
-        <p:style>
-          <a:lnRef idx="2">
-            <a:schemeClr val="accent1">
-              <a:shade val="15000"/>
-            </a:schemeClr>
-          </a:lnRef>
-          <a:fillRef idx="1">
-            <a:schemeClr val="accent1"/>
-          </a:fillRef>
-          <a:effectRef idx="0">
-            <a:schemeClr val="accent1"/>
-          </a:effectRef>
-          <a:fontRef idx="minor">
-            <a:schemeClr val="lt1"/>
-          </a:fontRef>
-        </p:style>
-        <p:txBody>
-          <a:bodyPr rtlCol="0" anchor="ctr"/>
-          <a:lstStyle/>
-          <a:p>
-            <a:pPr algn="ctr"/>
-            <a:r>
-              <a:rPr lang="en-US" b="1" dirty="0">
-                <a:solidFill>
-                  <a:schemeClr val="tx1"/>
-                </a:solidFill>
-              </a:rPr>
-              <a:t>Linear, 256, ReLU</a:t>
-            </a:r>
-          </a:p>
-        </p:txBody>
-      </p:sp>
-      <mc:AlternateContent xmlns:mc="http://schemas.openxmlformats.org/markup-compatibility/2006">
-        <mc:Choice xmlns:a14="http://schemas.microsoft.com/office/drawing/2010/main" Requires="a14">
-          <p:sp>
-            <p:nvSpPr>
-              <p:cNvPr id="47" name="Oval 46">
-                <a:extLst>
-                  <a:ext uri="{FF2B5EF4-FFF2-40B4-BE49-F238E27FC236}">
-                    <a16:creationId xmlns:a16="http://schemas.microsoft.com/office/drawing/2014/main" id="{3521FCAC-C756-7860-3FF0-610A4646FA1F}"/>
-                  </a:ext>
-                </a:extLst>
-              </p:cNvPr>
-              <p:cNvSpPr/>
-              <p:nvPr/>
-            </p:nvSpPr>
-            <p:spPr>
-              <a:xfrm>
-                <a:off x="7391428" y="929363"/>
-                <a:ext cx="375503" cy="375503"/>
-              </a:xfrm>
-              <a:prstGeom prst="ellipse">
-                <a:avLst/>
-              </a:prstGeom>
-              <a:noFill/>
-              <a:ln>
-                <a:solidFill>
-                  <a:schemeClr val="tx2">
-                    <a:lumMod val="50000"/>
-                    <a:lumOff val="50000"/>
-                  </a:schemeClr>
-                </a:solidFill>
-              </a:ln>
-            </p:spPr>
-            <p:style>
-              <a:lnRef idx="2">
-                <a:schemeClr val="accent1">
-                  <a:shade val="15000"/>
-                </a:schemeClr>
-              </a:lnRef>
-              <a:fillRef idx="1">
-                <a:schemeClr val="accent1"/>
-              </a:fillRef>
-              <a:effectRef idx="0">
-                <a:schemeClr val="accent1"/>
-              </a:effectRef>
-              <a:fontRef idx="minor">
-                <a:schemeClr val="lt1"/>
-              </a:fontRef>
-            </p:style>
-            <p:txBody>
-              <a:bodyPr rtlCol="0" anchor="ctr"/>
-              <a:lstStyle/>
-              <a:p>
-                <a:pPr algn="ctr"/>
-                <a14:m>
-                  <m:oMathPara xmlns:m="http://schemas.openxmlformats.org/officeDocument/2006/math">
-                    <m:oMathParaPr>
-                      <m:jc m:val="centerGroup"/>
-                    </m:oMathParaPr>
-                    <m:oMath xmlns:m="http://schemas.openxmlformats.org/officeDocument/2006/math">
-                      <m:sSub>
-                        <m:sSubPr>
-                          <m:ctrlPr>
-                            <a:rPr lang="en-US" sz="1100" i="1" dirty="0" smtClean="0">
-                              <a:solidFill>
-                                <a:sysClr val="windowText" lastClr="000000"/>
-                              </a:solidFill>
-                              <a:latin typeface="Cambria Math" panose="02040503050406030204" pitchFamily="18" charset="0"/>
-                            </a:rPr>
-                          </m:ctrlPr>
-                        </m:sSubPr>
-                        <m:e>
-                          <m:r>
-                            <a:rPr lang="en-US" sz="1100" b="0" i="1" dirty="0" smtClean="0">
-                              <a:solidFill>
-                                <a:sysClr val="windowText" lastClr="000000"/>
-                              </a:solidFill>
-                              <a:latin typeface="Cambria Math" panose="02040503050406030204" pitchFamily="18" charset="0"/>
-                            </a:rPr>
-                            <m:t>h</m:t>
-                          </m:r>
-                        </m:e>
-                        <m:sub>
-                          <m:r>
-                            <a:rPr lang="en-US" sz="1100" b="0" i="1" dirty="0" smtClean="0">
-                              <a:solidFill>
-                                <a:sysClr val="windowText" lastClr="000000"/>
-                              </a:solidFill>
-                              <a:latin typeface="Cambria Math" panose="02040503050406030204" pitchFamily="18" charset="0"/>
-                            </a:rPr>
-                            <m:t>1</m:t>
-                          </m:r>
-                        </m:sub>
-                      </m:sSub>
-                    </m:oMath>
-                  </m:oMathPara>
-                </a14:m>
-                <a:endParaRPr lang="en-US" sz="1100" dirty="0">
-                  <a:solidFill>
-                    <a:sysClr val="windowText" lastClr="000000"/>
-                  </a:solidFill>
-                </a:endParaRPr>
-              </a:p>
-            </p:txBody>
-          </p:sp>
-        </mc:Choice>
-        <mc:Fallback>
-          <p:sp>
-            <p:nvSpPr>
-              <p:cNvPr id="47" name="Oval 46">
-                <a:extLst>
-                  <a:ext uri="{FF2B5EF4-FFF2-40B4-BE49-F238E27FC236}">
-                    <a16:creationId xmlns:a16="http://schemas.microsoft.com/office/drawing/2014/main" id="{3521FCAC-C756-7860-3FF0-610A4646FA1F}"/>
-                  </a:ext>
-                </a:extLst>
-              </p:cNvPr>
-              <p:cNvSpPr>
-                <a:spLocks noRot="1" noChangeAspect="1" noMove="1" noResize="1" noEditPoints="1" noAdjustHandles="1" noChangeArrowheads="1" noChangeShapeType="1" noTextEdit="1"/>
-              </p:cNvSpPr>
-              <p:nvPr/>
-            </p:nvSpPr>
-            <p:spPr>
-              <a:xfrm>
-                <a:off x="7391428" y="929363"/>
-                <a:ext cx="375503" cy="375503"/>
-              </a:xfrm>
-              <a:prstGeom prst="ellipse">
-                <a:avLst/>
-              </a:prstGeom>
-              <a:blipFill>
-                <a:blip r:embed="rId4"/>
-                <a:stretch>
-                  <a:fillRect/>
-                </a:stretch>
-              </a:blipFill>
-              <a:ln>
-                <a:solidFill>
-                  <a:schemeClr val="tx2">
-                    <a:lumMod val="50000"/>
-                    <a:lumOff val="50000"/>
-                  </a:schemeClr>
-                </a:solidFill>
-              </a:ln>
-            </p:spPr>
-            <p:txBody>
-              <a:bodyPr/>
-              <a:lstStyle/>
-              <a:p>
-                <a:r>
-                  <a:rPr lang="en-US">
-                    <a:noFill/>
-                  </a:rPr>
-                  <a:t> </a:t>
-                </a:r>
-              </a:p>
-            </p:txBody>
-          </p:sp>
-        </mc:Fallback>
-      </mc:AlternateContent>
-      <mc:AlternateContent xmlns:mc="http://schemas.openxmlformats.org/markup-compatibility/2006">
-        <mc:Choice xmlns:a14="http://schemas.microsoft.com/office/drawing/2010/main" Requires="a14">
-          <p:sp>
-            <p:nvSpPr>
-              <p:cNvPr id="48" name="Oval 47">
-                <a:extLst>
-                  <a:ext uri="{FF2B5EF4-FFF2-40B4-BE49-F238E27FC236}">
-                    <a16:creationId xmlns:a16="http://schemas.microsoft.com/office/drawing/2014/main" id="{D86E7680-2F07-8655-8785-238DD9679B47}"/>
-                  </a:ext>
-                </a:extLst>
-              </p:cNvPr>
-              <p:cNvSpPr/>
-              <p:nvPr/>
-            </p:nvSpPr>
-            <p:spPr>
-              <a:xfrm>
-                <a:off x="9585729" y="971056"/>
-                <a:ext cx="375503" cy="375503"/>
-              </a:xfrm>
-              <a:prstGeom prst="ellipse">
-                <a:avLst/>
-              </a:prstGeom>
-              <a:noFill/>
-              <a:ln>
-                <a:solidFill>
-                  <a:schemeClr val="tx2">
-                    <a:lumMod val="50000"/>
-                    <a:lumOff val="50000"/>
-                  </a:schemeClr>
-                </a:solidFill>
-              </a:ln>
-            </p:spPr>
-            <p:style>
-              <a:lnRef idx="2">
-                <a:schemeClr val="accent1">
-                  <a:shade val="15000"/>
-                </a:schemeClr>
-              </a:lnRef>
-              <a:fillRef idx="1">
-                <a:schemeClr val="accent1"/>
-              </a:fillRef>
-              <a:effectRef idx="0">
-                <a:schemeClr val="accent1"/>
-              </a:effectRef>
-              <a:fontRef idx="minor">
-                <a:schemeClr val="lt1"/>
-              </a:fontRef>
-            </p:style>
-            <p:txBody>
-              <a:bodyPr rtlCol="0" anchor="ctr"/>
-              <a:lstStyle/>
-              <a:p>
-                <a:pPr algn="ctr"/>
-                <a14:m>
-                  <m:oMathPara xmlns:m="http://schemas.openxmlformats.org/officeDocument/2006/math">
-                    <m:oMathParaPr>
-                      <m:jc m:val="centerGroup"/>
-                    </m:oMathParaPr>
-                    <m:oMath xmlns:m="http://schemas.openxmlformats.org/officeDocument/2006/math">
-                      <m:sSub>
-                        <m:sSubPr>
-                          <m:ctrlPr>
-                            <a:rPr lang="en-US" sz="1100" i="1" dirty="0" smtClean="0">
-                              <a:solidFill>
-                                <a:sysClr val="windowText" lastClr="000000"/>
-                              </a:solidFill>
-                              <a:latin typeface="Cambria Math" panose="02040503050406030204" pitchFamily="18" charset="0"/>
-                            </a:rPr>
-                          </m:ctrlPr>
-                        </m:sSubPr>
-                        <m:e>
-                          <m:r>
-                            <a:rPr lang="en-US" sz="1100" b="0" i="1" dirty="0" smtClean="0">
-                              <a:solidFill>
-                                <a:sysClr val="windowText" lastClr="000000"/>
-                              </a:solidFill>
-                              <a:latin typeface="Cambria Math" panose="02040503050406030204" pitchFamily="18" charset="0"/>
-                            </a:rPr>
-                            <m:t>h</m:t>
-                          </m:r>
-                        </m:e>
-                        <m:sub>
-                          <m:r>
-                            <a:rPr lang="en-US" sz="1100" b="0" i="1" dirty="0" smtClean="0">
-                              <a:solidFill>
-                                <a:sysClr val="windowText" lastClr="000000"/>
-                              </a:solidFill>
-                              <a:latin typeface="Cambria Math" panose="02040503050406030204" pitchFamily="18" charset="0"/>
-                            </a:rPr>
-                            <m:t>255</m:t>
-                          </m:r>
-                        </m:sub>
-                      </m:sSub>
-                    </m:oMath>
-                  </m:oMathPara>
-                </a14:m>
-                <a:endParaRPr lang="en-US" sz="1100" dirty="0">
-                  <a:solidFill>
-                    <a:sysClr val="windowText" lastClr="000000"/>
-                  </a:solidFill>
-                </a:endParaRPr>
-              </a:p>
-            </p:txBody>
-          </p:sp>
-        </mc:Choice>
-        <mc:Fallback>
-          <p:sp>
-            <p:nvSpPr>
-              <p:cNvPr id="48" name="Oval 47">
-                <a:extLst>
-                  <a:ext uri="{FF2B5EF4-FFF2-40B4-BE49-F238E27FC236}">
-                    <a16:creationId xmlns:a16="http://schemas.microsoft.com/office/drawing/2014/main" id="{D86E7680-2F07-8655-8785-238DD9679B47}"/>
-                  </a:ext>
-                </a:extLst>
-              </p:cNvPr>
-              <p:cNvSpPr>
-                <a:spLocks noRot="1" noChangeAspect="1" noMove="1" noResize="1" noEditPoints="1" noAdjustHandles="1" noChangeArrowheads="1" noChangeShapeType="1" noTextEdit="1"/>
-              </p:cNvSpPr>
-              <p:nvPr/>
-            </p:nvSpPr>
-            <p:spPr>
-              <a:xfrm>
-                <a:off x="9585729" y="971056"/>
-                <a:ext cx="375503" cy="375503"/>
-              </a:xfrm>
-              <a:prstGeom prst="ellipse">
-                <a:avLst/>
-              </a:prstGeom>
-              <a:blipFill>
-                <a:blip r:embed="rId5"/>
-                <a:stretch>
-                  <a:fillRect/>
-                </a:stretch>
-              </a:blipFill>
-              <a:ln>
-                <a:solidFill>
-                  <a:schemeClr val="tx2">
-                    <a:lumMod val="50000"/>
-                    <a:lumOff val="50000"/>
-                  </a:schemeClr>
-                </a:solidFill>
-              </a:ln>
-            </p:spPr>
-            <p:txBody>
-              <a:bodyPr/>
-              <a:lstStyle/>
-              <a:p>
-                <a:r>
-                  <a:rPr lang="en-US">
-                    <a:noFill/>
-                  </a:rPr>
-                  <a:t> </a:t>
-                </a:r>
-              </a:p>
-            </p:txBody>
-          </p:sp>
-        </mc:Fallback>
-      </mc:AlternateContent>
-      <mc:AlternateContent xmlns:mc="http://schemas.openxmlformats.org/markup-compatibility/2006">
-        <mc:Choice xmlns:a14="http://schemas.microsoft.com/office/drawing/2010/main" Requires="a14">
-          <p:sp>
-            <p:nvSpPr>
-              <p:cNvPr id="49" name="Oval 48">
-                <a:extLst>
-                  <a:ext uri="{FF2B5EF4-FFF2-40B4-BE49-F238E27FC236}">
-                    <a16:creationId xmlns:a16="http://schemas.microsoft.com/office/drawing/2014/main" id="{E762B5F2-0980-D32F-5459-D785365ADA05}"/>
-                  </a:ext>
-                </a:extLst>
-              </p:cNvPr>
-              <p:cNvSpPr/>
-              <p:nvPr/>
-            </p:nvSpPr>
-            <p:spPr>
-              <a:xfrm>
-                <a:off x="10425805" y="971056"/>
-                <a:ext cx="375503" cy="375503"/>
-              </a:xfrm>
-              <a:prstGeom prst="ellipse">
-                <a:avLst/>
-              </a:prstGeom>
-              <a:noFill/>
-              <a:ln>
-                <a:solidFill>
-                  <a:schemeClr val="tx2">
-                    <a:lumMod val="50000"/>
-                    <a:lumOff val="50000"/>
-                  </a:schemeClr>
-                </a:solidFill>
-              </a:ln>
-            </p:spPr>
-            <p:style>
-              <a:lnRef idx="2">
-                <a:schemeClr val="accent1">
-                  <a:shade val="15000"/>
-                </a:schemeClr>
-              </a:lnRef>
-              <a:fillRef idx="1">
-                <a:schemeClr val="accent1"/>
-              </a:fillRef>
-              <a:effectRef idx="0">
-                <a:schemeClr val="accent1"/>
-              </a:effectRef>
-              <a:fontRef idx="minor">
-                <a:schemeClr val="lt1"/>
-              </a:fontRef>
-            </p:style>
-            <p:txBody>
-              <a:bodyPr rtlCol="0" anchor="ctr"/>
-              <a:lstStyle/>
-              <a:p>
-                <a:pPr algn="ctr"/>
-                <a14:m>
-                  <m:oMathPara xmlns:m="http://schemas.openxmlformats.org/officeDocument/2006/math">
-                    <m:oMathParaPr>
-                      <m:jc m:val="centerGroup"/>
-                    </m:oMathParaPr>
-                    <m:oMath xmlns:m="http://schemas.openxmlformats.org/officeDocument/2006/math">
-                      <m:sSub>
-                        <m:sSubPr>
-                          <m:ctrlPr>
-                            <a:rPr lang="en-US" sz="1100" i="1" dirty="0" smtClean="0">
-                              <a:solidFill>
-                                <a:sysClr val="windowText" lastClr="000000"/>
-                              </a:solidFill>
-                              <a:latin typeface="Cambria Math" panose="02040503050406030204" pitchFamily="18" charset="0"/>
-                            </a:rPr>
-                          </m:ctrlPr>
-                        </m:sSubPr>
-                        <m:e>
-                          <m:r>
-                            <a:rPr lang="en-US" sz="1100" b="0" i="1" dirty="0" smtClean="0">
-                              <a:solidFill>
-                                <a:sysClr val="windowText" lastClr="000000"/>
-                              </a:solidFill>
-                              <a:latin typeface="Cambria Math" panose="02040503050406030204" pitchFamily="18" charset="0"/>
-                            </a:rPr>
-                            <m:t>h</m:t>
-                          </m:r>
-                        </m:e>
-                        <m:sub>
-                          <m:r>
-                            <a:rPr lang="en-US" sz="1100" b="0" i="1" dirty="0" smtClean="0">
-                              <a:solidFill>
-                                <a:sysClr val="windowText" lastClr="000000"/>
-                              </a:solidFill>
-                              <a:latin typeface="Cambria Math" panose="02040503050406030204" pitchFamily="18" charset="0"/>
-                            </a:rPr>
-                            <m:t>256</m:t>
-                          </m:r>
-                        </m:sub>
-                      </m:sSub>
-                    </m:oMath>
-                  </m:oMathPara>
-                </a14:m>
-                <a:endParaRPr lang="en-US" sz="1100" dirty="0">
-                  <a:solidFill>
-                    <a:sysClr val="windowText" lastClr="000000"/>
-                  </a:solidFill>
-                </a:endParaRPr>
-              </a:p>
-            </p:txBody>
-          </p:sp>
-        </mc:Choice>
-        <mc:Fallback>
-          <p:sp>
-            <p:nvSpPr>
-              <p:cNvPr id="49" name="Oval 48">
-                <a:extLst>
-                  <a:ext uri="{FF2B5EF4-FFF2-40B4-BE49-F238E27FC236}">
-                    <a16:creationId xmlns:a16="http://schemas.microsoft.com/office/drawing/2014/main" id="{E762B5F2-0980-D32F-5459-D785365ADA05}"/>
-                  </a:ext>
-                </a:extLst>
-              </p:cNvPr>
-              <p:cNvSpPr>
-                <a:spLocks noRot="1" noChangeAspect="1" noMove="1" noResize="1" noEditPoints="1" noAdjustHandles="1" noChangeArrowheads="1" noChangeShapeType="1" noTextEdit="1"/>
-              </p:cNvSpPr>
-              <p:nvPr/>
-            </p:nvSpPr>
-            <p:spPr>
-              <a:xfrm>
-                <a:off x="10425805" y="971056"/>
-                <a:ext cx="375503" cy="375503"/>
-              </a:xfrm>
-              <a:prstGeom prst="ellipse">
-                <a:avLst/>
-              </a:prstGeom>
-              <a:blipFill>
-                <a:blip r:embed="rId6"/>
-                <a:stretch>
-                  <a:fillRect/>
-                </a:stretch>
-              </a:blipFill>
-              <a:ln>
-                <a:solidFill>
-                  <a:schemeClr val="tx2">
-                    <a:lumMod val="50000"/>
-                    <a:lumOff val="50000"/>
-                  </a:schemeClr>
-                </a:solidFill>
-              </a:ln>
-            </p:spPr>
-            <p:txBody>
-              <a:bodyPr/>
-              <a:lstStyle/>
-              <a:p>
-                <a:r>
-                  <a:rPr lang="en-US">
-                    <a:noFill/>
-                  </a:rPr>
-                  <a:t> </a:t>
-                </a:r>
-              </a:p>
-            </p:txBody>
-          </p:sp>
-        </mc:Fallback>
-      </mc:AlternateContent>
-      <mc:AlternateContent xmlns:mc="http://schemas.openxmlformats.org/markup-compatibility/2006">
-        <mc:Choice xmlns:a14="http://schemas.microsoft.com/office/drawing/2010/main" Requires="a14">
-          <p:sp>
-            <p:nvSpPr>
-              <p:cNvPr id="50" name="Oval 49">
-                <a:extLst>
-                  <a:ext uri="{FF2B5EF4-FFF2-40B4-BE49-F238E27FC236}">
-                    <a16:creationId xmlns:a16="http://schemas.microsoft.com/office/drawing/2014/main" id="{152C9FF4-2F78-A266-758A-633D335BCCF1}"/>
-                  </a:ext>
-                </a:extLst>
-              </p:cNvPr>
-              <p:cNvSpPr/>
-              <p:nvPr/>
-            </p:nvSpPr>
-            <p:spPr>
-              <a:xfrm>
-                <a:off x="8231502" y="929363"/>
-                <a:ext cx="375503" cy="375503"/>
-              </a:xfrm>
-              <a:prstGeom prst="ellipse">
-                <a:avLst/>
-              </a:prstGeom>
-              <a:noFill/>
-              <a:ln>
-                <a:solidFill>
-                  <a:schemeClr val="tx2">
-                    <a:lumMod val="50000"/>
-                    <a:lumOff val="50000"/>
-                  </a:schemeClr>
-                </a:solidFill>
-              </a:ln>
-            </p:spPr>
-            <p:style>
-              <a:lnRef idx="2">
-                <a:schemeClr val="accent1">
-                  <a:shade val="15000"/>
-                </a:schemeClr>
-              </a:lnRef>
-              <a:fillRef idx="1">
-                <a:schemeClr val="accent1"/>
-              </a:fillRef>
-              <a:effectRef idx="0">
-                <a:schemeClr val="accent1"/>
-              </a:effectRef>
-              <a:fontRef idx="minor">
-                <a:schemeClr val="lt1"/>
-              </a:fontRef>
-            </p:style>
-            <p:txBody>
-              <a:bodyPr rtlCol="0" anchor="ctr"/>
-              <a:lstStyle/>
-              <a:p>
-                <a:pPr algn="ctr"/>
-                <a14:m>
-                  <m:oMathPara xmlns:m="http://schemas.openxmlformats.org/officeDocument/2006/math">
-                    <m:oMathParaPr>
-                      <m:jc m:val="centerGroup"/>
-                    </m:oMathParaPr>
-                    <m:oMath xmlns:m="http://schemas.openxmlformats.org/officeDocument/2006/math">
-                      <m:sSub>
-                        <m:sSubPr>
-                          <m:ctrlPr>
-                            <a:rPr lang="en-US" sz="1100" i="1" dirty="0" smtClean="0">
-                              <a:solidFill>
-                                <a:sysClr val="windowText" lastClr="000000"/>
-                              </a:solidFill>
-                              <a:latin typeface="Cambria Math" panose="02040503050406030204" pitchFamily="18" charset="0"/>
-                            </a:rPr>
-                          </m:ctrlPr>
-                        </m:sSubPr>
-                        <m:e>
-                          <m:r>
-                            <a:rPr lang="en-US" sz="1100" b="0" i="1" dirty="0" smtClean="0">
-                              <a:solidFill>
-                                <a:sysClr val="windowText" lastClr="000000"/>
-                              </a:solidFill>
-                              <a:latin typeface="Cambria Math" panose="02040503050406030204" pitchFamily="18" charset="0"/>
-                            </a:rPr>
-                            <m:t>h</m:t>
-                          </m:r>
-                        </m:e>
-                        <m:sub>
-                          <m:r>
-                            <a:rPr lang="en-US" sz="1100" b="0" i="1" dirty="0" smtClean="0">
-                              <a:solidFill>
-                                <a:sysClr val="windowText" lastClr="000000"/>
-                              </a:solidFill>
-                              <a:latin typeface="Cambria Math" panose="02040503050406030204" pitchFamily="18" charset="0"/>
-                            </a:rPr>
-                            <m:t>2</m:t>
-                          </m:r>
-                        </m:sub>
-                      </m:sSub>
-                    </m:oMath>
-                  </m:oMathPara>
-                </a14:m>
-                <a:endParaRPr lang="en-US" sz="1100" dirty="0">
-                  <a:solidFill>
-                    <a:sysClr val="windowText" lastClr="000000"/>
-                  </a:solidFill>
-                </a:endParaRPr>
-              </a:p>
-            </p:txBody>
-          </p:sp>
-        </mc:Choice>
-        <mc:Fallback>
-          <p:sp>
-            <p:nvSpPr>
-              <p:cNvPr id="50" name="Oval 49">
-                <a:extLst>
-                  <a:ext uri="{FF2B5EF4-FFF2-40B4-BE49-F238E27FC236}">
-                    <a16:creationId xmlns:a16="http://schemas.microsoft.com/office/drawing/2014/main" id="{152C9FF4-2F78-A266-758A-633D335BCCF1}"/>
-                  </a:ext>
-                </a:extLst>
-              </p:cNvPr>
-              <p:cNvSpPr>
-                <a:spLocks noRot="1" noChangeAspect="1" noMove="1" noResize="1" noEditPoints="1" noAdjustHandles="1" noChangeArrowheads="1" noChangeShapeType="1" noTextEdit="1"/>
-              </p:cNvSpPr>
-              <p:nvPr/>
-            </p:nvSpPr>
-            <p:spPr>
-              <a:xfrm>
-                <a:off x="8231502" y="929363"/>
-                <a:ext cx="375503" cy="375503"/>
-              </a:xfrm>
-              <a:prstGeom prst="ellipse">
-                <a:avLst/>
-              </a:prstGeom>
-              <a:blipFill>
-                <a:blip r:embed="rId7"/>
-                <a:stretch>
-                  <a:fillRect/>
-                </a:stretch>
-              </a:blipFill>
-              <a:ln>
-                <a:solidFill>
-                  <a:schemeClr val="tx2">
-                    <a:lumMod val="50000"/>
-                    <a:lumOff val="50000"/>
-                  </a:schemeClr>
-                </a:solidFill>
-              </a:ln>
-            </p:spPr>
-            <p:txBody>
-              <a:bodyPr/>
-              <a:lstStyle/>
-              <a:p>
-                <a:r>
-                  <a:rPr lang="en-US">
-                    <a:noFill/>
-                  </a:rPr>
-                  <a:t> </a:t>
-                </a:r>
-              </a:p>
-            </p:txBody>
-          </p:sp>
-        </mc:Fallback>
-      </mc:AlternateContent>
-      <p:cxnSp>
-        <p:nvCxnSpPr>
-          <p:cNvPr id="89" name="Straight Arrow Connector 88">
-            <a:extLst>
-              <a:ext uri="{FF2B5EF4-FFF2-40B4-BE49-F238E27FC236}">
-                <a16:creationId xmlns:a16="http://schemas.microsoft.com/office/drawing/2014/main" id="{81E3F869-41DF-379A-9C52-D35F64D6624F}"/>
-              </a:ext>
-            </a:extLst>
-          </p:cNvPr>
-          <p:cNvCxnSpPr>
-            <a:cxnSpLocks/>
-            <a:stCxn id="47" idx="0"/>
-          </p:cNvCxnSpPr>
-          <p:nvPr/>
-        </p:nvCxnSpPr>
-        <p:spPr>
-          <a:xfrm flipV="1">
-            <a:off x="7579180" y="632947"/>
-            <a:ext cx="1516781" cy="296416"/>
-          </a:xfrm>
-          <a:prstGeom prst="straightConnector1">
-            <a:avLst/>
-          </a:prstGeom>
-          <a:ln>
-            <a:solidFill>
-              <a:schemeClr val="tx2">
-                <a:lumMod val="50000"/>
-                <a:lumOff val="50000"/>
-              </a:schemeClr>
-            </a:solidFill>
-            <a:tailEnd type="triangle"/>
-          </a:ln>
-        </p:spPr>
-        <p:style>
-          <a:lnRef idx="2">
-            <a:schemeClr val="accent1"/>
-          </a:lnRef>
-          <a:fillRef idx="0">
-            <a:schemeClr val="accent1"/>
-          </a:fillRef>
-          <a:effectRef idx="1">
-            <a:schemeClr val="accent1"/>
-          </a:effectRef>
-          <a:fontRef idx="minor">
-            <a:schemeClr val="tx1"/>
-          </a:fontRef>
-        </p:style>
-      </p:cxnSp>
-      <p:cxnSp>
-        <p:nvCxnSpPr>
-          <p:cNvPr id="91" name="Straight Arrow Connector 90">
-            <a:extLst>
-              <a:ext uri="{FF2B5EF4-FFF2-40B4-BE49-F238E27FC236}">
-                <a16:creationId xmlns:a16="http://schemas.microsoft.com/office/drawing/2014/main" id="{780C18E0-40BC-2459-60C4-DA93BA6E39A7}"/>
-              </a:ext>
-            </a:extLst>
-          </p:cNvPr>
-          <p:cNvCxnSpPr>
-            <a:cxnSpLocks/>
-            <a:stCxn id="50" idx="0"/>
-          </p:cNvCxnSpPr>
-          <p:nvPr/>
-        </p:nvCxnSpPr>
-        <p:spPr>
-          <a:xfrm flipV="1">
-            <a:off x="8419254" y="632947"/>
-            <a:ext cx="676707" cy="296416"/>
-          </a:xfrm>
-          <a:prstGeom prst="straightConnector1">
-            <a:avLst/>
-          </a:prstGeom>
-          <a:ln>
-            <a:solidFill>
-              <a:schemeClr val="tx2">
-                <a:lumMod val="50000"/>
-                <a:lumOff val="50000"/>
-              </a:schemeClr>
-            </a:solidFill>
-            <a:tailEnd type="triangle"/>
-          </a:ln>
-        </p:spPr>
-        <p:style>
-          <a:lnRef idx="2">
-            <a:schemeClr val="accent1"/>
-          </a:lnRef>
-          <a:fillRef idx="0">
-            <a:schemeClr val="accent1"/>
-          </a:fillRef>
-          <a:effectRef idx="1">
-            <a:schemeClr val="accent1"/>
-          </a:effectRef>
-          <a:fontRef idx="minor">
-            <a:schemeClr val="tx1"/>
-          </a:fontRef>
-        </p:style>
-      </p:cxnSp>
-      <p:cxnSp>
-        <p:nvCxnSpPr>
-          <p:cNvPr id="93" name="Straight Arrow Connector 92">
-            <a:extLst>
-              <a:ext uri="{FF2B5EF4-FFF2-40B4-BE49-F238E27FC236}">
-                <a16:creationId xmlns:a16="http://schemas.microsoft.com/office/drawing/2014/main" id="{B88240F9-A579-FF2F-3650-B513EC48B82E}"/>
-              </a:ext>
-            </a:extLst>
-          </p:cNvPr>
-          <p:cNvCxnSpPr>
-            <a:cxnSpLocks/>
-            <a:stCxn id="48" idx="0"/>
-          </p:cNvCxnSpPr>
-          <p:nvPr/>
-        </p:nvCxnSpPr>
-        <p:spPr>
-          <a:xfrm flipH="1" flipV="1">
-            <a:off x="9095961" y="632947"/>
-            <a:ext cx="677520" cy="338109"/>
-          </a:xfrm>
-          <a:prstGeom prst="straightConnector1">
-            <a:avLst/>
-          </a:prstGeom>
-          <a:ln>
-            <a:solidFill>
-              <a:schemeClr val="tx2">
-                <a:lumMod val="50000"/>
-                <a:lumOff val="50000"/>
-              </a:schemeClr>
-            </a:solidFill>
-            <a:tailEnd type="triangle"/>
-          </a:ln>
-        </p:spPr>
-        <p:style>
-          <a:lnRef idx="2">
-            <a:schemeClr val="accent1"/>
-          </a:lnRef>
-          <a:fillRef idx="0">
-            <a:schemeClr val="accent1"/>
-          </a:fillRef>
-          <a:effectRef idx="1">
-            <a:schemeClr val="accent1"/>
-          </a:effectRef>
-          <a:fontRef idx="minor">
-            <a:schemeClr val="tx1"/>
-          </a:fontRef>
-        </p:style>
-      </p:cxnSp>
-      <p:cxnSp>
-        <p:nvCxnSpPr>
-          <p:cNvPr id="95" name="Straight Arrow Connector 94">
-            <a:extLst>
-              <a:ext uri="{FF2B5EF4-FFF2-40B4-BE49-F238E27FC236}">
-                <a16:creationId xmlns:a16="http://schemas.microsoft.com/office/drawing/2014/main" id="{027095C6-F392-8A51-71EC-4D87C737A7FD}"/>
-              </a:ext>
-            </a:extLst>
-          </p:cNvPr>
-          <p:cNvCxnSpPr>
-            <a:cxnSpLocks/>
-            <a:stCxn id="49" idx="0"/>
-          </p:cNvCxnSpPr>
-          <p:nvPr/>
-        </p:nvCxnSpPr>
-        <p:spPr>
-          <a:xfrm flipH="1" flipV="1">
-            <a:off x="9095961" y="632947"/>
-            <a:ext cx="1517596" cy="338109"/>
-          </a:xfrm>
-          <a:prstGeom prst="straightConnector1">
-            <a:avLst/>
-          </a:prstGeom>
-          <a:ln>
-            <a:solidFill>
-              <a:schemeClr val="tx2">
-                <a:lumMod val="50000"/>
-                <a:lumOff val="50000"/>
-              </a:schemeClr>
-            </a:solidFill>
-            <a:tailEnd type="triangle"/>
-          </a:ln>
-        </p:spPr>
-        <p:style>
-          <a:lnRef idx="2">
-            <a:schemeClr val="accent1"/>
-          </a:lnRef>
-          <a:fillRef idx="0">
-            <a:schemeClr val="accent1"/>
-          </a:fillRef>
-          <a:effectRef idx="1">
-            <a:schemeClr val="accent1"/>
-          </a:effectRef>
-          <a:fontRef idx="minor">
-            <a:schemeClr val="tx1"/>
-          </a:fontRef>
-        </p:style>
-      </p:cxnSp>
-      <p:cxnSp>
-        <p:nvCxnSpPr>
-          <p:cNvPr id="136" name="Straight Arrow Connector 135">
-            <a:extLst>
-              <a:ext uri="{FF2B5EF4-FFF2-40B4-BE49-F238E27FC236}">
-                <a16:creationId xmlns:a16="http://schemas.microsoft.com/office/drawing/2014/main" id="{C36DCE77-57A4-2983-C323-1D116E775FD2}"/>
-              </a:ext>
-            </a:extLst>
-          </p:cNvPr>
-          <p:cNvCxnSpPr>
-            <a:cxnSpLocks/>
-          </p:cNvCxnSpPr>
-          <p:nvPr/>
-        </p:nvCxnSpPr>
-        <p:spPr>
-          <a:xfrm flipV="1">
-            <a:off x="7579292" y="1287856"/>
-            <a:ext cx="0" cy="309956"/>
-          </a:xfrm>
-          <a:prstGeom prst="straightConnector1">
-            <a:avLst/>
-          </a:prstGeom>
-          <a:ln>
-            <a:solidFill>
-              <a:schemeClr val="tx2">
-                <a:lumMod val="50000"/>
-                <a:lumOff val="50000"/>
-              </a:schemeClr>
-            </a:solidFill>
-            <a:tailEnd type="triangle"/>
-          </a:ln>
-        </p:spPr>
-        <p:style>
-          <a:lnRef idx="2">
-            <a:schemeClr val="accent4"/>
-          </a:lnRef>
-          <a:fillRef idx="0">
-            <a:schemeClr val="accent4"/>
-          </a:fillRef>
-          <a:effectRef idx="1">
-            <a:schemeClr val="accent4"/>
-          </a:effectRef>
-          <a:fontRef idx="minor">
-            <a:schemeClr val="tx1"/>
-          </a:fontRef>
-        </p:style>
-      </p:cxnSp>
-      <p:cxnSp>
-        <p:nvCxnSpPr>
-          <p:cNvPr id="137" name="Straight Arrow Connector 136">
-            <a:extLst>
-              <a:ext uri="{FF2B5EF4-FFF2-40B4-BE49-F238E27FC236}">
-                <a16:creationId xmlns:a16="http://schemas.microsoft.com/office/drawing/2014/main" id="{144589AB-7777-1BB3-C9B2-E1B7A56F1AB2}"/>
-              </a:ext>
-            </a:extLst>
-          </p:cNvPr>
-          <p:cNvCxnSpPr>
-            <a:cxnSpLocks/>
-          </p:cNvCxnSpPr>
-          <p:nvPr/>
-        </p:nvCxnSpPr>
-        <p:spPr>
-          <a:xfrm flipV="1">
-            <a:off x="8419366" y="1287859"/>
-            <a:ext cx="0" cy="309956"/>
-          </a:xfrm>
-          <a:prstGeom prst="straightConnector1">
-            <a:avLst/>
-          </a:prstGeom>
-          <a:ln>
-            <a:solidFill>
-              <a:schemeClr val="tx2">
-                <a:lumMod val="50000"/>
-                <a:lumOff val="50000"/>
-              </a:schemeClr>
-            </a:solidFill>
-            <a:tailEnd type="triangle"/>
-          </a:ln>
-        </p:spPr>
-        <p:style>
-          <a:lnRef idx="2">
-            <a:schemeClr val="accent1"/>
-          </a:lnRef>
-          <a:fillRef idx="0">
-            <a:schemeClr val="accent1"/>
-          </a:fillRef>
-          <a:effectRef idx="1">
-            <a:schemeClr val="accent1"/>
-          </a:effectRef>
-          <a:fontRef idx="minor">
-            <a:schemeClr val="tx1"/>
-          </a:fontRef>
-        </p:style>
-      </p:cxnSp>
-      <p:cxnSp>
-        <p:nvCxnSpPr>
-          <p:cNvPr id="138" name="Straight Arrow Connector 137">
-            <a:extLst>
-              <a:ext uri="{FF2B5EF4-FFF2-40B4-BE49-F238E27FC236}">
-                <a16:creationId xmlns:a16="http://schemas.microsoft.com/office/drawing/2014/main" id="{9694C96D-75B8-8604-A368-7EB698A473BD}"/>
-              </a:ext>
-            </a:extLst>
-          </p:cNvPr>
-          <p:cNvCxnSpPr>
-            <a:cxnSpLocks/>
-          </p:cNvCxnSpPr>
-          <p:nvPr/>
-        </p:nvCxnSpPr>
-        <p:spPr>
-          <a:xfrm flipV="1">
-            <a:off x="9773593" y="1329549"/>
-            <a:ext cx="0" cy="309956"/>
-          </a:xfrm>
-          <a:prstGeom prst="straightConnector1">
-            <a:avLst/>
-          </a:prstGeom>
-          <a:ln>
-            <a:solidFill>
-              <a:schemeClr val="tx2">
-                <a:lumMod val="50000"/>
-                <a:lumOff val="50000"/>
-              </a:schemeClr>
-            </a:solidFill>
-            <a:tailEnd type="triangle"/>
-          </a:ln>
-        </p:spPr>
-        <p:style>
-          <a:lnRef idx="2">
-            <a:schemeClr val="accent1"/>
-          </a:lnRef>
-          <a:fillRef idx="0">
-            <a:schemeClr val="accent1"/>
-          </a:fillRef>
-          <a:effectRef idx="1">
-            <a:schemeClr val="accent1"/>
-          </a:effectRef>
-          <a:fontRef idx="minor">
-            <a:schemeClr val="tx1"/>
-          </a:fontRef>
-        </p:style>
-      </p:cxnSp>
-      <p:cxnSp>
-        <p:nvCxnSpPr>
-          <p:cNvPr id="139" name="Straight Arrow Connector 138">
-            <a:extLst>
-              <a:ext uri="{FF2B5EF4-FFF2-40B4-BE49-F238E27FC236}">
-                <a16:creationId xmlns:a16="http://schemas.microsoft.com/office/drawing/2014/main" id="{47B65569-9DD2-5EB4-B79D-39A5574B35F4}"/>
-              </a:ext>
-            </a:extLst>
-          </p:cNvPr>
-          <p:cNvCxnSpPr>
-            <a:cxnSpLocks/>
-          </p:cNvCxnSpPr>
-          <p:nvPr/>
-        </p:nvCxnSpPr>
-        <p:spPr>
-          <a:xfrm flipV="1">
-            <a:off x="10613669" y="1329549"/>
-            <a:ext cx="0" cy="309955"/>
-          </a:xfrm>
-          <a:prstGeom prst="straightConnector1">
-            <a:avLst/>
-          </a:prstGeom>
-          <a:ln>
-            <a:solidFill>
-              <a:schemeClr val="tx2">
-                <a:lumMod val="50000"/>
-                <a:lumOff val="50000"/>
-              </a:schemeClr>
-            </a:solidFill>
-            <a:tailEnd type="triangle"/>
-          </a:ln>
-        </p:spPr>
-        <p:style>
-          <a:lnRef idx="2">
-            <a:schemeClr val="accent1"/>
-          </a:lnRef>
-          <a:fillRef idx="0">
-            <a:schemeClr val="accent1"/>
-          </a:fillRef>
-          <a:effectRef idx="1">
-            <a:schemeClr val="accent1"/>
-          </a:effectRef>
-          <a:fontRef idx="minor">
-            <a:schemeClr val="tx1"/>
-          </a:fontRef>
-        </p:style>
-      </p:cxnSp>
-      <p:sp>
-        <p:nvSpPr>
-          <p:cNvPr id="140" name="Rectangle 139">
-            <a:extLst>
-              <a:ext uri="{FF2B5EF4-FFF2-40B4-BE49-F238E27FC236}">
-                <a16:creationId xmlns:a16="http://schemas.microsoft.com/office/drawing/2014/main" id="{7CC8CEE1-5CC8-0B9C-02CE-299FE93D7728}"/>
-              </a:ext>
-            </a:extLst>
-          </p:cNvPr>
-          <p:cNvSpPr/>
-          <p:nvPr/>
-        </p:nvSpPr>
-        <p:spPr>
-          <a:xfrm>
-            <a:off x="8825615" y="922490"/>
-            <a:ext cx="540690" cy="375504"/>
-          </a:xfrm>
-          <a:prstGeom prst="rect">
-            <a:avLst/>
-          </a:prstGeom>
-          <a:noFill/>
-          <a:ln>
-            <a:noFill/>
-          </a:ln>
-        </p:spPr>
-        <p:style>
-          <a:lnRef idx="2">
-            <a:schemeClr val="accent1">
-              <a:shade val="15000"/>
-            </a:schemeClr>
-          </a:lnRef>
-          <a:fillRef idx="1">
-            <a:schemeClr val="accent1"/>
-          </a:fillRef>
-          <a:effectRef idx="0">
-            <a:schemeClr val="accent1"/>
-          </a:effectRef>
-          <a:fontRef idx="minor">
-            <a:schemeClr val="lt1"/>
-          </a:fontRef>
-        </p:style>
-        <p:txBody>
-          <a:bodyPr rtlCol="0" anchor="ctr"/>
-          <a:lstStyle/>
-          <a:p>
-            <a:pPr algn="ctr"/>
-            <a:r>
-              <a:rPr lang="en-US" sz="1200" dirty="0">
-                <a:solidFill>
-                  <a:sysClr val="windowText" lastClr="000000"/>
-                </a:solidFill>
-              </a:rPr>
-              <a:t>…</a:t>
-            </a:r>
-          </a:p>
-        </p:txBody>
-      </p:sp>
-      <p:sp>
-        <p:nvSpPr>
-          <p:cNvPr id="149" name="Rectangle: Rounded Corners 148">
-            <a:extLst>
-              <a:ext uri="{FF2B5EF4-FFF2-40B4-BE49-F238E27FC236}">
-                <a16:creationId xmlns:a16="http://schemas.microsoft.com/office/drawing/2014/main" id="{798480EE-50AC-3111-14E6-8AB056EA4A23}"/>
-              </a:ext>
-            </a:extLst>
-          </p:cNvPr>
-          <p:cNvSpPr/>
-          <p:nvPr/>
-        </p:nvSpPr>
-        <p:spPr>
-          <a:xfrm>
-            <a:off x="8062625" y="216449"/>
-            <a:ext cx="2058059" cy="430421"/>
-          </a:xfrm>
-          <a:prstGeom prst="roundRect">
-            <a:avLst/>
-          </a:prstGeom>
-          <a:solidFill>
-            <a:schemeClr val="accent2">
-              <a:lumMod val="20000"/>
-              <a:lumOff val="80000"/>
-            </a:schemeClr>
-          </a:solidFill>
-          <a:ln>
-            <a:solidFill>
-              <a:schemeClr val="accent2"/>
-            </a:solidFill>
-          </a:ln>
-        </p:spPr>
-        <p:style>
-          <a:lnRef idx="2">
-            <a:schemeClr val="accent1">
-              <a:shade val="15000"/>
-            </a:schemeClr>
-          </a:lnRef>
-          <a:fillRef idx="1">
-            <a:schemeClr val="accent1"/>
-          </a:fillRef>
-          <a:effectRef idx="0">
-            <a:schemeClr val="accent1"/>
-          </a:effectRef>
-          <a:fontRef idx="minor">
-            <a:schemeClr val="lt1"/>
-          </a:fontRef>
-        </p:style>
-        <p:txBody>
-          <a:bodyPr rtlCol="0" anchor="ctr"/>
-          <a:lstStyle/>
-          <a:p>
-            <a:pPr algn="ctr"/>
-            <a:r>
-              <a:rPr lang="en-US" b="1" dirty="0">
-                <a:solidFill>
-                  <a:schemeClr val="tx1"/>
-                </a:solidFill>
-              </a:rPr>
-              <a:t>Linear, 128, ReLU</a:t>
-            </a:r>
-          </a:p>
-        </p:txBody>
-      </p:sp>
-      <p:cxnSp>
-        <p:nvCxnSpPr>
-          <p:cNvPr id="155" name="Straight Arrow Connector 154">
-            <a:extLst>
-              <a:ext uri="{FF2B5EF4-FFF2-40B4-BE49-F238E27FC236}">
-                <a16:creationId xmlns:a16="http://schemas.microsoft.com/office/drawing/2014/main" id="{3DABA036-7160-75AD-7D35-8E7AF469A498}"/>
-              </a:ext>
-            </a:extLst>
-          </p:cNvPr>
-          <p:cNvCxnSpPr>
-            <a:cxnSpLocks/>
-            <a:stCxn id="149" idx="0"/>
-            <a:endCxn id="31" idx="2"/>
-          </p:cNvCxnSpPr>
-          <p:nvPr/>
-        </p:nvCxnSpPr>
-        <p:spPr>
-          <a:xfrm flipH="1" flipV="1">
-            <a:off x="9091654" y="-26247"/>
-            <a:ext cx="1" cy="242696"/>
-          </a:xfrm>
-          <a:prstGeom prst="straightConnector1">
-            <a:avLst/>
-          </a:prstGeom>
-          <a:ln>
-            <a:tailEnd type="triangle"/>
-          </a:ln>
-        </p:spPr>
-        <p:style>
-          <a:lnRef idx="1">
-            <a:schemeClr val="accent2"/>
-          </a:lnRef>
-          <a:fillRef idx="0">
-            <a:schemeClr val="accent2"/>
-          </a:fillRef>
-          <a:effectRef idx="0">
-            <a:schemeClr val="accent2"/>
-          </a:effectRef>
-          <a:fontRef idx="minor">
-            <a:schemeClr val="tx1"/>
-          </a:fontRef>
-        </p:style>
-      </p:cxnSp>
       <mc:AlternateContent xmlns:mc="http://schemas.openxmlformats.org/markup-compatibility/2006">
         <mc:Choice xmlns:a14="http://schemas.microsoft.com/office/drawing/2010/main" Requires="a14">
           <p:sp>
@@ -10008,7 +7518,7 @@
             </p:nvSpPr>
             <p:spPr>
               <a:xfrm>
-                <a:off x="10144656" y="4836746"/>
+                <a:off x="6878941" y="3980403"/>
                 <a:ext cx="1094841" cy="523220"/>
               </a:xfrm>
               <a:prstGeom prst="rect">
@@ -10022,6 +7532,7 @@
               </a:bodyPr>
               <a:lstStyle/>
               <a:p>
+                <a:pPr/>
                 <a14:m>
                   <m:oMathPara xmlns:m="http://schemas.openxmlformats.org/officeDocument/2006/math">
                     <m:oMathParaPr>
@@ -10051,6 +7562,7 @@
                 </a:endParaRPr>
               </a:p>
               <a:p>
+                <a:pPr/>
                 <a14:m>
                   <m:oMathPara xmlns:m="http://schemas.openxmlformats.org/officeDocument/2006/math">
                     <m:oMathParaPr>
@@ -10112,14 +7624,14 @@
             </p:nvSpPr>
             <p:spPr>
               <a:xfrm>
-                <a:off x="10144656" y="4836746"/>
+                <a:off x="6878941" y="3980403"/>
                 <a:ext cx="1094841" cy="523220"/>
               </a:xfrm>
               <a:prstGeom prst="rect">
                 <a:avLst/>
               </a:prstGeom>
               <a:blipFill>
-                <a:blip r:embed="rId8"/>
+                <a:blip r:embed="rId3"/>
                 <a:stretch>
                   <a:fillRect/>
                 </a:stretch>
@@ -10156,7 +7668,7 @@
             </p:nvSpPr>
             <p:spPr>
               <a:xfrm>
-                <a:off x="10144655" y="4047400"/>
+                <a:off x="6878940" y="3191057"/>
                 <a:ext cx="1094843" cy="523220"/>
               </a:xfrm>
               <a:prstGeom prst="rect">
@@ -10170,6 +7682,7 @@
               </a:bodyPr>
               <a:lstStyle/>
               <a:p>
+                <a:pPr/>
                 <a14:m>
                   <m:oMathPara xmlns:m="http://schemas.openxmlformats.org/officeDocument/2006/math">
                     <m:oMathParaPr>
@@ -10199,6 +7712,7 @@
                 </a:endParaRPr>
               </a:p>
               <a:p>
+                <a:pPr/>
                 <a14:m>
                   <m:oMathPara xmlns:m="http://schemas.openxmlformats.org/officeDocument/2006/math">
                     <m:oMathParaPr>
@@ -10260,14 +7774,14 @@
             </p:nvSpPr>
             <p:spPr>
               <a:xfrm>
-                <a:off x="10144655" y="4047400"/>
+                <a:off x="6878940" y="3191057"/>
                 <a:ext cx="1094843" cy="523220"/>
               </a:xfrm>
               <a:prstGeom prst="rect">
                 <a:avLst/>
               </a:prstGeom>
               <a:blipFill>
-                <a:blip r:embed="rId9"/>
+                <a:blip r:embed="rId4"/>
                 <a:stretch>
                   <a:fillRect/>
                 </a:stretch>
@@ -10302,7 +7816,7 @@
         </p:nvGrpSpPr>
         <p:grpSpPr>
           <a:xfrm>
-            <a:off x="8560382" y="5480741"/>
+            <a:off x="5294667" y="4624398"/>
             <a:ext cx="1435755" cy="516627"/>
             <a:chOff x="8616106" y="5256258"/>
             <a:chExt cx="1149588" cy="516627"/>
@@ -10430,8 +7944,8 @@
             </a:p>
           </p:txBody>
         </p:sp>
-        <mc:AlternateContent xmlns:mc="http://schemas.openxmlformats.org/markup-compatibility/2006">
-          <mc:Choice xmlns:a14="http://schemas.microsoft.com/office/drawing/2010/main" Requires="a14">
+        <mc:AlternateContent xmlns:mc="http://schemas.openxmlformats.org/markup-compatibility/2006" xmlns:a14="http://schemas.microsoft.com/office/drawing/2010/main">
+          <mc:Choice Requires="a14">
             <p:sp>
               <p:nvSpPr>
                 <p:cNvPr id="206" name="Rectangle 205">
@@ -10494,7 +8008,7 @@
                         <m:sSub>
                           <m:sSubPr>
                             <m:ctrlPr>
-                              <a:rPr lang="en-US" sz="1200" b="1" dirty="0" smtClean="0">
+                              <a:rPr lang="en-US" sz="1200" b="1" i="1" dirty="0" smtClean="0">
                                 <a:solidFill>
                                   <a:sysClr val="windowText" lastClr="000000"/>
                                 </a:solidFill>
@@ -10589,7 +8103,7 @@
               </p:txBody>
             </p:sp>
           </mc:Choice>
-          <mc:Fallback>
+          <mc:Fallback xmlns="">
             <p:sp>
               <p:nvSpPr>
                 <p:cNvPr id="206" name="Rectangle 205">
@@ -10654,7 +8168,7 @@
         </p:nvGrpSpPr>
         <p:grpSpPr>
           <a:xfrm>
-            <a:off x="8560382" y="4716107"/>
+            <a:off x="5294667" y="3859764"/>
             <a:ext cx="1435755" cy="563254"/>
             <a:chOff x="8607005" y="4286928"/>
             <a:chExt cx="1030436" cy="563254"/>
@@ -10934,7 +8448,7 @@
         </p:nvGrpSpPr>
         <p:grpSpPr>
           <a:xfrm>
-            <a:off x="8560383" y="3951473"/>
+            <a:off x="5294668" y="3095130"/>
             <a:ext cx="1435755" cy="563254"/>
             <a:chOff x="8678922" y="3475530"/>
             <a:chExt cx="1030439" cy="563254"/>
@@ -11216,7 +8730,7 @@
             </p:nvSpPr>
             <p:spPr>
               <a:xfrm>
-                <a:off x="7164271" y="5067578"/>
+                <a:off x="3898556" y="4211235"/>
                 <a:ext cx="978028" cy="461665"/>
               </a:xfrm>
               <a:prstGeom prst="rect">
@@ -11230,6 +8744,7 @@
               </a:bodyPr>
               <a:lstStyle/>
               <a:p>
+                <a:pPr/>
                 <a14:m>
                   <m:oMathPara xmlns:m="http://schemas.openxmlformats.org/officeDocument/2006/math">
                     <m:oMathParaPr>
@@ -11254,6 +8769,7 @@
                 <a:endParaRPr lang="en-US" sz="1200" b="0" dirty="0"/>
               </a:p>
               <a:p>
+                <a:pPr/>
                 <a14:m>
                   <m:oMathPara xmlns:m="http://schemas.openxmlformats.org/officeDocument/2006/math">
                     <m:oMathParaPr>
@@ -11270,13 +8786,7 @@
                         <a:rPr lang="en-US" sz="1200" b="0" i="0" smtClean="0">
                           <a:latin typeface="Cambria Math" panose="02040503050406030204" pitchFamily="18" charset="0"/>
                         </a:rPr>
-                        <m:t>=</m:t>
-                      </m:r>
-                      <m:r>
-                        <a:rPr lang="en-US" sz="1200" b="0" i="0" smtClean="0">
-                          <a:latin typeface="Cambria Math" panose="02040503050406030204" pitchFamily="18" charset="0"/>
-                        </a:rPr>
-                        <m:t>1</m:t>
+                        <m:t>=1</m:t>
                       </m:r>
                     </m:oMath>
                   </m:oMathPara>
@@ -11303,7 +8813,7 @@
             </p:nvSpPr>
             <p:spPr>
               <a:xfrm>
-                <a:off x="7164271" y="5067578"/>
+                <a:off x="3898556" y="4211235"/>
                 <a:ext cx="978028" cy="461665"/>
               </a:xfrm>
               <a:prstGeom prst="rect">
@@ -11345,7 +8855,7 @@
         </p:nvSpPr>
         <p:spPr>
           <a:xfrm rot="10800000">
-            <a:off x="8137337" y="5097085"/>
+            <a:off x="4871622" y="4240742"/>
             <a:ext cx="205725" cy="389132"/>
           </a:xfrm>
           <a:prstGeom prst="rightBrace">
@@ -11394,7 +8904,7 @@
             </p:nvSpPr>
             <p:spPr>
               <a:xfrm>
-                <a:off x="7168952" y="4292298"/>
+                <a:off x="3903237" y="3435955"/>
                 <a:ext cx="978028" cy="461665"/>
               </a:xfrm>
               <a:prstGeom prst="rect">
@@ -11408,6 +8918,7 @@
               </a:bodyPr>
               <a:lstStyle/>
               <a:p>
+                <a:pPr/>
                 <a14:m>
                   <m:oMathPara xmlns:m="http://schemas.openxmlformats.org/officeDocument/2006/math">
                     <m:oMathParaPr>
@@ -11434,6 +8945,7 @@
                 </a:endParaRPr>
               </a:p>
               <a:p>
+                <a:pPr/>
                 <a14:m>
                   <m:oMathPara xmlns:m="http://schemas.openxmlformats.org/officeDocument/2006/math">
                     <m:oMathParaPr>
@@ -11450,13 +8962,7 @@
                         <a:rPr lang="en-US" sz="1200" b="0" i="0" smtClean="0">
                           <a:latin typeface="Cambria Math" panose="02040503050406030204" pitchFamily="18" charset="0"/>
                         </a:rPr>
-                        <m:t>=</m:t>
-                      </m:r>
-                      <m:r>
-                        <a:rPr lang="en-US" sz="1200" b="0" i="0" smtClean="0">
-                          <a:latin typeface="Cambria Math" panose="02040503050406030204" pitchFamily="18" charset="0"/>
-                        </a:rPr>
-                        <m:t>1</m:t>
+                        <m:t>=1</m:t>
                       </m:r>
                     </m:oMath>
                   </m:oMathPara>
@@ -11483,7 +8989,7 @@
             </p:nvSpPr>
             <p:spPr>
               <a:xfrm>
-                <a:off x="7168952" y="4292298"/>
+                <a:off x="3903237" y="3435955"/>
                 <a:ext cx="978028" cy="461665"/>
               </a:xfrm>
               <a:prstGeom prst="rect">
@@ -11525,7 +9031,7 @@
         </p:nvSpPr>
         <p:spPr>
           <a:xfrm rot="10800000">
-            <a:off x="8159632" y="4331100"/>
+            <a:off x="4893917" y="3474757"/>
             <a:ext cx="205725" cy="389132"/>
           </a:xfrm>
           <a:prstGeom prst="rightBrace">
@@ -11572,7 +9078,7 @@
         </p:nvSpPr>
         <p:spPr>
           <a:xfrm>
-            <a:off x="8560382" y="3368239"/>
+            <a:off x="5294667" y="2511896"/>
             <a:ext cx="1435755" cy="341865"/>
           </a:xfrm>
           <a:prstGeom prst="rect">
@@ -11638,7 +9144,7 @@
             </p:nvSpPr>
             <p:spPr>
               <a:xfrm>
-                <a:off x="10199171" y="3308338"/>
+                <a:off x="6933456" y="2451995"/>
                 <a:ext cx="985811" cy="523220"/>
               </a:xfrm>
               <a:prstGeom prst="rect">
@@ -11652,6 +9158,7 @@
               </a:bodyPr>
               <a:lstStyle/>
               <a:p>
+                <a:pPr/>
                 <a14:m>
                   <m:oMathPara xmlns:m="http://schemas.openxmlformats.org/officeDocument/2006/math">
                     <m:oMathParaPr>
@@ -11681,6 +9188,7 @@
                 </a:endParaRPr>
               </a:p>
               <a:p>
+                <a:pPr/>
                 <a14:m>
                   <m:oMathPara xmlns:m="http://schemas.openxmlformats.org/officeDocument/2006/math">
                     <m:oMathParaPr>
@@ -11729,7 +9237,7 @@
             </p:nvSpPr>
             <p:spPr>
               <a:xfrm>
-                <a:off x="10199171" y="3308338"/>
+                <a:off x="6933456" y="2451995"/>
                 <a:ext cx="985811" cy="523220"/>
               </a:xfrm>
               <a:prstGeom prst="rect">
@@ -11771,7 +9279,7 @@
         </p:nvSpPr>
         <p:spPr>
           <a:xfrm>
-            <a:off x="8554545" y="2789389"/>
+            <a:off x="5288830" y="1933046"/>
             <a:ext cx="1435755" cy="341865"/>
           </a:xfrm>
           <a:prstGeom prst="rect">
@@ -11837,7 +9345,7 @@
             </p:nvSpPr>
             <p:spPr>
               <a:xfrm>
-                <a:off x="10199171" y="2707974"/>
+                <a:off x="6933456" y="1851631"/>
                 <a:ext cx="985811" cy="523220"/>
               </a:xfrm>
               <a:prstGeom prst="rect">
@@ -11851,6 +9359,7 @@
               </a:bodyPr>
               <a:lstStyle/>
               <a:p>
+                <a:pPr/>
                 <a14:m>
                   <m:oMathPara xmlns:m="http://schemas.openxmlformats.org/officeDocument/2006/math">
                     <m:oMathParaPr>
@@ -11880,6 +9389,7 @@
                 </a:endParaRPr>
               </a:p>
               <a:p>
+                <a:pPr/>
                 <a14:m>
                   <m:oMathPara xmlns:m="http://schemas.openxmlformats.org/officeDocument/2006/math">
                     <m:oMathParaPr>
@@ -11928,7 +9438,7 @@
             </p:nvSpPr>
             <p:spPr>
               <a:xfrm>
-                <a:off x="10199171" y="2707974"/>
+                <a:off x="6933456" y="1851631"/>
                 <a:ext cx="985811" cy="523220"/>
               </a:xfrm>
               <a:prstGeom prst="rect">
@@ -11972,7 +9482,7 @@
             </p:nvSpPr>
             <p:spPr>
               <a:xfrm>
-                <a:off x="8554544" y="2250820"/>
+                <a:off x="5288829" y="1394477"/>
                 <a:ext cx="1435756" cy="276999"/>
               </a:xfrm>
               <a:prstGeom prst="rect">
@@ -11996,6 +9506,7 @@
               </a:bodyPr>
               <a:lstStyle/>
               <a:p>
+                <a:pPr/>
                 <a14:m>
                   <m:oMathPara xmlns:m="http://schemas.openxmlformats.org/officeDocument/2006/math">
                     <m:oMathParaPr>
@@ -12007,7 +9518,7 @@
                           <m:begChr m:val="⟨"/>
                           <m:endChr m:val="⟩"/>
                           <m:ctrlPr>
-                            <a:rPr lang="en-US" sz="1200" b="1" smtClean="0">
+                            <a:rPr lang="en-US" sz="1200" b="1" i="1" smtClean="0">
                               <a:latin typeface="Cambria Math" panose="02040503050406030204" pitchFamily="18" charset="0"/>
                             </a:rPr>
                           </m:ctrlPr>
@@ -12016,7 +9527,7 @@
                           <m:sSub>
                             <m:sSubPr>
                               <m:ctrlPr>
-                                <a:rPr lang="en-US" sz="1200" b="1">
+                                <a:rPr lang="en-US" sz="1200" b="1" i="1">
                                   <a:latin typeface="Cambria Math" panose="02040503050406030204" pitchFamily="18" charset="0"/>
                                 </a:rPr>
                               </m:ctrlPr>
@@ -12077,7 +9588,7 @@
             </p:nvSpPr>
             <p:spPr>
               <a:xfrm>
-                <a:off x="8554544" y="2250820"/>
+                <a:off x="5288829" y="1394477"/>
                 <a:ext cx="1435756" cy="276999"/>
               </a:xfrm>
               <a:prstGeom prst="rect">
@@ -12126,7 +9637,7 @@
         </p:nvCxnSpPr>
         <p:spPr>
           <a:xfrm flipV="1">
-            <a:off x="9408351" y="3137855"/>
+            <a:off x="6142636" y="2281512"/>
             <a:ext cx="0" cy="230792"/>
           </a:xfrm>
           <a:prstGeom prst="straightConnector1">
@@ -12167,7 +9678,7 @@
         </p:nvCxnSpPr>
         <p:spPr>
           <a:xfrm flipV="1">
-            <a:off x="9408351" y="2558597"/>
+            <a:off x="6142636" y="1702254"/>
             <a:ext cx="0" cy="230792"/>
           </a:xfrm>
           <a:prstGeom prst="straightConnector1">
@@ -12208,7 +9719,7 @@
             </p:nvSpPr>
             <p:spPr>
               <a:xfrm>
-                <a:off x="10199171" y="2201400"/>
+                <a:off x="6933456" y="1345057"/>
                 <a:ext cx="985811" cy="523220"/>
               </a:xfrm>
               <a:prstGeom prst="rect">
@@ -12282,7 +9793,7 @@
             </p:nvSpPr>
             <p:spPr>
               <a:xfrm>
-                <a:off x="10199171" y="2201400"/>
+                <a:off x="6933456" y="1345057"/>
                 <a:ext cx="985811" cy="523220"/>
               </a:xfrm>
               <a:prstGeom prst="rect">
@@ -12324,7 +9835,7 @@
         </p:nvSpPr>
         <p:spPr>
           <a:xfrm rot="1800000">
-            <a:off x="8562107" y="4278188"/>
+            <a:off x="5296392" y="3421845"/>
             <a:ext cx="293670" cy="246221"/>
           </a:xfrm>
           <a:prstGeom prst="rect">
@@ -12359,7 +9870,7 @@
         </p:nvSpPr>
         <p:spPr>
           <a:xfrm rot="1800000">
-            <a:off x="8555756" y="5041169"/>
+            <a:off x="5290041" y="4184826"/>
             <a:ext cx="293670" cy="246221"/>
           </a:xfrm>
           <a:prstGeom prst="rect">
@@ -12418,1651 +9929,19 @@
       </p:grpSpPr>
       <p:sp>
         <p:nvSpPr>
-          <p:cNvPr id="3" name="TextBox 2">
-            <a:extLst>
-              <a:ext uri="{FF2B5EF4-FFF2-40B4-BE49-F238E27FC236}">
-                <a16:creationId xmlns:a16="http://schemas.microsoft.com/office/drawing/2014/main" id="{46CBF86C-13C8-C00B-CE2A-ED55F96F5BE1}"/>
-              </a:ext>
-            </a:extLst>
-          </p:cNvPr>
-          <p:cNvSpPr txBox="1"/>
+          <p:cNvPr id="42" name="Rectangle 41">
+            <a:extLst>
+              <a:ext uri="{FF2B5EF4-FFF2-40B4-BE49-F238E27FC236}">
+                <a16:creationId xmlns:a16="http://schemas.microsoft.com/office/drawing/2014/main" id="{577BA0FE-ACDC-5C8C-4970-4E6C05CFA969}"/>
+              </a:ext>
+            </a:extLst>
+          </p:cNvPr>
+          <p:cNvSpPr/>
           <p:nvPr/>
         </p:nvSpPr>
         <p:spPr>
           <a:xfrm>
-            <a:off x="485761" y="1880994"/>
-            <a:ext cx="1246889" cy="369332"/>
-          </a:xfrm>
-          <a:prstGeom prst="rect">
-            <a:avLst/>
-          </a:prstGeom>
-          <a:noFill/>
-        </p:spPr>
-        <p:txBody>
-          <a:bodyPr wrap="square" rtlCol="0">
-            <a:spAutoFit/>
-          </a:bodyPr>
-          <a:lstStyle/>
-          <a:p>
-            <a:r>
-              <a:rPr lang="en-US" dirty="0"/>
-              <a:t>Instance 1</a:t>
-            </a:r>
-          </a:p>
-        </p:txBody>
-      </p:sp>
-      <p:sp>
-        <p:nvSpPr>
-          <p:cNvPr id="6" name="TextBox 5">
-            <a:extLst>
-              <a:ext uri="{FF2B5EF4-FFF2-40B4-BE49-F238E27FC236}">
-                <a16:creationId xmlns:a16="http://schemas.microsoft.com/office/drawing/2014/main" id="{E557DA4B-49F0-65B4-A197-F88A8379A202}"/>
-              </a:ext>
-            </a:extLst>
-          </p:cNvPr>
-          <p:cNvSpPr txBox="1"/>
-          <p:nvPr/>
-        </p:nvSpPr>
-        <p:spPr>
-          <a:xfrm>
-            <a:off x="610687" y="3397153"/>
-            <a:ext cx="1062711" cy="369332"/>
-          </a:xfrm>
-          <a:prstGeom prst="rect">
-            <a:avLst/>
-          </a:prstGeom>
-          <a:noFill/>
-        </p:spPr>
-        <p:txBody>
-          <a:bodyPr wrap="square" rtlCol="0">
-            <a:spAutoFit/>
-          </a:bodyPr>
-          <a:lstStyle/>
-          <a:p>
-            <a:pPr algn="ctr"/>
-            <a:r>
-              <a:rPr lang="en-US" dirty="0">
-                <a:latin typeface="Calibri" panose="020F0502020204030204" pitchFamily="34" charset="0"/>
-                <a:ea typeface="Calibri" panose="020F0502020204030204" pitchFamily="34" charset="0"/>
-                <a:cs typeface="Calibri" panose="020F0502020204030204" pitchFamily="34" charset="0"/>
-              </a:rPr>
-              <a:t>⁞</a:t>
-            </a:r>
-            <a:endParaRPr lang="en-US" dirty="0"/>
-          </a:p>
-        </p:txBody>
-      </p:sp>
-      <p:sp>
-        <p:nvSpPr>
-          <p:cNvPr id="8" name="Rectangle: Rounded Corners 7">
-            <a:extLst>
-              <a:ext uri="{FF2B5EF4-FFF2-40B4-BE49-F238E27FC236}">
-                <a16:creationId xmlns:a16="http://schemas.microsoft.com/office/drawing/2014/main" id="{93E29068-9547-CEC2-C25B-611600A5FE8B}"/>
-              </a:ext>
-            </a:extLst>
-          </p:cNvPr>
-          <p:cNvSpPr/>
-          <p:nvPr/>
-        </p:nvSpPr>
-        <p:spPr>
-          <a:xfrm>
-            <a:off x="4241232" y="3039824"/>
-            <a:ext cx="1573591" cy="461174"/>
-          </a:xfrm>
-          <a:prstGeom prst="roundRect">
-            <a:avLst>
-              <a:gd name="adj" fmla="val 17092"/>
-            </a:avLst>
-          </a:prstGeom>
-          <a:solidFill>
-            <a:schemeClr val="tx2">
-              <a:lumMod val="10000"/>
-              <a:lumOff val="90000"/>
-            </a:schemeClr>
-          </a:solidFill>
-          <a:ln w="19050">
-            <a:solidFill>
-              <a:schemeClr val="accent1"/>
-            </a:solidFill>
-          </a:ln>
-        </p:spPr>
-        <p:style>
-          <a:lnRef idx="2">
-            <a:schemeClr val="accent1">
-              <a:shade val="50000"/>
-            </a:schemeClr>
-          </a:lnRef>
-          <a:fillRef idx="1">
-            <a:schemeClr val="accent1"/>
-          </a:fillRef>
-          <a:effectRef idx="0">
-            <a:schemeClr val="accent1"/>
-          </a:effectRef>
-          <a:fontRef idx="minor">
-            <a:schemeClr val="lt1"/>
-          </a:fontRef>
-        </p:style>
-        <p:txBody>
-          <a:bodyPr rtlCol="0" anchor="ctr"/>
-          <a:lstStyle/>
-          <a:p>
-            <a:pPr algn="ctr"/>
-            <a:r>
-              <a:rPr lang="en-US" sz="1400" b="1" dirty="0">
-                <a:solidFill>
-                  <a:schemeClr val="tx1"/>
-                </a:solidFill>
-              </a:rPr>
-              <a:t>CNN</a:t>
-            </a:r>
-          </a:p>
-        </p:txBody>
-      </p:sp>
-      <p:sp>
-        <p:nvSpPr>
-          <p:cNvPr id="9" name="TextBox 8">
-            <a:extLst>
-              <a:ext uri="{FF2B5EF4-FFF2-40B4-BE49-F238E27FC236}">
-                <a16:creationId xmlns:a16="http://schemas.microsoft.com/office/drawing/2014/main" id="{9AB6A606-E7EC-1662-0E87-78944FE941CD}"/>
-              </a:ext>
-            </a:extLst>
-          </p:cNvPr>
-          <p:cNvSpPr txBox="1"/>
-          <p:nvPr/>
-        </p:nvSpPr>
-        <p:spPr>
-          <a:xfrm>
-            <a:off x="1789374" y="1489587"/>
-            <a:ext cx="815351" cy="369332"/>
-          </a:xfrm>
-          <a:prstGeom prst="rect">
-            <a:avLst/>
-          </a:prstGeom>
-          <a:noFill/>
-        </p:spPr>
-        <p:txBody>
-          <a:bodyPr wrap="none" rtlCol="0">
-            <a:spAutoFit/>
-          </a:bodyPr>
-          <a:lstStyle/>
-          <a:p>
-            <a:r>
-              <a:rPr lang="en-US" dirty="0"/>
-              <a:t>Inputs</a:t>
-            </a:r>
-          </a:p>
-        </p:txBody>
-      </p:sp>
-      <p:sp>
-        <p:nvSpPr>
-          <p:cNvPr id="10" name="TextBox 9">
-            <a:extLst>
-              <a:ext uri="{FF2B5EF4-FFF2-40B4-BE49-F238E27FC236}">
-                <a16:creationId xmlns:a16="http://schemas.microsoft.com/office/drawing/2014/main" id="{A7CC105C-632E-E8E1-AD22-6A4A4B32C27F}"/>
-              </a:ext>
-            </a:extLst>
-          </p:cNvPr>
-          <p:cNvSpPr txBox="1"/>
-          <p:nvPr/>
-        </p:nvSpPr>
-        <p:spPr>
-          <a:xfrm>
-            <a:off x="2881443" y="1441889"/>
-            <a:ext cx="1001300" cy="369332"/>
-          </a:xfrm>
-          <a:prstGeom prst="rect">
-            <a:avLst/>
-          </a:prstGeom>
-          <a:noFill/>
-        </p:spPr>
-        <p:txBody>
-          <a:bodyPr wrap="none" rtlCol="0">
-            <a:spAutoFit/>
-          </a:bodyPr>
-          <a:lstStyle/>
-          <a:p>
-            <a:r>
-              <a:rPr lang="en-US" dirty="0"/>
-              <a:t>Outputs</a:t>
-            </a:r>
-          </a:p>
-        </p:txBody>
-      </p:sp>
-      <p:sp>
-        <p:nvSpPr>
-          <p:cNvPr id="11" name="Rectangle 10">
-            <a:extLst>
-              <a:ext uri="{FF2B5EF4-FFF2-40B4-BE49-F238E27FC236}">
-                <a16:creationId xmlns:a16="http://schemas.microsoft.com/office/drawing/2014/main" id="{66D5DD2E-58D9-B6BC-288E-32911302EE60}"/>
-              </a:ext>
-            </a:extLst>
-          </p:cNvPr>
-          <p:cNvSpPr/>
-          <p:nvPr/>
-        </p:nvSpPr>
-        <p:spPr>
-          <a:xfrm>
-            <a:off x="1849590" y="2025667"/>
-            <a:ext cx="720961" cy="170234"/>
-          </a:xfrm>
-          <a:prstGeom prst="rect">
-            <a:avLst/>
-          </a:prstGeom>
-          <a:solidFill>
-            <a:schemeClr val="accent1">
-              <a:lumMod val="20000"/>
-              <a:lumOff val="80000"/>
-            </a:schemeClr>
-          </a:solidFill>
-          <a:ln>
-            <a:solidFill>
-              <a:schemeClr val="accent1"/>
-            </a:solidFill>
-          </a:ln>
-        </p:spPr>
-        <p:style>
-          <a:lnRef idx="2">
-            <a:schemeClr val="accent1">
-              <a:shade val="15000"/>
-            </a:schemeClr>
-          </a:lnRef>
-          <a:fillRef idx="1">
-            <a:schemeClr val="accent1"/>
-          </a:fillRef>
-          <a:effectRef idx="0">
-            <a:schemeClr val="accent1"/>
-          </a:effectRef>
-          <a:fontRef idx="minor">
-            <a:schemeClr val="lt1"/>
-          </a:fontRef>
-        </p:style>
-        <p:txBody>
-          <a:bodyPr rtlCol="0" anchor="ctr"/>
-          <a:lstStyle/>
-          <a:p>
-            <a:pPr algn="ctr"/>
-            <a:r>
-              <a:rPr lang="en-US" sz="1100" dirty="0">
-                <a:solidFill>
-                  <a:schemeClr val="tx1"/>
-                </a:solidFill>
-              </a:rPr>
-              <a:t>1</a:t>
-            </a:r>
-          </a:p>
-        </p:txBody>
-      </p:sp>
-      <p:sp>
-        <p:nvSpPr>
-          <p:cNvPr id="12" name="Rectangle 11">
-            <a:extLst>
-              <a:ext uri="{FF2B5EF4-FFF2-40B4-BE49-F238E27FC236}">
-                <a16:creationId xmlns:a16="http://schemas.microsoft.com/office/drawing/2014/main" id="{4B69C805-4D18-8832-F549-DC36EA394D92}"/>
-              </a:ext>
-            </a:extLst>
-          </p:cNvPr>
-          <p:cNvSpPr/>
-          <p:nvPr/>
-        </p:nvSpPr>
-        <p:spPr>
-          <a:xfrm>
-            <a:off x="2913740" y="2025666"/>
-            <a:ext cx="936706" cy="170234"/>
-          </a:xfrm>
-          <a:prstGeom prst="rect">
-            <a:avLst/>
-          </a:prstGeom>
-          <a:solidFill>
-            <a:schemeClr val="accent2">
-              <a:lumMod val="20000"/>
-              <a:lumOff val="80000"/>
-            </a:schemeClr>
-          </a:solidFill>
-          <a:ln>
-            <a:solidFill>
-              <a:schemeClr val="accent2"/>
-            </a:solidFill>
-          </a:ln>
-        </p:spPr>
-        <p:style>
-          <a:lnRef idx="2">
-            <a:schemeClr val="accent1">
-              <a:shade val="15000"/>
-            </a:schemeClr>
-          </a:lnRef>
-          <a:fillRef idx="1">
-            <a:schemeClr val="accent1"/>
-          </a:fillRef>
-          <a:effectRef idx="0">
-            <a:schemeClr val="accent1"/>
-          </a:effectRef>
-          <a:fontRef idx="minor">
-            <a:schemeClr val="lt1"/>
-          </a:fontRef>
-        </p:style>
-        <p:txBody>
-          <a:bodyPr rtlCol="0" anchor="ctr"/>
-          <a:lstStyle/>
-          <a:p>
-            <a:pPr algn="ctr"/>
-            <a:r>
-              <a:rPr lang="en-US" sz="1100" dirty="0">
-                <a:solidFill>
-                  <a:schemeClr val="tx1"/>
-                </a:solidFill>
-              </a:rPr>
-              <a:t>1</a:t>
-            </a:r>
-          </a:p>
-        </p:txBody>
-      </p:sp>
-      <p:sp>
-        <p:nvSpPr>
-          <p:cNvPr id="13" name="Rectangle 12">
-            <a:extLst>
-              <a:ext uri="{FF2B5EF4-FFF2-40B4-BE49-F238E27FC236}">
-                <a16:creationId xmlns:a16="http://schemas.microsoft.com/office/drawing/2014/main" id="{F148FD0B-4240-4315-1C12-A344FB7BA930}"/>
-              </a:ext>
-            </a:extLst>
-          </p:cNvPr>
-          <p:cNvSpPr/>
-          <p:nvPr/>
-        </p:nvSpPr>
-        <p:spPr>
-          <a:xfrm>
-            <a:off x="1849398" y="2441343"/>
-            <a:ext cx="720961" cy="166442"/>
-          </a:xfrm>
-          <a:prstGeom prst="rect">
-            <a:avLst/>
-          </a:prstGeom>
-          <a:solidFill>
-            <a:schemeClr val="accent1">
-              <a:lumMod val="20000"/>
-              <a:lumOff val="80000"/>
-            </a:schemeClr>
-          </a:solidFill>
-          <a:ln>
-            <a:solidFill>
-              <a:schemeClr val="accent1"/>
-            </a:solidFill>
-          </a:ln>
-        </p:spPr>
-        <p:style>
-          <a:lnRef idx="2">
-            <a:schemeClr val="accent1">
-              <a:shade val="15000"/>
-            </a:schemeClr>
-          </a:lnRef>
-          <a:fillRef idx="1">
-            <a:schemeClr val="accent1"/>
-          </a:fillRef>
-          <a:effectRef idx="0">
-            <a:schemeClr val="accent1"/>
-          </a:effectRef>
-          <a:fontRef idx="minor">
-            <a:schemeClr val="lt1"/>
-          </a:fontRef>
-        </p:style>
-        <p:txBody>
-          <a:bodyPr rtlCol="0" anchor="ctr"/>
-          <a:lstStyle/>
-          <a:p>
-            <a:pPr algn="ctr"/>
-            <a:r>
-              <a:rPr lang="en-US" sz="1100" dirty="0">
-                <a:solidFill>
-                  <a:schemeClr val="tx1"/>
-                </a:solidFill>
-              </a:rPr>
-              <a:t>2</a:t>
-            </a:r>
-          </a:p>
-        </p:txBody>
-      </p:sp>
-      <p:sp>
-        <p:nvSpPr>
-          <p:cNvPr id="14" name="Rectangle 13">
-            <a:extLst>
-              <a:ext uri="{FF2B5EF4-FFF2-40B4-BE49-F238E27FC236}">
-                <a16:creationId xmlns:a16="http://schemas.microsoft.com/office/drawing/2014/main" id="{57A9E798-6612-F8FA-81F1-C2B8B32CD1FF}"/>
-              </a:ext>
-            </a:extLst>
-          </p:cNvPr>
-          <p:cNvSpPr/>
-          <p:nvPr/>
-        </p:nvSpPr>
-        <p:spPr>
-          <a:xfrm>
-            <a:off x="2913739" y="2441343"/>
-            <a:ext cx="936706" cy="166442"/>
-          </a:xfrm>
-          <a:prstGeom prst="rect">
-            <a:avLst/>
-          </a:prstGeom>
-          <a:solidFill>
-            <a:schemeClr val="accent2">
-              <a:lumMod val="20000"/>
-              <a:lumOff val="80000"/>
-            </a:schemeClr>
-          </a:solidFill>
-          <a:ln>
-            <a:solidFill>
-              <a:schemeClr val="accent2"/>
-            </a:solidFill>
-          </a:ln>
-        </p:spPr>
-        <p:style>
-          <a:lnRef idx="2">
-            <a:schemeClr val="accent1">
-              <a:shade val="15000"/>
-            </a:schemeClr>
-          </a:lnRef>
-          <a:fillRef idx="1">
-            <a:schemeClr val="accent1"/>
-          </a:fillRef>
-          <a:effectRef idx="0">
-            <a:schemeClr val="accent1"/>
-          </a:effectRef>
-          <a:fontRef idx="minor">
-            <a:schemeClr val="lt1"/>
-          </a:fontRef>
-        </p:style>
-        <p:txBody>
-          <a:bodyPr rtlCol="0" anchor="ctr"/>
-          <a:lstStyle/>
-          <a:p>
-            <a:pPr algn="ctr"/>
-            <a:r>
-              <a:rPr lang="en-US" sz="1100" dirty="0">
-                <a:solidFill>
-                  <a:schemeClr val="tx1"/>
-                </a:solidFill>
-              </a:rPr>
-              <a:t>2</a:t>
-            </a:r>
-          </a:p>
-        </p:txBody>
-      </p:sp>
-      <p:sp>
-        <p:nvSpPr>
-          <p:cNvPr id="15" name="Rectangle 14">
-            <a:extLst>
-              <a:ext uri="{FF2B5EF4-FFF2-40B4-BE49-F238E27FC236}">
-                <a16:creationId xmlns:a16="http://schemas.microsoft.com/office/drawing/2014/main" id="{D39079CA-514C-665C-07D1-668A4B167BEA}"/>
-              </a:ext>
-            </a:extLst>
-          </p:cNvPr>
-          <p:cNvSpPr/>
-          <p:nvPr/>
-        </p:nvSpPr>
-        <p:spPr>
-          <a:xfrm>
-            <a:off x="1849398" y="2830422"/>
-            <a:ext cx="720960" cy="165901"/>
-          </a:xfrm>
-          <a:prstGeom prst="rect">
-            <a:avLst/>
-          </a:prstGeom>
-          <a:solidFill>
-            <a:schemeClr val="accent1">
-              <a:lumMod val="20000"/>
-              <a:lumOff val="80000"/>
-            </a:schemeClr>
-          </a:solidFill>
-          <a:ln>
-            <a:solidFill>
-              <a:schemeClr val="accent1"/>
-            </a:solidFill>
-          </a:ln>
-        </p:spPr>
-        <p:style>
-          <a:lnRef idx="2">
-            <a:schemeClr val="accent1">
-              <a:shade val="15000"/>
-            </a:schemeClr>
-          </a:lnRef>
-          <a:fillRef idx="1">
-            <a:schemeClr val="accent1"/>
-          </a:fillRef>
-          <a:effectRef idx="0">
-            <a:schemeClr val="accent1"/>
-          </a:effectRef>
-          <a:fontRef idx="minor">
-            <a:schemeClr val="lt1"/>
-          </a:fontRef>
-        </p:style>
-        <p:txBody>
-          <a:bodyPr rtlCol="0" anchor="ctr"/>
-          <a:lstStyle/>
-          <a:p>
-            <a:pPr algn="ctr"/>
-            <a:r>
-              <a:rPr lang="en-US" sz="1100" dirty="0">
-                <a:solidFill>
-                  <a:schemeClr val="tx1"/>
-                </a:solidFill>
-              </a:rPr>
-              <a:t>3</a:t>
-            </a:r>
-          </a:p>
-        </p:txBody>
-      </p:sp>
-      <p:sp>
-        <p:nvSpPr>
-          <p:cNvPr id="17" name="Rectangle 16">
-            <a:extLst>
-              <a:ext uri="{FF2B5EF4-FFF2-40B4-BE49-F238E27FC236}">
-                <a16:creationId xmlns:a16="http://schemas.microsoft.com/office/drawing/2014/main" id="{63D498A4-6509-4CDC-9DFA-E4E9CAEBE487}"/>
-              </a:ext>
-            </a:extLst>
-          </p:cNvPr>
-          <p:cNvSpPr/>
-          <p:nvPr/>
-        </p:nvSpPr>
-        <p:spPr>
-          <a:xfrm>
-            <a:off x="2913738" y="2830422"/>
-            <a:ext cx="933200" cy="165901"/>
-          </a:xfrm>
-          <a:prstGeom prst="rect">
-            <a:avLst/>
-          </a:prstGeom>
-          <a:solidFill>
-            <a:schemeClr val="accent2">
-              <a:lumMod val="20000"/>
-              <a:lumOff val="80000"/>
-            </a:schemeClr>
-          </a:solidFill>
-          <a:ln>
-            <a:solidFill>
-              <a:schemeClr val="accent2"/>
-            </a:solidFill>
-          </a:ln>
-        </p:spPr>
-        <p:style>
-          <a:lnRef idx="2">
-            <a:schemeClr val="accent1">
-              <a:shade val="15000"/>
-            </a:schemeClr>
-          </a:lnRef>
-          <a:fillRef idx="1">
-            <a:schemeClr val="accent1"/>
-          </a:fillRef>
-          <a:effectRef idx="0">
-            <a:schemeClr val="accent1"/>
-          </a:effectRef>
-          <a:fontRef idx="minor">
-            <a:schemeClr val="lt1"/>
-          </a:fontRef>
-        </p:style>
-        <p:txBody>
-          <a:bodyPr rtlCol="0" anchor="ctr"/>
-          <a:lstStyle/>
-          <a:p>
-            <a:pPr algn="ctr"/>
-            <a:r>
-              <a:rPr lang="en-US" sz="1100" dirty="0">
-                <a:solidFill>
-                  <a:schemeClr val="tx1"/>
-                </a:solidFill>
-              </a:rPr>
-              <a:t>3</a:t>
-            </a:r>
-          </a:p>
-        </p:txBody>
-      </p:sp>
-      <p:sp>
-        <p:nvSpPr>
-          <p:cNvPr id="18" name="Rectangle 17">
-            <a:extLst>
-              <a:ext uri="{FF2B5EF4-FFF2-40B4-BE49-F238E27FC236}">
-                <a16:creationId xmlns:a16="http://schemas.microsoft.com/office/drawing/2014/main" id="{B90C61A3-CF7E-F528-3A76-2FA100CACBF1}"/>
-              </a:ext>
-            </a:extLst>
-          </p:cNvPr>
-          <p:cNvSpPr/>
-          <p:nvPr/>
-        </p:nvSpPr>
-        <p:spPr>
-          <a:xfrm>
-            <a:off x="1849398" y="4122839"/>
-            <a:ext cx="720960" cy="146153"/>
-          </a:xfrm>
-          <a:prstGeom prst="rect">
-            <a:avLst/>
-          </a:prstGeom>
-          <a:solidFill>
-            <a:schemeClr val="accent1">
-              <a:lumMod val="20000"/>
-              <a:lumOff val="80000"/>
-            </a:schemeClr>
-          </a:solidFill>
-          <a:ln>
-            <a:solidFill>
-              <a:schemeClr val="accent1"/>
-            </a:solidFill>
-          </a:ln>
-        </p:spPr>
-        <p:style>
-          <a:lnRef idx="2">
-            <a:schemeClr val="accent1">
-              <a:shade val="15000"/>
-            </a:schemeClr>
-          </a:lnRef>
-          <a:fillRef idx="1">
-            <a:schemeClr val="accent1"/>
-          </a:fillRef>
-          <a:effectRef idx="0">
-            <a:schemeClr val="accent1"/>
-          </a:effectRef>
-          <a:fontRef idx="minor">
-            <a:schemeClr val="lt1"/>
-          </a:fontRef>
-        </p:style>
-        <p:txBody>
-          <a:bodyPr rtlCol="0" anchor="ctr"/>
-          <a:lstStyle/>
-          <a:p>
-            <a:pPr algn="ctr"/>
-            <a:r>
-              <a:rPr lang="en-US" sz="1100" dirty="0">
-                <a:solidFill>
-                  <a:schemeClr val="tx1"/>
-                </a:solidFill>
-              </a:rPr>
-              <a:t>n</a:t>
-            </a:r>
-          </a:p>
-        </p:txBody>
-      </p:sp>
-      <p:sp>
-        <p:nvSpPr>
-          <p:cNvPr id="20" name="Rectangle 19">
-            <a:extLst>
-              <a:ext uri="{FF2B5EF4-FFF2-40B4-BE49-F238E27FC236}">
-                <a16:creationId xmlns:a16="http://schemas.microsoft.com/office/drawing/2014/main" id="{D3F98BBF-6144-5B5B-E8F0-E1AA42EA5F22}"/>
-              </a:ext>
-            </a:extLst>
-          </p:cNvPr>
-          <p:cNvSpPr/>
-          <p:nvPr/>
-        </p:nvSpPr>
-        <p:spPr>
-          <a:xfrm>
-            <a:off x="2913738" y="4122840"/>
-            <a:ext cx="936708" cy="140480"/>
-          </a:xfrm>
-          <a:prstGeom prst="rect">
-            <a:avLst/>
-          </a:prstGeom>
-          <a:solidFill>
-            <a:schemeClr val="accent2">
-              <a:lumMod val="20000"/>
-              <a:lumOff val="80000"/>
-            </a:schemeClr>
-          </a:solidFill>
-          <a:ln>
-            <a:solidFill>
-              <a:schemeClr val="accent2"/>
-            </a:solidFill>
-          </a:ln>
-        </p:spPr>
-        <p:style>
-          <a:lnRef idx="2">
-            <a:schemeClr val="accent1">
-              <a:shade val="15000"/>
-            </a:schemeClr>
-          </a:lnRef>
-          <a:fillRef idx="1">
-            <a:schemeClr val="accent1"/>
-          </a:fillRef>
-          <a:effectRef idx="0">
-            <a:schemeClr val="accent1"/>
-          </a:effectRef>
-          <a:fontRef idx="minor">
-            <a:schemeClr val="lt1"/>
-          </a:fontRef>
-        </p:style>
-        <p:txBody>
-          <a:bodyPr rtlCol="0" anchor="ctr"/>
-          <a:lstStyle/>
-          <a:p>
-            <a:pPr algn="ctr"/>
-            <a:r>
-              <a:rPr lang="en-US" sz="1100" dirty="0">
-                <a:solidFill>
-                  <a:schemeClr val="tx1"/>
-                </a:solidFill>
-              </a:rPr>
-              <a:t>n</a:t>
-            </a:r>
-          </a:p>
-        </p:txBody>
-      </p:sp>
-      <p:sp>
-        <p:nvSpPr>
-          <p:cNvPr id="21" name="Rectangle 20">
-            <a:extLst>
-              <a:ext uri="{FF2B5EF4-FFF2-40B4-BE49-F238E27FC236}">
-                <a16:creationId xmlns:a16="http://schemas.microsoft.com/office/drawing/2014/main" id="{8B4C2ACE-5BE5-3389-2647-40BC710C85D3}"/>
-              </a:ext>
-            </a:extLst>
-          </p:cNvPr>
-          <p:cNvSpPr/>
-          <p:nvPr/>
-        </p:nvSpPr>
-        <p:spPr>
-          <a:xfrm>
-            <a:off x="4559675" y="2135259"/>
-            <a:ext cx="936706" cy="146153"/>
-          </a:xfrm>
-          <a:prstGeom prst="rect">
-            <a:avLst/>
-          </a:prstGeom>
-          <a:solidFill>
-            <a:schemeClr val="accent1">
-              <a:lumMod val="20000"/>
-              <a:lumOff val="80000"/>
-            </a:schemeClr>
-          </a:solidFill>
-          <a:ln>
-            <a:solidFill>
-              <a:schemeClr val="accent1"/>
-            </a:solidFill>
-          </a:ln>
-        </p:spPr>
-        <p:style>
-          <a:lnRef idx="2">
-            <a:schemeClr val="accent1">
-              <a:shade val="15000"/>
-            </a:schemeClr>
-          </a:lnRef>
-          <a:fillRef idx="1">
-            <a:schemeClr val="accent1"/>
-          </a:fillRef>
-          <a:effectRef idx="0">
-            <a:schemeClr val="accent1"/>
-          </a:effectRef>
-          <a:fontRef idx="minor">
-            <a:schemeClr val="lt1"/>
-          </a:fontRef>
-        </p:style>
-        <p:txBody>
-          <a:bodyPr rtlCol="0" anchor="ctr"/>
-          <a:lstStyle/>
-          <a:p>
-            <a:pPr algn="ctr"/>
-            <a:r>
-              <a:rPr lang="en-US" sz="1100" dirty="0">
-                <a:solidFill>
-                  <a:schemeClr val="tx1"/>
-                </a:solidFill>
-              </a:rPr>
-              <a:t>i-2</a:t>
-            </a:r>
-          </a:p>
-        </p:txBody>
-      </p:sp>
-      <p:sp>
-        <p:nvSpPr>
-          <p:cNvPr id="22" name="Rectangle 21">
-            <a:extLst>
-              <a:ext uri="{FF2B5EF4-FFF2-40B4-BE49-F238E27FC236}">
-                <a16:creationId xmlns:a16="http://schemas.microsoft.com/office/drawing/2014/main" id="{C3F2C32A-AD57-CA68-059B-F9D10699E854}"/>
-              </a:ext>
-            </a:extLst>
-          </p:cNvPr>
-          <p:cNvSpPr/>
-          <p:nvPr/>
-        </p:nvSpPr>
-        <p:spPr>
-          <a:xfrm>
-            <a:off x="4559675" y="2393002"/>
-            <a:ext cx="936706" cy="146153"/>
-          </a:xfrm>
-          <a:prstGeom prst="rect">
-            <a:avLst/>
-          </a:prstGeom>
-          <a:solidFill>
-            <a:schemeClr val="accent1">
-              <a:lumMod val="20000"/>
-              <a:lumOff val="80000"/>
-            </a:schemeClr>
-          </a:solidFill>
-          <a:ln>
-            <a:solidFill>
-              <a:schemeClr val="accent1"/>
-            </a:solidFill>
-          </a:ln>
-        </p:spPr>
-        <p:style>
-          <a:lnRef idx="2">
-            <a:schemeClr val="accent1">
-              <a:shade val="15000"/>
-            </a:schemeClr>
-          </a:lnRef>
-          <a:fillRef idx="1">
-            <a:schemeClr val="accent1"/>
-          </a:fillRef>
-          <a:effectRef idx="0">
-            <a:schemeClr val="accent1"/>
-          </a:effectRef>
-          <a:fontRef idx="minor">
-            <a:schemeClr val="lt1"/>
-          </a:fontRef>
-        </p:style>
-        <p:txBody>
-          <a:bodyPr rtlCol="0" anchor="ctr"/>
-          <a:lstStyle/>
-          <a:p>
-            <a:pPr algn="ctr"/>
-            <a:r>
-              <a:rPr lang="en-US" sz="1100" dirty="0">
-                <a:solidFill>
-                  <a:schemeClr val="tx1"/>
-                </a:solidFill>
-              </a:rPr>
-              <a:t>i-1</a:t>
-            </a:r>
-          </a:p>
-        </p:txBody>
-      </p:sp>
-      <p:sp>
-        <p:nvSpPr>
-          <p:cNvPr id="23" name="Rectangle 22">
-            <a:extLst>
-              <a:ext uri="{FF2B5EF4-FFF2-40B4-BE49-F238E27FC236}">
-                <a16:creationId xmlns:a16="http://schemas.microsoft.com/office/drawing/2014/main" id="{4F9BF026-20CA-4072-A1CC-AC1C0E05ED71}"/>
-              </a:ext>
-            </a:extLst>
-          </p:cNvPr>
-          <p:cNvSpPr/>
-          <p:nvPr/>
-        </p:nvSpPr>
-        <p:spPr>
-          <a:xfrm>
-            <a:off x="4559675" y="2650745"/>
-            <a:ext cx="936706" cy="146153"/>
-          </a:xfrm>
-          <a:prstGeom prst="rect">
-            <a:avLst/>
-          </a:prstGeom>
-          <a:solidFill>
-            <a:schemeClr val="accent1">
-              <a:lumMod val="20000"/>
-              <a:lumOff val="80000"/>
-            </a:schemeClr>
-          </a:solidFill>
-          <a:ln>
-            <a:solidFill>
-              <a:schemeClr val="accent1"/>
-            </a:solidFill>
-          </a:ln>
-        </p:spPr>
-        <p:style>
-          <a:lnRef idx="2">
-            <a:schemeClr val="accent1">
-              <a:shade val="15000"/>
-            </a:schemeClr>
-          </a:lnRef>
-          <a:fillRef idx="1">
-            <a:schemeClr val="accent1"/>
-          </a:fillRef>
-          <a:effectRef idx="0">
-            <a:schemeClr val="accent1"/>
-          </a:effectRef>
-          <a:fontRef idx="minor">
-            <a:schemeClr val="lt1"/>
-          </a:fontRef>
-        </p:style>
-        <p:txBody>
-          <a:bodyPr rtlCol="0" anchor="ctr"/>
-          <a:lstStyle/>
-          <a:p>
-            <a:pPr algn="ctr"/>
-            <a:r>
-              <a:rPr lang="en-US" sz="1100" dirty="0">
-                <a:solidFill>
-                  <a:schemeClr val="tx1"/>
-                </a:solidFill>
-              </a:rPr>
-              <a:t>i</a:t>
-            </a:r>
-          </a:p>
-        </p:txBody>
-      </p:sp>
-      <p:cxnSp>
-        <p:nvCxnSpPr>
-          <p:cNvPr id="25" name="Straight Arrow Connector 24">
-            <a:extLst>
-              <a:ext uri="{FF2B5EF4-FFF2-40B4-BE49-F238E27FC236}">
-                <a16:creationId xmlns:a16="http://schemas.microsoft.com/office/drawing/2014/main" id="{BC5DE0A3-CF85-0780-E62B-9C4B84403CDC}"/>
-              </a:ext>
-            </a:extLst>
-          </p:cNvPr>
-          <p:cNvCxnSpPr>
-            <a:endCxn id="8" idx="0"/>
-          </p:cNvCxnSpPr>
-          <p:nvPr/>
-        </p:nvCxnSpPr>
-        <p:spPr>
-          <a:xfrm>
-            <a:off x="5028027" y="2873923"/>
-            <a:ext cx="1" cy="165901"/>
-          </a:xfrm>
-          <a:prstGeom prst="straightConnector1">
-            <a:avLst/>
-          </a:prstGeom>
-          <a:ln>
-            <a:tailEnd type="triangle"/>
-          </a:ln>
-        </p:spPr>
-        <p:style>
-          <a:lnRef idx="2">
-            <a:schemeClr val="accent1"/>
-          </a:lnRef>
-          <a:fillRef idx="0">
-            <a:schemeClr val="accent1"/>
-          </a:fillRef>
-          <a:effectRef idx="1">
-            <a:schemeClr val="accent1"/>
-          </a:effectRef>
-          <a:fontRef idx="minor">
-            <a:schemeClr val="tx1"/>
-          </a:fontRef>
-        </p:style>
-      </p:cxnSp>
-      <p:cxnSp>
-        <p:nvCxnSpPr>
-          <p:cNvPr id="26" name="Straight Arrow Connector 25">
-            <a:extLst>
-              <a:ext uri="{FF2B5EF4-FFF2-40B4-BE49-F238E27FC236}">
-                <a16:creationId xmlns:a16="http://schemas.microsoft.com/office/drawing/2014/main" id="{7B27F93C-6C16-EA66-84BD-7AA1CB5FFCDE}"/>
-              </a:ext>
-            </a:extLst>
-          </p:cNvPr>
-          <p:cNvCxnSpPr/>
-          <p:nvPr/>
-        </p:nvCxnSpPr>
-        <p:spPr>
-          <a:xfrm>
-            <a:off x="5028026" y="3500998"/>
-            <a:ext cx="1" cy="165901"/>
-          </a:xfrm>
-          <a:prstGeom prst="straightConnector1">
-            <a:avLst/>
-          </a:prstGeom>
-          <a:ln>
-            <a:tailEnd type="triangle"/>
-          </a:ln>
-        </p:spPr>
-        <p:style>
-          <a:lnRef idx="2">
-            <a:schemeClr val="accent1"/>
-          </a:lnRef>
-          <a:fillRef idx="0">
-            <a:schemeClr val="accent1"/>
-          </a:fillRef>
-          <a:effectRef idx="1">
-            <a:schemeClr val="accent1"/>
-          </a:effectRef>
-          <a:fontRef idx="minor">
-            <a:schemeClr val="tx1"/>
-          </a:fontRef>
-        </p:style>
-      </p:cxnSp>
-      <p:sp>
-        <p:nvSpPr>
-          <p:cNvPr id="27" name="Rectangle 26">
-            <a:extLst>
-              <a:ext uri="{FF2B5EF4-FFF2-40B4-BE49-F238E27FC236}">
-                <a16:creationId xmlns:a16="http://schemas.microsoft.com/office/drawing/2014/main" id="{F6D19D4E-E602-742F-E898-96FDB4FD98D7}"/>
-              </a:ext>
-            </a:extLst>
-          </p:cNvPr>
-          <p:cNvSpPr/>
-          <p:nvPr/>
-        </p:nvSpPr>
-        <p:spPr>
-          <a:xfrm>
-            <a:off x="4287909" y="3762445"/>
-            <a:ext cx="1480233" cy="146153"/>
-          </a:xfrm>
-          <a:prstGeom prst="rect">
-            <a:avLst/>
-          </a:prstGeom>
-          <a:solidFill>
-            <a:schemeClr val="accent2">
-              <a:lumMod val="20000"/>
-              <a:lumOff val="80000"/>
-            </a:schemeClr>
-          </a:solidFill>
-          <a:ln>
-            <a:solidFill>
-              <a:schemeClr val="accent2"/>
-            </a:solidFill>
-          </a:ln>
-        </p:spPr>
-        <p:style>
-          <a:lnRef idx="2">
-            <a:schemeClr val="accent1">
-              <a:shade val="15000"/>
-            </a:schemeClr>
-          </a:lnRef>
-          <a:fillRef idx="1">
-            <a:schemeClr val="accent1"/>
-          </a:fillRef>
-          <a:effectRef idx="0">
-            <a:schemeClr val="accent1"/>
-          </a:effectRef>
-          <a:fontRef idx="minor">
-            <a:schemeClr val="lt1"/>
-          </a:fontRef>
-        </p:style>
-        <p:txBody>
-          <a:bodyPr rtlCol="0" anchor="ctr"/>
-          <a:lstStyle/>
-          <a:p>
-            <a:pPr algn="ctr"/>
-            <a:r>
-              <a:rPr lang="en-US" sz="1100" dirty="0">
-                <a:solidFill>
-                  <a:schemeClr val="tx1"/>
-                </a:solidFill>
-              </a:rPr>
-              <a:t>i</a:t>
-            </a:r>
-          </a:p>
-        </p:txBody>
-      </p:sp>
-      <p:sp>
-        <p:nvSpPr>
-          <p:cNvPr id="7" name="TextBox 6">
-            <a:extLst>
-              <a:ext uri="{FF2B5EF4-FFF2-40B4-BE49-F238E27FC236}">
-                <a16:creationId xmlns:a16="http://schemas.microsoft.com/office/drawing/2014/main" id="{19C62527-5711-1173-F4CE-BD0095C0505F}"/>
-              </a:ext>
-            </a:extLst>
-          </p:cNvPr>
-          <p:cNvSpPr txBox="1"/>
-          <p:nvPr/>
-        </p:nvSpPr>
-        <p:spPr>
-          <a:xfrm>
-            <a:off x="492852" y="2348832"/>
-            <a:ext cx="1238870" cy="369332"/>
-          </a:xfrm>
-          <a:prstGeom prst="rect">
-            <a:avLst/>
-          </a:prstGeom>
-          <a:noFill/>
-        </p:spPr>
-        <p:txBody>
-          <a:bodyPr wrap="square" rtlCol="0">
-            <a:spAutoFit/>
-          </a:bodyPr>
-          <a:lstStyle/>
-          <a:p>
-            <a:r>
-              <a:rPr lang="en-US" dirty="0"/>
-              <a:t>Instance 2</a:t>
-            </a:r>
-          </a:p>
-        </p:txBody>
-      </p:sp>
-      <p:sp>
-        <p:nvSpPr>
-          <p:cNvPr id="16" name="TextBox 15">
-            <a:extLst>
-              <a:ext uri="{FF2B5EF4-FFF2-40B4-BE49-F238E27FC236}">
-                <a16:creationId xmlns:a16="http://schemas.microsoft.com/office/drawing/2014/main" id="{DE837128-1F10-E681-36F4-1D0994994F97}"/>
-              </a:ext>
-            </a:extLst>
-          </p:cNvPr>
-          <p:cNvSpPr txBox="1"/>
-          <p:nvPr/>
-        </p:nvSpPr>
-        <p:spPr>
-          <a:xfrm>
-            <a:off x="492852" y="2731134"/>
-            <a:ext cx="1238870" cy="369332"/>
-          </a:xfrm>
-          <a:prstGeom prst="rect">
-            <a:avLst/>
-          </a:prstGeom>
-          <a:noFill/>
-        </p:spPr>
-        <p:txBody>
-          <a:bodyPr wrap="square" rtlCol="0">
-            <a:spAutoFit/>
-          </a:bodyPr>
-          <a:lstStyle/>
-          <a:p>
-            <a:r>
-              <a:rPr lang="en-US" dirty="0"/>
-              <a:t>Instance 3</a:t>
-            </a:r>
-          </a:p>
-        </p:txBody>
-      </p:sp>
-      <p:sp>
-        <p:nvSpPr>
-          <p:cNvPr id="19" name="TextBox 18">
-            <a:extLst>
-              <a:ext uri="{FF2B5EF4-FFF2-40B4-BE49-F238E27FC236}">
-                <a16:creationId xmlns:a16="http://schemas.microsoft.com/office/drawing/2014/main" id="{25BC7817-44AF-45BC-99CA-3F067077CD09}"/>
-              </a:ext>
-            </a:extLst>
-          </p:cNvPr>
-          <p:cNvSpPr txBox="1"/>
-          <p:nvPr/>
-        </p:nvSpPr>
-        <p:spPr>
-          <a:xfrm>
-            <a:off x="492852" y="3972737"/>
-            <a:ext cx="1296522" cy="369332"/>
-          </a:xfrm>
-          <a:prstGeom prst="rect">
-            <a:avLst/>
-          </a:prstGeom>
-          <a:noFill/>
-        </p:spPr>
-        <p:txBody>
-          <a:bodyPr wrap="square" rtlCol="0">
-            <a:spAutoFit/>
-          </a:bodyPr>
-          <a:lstStyle/>
-          <a:p>
-            <a:r>
-              <a:rPr lang="en-US" dirty="0"/>
-              <a:t>Instance n</a:t>
-            </a:r>
-          </a:p>
-        </p:txBody>
-      </p:sp>
-      <p:sp>
-        <p:nvSpPr>
-          <p:cNvPr id="2" name="TextBox 1">
-            <a:extLst>
-              <a:ext uri="{FF2B5EF4-FFF2-40B4-BE49-F238E27FC236}">
-                <a16:creationId xmlns:a16="http://schemas.microsoft.com/office/drawing/2014/main" id="{4239F4D2-157F-2BC0-29AC-5990032A87EC}"/>
-              </a:ext>
-            </a:extLst>
-          </p:cNvPr>
-          <p:cNvSpPr txBox="1"/>
-          <p:nvPr/>
-        </p:nvSpPr>
-        <p:spPr>
-          <a:xfrm>
-            <a:off x="1750441" y="3397153"/>
-            <a:ext cx="1062711" cy="369332"/>
-          </a:xfrm>
-          <a:prstGeom prst="rect">
-            <a:avLst/>
-          </a:prstGeom>
-          <a:noFill/>
-        </p:spPr>
-        <p:txBody>
-          <a:bodyPr wrap="square" rtlCol="0">
-            <a:spAutoFit/>
-          </a:bodyPr>
-          <a:lstStyle/>
-          <a:p>
-            <a:pPr algn="ctr"/>
-            <a:r>
-              <a:rPr lang="en-US" dirty="0">
-                <a:latin typeface="Calibri" panose="020F0502020204030204" pitchFamily="34" charset="0"/>
-                <a:ea typeface="Calibri" panose="020F0502020204030204" pitchFamily="34" charset="0"/>
-                <a:cs typeface="Calibri" panose="020F0502020204030204" pitchFamily="34" charset="0"/>
-              </a:rPr>
-              <a:t>⁞</a:t>
-            </a:r>
-            <a:endParaRPr lang="en-US" dirty="0"/>
-          </a:p>
-        </p:txBody>
-      </p:sp>
-      <p:sp>
-        <p:nvSpPr>
-          <p:cNvPr id="4" name="TextBox 3">
-            <a:extLst>
-              <a:ext uri="{FF2B5EF4-FFF2-40B4-BE49-F238E27FC236}">
-                <a16:creationId xmlns:a16="http://schemas.microsoft.com/office/drawing/2014/main" id="{2FE3EAE9-2282-4D80-529F-3E1EE20EEE2A}"/>
-              </a:ext>
-            </a:extLst>
-          </p:cNvPr>
-          <p:cNvSpPr txBox="1"/>
-          <p:nvPr/>
-        </p:nvSpPr>
-        <p:spPr>
-          <a:xfrm>
-            <a:off x="2839914" y="3397153"/>
-            <a:ext cx="1062711" cy="369332"/>
-          </a:xfrm>
-          <a:prstGeom prst="rect">
-            <a:avLst/>
-          </a:prstGeom>
-          <a:noFill/>
-        </p:spPr>
-        <p:txBody>
-          <a:bodyPr wrap="square" rtlCol="0">
-            <a:spAutoFit/>
-          </a:bodyPr>
-          <a:lstStyle/>
-          <a:p>
-            <a:pPr algn="ctr"/>
-            <a:r>
-              <a:rPr lang="en-US" dirty="0">
-                <a:latin typeface="Calibri" panose="020F0502020204030204" pitchFamily="34" charset="0"/>
-                <a:ea typeface="Calibri" panose="020F0502020204030204" pitchFamily="34" charset="0"/>
-                <a:cs typeface="Calibri" panose="020F0502020204030204" pitchFamily="34" charset="0"/>
-              </a:rPr>
-              <a:t>⁞</a:t>
-            </a:r>
-            <a:endParaRPr lang="en-US" dirty="0"/>
-          </a:p>
-        </p:txBody>
-      </p:sp>
-      <p:sp>
-        <p:nvSpPr>
-          <p:cNvPr id="5" name="Rectangle: Rounded Corners 4">
-            <a:extLst>
-              <a:ext uri="{FF2B5EF4-FFF2-40B4-BE49-F238E27FC236}">
-                <a16:creationId xmlns:a16="http://schemas.microsoft.com/office/drawing/2014/main" id="{10E7B753-5780-AB54-9681-DFE6B57DBEC2}"/>
-              </a:ext>
-            </a:extLst>
-          </p:cNvPr>
-          <p:cNvSpPr/>
-          <p:nvPr/>
-        </p:nvSpPr>
-        <p:spPr>
-          <a:xfrm>
-            <a:off x="2062284" y="-2332462"/>
-            <a:ext cx="4357896" cy="517905"/>
-          </a:xfrm>
-          <a:prstGeom prst="roundRect">
-            <a:avLst/>
-          </a:prstGeom>
-          <a:solidFill>
-            <a:schemeClr val="tx2">
-              <a:lumMod val="10000"/>
-              <a:lumOff val="90000"/>
-            </a:schemeClr>
-          </a:solidFill>
-          <a:ln>
-            <a:solidFill>
-              <a:schemeClr val="tx2"/>
-            </a:solidFill>
-          </a:ln>
-        </p:spPr>
-        <p:style>
-          <a:lnRef idx="2">
-            <a:schemeClr val="accent1">
-              <a:shade val="15000"/>
-            </a:schemeClr>
-          </a:lnRef>
-          <a:fillRef idx="1">
-            <a:schemeClr val="accent1"/>
-          </a:fillRef>
-          <a:effectRef idx="0">
-            <a:schemeClr val="accent1"/>
-          </a:effectRef>
-          <a:fontRef idx="minor">
-            <a:schemeClr val="lt1"/>
-          </a:fontRef>
-        </p:style>
-        <p:txBody>
-          <a:bodyPr rtlCol="0" anchor="ctr"/>
-          <a:lstStyle/>
-          <a:p>
-            <a:pPr algn="ctr"/>
-            <a:r>
-              <a:rPr lang="en-US" b="1" dirty="0">
-                <a:solidFill>
-                  <a:schemeClr val="tx1"/>
-                </a:solidFill>
-              </a:rPr>
-              <a:t>Conv1D[Kernel=2, Stride=1], 256, ReLU</a:t>
-            </a:r>
-          </a:p>
-        </p:txBody>
-      </p:sp>
-      <p:sp>
-        <p:nvSpPr>
-          <p:cNvPr id="28" name="Rectangle: Rounded Corners 27">
-            <a:extLst>
-              <a:ext uri="{FF2B5EF4-FFF2-40B4-BE49-F238E27FC236}">
-                <a16:creationId xmlns:a16="http://schemas.microsoft.com/office/drawing/2014/main" id="{BC93EAB0-1BD5-E579-88AD-27301EF2207B}"/>
-              </a:ext>
-            </a:extLst>
-          </p:cNvPr>
-          <p:cNvSpPr/>
-          <p:nvPr/>
-        </p:nvSpPr>
-        <p:spPr>
-          <a:xfrm>
-            <a:off x="2062282" y="-1537171"/>
-            <a:ext cx="4357896" cy="517905"/>
-          </a:xfrm>
-          <a:prstGeom prst="roundRect">
-            <a:avLst/>
-          </a:prstGeom>
-          <a:solidFill>
-            <a:schemeClr val="tx2">
-              <a:lumMod val="10000"/>
-              <a:lumOff val="90000"/>
-            </a:schemeClr>
-          </a:solidFill>
-          <a:ln>
-            <a:solidFill>
-              <a:schemeClr val="tx2"/>
-            </a:solidFill>
-          </a:ln>
-        </p:spPr>
-        <p:style>
-          <a:lnRef idx="2">
-            <a:schemeClr val="accent1">
-              <a:shade val="15000"/>
-            </a:schemeClr>
-          </a:lnRef>
-          <a:fillRef idx="1">
-            <a:schemeClr val="accent1"/>
-          </a:fillRef>
-          <a:effectRef idx="0">
-            <a:schemeClr val="accent1"/>
-          </a:effectRef>
-          <a:fontRef idx="minor">
-            <a:schemeClr val="lt1"/>
-          </a:fontRef>
-        </p:style>
-        <p:txBody>
-          <a:bodyPr rtlCol="0" anchor="ctr"/>
-          <a:lstStyle/>
-          <a:p>
-            <a:pPr algn="ctr"/>
-            <a:r>
-              <a:rPr lang="en-US" b="1" dirty="0">
-                <a:solidFill>
-                  <a:schemeClr val="tx1"/>
-                </a:solidFill>
-              </a:rPr>
-              <a:t>Conv1D[Kernel=2, Stride=1], 256, ReLU</a:t>
-            </a:r>
-          </a:p>
-        </p:txBody>
-      </p:sp>
-      <p:sp>
-        <p:nvSpPr>
-          <p:cNvPr id="29" name="Rectangle: Rounded Corners 28">
-            <a:extLst>
-              <a:ext uri="{FF2B5EF4-FFF2-40B4-BE49-F238E27FC236}">
-                <a16:creationId xmlns:a16="http://schemas.microsoft.com/office/drawing/2014/main" id="{F3BFB4F4-5E03-4B4A-AC3C-E9F077414974}"/>
-              </a:ext>
-            </a:extLst>
-          </p:cNvPr>
-          <p:cNvSpPr/>
-          <p:nvPr/>
-        </p:nvSpPr>
-        <p:spPr>
-          <a:xfrm>
-            <a:off x="2062284" y="-786472"/>
-            <a:ext cx="4357896" cy="517905"/>
-          </a:xfrm>
-          <a:prstGeom prst="roundRect">
-            <a:avLst/>
-          </a:prstGeom>
-          <a:solidFill>
-            <a:schemeClr val="accent2">
-              <a:lumMod val="20000"/>
-              <a:lumOff val="80000"/>
-            </a:schemeClr>
-          </a:solidFill>
-          <a:ln>
-            <a:solidFill>
-              <a:schemeClr val="accent2"/>
-            </a:solidFill>
-          </a:ln>
-        </p:spPr>
-        <p:style>
-          <a:lnRef idx="2">
-            <a:schemeClr val="accent1">
-              <a:shade val="15000"/>
-            </a:schemeClr>
-          </a:lnRef>
-          <a:fillRef idx="1">
-            <a:schemeClr val="accent1"/>
-          </a:fillRef>
-          <a:effectRef idx="0">
-            <a:schemeClr val="accent1"/>
-          </a:effectRef>
-          <a:fontRef idx="minor">
-            <a:schemeClr val="lt1"/>
-          </a:fontRef>
-        </p:style>
-        <p:txBody>
-          <a:bodyPr rtlCol="0" anchor="ctr"/>
-          <a:lstStyle/>
-          <a:p>
-            <a:pPr algn="ctr"/>
-            <a:r>
-              <a:rPr lang="en-US" b="1" dirty="0">
-                <a:solidFill>
-                  <a:schemeClr val="tx1"/>
-                </a:solidFill>
-              </a:rPr>
-              <a:t>Linear, 256, ReLU</a:t>
-            </a:r>
-          </a:p>
-        </p:txBody>
-      </p:sp>
-      <p:cxnSp>
-        <p:nvCxnSpPr>
-          <p:cNvPr id="34" name="Straight Arrow Connector 33">
-            <a:extLst>
-              <a:ext uri="{FF2B5EF4-FFF2-40B4-BE49-F238E27FC236}">
-                <a16:creationId xmlns:a16="http://schemas.microsoft.com/office/drawing/2014/main" id="{10937487-9F23-2DB2-E8B5-E110E88317FF}"/>
-              </a:ext>
-            </a:extLst>
-          </p:cNvPr>
-          <p:cNvCxnSpPr>
-            <a:cxnSpLocks/>
-            <a:stCxn id="28" idx="2"/>
-            <a:endCxn id="29" idx="0"/>
-          </p:cNvCxnSpPr>
-          <p:nvPr/>
-        </p:nvCxnSpPr>
-        <p:spPr>
-          <a:xfrm>
-            <a:off x="4241230" y="-1019266"/>
-            <a:ext cx="2" cy="232794"/>
-          </a:xfrm>
-          <a:prstGeom prst="straightConnector1">
-            <a:avLst/>
-          </a:prstGeom>
-          <a:ln>
-            <a:tailEnd type="triangle"/>
-          </a:ln>
-        </p:spPr>
-        <p:style>
-          <a:lnRef idx="2">
-            <a:schemeClr val="accent1"/>
-          </a:lnRef>
-          <a:fillRef idx="0">
-            <a:schemeClr val="accent1"/>
-          </a:fillRef>
-          <a:effectRef idx="1">
-            <a:schemeClr val="accent1"/>
-          </a:effectRef>
-          <a:fontRef idx="minor">
-            <a:schemeClr val="tx1"/>
-          </a:fontRef>
-        </p:style>
-      </p:cxnSp>
-      <p:cxnSp>
-        <p:nvCxnSpPr>
-          <p:cNvPr id="36" name="Straight Arrow Connector 35">
-            <a:extLst>
-              <a:ext uri="{FF2B5EF4-FFF2-40B4-BE49-F238E27FC236}">
-                <a16:creationId xmlns:a16="http://schemas.microsoft.com/office/drawing/2014/main" id="{5A234510-D81A-6DBC-1B64-8F321F962A90}"/>
-              </a:ext>
-            </a:extLst>
-          </p:cNvPr>
-          <p:cNvCxnSpPr>
-            <a:cxnSpLocks/>
-            <a:stCxn id="29" idx="2"/>
-            <a:endCxn id="37" idx="0"/>
-          </p:cNvCxnSpPr>
-          <p:nvPr/>
-        </p:nvCxnSpPr>
-        <p:spPr>
-          <a:xfrm flipH="1">
-            <a:off x="4241230" y="-268567"/>
-            <a:ext cx="2" cy="248217"/>
-          </a:xfrm>
-          <a:prstGeom prst="straightConnector1">
-            <a:avLst/>
-          </a:prstGeom>
-          <a:ln>
-            <a:tailEnd type="triangle"/>
-          </a:ln>
-        </p:spPr>
-        <p:style>
-          <a:lnRef idx="2">
-            <a:schemeClr val="accent1"/>
-          </a:lnRef>
-          <a:fillRef idx="0">
-            <a:schemeClr val="accent1"/>
-          </a:fillRef>
-          <a:effectRef idx="1">
-            <a:schemeClr val="accent1"/>
-          </a:effectRef>
-          <a:fontRef idx="minor">
-            <a:schemeClr val="tx1"/>
-          </a:fontRef>
-        </p:style>
-      </p:cxnSp>
-      <p:cxnSp>
-        <p:nvCxnSpPr>
-          <p:cNvPr id="30" name="Straight Arrow Connector 29">
-            <a:extLst>
-              <a:ext uri="{FF2B5EF4-FFF2-40B4-BE49-F238E27FC236}">
-                <a16:creationId xmlns:a16="http://schemas.microsoft.com/office/drawing/2014/main" id="{AC492839-F9BA-448D-07E6-8467811BB7A6}"/>
-              </a:ext>
-            </a:extLst>
-          </p:cNvPr>
-          <p:cNvCxnSpPr>
-            <a:cxnSpLocks/>
-            <a:stCxn id="5" idx="2"/>
-            <a:endCxn id="28" idx="0"/>
-          </p:cNvCxnSpPr>
-          <p:nvPr/>
-        </p:nvCxnSpPr>
-        <p:spPr>
-          <a:xfrm flipH="1">
-            <a:off x="4241230" y="-1814557"/>
-            <a:ext cx="2" cy="277386"/>
-          </a:xfrm>
-          <a:prstGeom prst="straightConnector1">
-            <a:avLst/>
-          </a:prstGeom>
-          <a:ln>
-            <a:tailEnd type="triangle"/>
-          </a:ln>
-        </p:spPr>
-        <p:style>
-          <a:lnRef idx="2">
-            <a:schemeClr val="accent1"/>
-          </a:lnRef>
-          <a:fillRef idx="0">
-            <a:schemeClr val="accent1"/>
-          </a:fillRef>
-          <a:effectRef idx="1">
-            <a:schemeClr val="accent1"/>
-          </a:effectRef>
-          <a:fontRef idx="minor">
-            <a:schemeClr val="tx1"/>
-          </a:fontRef>
-        </p:style>
-      </p:cxnSp>
-      <p:sp>
-        <p:nvSpPr>
-          <p:cNvPr id="37" name="Rectangle: Rounded Corners 36">
-            <a:extLst>
-              <a:ext uri="{FF2B5EF4-FFF2-40B4-BE49-F238E27FC236}">
-                <a16:creationId xmlns:a16="http://schemas.microsoft.com/office/drawing/2014/main" id="{57523377-8C5F-46B6-12AE-B1606639FC77}"/>
-              </a:ext>
-            </a:extLst>
-          </p:cNvPr>
-          <p:cNvSpPr/>
-          <p:nvPr/>
-        </p:nvSpPr>
-        <p:spPr>
-          <a:xfrm>
-            <a:off x="2062282" y="-20350"/>
-            <a:ext cx="4357896" cy="517905"/>
-          </a:xfrm>
-          <a:prstGeom prst="roundRect">
-            <a:avLst/>
-          </a:prstGeom>
-          <a:solidFill>
-            <a:schemeClr val="accent2">
-              <a:lumMod val="20000"/>
-              <a:lumOff val="80000"/>
-            </a:schemeClr>
-          </a:solidFill>
-          <a:ln>
-            <a:solidFill>
-              <a:schemeClr val="accent2"/>
-            </a:solidFill>
-          </a:ln>
-        </p:spPr>
-        <p:style>
-          <a:lnRef idx="2">
-            <a:schemeClr val="accent1">
-              <a:shade val="15000"/>
-            </a:schemeClr>
-          </a:lnRef>
-          <a:fillRef idx="1">
-            <a:schemeClr val="accent1"/>
-          </a:fillRef>
-          <a:effectRef idx="0">
-            <a:schemeClr val="accent1"/>
-          </a:effectRef>
-          <a:fontRef idx="minor">
-            <a:schemeClr val="lt1"/>
-          </a:fontRef>
-        </p:style>
-        <p:txBody>
-          <a:bodyPr rtlCol="0" anchor="ctr"/>
-          <a:lstStyle/>
-          <a:p>
-            <a:pPr algn="ctr"/>
-            <a:r>
-              <a:rPr lang="en-US" b="1" dirty="0">
-                <a:solidFill>
-                  <a:schemeClr val="tx1"/>
-                </a:solidFill>
-              </a:rPr>
-              <a:t>Linear, 256, ReLU</a:t>
-            </a:r>
-          </a:p>
-        </p:txBody>
-      </p:sp>
-      <p:sp>
-        <p:nvSpPr>
-          <p:cNvPr id="42" name="Rectangle 41">
-            <a:extLst>
-              <a:ext uri="{FF2B5EF4-FFF2-40B4-BE49-F238E27FC236}">
-                <a16:creationId xmlns:a16="http://schemas.microsoft.com/office/drawing/2014/main" id="{577BA0FE-ACDC-5C8C-4970-4E6C05CFA969}"/>
-              </a:ext>
-            </a:extLst>
-          </p:cNvPr>
-          <p:cNvSpPr/>
-          <p:nvPr/>
-        </p:nvSpPr>
-        <p:spPr>
-          <a:xfrm>
-            <a:off x="7266208" y="4154314"/>
+            <a:off x="3971466" y="3922086"/>
             <a:ext cx="676594" cy="375503"/>
           </a:xfrm>
           <a:prstGeom prst="rect">
@@ -14129,7 +10008,7 @@
         </p:nvSpPr>
         <p:spPr>
           <a:xfrm>
-            <a:off x="8140586" y="4154317"/>
+            <a:off x="4845844" y="3922089"/>
             <a:ext cx="621968" cy="375503"/>
           </a:xfrm>
           <a:prstGeom prst="rect">
@@ -14196,7 +10075,7 @@
         </p:nvSpPr>
         <p:spPr>
           <a:xfrm>
-            <a:off x="8848929" y="4106987"/>
+            <a:off x="5554187" y="3874759"/>
             <a:ext cx="540690" cy="375504"/>
           </a:xfrm>
           <a:prstGeom prst="rect">
@@ -14253,7 +10132,7 @@
         </p:nvSpPr>
         <p:spPr>
           <a:xfrm>
-            <a:off x="9489735" y="4196007"/>
+            <a:off x="6194993" y="3963779"/>
             <a:ext cx="621968" cy="375503"/>
           </a:xfrm>
           <a:prstGeom prst="rect">
@@ -14320,7 +10199,7 @@
         </p:nvSpPr>
         <p:spPr>
           <a:xfrm>
-            <a:off x="10328539" y="4196006"/>
+            <a:off x="7033797" y="3963778"/>
             <a:ext cx="621968" cy="375504"/>
           </a:xfrm>
           <a:prstGeom prst="rect">
@@ -14389,7 +10268,7 @@
             </p:nvSpPr>
             <p:spPr>
               <a:xfrm>
-                <a:off x="7364394" y="2702694"/>
+                <a:off x="4069652" y="2470466"/>
                 <a:ext cx="461174" cy="461174"/>
               </a:xfrm>
               <a:prstGeom prst="ellipse">
@@ -14495,7 +10374,7 @@
             </p:nvSpPr>
             <p:spPr>
               <a:xfrm>
-                <a:off x="7364394" y="2702694"/>
+                <a:off x="4069652" y="2470466"/>
                 <a:ext cx="461174" cy="461174"/>
               </a:xfrm>
               <a:prstGeom prst="ellipse">
@@ -14547,7 +10426,7 @@
             </p:nvSpPr>
             <p:spPr>
               <a:xfrm>
-                <a:off x="9553350" y="2751013"/>
+                <a:off x="6258608" y="2518785"/>
                 <a:ext cx="461665" cy="461665"/>
               </a:xfrm>
               <a:prstGeom prst="ellipse">
@@ -14653,7 +10532,7 @@
             </p:nvSpPr>
             <p:spPr>
               <a:xfrm>
-                <a:off x="9553350" y="2751013"/>
+                <a:off x="6258608" y="2518785"/>
                 <a:ext cx="461665" cy="461665"/>
               </a:xfrm>
               <a:prstGeom prst="ellipse">
@@ -14662,7 +10541,7 @@
               <a:blipFill>
                 <a:blip r:embed="rId3"/>
                 <a:stretch>
-                  <a:fillRect l="-5063"/>
+                  <a:fillRect l="-5128"/>
                 </a:stretch>
               </a:blipFill>
               <a:ln>
@@ -14705,7 +10584,7 @@
             </p:nvSpPr>
             <p:spPr>
               <a:xfrm>
-                <a:off x="10386844" y="2733145"/>
+                <a:off x="7092102" y="2500917"/>
                 <a:ext cx="457985" cy="457985"/>
               </a:xfrm>
               <a:prstGeom prst="ellipse">
@@ -14811,7 +10690,7 @@
             </p:nvSpPr>
             <p:spPr>
               <a:xfrm>
-                <a:off x="10386844" y="2733145"/>
+                <a:off x="7092102" y="2500917"/>
                 <a:ext cx="457985" cy="457985"/>
               </a:xfrm>
               <a:prstGeom prst="ellipse">
@@ -14820,7 +10699,7 @@
               <a:blipFill>
                 <a:blip r:embed="rId4"/>
                 <a:stretch>
-                  <a:fillRect l="-6410"/>
+                  <a:fillRect l="-5063"/>
                 </a:stretch>
               </a:blipFill>
               <a:ln>
@@ -14863,7 +10742,7 @@
             </p:nvSpPr>
             <p:spPr>
               <a:xfrm>
-                <a:off x="8218431" y="2705658"/>
+                <a:off x="4923689" y="2473430"/>
                 <a:ext cx="458210" cy="458210"/>
               </a:xfrm>
               <a:prstGeom prst="ellipse">
@@ -14969,7 +10848,7 @@
             </p:nvSpPr>
             <p:spPr>
               <a:xfrm>
-                <a:off x="8218431" y="2705658"/>
+                <a:off x="4923689" y="2473430"/>
                 <a:ext cx="458210" cy="458210"/>
               </a:xfrm>
               <a:prstGeom prst="ellipse">
@@ -15023,7 +10902,7 @@
         </p:nvCxnSpPr>
         <p:spPr>
           <a:xfrm flipV="1">
-            <a:off x="7604505" y="3844358"/>
+            <a:off x="4309763" y="3612130"/>
             <a:ext cx="0" cy="309956"/>
           </a:xfrm>
           <a:prstGeom prst="straightConnector1">
@@ -15072,7 +10951,7 @@
         </p:nvCxnSpPr>
         <p:spPr>
           <a:xfrm flipV="1">
-            <a:off x="8451570" y="3844361"/>
+            <a:off x="5156828" y="3612133"/>
             <a:ext cx="0" cy="309956"/>
           </a:xfrm>
           <a:prstGeom prst="straightConnector1">
@@ -15121,7 +11000,7 @@
         </p:nvCxnSpPr>
         <p:spPr>
           <a:xfrm flipH="1" flipV="1">
-            <a:off x="9798511" y="3886051"/>
+            <a:off x="6503769" y="3653823"/>
             <a:ext cx="2208" cy="309956"/>
           </a:xfrm>
           <a:prstGeom prst="straightConnector1">
@@ -15170,7 +11049,7 @@
         </p:nvCxnSpPr>
         <p:spPr>
           <a:xfrm flipV="1">
-            <a:off x="10639523" y="3886051"/>
+            <a:off x="7344781" y="3653823"/>
             <a:ext cx="2205" cy="309955"/>
           </a:xfrm>
           <a:prstGeom prst="straightConnector1">
@@ -15218,7 +11097,7 @@
         </p:nvCxnSpPr>
         <p:spPr>
           <a:xfrm flipV="1">
-            <a:off x="7594981" y="2491948"/>
+            <a:off x="4300239" y="2259720"/>
             <a:ext cx="1473946" cy="210746"/>
           </a:xfrm>
           <a:prstGeom prst="straightConnector1">
@@ -15266,7 +11145,7 @@
         </p:nvCxnSpPr>
         <p:spPr>
           <a:xfrm flipV="1">
-            <a:off x="8447536" y="2491948"/>
+            <a:off x="5152794" y="2259720"/>
             <a:ext cx="635354" cy="213710"/>
           </a:xfrm>
           <a:prstGeom prst="straightConnector1">
@@ -15314,7 +11193,7 @@
         </p:nvCxnSpPr>
         <p:spPr>
           <a:xfrm flipH="1" flipV="1">
-            <a:off x="9063582" y="2499066"/>
+            <a:off x="5768840" y="2266838"/>
             <a:ext cx="720601" cy="251947"/>
           </a:xfrm>
           <a:prstGeom prst="straightConnector1">
@@ -15362,7 +11241,7 @@
         </p:nvCxnSpPr>
         <p:spPr>
           <a:xfrm flipH="1" flipV="1">
-            <a:off x="9139482" y="2477518"/>
+            <a:off x="5844740" y="2245290"/>
             <a:ext cx="1476355" cy="255627"/>
           </a:xfrm>
           <a:prstGeom prst="straightConnector1">
@@ -15411,7 +11290,7 @@
         </p:nvCxnSpPr>
         <p:spPr>
           <a:xfrm flipH="1" flipV="1">
-            <a:off x="7604505" y="4529817"/>
+            <a:off x="4309763" y="4297589"/>
             <a:ext cx="1529270" cy="411363"/>
           </a:xfrm>
           <a:prstGeom prst="straightConnector1">
@@ -15438,45 +11317,6 @@
       </p:cxnSp>
       <p:cxnSp>
         <p:nvCxnSpPr>
-          <p:cNvPr id="100" name="Straight Arrow Connector 99">
-            <a:extLst>
-              <a:ext uri="{FF2B5EF4-FFF2-40B4-BE49-F238E27FC236}">
-                <a16:creationId xmlns:a16="http://schemas.microsoft.com/office/drawing/2014/main" id="{8FF7C771-2C9D-4B2F-B70F-F4B0A5CA1693}"/>
-              </a:ext>
-            </a:extLst>
-          </p:cNvPr>
-          <p:cNvCxnSpPr/>
-          <p:nvPr/>
-        </p:nvCxnSpPr>
-        <p:spPr>
-          <a:xfrm flipV="1">
-            <a:off x="6090006" y="5625195"/>
-            <a:ext cx="0" cy="388724"/>
-          </a:xfrm>
-          <a:prstGeom prst="straightConnector1">
-            <a:avLst/>
-          </a:prstGeom>
-          <a:ln>
-            <a:tailEnd type="triangle"/>
-          </a:ln>
-        </p:spPr>
-        <p:style>
-          <a:lnRef idx="2">
-            <a:schemeClr val="accent1"/>
-          </a:lnRef>
-          <a:fillRef idx="0">
-            <a:schemeClr val="accent1"/>
-          </a:fillRef>
-          <a:effectRef idx="1">
-            <a:schemeClr val="accent1"/>
-          </a:effectRef>
-          <a:fontRef idx="minor">
-            <a:schemeClr val="tx1"/>
-          </a:fontRef>
-        </p:style>
-      </p:cxnSp>
-      <p:cxnSp>
-        <p:nvCxnSpPr>
           <p:cNvPr id="101" name="Straight Arrow Connector 100">
             <a:extLst>
               <a:ext uri="{FF2B5EF4-FFF2-40B4-BE49-F238E27FC236}">
@@ -15493,7 +11333,7 @@
         </p:nvCxnSpPr>
         <p:spPr>
           <a:xfrm flipV="1">
-            <a:off x="9133775" y="4571510"/>
+            <a:off x="5839033" y="4339282"/>
             <a:ext cx="666944" cy="369670"/>
           </a:xfrm>
           <a:prstGeom prst="straightConnector1">
@@ -15536,7 +11376,7 @@
         </p:nvCxnSpPr>
         <p:spPr>
           <a:xfrm flipV="1">
-            <a:off x="9133775" y="4571510"/>
+            <a:off x="5839033" y="4339282"/>
             <a:ext cx="1505748" cy="369670"/>
           </a:xfrm>
           <a:prstGeom prst="straightConnector1">
@@ -15579,7 +11419,7 @@
         </p:nvCxnSpPr>
         <p:spPr>
           <a:xfrm flipH="1" flipV="1">
-            <a:off x="8451570" y="4529820"/>
+            <a:off x="5156828" y="4297592"/>
             <a:ext cx="682205" cy="411360"/>
           </a:xfrm>
           <a:prstGeom prst="straightConnector1">
@@ -15618,7 +11458,7 @@
         </p:nvSpPr>
         <p:spPr>
           <a:xfrm>
-            <a:off x="7266208" y="3468855"/>
+            <a:off x="3971466" y="3236627"/>
             <a:ext cx="676594" cy="375503"/>
           </a:xfrm>
           <a:prstGeom prst="rect">
@@ -15685,7 +11525,7 @@
         </p:nvSpPr>
         <p:spPr>
           <a:xfrm>
-            <a:off x="8140586" y="3468858"/>
+            <a:off x="4845844" y="3236630"/>
             <a:ext cx="621968" cy="375503"/>
           </a:xfrm>
           <a:prstGeom prst="rect">
@@ -15752,7 +11592,7 @@
         </p:nvSpPr>
         <p:spPr>
           <a:xfrm>
-            <a:off x="8848929" y="3468854"/>
+            <a:off x="5554187" y="3236626"/>
             <a:ext cx="540690" cy="375504"/>
           </a:xfrm>
           <a:prstGeom prst="rect">
@@ -15809,7 +11649,7 @@
         </p:nvSpPr>
         <p:spPr>
           <a:xfrm>
-            <a:off x="9485318" y="3510548"/>
+            <a:off x="6190576" y="3278320"/>
             <a:ext cx="626385" cy="375503"/>
           </a:xfrm>
           <a:prstGeom prst="rect">
@@ -15876,7 +11716,7 @@
         </p:nvSpPr>
         <p:spPr>
           <a:xfrm>
-            <a:off x="10328538" y="3510547"/>
+            <a:off x="7033796" y="3278319"/>
             <a:ext cx="626379" cy="375504"/>
           </a:xfrm>
           <a:prstGeom prst="rect">
@@ -15946,7 +11786,7 @@
         </p:nvCxnSpPr>
         <p:spPr>
           <a:xfrm>
-            <a:off x="7602606" y="3349303"/>
+            <a:off x="4307864" y="3117075"/>
             <a:ext cx="537980" cy="307307"/>
           </a:xfrm>
           <a:prstGeom prst="bentConnector3">
@@ -15995,7 +11835,7 @@
         </p:nvCxnSpPr>
         <p:spPr>
           <a:xfrm flipV="1">
-            <a:off x="7602606" y="3158896"/>
+            <a:off x="4307864" y="2926668"/>
             <a:ext cx="0" cy="309956"/>
           </a:xfrm>
           <a:prstGeom prst="straightConnector1">
@@ -16042,7 +11882,7 @@
         </p:nvCxnSpPr>
         <p:spPr>
           <a:xfrm flipV="1">
-            <a:off x="8442680" y="3158899"/>
+            <a:off x="5147938" y="2926671"/>
             <a:ext cx="0" cy="309956"/>
           </a:xfrm>
           <a:prstGeom prst="straightConnector1">
@@ -16089,7 +11929,7 @@
         </p:nvCxnSpPr>
         <p:spPr>
           <a:xfrm flipV="1">
-            <a:off x="9796907" y="3200589"/>
+            <a:off x="6502165" y="2968361"/>
             <a:ext cx="0" cy="309956"/>
           </a:xfrm>
           <a:prstGeom prst="straightConnector1">
@@ -16136,7 +11976,7 @@
         </p:nvCxnSpPr>
         <p:spPr>
           <a:xfrm flipV="1">
-            <a:off x="10636983" y="3200589"/>
+            <a:off x="7342241" y="2968361"/>
             <a:ext cx="0" cy="309955"/>
           </a:xfrm>
           <a:prstGeom prst="straightConnector1">
@@ -16181,7 +12021,7 @@
         </p:nvSpPr>
         <p:spPr>
           <a:xfrm>
-            <a:off x="8848929" y="2793530"/>
+            <a:off x="5554187" y="2561302"/>
             <a:ext cx="540690" cy="375504"/>
           </a:xfrm>
           <a:prstGeom prst="rect">
@@ -16238,7 +12078,7 @@
         </p:nvSpPr>
         <p:spPr>
           <a:xfrm>
-            <a:off x="8085939" y="2087489"/>
+            <a:off x="4791197" y="1855261"/>
             <a:ext cx="2058059" cy="430421"/>
           </a:xfrm>
           <a:prstGeom prst="rect">
@@ -16304,7 +12144,7 @@
         </p:nvCxnSpPr>
         <p:spPr>
           <a:xfrm flipH="1" flipV="1">
-            <a:off x="9114968" y="1844793"/>
+            <a:off x="5820226" y="1612565"/>
             <a:ext cx="1" cy="242696"/>
           </a:xfrm>
           <a:prstGeom prst="straightConnector1">
@@ -16343,7 +12183,7 @@
         </p:nvGrpSpPr>
         <p:grpSpPr>
           <a:xfrm>
-            <a:off x="8551905" y="4848170"/>
+            <a:off x="5257163" y="4615942"/>
             <a:ext cx="1191296" cy="564741"/>
             <a:chOff x="8551905" y="4779590"/>
             <a:chExt cx="1191296" cy="564741"/>
@@ -16471,8 +12311,8 @@
             </a:p>
           </p:txBody>
         </p:sp>
-        <mc:AlternateContent xmlns:mc="http://schemas.openxmlformats.org/markup-compatibility/2006">
-          <mc:Choice xmlns:a14="http://schemas.microsoft.com/office/drawing/2010/main" Requires="a14">
+        <mc:AlternateContent xmlns:mc="http://schemas.openxmlformats.org/markup-compatibility/2006" xmlns:a14="http://schemas.microsoft.com/office/drawing/2010/main">
+          <mc:Choice Requires="a14">
             <p:sp>
               <p:nvSpPr>
                 <p:cNvPr id="38" name="Rectangle 37">
@@ -16535,7 +12375,7 @@
                         <m:sSub>
                           <m:sSubPr>
                             <m:ctrlPr>
-                              <a:rPr lang="en-US" sz="1400" b="1" dirty="0" smtClean="0">
+                              <a:rPr lang="en-US" sz="1400" b="1" i="1" dirty="0" smtClean="0">
                                 <a:solidFill>
                                   <a:sysClr val="windowText" lastClr="000000"/>
                                 </a:solidFill>
@@ -16630,7 +12470,7 @@
               </p:txBody>
             </p:sp>
           </mc:Choice>
-          <mc:Fallback>
+          <mc:Fallback xmlns="">
             <p:sp>
               <p:nvSpPr>
                 <p:cNvPr id="38" name="Rectangle 37">
@@ -16697,7 +12537,7 @@
             </p:nvSpPr>
             <p:spPr>
               <a:xfrm>
-                <a:off x="8397090" y="1534837"/>
+                <a:off x="5102348" y="1302609"/>
                 <a:ext cx="1435756" cy="307777"/>
               </a:xfrm>
               <a:prstGeom prst="rect">
@@ -16721,6 +12561,7 @@
               </a:bodyPr>
               <a:lstStyle/>
               <a:p>
+                <a:pPr/>
                 <a14:m>
                   <m:oMathPara xmlns:m="http://schemas.openxmlformats.org/officeDocument/2006/math">
                     <m:oMathParaPr>
@@ -16732,7 +12573,7 @@
                           <m:begChr m:val="⟨"/>
                           <m:endChr m:val="⟩"/>
                           <m:ctrlPr>
-                            <a:rPr lang="en-US" sz="1400" b="1" smtClean="0">
+                            <a:rPr lang="en-US" sz="1400" b="1" i="1" smtClean="0">
                               <a:latin typeface="Cambria Math" panose="02040503050406030204" pitchFamily="18" charset="0"/>
                             </a:rPr>
                           </m:ctrlPr>
@@ -16741,7 +12582,7 @@
                           <m:sSub>
                             <m:sSubPr>
                               <m:ctrlPr>
-                                <a:rPr lang="en-US" sz="1400" b="1">
+                                <a:rPr lang="en-US" sz="1400" b="1" i="1">
                                   <a:latin typeface="Cambria Math" panose="02040503050406030204" pitchFamily="18" charset="0"/>
                                 </a:rPr>
                               </m:ctrlPr>
@@ -16802,7 +12643,7 @@
             </p:nvSpPr>
             <p:spPr>
               <a:xfrm>
-                <a:off x="8397090" y="1534837"/>
+                <a:off x="5102348" y="1302609"/>
                 <a:ext cx="1435756" cy="307777"/>
               </a:xfrm>
               <a:prstGeom prst="rect">
@@ -16851,7 +12692,7 @@
             </p:nvSpPr>
             <p:spPr>
               <a:xfrm>
-                <a:off x="11100335" y="4902030"/>
+                <a:off x="7805593" y="4669802"/>
                 <a:ext cx="884961" cy="523220"/>
               </a:xfrm>
               <a:prstGeom prst="rect">
@@ -16865,6 +12706,7 @@
               </a:bodyPr>
               <a:lstStyle/>
               <a:p>
+                <a:pPr/>
                 <a14:m>
                   <m:oMathPara xmlns:m="http://schemas.openxmlformats.org/officeDocument/2006/math">
                     <m:oMathParaPr>
@@ -16888,6 +12730,7 @@
                 </a:endParaRPr>
               </a:p>
               <a:p>
+                <a:pPr/>
                 <a14:m>
                   <m:oMathPara xmlns:m="http://schemas.openxmlformats.org/officeDocument/2006/math">
                     <m:oMathParaPr>
@@ -16949,7 +12792,7 @@
             </p:nvSpPr>
             <p:spPr>
               <a:xfrm>
-                <a:off x="11100335" y="4902030"/>
+                <a:off x="7805593" y="4669802"/>
                 <a:ext cx="884961" cy="523220"/>
               </a:xfrm>
               <a:prstGeom prst="rect">
@@ -16993,7 +12836,7 @@
             </p:nvSpPr>
             <p:spPr>
               <a:xfrm>
-                <a:off x="11049911" y="4122839"/>
+                <a:off x="7755169" y="3890611"/>
                 <a:ext cx="985811" cy="523220"/>
               </a:xfrm>
               <a:prstGeom prst="rect">
@@ -17007,6 +12850,7 @@
               </a:bodyPr>
               <a:lstStyle/>
               <a:p>
+                <a:pPr/>
                 <a14:m>
                   <m:oMathPara xmlns:m="http://schemas.openxmlformats.org/officeDocument/2006/math">
                     <m:oMathParaPr>
@@ -17036,6 +12880,7 @@
                 </a:endParaRPr>
               </a:p>
               <a:p>
+                <a:pPr/>
                 <a14:m>
                   <m:oMathPara xmlns:m="http://schemas.openxmlformats.org/officeDocument/2006/math">
                     <m:oMathParaPr>
@@ -17084,7 +12929,7 @@
             </p:nvSpPr>
             <p:spPr>
               <a:xfrm>
-                <a:off x="11049911" y="4122839"/>
+                <a:off x="7755169" y="3890611"/>
                 <a:ext cx="985811" cy="523220"/>
               </a:xfrm>
               <a:prstGeom prst="rect">
@@ -17128,7 +12973,7 @@
             </p:nvSpPr>
             <p:spPr>
               <a:xfrm>
-                <a:off x="11049912" y="3462984"/>
+                <a:off x="7755170" y="3230756"/>
                 <a:ext cx="985811" cy="523220"/>
               </a:xfrm>
               <a:prstGeom prst="rect">
@@ -17142,6 +12987,7 @@
               </a:bodyPr>
               <a:lstStyle/>
               <a:p>
+                <a:pPr/>
                 <a14:m>
                   <m:oMathPara xmlns:m="http://schemas.openxmlformats.org/officeDocument/2006/math">
                     <m:oMathParaPr>
@@ -17171,6 +13017,7 @@
                 </a:endParaRPr>
               </a:p>
               <a:p>
+                <a:pPr/>
                 <a14:m>
                   <m:oMathPara xmlns:m="http://schemas.openxmlformats.org/officeDocument/2006/math">
                     <m:oMathParaPr>
@@ -17219,7 +13066,7 @@
             </p:nvSpPr>
             <p:spPr>
               <a:xfrm>
-                <a:off x="11049912" y="3462984"/>
+                <a:off x="7755170" y="3230756"/>
                 <a:ext cx="985811" cy="523220"/>
               </a:xfrm>
               <a:prstGeom prst="rect">
@@ -17263,7 +13110,7 @@
             </p:nvSpPr>
             <p:spPr>
               <a:xfrm>
-                <a:off x="11049912" y="2604984"/>
+                <a:off x="7755170" y="2372756"/>
                 <a:ext cx="985811" cy="738664"/>
               </a:xfrm>
               <a:prstGeom prst="rect">
@@ -17277,6 +13124,7 @@
               </a:bodyPr>
               <a:lstStyle/>
               <a:p>
+                <a:pPr/>
                 <a14:m>
                   <m:oMathPara xmlns:m="http://schemas.openxmlformats.org/officeDocument/2006/math">
                     <m:oMathParaPr>
@@ -17300,6 +13148,7 @@
                 </a:endParaRPr>
               </a:p>
               <a:p>
+                <a:pPr/>
                 <a14:m>
                   <m:oMathPara xmlns:m="http://schemas.openxmlformats.org/officeDocument/2006/math">
                     <m:oMathParaPr>
@@ -17323,6 +13172,7 @@
                 </a:endParaRPr>
               </a:p>
               <a:p>
+                <a:pPr/>
                 <a14:m>
                   <m:oMathPara xmlns:m="http://schemas.openxmlformats.org/officeDocument/2006/math">
                     <m:oMathParaPr>
@@ -17371,7 +13221,7 @@
             </p:nvSpPr>
             <p:spPr>
               <a:xfrm>
-                <a:off x="11049912" y="2604984"/>
+                <a:off x="7755170" y="2372756"/>
                 <a:ext cx="985811" cy="738664"/>
               </a:xfrm>
               <a:prstGeom prst="rect">
@@ -17415,7 +13265,7 @@
             </p:nvSpPr>
             <p:spPr>
               <a:xfrm>
-                <a:off x="11049912" y="2081764"/>
+                <a:off x="7755170" y="1849536"/>
                 <a:ext cx="985811" cy="523220"/>
               </a:xfrm>
               <a:prstGeom prst="rect">
@@ -17429,6 +13279,7 @@
               </a:bodyPr>
               <a:lstStyle/>
               <a:p>
+                <a:pPr/>
                 <a14:m>
                   <m:oMathPara xmlns:m="http://schemas.openxmlformats.org/officeDocument/2006/math">
                     <m:oMathParaPr>
@@ -17452,6 +13303,7 @@
                 </a:endParaRPr>
               </a:p>
               <a:p>
+                <a:pPr/>
                 <a14:m>
                   <m:oMathPara xmlns:m="http://schemas.openxmlformats.org/officeDocument/2006/math">
                     <m:oMathParaPr>
@@ -17500,7 +13352,7 @@
             </p:nvSpPr>
             <p:spPr>
               <a:xfrm>
-                <a:off x="11049912" y="2081764"/>
+                <a:off x="7755170" y="1849536"/>
                 <a:ext cx="985811" cy="523220"/>
               </a:xfrm>
               <a:prstGeom prst="rect">
@@ -17544,7 +13396,7 @@
             </p:nvSpPr>
             <p:spPr>
               <a:xfrm>
-                <a:off x="11049912" y="1425481"/>
+                <a:off x="7755170" y="1193253"/>
                 <a:ext cx="985811" cy="523220"/>
               </a:xfrm>
               <a:prstGeom prst="rect">
@@ -17618,7 +13470,7 @@
             </p:nvSpPr>
             <p:spPr>
               <a:xfrm>
-                <a:off x="11049912" y="1425481"/>
+                <a:off x="7755170" y="1193253"/>
                 <a:ext cx="985811" cy="523220"/>
               </a:xfrm>
               <a:prstGeom prst="rect">
@@ -17662,7 +13514,7 @@
         </p:nvCxnSpPr>
         <p:spPr>
           <a:xfrm>
-            <a:off x="8434264" y="3355566"/>
+            <a:off x="5139522" y="3123338"/>
             <a:ext cx="537980" cy="307307"/>
           </a:xfrm>
           <a:prstGeom prst="bentConnector3">
@@ -17711,7 +13563,7 @@
         </p:nvCxnSpPr>
         <p:spPr>
           <a:xfrm>
-            <a:off x="7608466" y="4034758"/>
+            <a:off x="4313724" y="3802530"/>
             <a:ext cx="537980" cy="307307"/>
           </a:xfrm>
           <a:prstGeom prst="bentConnector3">
@@ -17760,7 +13612,7 @@
         </p:nvCxnSpPr>
         <p:spPr>
           <a:xfrm>
-            <a:off x="8451568" y="4045173"/>
+            <a:off x="5156826" y="3812945"/>
             <a:ext cx="537980" cy="307307"/>
           </a:xfrm>
           <a:prstGeom prst="bentConnector3">
@@ -17809,7 +13661,7 @@
         </p:nvCxnSpPr>
         <p:spPr>
           <a:xfrm>
-            <a:off x="9793427" y="3398581"/>
+            <a:off x="6498685" y="3166353"/>
             <a:ext cx="537980" cy="307307"/>
           </a:xfrm>
           <a:prstGeom prst="bentConnector3">
@@ -17858,7 +13710,7 @@
         </p:nvCxnSpPr>
         <p:spPr>
           <a:xfrm>
-            <a:off x="9804306" y="4106987"/>
+            <a:off x="6509564" y="3874759"/>
             <a:ext cx="537980" cy="307307"/>
           </a:xfrm>
           <a:prstGeom prst="bentConnector3">
@@ -17905,384 +13757,6 @@
 </file>
 
 <file path=ppt/slides/slide6.xml><?xml version="1.0" encoding="utf-8"?>
-<p:sld xmlns:a="http://schemas.openxmlformats.org/drawingml/2006/main" xmlns:r="http://schemas.openxmlformats.org/officeDocument/2006/relationships" xmlns:p="http://schemas.openxmlformats.org/presentationml/2006/main">
-  <p:cSld>
-    <p:spTree>
-      <p:nvGrpSpPr>
-        <p:cNvPr id="1" name=""/>
-        <p:cNvGrpSpPr/>
-        <p:nvPr/>
-      </p:nvGrpSpPr>
-      <p:grpSpPr>
-        <a:xfrm>
-          <a:off x="0" y="0"/>
-          <a:ext cx="0" cy="0"/>
-          <a:chOff x="0" y="0"/>
-          <a:chExt cx="0" cy="0"/>
-        </a:xfrm>
-      </p:grpSpPr>
-      <p:sp>
-        <p:nvSpPr>
-          <p:cNvPr id="2" name="Rectangle 1">
-            <a:extLst>
-              <a:ext uri="{FF2B5EF4-FFF2-40B4-BE49-F238E27FC236}">
-                <a16:creationId xmlns:a16="http://schemas.microsoft.com/office/drawing/2014/main" id="{0C7CAE2E-F6EC-A5AC-9D72-C8BEDF3B14E9}"/>
-              </a:ext>
-            </a:extLst>
-          </p:cNvPr>
-          <p:cNvSpPr/>
-          <p:nvPr/>
-        </p:nvSpPr>
-        <p:spPr>
-          <a:xfrm>
-            <a:off x="1473200" y="2945786"/>
-            <a:ext cx="327025" cy="1302363"/>
-          </a:xfrm>
-          <a:prstGeom prst="rect">
-            <a:avLst/>
-          </a:prstGeom>
-          <a:solidFill>
-            <a:schemeClr val="bg2">
-              <a:lumMod val="90000"/>
-            </a:schemeClr>
-          </a:solidFill>
-          <a:ln>
-            <a:solidFill>
-              <a:schemeClr val="bg1">
-                <a:lumMod val="65000"/>
-              </a:schemeClr>
-            </a:solidFill>
-          </a:ln>
-        </p:spPr>
-        <p:style>
-          <a:lnRef idx="2">
-            <a:schemeClr val="accent1">
-              <a:shade val="15000"/>
-            </a:schemeClr>
-          </a:lnRef>
-          <a:fillRef idx="1">
-            <a:schemeClr val="accent1"/>
-          </a:fillRef>
-          <a:effectRef idx="0">
-            <a:schemeClr val="accent1"/>
-          </a:effectRef>
-          <a:fontRef idx="minor">
-            <a:schemeClr val="lt1"/>
-          </a:fontRef>
-        </p:style>
-        <p:txBody>
-          <a:bodyPr rtlCol="0" anchor="ctr"/>
-          <a:lstStyle/>
-          <a:p>
-            <a:pPr algn="ctr"/>
-            <a:endParaRPr lang="en-US"/>
-          </a:p>
-        </p:txBody>
-      </p:sp>
-      <p:sp>
-        <p:nvSpPr>
-          <p:cNvPr id="3" name="Rectangle 2">
-            <a:extLst>
-              <a:ext uri="{FF2B5EF4-FFF2-40B4-BE49-F238E27FC236}">
-                <a16:creationId xmlns:a16="http://schemas.microsoft.com/office/drawing/2014/main" id="{2D0289A2-B6F9-BDD3-887E-6CD3C403682C}"/>
-              </a:ext>
-            </a:extLst>
-          </p:cNvPr>
-          <p:cNvSpPr/>
-          <p:nvPr/>
-        </p:nvSpPr>
-        <p:spPr>
-          <a:xfrm>
-            <a:off x="1641475" y="3098186"/>
-            <a:ext cx="327025" cy="1302363"/>
-          </a:xfrm>
-          <a:prstGeom prst="rect">
-            <a:avLst/>
-          </a:prstGeom>
-          <a:solidFill>
-            <a:schemeClr val="bg2">
-              <a:lumMod val="90000"/>
-            </a:schemeClr>
-          </a:solidFill>
-          <a:ln>
-            <a:solidFill>
-              <a:schemeClr val="bg1">
-                <a:lumMod val="65000"/>
-              </a:schemeClr>
-            </a:solidFill>
-          </a:ln>
-        </p:spPr>
-        <p:style>
-          <a:lnRef idx="2">
-            <a:schemeClr val="accent1">
-              <a:shade val="15000"/>
-            </a:schemeClr>
-          </a:lnRef>
-          <a:fillRef idx="1">
-            <a:schemeClr val="accent1"/>
-          </a:fillRef>
-          <a:effectRef idx="0">
-            <a:schemeClr val="accent1"/>
-          </a:effectRef>
-          <a:fontRef idx="minor">
-            <a:schemeClr val="lt1"/>
-          </a:fontRef>
-        </p:style>
-        <p:txBody>
-          <a:bodyPr rtlCol="0" anchor="ctr"/>
-          <a:lstStyle/>
-          <a:p>
-            <a:pPr algn="ctr"/>
-            <a:endParaRPr lang="en-US"/>
-          </a:p>
-        </p:txBody>
-      </p:sp>
-      <p:sp>
-        <p:nvSpPr>
-          <p:cNvPr id="4" name="Rectangle 3">
-            <a:extLst>
-              <a:ext uri="{FF2B5EF4-FFF2-40B4-BE49-F238E27FC236}">
-                <a16:creationId xmlns:a16="http://schemas.microsoft.com/office/drawing/2014/main" id="{1CE3B1D2-896F-B0D6-61CD-64EB0DC761F3}"/>
-              </a:ext>
-            </a:extLst>
-          </p:cNvPr>
-          <p:cNvSpPr/>
-          <p:nvPr/>
-        </p:nvSpPr>
-        <p:spPr>
-          <a:xfrm>
-            <a:off x="2835275" y="2404475"/>
-            <a:ext cx="635000" cy="2528860"/>
-          </a:xfrm>
-          <a:prstGeom prst="rect">
-            <a:avLst/>
-          </a:prstGeom>
-          <a:solidFill>
-            <a:schemeClr val="bg2">
-              <a:lumMod val="90000"/>
-            </a:schemeClr>
-          </a:solidFill>
-          <a:ln>
-            <a:solidFill>
-              <a:schemeClr val="bg1">
-                <a:lumMod val="65000"/>
-              </a:schemeClr>
-            </a:solidFill>
-          </a:ln>
-        </p:spPr>
-        <p:style>
-          <a:lnRef idx="2">
-            <a:schemeClr val="accent1">
-              <a:shade val="15000"/>
-            </a:schemeClr>
-          </a:lnRef>
-          <a:fillRef idx="1">
-            <a:schemeClr val="accent1"/>
-          </a:fillRef>
-          <a:effectRef idx="0">
-            <a:schemeClr val="accent1"/>
-          </a:effectRef>
-          <a:fontRef idx="minor">
-            <a:schemeClr val="lt1"/>
-          </a:fontRef>
-        </p:style>
-        <p:txBody>
-          <a:bodyPr rtlCol="0" anchor="ctr"/>
-          <a:lstStyle/>
-          <a:p>
-            <a:pPr algn="ctr"/>
-            <a:endParaRPr lang="en-US"/>
-          </a:p>
-        </p:txBody>
-      </p:sp>
-      <p:sp>
-        <p:nvSpPr>
-          <p:cNvPr id="5" name="Rectangle 4">
-            <a:extLst>
-              <a:ext uri="{FF2B5EF4-FFF2-40B4-BE49-F238E27FC236}">
-                <a16:creationId xmlns:a16="http://schemas.microsoft.com/office/drawing/2014/main" id="{165E3B29-EB9B-CD82-EA0C-45B31005A534}"/>
-              </a:ext>
-            </a:extLst>
-          </p:cNvPr>
-          <p:cNvSpPr/>
-          <p:nvPr/>
-        </p:nvSpPr>
-        <p:spPr>
-          <a:xfrm>
-            <a:off x="3003550" y="2556875"/>
-            <a:ext cx="635000" cy="2528860"/>
-          </a:xfrm>
-          <a:prstGeom prst="rect">
-            <a:avLst/>
-          </a:prstGeom>
-          <a:solidFill>
-            <a:schemeClr val="bg2">
-              <a:lumMod val="90000"/>
-            </a:schemeClr>
-          </a:solidFill>
-          <a:ln>
-            <a:solidFill>
-              <a:schemeClr val="bg1">
-                <a:lumMod val="65000"/>
-              </a:schemeClr>
-            </a:solidFill>
-          </a:ln>
-        </p:spPr>
-        <p:style>
-          <a:lnRef idx="2">
-            <a:schemeClr val="accent1">
-              <a:shade val="15000"/>
-            </a:schemeClr>
-          </a:lnRef>
-          <a:fillRef idx="1">
-            <a:schemeClr val="accent1"/>
-          </a:fillRef>
-          <a:effectRef idx="0">
-            <a:schemeClr val="accent1"/>
-          </a:effectRef>
-          <a:fontRef idx="minor">
-            <a:schemeClr val="lt1"/>
-          </a:fontRef>
-        </p:style>
-        <p:txBody>
-          <a:bodyPr rtlCol="0" anchor="ctr"/>
-          <a:lstStyle/>
-          <a:p>
-            <a:pPr algn="ctr"/>
-            <a:endParaRPr lang="en-US"/>
-          </a:p>
-        </p:txBody>
-      </p:sp>
-      <p:sp>
-        <p:nvSpPr>
-          <p:cNvPr id="6" name="Rectangle 5">
-            <a:extLst>
-              <a:ext uri="{FF2B5EF4-FFF2-40B4-BE49-F238E27FC236}">
-                <a16:creationId xmlns:a16="http://schemas.microsoft.com/office/drawing/2014/main" id="{4985C8C1-D35C-455C-C4D7-DFC01BFDF482}"/>
-              </a:ext>
-            </a:extLst>
-          </p:cNvPr>
-          <p:cNvSpPr/>
-          <p:nvPr/>
-        </p:nvSpPr>
-        <p:spPr>
-          <a:xfrm>
-            <a:off x="1825626" y="3276600"/>
-            <a:ext cx="327025" cy="1302363"/>
-          </a:xfrm>
-          <a:prstGeom prst="rect">
-            <a:avLst/>
-          </a:prstGeom>
-          <a:solidFill>
-            <a:schemeClr val="bg2">
-              <a:lumMod val="90000"/>
-            </a:schemeClr>
-          </a:solidFill>
-          <a:ln>
-            <a:solidFill>
-              <a:schemeClr val="bg1">
-                <a:lumMod val="65000"/>
-              </a:schemeClr>
-            </a:solidFill>
-          </a:ln>
-        </p:spPr>
-        <p:style>
-          <a:lnRef idx="2">
-            <a:schemeClr val="accent1">
-              <a:shade val="15000"/>
-            </a:schemeClr>
-          </a:lnRef>
-          <a:fillRef idx="1">
-            <a:schemeClr val="accent1"/>
-          </a:fillRef>
-          <a:effectRef idx="0">
-            <a:schemeClr val="accent1"/>
-          </a:effectRef>
-          <a:fontRef idx="minor">
-            <a:schemeClr val="lt1"/>
-          </a:fontRef>
-        </p:style>
-        <p:txBody>
-          <a:bodyPr rtlCol="0" anchor="ctr"/>
-          <a:lstStyle/>
-          <a:p>
-            <a:pPr algn="ctr"/>
-            <a:endParaRPr lang="en-US"/>
-          </a:p>
-        </p:txBody>
-      </p:sp>
-      <p:sp>
-        <p:nvSpPr>
-          <p:cNvPr id="10" name="Rectangle 9">
-            <a:extLst>
-              <a:ext uri="{FF2B5EF4-FFF2-40B4-BE49-F238E27FC236}">
-                <a16:creationId xmlns:a16="http://schemas.microsoft.com/office/drawing/2014/main" id="{DBFE079C-701A-CB85-FB3F-3330F5C2684C}"/>
-              </a:ext>
-            </a:extLst>
-          </p:cNvPr>
-          <p:cNvSpPr/>
-          <p:nvPr/>
-        </p:nvSpPr>
-        <p:spPr>
-          <a:xfrm>
-            <a:off x="3209926" y="2786870"/>
-            <a:ext cx="635000" cy="2528860"/>
-          </a:xfrm>
-          <a:prstGeom prst="rect">
-            <a:avLst/>
-          </a:prstGeom>
-          <a:solidFill>
-            <a:schemeClr val="bg2">
-              <a:lumMod val="90000"/>
-            </a:schemeClr>
-          </a:solidFill>
-          <a:ln>
-            <a:solidFill>
-              <a:schemeClr val="bg1">
-                <a:lumMod val="65000"/>
-              </a:schemeClr>
-            </a:solidFill>
-          </a:ln>
-        </p:spPr>
-        <p:style>
-          <a:lnRef idx="2">
-            <a:schemeClr val="accent1">
-              <a:shade val="15000"/>
-            </a:schemeClr>
-          </a:lnRef>
-          <a:fillRef idx="1">
-            <a:schemeClr val="accent1"/>
-          </a:fillRef>
-          <a:effectRef idx="0">
-            <a:schemeClr val="accent1"/>
-          </a:effectRef>
-          <a:fontRef idx="minor">
-            <a:schemeClr val="lt1"/>
-          </a:fontRef>
-        </p:style>
-        <p:txBody>
-          <a:bodyPr rtlCol="0" anchor="ctr"/>
-          <a:lstStyle/>
-          <a:p>
-            <a:pPr algn="ctr"/>
-            <a:endParaRPr lang="en-US"/>
-          </a:p>
-        </p:txBody>
-      </p:sp>
-    </p:spTree>
-    <p:extLst>
-      <p:ext uri="{BB962C8B-B14F-4D97-AF65-F5344CB8AC3E}">
-        <p14:creationId xmlns:p14="http://schemas.microsoft.com/office/powerpoint/2010/main" val="2949702244"/>
-      </p:ext>
-    </p:extLst>
-  </p:cSld>
-  <p:clrMapOvr>
-    <a:masterClrMapping/>
-  </p:clrMapOvr>
-</p:sld>
-</file>
-
-<file path=ppt/slides/slide7.xml><?xml version="1.0" encoding="utf-8"?>
 <p:sld xmlns:a="http://schemas.openxmlformats.org/drawingml/2006/main" xmlns:r="http://schemas.openxmlformats.org/officeDocument/2006/relationships" xmlns:p="http://schemas.openxmlformats.org/presentationml/2006/main">
   <p:cSld>
     <p:spTree>

--- a/23-25_Automatic-Control-Lab/Projects/24_Aerosol/Paper/Figs/pics.pptx
+++ b/23-25_Automatic-Control-Lab/Projects/24_Aerosol/Paper/Figs/pics.pptx
@@ -4862,62 +4862,6 @@
       </p:grpSpPr>
       <p:sp>
         <p:nvSpPr>
-          <p:cNvPr id="47" name="Rectangle 46">
-            <a:extLst>
-              <a:ext uri="{FF2B5EF4-FFF2-40B4-BE49-F238E27FC236}">
-                <a16:creationId xmlns:a16="http://schemas.microsoft.com/office/drawing/2014/main" id="{DF3C6BD3-D3BD-F560-D277-9AC3515674E0}"/>
-              </a:ext>
-            </a:extLst>
-          </p:cNvPr>
-          <p:cNvSpPr/>
-          <p:nvPr/>
-        </p:nvSpPr>
-        <p:spPr>
-          <a:xfrm>
-            <a:off x="3975017" y="874948"/>
-            <a:ext cx="824968" cy="1406951"/>
-          </a:xfrm>
-          <a:prstGeom prst="rect">
-            <a:avLst/>
-          </a:prstGeom>
-          <a:noFill/>
-          <a:ln>
-            <a:solidFill>
-              <a:schemeClr val="accent1"/>
-            </a:solidFill>
-          </a:ln>
-        </p:spPr>
-        <p:style>
-          <a:lnRef idx="2">
-            <a:schemeClr val="accent1">
-              <a:shade val="15000"/>
-            </a:schemeClr>
-          </a:lnRef>
-          <a:fillRef idx="1">
-            <a:schemeClr val="accent1"/>
-          </a:fillRef>
-          <a:effectRef idx="0">
-            <a:schemeClr val="accent1"/>
-          </a:effectRef>
-          <a:fontRef idx="minor">
-            <a:schemeClr val="lt1"/>
-          </a:fontRef>
-        </p:style>
-        <p:txBody>
-          <a:bodyPr rtlCol="0" anchor="ctr"/>
-          <a:lstStyle/>
-          <a:p>
-            <a:pPr algn="ctr"/>
-            <a:endParaRPr lang="en-US" sz="1400" dirty="0">
-              <a:solidFill>
-                <a:schemeClr val="tx1"/>
-              </a:solidFill>
-            </a:endParaRPr>
-          </a:p>
-        </p:txBody>
-      </p:sp>
-      <p:sp>
-        <p:nvSpPr>
           <p:cNvPr id="3" name="TextBox 2">
             <a:extLst>
               <a:ext uri="{FF2B5EF4-FFF2-40B4-BE49-F238E27FC236}">
@@ -4994,7 +4938,7 @@
       </p:sp>
       <p:sp>
         <p:nvSpPr>
-          <p:cNvPr id="8" name="Rectangle: Rounded Corners 7">
+          <p:cNvPr id="8" name="Rectangle 7">
             <a:extLst>
               <a:ext uri="{FF2B5EF4-FFF2-40B4-BE49-F238E27FC236}">
                 <a16:creationId xmlns:a16="http://schemas.microsoft.com/office/drawing/2014/main" id="{FE93DC73-CA31-C741-CB80-BE89A339FB03}"/>
@@ -5009,20 +4953,21 @@
             <a:off x="3860371" y="2432560"/>
             <a:ext cx="1062711" cy="461174"/>
           </a:xfrm>
-          <a:prstGeom prst="roundRect">
-            <a:avLst>
-              <a:gd name="adj" fmla="val 17092"/>
-            </a:avLst>
+          <a:prstGeom prst="rect">
+            <a:avLst/>
           </a:prstGeom>
           <a:solidFill>
-            <a:schemeClr val="tx2">
-              <a:lumMod val="10000"/>
-              <a:lumOff val="90000"/>
+            <a:schemeClr val="accent1">
+              <a:lumMod val="20000"/>
+              <a:lumOff val="80000"/>
             </a:schemeClr>
           </a:solidFill>
           <a:ln w="19050">
             <a:solidFill>
-              <a:schemeClr val="accent1"/>
+              <a:schemeClr val="tx2">
+                <a:lumMod val="50000"/>
+                <a:lumOff val="50000"/>
+              </a:schemeClr>
             </a:solidFill>
           </a:ln>
         </p:spPr>
@@ -5653,20 +5598,23 @@
           </p:cNvPr>
           <p:cNvCxnSpPr>
             <a:cxnSpLocks/>
-            <a:stCxn id="35" idx="2"/>
-            <a:endCxn id="8" idx="0"/>
+            <a:stCxn id="48" idx="0"/>
+            <a:endCxn id="8" idx="2"/>
           </p:cNvCxnSpPr>
           <p:nvPr/>
         </p:nvCxnSpPr>
         <p:spPr>
-          <a:xfrm>
-            <a:off x="4391727" y="2219538"/>
-            <a:ext cx="0" cy="213022"/>
+          <a:xfrm flipH="1" flipV="1">
+            <a:off x="4391727" y="2893734"/>
+            <a:ext cx="3122" cy="162389"/>
           </a:xfrm>
           <a:prstGeom prst="straightConnector1">
             <a:avLst/>
           </a:prstGeom>
           <a:ln>
+            <a:solidFill>
+              <a:srgbClr val="00B050"/>
+            </a:solidFill>
             <a:tailEnd type="triangle"/>
           </a:ln>
         </p:spPr>
@@ -5694,18 +5642,28 @@
               </a:ext>
             </a:extLst>
           </p:cNvPr>
-          <p:cNvCxnSpPr/>
+          <p:cNvCxnSpPr>
+            <a:cxnSpLocks/>
+            <a:stCxn id="8" idx="0"/>
+            <a:endCxn id="52" idx="2"/>
+          </p:cNvCxnSpPr>
           <p:nvPr/>
         </p:nvCxnSpPr>
         <p:spPr>
-          <a:xfrm>
-            <a:off x="4391727" y="2893734"/>
-            <a:ext cx="1" cy="165901"/>
+          <a:xfrm flipH="1" flipV="1">
+            <a:off x="4389777" y="2233964"/>
+            <a:ext cx="1950" cy="198596"/>
           </a:xfrm>
           <a:prstGeom prst="straightConnector1">
             <a:avLst/>
           </a:prstGeom>
           <a:ln>
+            <a:solidFill>
+              <a:schemeClr val="tx2">
+                <a:lumMod val="50000"/>
+                <a:lumOff val="50000"/>
+              </a:schemeClr>
+            </a:solidFill>
             <a:tailEnd type="triangle"/>
           </a:ln>
         </p:spPr>
@@ -5911,555 +5869,9 @@
           </a:p>
         </p:txBody>
       </p:sp>
-      <mc:AlternateContent xmlns:mc="http://schemas.openxmlformats.org/markup-compatibility/2006">
-        <mc:Choice xmlns:a14="http://schemas.microsoft.com/office/drawing/2010/main" Requires="a14">
-          <p:sp>
-            <p:nvSpPr>
-              <p:cNvPr id="24" name="Rectangle 23">
-                <a:extLst>
-                  <a:ext uri="{FF2B5EF4-FFF2-40B4-BE49-F238E27FC236}">
-                    <a16:creationId xmlns:a16="http://schemas.microsoft.com/office/drawing/2014/main" id="{B79FDC1C-E794-0FA3-E8B9-E3A01D335F15}"/>
-                  </a:ext>
-                </a:extLst>
-              </p:cNvPr>
-              <p:cNvSpPr/>
-              <p:nvPr/>
-            </p:nvSpPr>
-            <p:spPr>
-              <a:xfrm>
-                <a:off x="4031439" y="1410086"/>
-                <a:ext cx="720961" cy="237561"/>
-              </a:xfrm>
-              <a:prstGeom prst="rect">
-                <a:avLst/>
-              </a:prstGeom>
-              <a:solidFill>
-                <a:schemeClr val="accent1">
-                  <a:lumMod val="20000"/>
-                  <a:lumOff val="80000"/>
-                </a:schemeClr>
-              </a:solidFill>
-              <a:ln>
-                <a:solidFill>
-                  <a:schemeClr val="accent1"/>
-                </a:solidFill>
-              </a:ln>
-            </p:spPr>
-            <p:style>
-              <a:lnRef idx="2">
-                <a:schemeClr val="accent1">
-                  <a:shade val="15000"/>
-                </a:schemeClr>
-              </a:lnRef>
-              <a:fillRef idx="1">
-                <a:schemeClr val="accent1"/>
-              </a:fillRef>
-              <a:effectRef idx="0">
-                <a:schemeClr val="accent1"/>
-              </a:effectRef>
-              <a:fontRef idx="minor">
-                <a:schemeClr val="lt1"/>
-              </a:fontRef>
-            </p:style>
-            <p:txBody>
-              <a:bodyPr rtlCol="0" anchor="ctr"/>
-              <a:lstStyle/>
-              <a:p>
-                <a:pPr algn="ctr"/>
-                <a14:m>
-                  <m:oMathPara xmlns:m="http://schemas.openxmlformats.org/officeDocument/2006/math">
-                    <m:oMathParaPr>
-                      <m:jc m:val="centerGroup"/>
-                    </m:oMathParaPr>
-                    <m:oMath xmlns:m="http://schemas.openxmlformats.org/officeDocument/2006/math">
-                      <m:r>
-                        <a:rPr lang="en-US" sz="1400" i="1" dirty="0" smtClean="0">
-                          <a:solidFill>
-                            <a:schemeClr val="tx1"/>
-                          </a:solidFill>
-                          <a:latin typeface="Cambria Math" panose="02040503050406030204" pitchFamily="18" charset="0"/>
-                        </a:rPr>
-                        <m:t>𝑖</m:t>
-                      </m:r>
-                      <m:r>
-                        <a:rPr lang="en-US" sz="1400" i="1" dirty="0" smtClean="0">
-                          <a:solidFill>
-                            <a:schemeClr val="tx1"/>
-                          </a:solidFill>
-                          <a:latin typeface="Cambria Math" panose="02040503050406030204" pitchFamily="18" charset="0"/>
-                        </a:rPr>
-                        <m:t>−2</m:t>
-                      </m:r>
-                    </m:oMath>
-                  </m:oMathPara>
-                </a14:m>
-                <a:endParaRPr lang="en-US" sz="1400" dirty="0">
-                  <a:solidFill>
-                    <a:schemeClr val="tx1"/>
-                  </a:solidFill>
-                </a:endParaRPr>
-              </a:p>
-            </p:txBody>
-          </p:sp>
-        </mc:Choice>
-        <mc:Fallback>
-          <p:sp>
-            <p:nvSpPr>
-              <p:cNvPr id="24" name="Rectangle 23">
-                <a:extLst>
-                  <a:ext uri="{FF2B5EF4-FFF2-40B4-BE49-F238E27FC236}">
-                    <a16:creationId xmlns:a16="http://schemas.microsoft.com/office/drawing/2014/main" id="{B79FDC1C-E794-0FA3-E8B9-E3A01D335F15}"/>
-                  </a:ext>
-                </a:extLst>
-              </p:cNvPr>
-              <p:cNvSpPr>
-                <a:spLocks noRot="1" noChangeAspect="1" noMove="1" noResize="1" noEditPoints="1" noAdjustHandles="1" noChangeArrowheads="1" noChangeShapeType="1" noTextEdit="1"/>
-              </p:cNvSpPr>
-              <p:nvPr/>
-            </p:nvSpPr>
-            <p:spPr>
-              <a:xfrm>
-                <a:off x="4031439" y="1410086"/>
-                <a:ext cx="720961" cy="237561"/>
-              </a:xfrm>
-              <a:prstGeom prst="rect">
-                <a:avLst/>
-              </a:prstGeom>
-              <a:blipFill>
-                <a:blip r:embed="rId2"/>
-                <a:stretch>
-                  <a:fillRect/>
-                </a:stretch>
-              </a:blipFill>
-              <a:ln>
-                <a:solidFill>
-                  <a:schemeClr val="accent1"/>
-                </a:solidFill>
-              </a:ln>
-            </p:spPr>
-            <p:txBody>
-              <a:bodyPr/>
-              <a:lstStyle/>
-              <a:p>
-                <a:r>
-                  <a:rPr lang="en-US">
-                    <a:noFill/>
-                  </a:rPr>
-                  <a:t> </a:t>
-                </a:r>
-              </a:p>
-            </p:txBody>
-          </p:sp>
-        </mc:Fallback>
-      </mc:AlternateContent>
-      <mc:AlternateContent xmlns:mc="http://schemas.openxmlformats.org/markup-compatibility/2006">
-        <mc:Choice xmlns:a14="http://schemas.microsoft.com/office/drawing/2010/main" Requires="a14">
-          <p:sp>
-            <p:nvSpPr>
-              <p:cNvPr id="32" name="Rectangle 31">
-                <a:extLst>
-                  <a:ext uri="{FF2B5EF4-FFF2-40B4-BE49-F238E27FC236}">
-                    <a16:creationId xmlns:a16="http://schemas.microsoft.com/office/drawing/2014/main" id="{E6650403-4618-108C-E958-987C3993EC88}"/>
-                  </a:ext>
-                </a:extLst>
-              </p:cNvPr>
-              <p:cNvSpPr/>
-              <p:nvPr/>
-            </p:nvSpPr>
-            <p:spPr>
-              <a:xfrm>
-                <a:off x="4031247" y="1696032"/>
-                <a:ext cx="720961" cy="237560"/>
-              </a:xfrm>
-              <a:prstGeom prst="rect">
-                <a:avLst/>
-              </a:prstGeom>
-              <a:solidFill>
-                <a:schemeClr val="accent1">
-                  <a:lumMod val="20000"/>
-                  <a:lumOff val="80000"/>
-                </a:schemeClr>
-              </a:solidFill>
-              <a:ln>
-                <a:solidFill>
-                  <a:schemeClr val="accent1"/>
-                </a:solidFill>
-              </a:ln>
-            </p:spPr>
-            <p:style>
-              <a:lnRef idx="2">
-                <a:schemeClr val="accent1">
-                  <a:shade val="15000"/>
-                </a:schemeClr>
-              </a:lnRef>
-              <a:fillRef idx="1">
-                <a:schemeClr val="accent1"/>
-              </a:fillRef>
-              <a:effectRef idx="0">
-                <a:schemeClr val="accent1"/>
-              </a:effectRef>
-              <a:fontRef idx="minor">
-                <a:schemeClr val="lt1"/>
-              </a:fontRef>
-            </p:style>
-            <p:txBody>
-              <a:bodyPr rtlCol="0" anchor="ctr"/>
-              <a:lstStyle/>
-              <a:p>
-                <a:pPr algn="ctr"/>
-                <a14:m>
-                  <m:oMathPara xmlns:m="http://schemas.openxmlformats.org/officeDocument/2006/math">
-                    <m:oMathParaPr>
-                      <m:jc m:val="centerGroup"/>
-                    </m:oMathParaPr>
-                    <m:oMath xmlns:m="http://schemas.openxmlformats.org/officeDocument/2006/math">
-                      <m:r>
-                        <a:rPr lang="en-US" sz="1400" i="1" dirty="0" smtClean="0">
-                          <a:solidFill>
-                            <a:schemeClr val="tx1"/>
-                          </a:solidFill>
-                          <a:latin typeface="Cambria Math" panose="02040503050406030204" pitchFamily="18" charset="0"/>
-                        </a:rPr>
-                        <m:t>𝑖</m:t>
-                      </m:r>
-                      <m:r>
-                        <a:rPr lang="en-US" sz="1400" i="1" dirty="0" smtClean="0">
-                          <a:solidFill>
-                            <a:schemeClr val="tx1"/>
-                          </a:solidFill>
-                          <a:latin typeface="Cambria Math" panose="02040503050406030204" pitchFamily="18" charset="0"/>
-                        </a:rPr>
-                        <m:t>−1</m:t>
-                      </m:r>
-                    </m:oMath>
-                  </m:oMathPara>
-                </a14:m>
-                <a:endParaRPr lang="en-US" sz="1400" dirty="0">
-                  <a:solidFill>
-                    <a:schemeClr val="tx1"/>
-                  </a:solidFill>
-                </a:endParaRPr>
-              </a:p>
-            </p:txBody>
-          </p:sp>
-        </mc:Choice>
-        <mc:Fallback>
-          <p:sp>
-            <p:nvSpPr>
-              <p:cNvPr id="32" name="Rectangle 31">
-                <a:extLst>
-                  <a:ext uri="{FF2B5EF4-FFF2-40B4-BE49-F238E27FC236}">
-                    <a16:creationId xmlns:a16="http://schemas.microsoft.com/office/drawing/2014/main" id="{E6650403-4618-108C-E958-987C3993EC88}"/>
-                  </a:ext>
-                </a:extLst>
-              </p:cNvPr>
-              <p:cNvSpPr>
-                <a:spLocks noRot="1" noChangeAspect="1" noMove="1" noResize="1" noEditPoints="1" noAdjustHandles="1" noChangeArrowheads="1" noChangeShapeType="1" noTextEdit="1"/>
-              </p:cNvSpPr>
-              <p:nvPr/>
-            </p:nvSpPr>
-            <p:spPr>
-              <a:xfrm>
-                <a:off x="4031247" y="1696032"/>
-                <a:ext cx="720961" cy="237560"/>
-              </a:xfrm>
-              <a:prstGeom prst="rect">
-                <a:avLst/>
-              </a:prstGeom>
-              <a:blipFill>
-                <a:blip r:embed="rId3"/>
-                <a:stretch>
-                  <a:fillRect/>
-                </a:stretch>
-              </a:blipFill>
-              <a:ln>
-                <a:solidFill>
-                  <a:schemeClr val="accent1"/>
-                </a:solidFill>
-              </a:ln>
-            </p:spPr>
-            <p:txBody>
-              <a:bodyPr/>
-              <a:lstStyle/>
-              <a:p>
-                <a:r>
-                  <a:rPr lang="en-US">
-                    <a:noFill/>
-                  </a:rPr>
-                  <a:t> </a:t>
-                </a:r>
-              </a:p>
-            </p:txBody>
-          </p:sp>
-        </mc:Fallback>
-      </mc:AlternateContent>
-      <mc:AlternateContent xmlns:mc="http://schemas.openxmlformats.org/markup-compatibility/2006">
-        <mc:Choice xmlns:a14="http://schemas.microsoft.com/office/drawing/2010/main" Requires="a14">
-          <p:sp>
-            <p:nvSpPr>
-              <p:cNvPr id="35" name="Rectangle 34">
-                <a:extLst>
-                  <a:ext uri="{FF2B5EF4-FFF2-40B4-BE49-F238E27FC236}">
-                    <a16:creationId xmlns:a16="http://schemas.microsoft.com/office/drawing/2014/main" id="{55E06E8B-9ADC-3BAD-29D6-0FC39C3F6E4F}"/>
-                  </a:ext>
-                </a:extLst>
-              </p:cNvPr>
-              <p:cNvSpPr/>
-              <p:nvPr/>
-            </p:nvSpPr>
-            <p:spPr>
-              <a:xfrm>
-                <a:off x="4031247" y="1981978"/>
-                <a:ext cx="720960" cy="237560"/>
-              </a:xfrm>
-              <a:prstGeom prst="rect">
-                <a:avLst/>
-              </a:prstGeom>
-              <a:solidFill>
-                <a:schemeClr val="accent1">
-                  <a:lumMod val="20000"/>
-                  <a:lumOff val="80000"/>
-                </a:schemeClr>
-              </a:solidFill>
-              <a:ln>
-                <a:solidFill>
-                  <a:schemeClr val="accent1"/>
-                </a:solidFill>
-              </a:ln>
-            </p:spPr>
-            <p:style>
-              <a:lnRef idx="2">
-                <a:schemeClr val="accent1">
-                  <a:shade val="15000"/>
-                </a:schemeClr>
-              </a:lnRef>
-              <a:fillRef idx="1">
-                <a:schemeClr val="accent1"/>
-              </a:fillRef>
-              <a:effectRef idx="0">
-                <a:schemeClr val="accent1"/>
-              </a:effectRef>
-              <a:fontRef idx="minor">
-                <a:schemeClr val="lt1"/>
-              </a:fontRef>
-            </p:style>
-            <p:txBody>
-              <a:bodyPr rtlCol="0" anchor="ctr"/>
-              <a:lstStyle/>
-              <a:p>
-                <a:pPr algn="ctr"/>
-                <a14:m>
-                  <m:oMathPara xmlns:m="http://schemas.openxmlformats.org/officeDocument/2006/math">
-                    <m:oMathParaPr>
-                      <m:jc m:val="centerGroup"/>
-                    </m:oMathParaPr>
-                    <m:oMath xmlns:m="http://schemas.openxmlformats.org/officeDocument/2006/math">
-                      <m:r>
-                        <a:rPr lang="en-US" sz="1400" i="1" dirty="0" smtClean="0">
-                          <a:solidFill>
-                            <a:schemeClr val="tx1"/>
-                          </a:solidFill>
-                          <a:latin typeface="Cambria Math" panose="02040503050406030204" pitchFamily="18" charset="0"/>
-                        </a:rPr>
-                        <m:t>𝑖</m:t>
-                      </m:r>
-                    </m:oMath>
-                  </m:oMathPara>
-                </a14:m>
-                <a:endParaRPr lang="en-US" sz="1400" dirty="0">
-                  <a:solidFill>
-                    <a:schemeClr val="tx1"/>
-                  </a:solidFill>
-                </a:endParaRPr>
-              </a:p>
-            </p:txBody>
-          </p:sp>
-        </mc:Choice>
-        <mc:Fallback>
-          <p:sp>
-            <p:nvSpPr>
-              <p:cNvPr id="35" name="Rectangle 34">
-                <a:extLst>
-                  <a:ext uri="{FF2B5EF4-FFF2-40B4-BE49-F238E27FC236}">
-                    <a16:creationId xmlns:a16="http://schemas.microsoft.com/office/drawing/2014/main" id="{55E06E8B-9ADC-3BAD-29D6-0FC39C3F6E4F}"/>
-                  </a:ext>
-                </a:extLst>
-              </p:cNvPr>
-              <p:cNvSpPr>
-                <a:spLocks noRot="1" noChangeAspect="1" noMove="1" noResize="1" noEditPoints="1" noAdjustHandles="1" noChangeArrowheads="1" noChangeShapeType="1" noTextEdit="1"/>
-              </p:cNvSpPr>
-              <p:nvPr/>
-            </p:nvSpPr>
-            <p:spPr>
-              <a:xfrm>
-                <a:off x="4031247" y="1981978"/>
-                <a:ext cx="720960" cy="237560"/>
-              </a:xfrm>
-              <a:prstGeom prst="rect">
-                <a:avLst/>
-              </a:prstGeom>
-              <a:blipFill>
-                <a:blip r:embed="rId4"/>
-                <a:stretch>
-                  <a:fillRect/>
-                </a:stretch>
-              </a:blipFill>
-              <a:ln>
-                <a:solidFill>
-                  <a:schemeClr val="accent1"/>
-                </a:solidFill>
-              </a:ln>
-            </p:spPr>
-            <p:txBody>
-              <a:bodyPr/>
-              <a:lstStyle/>
-              <a:p>
-                <a:r>
-                  <a:rPr lang="en-US">
-                    <a:noFill/>
-                  </a:rPr>
-                  <a:t> </a:t>
-                </a:r>
-              </a:p>
-            </p:txBody>
-          </p:sp>
-        </mc:Fallback>
-      </mc:AlternateContent>
-      <mc:AlternateContent xmlns:mc="http://schemas.openxmlformats.org/markup-compatibility/2006">
-        <mc:Choice xmlns:a14="http://schemas.microsoft.com/office/drawing/2010/main" Requires="a14">
-          <p:sp>
-            <p:nvSpPr>
-              <p:cNvPr id="38" name="Rectangle 37">
-                <a:extLst>
-                  <a:ext uri="{FF2B5EF4-FFF2-40B4-BE49-F238E27FC236}">
-                    <a16:creationId xmlns:a16="http://schemas.microsoft.com/office/drawing/2014/main" id="{13AD4670-81AF-D669-02D8-2A954A2219E0}"/>
-                  </a:ext>
-                </a:extLst>
-              </p:cNvPr>
-              <p:cNvSpPr/>
-              <p:nvPr/>
-            </p:nvSpPr>
-            <p:spPr>
-              <a:xfrm>
-                <a:off x="4031247" y="3541096"/>
-                <a:ext cx="720958" cy="237559"/>
-              </a:xfrm>
-              <a:prstGeom prst="rect">
-                <a:avLst/>
-              </a:prstGeom>
-              <a:solidFill>
-                <a:schemeClr val="accent2">
-                  <a:lumMod val="20000"/>
-                  <a:lumOff val="80000"/>
-                </a:schemeClr>
-              </a:solidFill>
-              <a:ln>
-                <a:solidFill>
-                  <a:schemeClr val="accent2"/>
-                </a:solidFill>
-              </a:ln>
-            </p:spPr>
-            <p:style>
-              <a:lnRef idx="2">
-                <a:schemeClr val="accent1">
-                  <a:shade val="15000"/>
-                </a:schemeClr>
-              </a:lnRef>
-              <a:fillRef idx="1">
-                <a:schemeClr val="accent1"/>
-              </a:fillRef>
-              <a:effectRef idx="0">
-                <a:schemeClr val="accent1"/>
-              </a:effectRef>
-              <a:fontRef idx="minor">
-                <a:schemeClr val="lt1"/>
-              </a:fontRef>
-            </p:style>
-            <p:txBody>
-              <a:bodyPr rtlCol="0" anchor="ctr"/>
-              <a:lstStyle/>
-              <a:p>
-                <a:pPr algn="ctr"/>
-                <a14:m>
-                  <m:oMathPara xmlns:m="http://schemas.openxmlformats.org/officeDocument/2006/math">
-                    <m:oMathParaPr>
-                      <m:jc m:val="centerGroup"/>
-                    </m:oMathParaPr>
-                    <m:oMath xmlns:m="http://schemas.openxmlformats.org/officeDocument/2006/math">
-                      <m:r>
-                        <a:rPr lang="en-US" sz="1400" i="1" dirty="0" smtClean="0">
-                          <a:solidFill>
-                            <a:schemeClr val="tx1"/>
-                          </a:solidFill>
-                          <a:latin typeface="Cambria Math" panose="02040503050406030204" pitchFamily="18" charset="0"/>
-                        </a:rPr>
-                        <m:t>𝑖</m:t>
-                      </m:r>
-                    </m:oMath>
-                  </m:oMathPara>
-                </a14:m>
-                <a:endParaRPr lang="en-US" sz="1400" dirty="0">
-                  <a:solidFill>
-                    <a:schemeClr val="tx1"/>
-                  </a:solidFill>
-                </a:endParaRPr>
-              </a:p>
-            </p:txBody>
-          </p:sp>
-        </mc:Choice>
-        <mc:Fallback>
-          <p:sp>
-            <p:nvSpPr>
-              <p:cNvPr id="38" name="Rectangle 37">
-                <a:extLst>
-                  <a:ext uri="{FF2B5EF4-FFF2-40B4-BE49-F238E27FC236}">
-                    <a16:creationId xmlns:a16="http://schemas.microsoft.com/office/drawing/2014/main" id="{13AD4670-81AF-D669-02D8-2A954A2219E0}"/>
-                  </a:ext>
-                </a:extLst>
-              </p:cNvPr>
-              <p:cNvSpPr>
-                <a:spLocks noRot="1" noChangeAspect="1" noMove="1" noResize="1" noEditPoints="1" noAdjustHandles="1" noChangeArrowheads="1" noChangeShapeType="1" noTextEdit="1"/>
-              </p:cNvSpPr>
-              <p:nvPr/>
-            </p:nvSpPr>
-            <p:spPr>
-              <a:xfrm>
-                <a:off x="4031247" y="3541096"/>
-                <a:ext cx="720958" cy="237559"/>
-              </a:xfrm>
-              <a:prstGeom prst="rect">
-                <a:avLst/>
-              </a:prstGeom>
-              <a:blipFill>
-                <a:blip r:embed="rId5"/>
-                <a:stretch>
-                  <a:fillRect/>
-                </a:stretch>
-              </a:blipFill>
-              <a:ln>
-                <a:solidFill>
-                  <a:schemeClr val="accent2"/>
-                </a:solidFill>
-              </a:ln>
-            </p:spPr>
-            <p:txBody>
-              <a:bodyPr/>
-              <a:lstStyle/>
-              <a:p>
-                <a:r>
-                  <a:rPr lang="en-US">
-                    <a:noFill/>
-                  </a:rPr>
-                  <a:t> </a:t>
-                </a:r>
-              </a:p>
-            </p:txBody>
-          </p:sp>
-        </mc:Fallback>
-      </mc:AlternateContent>
       <p:sp>
         <p:nvSpPr>
-          <p:cNvPr id="42" name="Rectangle: Rounded Corners 41">
+          <p:cNvPr id="42" name="Rectangle 41">
             <a:extLst>
               <a:ext uri="{FF2B5EF4-FFF2-40B4-BE49-F238E27FC236}">
                 <a16:creationId xmlns:a16="http://schemas.microsoft.com/office/drawing/2014/main" id="{3BE7C4F5-BDC0-56F4-2C7A-8650FDF1C385}"/>
@@ -6474,20 +5886,21 @@
             <a:off x="5033289" y="2432560"/>
             <a:ext cx="1062711" cy="461174"/>
           </a:xfrm>
-          <a:prstGeom prst="roundRect">
-            <a:avLst>
-              <a:gd name="adj" fmla="val 17092"/>
-            </a:avLst>
+          <a:prstGeom prst="rect">
+            <a:avLst/>
           </a:prstGeom>
           <a:solidFill>
-            <a:schemeClr val="tx2">
-              <a:lumMod val="10000"/>
-              <a:lumOff val="90000"/>
+            <a:schemeClr val="accent1">
+              <a:lumMod val="20000"/>
+              <a:lumOff val="80000"/>
             </a:schemeClr>
           </a:solidFill>
           <a:ln w="19050">
             <a:solidFill>
-              <a:schemeClr val="accent1"/>
+              <a:schemeClr val="tx2">
+                <a:lumMod val="50000"/>
+                <a:lumOff val="50000"/>
+              </a:schemeClr>
             </a:solidFill>
           </a:ln>
         </p:spPr>
@@ -6534,20 +5947,23 @@
           </p:cNvPr>
           <p:cNvCxnSpPr>
             <a:cxnSpLocks/>
-            <a:stCxn id="45" idx="2"/>
-            <a:endCxn id="42" idx="0"/>
+            <a:stCxn id="93" idx="0"/>
+            <a:endCxn id="42" idx="2"/>
           </p:cNvCxnSpPr>
           <p:nvPr/>
         </p:nvCxnSpPr>
         <p:spPr>
-          <a:xfrm>
-            <a:off x="5564645" y="2219538"/>
-            <a:ext cx="0" cy="213022"/>
+          <a:xfrm flipH="1" flipV="1">
+            <a:off x="5564645" y="2893734"/>
+            <a:ext cx="2186" cy="152286"/>
           </a:xfrm>
           <a:prstGeom prst="straightConnector1">
             <a:avLst/>
           </a:prstGeom>
           <a:ln>
+            <a:solidFill>
+              <a:srgbClr val="00B050"/>
+            </a:solidFill>
             <a:tailEnd type="triangle"/>
           </a:ln>
         </p:spPr>
@@ -6575,18 +5991,28 @@
               </a:ext>
             </a:extLst>
           </p:cNvPr>
-          <p:cNvCxnSpPr/>
+          <p:cNvCxnSpPr>
+            <a:cxnSpLocks/>
+            <a:stCxn id="42" idx="0"/>
+            <a:endCxn id="55" idx="2"/>
+          </p:cNvCxnSpPr>
           <p:nvPr/>
         </p:nvCxnSpPr>
         <p:spPr>
-          <a:xfrm>
-            <a:off x="5564645" y="2893734"/>
-            <a:ext cx="1" cy="165901"/>
+          <a:xfrm flipV="1">
+            <a:off x="5564645" y="2234548"/>
+            <a:ext cx="1358" cy="198012"/>
           </a:xfrm>
           <a:prstGeom prst="straightConnector1">
             <a:avLst/>
           </a:prstGeom>
           <a:ln>
+            <a:solidFill>
+              <a:schemeClr val="tx2">
+                <a:lumMod val="50000"/>
+                <a:lumOff val="50000"/>
+              </a:schemeClr>
+            </a:solidFill>
             <a:tailEnd type="triangle"/>
           </a:ln>
         </p:spPr>
@@ -6605,582 +6031,1277 @@
           </a:fontRef>
         </p:style>
       </p:cxnSp>
-      <mc:AlternateContent xmlns:mc="http://schemas.openxmlformats.org/markup-compatibility/2006">
-        <mc:Choice xmlns:a14="http://schemas.microsoft.com/office/drawing/2010/main" Requires="a14">
-          <p:sp>
-            <p:nvSpPr>
-              <p:cNvPr id="45" name="Rectangle 44">
-                <a:extLst>
-                  <a:ext uri="{FF2B5EF4-FFF2-40B4-BE49-F238E27FC236}">
-                    <a16:creationId xmlns:a16="http://schemas.microsoft.com/office/drawing/2014/main" id="{790AC41F-53AF-3E6E-30B6-6E6600C3E6F3}"/>
-                  </a:ext>
-                </a:extLst>
-              </p:cNvPr>
-              <p:cNvSpPr/>
-              <p:nvPr/>
-            </p:nvSpPr>
-            <p:spPr>
-              <a:xfrm>
-                <a:off x="5204165" y="1981978"/>
-                <a:ext cx="720960" cy="237560"/>
-              </a:xfrm>
-              <a:prstGeom prst="rect">
-                <a:avLst/>
-              </a:prstGeom>
+      <p:grpSp>
+        <p:nvGrpSpPr>
+          <p:cNvPr id="76" name="Group 75">
+            <a:extLst>
+              <a:ext uri="{FF2B5EF4-FFF2-40B4-BE49-F238E27FC236}">
+                <a16:creationId xmlns:a16="http://schemas.microsoft.com/office/drawing/2014/main" id="{AC25FF7E-3998-1397-40D3-3B14EF233DDC}"/>
+              </a:ext>
+            </a:extLst>
+          </p:cNvPr>
+          <p:cNvGrpSpPr/>
+          <p:nvPr/>
+        </p:nvGrpSpPr>
+        <p:grpSpPr>
+          <a:xfrm>
+            <a:off x="3973386" y="3056123"/>
+            <a:ext cx="835306" cy="1406951"/>
+            <a:chOff x="3975017" y="874948"/>
+            <a:chExt cx="835306" cy="1406951"/>
+          </a:xfrm>
+        </p:grpSpPr>
+        <p:sp>
+          <p:nvSpPr>
+            <p:cNvPr id="47" name="Rectangle 46">
+              <a:extLst>
+                <a:ext uri="{FF2B5EF4-FFF2-40B4-BE49-F238E27FC236}">
+                  <a16:creationId xmlns:a16="http://schemas.microsoft.com/office/drawing/2014/main" id="{DF3C6BD3-D3BD-F560-D277-9AC3515674E0}"/>
+                </a:ext>
+              </a:extLst>
+            </p:cNvPr>
+            <p:cNvSpPr/>
+            <p:nvPr/>
+          </p:nvSpPr>
+          <p:spPr>
+            <a:xfrm>
+              <a:off x="3975017" y="874948"/>
+              <a:ext cx="824968" cy="1406951"/>
+            </a:xfrm>
+            <a:prstGeom prst="rect">
+              <a:avLst/>
+            </a:prstGeom>
+            <a:noFill/>
+            <a:ln>
               <a:solidFill>
-                <a:schemeClr val="accent1">
-                  <a:lumMod val="20000"/>
-                  <a:lumOff val="80000"/>
-                </a:schemeClr>
+                <a:srgbClr val="00B050"/>
               </a:solidFill>
-              <a:ln>
+            </a:ln>
+          </p:spPr>
+          <p:style>
+            <a:lnRef idx="2">
+              <a:schemeClr val="accent1">
+                <a:shade val="15000"/>
+              </a:schemeClr>
+            </a:lnRef>
+            <a:fillRef idx="1">
+              <a:schemeClr val="accent1"/>
+            </a:fillRef>
+            <a:effectRef idx="0">
+              <a:schemeClr val="accent1"/>
+            </a:effectRef>
+            <a:fontRef idx="minor">
+              <a:schemeClr val="lt1"/>
+            </a:fontRef>
+          </p:style>
+          <p:txBody>
+            <a:bodyPr rtlCol="0" anchor="ctr"/>
+            <a:lstStyle/>
+            <a:p>
+              <a:pPr algn="ctr"/>
+              <a:endParaRPr lang="en-US" sz="1400" dirty="0">
                 <a:solidFill>
+                  <a:schemeClr val="tx1"/>
+                </a:solidFill>
+              </a:endParaRPr>
+            </a:p>
+          </p:txBody>
+        </p:sp>
+        <mc:AlternateContent xmlns:mc="http://schemas.openxmlformats.org/markup-compatibility/2006">
+          <mc:Choice xmlns:a14="http://schemas.microsoft.com/office/drawing/2010/main" Requires="a14">
+            <p:sp>
+              <p:nvSpPr>
+                <p:cNvPr id="24" name="Rectangle 23">
+                  <a:extLst>
+                    <a:ext uri="{FF2B5EF4-FFF2-40B4-BE49-F238E27FC236}">
+                      <a16:creationId xmlns:a16="http://schemas.microsoft.com/office/drawing/2014/main" id="{B79FDC1C-E794-0FA3-E8B9-E3A01D335F15}"/>
+                    </a:ext>
+                  </a:extLst>
+                </p:cNvPr>
+                <p:cNvSpPr/>
+                <p:nvPr/>
+              </p:nvSpPr>
+              <p:spPr>
+                <a:xfrm>
+                  <a:off x="4031439" y="1410086"/>
+                  <a:ext cx="720961" cy="237561"/>
+                </a:xfrm>
+                <a:prstGeom prst="rect">
+                  <a:avLst/>
+                </a:prstGeom>
+                <a:solidFill>
+                  <a:schemeClr val="accent3">
+                    <a:lumMod val="20000"/>
+                    <a:lumOff val="80000"/>
+                  </a:schemeClr>
+                </a:solidFill>
+                <a:ln>
+                  <a:solidFill>
+                    <a:srgbClr val="00B050"/>
+                  </a:solidFill>
+                </a:ln>
+              </p:spPr>
+              <p:style>
+                <a:lnRef idx="2">
+                  <a:schemeClr val="accent1">
+                    <a:shade val="15000"/>
+                  </a:schemeClr>
+                </a:lnRef>
+                <a:fillRef idx="1">
                   <a:schemeClr val="accent1"/>
+                </a:fillRef>
+                <a:effectRef idx="0">
+                  <a:schemeClr val="accent1"/>
+                </a:effectRef>
+                <a:fontRef idx="minor">
+                  <a:schemeClr val="lt1"/>
+                </a:fontRef>
+              </p:style>
+              <p:txBody>
+                <a:bodyPr rtlCol="0" anchor="ctr"/>
+                <a:lstStyle/>
+                <a:p>
+                  <a:pPr algn="ctr"/>
+                  <a14:m>
+                    <m:oMathPara xmlns:m="http://schemas.openxmlformats.org/officeDocument/2006/math">
+                      <m:oMathParaPr>
+                        <m:jc m:val="centerGroup"/>
+                      </m:oMathParaPr>
+                      <m:oMath xmlns:m="http://schemas.openxmlformats.org/officeDocument/2006/math">
+                        <m:r>
+                          <a:rPr lang="en-US" sz="1400" i="1" dirty="0" smtClean="0">
+                            <a:solidFill>
+                              <a:schemeClr val="tx1"/>
+                            </a:solidFill>
+                            <a:latin typeface="Cambria Math" panose="02040503050406030204" pitchFamily="18" charset="0"/>
+                          </a:rPr>
+                          <m:t>𝑖</m:t>
+                        </m:r>
+                        <m:r>
+                          <a:rPr lang="en-US" sz="1400" i="1" dirty="0" smtClean="0">
+                            <a:solidFill>
+                              <a:schemeClr val="tx1"/>
+                            </a:solidFill>
+                            <a:latin typeface="Cambria Math" panose="02040503050406030204" pitchFamily="18" charset="0"/>
+                          </a:rPr>
+                          <m:t>−2</m:t>
+                        </m:r>
+                      </m:oMath>
+                    </m:oMathPara>
+                  </a14:m>
+                  <a:endParaRPr lang="en-US" sz="1400" dirty="0">
+                    <a:solidFill>
+                      <a:schemeClr val="tx1"/>
+                    </a:solidFill>
+                  </a:endParaRPr>
+                </a:p>
+              </p:txBody>
+            </p:sp>
+          </mc:Choice>
+          <mc:Fallback>
+            <p:sp>
+              <p:nvSpPr>
+                <p:cNvPr id="24" name="Rectangle 23">
+                  <a:extLst>
+                    <a:ext uri="{FF2B5EF4-FFF2-40B4-BE49-F238E27FC236}">
+                      <a16:creationId xmlns:a16="http://schemas.microsoft.com/office/drawing/2014/main" id="{B79FDC1C-E794-0FA3-E8B9-E3A01D335F15}"/>
+                    </a:ext>
+                  </a:extLst>
+                </p:cNvPr>
+                <p:cNvSpPr>
+                  <a:spLocks noRot="1" noChangeAspect="1" noMove="1" noResize="1" noEditPoints="1" noAdjustHandles="1" noChangeArrowheads="1" noChangeShapeType="1" noTextEdit="1"/>
+                </p:cNvSpPr>
+                <p:nvPr/>
+              </p:nvSpPr>
+              <p:spPr>
+                <a:xfrm>
+                  <a:off x="4031439" y="1410086"/>
+                  <a:ext cx="720961" cy="237561"/>
+                </a:xfrm>
+                <a:prstGeom prst="rect">
+                  <a:avLst/>
+                </a:prstGeom>
+                <a:blipFill>
+                  <a:blip r:embed="rId2"/>
+                  <a:stretch>
+                    <a:fillRect/>
+                  </a:stretch>
+                </a:blipFill>
+                <a:ln>
+                  <a:solidFill>
+                    <a:srgbClr val="00B050"/>
+                  </a:solidFill>
+                </a:ln>
+              </p:spPr>
+              <p:txBody>
+                <a:bodyPr/>
+                <a:lstStyle/>
+                <a:p>
+                  <a:r>
+                    <a:rPr lang="en-US">
+                      <a:noFill/>
+                    </a:rPr>
+                    <a:t> </a:t>
+                  </a:r>
+                </a:p>
+              </p:txBody>
+            </p:sp>
+          </mc:Fallback>
+        </mc:AlternateContent>
+        <mc:AlternateContent xmlns:mc="http://schemas.openxmlformats.org/markup-compatibility/2006">
+          <mc:Choice xmlns:a14="http://schemas.microsoft.com/office/drawing/2010/main" Requires="a14">
+            <p:sp>
+              <p:nvSpPr>
+                <p:cNvPr id="32" name="Rectangle 31">
+                  <a:extLst>
+                    <a:ext uri="{FF2B5EF4-FFF2-40B4-BE49-F238E27FC236}">
+                      <a16:creationId xmlns:a16="http://schemas.microsoft.com/office/drawing/2014/main" id="{E6650403-4618-108C-E958-987C3993EC88}"/>
+                    </a:ext>
+                  </a:extLst>
+                </p:cNvPr>
+                <p:cNvSpPr/>
+                <p:nvPr/>
+              </p:nvSpPr>
+              <p:spPr>
+                <a:xfrm>
+                  <a:off x="4031247" y="1696032"/>
+                  <a:ext cx="720961" cy="237560"/>
+                </a:xfrm>
+                <a:prstGeom prst="rect">
+                  <a:avLst/>
+                </a:prstGeom>
+                <a:solidFill>
+                  <a:schemeClr val="accent3">
+                    <a:lumMod val="20000"/>
+                    <a:lumOff val="80000"/>
+                  </a:schemeClr>
                 </a:solidFill>
-              </a:ln>
-            </p:spPr>
-            <p:style>
-              <a:lnRef idx="2">
-                <a:schemeClr val="accent1">
-                  <a:shade val="15000"/>
-                </a:schemeClr>
-              </a:lnRef>
-              <a:fillRef idx="1">
-                <a:schemeClr val="accent1"/>
-              </a:fillRef>
-              <a:effectRef idx="0">
-                <a:schemeClr val="accent1"/>
-              </a:effectRef>
-              <a:fontRef idx="minor">
-                <a:schemeClr val="lt1"/>
-              </a:fontRef>
-            </p:style>
-            <p:txBody>
-              <a:bodyPr rtlCol="0" anchor="ctr"/>
-              <a:lstStyle/>
-              <a:p>
-                <a:pPr algn="ctr"/>
-                <a14:m>
-                  <m:oMathPara xmlns:m="http://schemas.openxmlformats.org/officeDocument/2006/math">
-                    <m:oMathParaPr>
-                      <m:jc m:val="centerGroup"/>
-                    </m:oMathParaPr>
-                    <m:oMath xmlns:m="http://schemas.openxmlformats.org/officeDocument/2006/math">
-                      <m:r>
-                        <a:rPr lang="en-US" sz="1400" i="1" dirty="0" smtClean="0">
-                          <a:solidFill>
-                            <a:schemeClr val="tx1"/>
-                          </a:solidFill>
-                          <a:latin typeface="Cambria Math" panose="02040503050406030204" pitchFamily="18" charset="0"/>
-                        </a:rPr>
-                        <m:t>𝑖</m:t>
-                      </m:r>
-                    </m:oMath>
-                  </m:oMathPara>
-                </a14:m>
-                <a:endParaRPr lang="en-US" sz="1400" dirty="0">
+                <a:ln>
                   <a:solidFill>
-                    <a:schemeClr val="tx1"/>
+                    <a:srgbClr val="00B050"/>
                   </a:solidFill>
-                </a:endParaRPr>
-              </a:p>
-            </p:txBody>
-          </p:sp>
-        </mc:Choice>
-        <mc:Fallback>
-          <p:sp>
-            <p:nvSpPr>
-              <p:cNvPr id="45" name="Rectangle 44">
-                <a:extLst>
-                  <a:ext uri="{FF2B5EF4-FFF2-40B4-BE49-F238E27FC236}">
-                    <a16:creationId xmlns:a16="http://schemas.microsoft.com/office/drawing/2014/main" id="{790AC41F-53AF-3E6E-30B6-6E6600C3E6F3}"/>
-                  </a:ext>
-                </a:extLst>
-              </p:cNvPr>
-              <p:cNvSpPr>
-                <a:spLocks noRot="1" noChangeAspect="1" noMove="1" noResize="1" noEditPoints="1" noAdjustHandles="1" noChangeArrowheads="1" noChangeShapeType="1" noTextEdit="1"/>
-              </p:cNvSpPr>
-              <p:nvPr/>
-            </p:nvSpPr>
-            <p:spPr>
-              <a:xfrm>
-                <a:off x="5204165" y="1981978"/>
-                <a:ext cx="720960" cy="237560"/>
-              </a:xfrm>
-              <a:prstGeom prst="rect">
-                <a:avLst/>
-              </a:prstGeom>
-              <a:blipFill>
-                <a:blip r:embed="rId6"/>
-                <a:stretch>
-                  <a:fillRect/>
-                </a:stretch>
-              </a:blipFill>
-              <a:ln>
+                </a:ln>
+              </p:spPr>
+              <p:style>
+                <a:lnRef idx="2">
+                  <a:schemeClr val="accent1">
+                    <a:shade val="15000"/>
+                  </a:schemeClr>
+                </a:lnRef>
+                <a:fillRef idx="1">
+                  <a:schemeClr val="accent1"/>
+                </a:fillRef>
+                <a:effectRef idx="0">
+                  <a:schemeClr val="accent1"/>
+                </a:effectRef>
+                <a:fontRef idx="minor">
+                  <a:schemeClr val="lt1"/>
+                </a:fontRef>
+              </p:style>
+              <p:txBody>
+                <a:bodyPr rtlCol="0" anchor="ctr"/>
+                <a:lstStyle/>
+                <a:p>
+                  <a:pPr algn="ctr"/>
+                  <a14:m>
+                    <m:oMathPara xmlns:m="http://schemas.openxmlformats.org/officeDocument/2006/math">
+                      <m:oMathParaPr>
+                        <m:jc m:val="centerGroup"/>
+                      </m:oMathParaPr>
+                      <m:oMath xmlns:m="http://schemas.openxmlformats.org/officeDocument/2006/math">
+                        <m:r>
+                          <a:rPr lang="en-US" sz="1400" i="1" dirty="0" smtClean="0">
+                            <a:solidFill>
+                              <a:schemeClr val="tx1"/>
+                            </a:solidFill>
+                            <a:latin typeface="Cambria Math" panose="02040503050406030204" pitchFamily="18" charset="0"/>
+                          </a:rPr>
+                          <m:t>𝑖</m:t>
+                        </m:r>
+                        <m:r>
+                          <a:rPr lang="en-US" sz="1400" i="1" dirty="0" smtClean="0">
+                            <a:solidFill>
+                              <a:schemeClr val="tx1"/>
+                            </a:solidFill>
+                            <a:latin typeface="Cambria Math" panose="02040503050406030204" pitchFamily="18" charset="0"/>
+                          </a:rPr>
+                          <m:t>−1</m:t>
+                        </m:r>
+                      </m:oMath>
+                    </m:oMathPara>
+                  </a14:m>
+                  <a:endParaRPr lang="en-US" sz="1400" dirty="0">
+                    <a:solidFill>
+                      <a:schemeClr val="tx1"/>
+                    </a:solidFill>
+                  </a:endParaRPr>
+                </a:p>
+              </p:txBody>
+            </p:sp>
+          </mc:Choice>
+          <mc:Fallback>
+            <p:sp>
+              <p:nvSpPr>
+                <p:cNvPr id="32" name="Rectangle 31">
+                  <a:extLst>
+                    <a:ext uri="{FF2B5EF4-FFF2-40B4-BE49-F238E27FC236}">
+                      <a16:creationId xmlns:a16="http://schemas.microsoft.com/office/drawing/2014/main" id="{E6650403-4618-108C-E958-987C3993EC88}"/>
+                    </a:ext>
+                  </a:extLst>
+                </p:cNvPr>
+                <p:cNvSpPr>
+                  <a:spLocks noRot="1" noChangeAspect="1" noMove="1" noResize="1" noEditPoints="1" noAdjustHandles="1" noChangeArrowheads="1" noChangeShapeType="1" noTextEdit="1"/>
+                </p:cNvSpPr>
+                <p:nvPr/>
+              </p:nvSpPr>
+              <p:spPr>
+                <a:xfrm>
+                  <a:off x="4031247" y="1696032"/>
+                  <a:ext cx="720961" cy="237560"/>
+                </a:xfrm>
+                <a:prstGeom prst="rect">
+                  <a:avLst/>
+                </a:prstGeom>
+                <a:blipFill>
+                  <a:blip r:embed="rId3"/>
+                  <a:stretch>
+                    <a:fillRect/>
+                  </a:stretch>
+                </a:blipFill>
+                <a:ln>
+                  <a:solidFill>
+                    <a:srgbClr val="00B050"/>
+                  </a:solidFill>
+                </a:ln>
+              </p:spPr>
+              <p:txBody>
+                <a:bodyPr/>
+                <a:lstStyle/>
+                <a:p>
+                  <a:r>
+                    <a:rPr lang="en-US">
+                      <a:noFill/>
+                    </a:rPr>
+                    <a:t> </a:t>
+                  </a:r>
+                </a:p>
+              </p:txBody>
+            </p:sp>
+          </mc:Fallback>
+        </mc:AlternateContent>
+        <mc:AlternateContent xmlns:mc="http://schemas.openxmlformats.org/markup-compatibility/2006">
+          <mc:Choice xmlns:a14="http://schemas.microsoft.com/office/drawing/2010/main" Requires="a14">
+            <p:sp>
+              <p:nvSpPr>
+                <p:cNvPr id="35" name="Rectangle 34">
+                  <a:extLst>
+                    <a:ext uri="{FF2B5EF4-FFF2-40B4-BE49-F238E27FC236}">
+                      <a16:creationId xmlns:a16="http://schemas.microsoft.com/office/drawing/2014/main" id="{55E06E8B-9ADC-3BAD-29D6-0FC39C3F6E4F}"/>
+                    </a:ext>
+                  </a:extLst>
+                </p:cNvPr>
+                <p:cNvSpPr/>
+                <p:nvPr/>
+              </p:nvSpPr>
+              <p:spPr>
+                <a:xfrm>
+                  <a:off x="4031247" y="1981978"/>
+                  <a:ext cx="720960" cy="237560"/>
+                </a:xfrm>
+                <a:prstGeom prst="rect">
+                  <a:avLst/>
+                </a:prstGeom>
                 <a:solidFill>
+                  <a:schemeClr val="accent3">
+                    <a:lumMod val="20000"/>
+                    <a:lumOff val="80000"/>
+                  </a:schemeClr>
+                </a:solidFill>
+                <a:ln>
+                  <a:solidFill>
+                    <a:srgbClr val="00B050"/>
+                  </a:solidFill>
+                </a:ln>
+              </p:spPr>
+              <p:style>
+                <a:lnRef idx="2">
+                  <a:schemeClr val="accent1">
+                    <a:shade val="15000"/>
+                  </a:schemeClr>
+                </a:lnRef>
+                <a:fillRef idx="1">
                   <a:schemeClr val="accent1"/>
+                </a:fillRef>
+                <a:effectRef idx="0">
+                  <a:schemeClr val="accent1"/>
+                </a:effectRef>
+                <a:fontRef idx="minor">
+                  <a:schemeClr val="lt1"/>
+                </a:fontRef>
+              </p:style>
+              <p:txBody>
+                <a:bodyPr rtlCol="0" anchor="ctr"/>
+                <a:lstStyle/>
+                <a:p>
+                  <a:pPr algn="ctr"/>
+                  <a14:m>
+                    <m:oMathPara xmlns:m="http://schemas.openxmlformats.org/officeDocument/2006/math">
+                      <m:oMathParaPr>
+                        <m:jc m:val="centerGroup"/>
+                      </m:oMathParaPr>
+                      <m:oMath xmlns:m="http://schemas.openxmlformats.org/officeDocument/2006/math">
+                        <m:r>
+                          <a:rPr lang="en-US" sz="1400" i="1" dirty="0" smtClean="0">
+                            <a:solidFill>
+                              <a:schemeClr val="tx1"/>
+                            </a:solidFill>
+                            <a:latin typeface="Cambria Math" panose="02040503050406030204" pitchFamily="18" charset="0"/>
+                          </a:rPr>
+                          <m:t>𝑖</m:t>
+                        </m:r>
+                      </m:oMath>
+                    </m:oMathPara>
+                  </a14:m>
+                  <a:endParaRPr lang="en-US" sz="1400" dirty="0">
+                    <a:solidFill>
+                      <a:schemeClr val="tx1"/>
+                    </a:solidFill>
+                  </a:endParaRPr>
+                </a:p>
+              </p:txBody>
+            </p:sp>
+          </mc:Choice>
+          <mc:Fallback>
+            <p:sp>
+              <p:nvSpPr>
+                <p:cNvPr id="35" name="Rectangle 34">
+                  <a:extLst>
+                    <a:ext uri="{FF2B5EF4-FFF2-40B4-BE49-F238E27FC236}">
+                      <a16:creationId xmlns:a16="http://schemas.microsoft.com/office/drawing/2014/main" id="{55E06E8B-9ADC-3BAD-29D6-0FC39C3F6E4F}"/>
+                    </a:ext>
+                  </a:extLst>
+                </p:cNvPr>
+                <p:cNvSpPr>
+                  <a:spLocks noRot="1" noChangeAspect="1" noMove="1" noResize="1" noEditPoints="1" noAdjustHandles="1" noChangeArrowheads="1" noChangeShapeType="1" noTextEdit="1"/>
+                </p:cNvSpPr>
+                <p:nvPr/>
+              </p:nvSpPr>
+              <p:spPr>
+                <a:xfrm>
+                  <a:off x="4031247" y="1981978"/>
+                  <a:ext cx="720960" cy="237560"/>
+                </a:xfrm>
+                <a:prstGeom prst="rect">
+                  <a:avLst/>
+                </a:prstGeom>
+                <a:blipFill>
+                  <a:blip r:embed="rId4"/>
+                  <a:stretch>
+                    <a:fillRect/>
+                  </a:stretch>
+                </a:blipFill>
+                <a:ln>
+                  <a:solidFill>
+                    <a:srgbClr val="00B050"/>
+                  </a:solidFill>
+                </a:ln>
+              </p:spPr>
+              <p:txBody>
+                <a:bodyPr/>
+                <a:lstStyle/>
+                <a:p>
+                  <a:r>
+                    <a:rPr lang="en-US">
+                      <a:noFill/>
+                    </a:rPr>
+                    <a:t> </a:t>
+                  </a:r>
+                </a:p>
+              </p:txBody>
+            </p:sp>
+          </mc:Fallback>
+        </mc:AlternateContent>
+        <p:sp>
+          <p:nvSpPr>
+            <p:cNvPr id="48" name="TextBox 47">
+              <a:extLst>
+                <a:ext uri="{FF2B5EF4-FFF2-40B4-BE49-F238E27FC236}">
+                  <a16:creationId xmlns:a16="http://schemas.microsoft.com/office/drawing/2014/main" id="{0C67B0A2-5346-CA1A-A8D6-BF33E5D95A39}"/>
+                </a:ext>
+              </a:extLst>
+            </p:cNvPr>
+            <p:cNvSpPr txBox="1"/>
+            <p:nvPr/>
+          </p:nvSpPr>
+          <p:spPr>
+            <a:xfrm>
+              <a:off x="3982637" y="874948"/>
+              <a:ext cx="827686" cy="523220"/>
+            </a:xfrm>
+            <a:prstGeom prst="rect">
+              <a:avLst/>
+            </a:prstGeom>
+            <a:noFill/>
+          </p:spPr>
+          <p:txBody>
+            <a:bodyPr wrap="square" rtlCol="0">
+              <a:spAutoFit/>
+            </a:bodyPr>
+            <a:lstStyle/>
+            <a:p>
+              <a:pPr algn="ctr"/>
+              <a:r>
+                <a:rPr lang="en-US" sz="1400" dirty="0"/>
+                <a:t>Input Tensor</a:t>
+              </a:r>
+            </a:p>
+          </p:txBody>
+        </p:sp>
+      </p:grpSp>
+      <p:grpSp>
+        <p:nvGrpSpPr>
+          <p:cNvPr id="73" name="Group 72">
+            <a:extLst>
+              <a:ext uri="{FF2B5EF4-FFF2-40B4-BE49-F238E27FC236}">
+                <a16:creationId xmlns:a16="http://schemas.microsoft.com/office/drawing/2014/main" id="{584B66A5-1403-DC2E-8225-40F92BD3E461}"/>
+              </a:ext>
+            </a:extLst>
+          </p:cNvPr>
+          <p:cNvGrpSpPr/>
+          <p:nvPr/>
+        </p:nvGrpSpPr>
+        <p:grpSpPr>
+          <a:xfrm>
+            <a:off x="3969407" y="1418562"/>
+            <a:ext cx="838022" cy="815402"/>
+            <a:chOff x="3972299" y="3030771"/>
+            <a:chExt cx="838022" cy="815402"/>
+          </a:xfrm>
+        </p:grpSpPr>
+        <mc:AlternateContent xmlns:mc="http://schemas.openxmlformats.org/markup-compatibility/2006">
+          <mc:Choice xmlns:a14="http://schemas.microsoft.com/office/drawing/2010/main" Requires="a14">
+            <p:sp>
+              <p:nvSpPr>
+                <p:cNvPr id="38" name="Rectangle 37">
+                  <a:extLst>
+                    <a:ext uri="{FF2B5EF4-FFF2-40B4-BE49-F238E27FC236}">
+                      <a16:creationId xmlns:a16="http://schemas.microsoft.com/office/drawing/2014/main" id="{13AD4670-81AF-D669-02D8-2A954A2219E0}"/>
+                    </a:ext>
+                  </a:extLst>
+                </p:cNvPr>
+                <p:cNvSpPr/>
+                <p:nvPr/>
+              </p:nvSpPr>
+              <p:spPr>
+                <a:xfrm>
+                  <a:off x="4031247" y="3541096"/>
+                  <a:ext cx="720958" cy="237559"/>
+                </a:xfrm>
+                <a:prstGeom prst="rect">
+                  <a:avLst/>
+                </a:prstGeom>
+                <a:solidFill>
+                  <a:schemeClr val="accent6">
+                    <a:lumMod val="20000"/>
+                    <a:lumOff val="80000"/>
+                  </a:schemeClr>
                 </a:solidFill>
-              </a:ln>
-            </p:spPr>
-            <p:txBody>
-              <a:bodyPr/>
-              <a:lstStyle/>
-              <a:p>
-                <a:r>
-                  <a:rPr lang="en-US">
-                    <a:noFill/>
-                  </a:rPr>
-                  <a:t> </a:t>
-                </a:r>
-              </a:p>
-            </p:txBody>
-          </p:sp>
-        </mc:Fallback>
-      </mc:AlternateContent>
-      <p:sp>
-        <p:nvSpPr>
-          <p:cNvPr id="48" name="TextBox 47">
-            <a:extLst>
-              <a:ext uri="{FF2B5EF4-FFF2-40B4-BE49-F238E27FC236}">
-                <a16:creationId xmlns:a16="http://schemas.microsoft.com/office/drawing/2014/main" id="{0C67B0A2-5346-CA1A-A8D6-BF33E5D95A39}"/>
-              </a:ext>
-            </a:extLst>
-          </p:cNvPr>
-          <p:cNvSpPr txBox="1"/>
-          <p:nvPr/>
-        </p:nvSpPr>
-        <p:spPr>
+                <a:ln>
+                  <a:solidFill>
+                    <a:schemeClr val="accent6"/>
+                  </a:solidFill>
+                </a:ln>
+              </p:spPr>
+              <p:style>
+                <a:lnRef idx="2">
+                  <a:schemeClr val="accent1">
+                    <a:shade val="15000"/>
+                  </a:schemeClr>
+                </a:lnRef>
+                <a:fillRef idx="1">
+                  <a:schemeClr val="accent1"/>
+                </a:fillRef>
+                <a:effectRef idx="0">
+                  <a:schemeClr val="accent1"/>
+                </a:effectRef>
+                <a:fontRef idx="minor">
+                  <a:schemeClr val="lt1"/>
+                </a:fontRef>
+              </p:style>
+              <p:txBody>
+                <a:bodyPr rtlCol="0" anchor="ctr"/>
+                <a:lstStyle/>
+                <a:p>
+                  <a:pPr algn="ctr"/>
+                  <a14:m>
+                    <m:oMathPara xmlns:m="http://schemas.openxmlformats.org/officeDocument/2006/math">
+                      <m:oMathParaPr>
+                        <m:jc m:val="centerGroup"/>
+                      </m:oMathParaPr>
+                      <m:oMath xmlns:m="http://schemas.openxmlformats.org/officeDocument/2006/math">
+                        <m:r>
+                          <a:rPr lang="en-US" sz="1400" i="1" dirty="0" smtClean="0">
+                            <a:solidFill>
+                              <a:schemeClr val="tx1"/>
+                            </a:solidFill>
+                            <a:latin typeface="Cambria Math" panose="02040503050406030204" pitchFamily="18" charset="0"/>
+                          </a:rPr>
+                          <m:t>𝑖</m:t>
+                        </m:r>
+                      </m:oMath>
+                    </m:oMathPara>
+                  </a14:m>
+                  <a:endParaRPr lang="en-US" sz="1400" dirty="0">
+                    <a:solidFill>
+                      <a:schemeClr val="tx1"/>
+                    </a:solidFill>
+                  </a:endParaRPr>
+                </a:p>
+              </p:txBody>
+            </p:sp>
+          </mc:Choice>
+          <mc:Fallback>
+            <p:sp>
+              <p:nvSpPr>
+                <p:cNvPr id="38" name="Rectangle 37">
+                  <a:extLst>
+                    <a:ext uri="{FF2B5EF4-FFF2-40B4-BE49-F238E27FC236}">
+                      <a16:creationId xmlns:a16="http://schemas.microsoft.com/office/drawing/2014/main" id="{13AD4670-81AF-D669-02D8-2A954A2219E0}"/>
+                    </a:ext>
+                  </a:extLst>
+                </p:cNvPr>
+                <p:cNvSpPr>
+                  <a:spLocks noRot="1" noChangeAspect="1" noMove="1" noResize="1" noEditPoints="1" noAdjustHandles="1" noChangeArrowheads="1" noChangeShapeType="1" noTextEdit="1"/>
+                </p:cNvSpPr>
+                <p:nvPr/>
+              </p:nvSpPr>
+              <p:spPr>
+                <a:xfrm>
+                  <a:off x="4031247" y="3541096"/>
+                  <a:ext cx="720958" cy="237559"/>
+                </a:xfrm>
+                <a:prstGeom prst="rect">
+                  <a:avLst/>
+                </a:prstGeom>
+                <a:blipFill>
+                  <a:blip r:embed="rId5"/>
+                  <a:stretch>
+                    <a:fillRect/>
+                  </a:stretch>
+                </a:blipFill>
+                <a:ln>
+                  <a:solidFill>
+                    <a:schemeClr val="accent6"/>
+                  </a:solidFill>
+                </a:ln>
+              </p:spPr>
+              <p:txBody>
+                <a:bodyPr/>
+                <a:lstStyle/>
+                <a:p>
+                  <a:r>
+                    <a:rPr lang="en-US">
+                      <a:noFill/>
+                    </a:rPr>
+                    <a:t> </a:t>
+                  </a:r>
+                </a:p>
+              </p:txBody>
+            </p:sp>
+          </mc:Fallback>
+        </mc:AlternateContent>
+        <p:sp>
+          <p:nvSpPr>
+            <p:cNvPr id="51" name="TextBox 50">
+              <a:extLst>
+                <a:ext uri="{FF2B5EF4-FFF2-40B4-BE49-F238E27FC236}">
+                  <a16:creationId xmlns:a16="http://schemas.microsoft.com/office/drawing/2014/main" id="{EE6D5046-2BF8-9DA4-F801-E03867611253}"/>
+                </a:ext>
+              </a:extLst>
+            </p:cNvPr>
+            <p:cNvSpPr txBox="1"/>
+            <p:nvPr/>
+          </p:nvSpPr>
+          <p:spPr>
+            <a:xfrm>
+              <a:off x="3972299" y="3030771"/>
+              <a:ext cx="827686" cy="523220"/>
+            </a:xfrm>
+            <a:prstGeom prst="rect">
+              <a:avLst/>
+            </a:prstGeom>
+            <a:noFill/>
+          </p:spPr>
+          <p:txBody>
+            <a:bodyPr wrap="square" rtlCol="0">
+              <a:spAutoFit/>
+            </a:bodyPr>
+            <a:lstStyle/>
+            <a:p>
+              <a:pPr algn="ctr"/>
+              <a:r>
+                <a:rPr lang="en-US" sz="1400" dirty="0"/>
+                <a:t>Output Tensor</a:t>
+              </a:r>
+            </a:p>
+          </p:txBody>
+        </p:sp>
+        <p:sp>
+          <p:nvSpPr>
+            <p:cNvPr id="52" name="Rectangle 51">
+              <a:extLst>
+                <a:ext uri="{FF2B5EF4-FFF2-40B4-BE49-F238E27FC236}">
+                  <a16:creationId xmlns:a16="http://schemas.microsoft.com/office/drawing/2014/main" id="{0EE7DD8F-A6D9-87A4-4A2D-8F9B98453F91}"/>
+                </a:ext>
+              </a:extLst>
+            </p:cNvPr>
+            <p:cNvSpPr/>
+            <p:nvPr/>
+          </p:nvSpPr>
+          <p:spPr>
+            <a:xfrm>
+              <a:off x="3975016" y="3071649"/>
+              <a:ext cx="835305" cy="774524"/>
+            </a:xfrm>
+            <a:prstGeom prst="rect">
+              <a:avLst/>
+            </a:prstGeom>
+            <a:noFill/>
+            <a:ln>
+              <a:solidFill>
+                <a:schemeClr val="accent6"/>
+              </a:solidFill>
+            </a:ln>
+          </p:spPr>
+          <p:style>
+            <a:lnRef idx="2">
+              <a:schemeClr val="accent1">
+                <a:shade val="15000"/>
+              </a:schemeClr>
+            </a:lnRef>
+            <a:fillRef idx="1">
+              <a:schemeClr val="accent1"/>
+            </a:fillRef>
+            <a:effectRef idx="0">
+              <a:schemeClr val="accent1"/>
+            </a:effectRef>
+            <a:fontRef idx="minor">
+              <a:schemeClr val="lt1"/>
+            </a:fontRef>
+          </p:style>
+          <p:txBody>
+            <a:bodyPr rtlCol="0" anchor="ctr"/>
+            <a:lstStyle/>
+            <a:p>
+              <a:pPr algn="ctr"/>
+              <a:endParaRPr lang="en-US" sz="1400" dirty="0">
+                <a:solidFill>
+                  <a:schemeClr val="tx1"/>
+                </a:solidFill>
+              </a:endParaRPr>
+            </a:p>
+          </p:txBody>
+        </p:sp>
+      </p:grpSp>
+      <p:grpSp>
+        <p:nvGrpSpPr>
+          <p:cNvPr id="74" name="Group 73">
+            <a:extLst>
+              <a:ext uri="{FF2B5EF4-FFF2-40B4-BE49-F238E27FC236}">
+                <a16:creationId xmlns:a16="http://schemas.microsoft.com/office/drawing/2014/main" id="{86AE7CAD-4027-D38E-F3E0-7BAF3FAF9CB0}"/>
+              </a:ext>
+            </a:extLst>
+          </p:cNvPr>
+          <p:cNvGrpSpPr/>
+          <p:nvPr/>
+        </p:nvGrpSpPr>
+        <p:grpSpPr>
           <a:xfrm>
-            <a:off x="3982637" y="874948"/>
-            <a:ext cx="827686" cy="523220"/>
-          </a:xfrm>
-          <a:prstGeom prst="rect">
-            <a:avLst/>
-          </a:prstGeom>
-          <a:noFill/>
-        </p:spPr>
-        <p:txBody>
-          <a:bodyPr wrap="square" rtlCol="0">
-            <a:spAutoFit/>
-          </a:bodyPr>
-          <a:lstStyle/>
-          <a:p>
-            <a:pPr algn="ctr"/>
-            <a:r>
-              <a:rPr lang="en-US" sz="1400" dirty="0"/>
-              <a:t>Input Tensor</a:t>
-            </a:r>
-          </a:p>
-        </p:txBody>
-      </p:sp>
-      <p:sp>
-        <p:nvSpPr>
-          <p:cNvPr id="49" name="Rectangle 48">
-            <a:extLst>
-              <a:ext uri="{FF2B5EF4-FFF2-40B4-BE49-F238E27FC236}">
-                <a16:creationId xmlns:a16="http://schemas.microsoft.com/office/drawing/2014/main" id="{BDEFB7EE-9976-03FA-59A2-782BF257907C}"/>
-              </a:ext>
-            </a:extLst>
-          </p:cNvPr>
-          <p:cNvSpPr/>
-          <p:nvPr/>
-        </p:nvSpPr>
-        <p:spPr>
+            <a:off x="5145633" y="1411526"/>
+            <a:ext cx="838022" cy="823022"/>
+            <a:chOff x="5173734" y="3019880"/>
+            <a:chExt cx="838022" cy="823022"/>
+          </a:xfrm>
+        </p:grpSpPr>
+        <mc:AlternateContent xmlns:mc="http://schemas.openxmlformats.org/markup-compatibility/2006">
+          <mc:Choice xmlns:a14="http://schemas.microsoft.com/office/drawing/2010/main" Requires="a14">
+            <p:sp>
+              <p:nvSpPr>
+                <p:cNvPr id="53" name="Rectangle 52">
+                  <a:extLst>
+                    <a:ext uri="{FF2B5EF4-FFF2-40B4-BE49-F238E27FC236}">
+                      <a16:creationId xmlns:a16="http://schemas.microsoft.com/office/drawing/2014/main" id="{01189270-A7C8-C92D-B8EB-0C5135A38D1E}"/>
+                    </a:ext>
+                  </a:extLst>
+                </p:cNvPr>
+                <p:cNvSpPr/>
+                <p:nvPr/>
+              </p:nvSpPr>
+              <p:spPr>
+                <a:xfrm>
+                  <a:off x="5232682" y="3537825"/>
+                  <a:ext cx="720958" cy="237559"/>
+                </a:xfrm>
+                <a:prstGeom prst="rect">
+                  <a:avLst/>
+                </a:prstGeom>
+                <a:solidFill>
+                  <a:schemeClr val="accent6">
+                    <a:lumMod val="20000"/>
+                    <a:lumOff val="80000"/>
+                  </a:schemeClr>
+                </a:solidFill>
+                <a:ln>
+                  <a:solidFill>
+                    <a:schemeClr val="accent6"/>
+                  </a:solidFill>
+                </a:ln>
+              </p:spPr>
+              <p:style>
+                <a:lnRef idx="2">
+                  <a:schemeClr val="accent1">
+                    <a:shade val="15000"/>
+                  </a:schemeClr>
+                </a:lnRef>
+                <a:fillRef idx="1">
+                  <a:schemeClr val="accent1"/>
+                </a:fillRef>
+                <a:effectRef idx="0">
+                  <a:schemeClr val="accent1"/>
+                </a:effectRef>
+                <a:fontRef idx="minor">
+                  <a:schemeClr val="lt1"/>
+                </a:fontRef>
+              </p:style>
+              <p:txBody>
+                <a:bodyPr rtlCol="0" anchor="ctr"/>
+                <a:lstStyle/>
+                <a:p>
+                  <a:pPr algn="ctr"/>
+                  <a14:m>
+                    <m:oMathPara xmlns:m="http://schemas.openxmlformats.org/officeDocument/2006/math">
+                      <m:oMathParaPr>
+                        <m:jc m:val="centerGroup"/>
+                      </m:oMathParaPr>
+                      <m:oMath xmlns:m="http://schemas.openxmlformats.org/officeDocument/2006/math">
+                        <m:r>
+                          <a:rPr lang="en-US" sz="1400" i="1" dirty="0" smtClean="0">
+                            <a:solidFill>
+                              <a:schemeClr val="tx1"/>
+                            </a:solidFill>
+                            <a:latin typeface="Cambria Math" panose="02040503050406030204" pitchFamily="18" charset="0"/>
+                          </a:rPr>
+                          <m:t>𝑖</m:t>
+                        </m:r>
+                      </m:oMath>
+                    </m:oMathPara>
+                  </a14:m>
+                  <a:endParaRPr lang="en-US" sz="1400" dirty="0">
+                    <a:solidFill>
+                      <a:schemeClr val="tx1"/>
+                    </a:solidFill>
+                  </a:endParaRPr>
+                </a:p>
+              </p:txBody>
+            </p:sp>
+          </mc:Choice>
+          <mc:Fallback>
+            <p:sp>
+              <p:nvSpPr>
+                <p:cNvPr id="53" name="Rectangle 52">
+                  <a:extLst>
+                    <a:ext uri="{FF2B5EF4-FFF2-40B4-BE49-F238E27FC236}">
+                      <a16:creationId xmlns:a16="http://schemas.microsoft.com/office/drawing/2014/main" id="{01189270-A7C8-C92D-B8EB-0C5135A38D1E}"/>
+                    </a:ext>
+                  </a:extLst>
+                </p:cNvPr>
+                <p:cNvSpPr>
+                  <a:spLocks noRot="1" noChangeAspect="1" noMove="1" noResize="1" noEditPoints="1" noAdjustHandles="1" noChangeArrowheads="1" noChangeShapeType="1" noTextEdit="1"/>
+                </p:cNvSpPr>
+                <p:nvPr/>
+              </p:nvSpPr>
+              <p:spPr>
+                <a:xfrm>
+                  <a:off x="5232682" y="3537825"/>
+                  <a:ext cx="720958" cy="237559"/>
+                </a:xfrm>
+                <a:prstGeom prst="rect">
+                  <a:avLst/>
+                </a:prstGeom>
+                <a:blipFill>
+                  <a:blip r:embed="rId6"/>
+                  <a:stretch>
+                    <a:fillRect/>
+                  </a:stretch>
+                </a:blipFill>
+                <a:ln>
+                  <a:solidFill>
+                    <a:schemeClr val="accent6"/>
+                  </a:solidFill>
+                </a:ln>
+              </p:spPr>
+              <p:txBody>
+                <a:bodyPr/>
+                <a:lstStyle/>
+                <a:p>
+                  <a:r>
+                    <a:rPr lang="en-US">
+                      <a:noFill/>
+                    </a:rPr>
+                    <a:t> </a:t>
+                  </a:r>
+                </a:p>
+              </p:txBody>
+            </p:sp>
+          </mc:Fallback>
+        </mc:AlternateContent>
+        <p:sp>
+          <p:nvSpPr>
+            <p:cNvPr id="54" name="TextBox 53">
+              <a:extLst>
+                <a:ext uri="{FF2B5EF4-FFF2-40B4-BE49-F238E27FC236}">
+                  <a16:creationId xmlns:a16="http://schemas.microsoft.com/office/drawing/2014/main" id="{D6F6A2B5-7D23-7B53-A0D9-014306BE181C}"/>
+                </a:ext>
+              </a:extLst>
+            </p:cNvPr>
+            <p:cNvSpPr txBox="1"/>
+            <p:nvPr/>
+          </p:nvSpPr>
+          <p:spPr>
+            <a:xfrm>
+              <a:off x="5173734" y="3019880"/>
+              <a:ext cx="827686" cy="523220"/>
+            </a:xfrm>
+            <a:prstGeom prst="rect">
+              <a:avLst/>
+            </a:prstGeom>
+            <a:noFill/>
+          </p:spPr>
+          <p:txBody>
+            <a:bodyPr wrap="square" rtlCol="0">
+              <a:spAutoFit/>
+            </a:bodyPr>
+            <a:lstStyle/>
+            <a:p>
+              <a:pPr algn="ctr"/>
+              <a:r>
+                <a:rPr lang="en-US" sz="1400" dirty="0"/>
+                <a:t>Output Tensor</a:t>
+              </a:r>
+            </a:p>
+          </p:txBody>
+        </p:sp>
+        <p:sp>
+          <p:nvSpPr>
+            <p:cNvPr id="55" name="Rectangle 54">
+              <a:extLst>
+                <a:ext uri="{FF2B5EF4-FFF2-40B4-BE49-F238E27FC236}">
+                  <a16:creationId xmlns:a16="http://schemas.microsoft.com/office/drawing/2014/main" id="{8E18B77D-4BE9-0A5F-6E92-3DD8C501AD67}"/>
+                </a:ext>
+              </a:extLst>
+            </p:cNvPr>
+            <p:cNvSpPr/>
+            <p:nvPr/>
+          </p:nvSpPr>
+          <p:spPr>
+            <a:xfrm>
+              <a:off x="5176451" y="3068378"/>
+              <a:ext cx="835305" cy="774524"/>
+            </a:xfrm>
+            <a:prstGeom prst="rect">
+              <a:avLst/>
+            </a:prstGeom>
+            <a:noFill/>
+            <a:ln>
+              <a:solidFill>
+                <a:schemeClr val="accent6"/>
+              </a:solidFill>
+            </a:ln>
+          </p:spPr>
+          <p:style>
+            <a:lnRef idx="2">
+              <a:schemeClr val="accent1">
+                <a:shade val="15000"/>
+              </a:schemeClr>
+            </a:lnRef>
+            <a:fillRef idx="1">
+              <a:schemeClr val="accent1"/>
+            </a:fillRef>
+            <a:effectRef idx="0">
+              <a:schemeClr val="accent1"/>
+            </a:effectRef>
+            <a:fontRef idx="minor">
+              <a:schemeClr val="lt1"/>
+            </a:fontRef>
+          </p:style>
+          <p:txBody>
+            <a:bodyPr rtlCol="0" anchor="ctr"/>
+            <a:lstStyle/>
+            <a:p>
+              <a:pPr algn="ctr"/>
+              <a:endParaRPr lang="en-US" sz="1400" dirty="0">
+                <a:solidFill>
+                  <a:schemeClr val="tx1"/>
+                </a:solidFill>
+              </a:endParaRPr>
+            </a:p>
+          </p:txBody>
+        </p:sp>
+      </p:grpSp>
+      <p:grpSp>
+        <p:nvGrpSpPr>
+          <p:cNvPr id="92" name="Group 91">
+            <a:extLst>
+              <a:ext uri="{FF2B5EF4-FFF2-40B4-BE49-F238E27FC236}">
+                <a16:creationId xmlns:a16="http://schemas.microsoft.com/office/drawing/2014/main" id="{433132C7-56B1-5E7A-0B22-107F8B371A8A}"/>
+              </a:ext>
+            </a:extLst>
+          </p:cNvPr>
+          <p:cNvGrpSpPr/>
+          <p:nvPr/>
+        </p:nvGrpSpPr>
+        <p:grpSpPr>
           <a:xfrm>
-            <a:off x="5156428" y="1520419"/>
-            <a:ext cx="824968" cy="746240"/>
-          </a:xfrm>
-          <a:prstGeom prst="rect">
-            <a:avLst/>
-          </a:prstGeom>
-          <a:noFill/>
-          <a:ln>
-            <a:solidFill>
+            <a:off x="5154347" y="3046020"/>
+            <a:ext cx="835306" cy="815245"/>
+            <a:chOff x="3975017" y="874948"/>
+            <a:chExt cx="835306" cy="815245"/>
+          </a:xfrm>
+        </p:grpSpPr>
+        <p:sp>
+          <p:nvSpPr>
+            <p:cNvPr id="93" name="Rectangle 92">
+              <a:extLst>
+                <a:ext uri="{FF2B5EF4-FFF2-40B4-BE49-F238E27FC236}">
+                  <a16:creationId xmlns:a16="http://schemas.microsoft.com/office/drawing/2014/main" id="{36981828-7C8E-FDF1-F227-DEA00A5A1420}"/>
+                </a:ext>
+              </a:extLst>
+            </p:cNvPr>
+            <p:cNvSpPr/>
+            <p:nvPr/>
+          </p:nvSpPr>
+          <p:spPr>
+            <a:xfrm>
+              <a:off x="3975017" y="874948"/>
+              <a:ext cx="824968" cy="815245"/>
+            </a:xfrm>
+            <a:prstGeom prst="rect">
+              <a:avLst/>
+            </a:prstGeom>
+            <a:noFill/>
+            <a:ln>
+              <a:solidFill>
+                <a:srgbClr val="00B050"/>
+              </a:solidFill>
+            </a:ln>
+          </p:spPr>
+          <p:style>
+            <a:lnRef idx="2">
+              <a:schemeClr val="accent1">
+                <a:shade val="15000"/>
+              </a:schemeClr>
+            </a:lnRef>
+            <a:fillRef idx="1">
               <a:schemeClr val="accent1"/>
-            </a:solidFill>
-          </a:ln>
-        </p:spPr>
-        <p:style>
-          <a:lnRef idx="2">
-            <a:schemeClr val="accent1">
-              <a:shade val="15000"/>
-            </a:schemeClr>
-          </a:lnRef>
-          <a:fillRef idx="1">
-            <a:schemeClr val="accent1"/>
-          </a:fillRef>
-          <a:effectRef idx="0">
-            <a:schemeClr val="accent1"/>
-          </a:effectRef>
-          <a:fontRef idx="minor">
-            <a:schemeClr val="lt1"/>
-          </a:fontRef>
-        </p:style>
-        <p:txBody>
-          <a:bodyPr rtlCol="0" anchor="ctr"/>
-          <a:lstStyle/>
-          <a:p>
-            <a:pPr algn="ctr"/>
-            <a:endParaRPr lang="en-US" sz="1400" dirty="0">
-              <a:solidFill>
-                <a:schemeClr val="tx1"/>
-              </a:solidFill>
-            </a:endParaRPr>
-          </a:p>
-        </p:txBody>
-      </p:sp>
-      <p:sp>
-        <p:nvSpPr>
-          <p:cNvPr id="50" name="TextBox 49">
-            <a:extLst>
-              <a:ext uri="{FF2B5EF4-FFF2-40B4-BE49-F238E27FC236}">
-                <a16:creationId xmlns:a16="http://schemas.microsoft.com/office/drawing/2014/main" id="{447B9C3B-FD9B-A205-552E-C0EDFF78C200}"/>
-              </a:ext>
-            </a:extLst>
-          </p:cNvPr>
-          <p:cNvSpPr txBox="1"/>
-          <p:nvPr/>
-        </p:nvSpPr>
-        <p:spPr>
-          <a:xfrm>
-            <a:off x="5146090" y="1457952"/>
-            <a:ext cx="827686" cy="523220"/>
-          </a:xfrm>
-          <a:prstGeom prst="rect">
-            <a:avLst/>
-          </a:prstGeom>
-          <a:noFill/>
-        </p:spPr>
-        <p:txBody>
-          <a:bodyPr wrap="square" rtlCol="0">
-            <a:spAutoFit/>
-          </a:bodyPr>
-          <a:lstStyle/>
-          <a:p>
-            <a:pPr algn="ctr"/>
-            <a:r>
-              <a:rPr lang="en-US" sz="1400" dirty="0"/>
-              <a:t>Input Tensor</a:t>
-            </a:r>
-          </a:p>
-        </p:txBody>
-      </p:sp>
-      <p:sp>
-        <p:nvSpPr>
-          <p:cNvPr id="51" name="TextBox 50">
-            <a:extLst>
-              <a:ext uri="{FF2B5EF4-FFF2-40B4-BE49-F238E27FC236}">
-                <a16:creationId xmlns:a16="http://schemas.microsoft.com/office/drawing/2014/main" id="{EE6D5046-2BF8-9DA4-F801-E03867611253}"/>
-              </a:ext>
-            </a:extLst>
-          </p:cNvPr>
-          <p:cNvSpPr txBox="1"/>
-          <p:nvPr/>
-        </p:nvSpPr>
-        <p:spPr>
-          <a:xfrm>
-            <a:off x="3972299" y="3030771"/>
-            <a:ext cx="827686" cy="523220"/>
-          </a:xfrm>
-          <a:prstGeom prst="rect">
-            <a:avLst/>
-          </a:prstGeom>
-          <a:noFill/>
-        </p:spPr>
-        <p:txBody>
-          <a:bodyPr wrap="square" rtlCol="0">
-            <a:spAutoFit/>
-          </a:bodyPr>
-          <a:lstStyle/>
-          <a:p>
-            <a:pPr algn="ctr"/>
-            <a:r>
-              <a:rPr lang="en-US" sz="1400" dirty="0"/>
-              <a:t>Output Tensor</a:t>
-            </a:r>
-          </a:p>
-        </p:txBody>
-      </p:sp>
-      <p:sp>
-        <p:nvSpPr>
-          <p:cNvPr id="52" name="Rectangle 51">
-            <a:extLst>
-              <a:ext uri="{FF2B5EF4-FFF2-40B4-BE49-F238E27FC236}">
-                <a16:creationId xmlns:a16="http://schemas.microsoft.com/office/drawing/2014/main" id="{0EE7DD8F-A6D9-87A4-4A2D-8F9B98453F91}"/>
-              </a:ext>
-            </a:extLst>
-          </p:cNvPr>
-          <p:cNvSpPr/>
-          <p:nvPr/>
-        </p:nvSpPr>
-        <p:spPr>
-          <a:xfrm>
-            <a:off x="3975016" y="3071649"/>
-            <a:ext cx="835305" cy="774524"/>
-          </a:xfrm>
-          <a:prstGeom prst="rect">
-            <a:avLst/>
-          </a:prstGeom>
-          <a:noFill/>
-          <a:ln>
-            <a:solidFill>
-              <a:schemeClr val="accent2"/>
-            </a:solidFill>
-          </a:ln>
-        </p:spPr>
-        <p:style>
-          <a:lnRef idx="2">
-            <a:schemeClr val="accent1">
-              <a:shade val="15000"/>
-            </a:schemeClr>
-          </a:lnRef>
-          <a:fillRef idx="1">
-            <a:schemeClr val="accent1"/>
-          </a:fillRef>
-          <a:effectRef idx="0">
-            <a:schemeClr val="accent1"/>
-          </a:effectRef>
-          <a:fontRef idx="minor">
-            <a:schemeClr val="lt1"/>
-          </a:fontRef>
-        </p:style>
-        <p:txBody>
-          <a:bodyPr rtlCol="0" anchor="ctr"/>
-          <a:lstStyle/>
-          <a:p>
-            <a:pPr algn="ctr"/>
-            <a:endParaRPr lang="en-US" sz="1400" dirty="0">
-              <a:solidFill>
-                <a:schemeClr val="tx1"/>
-              </a:solidFill>
-            </a:endParaRPr>
-          </a:p>
-        </p:txBody>
-      </p:sp>
-      <mc:AlternateContent xmlns:mc="http://schemas.openxmlformats.org/markup-compatibility/2006">
-        <mc:Choice xmlns:a14="http://schemas.microsoft.com/office/drawing/2010/main" Requires="a14">
-          <p:sp>
-            <p:nvSpPr>
-              <p:cNvPr id="53" name="Rectangle 52">
-                <a:extLst>
-                  <a:ext uri="{FF2B5EF4-FFF2-40B4-BE49-F238E27FC236}">
-                    <a16:creationId xmlns:a16="http://schemas.microsoft.com/office/drawing/2014/main" id="{01189270-A7C8-C92D-B8EB-0C5135A38D1E}"/>
-                  </a:ext>
-                </a:extLst>
-              </p:cNvPr>
-              <p:cNvSpPr/>
-              <p:nvPr/>
-            </p:nvSpPr>
-            <p:spPr>
-              <a:xfrm>
-                <a:off x="5232682" y="3537825"/>
-                <a:ext cx="720958" cy="237559"/>
-              </a:xfrm>
-              <a:prstGeom prst="rect">
-                <a:avLst/>
-              </a:prstGeom>
-              <a:solidFill>
-                <a:schemeClr val="accent2">
-                  <a:lumMod val="20000"/>
-                  <a:lumOff val="80000"/>
-                </a:schemeClr>
-              </a:solidFill>
-              <a:ln>
+            </a:fillRef>
+            <a:effectRef idx="0">
+              <a:schemeClr val="accent1"/>
+            </a:effectRef>
+            <a:fontRef idx="minor">
+              <a:schemeClr val="lt1"/>
+            </a:fontRef>
+          </p:style>
+          <p:txBody>
+            <a:bodyPr rtlCol="0" anchor="ctr"/>
+            <a:lstStyle/>
+            <a:p>
+              <a:pPr algn="ctr"/>
+              <a:endParaRPr lang="en-US" sz="1400" dirty="0">
                 <a:solidFill>
-                  <a:schemeClr val="accent2"/>
+                  <a:schemeClr val="tx1"/>
                 </a:solidFill>
-              </a:ln>
-            </p:spPr>
-            <p:style>
-              <a:lnRef idx="2">
-                <a:schemeClr val="accent1">
-                  <a:shade val="15000"/>
-                </a:schemeClr>
-              </a:lnRef>
-              <a:fillRef idx="1">
-                <a:schemeClr val="accent1"/>
-              </a:fillRef>
-              <a:effectRef idx="0">
-                <a:schemeClr val="accent1"/>
-              </a:effectRef>
-              <a:fontRef idx="minor">
-                <a:schemeClr val="lt1"/>
-              </a:fontRef>
-            </p:style>
-            <p:txBody>
-              <a:bodyPr rtlCol="0" anchor="ctr"/>
-              <a:lstStyle/>
-              <a:p>
-                <a:pPr algn="ctr"/>
-                <a14:m>
-                  <m:oMathPara xmlns:m="http://schemas.openxmlformats.org/officeDocument/2006/math">
-                    <m:oMathParaPr>
-                      <m:jc m:val="centerGroup"/>
-                    </m:oMathParaPr>
-                    <m:oMath xmlns:m="http://schemas.openxmlformats.org/officeDocument/2006/math">
-                      <m:r>
-                        <a:rPr lang="en-US" sz="1400" i="1" dirty="0" smtClean="0">
-                          <a:solidFill>
-                            <a:schemeClr val="tx1"/>
-                          </a:solidFill>
-                          <a:latin typeface="Cambria Math" panose="02040503050406030204" pitchFamily="18" charset="0"/>
-                        </a:rPr>
-                        <m:t>𝑖</m:t>
-                      </m:r>
-                    </m:oMath>
-                  </m:oMathPara>
-                </a14:m>
-                <a:endParaRPr lang="en-US" sz="1400" dirty="0">
+              </a:endParaRPr>
+            </a:p>
+          </p:txBody>
+        </p:sp>
+        <mc:AlternateContent xmlns:mc="http://schemas.openxmlformats.org/markup-compatibility/2006">
+          <mc:Choice xmlns:a14="http://schemas.microsoft.com/office/drawing/2010/main" Requires="a14">
+            <p:sp>
+              <p:nvSpPr>
+                <p:cNvPr id="94" name="Rectangle 93">
+                  <a:extLst>
+                    <a:ext uri="{FF2B5EF4-FFF2-40B4-BE49-F238E27FC236}">
+                      <a16:creationId xmlns:a16="http://schemas.microsoft.com/office/drawing/2014/main" id="{81C1DAD0-13FB-58DA-B880-6DBBBAA71E6E}"/>
+                    </a:ext>
+                  </a:extLst>
+                </p:cNvPr>
+                <p:cNvSpPr/>
+                <p:nvPr/>
+              </p:nvSpPr>
+              <p:spPr>
+                <a:xfrm>
+                  <a:off x="4031439" y="1410086"/>
+                  <a:ext cx="720961" cy="237561"/>
+                </a:xfrm>
+                <a:prstGeom prst="rect">
+                  <a:avLst/>
+                </a:prstGeom>
+                <a:solidFill>
+                  <a:schemeClr val="accent3">
+                    <a:lumMod val="20000"/>
+                    <a:lumOff val="80000"/>
+                  </a:schemeClr>
+                </a:solidFill>
+                <a:ln>
                   <a:solidFill>
-                    <a:schemeClr val="tx1"/>
+                    <a:srgbClr val="00B050"/>
                   </a:solidFill>
-                </a:endParaRPr>
-              </a:p>
-            </p:txBody>
-          </p:sp>
-        </mc:Choice>
-        <mc:Fallback>
-          <p:sp>
-            <p:nvSpPr>
-              <p:cNvPr id="53" name="Rectangle 52">
-                <a:extLst>
-                  <a:ext uri="{FF2B5EF4-FFF2-40B4-BE49-F238E27FC236}">
-                    <a16:creationId xmlns:a16="http://schemas.microsoft.com/office/drawing/2014/main" id="{01189270-A7C8-C92D-B8EB-0C5135A38D1E}"/>
-                  </a:ext>
-                </a:extLst>
-              </p:cNvPr>
-              <p:cNvSpPr>
-                <a:spLocks noRot="1" noChangeAspect="1" noMove="1" noResize="1" noEditPoints="1" noAdjustHandles="1" noChangeArrowheads="1" noChangeShapeType="1" noTextEdit="1"/>
-              </p:cNvSpPr>
-              <p:nvPr/>
-            </p:nvSpPr>
-            <p:spPr>
-              <a:xfrm>
-                <a:off x="5232682" y="3537825"/>
-                <a:ext cx="720958" cy="237559"/>
-              </a:xfrm>
-              <a:prstGeom prst="rect">
-                <a:avLst/>
-              </a:prstGeom>
-              <a:blipFill>
-                <a:blip r:embed="rId7"/>
-                <a:stretch>
-                  <a:fillRect/>
-                </a:stretch>
-              </a:blipFill>
-              <a:ln>
-                <a:solidFill>
-                  <a:schemeClr val="accent2"/>
-                </a:solidFill>
-              </a:ln>
-            </p:spPr>
-            <p:txBody>
-              <a:bodyPr/>
-              <a:lstStyle/>
-              <a:p>
-                <a:r>
-                  <a:rPr lang="en-US">
-                    <a:noFill/>
-                  </a:rPr>
-                  <a:t> </a:t>
-                </a:r>
-              </a:p>
-            </p:txBody>
-          </p:sp>
-        </mc:Fallback>
-      </mc:AlternateContent>
-      <p:sp>
-        <p:nvSpPr>
-          <p:cNvPr id="54" name="TextBox 53">
-            <a:extLst>
-              <a:ext uri="{FF2B5EF4-FFF2-40B4-BE49-F238E27FC236}">
-                <a16:creationId xmlns:a16="http://schemas.microsoft.com/office/drawing/2014/main" id="{D6F6A2B5-7D23-7B53-A0D9-014306BE181C}"/>
-              </a:ext>
-            </a:extLst>
-          </p:cNvPr>
-          <p:cNvSpPr txBox="1"/>
-          <p:nvPr/>
-        </p:nvSpPr>
-        <p:spPr>
-          <a:xfrm>
-            <a:off x="5173734" y="3019880"/>
-            <a:ext cx="827686" cy="523220"/>
-          </a:xfrm>
-          <a:prstGeom prst="rect">
-            <a:avLst/>
-          </a:prstGeom>
-          <a:noFill/>
-        </p:spPr>
-        <p:txBody>
-          <a:bodyPr wrap="square" rtlCol="0">
-            <a:spAutoFit/>
-          </a:bodyPr>
-          <a:lstStyle/>
-          <a:p>
-            <a:pPr algn="ctr"/>
-            <a:r>
-              <a:rPr lang="en-US" sz="1400" dirty="0"/>
-              <a:t>Output Tensor</a:t>
-            </a:r>
-          </a:p>
-        </p:txBody>
-      </p:sp>
-      <p:sp>
-        <p:nvSpPr>
-          <p:cNvPr id="55" name="Rectangle 54">
-            <a:extLst>
-              <a:ext uri="{FF2B5EF4-FFF2-40B4-BE49-F238E27FC236}">
-                <a16:creationId xmlns:a16="http://schemas.microsoft.com/office/drawing/2014/main" id="{8E18B77D-4BE9-0A5F-6E92-3DD8C501AD67}"/>
-              </a:ext>
-            </a:extLst>
-          </p:cNvPr>
-          <p:cNvSpPr/>
-          <p:nvPr/>
-        </p:nvSpPr>
-        <p:spPr>
-          <a:xfrm>
-            <a:off x="5176451" y="3068378"/>
-            <a:ext cx="835305" cy="774524"/>
-          </a:xfrm>
-          <a:prstGeom prst="rect">
-            <a:avLst/>
-          </a:prstGeom>
-          <a:noFill/>
-          <a:ln>
-            <a:solidFill>
-              <a:schemeClr val="accent2"/>
-            </a:solidFill>
-          </a:ln>
-        </p:spPr>
-        <p:style>
-          <a:lnRef idx="2">
-            <a:schemeClr val="accent1">
-              <a:shade val="15000"/>
-            </a:schemeClr>
-          </a:lnRef>
-          <a:fillRef idx="1">
-            <a:schemeClr val="accent1"/>
-          </a:fillRef>
-          <a:effectRef idx="0">
-            <a:schemeClr val="accent1"/>
-          </a:effectRef>
-          <a:fontRef idx="minor">
-            <a:schemeClr val="lt1"/>
-          </a:fontRef>
-        </p:style>
-        <p:txBody>
-          <a:bodyPr rtlCol="0" anchor="ctr"/>
-          <a:lstStyle/>
-          <a:p>
-            <a:pPr algn="ctr"/>
-            <a:endParaRPr lang="en-US" sz="1400" dirty="0">
-              <a:solidFill>
-                <a:schemeClr val="tx1"/>
-              </a:solidFill>
-            </a:endParaRPr>
-          </a:p>
-        </p:txBody>
-      </p:sp>
+                </a:ln>
+              </p:spPr>
+              <p:style>
+                <a:lnRef idx="2">
+                  <a:schemeClr val="accent1">
+                    <a:shade val="15000"/>
+                  </a:schemeClr>
+                </a:lnRef>
+                <a:fillRef idx="1">
+                  <a:schemeClr val="accent1"/>
+                </a:fillRef>
+                <a:effectRef idx="0">
+                  <a:schemeClr val="accent1"/>
+                </a:effectRef>
+                <a:fontRef idx="minor">
+                  <a:schemeClr val="lt1"/>
+                </a:fontRef>
+              </p:style>
+              <p:txBody>
+                <a:bodyPr rtlCol="0" anchor="ctr"/>
+                <a:lstStyle/>
+                <a:p>
+                  <a:pPr algn="ctr"/>
+                  <a14:m>
+                    <m:oMathPara xmlns:m="http://schemas.openxmlformats.org/officeDocument/2006/math">
+                      <m:oMathParaPr>
+                        <m:jc m:val="centerGroup"/>
+                      </m:oMathParaPr>
+                      <m:oMath xmlns:m="http://schemas.openxmlformats.org/officeDocument/2006/math">
+                        <m:r>
+                          <a:rPr lang="en-US" sz="1400" i="1" dirty="0" smtClean="0">
+                            <a:solidFill>
+                              <a:schemeClr val="tx1"/>
+                            </a:solidFill>
+                            <a:latin typeface="Cambria Math" panose="02040503050406030204" pitchFamily="18" charset="0"/>
+                          </a:rPr>
+                          <m:t>𝑖</m:t>
+                        </m:r>
+                        <m:r>
+                          <a:rPr lang="en-US" sz="1400" i="1" dirty="0" smtClean="0">
+                            <a:solidFill>
+                              <a:schemeClr val="tx1"/>
+                            </a:solidFill>
+                            <a:latin typeface="Cambria Math" panose="02040503050406030204" pitchFamily="18" charset="0"/>
+                          </a:rPr>
+                          <m:t>−2</m:t>
+                        </m:r>
+                      </m:oMath>
+                    </m:oMathPara>
+                  </a14:m>
+                  <a:endParaRPr lang="en-US" sz="1400" dirty="0">
+                    <a:solidFill>
+                      <a:schemeClr val="tx1"/>
+                    </a:solidFill>
+                  </a:endParaRPr>
+                </a:p>
+              </p:txBody>
+            </p:sp>
+          </mc:Choice>
+          <mc:Fallback>
+            <p:sp>
+              <p:nvSpPr>
+                <p:cNvPr id="94" name="Rectangle 93">
+                  <a:extLst>
+                    <a:ext uri="{FF2B5EF4-FFF2-40B4-BE49-F238E27FC236}">
+                      <a16:creationId xmlns:a16="http://schemas.microsoft.com/office/drawing/2014/main" id="{81C1DAD0-13FB-58DA-B880-6DBBBAA71E6E}"/>
+                    </a:ext>
+                  </a:extLst>
+                </p:cNvPr>
+                <p:cNvSpPr>
+                  <a:spLocks noRot="1" noChangeAspect="1" noMove="1" noResize="1" noEditPoints="1" noAdjustHandles="1" noChangeArrowheads="1" noChangeShapeType="1" noTextEdit="1"/>
+                </p:cNvSpPr>
+                <p:nvPr/>
+              </p:nvSpPr>
+              <p:spPr>
+                <a:xfrm>
+                  <a:off x="4031439" y="1410086"/>
+                  <a:ext cx="720961" cy="237561"/>
+                </a:xfrm>
+                <a:prstGeom prst="rect">
+                  <a:avLst/>
+                </a:prstGeom>
+                <a:blipFill>
+                  <a:blip r:embed="rId2"/>
+                  <a:stretch>
+                    <a:fillRect/>
+                  </a:stretch>
+                </a:blipFill>
+                <a:ln>
+                  <a:solidFill>
+                    <a:srgbClr val="00B050"/>
+                  </a:solidFill>
+                </a:ln>
+              </p:spPr>
+              <p:txBody>
+                <a:bodyPr/>
+                <a:lstStyle/>
+                <a:p>
+                  <a:r>
+                    <a:rPr lang="en-US">
+                      <a:noFill/>
+                    </a:rPr>
+                    <a:t> </a:t>
+                  </a:r>
+                </a:p>
+              </p:txBody>
+            </p:sp>
+          </mc:Fallback>
+        </mc:AlternateContent>
+        <p:sp>
+          <p:nvSpPr>
+            <p:cNvPr id="97" name="TextBox 96">
+              <a:extLst>
+                <a:ext uri="{FF2B5EF4-FFF2-40B4-BE49-F238E27FC236}">
+                  <a16:creationId xmlns:a16="http://schemas.microsoft.com/office/drawing/2014/main" id="{D7F6355D-E94D-1BD3-BBBE-2F75FA496C81}"/>
+                </a:ext>
+              </a:extLst>
+            </p:cNvPr>
+            <p:cNvSpPr txBox="1"/>
+            <p:nvPr/>
+          </p:nvSpPr>
+          <p:spPr>
+            <a:xfrm>
+              <a:off x="3982637" y="874948"/>
+              <a:ext cx="827686" cy="523220"/>
+            </a:xfrm>
+            <a:prstGeom prst="rect">
+              <a:avLst/>
+            </a:prstGeom>
+            <a:noFill/>
+          </p:spPr>
+          <p:txBody>
+            <a:bodyPr wrap="square" rtlCol="0">
+              <a:spAutoFit/>
+            </a:bodyPr>
+            <a:lstStyle/>
+            <a:p>
+              <a:pPr algn="ctr"/>
+              <a:r>
+                <a:rPr lang="en-US" sz="1400" dirty="0"/>
+                <a:t>Input Tensor</a:t>
+              </a:r>
+            </a:p>
+          </p:txBody>
+        </p:sp>
+      </p:grpSp>
     </p:spTree>
     <p:extLst>
       <p:ext uri="{BB962C8B-B14F-4D97-AF65-F5344CB8AC3E}">
@@ -7358,8 +7479,8 @@
           </a:fontRef>
         </p:style>
       </p:cxnSp>
-      <mc:AlternateContent xmlns:mc="http://schemas.openxmlformats.org/markup-compatibility/2006">
-        <mc:Choice xmlns:a14="http://schemas.microsoft.com/office/drawing/2010/main" Requires="a14">
+      <mc:AlternateContent xmlns:mc="http://schemas.openxmlformats.org/markup-compatibility/2006" xmlns:a14="http://schemas.microsoft.com/office/drawing/2010/main">
+        <mc:Choice Requires="a14">
           <p:sp>
             <p:nvSpPr>
               <p:cNvPr id="24" name="TextBox 23">
@@ -7457,7 +7578,7 @@
             </p:txBody>
           </p:sp>
         </mc:Choice>
-        <mc:Fallback>
+        <mc:Fallback xmlns="">
           <p:sp>
             <p:nvSpPr>
               <p:cNvPr id="24" name="TextBox 23">
@@ -7502,8 +7623,8 @@
           </p:sp>
         </mc:Fallback>
       </mc:AlternateContent>
-      <mc:AlternateContent xmlns:mc="http://schemas.openxmlformats.org/markup-compatibility/2006">
-        <mc:Choice xmlns:a14="http://schemas.microsoft.com/office/drawing/2010/main" Requires="a14">
+      <mc:AlternateContent xmlns:mc="http://schemas.openxmlformats.org/markup-compatibility/2006" xmlns:a14="http://schemas.microsoft.com/office/drawing/2010/main">
+        <mc:Choice Requires="a14">
           <p:sp>
             <p:nvSpPr>
               <p:cNvPr id="201" name="TextBox 200">
@@ -7607,7 +7728,7 @@
             </p:txBody>
           </p:sp>
         </mc:Choice>
-        <mc:Fallback>
+        <mc:Fallback xmlns="">
           <p:sp>
             <p:nvSpPr>
               <p:cNvPr id="201" name="TextBox 200">
@@ -7652,8 +7773,8 @@
           </p:sp>
         </mc:Fallback>
       </mc:AlternateContent>
-      <mc:AlternateContent xmlns:mc="http://schemas.openxmlformats.org/markup-compatibility/2006">
-        <mc:Choice xmlns:a14="http://schemas.microsoft.com/office/drawing/2010/main" Requires="a14">
+      <mc:AlternateContent xmlns:mc="http://schemas.openxmlformats.org/markup-compatibility/2006" xmlns:a14="http://schemas.microsoft.com/office/drawing/2010/main">
+        <mc:Choice Requires="a14">
           <p:sp>
             <p:nvSpPr>
               <p:cNvPr id="202" name="TextBox 201">
@@ -7757,7 +7878,7 @@
             </p:txBody>
           </p:sp>
         </mc:Choice>
-        <mc:Fallback>
+        <mc:Fallback xmlns="">
           <p:sp>
             <p:nvSpPr>
               <p:cNvPr id="202" name="TextBox 201">
@@ -8714,8 +8835,8 @@
           </p:txBody>
         </p:sp>
       </p:grpSp>
-      <mc:AlternateContent xmlns:mc="http://schemas.openxmlformats.org/markup-compatibility/2006">
-        <mc:Choice xmlns:a14="http://schemas.microsoft.com/office/drawing/2010/main" Requires="a14">
+      <mc:AlternateContent xmlns:mc="http://schemas.openxmlformats.org/markup-compatibility/2006" xmlns:a14="http://schemas.microsoft.com/office/drawing/2010/main">
+        <mc:Choice Requires="a14">
           <p:sp>
             <p:nvSpPr>
               <p:cNvPr id="214" name="TextBox 213">
@@ -8796,7 +8917,7 @@
             </p:txBody>
           </p:sp>
         </mc:Choice>
-        <mc:Fallback>
+        <mc:Fallback xmlns="">
           <p:sp>
             <p:nvSpPr>
               <p:cNvPr id="214" name="TextBox 213">
@@ -8888,8 +9009,8 @@
           </a:p>
         </p:txBody>
       </p:sp>
-      <mc:AlternateContent xmlns:mc="http://schemas.openxmlformats.org/markup-compatibility/2006">
-        <mc:Choice xmlns:a14="http://schemas.microsoft.com/office/drawing/2010/main" Requires="a14">
+      <mc:AlternateContent xmlns:mc="http://schemas.openxmlformats.org/markup-compatibility/2006" xmlns:a14="http://schemas.microsoft.com/office/drawing/2010/main">
+        <mc:Choice Requires="a14">
           <p:sp>
             <p:nvSpPr>
               <p:cNvPr id="221" name="TextBox 220">
@@ -8972,7 +9093,7 @@
             </p:txBody>
           </p:sp>
         </mc:Choice>
-        <mc:Fallback>
+        <mc:Fallback xmlns="">
           <p:sp>
             <p:nvSpPr>
               <p:cNvPr id="221" name="TextBox 220">
@@ -9128,8 +9249,8 @@
           </a:p>
         </p:txBody>
       </p:sp>
-      <mc:AlternateContent xmlns:mc="http://schemas.openxmlformats.org/markup-compatibility/2006">
-        <mc:Choice xmlns:a14="http://schemas.microsoft.com/office/drawing/2010/main" Requires="a14">
+      <mc:AlternateContent xmlns:mc="http://schemas.openxmlformats.org/markup-compatibility/2006" xmlns:a14="http://schemas.microsoft.com/office/drawing/2010/main">
+        <mc:Choice Requires="a14">
           <p:sp>
             <p:nvSpPr>
               <p:cNvPr id="237" name="TextBox 236">
@@ -9220,7 +9341,7 @@
             </p:txBody>
           </p:sp>
         </mc:Choice>
-        <mc:Fallback>
+        <mc:Fallback xmlns="">
           <p:sp>
             <p:nvSpPr>
               <p:cNvPr id="237" name="TextBox 236">
@@ -9329,8 +9450,8 @@
           </a:p>
         </p:txBody>
       </p:sp>
-      <mc:AlternateContent xmlns:mc="http://schemas.openxmlformats.org/markup-compatibility/2006">
-        <mc:Choice xmlns:a14="http://schemas.microsoft.com/office/drawing/2010/main" Requires="a14">
+      <mc:AlternateContent xmlns:mc="http://schemas.openxmlformats.org/markup-compatibility/2006" xmlns:a14="http://schemas.microsoft.com/office/drawing/2010/main">
+        <mc:Choice Requires="a14">
           <p:sp>
             <p:nvSpPr>
               <p:cNvPr id="239" name="TextBox 238">
@@ -9421,7 +9542,7 @@
             </p:txBody>
           </p:sp>
         </mc:Choice>
-        <mc:Fallback>
+        <mc:Fallback xmlns="">
           <p:sp>
             <p:nvSpPr>
               <p:cNvPr id="239" name="TextBox 238">
@@ -9466,8 +9587,8 @@
           </p:sp>
         </mc:Fallback>
       </mc:AlternateContent>
-      <mc:AlternateContent xmlns:mc="http://schemas.openxmlformats.org/markup-compatibility/2006">
-        <mc:Choice xmlns:a14="http://schemas.microsoft.com/office/drawing/2010/main" Requires="a14">
+      <mc:AlternateContent xmlns:mc="http://schemas.openxmlformats.org/markup-compatibility/2006" xmlns:a14="http://schemas.microsoft.com/office/drawing/2010/main">
+        <mc:Choice Requires="a14">
           <p:sp>
             <p:nvSpPr>
               <p:cNvPr id="240" name="TextBox 239">
@@ -9571,7 +9692,7 @@
             </p:txBody>
           </p:sp>
         </mc:Choice>
-        <mc:Fallback>
+        <mc:Fallback xmlns="">
           <p:sp>
             <p:nvSpPr>
               <p:cNvPr id="240" name="TextBox 239">
@@ -9703,8 +9824,8 @@
           </a:fontRef>
         </p:style>
       </p:cxnSp>
-      <mc:AlternateContent xmlns:mc="http://schemas.openxmlformats.org/markup-compatibility/2006">
-        <mc:Choice xmlns:a14="http://schemas.microsoft.com/office/drawing/2010/main" Requires="a14">
+      <mc:AlternateContent xmlns:mc="http://schemas.openxmlformats.org/markup-compatibility/2006" xmlns:a14="http://schemas.microsoft.com/office/drawing/2010/main">
+        <mc:Choice Requires="a14">
           <p:sp>
             <p:nvSpPr>
               <p:cNvPr id="248" name="TextBox 247">
@@ -9776,7 +9897,7 @@
             </p:txBody>
           </p:sp>
         </mc:Choice>
-        <mc:Fallback>
+        <mc:Fallback xmlns="">
           <p:sp>
             <p:nvSpPr>
               <p:cNvPr id="248" name="TextBox 247">
@@ -10252,8 +10373,8 @@
           </a:p>
         </p:txBody>
       </p:sp>
-      <mc:AlternateContent xmlns:mc="http://schemas.openxmlformats.org/markup-compatibility/2006">
-        <mc:Choice xmlns:a14="http://schemas.microsoft.com/office/drawing/2010/main" Requires="a14">
+      <mc:AlternateContent xmlns:mc="http://schemas.openxmlformats.org/markup-compatibility/2006" xmlns:a14="http://schemas.microsoft.com/office/drawing/2010/main">
+        <mc:Choice Requires="a14">
           <p:sp>
             <p:nvSpPr>
               <p:cNvPr id="47" name="Oval 46">
@@ -10357,7 +10478,7 @@
             </p:txBody>
           </p:sp>
         </mc:Choice>
-        <mc:Fallback>
+        <mc:Fallback xmlns="">
           <p:sp>
             <p:nvSpPr>
               <p:cNvPr id="47" name="Oval 46">
@@ -10410,8 +10531,8 @@
           </p:sp>
         </mc:Fallback>
       </mc:AlternateContent>
-      <mc:AlternateContent xmlns:mc="http://schemas.openxmlformats.org/markup-compatibility/2006">
-        <mc:Choice xmlns:a14="http://schemas.microsoft.com/office/drawing/2010/main" Requires="a14">
+      <mc:AlternateContent xmlns:mc="http://schemas.openxmlformats.org/markup-compatibility/2006" xmlns:a14="http://schemas.microsoft.com/office/drawing/2010/main">
+        <mc:Choice Requires="a14">
           <p:sp>
             <p:nvSpPr>
               <p:cNvPr id="48" name="Oval 47">
@@ -10515,7 +10636,7 @@
             </p:txBody>
           </p:sp>
         </mc:Choice>
-        <mc:Fallback>
+        <mc:Fallback xmlns="">
           <p:sp>
             <p:nvSpPr>
               <p:cNvPr id="48" name="Oval 47">
@@ -10568,8 +10689,8 @@
           </p:sp>
         </mc:Fallback>
       </mc:AlternateContent>
-      <mc:AlternateContent xmlns:mc="http://schemas.openxmlformats.org/markup-compatibility/2006">
-        <mc:Choice xmlns:a14="http://schemas.microsoft.com/office/drawing/2010/main" Requires="a14">
+      <mc:AlternateContent xmlns:mc="http://schemas.openxmlformats.org/markup-compatibility/2006" xmlns:a14="http://schemas.microsoft.com/office/drawing/2010/main">
+        <mc:Choice Requires="a14">
           <p:sp>
             <p:nvSpPr>
               <p:cNvPr id="49" name="Oval 48">
@@ -10673,7 +10794,7 @@
             </p:txBody>
           </p:sp>
         </mc:Choice>
-        <mc:Fallback>
+        <mc:Fallback xmlns="">
           <p:sp>
             <p:nvSpPr>
               <p:cNvPr id="49" name="Oval 48">
@@ -10726,8 +10847,8 @@
           </p:sp>
         </mc:Fallback>
       </mc:AlternateContent>
-      <mc:AlternateContent xmlns:mc="http://schemas.openxmlformats.org/markup-compatibility/2006">
-        <mc:Choice xmlns:a14="http://schemas.microsoft.com/office/drawing/2010/main" Requires="a14">
+      <mc:AlternateContent xmlns:mc="http://schemas.openxmlformats.org/markup-compatibility/2006" xmlns:a14="http://schemas.microsoft.com/office/drawing/2010/main">
+        <mc:Choice Requires="a14">
           <p:sp>
             <p:nvSpPr>
               <p:cNvPr id="50" name="Oval 49">
@@ -10831,7 +10952,7 @@
             </p:txBody>
           </p:sp>
         </mc:Choice>
-        <mc:Fallback>
+        <mc:Fallback xmlns="">
           <p:sp>
             <p:nvSpPr>
               <p:cNvPr id="50" name="Oval 49">
@@ -12078,7 +12199,7 @@
         </p:nvSpPr>
         <p:spPr>
           <a:xfrm>
-            <a:off x="4791197" y="1855261"/>
+            <a:off x="4791196" y="1827260"/>
             <a:ext cx="2058059" cy="430421"/>
           </a:xfrm>
           <a:prstGeom prst="rect">
@@ -12521,8 +12642,8 @@
           </mc:Fallback>
         </mc:AlternateContent>
       </p:grpSp>
-      <mc:AlternateContent xmlns:mc="http://schemas.openxmlformats.org/markup-compatibility/2006">
-        <mc:Choice xmlns:a14="http://schemas.microsoft.com/office/drawing/2010/main" Requires="a14">
+      <mc:AlternateContent xmlns:mc="http://schemas.openxmlformats.org/markup-compatibility/2006" xmlns:a14="http://schemas.microsoft.com/office/drawing/2010/main">
+        <mc:Choice Requires="a14">
           <p:sp>
             <p:nvSpPr>
               <p:cNvPr id="61" name="TextBox 60">
@@ -12626,7 +12747,7 @@
             </p:txBody>
           </p:sp>
         </mc:Choice>
-        <mc:Fallback>
+        <mc:Fallback xmlns="">
           <p:sp>
             <p:nvSpPr>
               <p:cNvPr id="61" name="TextBox 60">
@@ -12676,8 +12797,8 @@
           </p:sp>
         </mc:Fallback>
       </mc:AlternateContent>
-      <mc:AlternateContent xmlns:mc="http://schemas.openxmlformats.org/markup-compatibility/2006">
-        <mc:Choice xmlns:a14="http://schemas.microsoft.com/office/drawing/2010/main" Requires="a14">
+      <mc:AlternateContent xmlns:mc="http://schemas.openxmlformats.org/markup-compatibility/2006" xmlns:a14="http://schemas.microsoft.com/office/drawing/2010/main">
+        <mc:Choice Requires="a14">
           <p:sp>
             <p:nvSpPr>
               <p:cNvPr id="62" name="TextBox 61">
@@ -12775,7 +12896,7 @@
             </p:txBody>
           </p:sp>
         </mc:Choice>
-        <mc:Fallback>
+        <mc:Fallback xmlns="">
           <p:sp>
             <p:nvSpPr>
               <p:cNvPr id="62" name="TextBox 61">
@@ -12820,8 +12941,8 @@
           </p:sp>
         </mc:Fallback>
       </mc:AlternateContent>
-      <mc:AlternateContent xmlns:mc="http://schemas.openxmlformats.org/markup-compatibility/2006">
-        <mc:Choice xmlns:a14="http://schemas.microsoft.com/office/drawing/2010/main" Requires="a14">
+      <mc:AlternateContent xmlns:mc="http://schemas.openxmlformats.org/markup-compatibility/2006" xmlns:a14="http://schemas.microsoft.com/office/drawing/2010/main">
+        <mc:Choice Requires="a14">
           <p:sp>
             <p:nvSpPr>
               <p:cNvPr id="63" name="TextBox 62">
@@ -12912,7 +13033,7 @@
             </p:txBody>
           </p:sp>
         </mc:Choice>
-        <mc:Fallback>
+        <mc:Fallback xmlns="">
           <p:sp>
             <p:nvSpPr>
               <p:cNvPr id="63" name="TextBox 62">
@@ -12957,8 +13078,8 @@
           </p:sp>
         </mc:Fallback>
       </mc:AlternateContent>
-      <mc:AlternateContent xmlns:mc="http://schemas.openxmlformats.org/markup-compatibility/2006">
-        <mc:Choice xmlns:a14="http://schemas.microsoft.com/office/drawing/2010/main" Requires="a14">
+      <mc:AlternateContent xmlns:mc="http://schemas.openxmlformats.org/markup-compatibility/2006" xmlns:a14="http://schemas.microsoft.com/office/drawing/2010/main">
+        <mc:Choice Requires="a14">
           <p:sp>
             <p:nvSpPr>
               <p:cNvPr id="66" name="TextBox 65">
@@ -13049,7 +13170,7 @@
             </p:txBody>
           </p:sp>
         </mc:Choice>
-        <mc:Fallback>
+        <mc:Fallback xmlns="">
           <p:sp>
             <p:nvSpPr>
               <p:cNvPr id="66" name="TextBox 65">
@@ -13094,8 +13215,8 @@
           </p:sp>
         </mc:Fallback>
       </mc:AlternateContent>
-      <mc:AlternateContent xmlns:mc="http://schemas.openxmlformats.org/markup-compatibility/2006">
-        <mc:Choice xmlns:a14="http://schemas.microsoft.com/office/drawing/2010/main" Requires="a14">
+      <mc:AlternateContent xmlns:mc="http://schemas.openxmlformats.org/markup-compatibility/2006" xmlns:a14="http://schemas.microsoft.com/office/drawing/2010/main">
+        <mc:Choice Requires="a14">
           <p:sp>
             <p:nvSpPr>
               <p:cNvPr id="67" name="TextBox 66">
@@ -13204,7 +13325,7 @@
             </p:txBody>
           </p:sp>
         </mc:Choice>
-        <mc:Fallback>
+        <mc:Fallback xmlns="">
           <p:sp>
             <p:nvSpPr>
               <p:cNvPr id="67" name="TextBox 66">
@@ -13249,8 +13370,8 @@
           </p:sp>
         </mc:Fallback>
       </mc:AlternateContent>
-      <mc:AlternateContent xmlns:mc="http://schemas.openxmlformats.org/markup-compatibility/2006">
-        <mc:Choice xmlns:a14="http://schemas.microsoft.com/office/drawing/2010/main" Requires="a14">
+      <mc:AlternateContent xmlns:mc="http://schemas.openxmlformats.org/markup-compatibility/2006" xmlns:a14="http://schemas.microsoft.com/office/drawing/2010/main">
+        <mc:Choice Requires="a14">
           <p:sp>
             <p:nvSpPr>
               <p:cNvPr id="68" name="TextBox 67">
@@ -13335,7 +13456,7 @@
             </p:txBody>
           </p:sp>
         </mc:Choice>
-        <mc:Fallback>
+        <mc:Fallback xmlns="">
           <p:sp>
             <p:nvSpPr>
               <p:cNvPr id="68" name="TextBox 67">
@@ -13380,8 +13501,8 @@
           </p:sp>
         </mc:Fallback>
       </mc:AlternateContent>
-      <mc:AlternateContent xmlns:mc="http://schemas.openxmlformats.org/markup-compatibility/2006">
-        <mc:Choice xmlns:a14="http://schemas.microsoft.com/office/drawing/2010/main" Requires="a14">
+      <mc:AlternateContent xmlns:mc="http://schemas.openxmlformats.org/markup-compatibility/2006" xmlns:a14="http://schemas.microsoft.com/office/drawing/2010/main">
+        <mc:Choice Requires="a14">
           <p:sp>
             <p:nvSpPr>
               <p:cNvPr id="69" name="TextBox 68">
@@ -13453,7 +13574,7 @@
             </p:txBody>
           </p:sp>
         </mc:Choice>
-        <mc:Fallback>
+        <mc:Fallback xmlns="">
           <p:sp>
             <p:nvSpPr>
               <p:cNvPr id="69" name="TextBox 68">

--- a/23-25_Automatic-Control-Lab/Projects/24_Aerosol/Paper/Figs/pics.pptx
+++ b/23-25_Automatic-Control-Lab/Projects/24_Aerosol/Paper/Figs/pics.pptx
@@ -7,10 +7,11 @@
   <p:sldIdLst>
     <p:sldId id="266" r:id="rId2"/>
     <p:sldId id="257" r:id="rId3"/>
-    <p:sldId id="267" r:id="rId4"/>
-    <p:sldId id="270" r:id="rId5"/>
-    <p:sldId id="271" r:id="rId6"/>
-    <p:sldId id="268" r:id="rId7"/>
+    <p:sldId id="272" r:id="rId4"/>
+    <p:sldId id="267" r:id="rId5"/>
+    <p:sldId id="270" r:id="rId6"/>
+    <p:sldId id="271" r:id="rId7"/>
+    <p:sldId id="268" r:id="rId8"/>
   </p:sldIdLst>
   <p:sldSz cx="12192000" cy="6858000"/>
   <p:notesSz cx="6858000" cy="9144000"/>
@@ -264,7 +265,7 @@
           <a:p>
             <a:fld id="{D576A762-347D-4C51-B170-BDB093476561}" type="datetimeFigureOut">
               <a:rPr lang="en-US" smtClean="0"/>
-              <a:t>1/8/2025</a:t>
+              <a:t>1/9/2025</a:t>
             </a:fld>
             <a:endParaRPr lang="en-US"/>
           </a:p>
@@ -462,7 +463,7 @@
           <a:p>
             <a:fld id="{D576A762-347D-4C51-B170-BDB093476561}" type="datetimeFigureOut">
               <a:rPr lang="en-US" smtClean="0"/>
-              <a:t>1/8/2025</a:t>
+              <a:t>1/9/2025</a:t>
             </a:fld>
             <a:endParaRPr lang="en-US"/>
           </a:p>
@@ -670,7 +671,7 @@
           <a:p>
             <a:fld id="{D576A762-347D-4C51-B170-BDB093476561}" type="datetimeFigureOut">
               <a:rPr lang="en-US" smtClean="0"/>
-              <a:t>1/8/2025</a:t>
+              <a:t>1/9/2025</a:t>
             </a:fld>
             <a:endParaRPr lang="en-US"/>
           </a:p>
@@ -868,7 +869,7 @@
           <a:p>
             <a:fld id="{D576A762-347D-4C51-B170-BDB093476561}" type="datetimeFigureOut">
               <a:rPr lang="en-US" smtClean="0"/>
-              <a:t>1/8/2025</a:t>
+              <a:t>1/9/2025</a:t>
             </a:fld>
             <a:endParaRPr lang="en-US"/>
           </a:p>
@@ -1143,7 +1144,7 @@
           <a:p>
             <a:fld id="{D576A762-347D-4C51-B170-BDB093476561}" type="datetimeFigureOut">
               <a:rPr lang="en-US" smtClean="0"/>
-              <a:t>1/8/2025</a:t>
+              <a:t>1/9/2025</a:t>
             </a:fld>
             <a:endParaRPr lang="en-US"/>
           </a:p>
@@ -1408,7 +1409,7 @@
           <a:p>
             <a:fld id="{D576A762-347D-4C51-B170-BDB093476561}" type="datetimeFigureOut">
               <a:rPr lang="en-US" smtClean="0"/>
-              <a:t>1/8/2025</a:t>
+              <a:t>1/9/2025</a:t>
             </a:fld>
             <a:endParaRPr lang="en-US"/>
           </a:p>
@@ -1820,7 +1821,7 @@
           <a:p>
             <a:fld id="{D576A762-347D-4C51-B170-BDB093476561}" type="datetimeFigureOut">
               <a:rPr lang="en-US" smtClean="0"/>
-              <a:t>1/8/2025</a:t>
+              <a:t>1/9/2025</a:t>
             </a:fld>
             <a:endParaRPr lang="en-US"/>
           </a:p>
@@ -1961,7 +1962,7 @@
           <a:p>
             <a:fld id="{D576A762-347D-4C51-B170-BDB093476561}" type="datetimeFigureOut">
               <a:rPr lang="en-US" smtClean="0"/>
-              <a:t>1/8/2025</a:t>
+              <a:t>1/9/2025</a:t>
             </a:fld>
             <a:endParaRPr lang="en-US"/>
           </a:p>
@@ -2074,7 +2075,7 @@
           <a:p>
             <a:fld id="{D576A762-347D-4C51-B170-BDB093476561}" type="datetimeFigureOut">
               <a:rPr lang="en-US" smtClean="0"/>
-              <a:t>1/8/2025</a:t>
+              <a:t>1/9/2025</a:t>
             </a:fld>
             <a:endParaRPr lang="en-US"/>
           </a:p>
@@ -2385,7 +2386,7 @@
           <a:p>
             <a:fld id="{D576A762-347D-4C51-B170-BDB093476561}" type="datetimeFigureOut">
               <a:rPr lang="en-US" smtClean="0"/>
-              <a:t>1/8/2025</a:t>
+              <a:t>1/9/2025</a:t>
             </a:fld>
             <a:endParaRPr lang="en-US"/>
           </a:p>
@@ -2673,7 +2674,7 @@
           <a:p>
             <a:fld id="{D576A762-347D-4C51-B170-BDB093476561}" type="datetimeFigureOut">
               <a:rPr lang="en-US" smtClean="0"/>
-              <a:t>1/8/2025</a:t>
+              <a:t>1/9/2025</a:t>
             </a:fld>
             <a:endParaRPr lang="en-US"/>
           </a:p>
@@ -2914,7 +2915,7 @@
           <a:p>
             <a:fld id="{D576A762-347D-4C51-B170-BDB093476561}" type="datetimeFigureOut">
               <a:rPr lang="en-US" smtClean="0"/>
-              <a:t>1/8/2025</a:t>
+              <a:t>1/9/2025</a:t>
             </a:fld>
             <a:endParaRPr lang="en-US"/>
           </a:p>
@@ -4860,6 +4861,1789 @@
           <a:chExt cx="0" cy="0"/>
         </a:xfrm>
       </p:grpSpPr>
+      <p:cxnSp>
+        <p:nvCxnSpPr>
+          <p:cNvPr id="4" name="Straight Arrow Connector 3">
+            <a:extLst>
+              <a:ext uri="{FF2B5EF4-FFF2-40B4-BE49-F238E27FC236}">
+                <a16:creationId xmlns:a16="http://schemas.microsoft.com/office/drawing/2014/main" id="{578F9E99-1FB9-AD5A-B01D-2C8C7EC384C8}"/>
+              </a:ext>
+            </a:extLst>
+          </p:cNvPr>
+          <p:cNvCxnSpPr>
+            <a:cxnSpLocks/>
+          </p:cNvCxnSpPr>
+          <p:nvPr/>
+        </p:nvCxnSpPr>
+        <p:spPr>
+          <a:xfrm flipV="1">
+            <a:off x="6006707" y="4075522"/>
+            <a:ext cx="5838" cy="291595"/>
+          </a:xfrm>
+          <a:prstGeom prst="straightConnector1">
+            <a:avLst/>
+          </a:prstGeom>
+          <a:ln>
+            <a:solidFill>
+              <a:srgbClr val="00B050"/>
+            </a:solidFill>
+            <a:tailEnd type="triangle"/>
+          </a:ln>
+        </p:spPr>
+        <p:style>
+          <a:lnRef idx="2">
+            <a:schemeClr val="accent1"/>
+          </a:lnRef>
+          <a:fillRef idx="0">
+            <a:schemeClr val="accent1"/>
+          </a:fillRef>
+          <a:effectRef idx="1">
+            <a:schemeClr val="accent1"/>
+          </a:effectRef>
+          <a:fontRef idx="minor">
+            <a:schemeClr val="tx1"/>
+          </a:fontRef>
+        </p:style>
+      </p:cxnSp>
+      <p:grpSp>
+        <p:nvGrpSpPr>
+          <p:cNvPr id="51" name="Group 50">
+            <a:extLst>
+              <a:ext uri="{FF2B5EF4-FFF2-40B4-BE49-F238E27FC236}">
+                <a16:creationId xmlns:a16="http://schemas.microsoft.com/office/drawing/2014/main" id="{AE35FB04-DFB1-58D1-62B8-DD245FEA1122}"/>
+              </a:ext>
+            </a:extLst>
+          </p:cNvPr>
+          <p:cNvGrpSpPr/>
+          <p:nvPr/>
+        </p:nvGrpSpPr>
+        <p:grpSpPr>
+          <a:xfrm>
+            <a:off x="5371838" y="4281366"/>
+            <a:ext cx="2312912" cy="523220"/>
+            <a:chOff x="5371838" y="4281366"/>
+            <a:chExt cx="2312912" cy="523220"/>
+          </a:xfrm>
+        </p:grpSpPr>
+        <mc:AlternateContent xmlns:mc="http://schemas.openxmlformats.org/markup-compatibility/2006">
+          <mc:Choice xmlns:a14="http://schemas.microsoft.com/office/drawing/2010/main" Requires="a14">
+            <p:sp>
+              <p:nvSpPr>
+                <p:cNvPr id="5" name="TextBox 4">
+                  <a:extLst>
+                    <a:ext uri="{FF2B5EF4-FFF2-40B4-BE49-F238E27FC236}">
+                      <a16:creationId xmlns:a16="http://schemas.microsoft.com/office/drawing/2014/main" id="{C1365514-C46B-782D-8733-4113A0EC8637}"/>
+                    </a:ext>
+                  </a:extLst>
+                </p:cNvPr>
+                <p:cNvSpPr txBox="1"/>
+                <p:nvPr/>
+              </p:nvSpPr>
+              <p:spPr>
+                <a:xfrm>
+                  <a:off x="6799788" y="4281366"/>
+                  <a:ext cx="884962" cy="523220"/>
+                </a:xfrm>
+                <a:prstGeom prst="rect">
+                  <a:avLst/>
+                </a:prstGeom>
+                <a:noFill/>
+              </p:spPr>
+              <p:txBody>
+                <a:bodyPr wrap="square" rtlCol="0">
+                  <a:spAutoFit/>
+                </a:bodyPr>
+                <a:lstStyle/>
+                <a:p>
+                  <a:pPr/>
+                  <a14:m>
+                    <m:oMathPara xmlns:m="http://schemas.openxmlformats.org/officeDocument/2006/math">
+                      <m:oMathParaPr>
+                        <m:jc m:val="centerGroup"/>
+                      </m:oMathParaPr>
+                      <m:oMath xmlns:m="http://schemas.openxmlformats.org/officeDocument/2006/math">
+                        <m:r>
+                          <m:rPr>
+                            <m:sty m:val="p"/>
+                          </m:rPr>
+                          <a:rPr lang="en-US" sz="1400" b="0" i="0" smtClean="0">
+                            <a:latin typeface="Cambria Math" panose="02040503050406030204" pitchFamily="18" charset="0"/>
+                          </a:rPr>
+                          <m:t>Input</m:t>
+                        </m:r>
+                      </m:oMath>
+                    </m:oMathPara>
+                  </a14:m>
+                  <a:endParaRPr lang="en-US" sz="1400" b="0" dirty="0">
+                    <a:latin typeface="Cambria Math" panose="02040503050406030204" pitchFamily="18" charset="0"/>
+                  </a:endParaRPr>
+                </a:p>
+                <a:p>
+                  <a:pPr/>
+                  <a14:m>
+                    <m:oMathPara xmlns:m="http://schemas.openxmlformats.org/officeDocument/2006/math">
+                      <m:oMathParaPr>
+                        <m:jc m:val="centerGroup"/>
+                      </m:oMathParaPr>
+                      <m:oMath xmlns:m="http://schemas.openxmlformats.org/officeDocument/2006/math">
+                        <m:d>
+                          <m:dPr>
+                            <m:ctrlPr>
+                              <a:rPr lang="en-US" sz="1400" b="0" i="1" smtClean="0">
+                                <a:latin typeface="Cambria Math" panose="02040503050406030204" pitchFamily="18" charset="0"/>
+                              </a:rPr>
+                            </m:ctrlPr>
+                          </m:dPr>
+                          <m:e>
+                            <m:r>
+                              <a:rPr lang="en-US" sz="1400" b="0" i="1" smtClean="0">
+                                <a:latin typeface="Cambria Math" panose="02040503050406030204" pitchFamily="18" charset="0"/>
+                              </a:rPr>
+                              <m:t>14 </m:t>
+                            </m:r>
+                          </m:e>
+                        </m:d>
+                      </m:oMath>
+                    </m:oMathPara>
+                  </a14:m>
+                  <a:endParaRPr lang="en-US" sz="1400" dirty="0"/>
+                </a:p>
+              </p:txBody>
+            </p:sp>
+          </mc:Choice>
+          <mc:Fallback>
+            <p:sp>
+              <p:nvSpPr>
+                <p:cNvPr id="5" name="TextBox 4">
+                  <a:extLst>
+                    <a:ext uri="{FF2B5EF4-FFF2-40B4-BE49-F238E27FC236}">
+                      <a16:creationId xmlns:a16="http://schemas.microsoft.com/office/drawing/2014/main" id="{C1365514-C46B-782D-8733-4113A0EC8637}"/>
+                    </a:ext>
+                  </a:extLst>
+                </p:cNvPr>
+                <p:cNvSpPr txBox="1">
+                  <a:spLocks noRot="1" noChangeAspect="1" noMove="1" noResize="1" noEditPoints="1" noAdjustHandles="1" noChangeArrowheads="1" noChangeShapeType="1" noTextEdit="1"/>
+                </p:cNvSpPr>
+                <p:nvPr/>
+              </p:nvSpPr>
+              <p:spPr>
+                <a:xfrm>
+                  <a:off x="6799788" y="4281366"/>
+                  <a:ext cx="884962" cy="523220"/>
+                </a:xfrm>
+                <a:prstGeom prst="rect">
+                  <a:avLst/>
+                </a:prstGeom>
+                <a:blipFill>
+                  <a:blip r:embed="rId2"/>
+                  <a:stretch>
+                    <a:fillRect/>
+                  </a:stretch>
+                </a:blipFill>
+              </p:spPr>
+              <p:txBody>
+                <a:bodyPr/>
+                <a:lstStyle/>
+                <a:p>
+                  <a:r>
+                    <a:rPr lang="en-US">
+                      <a:noFill/>
+                    </a:rPr>
+                    <a:t> </a:t>
+                  </a:r>
+                </a:p>
+              </p:txBody>
+            </p:sp>
+          </mc:Fallback>
+        </mc:AlternateContent>
+        <mc:AlternateContent xmlns:mc="http://schemas.openxmlformats.org/markup-compatibility/2006">
+          <mc:Choice xmlns:a14="http://schemas.microsoft.com/office/drawing/2010/main" Requires="a14">
+            <p:sp>
+              <p:nvSpPr>
+                <p:cNvPr id="11" name="Rectangle 10">
+                  <a:extLst>
+                    <a:ext uri="{FF2B5EF4-FFF2-40B4-BE49-F238E27FC236}">
+                      <a16:creationId xmlns:a16="http://schemas.microsoft.com/office/drawing/2014/main" id="{74E03FD9-B8AF-3A51-972E-E07FB0EF0EE4}"/>
+                    </a:ext>
+                  </a:extLst>
+                </p:cNvPr>
+                <p:cNvSpPr/>
+                <p:nvPr/>
+              </p:nvSpPr>
+              <p:spPr>
+                <a:xfrm>
+                  <a:off x="5371838" y="4355225"/>
+                  <a:ext cx="1275576" cy="375503"/>
+                </a:xfrm>
+                <a:prstGeom prst="rect">
+                  <a:avLst/>
+                </a:prstGeom>
+                <a:solidFill>
+                  <a:schemeClr val="accent3">
+                    <a:lumMod val="20000"/>
+                    <a:lumOff val="80000"/>
+                  </a:schemeClr>
+                </a:solidFill>
+                <a:ln>
+                  <a:solidFill>
+                    <a:srgbClr val="00B050"/>
+                  </a:solidFill>
+                </a:ln>
+              </p:spPr>
+              <p:style>
+                <a:lnRef idx="2">
+                  <a:schemeClr val="accent1">
+                    <a:shade val="15000"/>
+                  </a:schemeClr>
+                </a:lnRef>
+                <a:fillRef idx="1">
+                  <a:schemeClr val="accent1"/>
+                </a:fillRef>
+                <a:effectRef idx="0">
+                  <a:schemeClr val="accent1"/>
+                </a:effectRef>
+                <a:fontRef idx="minor">
+                  <a:schemeClr val="lt1"/>
+                </a:fontRef>
+              </p:style>
+              <p:txBody>
+                <a:bodyPr rtlCol="0" anchor="ctr"/>
+                <a:lstStyle/>
+                <a:p>
+                  <a:pPr algn="ctr"/>
+                  <a14:m>
+                    <m:oMathPara xmlns:m="http://schemas.openxmlformats.org/officeDocument/2006/math">
+                      <m:oMathParaPr>
+                        <m:jc m:val="centerGroup"/>
+                      </m:oMathParaPr>
+                      <m:oMath xmlns:m="http://schemas.openxmlformats.org/officeDocument/2006/math">
+                        <m:sSub>
+                          <m:sSubPr>
+                            <m:ctrlPr>
+                              <a:rPr lang="en-US" sz="1200" b="1" i="1" dirty="0" smtClean="0">
+                                <a:solidFill>
+                                  <a:sysClr val="windowText" lastClr="000000"/>
+                                </a:solidFill>
+                                <a:latin typeface="Cambria Math" panose="02040503050406030204" pitchFamily="18" charset="0"/>
+                              </a:rPr>
+                            </m:ctrlPr>
+                          </m:sSubPr>
+                          <m:e>
+                            <m:r>
+                              <a:rPr lang="en-US" sz="1200" b="1" i="0" dirty="0" smtClean="0">
+                                <a:solidFill>
+                                  <a:sysClr val="windowText" lastClr="000000"/>
+                                </a:solidFill>
+                                <a:latin typeface="Cambria Math" panose="02040503050406030204" pitchFamily="18" charset="0"/>
+                              </a:rPr>
+                              <m:t>𝐗</m:t>
+                            </m:r>
+                          </m:e>
+                          <m:sub>
+                            <m:r>
+                              <a:rPr lang="en-US" sz="1200" b="1" i="0" dirty="0" smtClean="0">
+                                <a:solidFill>
+                                  <a:sysClr val="windowText" lastClr="000000"/>
+                                </a:solidFill>
+                                <a:latin typeface="Cambria Math" panose="02040503050406030204" pitchFamily="18" charset="0"/>
+                              </a:rPr>
+                              <m:t>𝟏</m:t>
+                            </m:r>
+                          </m:sub>
+                        </m:sSub>
+                        <m:r>
+                          <a:rPr lang="en-US" sz="1200" b="1" i="0" dirty="0" smtClean="0">
+                            <a:solidFill>
+                              <a:sysClr val="windowText" lastClr="000000"/>
+                            </a:solidFill>
+                            <a:latin typeface="Cambria Math" panose="02040503050406030204" pitchFamily="18" charset="0"/>
+                          </a:rPr>
+                          <m:t>,…,</m:t>
+                        </m:r>
+                        <m:sSub>
+                          <m:sSubPr>
+                            <m:ctrlPr>
+                              <a:rPr lang="en-US" sz="1200" b="1" i="1" dirty="0">
+                                <a:solidFill>
+                                  <a:sysClr val="windowText" lastClr="000000"/>
+                                </a:solidFill>
+                                <a:latin typeface="Cambria Math" panose="02040503050406030204" pitchFamily="18" charset="0"/>
+                              </a:rPr>
+                            </m:ctrlPr>
+                          </m:sSubPr>
+                          <m:e>
+                            <m:r>
+                              <a:rPr lang="en-US" sz="1200" b="1" i="1" dirty="0">
+                                <a:solidFill>
+                                  <a:sysClr val="windowText" lastClr="000000"/>
+                                </a:solidFill>
+                                <a:latin typeface="Cambria Math" panose="02040503050406030204" pitchFamily="18" charset="0"/>
+                              </a:rPr>
+                              <m:t>𝑿</m:t>
+                            </m:r>
+                          </m:e>
+                          <m:sub>
+                            <m:r>
+                              <a:rPr lang="en-US" sz="1200" b="1" i="1" dirty="0">
+                                <a:solidFill>
+                                  <a:sysClr val="windowText" lastClr="000000"/>
+                                </a:solidFill>
+                                <a:latin typeface="Cambria Math" panose="02040503050406030204" pitchFamily="18" charset="0"/>
+                              </a:rPr>
+                              <m:t>𝟏</m:t>
+                            </m:r>
+                            <m:r>
+                              <a:rPr lang="en-US" sz="1200" b="1" i="1" dirty="0" smtClean="0">
+                                <a:solidFill>
+                                  <a:sysClr val="windowText" lastClr="000000"/>
+                                </a:solidFill>
+                                <a:latin typeface="Cambria Math" panose="02040503050406030204" pitchFamily="18" charset="0"/>
+                              </a:rPr>
+                              <m:t>𝟒</m:t>
+                            </m:r>
+                          </m:sub>
+                        </m:sSub>
+                      </m:oMath>
+                    </m:oMathPara>
+                  </a14:m>
+                  <a:endParaRPr lang="en-US" sz="1200" b="1" dirty="0">
+                    <a:solidFill>
+                      <a:sysClr val="windowText" lastClr="000000"/>
+                    </a:solidFill>
+                  </a:endParaRPr>
+                </a:p>
+              </p:txBody>
+            </p:sp>
+          </mc:Choice>
+          <mc:Fallback>
+            <p:sp>
+              <p:nvSpPr>
+                <p:cNvPr id="11" name="Rectangle 10">
+                  <a:extLst>
+                    <a:ext uri="{FF2B5EF4-FFF2-40B4-BE49-F238E27FC236}">
+                      <a16:creationId xmlns:a16="http://schemas.microsoft.com/office/drawing/2014/main" id="{74E03FD9-B8AF-3A51-972E-E07FB0EF0EE4}"/>
+                    </a:ext>
+                  </a:extLst>
+                </p:cNvPr>
+                <p:cNvSpPr>
+                  <a:spLocks noRot="1" noChangeAspect="1" noMove="1" noResize="1" noEditPoints="1" noAdjustHandles="1" noChangeArrowheads="1" noChangeShapeType="1" noTextEdit="1"/>
+                </p:cNvSpPr>
+                <p:nvPr/>
+              </p:nvSpPr>
+              <p:spPr>
+                <a:xfrm>
+                  <a:off x="5371838" y="4355225"/>
+                  <a:ext cx="1275576" cy="375503"/>
+                </a:xfrm>
+                <a:prstGeom prst="rect">
+                  <a:avLst/>
+                </a:prstGeom>
+                <a:blipFill>
+                  <a:blip r:embed="rId3"/>
+                  <a:stretch>
+                    <a:fillRect/>
+                  </a:stretch>
+                </a:blipFill>
+                <a:ln>
+                  <a:solidFill>
+                    <a:srgbClr val="00B050"/>
+                  </a:solidFill>
+                </a:ln>
+              </p:spPr>
+              <p:txBody>
+                <a:bodyPr/>
+                <a:lstStyle/>
+                <a:p>
+                  <a:r>
+                    <a:rPr lang="en-US">
+                      <a:noFill/>
+                    </a:rPr>
+                    <a:t> </a:t>
+                  </a:r>
+                </a:p>
+              </p:txBody>
+            </p:sp>
+          </mc:Fallback>
+        </mc:AlternateContent>
+      </p:grpSp>
+      <p:grpSp>
+        <p:nvGrpSpPr>
+          <p:cNvPr id="55" name="Group 54">
+            <a:extLst>
+              <a:ext uri="{FF2B5EF4-FFF2-40B4-BE49-F238E27FC236}">
+                <a16:creationId xmlns:a16="http://schemas.microsoft.com/office/drawing/2014/main" id="{F0F73BC2-CB19-4FB7-5DF5-75F50590440E}"/>
+              </a:ext>
+            </a:extLst>
+          </p:cNvPr>
+          <p:cNvGrpSpPr/>
+          <p:nvPr/>
+        </p:nvGrpSpPr>
+        <p:grpSpPr>
+          <a:xfrm>
+            <a:off x="5291749" y="1863858"/>
+            <a:ext cx="2443426" cy="523220"/>
+            <a:chOff x="5291749" y="1848950"/>
+            <a:chExt cx="2443426" cy="523220"/>
+          </a:xfrm>
+        </p:grpSpPr>
+        <p:sp>
+          <p:nvSpPr>
+            <p:cNvPr id="28" name="Rectangle 27">
+              <a:extLst>
+                <a:ext uri="{FF2B5EF4-FFF2-40B4-BE49-F238E27FC236}">
+                  <a16:creationId xmlns:a16="http://schemas.microsoft.com/office/drawing/2014/main" id="{FE8C2742-43C2-30D6-85CC-21A656CF0FBC}"/>
+                </a:ext>
+              </a:extLst>
+            </p:cNvPr>
+            <p:cNvSpPr/>
+            <p:nvPr/>
+          </p:nvSpPr>
+          <p:spPr>
+            <a:xfrm>
+              <a:off x="5291749" y="1939628"/>
+              <a:ext cx="1435755" cy="341865"/>
+            </a:xfrm>
+            <a:prstGeom prst="rect">
+              <a:avLst/>
+            </a:prstGeom>
+            <a:solidFill>
+              <a:schemeClr val="accent2">
+                <a:lumMod val="20000"/>
+                <a:lumOff val="80000"/>
+              </a:schemeClr>
+            </a:solidFill>
+            <a:ln>
+              <a:solidFill>
+                <a:schemeClr val="accent2"/>
+              </a:solidFill>
+            </a:ln>
+          </p:spPr>
+          <p:style>
+            <a:lnRef idx="2">
+              <a:schemeClr val="accent1">
+                <a:shade val="15000"/>
+              </a:schemeClr>
+            </a:lnRef>
+            <a:fillRef idx="1">
+              <a:schemeClr val="accent1"/>
+            </a:fillRef>
+            <a:effectRef idx="0">
+              <a:schemeClr val="accent1"/>
+            </a:effectRef>
+            <a:fontRef idx="minor">
+              <a:schemeClr val="lt1"/>
+            </a:fontRef>
+          </p:style>
+          <p:txBody>
+            <a:bodyPr rtlCol="0" anchor="ctr"/>
+            <a:lstStyle/>
+            <a:p>
+              <a:pPr algn="ctr"/>
+              <a:r>
+                <a:rPr lang="en-US" sz="1200" b="1" dirty="0">
+                  <a:solidFill>
+                    <a:schemeClr val="tx1"/>
+                  </a:solidFill>
+                </a:rPr>
+                <a:t>Linear, ReLU</a:t>
+              </a:r>
+            </a:p>
+          </p:txBody>
+        </p:sp>
+        <mc:AlternateContent xmlns:mc="http://schemas.openxmlformats.org/markup-compatibility/2006">
+          <mc:Choice xmlns:a14="http://schemas.microsoft.com/office/drawing/2010/main" Requires="a14">
+            <p:sp>
+              <p:nvSpPr>
+                <p:cNvPr id="29" name="TextBox 28">
+                  <a:extLst>
+                    <a:ext uri="{FF2B5EF4-FFF2-40B4-BE49-F238E27FC236}">
+                      <a16:creationId xmlns:a16="http://schemas.microsoft.com/office/drawing/2014/main" id="{97C1F9EA-F8ED-0E81-2EAB-9E83358886A7}"/>
+                    </a:ext>
+                  </a:extLst>
+                </p:cNvPr>
+                <p:cNvSpPr txBox="1"/>
+                <p:nvPr/>
+              </p:nvSpPr>
+              <p:spPr>
+                <a:xfrm>
+                  <a:off x="6749364" y="1848950"/>
+                  <a:ext cx="985811" cy="523220"/>
+                </a:xfrm>
+                <a:prstGeom prst="rect">
+                  <a:avLst/>
+                </a:prstGeom>
+                <a:noFill/>
+              </p:spPr>
+              <p:txBody>
+                <a:bodyPr wrap="square" rtlCol="0">
+                  <a:spAutoFit/>
+                </a:bodyPr>
+                <a:lstStyle/>
+                <a:p>
+                  <a:pPr/>
+                  <a14:m>
+                    <m:oMathPara xmlns:m="http://schemas.openxmlformats.org/officeDocument/2006/math">
+                      <m:oMathParaPr>
+                        <m:jc m:val="centerGroup"/>
+                      </m:oMathParaPr>
+                      <m:oMath xmlns:m="http://schemas.openxmlformats.org/officeDocument/2006/math">
+                        <m:r>
+                          <m:rPr>
+                            <m:sty m:val="p"/>
+                          </m:rPr>
+                          <a:rPr lang="en-US" sz="1400" b="0" i="0" smtClean="0">
+                            <a:latin typeface="Cambria Math" panose="02040503050406030204" pitchFamily="18" charset="0"/>
+                          </a:rPr>
+                          <m:t>Linear</m:t>
+                        </m:r>
+                        <m:r>
+                          <a:rPr lang="en-US" sz="1400" b="0" i="0" smtClean="0">
+                            <a:latin typeface="Cambria Math" panose="02040503050406030204" pitchFamily="18" charset="0"/>
+                          </a:rPr>
+                          <m:t>_4</m:t>
+                        </m:r>
+                      </m:oMath>
+                    </m:oMathPara>
+                  </a14:m>
+                  <a:endParaRPr lang="en-US" sz="1400" b="0" dirty="0">
+                    <a:latin typeface="Cambria Math" panose="02040503050406030204" pitchFamily="18" charset="0"/>
+                  </a:endParaRPr>
+                </a:p>
+                <a:p>
+                  <a:pPr/>
+                  <a14:m>
+                    <m:oMathPara xmlns:m="http://schemas.openxmlformats.org/officeDocument/2006/math">
+                      <m:oMathParaPr>
+                        <m:jc m:val="centerGroup"/>
+                      </m:oMathParaPr>
+                      <m:oMath xmlns:m="http://schemas.openxmlformats.org/officeDocument/2006/math">
+                        <m:d>
+                          <m:dPr>
+                            <m:ctrlPr>
+                              <a:rPr lang="en-US" sz="1400" b="0" i="1" smtClean="0">
+                                <a:latin typeface="Cambria Math" panose="02040503050406030204" pitchFamily="18" charset="0"/>
+                              </a:rPr>
+                            </m:ctrlPr>
+                          </m:dPr>
+                          <m:e>
+                            <m:r>
+                              <a:rPr lang="en-US" sz="1400" b="0" i="1" smtClean="0">
+                                <a:latin typeface="Cambria Math" panose="02040503050406030204" pitchFamily="18" charset="0"/>
+                              </a:rPr>
+                              <m:t>256</m:t>
+                            </m:r>
+                          </m:e>
+                        </m:d>
+                      </m:oMath>
+                    </m:oMathPara>
+                  </a14:m>
+                  <a:endParaRPr lang="en-US" sz="1400" dirty="0"/>
+                </a:p>
+              </p:txBody>
+            </p:sp>
+          </mc:Choice>
+          <mc:Fallback>
+            <p:sp>
+              <p:nvSpPr>
+                <p:cNvPr id="29" name="TextBox 28">
+                  <a:extLst>
+                    <a:ext uri="{FF2B5EF4-FFF2-40B4-BE49-F238E27FC236}">
+                      <a16:creationId xmlns:a16="http://schemas.microsoft.com/office/drawing/2014/main" id="{97C1F9EA-F8ED-0E81-2EAB-9E83358886A7}"/>
+                    </a:ext>
+                  </a:extLst>
+                </p:cNvPr>
+                <p:cNvSpPr txBox="1">
+                  <a:spLocks noRot="1" noChangeAspect="1" noMove="1" noResize="1" noEditPoints="1" noAdjustHandles="1" noChangeArrowheads="1" noChangeShapeType="1" noTextEdit="1"/>
+                </p:cNvSpPr>
+                <p:nvPr/>
+              </p:nvSpPr>
+              <p:spPr>
+                <a:xfrm>
+                  <a:off x="6749364" y="1848950"/>
+                  <a:ext cx="985811" cy="523220"/>
+                </a:xfrm>
+                <a:prstGeom prst="rect">
+                  <a:avLst/>
+                </a:prstGeom>
+                <a:blipFill>
+                  <a:blip r:embed="rId4"/>
+                  <a:stretch>
+                    <a:fillRect/>
+                  </a:stretch>
+                </a:blipFill>
+              </p:spPr>
+              <p:txBody>
+                <a:bodyPr/>
+                <a:lstStyle/>
+                <a:p>
+                  <a:r>
+                    <a:rPr lang="en-US">
+                      <a:noFill/>
+                    </a:rPr>
+                    <a:t> </a:t>
+                  </a:r>
+                </a:p>
+              </p:txBody>
+            </p:sp>
+          </mc:Fallback>
+        </mc:AlternateContent>
+      </p:grpSp>
+      <p:cxnSp>
+        <p:nvCxnSpPr>
+          <p:cNvPr id="31" name="Straight Arrow Connector 30">
+            <a:extLst>
+              <a:ext uri="{FF2B5EF4-FFF2-40B4-BE49-F238E27FC236}">
+                <a16:creationId xmlns:a16="http://schemas.microsoft.com/office/drawing/2014/main" id="{28564502-1256-A9EE-914A-523104F749CC}"/>
+              </a:ext>
+            </a:extLst>
+          </p:cNvPr>
+          <p:cNvCxnSpPr>
+            <a:cxnSpLocks/>
+          </p:cNvCxnSpPr>
+          <p:nvPr/>
+        </p:nvCxnSpPr>
+        <p:spPr>
+          <a:xfrm flipV="1">
+            <a:off x="6009627" y="2301330"/>
+            <a:ext cx="0" cy="239673"/>
+          </a:xfrm>
+          <a:prstGeom prst="straightConnector1">
+            <a:avLst/>
+          </a:prstGeom>
+          <a:ln>
+            <a:tailEnd type="triangle"/>
+          </a:ln>
+        </p:spPr>
+        <p:style>
+          <a:lnRef idx="1">
+            <a:schemeClr val="accent2"/>
+          </a:lnRef>
+          <a:fillRef idx="0">
+            <a:schemeClr val="accent2"/>
+          </a:fillRef>
+          <a:effectRef idx="0">
+            <a:schemeClr val="accent2"/>
+          </a:effectRef>
+          <a:fontRef idx="minor">
+            <a:schemeClr val="tx1"/>
+          </a:fontRef>
+        </p:style>
+      </p:cxnSp>
+      <p:cxnSp>
+        <p:nvCxnSpPr>
+          <p:cNvPr id="32" name="Straight Arrow Connector 31">
+            <a:extLst>
+              <a:ext uri="{FF2B5EF4-FFF2-40B4-BE49-F238E27FC236}">
+                <a16:creationId xmlns:a16="http://schemas.microsoft.com/office/drawing/2014/main" id="{81C31028-FDBE-BE3B-5B22-1BEE02C25931}"/>
+              </a:ext>
+            </a:extLst>
+          </p:cNvPr>
+          <p:cNvCxnSpPr>
+            <a:cxnSpLocks/>
+            <a:stCxn id="28" idx="0"/>
+            <a:endCxn id="30" idx="2"/>
+          </p:cNvCxnSpPr>
+          <p:nvPr/>
+        </p:nvCxnSpPr>
+        <p:spPr>
+          <a:xfrm flipH="1" flipV="1">
+            <a:off x="6006707" y="1681452"/>
+            <a:ext cx="2920" cy="273084"/>
+          </a:xfrm>
+          <a:prstGeom prst="straightConnector1">
+            <a:avLst/>
+          </a:prstGeom>
+          <a:ln>
+            <a:tailEnd type="triangle"/>
+          </a:ln>
+        </p:spPr>
+        <p:style>
+          <a:lnRef idx="1">
+            <a:schemeClr val="accent2"/>
+          </a:lnRef>
+          <a:fillRef idx="0">
+            <a:schemeClr val="accent2"/>
+          </a:fillRef>
+          <a:effectRef idx="0">
+            <a:schemeClr val="accent2"/>
+          </a:effectRef>
+          <a:fontRef idx="minor">
+            <a:schemeClr val="tx1"/>
+          </a:fontRef>
+        </p:style>
+      </p:cxnSp>
+      <p:grpSp>
+        <p:nvGrpSpPr>
+          <p:cNvPr id="56" name="Group 55">
+            <a:extLst>
+              <a:ext uri="{FF2B5EF4-FFF2-40B4-BE49-F238E27FC236}">
+                <a16:creationId xmlns:a16="http://schemas.microsoft.com/office/drawing/2014/main" id="{F2DB839A-3156-E329-2D56-9CD17BE36652}"/>
+              </a:ext>
+            </a:extLst>
+          </p:cNvPr>
+          <p:cNvGrpSpPr/>
+          <p:nvPr/>
+        </p:nvGrpSpPr>
+        <p:grpSpPr>
+          <a:xfrm>
+            <a:off x="5288829" y="1281342"/>
+            <a:ext cx="2446346" cy="523220"/>
+            <a:chOff x="5288829" y="1281342"/>
+            <a:chExt cx="2446346" cy="523220"/>
+          </a:xfrm>
+        </p:grpSpPr>
+        <mc:AlternateContent xmlns:mc="http://schemas.openxmlformats.org/markup-compatibility/2006">
+          <mc:Choice xmlns:a14="http://schemas.microsoft.com/office/drawing/2010/main" Requires="a14">
+            <p:sp>
+              <p:nvSpPr>
+                <p:cNvPr id="30" name="TextBox 29">
+                  <a:extLst>
+                    <a:ext uri="{FF2B5EF4-FFF2-40B4-BE49-F238E27FC236}">
+                      <a16:creationId xmlns:a16="http://schemas.microsoft.com/office/drawing/2014/main" id="{A8C46EA7-8DD8-03A1-6840-A76F5AA931F7}"/>
+                    </a:ext>
+                  </a:extLst>
+                </p:cNvPr>
+                <p:cNvSpPr txBox="1"/>
+                <p:nvPr/>
+              </p:nvSpPr>
+              <p:spPr>
+                <a:xfrm>
+                  <a:off x="5288829" y="1404453"/>
+                  <a:ext cx="1435756" cy="276999"/>
+                </a:xfrm>
+                <a:prstGeom prst="rect">
+                  <a:avLst/>
+                </a:prstGeom>
+                <a:solidFill>
+                  <a:schemeClr val="accent6">
+                    <a:lumMod val="20000"/>
+                    <a:lumOff val="80000"/>
+                  </a:schemeClr>
+                </a:solidFill>
+                <a:ln>
+                  <a:solidFill>
+                    <a:schemeClr val="accent6"/>
+                  </a:solidFill>
+                </a:ln>
+              </p:spPr>
+              <p:txBody>
+                <a:bodyPr wrap="square" rtlCol="0">
+                  <a:spAutoFit/>
+                </a:bodyPr>
+                <a:lstStyle/>
+                <a:p>
+                  <a:pPr/>
+                  <a14:m>
+                    <m:oMathPara xmlns:m="http://schemas.openxmlformats.org/officeDocument/2006/math">
+                      <m:oMathParaPr>
+                        <m:jc m:val="centerGroup"/>
+                      </m:oMathParaPr>
+                      <m:oMath xmlns:m="http://schemas.openxmlformats.org/officeDocument/2006/math">
+                        <m:d>
+                          <m:dPr>
+                            <m:begChr m:val="⟨"/>
+                            <m:endChr m:val="⟩"/>
+                            <m:ctrlPr>
+                              <a:rPr lang="en-US" sz="1200" b="1" i="1" smtClean="0">
+                                <a:latin typeface="Cambria Math" panose="02040503050406030204" pitchFamily="18" charset="0"/>
+                              </a:rPr>
+                            </m:ctrlPr>
+                          </m:dPr>
+                          <m:e>
+                            <m:sSub>
+                              <m:sSubPr>
+                                <m:ctrlPr>
+                                  <a:rPr lang="en-US" sz="1200" b="1" i="1">
+                                    <a:latin typeface="Cambria Math" panose="02040503050406030204" pitchFamily="18" charset="0"/>
+                                  </a:rPr>
+                                </m:ctrlPr>
+                              </m:sSubPr>
+                              <m:e>
+                                <m:r>
+                                  <a:rPr lang="en-US" sz="1200" b="1" i="0" smtClean="0">
+                                    <a:latin typeface="Cambria Math" panose="02040503050406030204" pitchFamily="18" charset="0"/>
+                                  </a:rPr>
+                                  <m:t>𝐑</m:t>
+                                </m:r>
+                              </m:e>
+                              <m:sub>
+                                <m:r>
+                                  <a:rPr lang="en-US" sz="1200" b="1" i="0" smtClean="0">
+                                    <a:latin typeface="Cambria Math" panose="02040503050406030204" pitchFamily="18" charset="0"/>
+                                  </a:rPr>
+                                  <m:t>𝐈</m:t>
+                                </m:r>
+                              </m:sub>
+                            </m:sSub>
+                            <m:r>
+                              <a:rPr lang="en-US" sz="1200" b="1" i="0" smtClean="0">
+                                <a:latin typeface="Cambria Math" panose="02040503050406030204" pitchFamily="18" charset="0"/>
+                              </a:rPr>
+                              <m:t> </m:t>
+                            </m:r>
+                            <m:r>
+                              <a:rPr lang="en-US" sz="1200" b="1" i="0" smtClean="0">
+                                <a:latin typeface="Cambria Math" panose="02040503050406030204" pitchFamily="18" charset="0"/>
+                              </a:rPr>
+                              <m:t>𝐃𝐨𝐋𝐏</m:t>
+                            </m:r>
+                          </m:e>
+                        </m:d>
+                      </m:oMath>
+                    </m:oMathPara>
+                  </a14:m>
+                  <a:endParaRPr lang="en-US" sz="1200" b="1" dirty="0"/>
+                </a:p>
+              </p:txBody>
+            </p:sp>
+          </mc:Choice>
+          <mc:Fallback>
+            <p:sp>
+              <p:nvSpPr>
+                <p:cNvPr id="30" name="TextBox 29">
+                  <a:extLst>
+                    <a:ext uri="{FF2B5EF4-FFF2-40B4-BE49-F238E27FC236}">
+                      <a16:creationId xmlns:a16="http://schemas.microsoft.com/office/drawing/2014/main" id="{A8C46EA7-8DD8-03A1-6840-A76F5AA931F7}"/>
+                    </a:ext>
+                  </a:extLst>
+                </p:cNvPr>
+                <p:cNvSpPr txBox="1">
+                  <a:spLocks noRot="1" noChangeAspect="1" noMove="1" noResize="1" noEditPoints="1" noAdjustHandles="1" noChangeArrowheads="1" noChangeShapeType="1" noTextEdit="1"/>
+                </p:cNvSpPr>
+                <p:nvPr/>
+              </p:nvSpPr>
+              <p:spPr>
+                <a:xfrm>
+                  <a:off x="5288829" y="1404453"/>
+                  <a:ext cx="1435756" cy="276999"/>
+                </a:xfrm>
+                <a:prstGeom prst="rect">
+                  <a:avLst/>
+                </a:prstGeom>
+                <a:blipFill>
+                  <a:blip r:embed="rId5"/>
+                  <a:stretch>
+                    <a:fillRect/>
+                  </a:stretch>
+                </a:blipFill>
+                <a:ln>
+                  <a:solidFill>
+                    <a:schemeClr val="accent6"/>
+                  </a:solidFill>
+                </a:ln>
+              </p:spPr>
+              <p:txBody>
+                <a:bodyPr/>
+                <a:lstStyle/>
+                <a:p>
+                  <a:r>
+                    <a:rPr lang="en-US">
+                      <a:noFill/>
+                    </a:rPr>
+                    <a:t> </a:t>
+                  </a:r>
+                </a:p>
+              </p:txBody>
+            </p:sp>
+          </mc:Fallback>
+        </mc:AlternateContent>
+        <mc:AlternateContent xmlns:mc="http://schemas.openxmlformats.org/markup-compatibility/2006">
+          <mc:Choice xmlns:a14="http://schemas.microsoft.com/office/drawing/2010/main" Requires="a14">
+            <p:sp>
+              <p:nvSpPr>
+                <p:cNvPr id="33" name="TextBox 32">
+                  <a:extLst>
+                    <a:ext uri="{FF2B5EF4-FFF2-40B4-BE49-F238E27FC236}">
+                      <a16:creationId xmlns:a16="http://schemas.microsoft.com/office/drawing/2014/main" id="{1A6C06D3-F788-A71A-FDA2-BD45617CB9F0}"/>
+                    </a:ext>
+                  </a:extLst>
+                </p:cNvPr>
+                <p:cNvSpPr txBox="1"/>
+                <p:nvPr/>
+              </p:nvSpPr>
+              <p:spPr>
+                <a:xfrm>
+                  <a:off x="6749364" y="1281342"/>
+                  <a:ext cx="985811" cy="523220"/>
+                </a:xfrm>
+                <a:prstGeom prst="rect">
+                  <a:avLst/>
+                </a:prstGeom>
+                <a:noFill/>
+              </p:spPr>
+              <p:txBody>
+                <a:bodyPr wrap="square" rtlCol="0">
+                  <a:spAutoFit/>
+                </a:bodyPr>
+                <a:lstStyle/>
+                <a:p>
+                  <a:pPr algn="ctr"/>
+                  <a14:m>
+                    <m:oMathPara xmlns:m="http://schemas.openxmlformats.org/officeDocument/2006/math">
+                      <m:oMathParaPr>
+                        <m:jc m:val="center"/>
+                      </m:oMathParaPr>
+                      <m:oMath xmlns:m="http://schemas.openxmlformats.org/officeDocument/2006/math">
+                        <m:r>
+                          <m:rPr>
+                            <m:sty m:val="p"/>
+                          </m:rPr>
+                          <a:rPr lang="en-US" sz="1400" b="0" i="0" smtClean="0">
+                            <a:latin typeface="Cambria Math" panose="02040503050406030204" pitchFamily="18" charset="0"/>
+                          </a:rPr>
+                          <m:t>Output</m:t>
+                        </m:r>
+                      </m:oMath>
+                      <m:oMath xmlns:m="http://schemas.openxmlformats.org/officeDocument/2006/math">
+                        <m:d>
+                          <m:dPr>
+                            <m:ctrlPr>
+                              <a:rPr lang="en-US" sz="1400" b="0" i="1" smtClean="0">
+                                <a:latin typeface="Cambria Math" panose="02040503050406030204" pitchFamily="18" charset="0"/>
+                              </a:rPr>
+                            </m:ctrlPr>
+                          </m:dPr>
+                          <m:e>
+                            <m:r>
+                              <a:rPr lang="en-US" sz="1400" b="0" i="1" smtClean="0">
+                                <a:latin typeface="Cambria Math" panose="02040503050406030204" pitchFamily="18" charset="0"/>
+                              </a:rPr>
+                              <m:t>22 </m:t>
+                            </m:r>
+                          </m:e>
+                        </m:d>
+                      </m:oMath>
+                    </m:oMathPara>
+                  </a14:m>
+                  <a:endParaRPr lang="en-US" sz="1400" dirty="0"/>
+                </a:p>
+              </p:txBody>
+            </p:sp>
+          </mc:Choice>
+          <mc:Fallback>
+            <p:sp>
+              <p:nvSpPr>
+                <p:cNvPr id="33" name="TextBox 32">
+                  <a:extLst>
+                    <a:ext uri="{FF2B5EF4-FFF2-40B4-BE49-F238E27FC236}">
+                      <a16:creationId xmlns:a16="http://schemas.microsoft.com/office/drawing/2014/main" id="{1A6C06D3-F788-A71A-FDA2-BD45617CB9F0}"/>
+                    </a:ext>
+                  </a:extLst>
+                </p:cNvPr>
+                <p:cNvSpPr txBox="1">
+                  <a:spLocks noRot="1" noChangeAspect="1" noMove="1" noResize="1" noEditPoints="1" noAdjustHandles="1" noChangeArrowheads="1" noChangeShapeType="1" noTextEdit="1"/>
+                </p:cNvSpPr>
+                <p:nvPr/>
+              </p:nvSpPr>
+              <p:spPr>
+                <a:xfrm>
+                  <a:off x="6749364" y="1281342"/>
+                  <a:ext cx="985811" cy="523220"/>
+                </a:xfrm>
+                <a:prstGeom prst="rect">
+                  <a:avLst/>
+                </a:prstGeom>
+                <a:blipFill>
+                  <a:blip r:embed="rId6"/>
+                  <a:stretch>
+                    <a:fillRect/>
+                  </a:stretch>
+                </a:blipFill>
+              </p:spPr>
+              <p:txBody>
+                <a:bodyPr/>
+                <a:lstStyle/>
+                <a:p>
+                  <a:r>
+                    <a:rPr lang="en-US">
+                      <a:noFill/>
+                    </a:rPr>
+                    <a:t> </a:t>
+                  </a:r>
+                </a:p>
+              </p:txBody>
+            </p:sp>
+          </mc:Fallback>
+        </mc:AlternateContent>
+      </p:grpSp>
+      <p:grpSp>
+        <p:nvGrpSpPr>
+          <p:cNvPr id="52" name="Group 51">
+            <a:extLst>
+              <a:ext uri="{FF2B5EF4-FFF2-40B4-BE49-F238E27FC236}">
+                <a16:creationId xmlns:a16="http://schemas.microsoft.com/office/drawing/2014/main" id="{E7D78DC5-443A-266C-8DA5-03AB497BE633}"/>
+              </a:ext>
+            </a:extLst>
+          </p:cNvPr>
+          <p:cNvGrpSpPr/>
+          <p:nvPr/>
+        </p:nvGrpSpPr>
+        <p:grpSpPr>
+          <a:xfrm>
+            <a:off x="5291749" y="3638050"/>
+            <a:ext cx="2443426" cy="523220"/>
+            <a:chOff x="5291749" y="3613122"/>
+            <a:chExt cx="2443426" cy="523220"/>
+          </a:xfrm>
+        </p:grpSpPr>
+        <mc:AlternateContent xmlns:mc="http://schemas.openxmlformats.org/markup-compatibility/2006">
+          <mc:Choice xmlns:a14="http://schemas.microsoft.com/office/drawing/2010/main" Requires="a14">
+            <p:sp>
+              <p:nvSpPr>
+                <p:cNvPr id="27" name="TextBox 26">
+                  <a:extLst>
+                    <a:ext uri="{FF2B5EF4-FFF2-40B4-BE49-F238E27FC236}">
+                      <a16:creationId xmlns:a16="http://schemas.microsoft.com/office/drawing/2014/main" id="{88A99FCC-CFBE-AD60-7036-4A72991FC414}"/>
+                    </a:ext>
+                  </a:extLst>
+                </p:cNvPr>
+                <p:cNvSpPr txBox="1"/>
+                <p:nvPr/>
+              </p:nvSpPr>
+              <p:spPr>
+                <a:xfrm>
+                  <a:off x="6749364" y="3613122"/>
+                  <a:ext cx="985811" cy="523220"/>
+                </a:xfrm>
+                <a:prstGeom prst="rect">
+                  <a:avLst/>
+                </a:prstGeom>
+                <a:noFill/>
+              </p:spPr>
+              <p:txBody>
+                <a:bodyPr wrap="square" rtlCol="0">
+                  <a:spAutoFit/>
+                </a:bodyPr>
+                <a:lstStyle/>
+                <a:p>
+                  <a:pPr/>
+                  <a14:m>
+                    <m:oMathPara xmlns:m="http://schemas.openxmlformats.org/officeDocument/2006/math">
+                      <m:oMathParaPr>
+                        <m:jc m:val="centerGroup"/>
+                      </m:oMathParaPr>
+                      <m:oMath xmlns:m="http://schemas.openxmlformats.org/officeDocument/2006/math">
+                        <m:r>
+                          <m:rPr>
+                            <m:sty m:val="p"/>
+                          </m:rPr>
+                          <a:rPr lang="en-US" sz="1400" b="0" i="0" smtClean="0">
+                            <a:latin typeface="Cambria Math" panose="02040503050406030204" pitchFamily="18" charset="0"/>
+                          </a:rPr>
+                          <m:t>Linear</m:t>
+                        </m:r>
+                        <m:r>
+                          <a:rPr lang="en-US" sz="1400" b="0" i="0" smtClean="0">
+                            <a:latin typeface="Cambria Math" panose="02040503050406030204" pitchFamily="18" charset="0"/>
+                          </a:rPr>
+                          <m:t>_1</m:t>
+                        </m:r>
+                      </m:oMath>
+                    </m:oMathPara>
+                  </a14:m>
+                  <a:endParaRPr lang="en-US" sz="1400" b="0" dirty="0">
+                    <a:latin typeface="Cambria Math" panose="02040503050406030204" pitchFamily="18" charset="0"/>
+                  </a:endParaRPr>
+                </a:p>
+                <a:p>
+                  <a:pPr/>
+                  <a14:m>
+                    <m:oMathPara xmlns:m="http://schemas.openxmlformats.org/officeDocument/2006/math">
+                      <m:oMathParaPr>
+                        <m:jc m:val="centerGroup"/>
+                      </m:oMathParaPr>
+                      <m:oMath xmlns:m="http://schemas.openxmlformats.org/officeDocument/2006/math">
+                        <m:d>
+                          <m:dPr>
+                            <m:ctrlPr>
+                              <a:rPr lang="en-US" sz="1400" b="0" i="1" smtClean="0">
+                                <a:latin typeface="Cambria Math" panose="02040503050406030204" pitchFamily="18" charset="0"/>
+                              </a:rPr>
+                            </m:ctrlPr>
+                          </m:dPr>
+                          <m:e>
+                            <m:r>
+                              <a:rPr lang="en-US" sz="1400" b="0" i="1" smtClean="0">
+                                <a:latin typeface="Cambria Math" panose="02040503050406030204" pitchFamily="18" charset="0"/>
+                              </a:rPr>
+                              <m:t>256</m:t>
+                            </m:r>
+                          </m:e>
+                        </m:d>
+                      </m:oMath>
+                    </m:oMathPara>
+                  </a14:m>
+                  <a:endParaRPr lang="en-US" sz="1400" dirty="0"/>
+                </a:p>
+              </p:txBody>
+            </p:sp>
+          </mc:Choice>
+          <mc:Fallback>
+            <p:sp>
+              <p:nvSpPr>
+                <p:cNvPr id="27" name="TextBox 26">
+                  <a:extLst>
+                    <a:ext uri="{FF2B5EF4-FFF2-40B4-BE49-F238E27FC236}">
+                      <a16:creationId xmlns:a16="http://schemas.microsoft.com/office/drawing/2014/main" id="{88A99FCC-CFBE-AD60-7036-4A72991FC414}"/>
+                    </a:ext>
+                  </a:extLst>
+                </p:cNvPr>
+                <p:cNvSpPr txBox="1">
+                  <a:spLocks noRot="1" noChangeAspect="1" noMove="1" noResize="1" noEditPoints="1" noAdjustHandles="1" noChangeArrowheads="1" noChangeShapeType="1" noTextEdit="1"/>
+                </p:cNvSpPr>
+                <p:nvPr/>
+              </p:nvSpPr>
+              <p:spPr>
+                <a:xfrm>
+                  <a:off x="6749364" y="3613122"/>
+                  <a:ext cx="985811" cy="523220"/>
+                </a:xfrm>
+                <a:prstGeom prst="rect">
+                  <a:avLst/>
+                </a:prstGeom>
+                <a:blipFill>
+                  <a:blip r:embed="rId7"/>
+                  <a:stretch>
+                    <a:fillRect/>
+                  </a:stretch>
+                </a:blipFill>
+              </p:spPr>
+              <p:txBody>
+                <a:bodyPr/>
+                <a:lstStyle/>
+                <a:p>
+                  <a:r>
+                    <a:rPr lang="en-US">
+                      <a:noFill/>
+                    </a:rPr>
+                    <a:t> </a:t>
+                  </a:r>
+                </a:p>
+              </p:txBody>
+            </p:sp>
+          </mc:Fallback>
+        </mc:AlternateContent>
+        <p:sp>
+          <p:nvSpPr>
+            <p:cNvPr id="36" name="Rectangle 35">
+              <a:extLst>
+                <a:ext uri="{FF2B5EF4-FFF2-40B4-BE49-F238E27FC236}">
+                  <a16:creationId xmlns:a16="http://schemas.microsoft.com/office/drawing/2014/main" id="{92A3919D-F821-8154-11D0-2E401682281F}"/>
+                </a:ext>
+              </a:extLst>
+            </p:cNvPr>
+            <p:cNvSpPr/>
+            <p:nvPr/>
+          </p:nvSpPr>
+          <p:spPr>
+            <a:xfrm>
+              <a:off x="5291749" y="3703800"/>
+              <a:ext cx="1435755" cy="341865"/>
+            </a:xfrm>
+            <a:prstGeom prst="rect">
+              <a:avLst/>
+            </a:prstGeom>
+            <a:solidFill>
+              <a:schemeClr val="accent2">
+                <a:lumMod val="20000"/>
+                <a:lumOff val="80000"/>
+              </a:schemeClr>
+            </a:solidFill>
+            <a:ln>
+              <a:solidFill>
+                <a:schemeClr val="accent2"/>
+              </a:solidFill>
+            </a:ln>
+          </p:spPr>
+          <p:style>
+            <a:lnRef idx="2">
+              <a:schemeClr val="accent1">
+                <a:shade val="15000"/>
+              </a:schemeClr>
+            </a:lnRef>
+            <a:fillRef idx="1">
+              <a:schemeClr val="accent1"/>
+            </a:fillRef>
+            <a:effectRef idx="0">
+              <a:schemeClr val="accent1"/>
+            </a:effectRef>
+            <a:fontRef idx="minor">
+              <a:schemeClr val="lt1"/>
+            </a:fontRef>
+          </p:style>
+          <p:txBody>
+            <a:bodyPr rtlCol="0" anchor="ctr"/>
+            <a:lstStyle/>
+            <a:p>
+              <a:pPr algn="ctr"/>
+              <a:r>
+                <a:rPr lang="en-US" sz="1200" b="1" dirty="0">
+                  <a:solidFill>
+                    <a:schemeClr val="tx1"/>
+                  </a:solidFill>
+                </a:rPr>
+                <a:t>Linear, ReLU</a:t>
+              </a:r>
+            </a:p>
+          </p:txBody>
+        </p:sp>
+      </p:grpSp>
+      <p:cxnSp>
+        <p:nvCxnSpPr>
+          <p:cNvPr id="40" name="Straight Arrow Connector 39">
+            <a:extLst>
+              <a:ext uri="{FF2B5EF4-FFF2-40B4-BE49-F238E27FC236}">
+                <a16:creationId xmlns:a16="http://schemas.microsoft.com/office/drawing/2014/main" id="{E345AA66-BFFE-18C2-3D3C-E52390A03A3E}"/>
+              </a:ext>
+            </a:extLst>
+          </p:cNvPr>
+          <p:cNvCxnSpPr>
+            <a:cxnSpLocks/>
+          </p:cNvCxnSpPr>
+          <p:nvPr/>
+        </p:nvCxnSpPr>
+        <p:spPr>
+          <a:xfrm flipV="1">
+            <a:off x="6009627" y="2892727"/>
+            <a:ext cx="0" cy="239673"/>
+          </a:xfrm>
+          <a:prstGeom prst="straightConnector1">
+            <a:avLst/>
+          </a:prstGeom>
+          <a:ln>
+            <a:tailEnd type="triangle"/>
+          </a:ln>
+        </p:spPr>
+        <p:style>
+          <a:lnRef idx="1">
+            <a:schemeClr val="accent2"/>
+          </a:lnRef>
+          <a:fillRef idx="0">
+            <a:schemeClr val="accent2"/>
+          </a:fillRef>
+          <a:effectRef idx="0">
+            <a:schemeClr val="accent2"/>
+          </a:effectRef>
+          <a:fontRef idx="minor">
+            <a:schemeClr val="tx1"/>
+          </a:fontRef>
+        </p:style>
+      </p:cxnSp>
+      <p:cxnSp>
+        <p:nvCxnSpPr>
+          <p:cNvPr id="43" name="Straight Arrow Connector 42">
+            <a:extLst>
+              <a:ext uri="{FF2B5EF4-FFF2-40B4-BE49-F238E27FC236}">
+                <a16:creationId xmlns:a16="http://schemas.microsoft.com/office/drawing/2014/main" id="{C922C61B-CF7F-8E7F-8EE9-6D4CA88FD0F8}"/>
+              </a:ext>
+            </a:extLst>
+          </p:cNvPr>
+          <p:cNvCxnSpPr>
+            <a:cxnSpLocks/>
+          </p:cNvCxnSpPr>
+          <p:nvPr/>
+        </p:nvCxnSpPr>
+        <p:spPr>
+          <a:xfrm flipV="1">
+            <a:off x="6009627" y="3484124"/>
+            <a:ext cx="0" cy="239674"/>
+          </a:xfrm>
+          <a:prstGeom prst="straightConnector1">
+            <a:avLst/>
+          </a:prstGeom>
+          <a:ln>
+            <a:tailEnd type="triangle"/>
+          </a:ln>
+        </p:spPr>
+        <p:style>
+          <a:lnRef idx="1">
+            <a:schemeClr val="accent2"/>
+          </a:lnRef>
+          <a:fillRef idx="0">
+            <a:schemeClr val="accent2"/>
+          </a:fillRef>
+          <a:effectRef idx="0">
+            <a:schemeClr val="accent2"/>
+          </a:effectRef>
+          <a:fontRef idx="minor">
+            <a:schemeClr val="tx1"/>
+          </a:fontRef>
+        </p:style>
+      </p:cxnSp>
+      <p:grpSp>
+        <p:nvGrpSpPr>
+          <p:cNvPr id="53" name="Group 52">
+            <a:extLst>
+              <a:ext uri="{FF2B5EF4-FFF2-40B4-BE49-F238E27FC236}">
+                <a16:creationId xmlns:a16="http://schemas.microsoft.com/office/drawing/2014/main" id="{16422FDB-E815-2964-3EAC-B03E2A1C29F3}"/>
+              </a:ext>
+            </a:extLst>
+          </p:cNvPr>
+          <p:cNvGrpSpPr/>
+          <p:nvPr/>
+        </p:nvGrpSpPr>
+        <p:grpSpPr>
+          <a:xfrm>
+            <a:off x="5291749" y="3046652"/>
+            <a:ext cx="2443426" cy="523220"/>
+            <a:chOff x="5291749" y="3057633"/>
+            <a:chExt cx="2443426" cy="523220"/>
+          </a:xfrm>
+        </p:grpSpPr>
+        <p:sp>
+          <p:nvSpPr>
+            <p:cNvPr id="37" name="Rectangle 36">
+              <a:extLst>
+                <a:ext uri="{FF2B5EF4-FFF2-40B4-BE49-F238E27FC236}">
+                  <a16:creationId xmlns:a16="http://schemas.microsoft.com/office/drawing/2014/main" id="{5E45FBDF-C1DE-24B9-5CC7-611A510712DF}"/>
+                </a:ext>
+              </a:extLst>
+            </p:cNvPr>
+            <p:cNvSpPr/>
+            <p:nvPr/>
+          </p:nvSpPr>
+          <p:spPr>
+            <a:xfrm>
+              <a:off x="5291749" y="3148311"/>
+              <a:ext cx="1435755" cy="341865"/>
+            </a:xfrm>
+            <a:prstGeom prst="rect">
+              <a:avLst/>
+            </a:prstGeom>
+            <a:solidFill>
+              <a:schemeClr val="accent2">
+                <a:lumMod val="20000"/>
+                <a:lumOff val="80000"/>
+              </a:schemeClr>
+            </a:solidFill>
+            <a:ln>
+              <a:solidFill>
+                <a:schemeClr val="accent2"/>
+              </a:solidFill>
+            </a:ln>
+          </p:spPr>
+          <p:style>
+            <a:lnRef idx="2">
+              <a:schemeClr val="accent1">
+                <a:shade val="15000"/>
+              </a:schemeClr>
+            </a:lnRef>
+            <a:fillRef idx="1">
+              <a:schemeClr val="accent1"/>
+            </a:fillRef>
+            <a:effectRef idx="0">
+              <a:schemeClr val="accent1"/>
+            </a:effectRef>
+            <a:fontRef idx="minor">
+              <a:schemeClr val="lt1"/>
+            </a:fontRef>
+          </p:style>
+          <p:txBody>
+            <a:bodyPr rtlCol="0" anchor="ctr"/>
+            <a:lstStyle/>
+            <a:p>
+              <a:pPr algn="ctr"/>
+              <a:r>
+                <a:rPr lang="en-US" sz="1200" b="1" dirty="0">
+                  <a:solidFill>
+                    <a:schemeClr val="tx1"/>
+                  </a:solidFill>
+                </a:rPr>
+                <a:t>Linear, ReLU</a:t>
+              </a:r>
+            </a:p>
+          </p:txBody>
+        </p:sp>
+        <mc:AlternateContent xmlns:mc="http://schemas.openxmlformats.org/markup-compatibility/2006">
+          <mc:Choice xmlns:a14="http://schemas.microsoft.com/office/drawing/2010/main" Requires="a14">
+            <p:sp>
+              <p:nvSpPr>
+                <p:cNvPr id="49" name="TextBox 48">
+                  <a:extLst>
+                    <a:ext uri="{FF2B5EF4-FFF2-40B4-BE49-F238E27FC236}">
+                      <a16:creationId xmlns:a16="http://schemas.microsoft.com/office/drawing/2014/main" id="{306AB3AE-3495-6243-F123-0F7E08F13172}"/>
+                    </a:ext>
+                  </a:extLst>
+                </p:cNvPr>
+                <p:cNvSpPr txBox="1"/>
+                <p:nvPr/>
+              </p:nvSpPr>
+              <p:spPr>
+                <a:xfrm>
+                  <a:off x="6749364" y="3057633"/>
+                  <a:ext cx="985811" cy="523220"/>
+                </a:xfrm>
+                <a:prstGeom prst="rect">
+                  <a:avLst/>
+                </a:prstGeom>
+                <a:noFill/>
+              </p:spPr>
+              <p:txBody>
+                <a:bodyPr wrap="square" rtlCol="0">
+                  <a:spAutoFit/>
+                </a:bodyPr>
+                <a:lstStyle/>
+                <a:p>
+                  <a:pPr/>
+                  <a14:m>
+                    <m:oMathPara xmlns:m="http://schemas.openxmlformats.org/officeDocument/2006/math">
+                      <m:oMathParaPr>
+                        <m:jc m:val="centerGroup"/>
+                      </m:oMathParaPr>
+                      <m:oMath xmlns:m="http://schemas.openxmlformats.org/officeDocument/2006/math">
+                        <m:r>
+                          <m:rPr>
+                            <m:sty m:val="p"/>
+                          </m:rPr>
+                          <a:rPr lang="en-US" sz="1400" b="0" i="0" smtClean="0">
+                            <a:latin typeface="Cambria Math" panose="02040503050406030204" pitchFamily="18" charset="0"/>
+                          </a:rPr>
+                          <m:t>Linear</m:t>
+                        </m:r>
+                        <m:r>
+                          <a:rPr lang="en-US" sz="1400" b="0" i="0" smtClean="0">
+                            <a:latin typeface="Cambria Math" panose="02040503050406030204" pitchFamily="18" charset="0"/>
+                          </a:rPr>
+                          <m:t>_2</m:t>
+                        </m:r>
+                      </m:oMath>
+                    </m:oMathPara>
+                  </a14:m>
+                  <a:endParaRPr lang="en-US" sz="1400" b="0" dirty="0">
+                    <a:latin typeface="Cambria Math" panose="02040503050406030204" pitchFamily="18" charset="0"/>
+                  </a:endParaRPr>
+                </a:p>
+                <a:p>
+                  <a:pPr/>
+                  <a14:m>
+                    <m:oMathPara xmlns:m="http://schemas.openxmlformats.org/officeDocument/2006/math">
+                      <m:oMathParaPr>
+                        <m:jc m:val="centerGroup"/>
+                      </m:oMathParaPr>
+                      <m:oMath xmlns:m="http://schemas.openxmlformats.org/officeDocument/2006/math">
+                        <m:d>
+                          <m:dPr>
+                            <m:ctrlPr>
+                              <a:rPr lang="en-US" sz="1400" b="0" i="1" smtClean="0">
+                                <a:latin typeface="Cambria Math" panose="02040503050406030204" pitchFamily="18" charset="0"/>
+                              </a:rPr>
+                            </m:ctrlPr>
+                          </m:dPr>
+                          <m:e>
+                            <m:r>
+                              <a:rPr lang="en-US" sz="1400" b="0" i="1" smtClean="0">
+                                <a:latin typeface="Cambria Math" panose="02040503050406030204" pitchFamily="18" charset="0"/>
+                              </a:rPr>
+                              <m:t>256</m:t>
+                            </m:r>
+                          </m:e>
+                        </m:d>
+                      </m:oMath>
+                    </m:oMathPara>
+                  </a14:m>
+                  <a:endParaRPr lang="en-US" sz="1400" dirty="0"/>
+                </a:p>
+              </p:txBody>
+            </p:sp>
+          </mc:Choice>
+          <mc:Fallback>
+            <p:sp>
+              <p:nvSpPr>
+                <p:cNvPr id="49" name="TextBox 48">
+                  <a:extLst>
+                    <a:ext uri="{FF2B5EF4-FFF2-40B4-BE49-F238E27FC236}">
+                      <a16:creationId xmlns:a16="http://schemas.microsoft.com/office/drawing/2014/main" id="{306AB3AE-3495-6243-F123-0F7E08F13172}"/>
+                    </a:ext>
+                  </a:extLst>
+                </p:cNvPr>
+                <p:cNvSpPr txBox="1">
+                  <a:spLocks noRot="1" noChangeAspect="1" noMove="1" noResize="1" noEditPoints="1" noAdjustHandles="1" noChangeArrowheads="1" noChangeShapeType="1" noTextEdit="1"/>
+                </p:cNvSpPr>
+                <p:nvPr/>
+              </p:nvSpPr>
+              <p:spPr>
+                <a:xfrm>
+                  <a:off x="6749364" y="3057633"/>
+                  <a:ext cx="985811" cy="523220"/>
+                </a:xfrm>
+                <a:prstGeom prst="rect">
+                  <a:avLst/>
+                </a:prstGeom>
+                <a:blipFill>
+                  <a:blip r:embed="rId8"/>
+                  <a:stretch>
+                    <a:fillRect/>
+                  </a:stretch>
+                </a:blipFill>
+              </p:spPr>
+              <p:txBody>
+                <a:bodyPr/>
+                <a:lstStyle/>
+                <a:p>
+                  <a:r>
+                    <a:rPr lang="en-US">
+                      <a:noFill/>
+                    </a:rPr>
+                    <a:t> </a:t>
+                  </a:r>
+                </a:p>
+              </p:txBody>
+            </p:sp>
+          </mc:Fallback>
+        </mc:AlternateContent>
+      </p:grpSp>
+      <p:grpSp>
+        <p:nvGrpSpPr>
+          <p:cNvPr id="54" name="Group 53">
+            <a:extLst>
+              <a:ext uri="{FF2B5EF4-FFF2-40B4-BE49-F238E27FC236}">
+                <a16:creationId xmlns:a16="http://schemas.microsoft.com/office/drawing/2014/main" id="{27FDA127-BB2E-E33E-EE71-A99C624DDB70}"/>
+              </a:ext>
+            </a:extLst>
+          </p:cNvPr>
+          <p:cNvGrpSpPr/>
+          <p:nvPr/>
+        </p:nvGrpSpPr>
+        <p:grpSpPr>
+          <a:xfrm>
+            <a:off x="5291749" y="2455255"/>
+            <a:ext cx="2443426" cy="523220"/>
+            <a:chOff x="5291749" y="2444682"/>
+            <a:chExt cx="2443426" cy="523220"/>
+          </a:xfrm>
+        </p:grpSpPr>
+        <p:sp>
+          <p:nvSpPr>
+            <p:cNvPr id="26" name="Rectangle 25">
+              <a:extLst>
+                <a:ext uri="{FF2B5EF4-FFF2-40B4-BE49-F238E27FC236}">
+                  <a16:creationId xmlns:a16="http://schemas.microsoft.com/office/drawing/2014/main" id="{A5F08CD2-6B71-C153-66AB-C8304FF7B595}"/>
+                </a:ext>
+              </a:extLst>
+            </p:cNvPr>
+            <p:cNvSpPr/>
+            <p:nvPr/>
+          </p:nvSpPr>
+          <p:spPr>
+            <a:xfrm>
+              <a:off x="5291749" y="2535360"/>
+              <a:ext cx="1435755" cy="341865"/>
+            </a:xfrm>
+            <a:prstGeom prst="rect">
+              <a:avLst/>
+            </a:prstGeom>
+            <a:solidFill>
+              <a:schemeClr val="accent2">
+                <a:lumMod val="20000"/>
+                <a:lumOff val="80000"/>
+              </a:schemeClr>
+            </a:solidFill>
+            <a:ln>
+              <a:solidFill>
+                <a:schemeClr val="accent2"/>
+              </a:solidFill>
+            </a:ln>
+          </p:spPr>
+          <p:style>
+            <a:lnRef idx="2">
+              <a:schemeClr val="accent1">
+                <a:shade val="15000"/>
+              </a:schemeClr>
+            </a:lnRef>
+            <a:fillRef idx="1">
+              <a:schemeClr val="accent1"/>
+            </a:fillRef>
+            <a:effectRef idx="0">
+              <a:schemeClr val="accent1"/>
+            </a:effectRef>
+            <a:fontRef idx="minor">
+              <a:schemeClr val="lt1"/>
+            </a:fontRef>
+          </p:style>
+          <p:txBody>
+            <a:bodyPr rtlCol="0" anchor="ctr"/>
+            <a:lstStyle/>
+            <a:p>
+              <a:pPr algn="ctr"/>
+              <a:r>
+                <a:rPr lang="en-US" sz="1200" b="1" dirty="0">
+                  <a:solidFill>
+                    <a:schemeClr val="tx1"/>
+                  </a:solidFill>
+                </a:rPr>
+                <a:t>Linear, ReLU</a:t>
+              </a:r>
+            </a:p>
+          </p:txBody>
+        </p:sp>
+        <mc:AlternateContent xmlns:mc="http://schemas.openxmlformats.org/markup-compatibility/2006">
+          <mc:Choice xmlns:a14="http://schemas.microsoft.com/office/drawing/2010/main" Requires="a14">
+            <p:sp>
+              <p:nvSpPr>
+                <p:cNvPr id="50" name="TextBox 49">
+                  <a:extLst>
+                    <a:ext uri="{FF2B5EF4-FFF2-40B4-BE49-F238E27FC236}">
+                      <a16:creationId xmlns:a16="http://schemas.microsoft.com/office/drawing/2014/main" id="{F9E6FDE1-1B87-AA14-D715-A26BA57068AB}"/>
+                    </a:ext>
+                  </a:extLst>
+                </p:cNvPr>
+                <p:cNvSpPr txBox="1"/>
+                <p:nvPr/>
+              </p:nvSpPr>
+              <p:spPr>
+                <a:xfrm>
+                  <a:off x="6749364" y="2444682"/>
+                  <a:ext cx="985811" cy="523220"/>
+                </a:xfrm>
+                <a:prstGeom prst="rect">
+                  <a:avLst/>
+                </a:prstGeom>
+                <a:noFill/>
+              </p:spPr>
+              <p:txBody>
+                <a:bodyPr wrap="square" rtlCol="0">
+                  <a:spAutoFit/>
+                </a:bodyPr>
+                <a:lstStyle/>
+                <a:p>
+                  <a:pPr/>
+                  <a14:m>
+                    <m:oMathPara xmlns:m="http://schemas.openxmlformats.org/officeDocument/2006/math">
+                      <m:oMathParaPr>
+                        <m:jc m:val="centerGroup"/>
+                      </m:oMathParaPr>
+                      <m:oMath xmlns:m="http://schemas.openxmlformats.org/officeDocument/2006/math">
+                        <m:r>
+                          <m:rPr>
+                            <m:sty m:val="p"/>
+                          </m:rPr>
+                          <a:rPr lang="en-US" sz="1400" b="0" i="0" smtClean="0">
+                            <a:latin typeface="Cambria Math" panose="02040503050406030204" pitchFamily="18" charset="0"/>
+                          </a:rPr>
+                          <m:t>Linear</m:t>
+                        </m:r>
+                        <m:r>
+                          <a:rPr lang="en-US" sz="1400" b="0" i="0" smtClean="0">
+                            <a:latin typeface="Cambria Math" panose="02040503050406030204" pitchFamily="18" charset="0"/>
+                          </a:rPr>
+                          <m:t>_3</m:t>
+                        </m:r>
+                      </m:oMath>
+                    </m:oMathPara>
+                  </a14:m>
+                  <a:endParaRPr lang="en-US" sz="1400" b="0" dirty="0">
+                    <a:latin typeface="Cambria Math" panose="02040503050406030204" pitchFamily="18" charset="0"/>
+                  </a:endParaRPr>
+                </a:p>
+                <a:p>
+                  <a:pPr/>
+                  <a14:m>
+                    <m:oMathPara xmlns:m="http://schemas.openxmlformats.org/officeDocument/2006/math">
+                      <m:oMathParaPr>
+                        <m:jc m:val="centerGroup"/>
+                      </m:oMathParaPr>
+                      <m:oMath xmlns:m="http://schemas.openxmlformats.org/officeDocument/2006/math">
+                        <m:d>
+                          <m:dPr>
+                            <m:ctrlPr>
+                              <a:rPr lang="en-US" sz="1400" b="0" i="1" smtClean="0">
+                                <a:latin typeface="Cambria Math" panose="02040503050406030204" pitchFamily="18" charset="0"/>
+                              </a:rPr>
+                            </m:ctrlPr>
+                          </m:dPr>
+                          <m:e>
+                            <m:r>
+                              <a:rPr lang="en-US" sz="1400" b="0" i="1" smtClean="0">
+                                <a:latin typeface="Cambria Math" panose="02040503050406030204" pitchFamily="18" charset="0"/>
+                              </a:rPr>
+                              <m:t>256</m:t>
+                            </m:r>
+                          </m:e>
+                        </m:d>
+                      </m:oMath>
+                    </m:oMathPara>
+                  </a14:m>
+                  <a:endParaRPr lang="en-US" sz="1400" dirty="0"/>
+                </a:p>
+              </p:txBody>
+            </p:sp>
+          </mc:Choice>
+          <mc:Fallback>
+            <p:sp>
+              <p:nvSpPr>
+                <p:cNvPr id="50" name="TextBox 49">
+                  <a:extLst>
+                    <a:ext uri="{FF2B5EF4-FFF2-40B4-BE49-F238E27FC236}">
+                      <a16:creationId xmlns:a16="http://schemas.microsoft.com/office/drawing/2014/main" id="{F9E6FDE1-1B87-AA14-D715-A26BA57068AB}"/>
+                    </a:ext>
+                  </a:extLst>
+                </p:cNvPr>
+                <p:cNvSpPr txBox="1">
+                  <a:spLocks noRot="1" noChangeAspect="1" noMove="1" noResize="1" noEditPoints="1" noAdjustHandles="1" noChangeArrowheads="1" noChangeShapeType="1" noTextEdit="1"/>
+                </p:cNvSpPr>
+                <p:nvPr/>
+              </p:nvSpPr>
+              <p:spPr>
+                <a:xfrm>
+                  <a:off x="6749364" y="2444682"/>
+                  <a:ext cx="985811" cy="523220"/>
+                </a:xfrm>
+                <a:prstGeom prst="rect">
+                  <a:avLst/>
+                </a:prstGeom>
+                <a:blipFill>
+                  <a:blip r:embed="rId9"/>
+                  <a:stretch>
+                    <a:fillRect/>
+                  </a:stretch>
+                </a:blipFill>
+              </p:spPr>
+              <p:txBody>
+                <a:bodyPr/>
+                <a:lstStyle/>
+                <a:p>
+                  <a:r>
+                    <a:rPr lang="en-US">
+                      <a:noFill/>
+                    </a:rPr>
+                    <a:t> </a:t>
+                  </a:r>
+                </a:p>
+              </p:txBody>
+            </p:sp>
+          </mc:Fallback>
+        </mc:AlternateContent>
+      </p:grpSp>
+    </p:spTree>
+    <p:extLst>
+      <p:ext uri="{BB962C8B-B14F-4D97-AF65-F5344CB8AC3E}">
+        <p14:creationId xmlns:p14="http://schemas.microsoft.com/office/powerpoint/2010/main" val="1833983100"/>
+      </p:ext>
+    </p:extLst>
+  </p:cSld>
+  <p:clrMapOvr>
+    <a:masterClrMapping/>
+  </p:clrMapOvr>
+</p:sld>
+</file>
+
+<file path=ppt/slides/slide4.xml><?xml version="1.0" encoding="utf-8"?>
+<p:sld xmlns:a="http://schemas.openxmlformats.org/drawingml/2006/main" xmlns:r="http://schemas.openxmlformats.org/officeDocument/2006/relationships" xmlns:p="http://schemas.openxmlformats.org/presentationml/2006/main">
+  <p:cSld>
+    <p:spTree>
+      <p:nvGrpSpPr>
+        <p:cNvPr id="1" name=""/>
+        <p:cNvGrpSpPr/>
+        <p:nvPr/>
+      </p:nvGrpSpPr>
+      <p:grpSpPr>
+        <a:xfrm>
+          <a:off x="0" y="0"/>
+          <a:ext cx="0" cy="0"/>
+          <a:chOff x="0" y="0"/>
+          <a:chExt cx="0" cy="0"/>
+        </a:xfrm>
+      </p:grpSpPr>
       <p:sp>
         <p:nvSpPr>
           <p:cNvPr id="3" name="TextBox 2">
@@ -6107,8 +7891,8 @@
             </a:p>
           </p:txBody>
         </p:sp>
-        <mc:AlternateContent xmlns:mc="http://schemas.openxmlformats.org/markup-compatibility/2006">
-          <mc:Choice xmlns:a14="http://schemas.microsoft.com/office/drawing/2010/main" Requires="a14">
+        <mc:AlternateContent xmlns:mc="http://schemas.openxmlformats.org/markup-compatibility/2006" xmlns:a14="http://schemas.microsoft.com/office/drawing/2010/main">
+          <mc:Choice Requires="a14">
             <p:sp>
               <p:nvSpPr>
                 <p:cNvPr id="24" name="Rectangle 23">
@@ -6198,7 +7982,7 @@
               </p:txBody>
             </p:sp>
           </mc:Choice>
-          <mc:Fallback>
+          <mc:Fallback xmlns="">
             <p:sp>
               <p:nvSpPr>
                 <p:cNvPr id="24" name="Rectangle 23">
@@ -6248,8 +8032,8 @@
             </p:sp>
           </mc:Fallback>
         </mc:AlternateContent>
-        <mc:AlternateContent xmlns:mc="http://schemas.openxmlformats.org/markup-compatibility/2006">
-          <mc:Choice xmlns:a14="http://schemas.microsoft.com/office/drawing/2010/main" Requires="a14">
+        <mc:AlternateContent xmlns:mc="http://schemas.openxmlformats.org/markup-compatibility/2006" xmlns:a14="http://schemas.microsoft.com/office/drawing/2010/main">
+          <mc:Choice Requires="a14">
             <p:sp>
               <p:nvSpPr>
                 <p:cNvPr id="32" name="Rectangle 31">
@@ -6339,7 +8123,7 @@
               </p:txBody>
             </p:sp>
           </mc:Choice>
-          <mc:Fallback>
+          <mc:Fallback xmlns="">
             <p:sp>
               <p:nvSpPr>
                 <p:cNvPr id="32" name="Rectangle 31">
@@ -6389,8 +8173,8 @@
             </p:sp>
           </mc:Fallback>
         </mc:AlternateContent>
-        <mc:AlternateContent xmlns:mc="http://schemas.openxmlformats.org/markup-compatibility/2006">
-          <mc:Choice xmlns:a14="http://schemas.microsoft.com/office/drawing/2010/main" Requires="a14">
+        <mc:AlternateContent xmlns:mc="http://schemas.openxmlformats.org/markup-compatibility/2006" xmlns:a14="http://schemas.microsoft.com/office/drawing/2010/main">
+          <mc:Choice Requires="a14">
             <p:sp>
               <p:nvSpPr>
                 <p:cNvPr id="35" name="Rectangle 34">
@@ -6471,7 +8255,7 @@
               </p:txBody>
             </p:sp>
           </mc:Choice>
-          <mc:Fallback>
+          <mc:Fallback xmlns="">
             <p:sp>
               <p:nvSpPr>
                 <p:cNvPr id="35" name="Rectangle 34">
@@ -6578,8 +8362,8 @@
             <a:chExt cx="838022" cy="815402"/>
           </a:xfrm>
         </p:grpSpPr>
-        <mc:AlternateContent xmlns:mc="http://schemas.openxmlformats.org/markup-compatibility/2006">
-          <mc:Choice xmlns:a14="http://schemas.microsoft.com/office/drawing/2010/main" Requires="a14">
+        <mc:AlternateContent xmlns:mc="http://schemas.openxmlformats.org/markup-compatibility/2006" xmlns:a14="http://schemas.microsoft.com/office/drawing/2010/main">
+          <mc:Choice Requires="a14">
             <p:sp>
               <p:nvSpPr>
                 <p:cNvPr id="38" name="Rectangle 37">
@@ -6660,7 +8444,7 @@
               </p:txBody>
             </p:sp>
           </mc:Choice>
-          <mc:Fallback>
+          <mc:Fallback xmlns="">
             <p:sp>
               <p:nvSpPr>
                 <p:cNvPr id="38" name="Rectangle 37">
@@ -6823,8 +8607,8 @@
             <a:chExt cx="838022" cy="823022"/>
           </a:xfrm>
         </p:grpSpPr>
-        <mc:AlternateContent xmlns:mc="http://schemas.openxmlformats.org/markup-compatibility/2006">
-          <mc:Choice xmlns:a14="http://schemas.microsoft.com/office/drawing/2010/main" Requires="a14">
+        <mc:AlternateContent xmlns:mc="http://schemas.openxmlformats.org/markup-compatibility/2006" xmlns:a14="http://schemas.microsoft.com/office/drawing/2010/main">
+          <mc:Choice Requires="a14">
             <p:sp>
               <p:nvSpPr>
                 <p:cNvPr id="53" name="Rectangle 52">
@@ -6905,7 +8689,7 @@
               </p:txBody>
             </p:sp>
           </mc:Choice>
-          <mc:Fallback>
+          <mc:Fallback xmlns="">
             <p:sp>
               <p:nvSpPr>
                 <p:cNvPr id="53" name="Rectangle 52">
@@ -7124,8 +8908,8 @@
             </a:p>
           </p:txBody>
         </p:sp>
-        <mc:AlternateContent xmlns:mc="http://schemas.openxmlformats.org/markup-compatibility/2006">
-          <mc:Choice xmlns:a14="http://schemas.microsoft.com/office/drawing/2010/main" Requires="a14">
+        <mc:AlternateContent xmlns:mc="http://schemas.openxmlformats.org/markup-compatibility/2006" xmlns:a14="http://schemas.microsoft.com/office/drawing/2010/main">
+          <mc:Choice Requires="a14">
             <p:sp>
               <p:nvSpPr>
                 <p:cNvPr id="94" name="Rectangle 93">
@@ -7215,7 +8999,7 @@
               </p:txBody>
             </p:sp>
           </mc:Choice>
-          <mc:Fallback>
+          <mc:Fallback xmlns="">
             <p:sp>
               <p:nvSpPr>
                 <p:cNvPr id="94" name="Rectangle 93">
@@ -7315,7 +9099,7 @@
 </p:sld>
 </file>
 
-<file path=ppt/slides/slide4.xml><?xml version="1.0" encoding="utf-8"?>
+<file path=ppt/slides/slide5.xml><?xml version="1.0" encoding="utf-8"?>
 <p:sld xmlns:a="http://schemas.openxmlformats.org/drawingml/2006/main" xmlns:r="http://schemas.openxmlformats.org/officeDocument/2006/relationships" xmlns:p="http://schemas.openxmlformats.org/presentationml/2006/main">
   <p:cSld>
     <p:spTree>
@@ -10025,7 +11809,7 @@
 </p:sld>
 </file>
 
-<file path=ppt/slides/slide5.xml><?xml version="1.0" encoding="utf-8"?>
+<file path=ppt/slides/slide6.xml><?xml version="1.0" encoding="utf-8"?>
 <p:sld xmlns:a="http://schemas.openxmlformats.org/drawingml/2006/main" xmlns:r="http://schemas.openxmlformats.org/officeDocument/2006/relationships" xmlns:p="http://schemas.openxmlformats.org/presentationml/2006/main">
   <p:cSld>
     <p:spTree>
@@ -13877,7 +15661,7 @@
 </p:sld>
 </file>
 
-<file path=ppt/slides/slide6.xml><?xml version="1.0" encoding="utf-8"?>
+<file path=ppt/slides/slide7.xml><?xml version="1.0" encoding="utf-8"?>
 <p:sld xmlns:a="http://schemas.openxmlformats.org/drawingml/2006/main" xmlns:r="http://schemas.openxmlformats.org/officeDocument/2006/relationships" xmlns:p="http://schemas.openxmlformats.org/presentationml/2006/main">
   <p:cSld>
     <p:spTree>

--- a/23-25_Automatic-Control-Lab/Projects/24_Aerosol/Paper/Figs/pics.pptx
+++ b/23-25_Automatic-Control-Lab/Projects/24_Aerosol/Paper/Figs/pics.pptx
@@ -6,12 +6,9 @@
   </p:sldMasterIdLst>
   <p:sldIdLst>
     <p:sldId id="266" r:id="rId2"/>
-    <p:sldId id="257" r:id="rId3"/>
-    <p:sldId id="272" r:id="rId4"/>
-    <p:sldId id="267" r:id="rId5"/>
-    <p:sldId id="270" r:id="rId6"/>
-    <p:sldId id="271" r:id="rId7"/>
-    <p:sldId id="268" r:id="rId8"/>
+    <p:sldId id="267" r:id="rId3"/>
+    <p:sldId id="270" r:id="rId4"/>
+    <p:sldId id="268" r:id="rId5"/>
   </p:sldIdLst>
   <p:sldSz cx="12192000" cy="6858000"/>
   <p:notesSz cx="6858000" cy="9144000"/>
@@ -4014,2638 +4011,6 @@
       </p:grpSpPr>
       <p:sp>
         <p:nvSpPr>
-          <p:cNvPr id="4" name="Rectangle: Rounded Corners 3">
-            <a:extLst>
-              <a:ext uri="{FF2B5EF4-FFF2-40B4-BE49-F238E27FC236}">
-                <a16:creationId xmlns:a16="http://schemas.microsoft.com/office/drawing/2014/main" id="{79C55CAA-6371-15E3-D653-9D1EAB20C3D6}"/>
-              </a:ext>
-            </a:extLst>
-          </p:cNvPr>
-          <p:cNvSpPr/>
-          <p:nvPr/>
-        </p:nvSpPr>
-        <p:spPr>
-          <a:xfrm>
-            <a:off x="1690525" y="1793116"/>
-            <a:ext cx="4357896" cy="517905"/>
-          </a:xfrm>
-          <a:prstGeom prst="roundRect">
-            <a:avLst/>
-          </a:prstGeom>
-          <a:solidFill>
-            <a:schemeClr val="tx2">
-              <a:lumMod val="10000"/>
-              <a:lumOff val="90000"/>
-            </a:schemeClr>
-          </a:solidFill>
-          <a:ln>
-            <a:solidFill>
-              <a:schemeClr val="tx2"/>
-            </a:solidFill>
-          </a:ln>
-        </p:spPr>
-        <p:style>
-          <a:lnRef idx="2">
-            <a:schemeClr val="accent1">
-              <a:shade val="15000"/>
-            </a:schemeClr>
-          </a:lnRef>
-          <a:fillRef idx="1">
-            <a:schemeClr val="accent1"/>
-          </a:fillRef>
-          <a:effectRef idx="0">
-            <a:schemeClr val="accent1"/>
-          </a:effectRef>
-          <a:fontRef idx="minor">
-            <a:schemeClr val="lt1"/>
-          </a:fontRef>
-        </p:style>
-        <p:txBody>
-          <a:bodyPr rtlCol="0" anchor="ctr"/>
-          <a:lstStyle/>
-          <a:p>
-            <a:pPr algn="ctr"/>
-            <a:r>
-              <a:rPr lang="en-US" b="1" dirty="0">
-                <a:solidFill>
-                  <a:schemeClr val="tx1"/>
-                </a:solidFill>
-              </a:rPr>
-              <a:t>Linear, 256, ReLU</a:t>
-            </a:r>
-          </a:p>
-        </p:txBody>
-      </p:sp>
-      <mc:AlternateContent xmlns:mc="http://schemas.openxmlformats.org/markup-compatibility/2006" xmlns:a14="http://schemas.microsoft.com/office/drawing/2010/main">
-        <mc:Choice Requires="a14">
-          <p:sp>
-            <p:nvSpPr>
-              <p:cNvPr id="5" name="TextBox 4">
-                <a:extLst>
-                  <a:ext uri="{FF2B5EF4-FFF2-40B4-BE49-F238E27FC236}">
-                    <a16:creationId xmlns:a16="http://schemas.microsoft.com/office/drawing/2014/main" id="{C5F633D7-00D3-A3D8-0FB9-A594627DAA8E}"/>
-                  </a:ext>
-                </a:extLst>
-              </p:cNvPr>
-              <p:cNvSpPr txBox="1"/>
-              <p:nvPr/>
-            </p:nvSpPr>
-            <p:spPr>
-              <a:xfrm>
-                <a:off x="2908408" y="1127795"/>
-                <a:ext cx="1922129" cy="369332"/>
-              </a:xfrm>
-              <a:prstGeom prst="rect">
-                <a:avLst/>
-              </a:prstGeom>
-              <a:noFill/>
-            </p:spPr>
-            <p:txBody>
-              <a:bodyPr wrap="none" rtlCol="0">
-                <a:spAutoFit/>
-              </a:bodyPr>
-              <a:lstStyle/>
-              <a:p>
-                <a14:m>
-                  <m:oMath xmlns:m="http://schemas.openxmlformats.org/officeDocument/2006/math">
-                    <m:sSub>
-                      <m:sSubPr>
-                        <m:ctrlPr>
-                          <a:rPr lang="en-US" b="0" i="1" smtClean="0">
-                            <a:latin typeface="Cambria Math" panose="02040503050406030204" pitchFamily="18" charset="0"/>
-                          </a:rPr>
-                        </m:ctrlPr>
-                      </m:sSubPr>
-                      <m:e>
-                        <m:r>
-                          <a:rPr lang="en-US" b="1" i="0" smtClean="0">
-                            <a:latin typeface="Cambria Math" panose="02040503050406030204" pitchFamily="18" charset="0"/>
-                          </a:rPr>
-                          <m:t>𝐱</m:t>
-                        </m:r>
-                      </m:e>
-                      <m:sub>
-                        <m:r>
-                          <a:rPr lang="en-US" b="0" i="1" smtClean="0">
-                            <a:latin typeface="Cambria Math" panose="02040503050406030204" pitchFamily="18" charset="0"/>
-                          </a:rPr>
-                          <m:t>𝑁𝑁</m:t>
-                        </m:r>
-                      </m:sub>
-                    </m:sSub>
-                  </m:oMath>
-                </a14:m>
-                <a:r>
-                  <a:rPr lang="en-US" dirty="0"/>
-                  <a:t> (14 features)</a:t>
-                </a:r>
-              </a:p>
-            </p:txBody>
-          </p:sp>
-        </mc:Choice>
-        <mc:Fallback xmlns="">
-          <p:sp>
-            <p:nvSpPr>
-              <p:cNvPr id="5" name="TextBox 4">
-                <a:extLst>
-                  <a:ext uri="{FF2B5EF4-FFF2-40B4-BE49-F238E27FC236}">
-                    <a16:creationId xmlns:a16="http://schemas.microsoft.com/office/drawing/2014/main" id="{C5F633D7-00D3-A3D8-0FB9-A594627DAA8E}"/>
-                  </a:ext>
-                </a:extLst>
-              </p:cNvPr>
-              <p:cNvSpPr txBox="1">
-                <a:spLocks noRot="1" noChangeAspect="1" noMove="1" noResize="1" noEditPoints="1" noAdjustHandles="1" noChangeArrowheads="1" noChangeShapeType="1" noTextEdit="1"/>
-              </p:cNvSpPr>
-              <p:nvPr/>
-            </p:nvSpPr>
-            <p:spPr>
-              <a:xfrm>
-                <a:off x="2908408" y="1127795"/>
-                <a:ext cx="1922129" cy="369332"/>
-              </a:xfrm>
-              <a:prstGeom prst="rect">
-                <a:avLst/>
-              </a:prstGeom>
-              <a:blipFill>
-                <a:blip r:embed="rId2"/>
-                <a:stretch>
-                  <a:fillRect t="-6557" b="-26230"/>
-                </a:stretch>
-              </a:blipFill>
-            </p:spPr>
-            <p:txBody>
-              <a:bodyPr/>
-              <a:lstStyle/>
-              <a:p>
-                <a:r>
-                  <a:rPr lang="en-US">
-                    <a:noFill/>
-                  </a:rPr>
-                  <a:t> </a:t>
-                </a:r>
-              </a:p>
-            </p:txBody>
-          </p:sp>
-        </mc:Fallback>
-      </mc:AlternateContent>
-      <p:sp>
-        <p:nvSpPr>
-          <p:cNvPr id="6" name="Rectangle: Rounded Corners 5">
-            <a:extLst>
-              <a:ext uri="{FF2B5EF4-FFF2-40B4-BE49-F238E27FC236}">
-                <a16:creationId xmlns:a16="http://schemas.microsoft.com/office/drawing/2014/main" id="{D42A0C62-8F25-5A80-DA7C-94CBBC51D12D}"/>
-              </a:ext>
-            </a:extLst>
-          </p:cNvPr>
-          <p:cNvSpPr/>
-          <p:nvPr/>
-        </p:nvSpPr>
-        <p:spPr>
-          <a:xfrm>
-            <a:off x="1690525" y="2973647"/>
-            <a:ext cx="4357896" cy="517905"/>
-          </a:xfrm>
-          <a:prstGeom prst="roundRect">
-            <a:avLst/>
-          </a:prstGeom>
-          <a:solidFill>
-            <a:schemeClr val="tx2">
-              <a:lumMod val="10000"/>
-              <a:lumOff val="90000"/>
-            </a:schemeClr>
-          </a:solidFill>
-          <a:ln>
-            <a:solidFill>
-              <a:schemeClr val="tx2"/>
-            </a:solidFill>
-          </a:ln>
-        </p:spPr>
-        <p:style>
-          <a:lnRef idx="2">
-            <a:schemeClr val="accent1">
-              <a:shade val="15000"/>
-            </a:schemeClr>
-          </a:lnRef>
-          <a:fillRef idx="1">
-            <a:schemeClr val="accent1"/>
-          </a:fillRef>
-          <a:effectRef idx="0">
-            <a:schemeClr val="accent1"/>
-          </a:effectRef>
-          <a:fontRef idx="minor">
-            <a:schemeClr val="lt1"/>
-          </a:fontRef>
-        </p:style>
-        <p:txBody>
-          <a:bodyPr rtlCol="0" anchor="ctr"/>
-          <a:lstStyle/>
-          <a:p>
-            <a:pPr algn="ctr"/>
-            <a:r>
-              <a:rPr lang="en-US" b="1" dirty="0">
-                <a:solidFill>
-                  <a:schemeClr val="tx1"/>
-                </a:solidFill>
-              </a:rPr>
-              <a:t>Linear, 256, ReLU</a:t>
-            </a:r>
-          </a:p>
-        </p:txBody>
-      </p:sp>
-      <p:sp>
-        <p:nvSpPr>
-          <p:cNvPr id="7" name="Rectangle: Rounded Corners 6">
-            <a:extLst>
-              <a:ext uri="{FF2B5EF4-FFF2-40B4-BE49-F238E27FC236}">
-                <a16:creationId xmlns:a16="http://schemas.microsoft.com/office/drawing/2014/main" id="{BCB13D34-FDA2-DA99-C72C-DB749DAE6643}"/>
-              </a:ext>
-            </a:extLst>
-          </p:cNvPr>
-          <p:cNvSpPr/>
-          <p:nvPr/>
-        </p:nvSpPr>
-        <p:spPr>
-          <a:xfrm>
-            <a:off x="1658680" y="3840987"/>
-            <a:ext cx="2058059" cy="517905"/>
-          </a:xfrm>
-          <a:prstGeom prst="roundRect">
-            <a:avLst/>
-          </a:prstGeom>
-          <a:solidFill>
-            <a:schemeClr val="accent2">
-              <a:lumMod val="20000"/>
-              <a:lumOff val="80000"/>
-            </a:schemeClr>
-          </a:solidFill>
-          <a:ln>
-            <a:solidFill>
-              <a:schemeClr val="accent2"/>
-            </a:solidFill>
-          </a:ln>
-        </p:spPr>
-        <p:style>
-          <a:lnRef idx="2">
-            <a:schemeClr val="accent1">
-              <a:shade val="15000"/>
-            </a:schemeClr>
-          </a:lnRef>
-          <a:fillRef idx="1">
-            <a:schemeClr val="accent1"/>
-          </a:fillRef>
-          <a:effectRef idx="0">
-            <a:schemeClr val="accent1"/>
-          </a:effectRef>
-          <a:fontRef idx="minor">
-            <a:schemeClr val="lt1"/>
-          </a:fontRef>
-        </p:style>
-        <p:txBody>
-          <a:bodyPr rtlCol="0" anchor="ctr"/>
-          <a:lstStyle/>
-          <a:p>
-            <a:pPr algn="ctr"/>
-            <a:r>
-              <a:rPr lang="en-US" b="1" dirty="0">
-                <a:solidFill>
-                  <a:schemeClr val="tx1"/>
-                </a:solidFill>
-              </a:rPr>
-              <a:t>Linear, 128, ReLU</a:t>
-            </a:r>
-          </a:p>
-        </p:txBody>
-      </p:sp>
-      <p:sp>
-        <p:nvSpPr>
-          <p:cNvPr id="9" name="Rectangle: Rounded Corners 8">
-            <a:extLst>
-              <a:ext uri="{FF2B5EF4-FFF2-40B4-BE49-F238E27FC236}">
-                <a16:creationId xmlns:a16="http://schemas.microsoft.com/office/drawing/2014/main" id="{98E856CA-2763-1D29-F41A-6294349DD2D5}"/>
-              </a:ext>
-            </a:extLst>
-          </p:cNvPr>
-          <p:cNvSpPr/>
-          <p:nvPr/>
-        </p:nvSpPr>
-        <p:spPr>
-          <a:xfrm>
-            <a:off x="3993178" y="3840986"/>
-            <a:ext cx="2058060" cy="517905"/>
-          </a:xfrm>
-          <a:prstGeom prst="roundRect">
-            <a:avLst/>
-          </a:prstGeom>
-          <a:solidFill>
-            <a:schemeClr val="accent2">
-              <a:lumMod val="20000"/>
-              <a:lumOff val="80000"/>
-            </a:schemeClr>
-          </a:solidFill>
-          <a:ln>
-            <a:solidFill>
-              <a:schemeClr val="accent2"/>
-            </a:solidFill>
-          </a:ln>
-        </p:spPr>
-        <p:style>
-          <a:lnRef idx="2">
-            <a:schemeClr val="accent1">
-              <a:shade val="15000"/>
-            </a:schemeClr>
-          </a:lnRef>
-          <a:fillRef idx="1">
-            <a:schemeClr val="accent1"/>
-          </a:fillRef>
-          <a:effectRef idx="0">
-            <a:schemeClr val="accent1"/>
-          </a:effectRef>
-          <a:fontRef idx="minor">
-            <a:schemeClr val="lt1"/>
-          </a:fontRef>
-        </p:style>
-        <p:txBody>
-          <a:bodyPr rtlCol="0" anchor="ctr"/>
-          <a:lstStyle/>
-          <a:p>
-            <a:pPr algn="ctr"/>
-            <a:r>
-              <a:rPr lang="en-US" b="1" dirty="0">
-                <a:solidFill>
-                  <a:schemeClr val="tx1"/>
-                </a:solidFill>
-              </a:rPr>
-              <a:t>Linear, 128, ReLU</a:t>
-            </a:r>
-          </a:p>
-        </p:txBody>
-      </p:sp>
-      <mc:AlternateContent xmlns:mc="http://schemas.openxmlformats.org/markup-compatibility/2006" xmlns:a14="http://schemas.microsoft.com/office/drawing/2010/main">
-        <mc:Choice Requires="a14">
-          <p:sp>
-            <p:nvSpPr>
-              <p:cNvPr id="10" name="TextBox 9">
-                <a:extLst>
-                  <a:ext uri="{FF2B5EF4-FFF2-40B4-BE49-F238E27FC236}">
-                    <a16:creationId xmlns:a16="http://schemas.microsoft.com/office/drawing/2014/main" id="{359D4925-0325-A854-33DC-4DED2C4D9DFF}"/>
-                  </a:ext>
-                </a:extLst>
-              </p:cNvPr>
-              <p:cNvSpPr txBox="1"/>
-              <p:nvPr/>
-            </p:nvSpPr>
-            <p:spPr>
-              <a:xfrm>
-                <a:off x="1812533" y="4715721"/>
-                <a:ext cx="1750351" cy="369332"/>
-              </a:xfrm>
-              <a:prstGeom prst="rect">
-                <a:avLst/>
-              </a:prstGeom>
-              <a:noFill/>
-            </p:spPr>
-            <p:txBody>
-              <a:bodyPr wrap="none" rtlCol="0">
-                <a:spAutoFit/>
-              </a:bodyPr>
-              <a:lstStyle/>
-              <a:p>
-                <a14:m>
-                  <m:oMath xmlns:m="http://schemas.openxmlformats.org/officeDocument/2006/math">
-                    <m:sSub>
-                      <m:sSubPr>
-                        <m:ctrlPr>
-                          <a:rPr lang="en-US" b="0" i="1" smtClean="0">
-                            <a:latin typeface="Cambria Math" panose="02040503050406030204" pitchFamily="18" charset="0"/>
-                          </a:rPr>
-                        </m:ctrlPr>
-                      </m:sSubPr>
-                      <m:e>
-                        <m:r>
-                          <a:rPr lang="en-US" b="0" i="1" smtClean="0">
-                            <a:latin typeface="Cambria Math" panose="02040503050406030204" pitchFamily="18" charset="0"/>
-                          </a:rPr>
-                          <m:t>𝑅</m:t>
-                        </m:r>
-                      </m:e>
-                      <m:sub>
-                        <m:r>
-                          <a:rPr lang="en-US" b="0" i="1" smtClean="0">
-                            <a:latin typeface="Cambria Math" panose="02040503050406030204" pitchFamily="18" charset="0"/>
-                          </a:rPr>
-                          <m:t>𝐼</m:t>
-                        </m:r>
-                      </m:sub>
-                    </m:sSub>
-                  </m:oMath>
-                </a14:m>
-                <a:r>
-                  <a:rPr lang="en-US" dirty="0"/>
-                  <a:t> (11 features)</a:t>
-                </a:r>
-              </a:p>
-            </p:txBody>
-          </p:sp>
-        </mc:Choice>
-        <mc:Fallback xmlns="">
-          <p:sp>
-            <p:nvSpPr>
-              <p:cNvPr id="10" name="TextBox 9">
-                <a:extLst>
-                  <a:ext uri="{FF2B5EF4-FFF2-40B4-BE49-F238E27FC236}">
-                    <a16:creationId xmlns:a16="http://schemas.microsoft.com/office/drawing/2014/main" id="{359D4925-0325-A854-33DC-4DED2C4D9DFF}"/>
-                  </a:ext>
-                </a:extLst>
-              </p:cNvPr>
-              <p:cNvSpPr txBox="1">
-                <a:spLocks noRot="1" noChangeAspect="1" noMove="1" noResize="1" noEditPoints="1" noAdjustHandles="1" noChangeArrowheads="1" noChangeShapeType="1" noTextEdit="1"/>
-              </p:cNvSpPr>
-              <p:nvPr/>
-            </p:nvSpPr>
-            <p:spPr>
-              <a:xfrm>
-                <a:off x="1812533" y="4715721"/>
-                <a:ext cx="1750351" cy="369332"/>
-              </a:xfrm>
-              <a:prstGeom prst="rect">
-                <a:avLst/>
-              </a:prstGeom>
-              <a:blipFill>
-                <a:blip r:embed="rId3"/>
-                <a:stretch>
-                  <a:fillRect t="-8333" b="-28333"/>
-                </a:stretch>
-              </a:blipFill>
-            </p:spPr>
-            <p:txBody>
-              <a:bodyPr/>
-              <a:lstStyle/>
-              <a:p>
-                <a:r>
-                  <a:rPr lang="en-US">
-                    <a:noFill/>
-                  </a:rPr>
-                  <a:t> </a:t>
-                </a:r>
-              </a:p>
-            </p:txBody>
-          </p:sp>
-        </mc:Fallback>
-      </mc:AlternateContent>
-      <mc:AlternateContent xmlns:mc="http://schemas.openxmlformats.org/markup-compatibility/2006" xmlns:a14="http://schemas.microsoft.com/office/drawing/2010/main">
-        <mc:Choice Requires="a14">
-          <p:sp>
-            <p:nvSpPr>
-              <p:cNvPr id="11" name="TextBox 10">
-                <a:extLst>
-                  <a:ext uri="{FF2B5EF4-FFF2-40B4-BE49-F238E27FC236}">
-                    <a16:creationId xmlns:a16="http://schemas.microsoft.com/office/drawing/2014/main" id="{6C2B37B7-BB46-1996-1BFE-6F1F55E32A50}"/>
-                  </a:ext>
-                </a:extLst>
-              </p:cNvPr>
-              <p:cNvSpPr txBox="1"/>
-              <p:nvPr/>
-            </p:nvSpPr>
-            <p:spPr>
-              <a:xfrm>
-                <a:off x="4040757" y="4730923"/>
-                <a:ext cx="2055243" cy="369332"/>
-              </a:xfrm>
-              <a:prstGeom prst="rect">
-                <a:avLst/>
-              </a:prstGeom>
-              <a:noFill/>
-            </p:spPr>
-            <p:txBody>
-              <a:bodyPr wrap="none" rtlCol="0">
-                <a:spAutoFit/>
-              </a:bodyPr>
-              <a:lstStyle/>
-              <a:p>
-                <a14:m>
-                  <m:oMath xmlns:m="http://schemas.openxmlformats.org/officeDocument/2006/math">
-                    <m:r>
-                      <m:rPr>
-                        <m:sty m:val="p"/>
-                      </m:rPr>
-                      <a:rPr lang="en-US" b="0" i="0" smtClean="0">
-                        <a:latin typeface="Cambria Math" panose="02040503050406030204" pitchFamily="18" charset="0"/>
-                      </a:rPr>
-                      <m:t>DoLP</m:t>
-                    </m:r>
-                  </m:oMath>
-                </a14:m>
-                <a:r>
-                  <a:rPr lang="en-US" dirty="0"/>
-                  <a:t> (11 features)</a:t>
-                </a:r>
-              </a:p>
-            </p:txBody>
-          </p:sp>
-        </mc:Choice>
-        <mc:Fallback xmlns="">
-          <p:sp>
-            <p:nvSpPr>
-              <p:cNvPr id="11" name="TextBox 10">
-                <a:extLst>
-                  <a:ext uri="{FF2B5EF4-FFF2-40B4-BE49-F238E27FC236}">
-                    <a16:creationId xmlns:a16="http://schemas.microsoft.com/office/drawing/2014/main" id="{6C2B37B7-BB46-1996-1BFE-6F1F55E32A50}"/>
-                  </a:ext>
-                </a:extLst>
-              </p:cNvPr>
-              <p:cNvSpPr txBox="1">
-                <a:spLocks noRot="1" noChangeAspect="1" noMove="1" noResize="1" noEditPoints="1" noAdjustHandles="1" noChangeArrowheads="1" noChangeShapeType="1" noTextEdit="1"/>
-              </p:cNvSpPr>
-              <p:nvPr/>
-            </p:nvSpPr>
-            <p:spPr>
-              <a:xfrm>
-                <a:off x="4040757" y="4730923"/>
-                <a:ext cx="2055243" cy="369332"/>
-              </a:xfrm>
-              <a:prstGeom prst="rect">
-                <a:avLst/>
-              </a:prstGeom>
-              <a:blipFill>
-                <a:blip r:embed="rId4"/>
-                <a:stretch>
-                  <a:fillRect t="-6557" b="-26230"/>
-                </a:stretch>
-              </a:blipFill>
-            </p:spPr>
-            <p:txBody>
-              <a:bodyPr/>
-              <a:lstStyle/>
-              <a:p>
-                <a:r>
-                  <a:rPr lang="en-US">
-                    <a:noFill/>
-                  </a:rPr>
-                  <a:t> </a:t>
-                </a:r>
-              </a:p>
-            </p:txBody>
-          </p:sp>
-        </mc:Fallback>
-      </mc:AlternateContent>
-      <p:cxnSp>
-        <p:nvCxnSpPr>
-          <p:cNvPr id="13" name="Straight Arrow Connector 12">
-            <a:extLst>
-              <a:ext uri="{FF2B5EF4-FFF2-40B4-BE49-F238E27FC236}">
-                <a16:creationId xmlns:a16="http://schemas.microsoft.com/office/drawing/2014/main" id="{4E2CA569-FA2D-F8FE-2F45-B283DB021498}"/>
-              </a:ext>
-            </a:extLst>
-          </p:cNvPr>
-          <p:cNvCxnSpPr>
-            <a:stCxn id="5" idx="2"/>
-            <a:endCxn id="4" idx="0"/>
-          </p:cNvCxnSpPr>
-          <p:nvPr/>
-        </p:nvCxnSpPr>
-        <p:spPr>
-          <a:xfrm>
-            <a:off x="3869473" y="1497127"/>
-            <a:ext cx="0" cy="295989"/>
-          </a:xfrm>
-          <a:prstGeom prst="straightConnector1">
-            <a:avLst/>
-          </a:prstGeom>
-          <a:ln>
-            <a:tailEnd type="triangle"/>
-          </a:ln>
-        </p:spPr>
-        <p:style>
-          <a:lnRef idx="2">
-            <a:schemeClr val="accent1"/>
-          </a:lnRef>
-          <a:fillRef idx="0">
-            <a:schemeClr val="accent1"/>
-          </a:fillRef>
-          <a:effectRef idx="1">
-            <a:schemeClr val="accent1"/>
-          </a:effectRef>
-          <a:fontRef idx="minor">
-            <a:schemeClr val="tx1"/>
-          </a:fontRef>
-        </p:style>
-      </p:cxnSp>
-      <p:cxnSp>
-        <p:nvCxnSpPr>
-          <p:cNvPr id="15" name="Straight Arrow Connector 14">
-            <a:extLst>
-              <a:ext uri="{FF2B5EF4-FFF2-40B4-BE49-F238E27FC236}">
-                <a16:creationId xmlns:a16="http://schemas.microsoft.com/office/drawing/2014/main" id="{F25788F0-3DF3-3317-E2B9-8AACD5723E57}"/>
-              </a:ext>
-            </a:extLst>
-          </p:cNvPr>
-          <p:cNvCxnSpPr>
-            <a:cxnSpLocks/>
-            <a:endCxn id="7" idx="0"/>
-          </p:cNvCxnSpPr>
-          <p:nvPr/>
-        </p:nvCxnSpPr>
-        <p:spPr>
-          <a:xfrm>
-            <a:off x="2687710" y="3498376"/>
-            <a:ext cx="0" cy="342611"/>
-          </a:xfrm>
-          <a:prstGeom prst="straightConnector1">
-            <a:avLst/>
-          </a:prstGeom>
-          <a:ln>
-            <a:tailEnd type="triangle"/>
-          </a:ln>
-        </p:spPr>
-        <p:style>
-          <a:lnRef idx="2">
-            <a:schemeClr val="accent1"/>
-          </a:lnRef>
-          <a:fillRef idx="0">
-            <a:schemeClr val="accent1"/>
-          </a:fillRef>
-          <a:effectRef idx="1">
-            <a:schemeClr val="accent1"/>
-          </a:effectRef>
-          <a:fontRef idx="minor">
-            <a:schemeClr val="tx1"/>
-          </a:fontRef>
-        </p:style>
-      </p:cxnSp>
-      <p:cxnSp>
-        <p:nvCxnSpPr>
-          <p:cNvPr id="18" name="Straight Arrow Connector 17">
-            <a:extLst>
-              <a:ext uri="{FF2B5EF4-FFF2-40B4-BE49-F238E27FC236}">
-                <a16:creationId xmlns:a16="http://schemas.microsoft.com/office/drawing/2014/main" id="{6F11E77F-980F-AC61-676E-EFDA20B2C5A5}"/>
-              </a:ext>
-            </a:extLst>
-          </p:cNvPr>
-          <p:cNvCxnSpPr>
-            <a:cxnSpLocks/>
-            <a:endCxn id="9" idx="0"/>
-          </p:cNvCxnSpPr>
-          <p:nvPr/>
-        </p:nvCxnSpPr>
-        <p:spPr>
-          <a:xfrm>
-            <a:off x="5020799" y="3498376"/>
-            <a:ext cx="1409" cy="342610"/>
-          </a:xfrm>
-          <a:prstGeom prst="straightConnector1">
-            <a:avLst/>
-          </a:prstGeom>
-          <a:ln>
-            <a:tailEnd type="triangle"/>
-          </a:ln>
-        </p:spPr>
-        <p:style>
-          <a:lnRef idx="2">
-            <a:schemeClr val="accent1"/>
-          </a:lnRef>
-          <a:fillRef idx="0">
-            <a:schemeClr val="accent1"/>
-          </a:fillRef>
-          <a:effectRef idx="1">
-            <a:schemeClr val="accent1"/>
-          </a:effectRef>
-          <a:fontRef idx="minor">
-            <a:schemeClr val="tx1"/>
-          </a:fontRef>
-        </p:style>
-      </p:cxnSp>
-      <p:cxnSp>
-        <p:nvCxnSpPr>
-          <p:cNvPr id="21" name="Straight Arrow Connector 20">
-            <a:extLst>
-              <a:ext uri="{FF2B5EF4-FFF2-40B4-BE49-F238E27FC236}">
-                <a16:creationId xmlns:a16="http://schemas.microsoft.com/office/drawing/2014/main" id="{A8D6EB37-BBBD-002A-ED15-705B14C53C35}"/>
-              </a:ext>
-            </a:extLst>
-          </p:cNvPr>
-          <p:cNvCxnSpPr>
-            <a:cxnSpLocks/>
-          </p:cNvCxnSpPr>
-          <p:nvPr/>
-        </p:nvCxnSpPr>
-        <p:spPr>
-          <a:xfrm>
-            <a:off x="2687709" y="4358891"/>
-            <a:ext cx="0" cy="342611"/>
-          </a:xfrm>
-          <a:prstGeom prst="straightConnector1">
-            <a:avLst/>
-          </a:prstGeom>
-          <a:ln>
-            <a:tailEnd type="triangle"/>
-          </a:ln>
-        </p:spPr>
-        <p:style>
-          <a:lnRef idx="2">
-            <a:schemeClr val="accent1"/>
-          </a:lnRef>
-          <a:fillRef idx="0">
-            <a:schemeClr val="accent1"/>
-          </a:fillRef>
-          <a:effectRef idx="1">
-            <a:schemeClr val="accent1"/>
-          </a:effectRef>
-          <a:fontRef idx="minor">
-            <a:schemeClr val="tx1"/>
-          </a:fontRef>
-        </p:style>
-      </p:cxnSp>
-      <p:cxnSp>
-        <p:nvCxnSpPr>
-          <p:cNvPr id="22" name="Straight Arrow Connector 21">
-            <a:extLst>
-              <a:ext uri="{FF2B5EF4-FFF2-40B4-BE49-F238E27FC236}">
-                <a16:creationId xmlns:a16="http://schemas.microsoft.com/office/drawing/2014/main" id="{F673E77A-CE6C-3915-E302-7F211BE5E6A1}"/>
-              </a:ext>
-            </a:extLst>
-          </p:cNvPr>
-          <p:cNvCxnSpPr>
-            <a:cxnSpLocks/>
-          </p:cNvCxnSpPr>
-          <p:nvPr/>
-        </p:nvCxnSpPr>
-        <p:spPr>
-          <a:xfrm>
-            <a:off x="5020799" y="4358891"/>
-            <a:ext cx="0" cy="342611"/>
-          </a:xfrm>
-          <a:prstGeom prst="straightConnector1">
-            <a:avLst/>
-          </a:prstGeom>
-          <a:ln>
-            <a:tailEnd type="triangle"/>
-          </a:ln>
-        </p:spPr>
-        <p:style>
-          <a:lnRef idx="2">
-            <a:schemeClr val="accent1"/>
-          </a:lnRef>
-          <a:fillRef idx="0">
-            <a:schemeClr val="accent1"/>
-          </a:fillRef>
-          <a:effectRef idx="1">
-            <a:schemeClr val="accent1"/>
-          </a:effectRef>
-          <a:fontRef idx="minor">
-            <a:schemeClr val="tx1"/>
-          </a:fontRef>
-        </p:style>
-      </p:cxnSp>
-      <p:sp>
-        <p:nvSpPr>
-          <p:cNvPr id="23" name="TextBox 22">
-            <a:extLst>
-              <a:ext uri="{FF2B5EF4-FFF2-40B4-BE49-F238E27FC236}">
-                <a16:creationId xmlns:a16="http://schemas.microsoft.com/office/drawing/2014/main" id="{C867A21B-7C21-BCBA-BCA9-2001A91EF137}"/>
-              </a:ext>
-            </a:extLst>
-          </p:cNvPr>
-          <p:cNvSpPr txBox="1"/>
-          <p:nvPr/>
-        </p:nvSpPr>
-        <p:spPr>
-          <a:xfrm>
-            <a:off x="2945970" y="2446370"/>
-            <a:ext cx="2189574" cy="369332"/>
-          </a:xfrm>
-          <a:prstGeom prst="rect">
-            <a:avLst/>
-          </a:prstGeom>
-          <a:noFill/>
-        </p:spPr>
-        <p:txBody>
-          <a:bodyPr wrap="none" rtlCol="0">
-            <a:spAutoFit/>
-          </a:bodyPr>
-          <a:lstStyle/>
-          <a:p>
-            <a:r>
-              <a:rPr lang="en-US" dirty="0"/>
-              <a:t>… … Repeat 4 times</a:t>
-            </a:r>
-          </a:p>
-        </p:txBody>
-      </p:sp>
-    </p:spTree>
-    <p:extLst>
-      <p:ext uri="{BB962C8B-B14F-4D97-AF65-F5344CB8AC3E}">
-        <p14:creationId xmlns:p14="http://schemas.microsoft.com/office/powerpoint/2010/main" val="3273585910"/>
-      </p:ext>
-    </p:extLst>
-  </p:cSld>
-  <p:clrMapOvr>
-    <a:masterClrMapping/>
-  </p:clrMapOvr>
-</p:sld>
-</file>
-
-<file path=ppt/slides/slide3.xml><?xml version="1.0" encoding="utf-8"?>
-<p:sld xmlns:a="http://schemas.openxmlformats.org/drawingml/2006/main" xmlns:r="http://schemas.openxmlformats.org/officeDocument/2006/relationships" xmlns:p="http://schemas.openxmlformats.org/presentationml/2006/main">
-  <p:cSld>
-    <p:spTree>
-      <p:nvGrpSpPr>
-        <p:cNvPr id="1" name=""/>
-        <p:cNvGrpSpPr/>
-        <p:nvPr/>
-      </p:nvGrpSpPr>
-      <p:grpSpPr>
-        <a:xfrm>
-          <a:off x="0" y="0"/>
-          <a:ext cx="0" cy="0"/>
-          <a:chOff x="0" y="0"/>
-          <a:chExt cx="0" cy="0"/>
-        </a:xfrm>
-      </p:grpSpPr>
-      <p:cxnSp>
-        <p:nvCxnSpPr>
-          <p:cNvPr id="4" name="Straight Arrow Connector 3">
-            <a:extLst>
-              <a:ext uri="{FF2B5EF4-FFF2-40B4-BE49-F238E27FC236}">
-                <a16:creationId xmlns:a16="http://schemas.microsoft.com/office/drawing/2014/main" id="{578F9E99-1FB9-AD5A-B01D-2C8C7EC384C8}"/>
-              </a:ext>
-            </a:extLst>
-          </p:cNvPr>
-          <p:cNvCxnSpPr>
-            <a:cxnSpLocks/>
-          </p:cNvCxnSpPr>
-          <p:nvPr/>
-        </p:nvCxnSpPr>
-        <p:spPr>
-          <a:xfrm flipV="1">
-            <a:off x="6006707" y="4075522"/>
-            <a:ext cx="5838" cy="291595"/>
-          </a:xfrm>
-          <a:prstGeom prst="straightConnector1">
-            <a:avLst/>
-          </a:prstGeom>
-          <a:ln>
-            <a:solidFill>
-              <a:srgbClr val="00B050"/>
-            </a:solidFill>
-            <a:tailEnd type="triangle"/>
-          </a:ln>
-        </p:spPr>
-        <p:style>
-          <a:lnRef idx="2">
-            <a:schemeClr val="accent1"/>
-          </a:lnRef>
-          <a:fillRef idx="0">
-            <a:schemeClr val="accent1"/>
-          </a:fillRef>
-          <a:effectRef idx="1">
-            <a:schemeClr val="accent1"/>
-          </a:effectRef>
-          <a:fontRef idx="minor">
-            <a:schemeClr val="tx1"/>
-          </a:fontRef>
-        </p:style>
-      </p:cxnSp>
-      <p:grpSp>
-        <p:nvGrpSpPr>
-          <p:cNvPr id="51" name="Group 50">
-            <a:extLst>
-              <a:ext uri="{FF2B5EF4-FFF2-40B4-BE49-F238E27FC236}">
-                <a16:creationId xmlns:a16="http://schemas.microsoft.com/office/drawing/2014/main" id="{AE35FB04-DFB1-58D1-62B8-DD245FEA1122}"/>
-              </a:ext>
-            </a:extLst>
-          </p:cNvPr>
-          <p:cNvGrpSpPr/>
-          <p:nvPr/>
-        </p:nvGrpSpPr>
-        <p:grpSpPr>
-          <a:xfrm>
-            <a:off x="5371838" y="4281366"/>
-            <a:ext cx="2312912" cy="523220"/>
-            <a:chOff x="5371838" y="4281366"/>
-            <a:chExt cx="2312912" cy="523220"/>
-          </a:xfrm>
-        </p:grpSpPr>
-        <mc:AlternateContent xmlns:mc="http://schemas.openxmlformats.org/markup-compatibility/2006">
-          <mc:Choice xmlns:a14="http://schemas.microsoft.com/office/drawing/2010/main" Requires="a14">
-            <p:sp>
-              <p:nvSpPr>
-                <p:cNvPr id="5" name="TextBox 4">
-                  <a:extLst>
-                    <a:ext uri="{FF2B5EF4-FFF2-40B4-BE49-F238E27FC236}">
-                      <a16:creationId xmlns:a16="http://schemas.microsoft.com/office/drawing/2014/main" id="{C1365514-C46B-782D-8733-4113A0EC8637}"/>
-                    </a:ext>
-                  </a:extLst>
-                </p:cNvPr>
-                <p:cNvSpPr txBox="1"/>
-                <p:nvPr/>
-              </p:nvSpPr>
-              <p:spPr>
-                <a:xfrm>
-                  <a:off x="6799788" y="4281366"/>
-                  <a:ext cx="884962" cy="523220"/>
-                </a:xfrm>
-                <a:prstGeom prst="rect">
-                  <a:avLst/>
-                </a:prstGeom>
-                <a:noFill/>
-              </p:spPr>
-              <p:txBody>
-                <a:bodyPr wrap="square" rtlCol="0">
-                  <a:spAutoFit/>
-                </a:bodyPr>
-                <a:lstStyle/>
-                <a:p>
-                  <a:pPr/>
-                  <a14:m>
-                    <m:oMathPara xmlns:m="http://schemas.openxmlformats.org/officeDocument/2006/math">
-                      <m:oMathParaPr>
-                        <m:jc m:val="centerGroup"/>
-                      </m:oMathParaPr>
-                      <m:oMath xmlns:m="http://schemas.openxmlformats.org/officeDocument/2006/math">
-                        <m:r>
-                          <m:rPr>
-                            <m:sty m:val="p"/>
-                          </m:rPr>
-                          <a:rPr lang="en-US" sz="1400" b="0" i="0" smtClean="0">
-                            <a:latin typeface="Cambria Math" panose="02040503050406030204" pitchFamily="18" charset="0"/>
-                          </a:rPr>
-                          <m:t>Input</m:t>
-                        </m:r>
-                      </m:oMath>
-                    </m:oMathPara>
-                  </a14:m>
-                  <a:endParaRPr lang="en-US" sz="1400" b="0" dirty="0">
-                    <a:latin typeface="Cambria Math" panose="02040503050406030204" pitchFamily="18" charset="0"/>
-                  </a:endParaRPr>
-                </a:p>
-                <a:p>
-                  <a:pPr/>
-                  <a14:m>
-                    <m:oMathPara xmlns:m="http://schemas.openxmlformats.org/officeDocument/2006/math">
-                      <m:oMathParaPr>
-                        <m:jc m:val="centerGroup"/>
-                      </m:oMathParaPr>
-                      <m:oMath xmlns:m="http://schemas.openxmlformats.org/officeDocument/2006/math">
-                        <m:d>
-                          <m:dPr>
-                            <m:ctrlPr>
-                              <a:rPr lang="en-US" sz="1400" b="0" i="1" smtClean="0">
-                                <a:latin typeface="Cambria Math" panose="02040503050406030204" pitchFamily="18" charset="0"/>
-                              </a:rPr>
-                            </m:ctrlPr>
-                          </m:dPr>
-                          <m:e>
-                            <m:r>
-                              <a:rPr lang="en-US" sz="1400" b="0" i="1" smtClean="0">
-                                <a:latin typeface="Cambria Math" panose="02040503050406030204" pitchFamily="18" charset="0"/>
-                              </a:rPr>
-                              <m:t>14 </m:t>
-                            </m:r>
-                          </m:e>
-                        </m:d>
-                      </m:oMath>
-                    </m:oMathPara>
-                  </a14:m>
-                  <a:endParaRPr lang="en-US" sz="1400" dirty="0"/>
-                </a:p>
-              </p:txBody>
-            </p:sp>
-          </mc:Choice>
-          <mc:Fallback>
-            <p:sp>
-              <p:nvSpPr>
-                <p:cNvPr id="5" name="TextBox 4">
-                  <a:extLst>
-                    <a:ext uri="{FF2B5EF4-FFF2-40B4-BE49-F238E27FC236}">
-                      <a16:creationId xmlns:a16="http://schemas.microsoft.com/office/drawing/2014/main" id="{C1365514-C46B-782D-8733-4113A0EC8637}"/>
-                    </a:ext>
-                  </a:extLst>
-                </p:cNvPr>
-                <p:cNvSpPr txBox="1">
-                  <a:spLocks noRot="1" noChangeAspect="1" noMove="1" noResize="1" noEditPoints="1" noAdjustHandles="1" noChangeArrowheads="1" noChangeShapeType="1" noTextEdit="1"/>
-                </p:cNvSpPr>
-                <p:nvPr/>
-              </p:nvSpPr>
-              <p:spPr>
-                <a:xfrm>
-                  <a:off x="6799788" y="4281366"/>
-                  <a:ext cx="884962" cy="523220"/>
-                </a:xfrm>
-                <a:prstGeom prst="rect">
-                  <a:avLst/>
-                </a:prstGeom>
-                <a:blipFill>
-                  <a:blip r:embed="rId2"/>
-                  <a:stretch>
-                    <a:fillRect/>
-                  </a:stretch>
-                </a:blipFill>
-              </p:spPr>
-              <p:txBody>
-                <a:bodyPr/>
-                <a:lstStyle/>
-                <a:p>
-                  <a:r>
-                    <a:rPr lang="en-US">
-                      <a:noFill/>
-                    </a:rPr>
-                    <a:t> </a:t>
-                  </a:r>
-                </a:p>
-              </p:txBody>
-            </p:sp>
-          </mc:Fallback>
-        </mc:AlternateContent>
-        <mc:AlternateContent xmlns:mc="http://schemas.openxmlformats.org/markup-compatibility/2006">
-          <mc:Choice xmlns:a14="http://schemas.microsoft.com/office/drawing/2010/main" Requires="a14">
-            <p:sp>
-              <p:nvSpPr>
-                <p:cNvPr id="11" name="Rectangle 10">
-                  <a:extLst>
-                    <a:ext uri="{FF2B5EF4-FFF2-40B4-BE49-F238E27FC236}">
-                      <a16:creationId xmlns:a16="http://schemas.microsoft.com/office/drawing/2014/main" id="{74E03FD9-B8AF-3A51-972E-E07FB0EF0EE4}"/>
-                    </a:ext>
-                  </a:extLst>
-                </p:cNvPr>
-                <p:cNvSpPr/>
-                <p:nvPr/>
-              </p:nvSpPr>
-              <p:spPr>
-                <a:xfrm>
-                  <a:off x="5371838" y="4355225"/>
-                  <a:ext cx="1275576" cy="375503"/>
-                </a:xfrm>
-                <a:prstGeom prst="rect">
-                  <a:avLst/>
-                </a:prstGeom>
-                <a:solidFill>
-                  <a:schemeClr val="accent3">
-                    <a:lumMod val="20000"/>
-                    <a:lumOff val="80000"/>
-                  </a:schemeClr>
-                </a:solidFill>
-                <a:ln>
-                  <a:solidFill>
-                    <a:srgbClr val="00B050"/>
-                  </a:solidFill>
-                </a:ln>
-              </p:spPr>
-              <p:style>
-                <a:lnRef idx="2">
-                  <a:schemeClr val="accent1">
-                    <a:shade val="15000"/>
-                  </a:schemeClr>
-                </a:lnRef>
-                <a:fillRef idx="1">
-                  <a:schemeClr val="accent1"/>
-                </a:fillRef>
-                <a:effectRef idx="0">
-                  <a:schemeClr val="accent1"/>
-                </a:effectRef>
-                <a:fontRef idx="minor">
-                  <a:schemeClr val="lt1"/>
-                </a:fontRef>
-              </p:style>
-              <p:txBody>
-                <a:bodyPr rtlCol="0" anchor="ctr"/>
-                <a:lstStyle/>
-                <a:p>
-                  <a:pPr algn="ctr"/>
-                  <a14:m>
-                    <m:oMathPara xmlns:m="http://schemas.openxmlformats.org/officeDocument/2006/math">
-                      <m:oMathParaPr>
-                        <m:jc m:val="centerGroup"/>
-                      </m:oMathParaPr>
-                      <m:oMath xmlns:m="http://schemas.openxmlformats.org/officeDocument/2006/math">
-                        <m:sSub>
-                          <m:sSubPr>
-                            <m:ctrlPr>
-                              <a:rPr lang="en-US" sz="1200" b="1" i="1" dirty="0" smtClean="0">
-                                <a:solidFill>
-                                  <a:sysClr val="windowText" lastClr="000000"/>
-                                </a:solidFill>
-                                <a:latin typeface="Cambria Math" panose="02040503050406030204" pitchFamily="18" charset="0"/>
-                              </a:rPr>
-                            </m:ctrlPr>
-                          </m:sSubPr>
-                          <m:e>
-                            <m:r>
-                              <a:rPr lang="en-US" sz="1200" b="1" i="0" dirty="0" smtClean="0">
-                                <a:solidFill>
-                                  <a:sysClr val="windowText" lastClr="000000"/>
-                                </a:solidFill>
-                                <a:latin typeface="Cambria Math" panose="02040503050406030204" pitchFamily="18" charset="0"/>
-                              </a:rPr>
-                              <m:t>𝐗</m:t>
-                            </m:r>
-                          </m:e>
-                          <m:sub>
-                            <m:r>
-                              <a:rPr lang="en-US" sz="1200" b="1" i="0" dirty="0" smtClean="0">
-                                <a:solidFill>
-                                  <a:sysClr val="windowText" lastClr="000000"/>
-                                </a:solidFill>
-                                <a:latin typeface="Cambria Math" panose="02040503050406030204" pitchFamily="18" charset="0"/>
-                              </a:rPr>
-                              <m:t>𝟏</m:t>
-                            </m:r>
-                          </m:sub>
-                        </m:sSub>
-                        <m:r>
-                          <a:rPr lang="en-US" sz="1200" b="1" i="0" dirty="0" smtClean="0">
-                            <a:solidFill>
-                              <a:sysClr val="windowText" lastClr="000000"/>
-                            </a:solidFill>
-                            <a:latin typeface="Cambria Math" panose="02040503050406030204" pitchFamily="18" charset="0"/>
-                          </a:rPr>
-                          <m:t>,…,</m:t>
-                        </m:r>
-                        <m:sSub>
-                          <m:sSubPr>
-                            <m:ctrlPr>
-                              <a:rPr lang="en-US" sz="1200" b="1" i="1" dirty="0">
-                                <a:solidFill>
-                                  <a:sysClr val="windowText" lastClr="000000"/>
-                                </a:solidFill>
-                                <a:latin typeface="Cambria Math" panose="02040503050406030204" pitchFamily="18" charset="0"/>
-                              </a:rPr>
-                            </m:ctrlPr>
-                          </m:sSubPr>
-                          <m:e>
-                            <m:r>
-                              <a:rPr lang="en-US" sz="1200" b="1" i="1" dirty="0">
-                                <a:solidFill>
-                                  <a:sysClr val="windowText" lastClr="000000"/>
-                                </a:solidFill>
-                                <a:latin typeface="Cambria Math" panose="02040503050406030204" pitchFamily="18" charset="0"/>
-                              </a:rPr>
-                              <m:t>𝑿</m:t>
-                            </m:r>
-                          </m:e>
-                          <m:sub>
-                            <m:r>
-                              <a:rPr lang="en-US" sz="1200" b="1" i="1" dirty="0">
-                                <a:solidFill>
-                                  <a:sysClr val="windowText" lastClr="000000"/>
-                                </a:solidFill>
-                                <a:latin typeface="Cambria Math" panose="02040503050406030204" pitchFamily="18" charset="0"/>
-                              </a:rPr>
-                              <m:t>𝟏</m:t>
-                            </m:r>
-                            <m:r>
-                              <a:rPr lang="en-US" sz="1200" b="1" i="1" dirty="0" smtClean="0">
-                                <a:solidFill>
-                                  <a:sysClr val="windowText" lastClr="000000"/>
-                                </a:solidFill>
-                                <a:latin typeface="Cambria Math" panose="02040503050406030204" pitchFamily="18" charset="0"/>
-                              </a:rPr>
-                              <m:t>𝟒</m:t>
-                            </m:r>
-                          </m:sub>
-                        </m:sSub>
-                      </m:oMath>
-                    </m:oMathPara>
-                  </a14:m>
-                  <a:endParaRPr lang="en-US" sz="1200" b="1" dirty="0">
-                    <a:solidFill>
-                      <a:sysClr val="windowText" lastClr="000000"/>
-                    </a:solidFill>
-                  </a:endParaRPr>
-                </a:p>
-              </p:txBody>
-            </p:sp>
-          </mc:Choice>
-          <mc:Fallback>
-            <p:sp>
-              <p:nvSpPr>
-                <p:cNvPr id="11" name="Rectangle 10">
-                  <a:extLst>
-                    <a:ext uri="{FF2B5EF4-FFF2-40B4-BE49-F238E27FC236}">
-                      <a16:creationId xmlns:a16="http://schemas.microsoft.com/office/drawing/2014/main" id="{74E03FD9-B8AF-3A51-972E-E07FB0EF0EE4}"/>
-                    </a:ext>
-                  </a:extLst>
-                </p:cNvPr>
-                <p:cNvSpPr>
-                  <a:spLocks noRot="1" noChangeAspect="1" noMove="1" noResize="1" noEditPoints="1" noAdjustHandles="1" noChangeArrowheads="1" noChangeShapeType="1" noTextEdit="1"/>
-                </p:cNvSpPr>
-                <p:nvPr/>
-              </p:nvSpPr>
-              <p:spPr>
-                <a:xfrm>
-                  <a:off x="5371838" y="4355225"/>
-                  <a:ext cx="1275576" cy="375503"/>
-                </a:xfrm>
-                <a:prstGeom prst="rect">
-                  <a:avLst/>
-                </a:prstGeom>
-                <a:blipFill>
-                  <a:blip r:embed="rId3"/>
-                  <a:stretch>
-                    <a:fillRect/>
-                  </a:stretch>
-                </a:blipFill>
-                <a:ln>
-                  <a:solidFill>
-                    <a:srgbClr val="00B050"/>
-                  </a:solidFill>
-                </a:ln>
-              </p:spPr>
-              <p:txBody>
-                <a:bodyPr/>
-                <a:lstStyle/>
-                <a:p>
-                  <a:r>
-                    <a:rPr lang="en-US">
-                      <a:noFill/>
-                    </a:rPr>
-                    <a:t> </a:t>
-                  </a:r>
-                </a:p>
-              </p:txBody>
-            </p:sp>
-          </mc:Fallback>
-        </mc:AlternateContent>
-      </p:grpSp>
-      <p:grpSp>
-        <p:nvGrpSpPr>
-          <p:cNvPr id="55" name="Group 54">
-            <a:extLst>
-              <a:ext uri="{FF2B5EF4-FFF2-40B4-BE49-F238E27FC236}">
-                <a16:creationId xmlns:a16="http://schemas.microsoft.com/office/drawing/2014/main" id="{F0F73BC2-CB19-4FB7-5DF5-75F50590440E}"/>
-              </a:ext>
-            </a:extLst>
-          </p:cNvPr>
-          <p:cNvGrpSpPr/>
-          <p:nvPr/>
-        </p:nvGrpSpPr>
-        <p:grpSpPr>
-          <a:xfrm>
-            <a:off x="5291749" y="1863858"/>
-            <a:ext cx="2443426" cy="523220"/>
-            <a:chOff x="5291749" y="1848950"/>
-            <a:chExt cx="2443426" cy="523220"/>
-          </a:xfrm>
-        </p:grpSpPr>
-        <p:sp>
-          <p:nvSpPr>
-            <p:cNvPr id="28" name="Rectangle 27">
-              <a:extLst>
-                <a:ext uri="{FF2B5EF4-FFF2-40B4-BE49-F238E27FC236}">
-                  <a16:creationId xmlns:a16="http://schemas.microsoft.com/office/drawing/2014/main" id="{FE8C2742-43C2-30D6-85CC-21A656CF0FBC}"/>
-                </a:ext>
-              </a:extLst>
-            </p:cNvPr>
-            <p:cNvSpPr/>
-            <p:nvPr/>
-          </p:nvSpPr>
-          <p:spPr>
-            <a:xfrm>
-              <a:off x="5291749" y="1939628"/>
-              <a:ext cx="1435755" cy="341865"/>
-            </a:xfrm>
-            <a:prstGeom prst="rect">
-              <a:avLst/>
-            </a:prstGeom>
-            <a:solidFill>
-              <a:schemeClr val="accent2">
-                <a:lumMod val="20000"/>
-                <a:lumOff val="80000"/>
-              </a:schemeClr>
-            </a:solidFill>
-            <a:ln>
-              <a:solidFill>
-                <a:schemeClr val="accent2"/>
-              </a:solidFill>
-            </a:ln>
-          </p:spPr>
-          <p:style>
-            <a:lnRef idx="2">
-              <a:schemeClr val="accent1">
-                <a:shade val="15000"/>
-              </a:schemeClr>
-            </a:lnRef>
-            <a:fillRef idx="1">
-              <a:schemeClr val="accent1"/>
-            </a:fillRef>
-            <a:effectRef idx="0">
-              <a:schemeClr val="accent1"/>
-            </a:effectRef>
-            <a:fontRef idx="minor">
-              <a:schemeClr val="lt1"/>
-            </a:fontRef>
-          </p:style>
-          <p:txBody>
-            <a:bodyPr rtlCol="0" anchor="ctr"/>
-            <a:lstStyle/>
-            <a:p>
-              <a:pPr algn="ctr"/>
-              <a:r>
-                <a:rPr lang="en-US" sz="1200" b="1" dirty="0">
-                  <a:solidFill>
-                    <a:schemeClr val="tx1"/>
-                  </a:solidFill>
-                </a:rPr>
-                <a:t>Linear, ReLU</a:t>
-              </a:r>
-            </a:p>
-          </p:txBody>
-        </p:sp>
-        <mc:AlternateContent xmlns:mc="http://schemas.openxmlformats.org/markup-compatibility/2006">
-          <mc:Choice xmlns:a14="http://schemas.microsoft.com/office/drawing/2010/main" Requires="a14">
-            <p:sp>
-              <p:nvSpPr>
-                <p:cNvPr id="29" name="TextBox 28">
-                  <a:extLst>
-                    <a:ext uri="{FF2B5EF4-FFF2-40B4-BE49-F238E27FC236}">
-                      <a16:creationId xmlns:a16="http://schemas.microsoft.com/office/drawing/2014/main" id="{97C1F9EA-F8ED-0E81-2EAB-9E83358886A7}"/>
-                    </a:ext>
-                  </a:extLst>
-                </p:cNvPr>
-                <p:cNvSpPr txBox="1"/>
-                <p:nvPr/>
-              </p:nvSpPr>
-              <p:spPr>
-                <a:xfrm>
-                  <a:off x="6749364" y="1848950"/>
-                  <a:ext cx="985811" cy="523220"/>
-                </a:xfrm>
-                <a:prstGeom prst="rect">
-                  <a:avLst/>
-                </a:prstGeom>
-                <a:noFill/>
-              </p:spPr>
-              <p:txBody>
-                <a:bodyPr wrap="square" rtlCol="0">
-                  <a:spAutoFit/>
-                </a:bodyPr>
-                <a:lstStyle/>
-                <a:p>
-                  <a:pPr/>
-                  <a14:m>
-                    <m:oMathPara xmlns:m="http://schemas.openxmlformats.org/officeDocument/2006/math">
-                      <m:oMathParaPr>
-                        <m:jc m:val="centerGroup"/>
-                      </m:oMathParaPr>
-                      <m:oMath xmlns:m="http://schemas.openxmlformats.org/officeDocument/2006/math">
-                        <m:r>
-                          <m:rPr>
-                            <m:sty m:val="p"/>
-                          </m:rPr>
-                          <a:rPr lang="en-US" sz="1400" b="0" i="0" smtClean="0">
-                            <a:latin typeface="Cambria Math" panose="02040503050406030204" pitchFamily="18" charset="0"/>
-                          </a:rPr>
-                          <m:t>Linear</m:t>
-                        </m:r>
-                        <m:r>
-                          <a:rPr lang="en-US" sz="1400" b="0" i="0" smtClean="0">
-                            <a:latin typeface="Cambria Math" panose="02040503050406030204" pitchFamily="18" charset="0"/>
-                          </a:rPr>
-                          <m:t>_4</m:t>
-                        </m:r>
-                      </m:oMath>
-                    </m:oMathPara>
-                  </a14:m>
-                  <a:endParaRPr lang="en-US" sz="1400" b="0" dirty="0">
-                    <a:latin typeface="Cambria Math" panose="02040503050406030204" pitchFamily="18" charset="0"/>
-                  </a:endParaRPr>
-                </a:p>
-                <a:p>
-                  <a:pPr/>
-                  <a14:m>
-                    <m:oMathPara xmlns:m="http://schemas.openxmlformats.org/officeDocument/2006/math">
-                      <m:oMathParaPr>
-                        <m:jc m:val="centerGroup"/>
-                      </m:oMathParaPr>
-                      <m:oMath xmlns:m="http://schemas.openxmlformats.org/officeDocument/2006/math">
-                        <m:d>
-                          <m:dPr>
-                            <m:ctrlPr>
-                              <a:rPr lang="en-US" sz="1400" b="0" i="1" smtClean="0">
-                                <a:latin typeface="Cambria Math" panose="02040503050406030204" pitchFamily="18" charset="0"/>
-                              </a:rPr>
-                            </m:ctrlPr>
-                          </m:dPr>
-                          <m:e>
-                            <m:r>
-                              <a:rPr lang="en-US" sz="1400" b="0" i="1" smtClean="0">
-                                <a:latin typeface="Cambria Math" panose="02040503050406030204" pitchFamily="18" charset="0"/>
-                              </a:rPr>
-                              <m:t>256</m:t>
-                            </m:r>
-                          </m:e>
-                        </m:d>
-                      </m:oMath>
-                    </m:oMathPara>
-                  </a14:m>
-                  <a:endParaRPr lang="en-US" sz="1400" dirty="0"/>
-                </a:p>
-              </p:txBody>
-            </p:sp>
-          </mc:Choice>
-          <mc:Fallback>
-            <p:sp>
-              <p:nvSpPr>
-                <p:cNvPr id="29" name="TextBox 28">
-                  <a:extLst>
-                    <a:ext uri="{FF2B5EF4-FFF2-40B4-BE49-F238E27FC236}">
-                      <a16:creationId xmlns:a16="http://schemas.microsoft.com/office/drawing/2014/main" id="{97C1F9EA-F8ED-0E81-2EAB-9E83358886A7}"/>
-                    </a:ext>
-                  </a:extLst>
-                </p:cNvPr>
-                <p:cNvSpPr txBox="1">
-                  <a:spLocks noRot="1" noChangeAspect="1" noMove="1" noResize="1" noEditPoints="1" noAdjustHandles="1" noChangeArrowheads="1" noChangeShapeType="1" noTextEdit="1"/>
-                </p:cNvSpPr>
-                <p:nvPr/>
-              </p:nvSpPr>
-              <p:spPr>
-                <a:xfrm>
-                  <a:off x="6749364" y="1848950"/>
-                  <a:ext cx="985811" cy="523220"/>
-                </a:xfrm>
-                <a:prstGeom prst="rect">
-                  <a:avLst/>
-                </a:prstGeom>
-                <a:blipFill>
-                  <a:blip r:embed="rId4"/>
-                  <a:stretch>
-                    <a:fillRect/>
-                  </a:stretch>
-                </a:blipFill>
-              </p:spPr>
-              <p:txBody>
-                <a:bodyPr/>
-                <a:lstStyle/>
-                <a:p>
-                  <a:r>
-                    <a:rPr lang="en-US">
-                      <a:noFill/>
-                    </a:rPr>
-                    <a:t> </a:t>
-                  </a:r>
-                </a:p>
-              </p:txBody>
-            </p:sp>
-          </mc:Fallback>
-        </mc:AlternateContent>
-      </p:grpSp>
-      <p:cxnSp>
-        <p:nvCxnSpPr>
-          <p:cNvPr id="31" name="Straight Arrow Connector 30">
-            <a:extLst>
-              <a:ext uri="{FF2B5EF4-FFF2-40B4-BE49-F238E27FC236}">
-                <a16:creationId xmlns:a16="http://schemas.microsoft.com/office/drawing/2014/main" id="{28564502-1256-A9EE-914A-523104F749CC}"/>
-              </a:ext>
-            </a:extLst>
-          </p:cNvPr>
-          <p:cNvCxnSpPr>
-            <a:cxnSpLocks/>
-          </p:cNvCxnSpPr>
-          <p:nvPr/>
-        </p:nvCxnSpPr>
-        <p:spPr>
-          <a:xfrm flipV="1">
-            <a:off x="6009627" y="2301330"/>
-            <a:ext cx="0" cy="239673"/>
-          </a:xfrm>
-          <a:prstGeom prst="straightConnector1">
-            <a:avLst/>
-          </a:prstGeom>
-          <a:ln>
-            <a:tailEnd type="triangle"/>
-          </a:ln>
-        </p:spPr>
-        <p:style>
-          <a:lnRef idx="1">
-            <a:schemeClr val="accent2"/>
-          </a:lnRef>
-          <a:fillRef idx="0">
-            <a:schemeClr val="accent2"/>
-          </a:fillRef>
-          <a:effectRef idx="0">
-            <a:schemeClr val="accent2"/>
-          </a:effectRef>
-          <a:fontRef idx="minor">
-            <a:schemeClr val="tx1"/>
-          </a:fontRef>
-        </p:style>
-      </p:cxnSp>
-      <p:cxnSp>
-        <p:nvCxnSpPr>
-          <p:cNvPr id="32" name="Straight Arrow Connector 31">
-            <a:extLst>
-              <a:ext uri="{FF2B5EF4-FFF2-40B4-BE49-F238E27FC236}">
-                <a16:creationId xmlns:a16="http://schemas.microsoft.com/office/drawing/2014/main" id="{81C31028-FDBE-BE3B-5B22-1BEE02C25931}"/>
-              </a:ext>
-            </a:extLst>
-          </p:cNvPr>
-          <p:cNvCxnSpPr>
-            <a:cxnSpLocks/>
-            <a:stCxn id="28" idx="0"/>
-            <a:endCxn id="30" idx="2"/>
-          </p:cNvCxnSpPr>
-          <p:nvPr/>
-        </p:nvCxnSpPr>
-        <p:spPr>
-          <a:xfrm flipH="1" flipV="1">
-            <a:off x="6006707" y="1681452"/>
-            <a:ext cx="2920" cy="273084"/>
-          </a:xfrm>
-          <a:prstGeom prst="straightConnector1">
-            <a:avLst/>
-          </a:prstGeom>
-          <a:ln>
-            <a:tailEnd type="triangle"/>
-          </a:ln>
-        </p:spPr>
-        <p:style>
-          <a:lnRef idx="1">
-            <a:schemeClr val="accent2"/>
-          </a:lnRef>
-          <a:fillRef idx="0">
-            <a:schemeClr val="accent2"/>
-          </a:fillRef>
-          <a:effectRef idx="0">
-            <a:schemeClr val="accent2"/>
-          </a:effectRef>
-          <a:fontRef idx="minor">
-            <a:schemeClr val="tx1"/>
-          </a:fontRef>
-        </p:style>
-      </p:cxnSp>
-      <p:grpSp>
-        <p:nvGrpSpPr>
-          <p:cNvPr id="56" name="Group 55">
-            <a:extLst>
-              <a:ext uri="{FF2B5EF4-FFF2-40B4-BE49-F238E27FC236}">
-                <a16:creationId xmlns:a16="http://schemas.microsoft.com/office/drawing/2014/main" id="{F2DB839A-3156-E329-2D56-9CD17BE36652}"/>
-              </a:ext>
-            </a:extLst>
-          </p:cNvPr>
-          <p:cNvGrpSpPr/>
-          <p:nvPr/>
-        </p:nvGrpSpPr>
-        <p:grpSpPr>
-          <a:xfrm>
-            <a:off x="5288829" y="1281342"/>
-            <a:ext cx="2446346" cy="523220"/>
-            <a:chOff x="5288829" y="1281342"/>
-            <a:chExt cx="2446346" cy="523220"/>
-          </a:xfrm>
-        </p:grpSpPr>
-        <mc:AlternateContent xmlns:mc="http://schemas.openxmlformats.org/markup-compatibility/2006">
-          <mc:Choice xmlns:a14="http://schemas.microsoft.com/office/drawing/2010/main" Requires="a14">
-            <p:sp>
-              <p:nvSpPr>
-                <p:cNvPr id="30" name="TextBox 29">
-                  <a:extLst>
-                    <a:ext uri="{FF2B5EF4-FFF2-40B4-BE49-F238E27FC236}">
-                      <a16:creationId xmlns:a16="http://schemas.microsoft.com/office/drawing/2014/main" id="{A8C46EA7-8DD8-03A1-6840-A76F5AA931F7}"/>
-                    </a:ext>
-                  </a:extLst>
-                </p:cNvPr>
-                <p:cNvSpPr txBox="1"/>
-                <p:nvPr/>
-              </p:nvSpPr>
-              <p:spPr>
-                <a:xfrm>
-                  <a:off x="5288829" y="1404453"/>
-                  <a:ext cx="1435756" cy="276999"/>
-                </a:xfrm>
-                <a:prstGeom prst="rect">
-                  <a:avLst/>
-                </a:prstGeom>
-                <a:solidFill>
-                  <a:schemeClr val="accent6">
-                    <a:lumMod val="20000"/>
-                    <a:lumOff val="80000"/>
-                  </a:schemeClr>
-                </a:solidFill>
-                <a:ln>
-                  <a:solidFill>
-                    <a:schemeClr val="accent6"/>
-                  </a:solidFill>
-                </a:ln>
-              </p:spPr>
-              <p:txBody>
-                <a:bodyPr wrap="square" rtlCol="0">
-                  <a:spAutoFit/>
-                </a:bodyPr>
-                <a:lstStyle/>
-                <a:p>
-                  <a:pPr/>
-                  <a14:m>
-                    <m:oMathPara xmlns:m="http://schemas.openxmlformats.org/officeDocument/2006/math">
-                      <m:oMathParaPr>
-                        <m:jc m:val="centerGroup"/>
-                      </m:oMathParaPr>
-                      <m:oMath xmlns:m="http://schemas.openxmlformats.org/officeDocument/2006/math">
-                        <m:d>
-                          <m:dPr>
-                            <m:begChr m:val="⟨"/>
-                            <m:endChr m:val="⟩"/>
-                            <m:ctrlPr>
-                              <a:rPr lang="en-US" sz="1200" b="1" i="1" smtClean="0">
-                                <a:latin typeface="Cambria Math" panose="02040503050406030204" pitchFamily="18" charset="0"/>
-                              </a:rPr>
-                            </m:ctrlPr>
-                          </m:dPr>
-                          <m:e>
-                            <m:sSub>
-                              <m:sSubPr>
-                                <m:ctrlPr>
-                                  <a:rPr lang="en-US" sz="1200" b="1" i="1">
-                                    <a:latin typeface="Cambria Math" panose="02040503050406030204" pitchFamily="18" charset="0"/>
-                                  </a:rPr>
-                                </m:ctrlPr>
-                              </m:sSubPr>
-                              <m:e>
-                                <m:r>
-                                  <a:rPr lang="en-US" sz="1200" b="1" i="0" smtClean="0">
-                                    <a:latin typeface="Cambria Math" panose="02040503050406030204" pitchFamily="18" charset="0"/>
-                                  </a:rPr>
-                                  <m:t>𝐑</m:t>
-                                </m:r>
-                              </m:e>
-                              <m:sub>
-                                <m:r>
-                                  <a:rPr lang="en-US" sz="1200" b="1" i="0" smtClean="0">
-                                    <a:latin typeface="Cambria Math" panose="02040503050406030204" pitchFamily="18" charset="0"/>
-                                  </a:rPr>
-                                  <m:t>𝐈</m:t>
-                                </m:r>
-                              </m:sub>
-                            </m:sSub>
-                            <m:r>
-                              <a:rPr lang="en-US" sz="1200" b="1" i="0" smtClean="0">
-                                <a:latin typeface="Cambria Math" panose="02040503050406030204" pitchFamily="18" charset="0"/>
-                              </a:rPr>
-                              <m:t> </m:t>
-                            </m:r>
-                            <m:r>
-                              <a:rPr lang="en-US" sz="1200" b="1" i="0" smtClean="0">
-                                <a:latin typeface="Cambria Math" panose="02040503050406030204" pitchFamily="18" charset="0"/>
-                              </a:rPr>
-                              <m:t>𝐃𝐨𝐋𝐏</m:t>
-                            </m:r>
-                          </m:e>
-                        </m:d>
-                      </m:oMath>
-                    </m:oMathPara>
-                  </a14:m>
-                  <a:endParaRPr lang="en-US" sz="1200" b="1" dirty="0"/>
-                </a:p>
-              </p:txBody>
-            </p:sp>
-          </mc:Choice>
-          <mc:Fallback>
-            <p:sp>
-              <p:nvSpPr>
-                <p:cNvPr id="30" name="TextBox 29">
-                  <a:extLst>
-                    <a:ext uri="{FF2B5EF4-FFF2-40B4-BE49-F238E27FC236}">
-                      <a16:creationId xmlns:a16="http://schemas.microsoft.com/office/drawing/2014/main" id="{A8C46EA7-8DD8-03A1-6840-A76F5AA931F7}"/>
-                    </a:ext>
-                  </a:extLst>
-                </p:cNvPr>
-                <p:cNvSpPr txBox="1">
-                  <a:spLocks noRot="1" noChangeAspect="1" noMove="1" noResize="1" noEditPoints="1" noAdjustHandles="1" noChangeArrowheads="1" noChangeShapeType="1" noTextEdit="1"/>
-                </p:cNvSpPr>
-                <p:nvPr/>
-              </p:nvSpPr>
-              <p:spPr>
-                <a:xfrm>
-                  <a:off x="5288829" y="1404453"/>
-                  <a:ext cx="1435756" cy="276999"/>
-                </a:xfrm>
-                <a:prstGeom prst="rect">
-                  <a:avLst/>
-                </a:prstGeom>
-                <a:blipFill>
-                  <a:blip r:embed="rId5"/>
-                  <a:stretch>
-                    <a:fillRect/>
-                  </a:stretch>
-                </a:blipFill>
-                <a:ln>
-                  <a:solidFill>
-                    <a:schemeClr val="accent6"/>
-                  </a:solidFill>
-                </a:ln>
-              </p:spPr>
-              <p:txBody>
-                <a:bodyPr/>
-                <a:lstStyle/>
-                <a:p>
-                  <a:r>
-                    <a:rPr lang="en-US">
-                      <a:noFill/>
-                    </a:rPr>
-                    <a:t> </a:t>
-                  </a:r>
-                </a:p>
-              </p:txBody>
-            </p:sp>
-          </mc:Fallback>
-        </mc:AlternateContent>
-        <mc:AlternateContent xmlns:mc="http://schemas.openxmlformats.org/markup-compatibility/2006">
-          <mc:Choice xmlns:a14="http://schemas.microsoft.com/office/drawing/2010/main" Requires="a14">
-            <p:sp>
-              <p:nvSpPr>
-                <p:cNvPr id="33" name="TextBox 32">
-                  <a:extLst>
-                    <a:ext uri="{FF2B5EF4-FFF2-40B4-BE49-F238E27FC236}">
-                      <a16:creationId xmlns:a16="http://schemas.microsoft.com/office/drawing/2014/main" id="{1A6C06D3-F788-A71A-FDA2-BD45617CB9F0}"/>
-                    </a:ext>
-                  </a:extLst>
-                </p:cNvPr>
-                <p:cNvSpPr txBox="1"/>
-                <p:nvPr/>
-              </p:nvSpPr>
-              <p:spPr>
-                <a:xfrm>
-                  <a:off x="6749364" y="1281342"/>
-                  <a:ext cx="985811" cy="523220"/>
-                </a:xfrm>
-                <a:prstGeom prst="rect">
-                  <a:avLst/>
-                </a:prstGeom>
-                <a:noFill/>
-              </p:spPr>
-              <p:txBody>
-                <a:bodyPr wrap="square" rtlCol="0">
-                  <a:spAutoFit/>
-                </a:bodyPr>
-                <a:lstStyle/>
-                <a:p>
-                  <a:pPr algn="ctr"/>
-                  <a14:m>
-                    <m:oMathPara xmlns:m="http://schemas.openxmlformats.org/officeDocument/2006/math">
-                      <m:oMathParaPr>
-                        <m:jc m:val="center"/>
-                      </m:oMathParaPr>
-                      <m:oMath xmlns:m="http://schemas.openxmlformats.org/officeDocument/2006/math">
-                        <m:r>
-                          <m:rPr>
-                            <m:sty m:val="p"/>
-                          </m:rPr>
-                          <a:rPr lang="en-US" sz="1400" b="0" i="0" smtClean="0">
-                            <a:latin typeface="Cambria Math" panose="02040503050406030204" pitchFamily="18" charset="0"/>
-                          </a:rPr>
-                          <m:t>Output</m:t>
-                        </m:r>
-                      </m:oMath>
-                      <m:oMath xmlns:m="http://schemas.openxmlformats.org/officeDocument/2006/math">
-                        <m:d>
-                          <m:dPr>
-                            <m:ctrlPr>
-                              <a:rPr lang="en-US" sz="1400" b="0" i="1" smtClean="0">
-                                <a:latin typeface="Cambria Math" panose="02040503050406030204" pitchFamily="18" charset="0"/>
-                              </a:rPr>
-                            </m:ctrlPr>
-                          </m:dPr>
-                          <m:e>
-                            <m:r>
-                              <a:rPr lang="en-US" sz="1400" b="0" i="1" smtClean="0">
-                                <a:latin typeface="Cambria Math" panose="02040503050406030204" pitchFamily="18" charset="0"/>
-                              </a:rPr>
-                              <m:t>22 </m:t>
-                            </m:r>
-                          </m:e>
-                        </m:d>
-                      </m:oMath>
-                    </m:oMathPara>
-                  </a14:m>
-                  <a:endParaRPr lang="en-US" sz="1400" dirty="0"/>
-                </a:p>
-              </p:txBody>
-            </p:sp>
-          </mc:Choice>
-          <mc:Fallback>
-            <p:sp>
-              <p:nvSpPr>
-                <p:cNvPr id="33" name="TextBox 32">
-                  <a:extLst>
-                    <a:ext uri="{FF2B5EF4-FFF2-40B4-BE49-F238E27FC236}">
-                      <a16:creationId xmlns:a16="http://schemas.microsoft.com/office/drawing/2014/main" id="{1A6C06D3-F788-A71A-FDA2-BD45617CB9F0}"/>
-                    </a:ext>
-                  </a:extLst>
-                </p:cNvPr>
-                <p:cNvSpPr txBox="1">
-                  <a:spLocks noRot="1" noChangeAspect="1" noMove="1" noResize="1" noEditPoints="1" noAdjustHandles="1" noChangeArrowheads="1" noChangeShapeType="1" noTextEdit="1"/>
-                </p:cNvSpPr>
-                <p:nvPr/>
-              </p:nvSpPr>
-              <p:spPr>
-                <a:xfrm>
-                  <a:off x="6749364" y="1281342"/>
-                  <a:ext cx="985811" cy="523220"/>
-                </a:xfrm>
-                <a:prstGeom prst="rect">
-                  <a:avLst/>
-                </a:prstGeom>
-                <a:blipFill>
-                  <a:blip r:embed="rId6"/>
-                  <a:stretch>
-                    <a:fillRect/>
-                  </a:stretch>
-                </a:blipFill>
-              </p:spPr>
-              <p:txBody>
-                <a:bodyPr/>
-                <a:lstStyle/>
-                <a:p>
-                  <a:r>
-                    <a:rPr lang="en-US">
-                      <a:noFill/>
-                    </a:rPr>
-                    <a:t> </a:t>
-                  </a:r>
-                </a:p>
-              </p:txBody>
-            </p:sp>
-          </mc:Fallback>
-        </mc:AlternateContent>
-      </p:grpSp>
-      <p:grpSp>
-        <p:nvGrpSpPr>
-          <p:cNvPr id="52" name="Group 51">
-            <a:extLst>
-              <a:ext uri="{FF2B5EF4-FFF2-40B4-BE49-F238E27FC236}">
-                <a16:creationId xmlns:a16="http://schemas.microsoft.com/office/drawing/2014/main" id="{E7D78DC5-443A-266C-8DA5-03AB497BE633}"/>
-              </a:ext>
-            </a:extLst>
-          </p:cNvPr>
-          <p:cNvGrpSpPr/>
-          <p:nvPr/>
-        </p:nvGrpSpPr>
-        <p:grpSpPr>
-          <a:xfrm>
-            <a:off x="5291749" y="3638050"/>
-            <a:ext cx="2443426" cy="523220"/>
-            <a:chOff x="5291749" y="3613122"/>
-            <a:chExt cx="2443426" cy="523220"/>
-          </a:xfrm>
-        </p:grpSpPr>
-        <mc:AlternateContent xmlns:mc="http://schemas.openxmlformats.org/markup-compatibility/2006">
-          <mc:Choice xmlns:a14="http://schemas.microsoft.com/office/drawing/2010/main" Requires="a14">
-            <p:sp>
-              <p:nvSpPr>
-                <p:cNvPr id="27" name="TextBox 26">
-                  <a:extLst>
-                    <a:ext uri="{FF2B5EF4-FFF2-40B4-BE49-F238E27FC236}">
-                      <a16:creationId xmlns:a16="http://schemas.microsoft.com/office/drawing/2014/main" id="{88A99FCC-CFBE-AD60-7036-4A72991FC414}"/>
-                    </a:ext>
-                  </a:extLst>
-                </p:cNvPr>
-                <p:cNvSpPr txBox="1"/>
-                <p:nvPr/>
-              </p:nvSpPr>
-              <p:spPr>
-                <a:xfrm>
-                  <a:off x="6749364" y="3613122"/>
-                  <a:ext cx="985811" cy="523220"/>
-                </a:xfrm>
-                <a:prstGeom prst="rect">
-                  <a:avLst/>
-                </a:prstGeom>
-                <a:noFill/>
-              </p:spPr>
-              <p:txBody>
-                <a:bodyPr wrap="square" rtlCol="0">
-                  <a:spAutoFit/>
-                </a:bodyPr>
-                <a:lstStyle/>
-                <a:p>
-                  <a:pPr/>
-                  <a14:m>
-                    <m:oMathPara xmlns:m="http://schemas.openxmlformats.org/officeDocument/2006/math">
-                      <m:oMathParaPr>
-                        <m:jc m:val="centerGroup"/>
-                      </m:oMathParaPr>
-                      <m:oMath xmlns:m="http://schemas.openxmlformats.org/officeDocument/2006/math">
-                        <m:r>
-                          <m:rPr>
-                            <m:sty m:val="p"/>
-                          </m:rPr>
-                          <a:rPr lang="en-US" sz="1400" b="0" i="0" smtClean="0">
-                            <a:latin typeface="Cambria Math" panose="02040503050406030204" pitchFamily="18" charset="0"/>
-                          </a:rPr>
-                          <m:t>Linear</m:t>
-                        </m:r>
-                        <m:r>
-                          <a:rPr lang="en-US" sz="1400" b="0" i="0" smtClean="0">
-                            <a:latin typeface="Cambria Math" panose="02040503050406030204" pitchFamily="18" charset="0"/>
-                          </a:rPr>
-                          <m:t>_1</m:t>
-                        </m:r>
-                      </m:oMath>
-                    </m:oMathPara>
-                  </a14:m>
-                  <a:endParaRPr lang="en-US" sz="1400" b="0" dirty="0">
-                    <a:latin typeface="Cambria Math" panose="02040503050406030204" pitchFamily="18" charset="0"/>
-                  </a:endParaRPr>
-                </a:p>
-                <a:p>
-                  <a:pPr/>
-                  <a14:m>
-                    <m:oMathPara xmlns:m="http://schemas.openxmlformats.org/officeDocument/2006/math">
-                      <m:oMathParaPr>
-                        <m:jc m:val="centerGroup"/>
-                      </m:oMathParaPr>
-                      <m:oMath xmlns:m="http://schemas.openxmlformats.org/officeDocument/2006/math">
-                        <m:d>
-                          <m:dPr>
-                            <m:ctrlPr>
-                              <a:rPr lang="en-US" sz="1400" b="0" i="1" smtClean="0">
-                                <a:latin typeface="Cambria Math" panose="02040503050406030204" pitchFamily="18" charset="0"/>
-                              </a:rPr>
-                            </m:ctrlPr>
-                          </m:dPr>
-                          <m:e>
-                            <m:r>
-                              <a:rPr lang="en-US" sz="1400" b="0" i="1" smtClean="0">
-                                <a:latin typeface="Cambria Math" panose="02040503050406030204" pitchFamily="18" charset="0"/>
-                              </a:rPr>
-                              <m:t>256</m:t>
-                            </m:r>
-                          </m:e>
-                        </m:d>
-                      </m:oMath>
-                    </m:oMathPara>
-                  </a14:m>
-                  <a:endParaRPr lang="en-US" sz="1400" dirty="0"/>
-                </a:p>
-              </p:txBody>
-            </p:sp>
-          </mc:Choice>
-          <mc:Fallback>
-            <p:sp>
-              <p:nvSpPr>
-                <p:cNvPr id="27" name="TextBox 26">
-                  <a:extLst>
-                    <a:ext uri="{FF2B5EF4-FFF2-40B4-BE49-F238E27FC236}">
-                      <a16:creationId xmlns:a16="http://schemas.microsoft.com/office/drawing/2014/main" id="{88A99FCC-CFBE-AD60-7036-4A72991FC414}"/>
-                    </a:ext>
-                  </a:extLst>
-                </p:cNvPr>
-                <p:cNvSpPr txBox="1">
-                  <a:spLocks noRot="1" noChangeAspect="1" noMove="1" noResize="1" noEditPoints="1" noAdjustHandles="1" noChangeArrowheads="1" noChangeShapeType="1" noTextEdit="1"/>
-                </p:cNvSpPr>
-                <p:nvPr/>
-              </p:nvSpPr>
-              <p:spPr>
-                <a:xfrm>
-                  <a:off x="6749364" y="3613122"/>
-                  <a:ext cx="985811" cy="523220"/>
-                </a:xfrm>
-                <a:prstGeom prst="rect">
-                  <a:avLst/>
-                </a:prstGeom>
-                <a:blipFill>
-                  <a:blip r:embed="rId7"/>
-                  <a:stretch>
-                    <a:fillRect/>
-                  </a:stretch>
-                </a:blipFill>
-              </p:spPr>
-              <p:txBody>
-                <a:bodyPr/>
-                <a:lstStyle/>
-                <a:p>
-                  <a:r>
-                    <a:rPr lang="en-US">
-                      <a:noFill/>
-                    </a:rPr>
-                    <a:t> </a:t>
-                  </a:r>
-                </a:p>
-              </p:txBody>
-            </p:sp>
-          </mc:Fallback>
-        </mc:AlternateContent>
-        <p:sp>
-          <p:nvSpPr>
-            <p:cNvPr id="36" name="Rectangle 35">
-              <a:extLst>
-                <a:ext uri="{FF2B5EF4-FFF2-40B4-BE49-F238E27FC236}">
-                  <a16:creationId xmlns:a16="http://schemas.microsoft.com/office/drawing/2014/main" id="{92A3919D-F821-8154-11D0-2E401682281F}"/>
-                </a:ext>
-              </a:extLst>
-            </p:cNvPr>
-            <p:cNvSpPr/>
-            <p:nvPr/>
-          </p:nvSpPr>
-          <p:spPr>
-            <a:xfrm>
-              <a:off x="5291749" y="3703800"/>
-              <a:ext cx="1435755" cy="341865"/>
-            </a:xfrm>
-            <a:prstGeom prst="rect">
-              <a:avLst/>
-            </a:prstGeom>
-            <a:solidFill>
-              <a:schemeClr val="accent2">
-                <a:lumMod val="20000"/>
-                <a:lumOff val="80000"/>
-              </a:schemeClr>
-            </a:solidFill>
-            <a:ln>
-              <a:solidFill>
-                <a:schemeClr val="accent2"/>
-              </a:solidFill>
-            </a:ln>
-          </p:spPr>
-          <p:style>
-            <a:lnRef idx="2">
-              <a:schemeClr val="accent1">
-                <a:shade val="15000"/>
-              </a:schemeClr>
-            </a:lnRef>
-            <a:fillRef idx="1">
-              <a:schemeClr val="accent1"/>
-            </a:fillRef>
-            <a:effectRef idx="0">
-              <a:schemeClr val="accent1"/>
-            </a:effectRef>
-            <a:fontRef idx="minor">
-              <a:schemeClr val="lt1"/>
-            </a:fontRef>
-          </p:style>
-          <p:txBody>
-            <a:bodyPr rtlCol="0" anchor="ctr"/>
-            <a:lstStyle/>
-            <a:p>
-              <a:pPr algn="ctr"/>
-              <a:r>
-                <a:rPr lang="en-US" sz="1200" b="1" dirty="0">
-                  <a:solidFill>
-                    <a:schemeClr val="tx1"/>
-                  </a:solidFill>
-                </a:rPr>
-                <a:t>Linear, ReLU</a:t>
-              </a:r>
-            </a:p>
-          </p:txBody>
-        </p:sp>
-      </p:grpSp>
-      <p:cxnSp>
-        <p:nvCxnSpPr>
-          <p:cNvPr id="40" name="Straight Arrow Connector 39">
-            <a:extLst>
-              <a:ext uri="{FF2B5EF4-FFF2-40B4-BE49-F238E27FC236}">
-                <a16:creationId xmlns:a16="http://schemas.microsoft.com/office/drawing/2014/main" id="{E345AA66-BFFE-18C2-3D3C-E52390A03A3E}"/>
-              </a:ext>
-            </a:extLst>
-          </p:cNvPr>
-          <p:cNvCxnSpPr>
-            <a:cxnSpLocks/>
-          </p:cNvCxnSpPr>
-          <p:nvPr/>
-        </p:nvCxnSpPr>
-        <p:spPr>
-          <a:xfrm flipV="1">
-            <a:off x="6009627" y="2892727"/>
-            <a:ext cx="0" cy="239673"/>
-          </a:xfrm>
-          <a:prstGeom prst="straightConnector1">
-            <a:avLst/>
-          </a:prstGeom>
-          <a:ln>
-            <a:tailEnd type="triangle"/>
-          </a:ln>
-        </p:spPr>
-        <p:style>
-          <a:lnRef idx="1">
-            <a:schemeClr val="accent2"/>
-          </a:lnRef>
-          <a:fillRef idx="0">
-            <a:schemeClr val="accent2"/>
-          </a:fillRef>
-          <a:effectRef idx="0">
-            <a:schemeClr val="accent2"/>
-          </a:effectRef>
-          <a:fontRef idx="minor">
-            <a:schemeClr val="tx1"/>
-          </a:fontRef>
-        </p:style>
-      </p:cxnSp>
-      <p:cxnSp>
-        <p:nvCxnSpPr>
-          <p:cNvPr id="43" name="Straight Arrow Connector 42">
-            <a:extLst>
-              <a:ext uri="{FF2B5EF4-FFF2-40B4-BE49-F238E27FC236}">
-                <a16:creationId xmlns:a16="http://schemas.microsoft.com/office/drawing/2014/main" id="{C922C61B-CF7F-8E7F-8EE9-6D4CA88FD0F8}"/>
-              </a:ext>
-            </a:extLst>
-          </p:cNvPr>
-          <p:cNvCxnSpPr>
-            <a:cxnSpLocks/>
-          </p:cNvCxnSpPr>
-          <p:nvPr/>
-        </p:nvCxnSpPr>
-        <p:spPr>
-          <a:xfrm flipV="1">
-            <a:off x="6009627" y="3484124"/>
-            <a:ext cx="0" cy="239674"/>
-          </a:xfrm>
-          <a:prstGeom prst="straightConnector1">
-            <a:avLst/>
-          </a:prstGeom>
-          <a:ln>
-            <a:tailEnd type="triangle"/>
-          </a:ln>
-        </p:spPr>
-        <p:style>
-          <a:lnRef idx="1">
-            <a:schemeClr val="accent2"/>
-          </a:lnRef>
-          <a:fillRef idx="0">
-            <a:schemeClr val="accent2"/>
-          </a:fillRef>
-          <a:effectRef idx="0">
-            <a:schemeClr val="accent2"/>
-          </a:effectRef>
-          <a:fontRef idx="minor">
-            <a:schemeClr val="tx1"/>
-          </a:fontRef>
-        </p:style>
-      </p:cxnSp>
-      <p:grpSp>
-        <p:nvGrpSpPr>
-          <p:cNvPr id="53" name="Group 52">
-            <a:extLst>
-              <a:ext uri="{FF2B5EF4-FFF2-40B4-BE49-F238E27FC236}">
-                <a16:creationId xmlns:a16="http://schemas.microsoft.com/office/drawing/2014/main" id="{16422FDB-E815-2964-3EAC-B03E2A1C29F3}"/>
-              </a:ext>
-            </a:extLst>
-          </p:cNvPr>
-          <p:cNvGrpSpPr/>
-          <p:nvPr/>
-        </p:nvGrpSpPr>
-        <p:grpSpPr>
-          <a:xfrm>
-            <a:off x="5291749" y="3046652"/>
-            <a:ext cx="2443426" cy="523220"/>
-            <a:chOff x="5291749" y="3057633"/>
-            <a:chExt cx="2443426" cy="523220"/>
-          </a:xfrm>
-        </p:grpSpPr>
-        <p:sp>
-          <p:nvSpPr>
-            <p:cNvPr id="37" name="Rectangle 36">
-              <a:extLst>
-                <a:ext uri="{FF2B5EF4-FFF2-40B4-BE49-F238E27FC236}">
-                  <a16:creationId xmlns:a16="http://schemas.microsoft.com/office/drawing/2014/main" id="{5E45FBDF-C1DE-24B9-5CC7-611A510712DF}"/>
-                </a:ext>
-              </a:extLst>
-            </p:cNvPr>
-            <p:cNvSpPr/>
-            <p:nvPr/>
-          </p:nvSpPr>
-          <p:spPr>
-            <a:xfrm>
-              <a:off x="5291749" y="3148311"/>
-              <a:ext cx="1435755" cy="341865"/>
-            </a:xfrm>
-            <a:prstGeom prst="rect">
-              <a:avLst/>
-            </a:prstGeom>
-            <a:solidFill>
-              <a:schemeClr val="accent2">
-                <a:lumMod val="20000"/>
-                <a:lumOff val="80000"/>
-              </a:schemeClr>
-            </a:solidFill>
-            <a:ln>
-              <a:solidFill>
-                <a:schemeClr val="accent2"/>
-              </a:solidFill>
-            </a:ln>
-          </p:spPr>
-          <p:style>
-            <a:lnRef idx="2">
-              <a:schemeClr val="accent1">
-                <a:shade val="15000"/>
-              </a:schemeClr>
-            </a:lnRef>
-            <a:fillRef idx="1">
-              <a:schemeClr val="accent1"/>
-            </a:fillRef>
-            <a:effectRef idx="0">
-              <a:schemeClr val="accent1"/>
-            </a:effectRef>
-            <a:fontRef idx="minor">
-              <a:schemeClr val="lt1"/>
-            </a:fontRef>
-          </p:style>
-          <p:txBody>
-            <a:bodyPr rtlCol="0" anchor="ctr"/>
-            <a:lstStyle/>
-            <a:p>
-              <a:pPr algn="ctr"/>
-              <a:r>
-                <a:rPr lang="en-US" sz="1200" b="1" dirty="0">
-                  <a:solidFill>
-                    <a:schemeClr val="tx1"/>
-                  </a:solidFill>
-                </a:rPr>
-                <a:t>Linear, ReLU</a:t>
-              </a:r>
-            </a:p>
-          </p:txBody>
-        </p:sp>
-        <mc:AlternateContent xmlns:mc="http://schemas.openxmlformats.org/markup-compatibility/2006">
-          <mc:Choice xmlns:a14="http://schemas.microsoft.com/office/drawing/2010/main" Requires="a14">
-            <p:sp>
-              <p:nvSpPr>
-                <p:cNvPr id="49" name="TextBox 48">
-                  <a:extLst>
-                    <a:ext uri="{FF2B5EF4-FFF2-40B4-BE49-F238E27FC236}">
-                      <a16:creationId xmlns:a16="http://schemas.microsoft.com/office/drawing/2014/main" id="{306AB3AE-3495-6243-F123-0F7E08F13172}"/>
-                    </a:ext>
-                  </a:extLst>
-                </p:cNvPr>
-                <p:cNvSpPr txBox="1"/>
-                <p:nvPr/>
-              </p:nvSpPr>
-              <p:spPr>
-                <a:xfrm>
-                  <a:off x="6749364" y="3057633"/>
-                  <a:ext cx="985811" cy="523220"/>
-                </a:xfrm>
-                <a:prstGeom prst="rect">
-                  <a:avLst/>
-                </a:prstGeom>
-                <a:noFill/>
-              </p:spPr>
-              <p:txBody>
-                <a:bodyPr wrap="square" rtlCol="0">
-                  <a:spAutoFit/>
-                </a:bodyPr>
-                <a:lstStyle/>
-                <a:p>
-                  <a:pPr/>
-                  <a14:m>
-                    <m:oMathPara xmlns:m="http://schemas.openxmlformats.org/officeDocument/2006/math">
-                      <m:oMathParaPr>
-                        <m:jc m:val="centerGroup"/>
-                      </m:oMathParaPr>
-                      <m:oMath xmlns:m="http://schemas.openxmlformats.org/officeDocument/2006/math">
-                        <m:r>
-                          <m:rPr>
-                            <m:sty m:val="p"/>
-                          </m:rPr>
-                          <a:rPr lang="en-US" sz="1400" b="0" i="0" smtClean="0">
-                            <a:latin typeface="Cambria Math" panose="02040503050406030204" pitchFamily="18" charset="0"/>
-                          </a:rPr>
-                          <m:t>Linear</m:t>
-                        </m:r>
-                        <m:r>
-                          <a:rPr lang="en-US" sz="1400" b="0" i="0" smtClean="0">
-                            <a:latin typeface="Cambria Math" panose="02040503050406030204" pitchFamily="18" charset="0"/>
-                          </a:rPr>
-                          <m:t>_2</m:t>
-                        </m:r>
-                      </m:oMath>
-                    </m:oMathPara>
-                  </a14:m>
-                  <a:endParaRPr lang="en-US" sz="1400" b="0" dirty="0">
-                    <a:latin typeface="Cambria Math" panose="02040503050406030204" pitchFamily="18" charset="0"/>
-                  </a:endParaRPr>
-                </a:p>
-                <a:p>
-                  <a:pPr/>
-                  <a14:m>
-                    <m:oMathPara xmlns:m="http://schemas.openxmlformats.org/officeDocument/2006/math">
-                      <m:oMathParaPr>
-                        <m:jc m:val="centerGroup"/>
-                      </m:oMathParaPr>
-                      <m:oMath xmlns:m="http://schemas.openxmlformats.org/officeDocument/2006/math">
-                        <m:d>
-                          <m:dPr>
-                            <m:ctrlPr>
-                              <a:rPr lang="en-US" sz="1400" b="0" i="1" smtClean="0">
-                                <a:latin typeface="Cambria Math" panose="02040503050406030204" pitchFamily="18" charset="0"/>
-                              </a:rPr>
-                            </m:ctrlPr>
-                          </m:dPr>
-                          <m:e>
-                            <m:r>
-                              <a:rPr lang="en-US" sz="1400" b="0" i="1" smtClean="0">
-                                <a:latin typeface="Cambria Math" panose="02040503050406030204" pitchFamily="18" charset="0"/>
-                              </a:rPr>
-                              <m:t>256</m:t>
-                            </m:r>
-                          </m:e>
-                        </m:d>
-                      </m:oMath>
-                    </m:oMathPara>
-                  </a14:m>
-                  <a:endParaRPr lang="en-US" sz="1400" dirty="0"/>
-                </a:p>
-              </p:txBody>
-            </p:sp>
-          </mc:Choice>
-          <mc:Fallback>
-            <p:sp>
-              <p:nvSpPr>
-                <p:cNvPr id="49" name="TextBox 48">
-                  <a:extLst>
-                    <a:ext uri="{FF2B5EF4-FFF2-40B4-BE49-F238E27FC236}">
-                      <a16:creationId xmlns:a16="http://schemas.microsoft.com/office/drawing/2014/main" id="{306AB3AE-3495-6243-F123-0F7E08F13172}"/>
-                    </a:ext>
-                  </a:extLst>
-                </p:cNvPr>
-                <p:cNvSpPr txBox="1">
-                  <a:spLocks noRot="1" noChangeAspect="1" noMove="1" noResize="1" noEditPoints="1" noAdjustHandles="1" noChangeArrowheads="1" noChangeShapeType="1" noTextEdit="1"/>
-                </p:cNvSpPr>
-                <p:nvPr/>
-              </p:nvSpPr>
-              <p:spPr>
-                <a:xfrm>
-                  <a:off x="6749364" y="3057633"/>
-                  <a:ext cx="985811" cy="523220"/>
-                </a:xfrm>
-                <a:prstGeom prst="rect">
-                  <a:avLst/>
-                </a:prstGeom>
-                <a:blipFill>
-                  <a:blip r:embed="rId8"/>
-                  <a:stretch>
-                    <a:fillRect/>
-                  </a:stretch>
-                </a:blipFill>
-              </p:spPr>
-              <p:txBody>
-                <a:bodyPr/>
-                <a:lstStyle/>
-                <a:p>
-                  <a:r>
-                    <a:rPr lang="en-US">
-                      <a:noFill/>
-                    </a:rPr>
-                    <a:t> </a:t>
-                  </a:r>
-                </a:p>
-              </p:txBody>
-            </p:sp>
-          </mc:Fallback>
-        </mc:AlternateContent>
-      </p:grpSp>
-      <p:grpSp>
-        <p:nvGrpSpPr>
-          <p:cNvPr id="54" name="Group 53">
-            <a:extLst>
-              <a:ext uri="{FF2B5EF4-FFF2-40B4-BE49-F238E27FC236}">
-                <a16:creationId xmlns:a16="http://schemas.microsoft.com/office/drawing/2014/main" id="{27FDA127-BB2E-E33E-EE71-A99C624DDB70}"/>
-              </a:ext>
-            </a:extLst>
-          </p:cNvPr>
-          <p:cNvGrpSpPr/>
-          <p:nvPr/>
-        </p:nvGrpSpPr>
-        <p:grpSpPr>
-          <a:xfrm>
-            <a:off x="5291749" y="2455255"/>
-            <a:ext cx="2443426" cy="523220"/>
-            <a:chOff x="5291749" y="2444682"/>
-            <a:chExt cx="2443426" cy="523220"/>
-          </a:xfrm>
-        </p:grpSpPr>
-        <p:sp>
-          <p:nvSpPr>
-            <p:cNvPr id="26" name="Rectangle 25">
-              <a:extLst>
-                <a:ext uri="{FF2B5EF4-FFF2-40B4-BE49-F238E27FC236}">
-                  <a16:creationId xmlns:a16="http://schemas.microsoft.com/office/drawing/2014/main" id="{A5F08CD2-6B71-C153-66AB-C8304FF7B595}"/>
-                </a:ext>
-              </a:extLst>
-            </p:cNvPr>
-            <p:cNvSpPr/>
-            <p:nvPr/>
-          </p:nvSpPr>
-          <p:spPr>
-            <a:xfrm>
-              <a:off x="5291749" y="2535360"/>
-              <a:ext cx="1435755" cy="341865"/>
-            </a:xfrm>
-            <a:prstGeom prst="rect">
-              <a:avLst/>
-            </a:prstGeom>
-            <a:solidFill>
-              <a:schemeClr val="accent2">
-                <a:lumMod val="20000"/>
-                <a:lumOff val="80000"/>
-              </a:schemeClr>
-            </a:solidFill>
-            <a:ln>
-              <a:solidFill>
-                <a:schemeClr val="accent2"/>
-              </a:solidFill>
-            </a:ln>
-          </p:spPr>
-          <p:style>
-            <a:lnRef idx="2">
-              <a:schemeClr val="accent1">
-                <a:shade val="15000"/>
-              </a:schemeClr>
-            </a:lnRef>
-            <a:fillRef idx="1">
-              <a:schemeClr val="accent1"/>
-            </a:fillRef>
-            <a:effectRef idx="0">
-              <a:schemeClr val="accent1"/>
-            </a:effectRef>
-            <a:fontRef idx="minor">
-              <a:schemeClr val="lt1"/>
-            </a:fontRef>
-          </p:style>
-          <p:txBody>
-            <a:bodyPr rtlCol="0" anchor="ctr"/>
-            <a:lstStyle/>
-            <a:p>
-              <a:pPr algn="ctr"/>
-              <a:r>
-                <a:rPr lang="en-US" sz="1200" b="1" dirty="0">
-                  <a:solidFill>
-                    <a:schemeClr val="tx1"/>
-                  </a:solidFill>
-                </a:rPr>
-                <a:t>Linear, ReLU</a:t>
-              </a:r>
-            </a:p>
-          </p:txBody>
-        </p:sp>
-        <mc:AlternateContent xmlns:mc="http://schemas.openxmlformats.org/markup-compatibility/2006">
-          <mc:Choice xmlns:a14="http://schemas.microsoft.com/office/drawing/2010/main" Requires="a14">
-            <p:sp>
-              <p:nvSpPr>
-                <p:cNvPr id="50" name="TextBox 49">
-                  <a:extLst>
-                    <a:ext uri="{FF2B5EF4-FFF2-40B4-BE49-F238E27FC236}">
-                      <a16:creationId xmlns:a16="http://schemas.microsoft.com/office/drawing/2014/main" id="{F9E6FDE1-1B87-AA14-D715-A26BA57068AB}"/>
-                    </a:ext>
-                  </a:extLst>
-                </p:cNvPr>
-                <p:cNvSpPr txBox="1"/>
-                <p:nvPr/>
-              </p:nvSpPr>
-              <p:spPr>
-                <a:xfrm>
-                  <a:off x="6749364" y="2444682"/>
-                  <a:ext cx="985811" cy="523220"/>
-                </a:xfrm>
-                <a:prstGeom prst="rect">
-                  <a:avLst/>
-                </a:prstGeom>
-                <a:noFill/>
-              </p:spPr>
-              <p:txBody>
-                <a:bodyPr wrap="square" rtlCol="0">
-                  <a:spAutoFit/>
-                </a:bodyPr>
-                <a:lstStyle/>
-                <a:p>
-                  <a:pPr/>
-                  <a14:m>
-                    <m:oMathPara xmlns:m="http://schemas.openxmlformats.org/officeDocument/2006/math">
-                      <m:oMathParaPr>
-                        <m:jc m:val="centerGroup"/>
-                      </m:oMathParaPr>
-                      <m:oMath xmlns:m="http://schemas.openxmlformats.org/officeDocument/2006/math">
-                        <m:r>
-                          <m:rPr>
-                            <m:sty m:val="p"/>
-                          </m:rPr>
-                          <a:rPr lang="en-US" sz="1400" b="0" i="0" smtClean="0">
-                            <a:latin typeface="Cambria Math" panose="02040503050406030204" pitchFamily="18" charset="0"/>
-                          </a:rPr>
-                          <m:t>Linear</m:t>
-                        </m:r>
-                        <m:r>
-                          <a:rPr lang="en-US" sz="1400" b="0" i="0" smtClean="0">
-                            <a:latin typeface="Cambria Math" panose="02040503050406030204" pitchFamily="18" charset="0"/>
-                          </a:rPr>
-                          <m:t>_3</m:t>
-                        </m:r>
-                      </m:oMath>
-                    </m:oMathPara>
-                  </a14:m>
-                  <a:endParaRPr lang="en-US" sz="1400" b="0" dirty="0">
-                    <a:latin typeface="Cambria Math" panose="02040503050406030204" pitchFamily="18" charset="0"/>
-                  </a:endParaRPr>
-                </a:p>
-                <a:p>
-                  <a:pPr/>
-                  <a14:m>
-                    <m:oMathPara xmlns:m="http://schemas.openxmlformats.org/officeDocument/2006/math">
-                      <m:oMathParaPr>
-                        <m:jc m:val="centerGroup"/>
-                      </m:oMathParaPr>
-                      <m:oMath xmlns:m="http://schemas.openxmlformats.org/officeDocument/2006/math">
-                        <m:d>
-                          <m:dPr>
-                            <m:ctrlPr>
-                              <a:rPr lang="en-US" sz="1400" b="0" i="1" smtClean="0">
-                                <a:latin typeface="Cambria Math" panose="02040503050406030204" pitchFamily="18" charset="0"/>
-                              </a:rPr>
-                            </m:ctrlPr>
-                          </m:dPr>
-                          <m:e>
-                            <m:r>
-                              <a:rPr lang="en-US" sz="1400" b="0" i="1" smtClean="0">
-                                <a:latin typeface="Cambria Math" panose="02040503050406030204" pitchFamily="18" charset="0"/>
-                              </a:rPr>
-                              <m:t>256</m:t>
-                            </m:r>
-                          </m:e>
-                        </m:d>
-                      </m:oMath>
-                    </m:oMathPara>
-                  </a14:m>
-                  <a:endParaRPr lang="en-US" sz="1400" dirty="0"/>
-                </a:p>
-              </p:txBody>
-            </p:sp>
-          </mc:Choice>
-          <mc:Fallback>
-            <p:sp>
-              <p:nvSpPr>
-                <p:cNvPr id="50" name="TextBox 49">
-                  <a:extLst>
-                    <a:ext uri="{FF2B5EF4-FFF2-40B4-BE49-F238E27FC236}">
-                      <a16:creationId xmlns:a16="http://schemas.microsoft.com/office/drawing/2014/main" id="{F9E6FDE1-1B87-AA14-D715-A26BA57068AB}"/>
-                    </a:ext>
-                  </a:extLst>
-                </p:cNvPr>
-                <p:cNvSpPr txBox="1">
-                  <a:spLocks noRot="1" noChangeAspect="1" noMove="1" noResize="1" noEditPoints="1" noAdjustHandles="1" noChangeArrowheads="1" noChangeShapeType="1" noTextEdit="1"/>
-                </p:cNvSpPr>
-                <p:nvPr/>
-              </p:nvSpPr>
-              <p:spPr>
-                <a:xfrm>
-                  <a:off x="6749364" y="2444682"/>
-                  <a:ext cx="985811" cy="523220"/>
-                </a:xfrm>
-                <a:prstGeom prst="rect">
-                  <a:avLst/>
-                </a:prstGeom>
-                <a:blipFill>
-                  <a:blip r:embed="rId9"/>
-                  <a:stretch>
-                    <a:fillRect/>
-                  </a:stretch>
-                </a:blipFill>
-              </p:spPr>
-              <p:txBody>
-                <a:bodyPr/>
-                <a:lstStyle/>
-                <a:p>
-                  <a:r>
-                    <a:rPr lang="en-US">
-                      <a:noFill/>
-                    </a:rPr>
-                    <a:t> </a:t>
-                  </a:r>
-                </a:p>
-              </p:txBody>
-            </p:sp>
-          </mc:Fallback>
-        </mc:AlternateContent>
-      </p:grpSp>
-    </p:spTree>
-    <p:extLst>
-      <p:ext uri="{BB962C8B-B14F-4D97-AF65-F5344CB8AC3E}">
-        <p14:creationId xmlns:p14="http://schemas.microsoft.com/office/powerpoint/2010/main" val="1833983100"/>
-      </p:ext>
-    </p:extLst>
-  </p:cSld>
-  <p:clrMapOvr>
-    <a:masterClrMapping/>
-  </p:clrMapOvr>
-</p:sld>
-</file>
-
-<file path=ppt/slides/slide4.xml><?xml version="1.0" encoding="utf-8"?>
-<p:sld xmlns:a="http://schemas.openxmlformats.org/drawingml/2006/main" xmlns:r="http://schemas.openxmlformats.org/officeDocument/2006/relationships" xmlns:p="http://schemas.openxmlformats.org/presentationml/2006/main">
-  <p:cSld>
-    <p:spTree>
-      <p:nvGrpSpPr>
-        <p:cNvPr id="1" name=""/>
-        <p:cNvGrpSpPr/>
-        <p:nvPr/>
-      </p:nvGrpSpPr>
-      <p:grpSpPr>
-        <a:xfrm>
-          <a:off x="0" y="0"/>
-          <a:ext cx="0" cy="0"/>
-          <a:chOff x="0" y="0"/>
-          <a:chExt cx="0" cy="0"/>
-        </a:xfrm>
-      </p:grpSpPr>
-      <p:sp>
-        <p:nvSpPr>
           <p:cNvPr id="3" name="TextBox 2">
             <a:extLst>
               <a:ext uri="{FF2B5EF4-FFF2-40B4-BE49-F238E27FC236}">
@@ -6674,7 +4039,7 @@
           <a:p>
             <a:r>
               <a:rPr lang="en-US" sz="1400" dirty="0"/>
-              <a:t>Instance 1</a:t>
+              <a:t>Data 1</a:t>
             </a:r>
           </a:p>
         </p:txBody>
@@ -6787,78 +4152,205 @@
           </a:p>
         </p:txBody>
       </p:sp>
-      <p:sp>
-        <p:nvSpPr>
-          <p:cNvPr id="9" name="TextBox 8">
-            <a:extLst>
-              <a:ext uri="{FF2B5EF4-FFF2-40B4-BE49-F238E27FC236}">
-                <a16:creationId xmlns:a16="http://schemas.microsoft.com/office/drawing/2014/main" id="{535203A0-3604-236A-CF19-A64A9C8C8C98}"/>
-              </a:ext>
-            </a:extLst>
-          </p:cNvPr>
-          <p:cNvSpPr txBox="1"/>
-          <p:nvPr/>
-        </p:nvSpPr>
-        <p:spPr>
-          <a:xfrm>
-            <a:off x="1844833" y="1520067"/>
-            <a:ext cx="720960" cy="307777"/>
-          </a:xfrm>
-          <a:prstGeom prst="rect">
-            <a:avLst/>
-          </a:prstGeom>
-          <a:noFill/>
-        </p:spPr>
-        <p:txBody>
-          <a:bodyPr wrap="square" rtlCol="0">
-            <a:spAutoFit/>
-          </a:bodyPr>
-          <a:lstStyle/>
-          <a:p>
-            <a:pPr algn="ctr"/>
-            <a:r>
-              <a:rPr lang="en-US" sz="1400" dirty="0"/>
-              <a:t>Inputs</a:t>
-            </a:r>
-          </a:p>
-        </p:txBody>
-      </p:sp>
-      <p:sp>
-        <p:nvSpPr>
-          <p:cNvPr id="10" name="TextBox 9">
-            <a:extLst>
-              <a:ext uri="{FF2B5EF4-FFF2-40B4-BE49-F238E27FC236}">
-                <a16:creationId xmlns:a16="http://schemas.microsoft.com/office/drawing/2014/main" id="{8379EAFC-3304-300E-5F7C-5F007999DB5D}"/>
-              </a:ext>
-            </a:extLst>
-          </p:cNvPr>
-          <p:cNvSpPr txBox="1"/>
-          <p:nvPr/>
-        </p:nvSpPr>
-        <p:spPr>
-          <a:xfrm>
-            <a:off x="2860372" y="1520067"/>
-            <a:ext cx="827686" cy="307777"/>
-          </a:xfrm>
-          <a:prstGeom prst="rect">
-            <a:avLst/>
-          </a:prstGeom>
-          <a:noFill/>
-        </p:spPr>
-        <p:txBody>
-          <a:bodyPr wrap="square" rtlCol="0">
-            <a:spAutoFit/>
-          </a:bodyPr>
-          <a:lstStyle/>
-          <a:p>
-            <a:pPr algn="ctr"/>
-            <a:r>
-              <a:rPr lang="en-US" sz="1400" dirty="0"/>
-              <a:t>Outputs</a:t>
-            </a:r>
-          </a:p>
-        </p:txBody>
-      </p:sp>
+      <mc:AlternateContent xmlns:mc="http://schemas.openxmlformats.org/markup-compatibility/2006">
+        <mc:Choice xmlns:a14="http://schemas.microsoft.com/office/drawing/2010/main" Requires="a14">
+          <p:sp>
+            <p:nvSpPr>
+              <p:cNvPr id="9" name="TextBox 8">
+                <a:extLst>
+                  <a:ext uri="{FF2B5EF4-FFF2-40B4-BE49-F238E27FC236}">
+                    <a16:creationId xmlns:a16="http://schemas.microsoft.com/office/drawing/2014/main" id="{535203A0-3604-236A-CF19-A64A9C8C8C98}"/>
+                  </a:ext>
+                </a:extLst>
+              </p:cNvPr>
+              <p:cNvSpPr txBox="1"/>
+              <p:nvPr/>
+            </p:nvSpPr>
+            <p:spPr>
+              <a:xfrm>
+                <a:off x="1844833" y="1520067"/>
+                <a:ext cx="720960" cy="307777"/>
+              </a:xfrm>
+              <a:prstGeom prst="rect">
+                <a:avLst/>
+              </a:prstGeom>
+              <a:noFill/>
+            </p:spPr>
+            <p:txBody>
+              <a:bodyPr wrap="square" rtlCol="0">
+                <a:spAutoFit/>
+              </a:bodyPr>
+              <a:lstStyle/>
+              <a:p>
+                <a:pPr algn="ctr"/>
+                <a14:m>
+                  <m:oMathPara xmlns:m="http://schemas.openxmlformats.org/officeDocument/2006/math">
+                    <m:oMathParaPr>
+                      <m:jc m:val="centerGroup"/>
+                    </m:oMathParaPr>
+                    <m:oMath xmlns:m="http://schemas.openxmlformats.org/officeDocument/2006/math">
+                      <m:r>
+                        <a:rPr lang="en-US" sz="1400" b="1" i="0" smtClean="0">
+                          <a:solidFill>
+                            <a:sysClr val="windowText" lastClr="000000"/>
+                          </a:solidFill>
+                          <a:latin typeface="Cambria Math" panose="02040503050406030204" pitchFamily="18" charset="0"/>
+                        </a:rPr>
+                        <m:t>𝐱</m:t>
+                      </m:r>
+                    </m:oMath>
+                  </m:oMathPara>
+                </a14:m>
+                <a:endParaRPr lang="en-US" sz="1400" b="1" dirty="0">
+                  <a:solidFill>
+                    <a:sysClr val="windowText" lastClr="000000"/>
+                  </a:solidFill>
+                </a:endParaRPr>
+              </a:p>
+            </p:txBody>
+          </p:sp>
+        </mc:Choice>
+        <mc:Fallback>
+          <p:sp>
+            <p:nvSpPr>
+              <p:cNvPr id="9" name="TextBox 8">
+                <a:extLst>
+                  <a:ext uri="{FF2B5EF4-FFF2-40B4-BE49-F238E27FC236}">
+                    <a16:creationId xmlns:a16="http://schemas.microsoft.com/office/drawing/2014/main" id="{535203A0-3604-236A-CF19-A64A9C8C8C98}"/>
+                  </a:ext>
+                </a:extLst>
+              </p:cNvPr>
+              <p:cNvSpPr txBox="1">
+                <a:spLocks noRot="1" noChangeAspect="1" noMove="1" noResize="1" noEditPoints="1" noAdjustHandles="1" noChangeArrowheads="1" noChangeShapeType="1" noTextEdit="1"/>
+              </p:cNvSpPr>
+              <p:nvPr/>
+            </p:nvSpPr>
+            <p:spPr>
+              <a:xfrm>
+                <a:off x="1844833" y="1520067"/>
+                <a:ext cx="720960" cy="307777"/>
+              </a:xfrm>
+              <a:prstGeom prst="rect">
+                <a:avLst/>
+              </a:prstGeom>
+              <a:blipFill>
+                <a:blip r:embed="rId2"/>
+                <a:stretch>
+                  <a:fillRect/>
+                </a:stretch>
+              </a:blipFill>
+            </p:spPr>
+            <p:txBody>
+              <a:bodyPr/>
+              <a:lstStyle/>
+              <a:p>
+                <a:r>
+                  <a:rPr lang="en-US">
+                    <a:noFill/>
+                  </a:rPr>
+                  <a:t> </a:t>
+                </a:r>
+              </a:p>
+            </p:txBody>
+          </p:sp>
+        </mc:Fallback>
+      </mc:AlternateContent>
+      <mc:AlternateContent xmlns:mc="http://schemas.openxmlformats.org/markup-compatibility/2006">
+        <mc:Choice xmlns:a14="http://schemas.microsoft.com/office/drawing/2010/main" Requires="a14">
+          <p:sp>
+            <p:nvSpPr>
+              <p:cNvPr id="10" name="TextBox 9">
+                <a:extLst>
+                  <a:ext uri="{FF2B5EF4-FFF2-40B4-BE49-F238E27FC236}">
+                    <a16:creationId xmlns:a16="http://schemas.microsoft.com/office/drawing/2014/main" id="{8379EAFC-3304-300E-5F7C-5F007999DB5D}"/>
+                  </a:ext>
+                </a:extLst>
+              </p:cNvPr>
+              <p:cNvSpPr txBox="1"/>
+              <p:nvPr/>
+            </p:nvSpPr>
+            <p:spPr>
+              <a:xfrm>
+                <a:off x="2860372" y="1520067"/>
+                <a:ext cx="827686" cy="307777"/>
+              </a:xfrm>
+              <a:prstGeom prst="rect">
+                <a:avLst/>
+              </a:prstGeom>
+              <a:noFill/>
+            </p:spPr>
+            <p:txBody>
+              <a:bodyPr wrap="square" rtlCol="0">
+                <a:spAutoFit/>
+              </a:bodyPr>
+              <a:lstStyle/>
+              <a:p>
+                <a:pPr algn="ctr"/>
+                <a14:m>
+                  <m:oMathPara xmlns:m="http://schemas.openxmlformats.org/officeDocument/2006/math">
+                    <m:oMathParaPr>
+                      <m:jc m:val="centerGroup"/>
+                    </m:oMathParaPr>
+                    <m:oMath xmlns:m="http://schemas.openxmlformats.org/officeDocument/2006/math">
+                      <m:r>
+                        <a:rPr lang="en-US" sz="1400" b="1" i="0" smtClean="0">
+                          <a:latin typeface="Cambria Math" panose="02040503050406030204" pitchFamily="18" charset="0"/>
+                        </a:rPr>
+                        <m:t>𝐲</m:t>
+                      </m:r>
+                    </m:oMath>
+                  </m:oMathPara>
+                </a14:m>
+                <a:endParaRPr lang="en-US" sz="1400" b="1" dirty="0"/>
+              </a:p>
+            </p:txBody>
+          </p:sp>
+        </mc:Choice>
+        <mc:Fallback>
+          <p:sp>
+            <p:nvSpPr>
+              <p:cNvPr id="10" name="TextBox 9">
+                <a:extLst>
+                  <a:ext uri="{FF2B5EF4-FFF2-40B4-BE49-F238E27FC236}">
+                    <a16:creationId xmlns:a16="http://schemas.microsoft.com/office/drawing/2014/main" id="{8379EAFC-3304-300E-5F7C-5F007999DB5D}"/>
+                  </a:ext>
+                </a:extLst>
+              </p:cNvPr>
+              <p:cNvSpPr txBox="1">
+                <a:spLocks noRot="1" noChangeAspect="1" noMove="1" noResize="1" noEditPoints="1" noAdjustHandles="1" noChangeArrowheads="1" noChangeShapeType="1" noTextEdit="1"/>
+              </p:cNvSpPr>
+              <p:nvPr/>
+            </p:nvSpPr>
+            <p:spPr>
+              <a:xfrm>
+                <a:off x="2860372" y="1520067"/>
+                <a:ext cx="827686" cy="307777"/>
+              </a:xfrm>
+              <a:prstGeom prst="rect">
+                <a:avLst/>
+              </a:prstGeom>
+              <a:blipFill>
+                <a:blip r:embed="rId3"/>
+                <a:stretch>
+                  <a:fillRect/>
+                </a:stretch>
+              </a:blipFill>
+            </p:spPr>
+            <p:txBody>
+              <a:bodyPr/>
+              <a:lstStyle/>
+              <a:p>
+                <a:r>
+                  <a:rPr lang="en-US">
+                    <a:noFill/>
+                  </a:rPr>
+                  <a:t> </a:t>
+                </a:r>
+              </a:p>
+            </p:txBody>
+          </p:sp>
+        </mc:Fallback>
+      </mc:AlternateContent>
       <p:sp>
         <p:nvSpPr>
           <p:cNvPr id="11" name="Rectangle 10">
@@ -6880,14 +4372,14 @@
             <a:avLst/>
           </a:prstGeom>
           <a:solidFill>
-            <a:schemeClr val="accent1">
+            <a:schemeClr val="accent3">
               <a:lumMod val="20000"/>
               <a:lumOff val="80000"/>
             </a:schemeClr>
           </a:solidFill>
           <a:ln>
             <a:solidFill>
-              <a:schemeClr val="accent1"/>
+              <a:srgbClr val="00B050"/>
             </a:solidFill>
           </a:ln>
         </p:spPr>
@@ -6944,14 +4436,11 @@
             <a:avLst/>
           </a:prstGeom>
           <a:solidFill>
-            <a:schemeClr val="accent2">
-              <a:lumMod val="20000"/>
-              <a:lumOff val="80000"/>
-            </a:schemeClr>
+            <a:srgbClr val="FFFF99"/>
           </a:solidFill>
           <a:ln>
             <a:solidFill>
-              <a:schemeClr val="accent2"/>
+              <a:srgbClr val="FFCC66"/>
             </a:solidFill>
           </a:ln>
         </p:spPr>
@@ -7008,14 +4497,14 @@
             <a:avLst/>
           </a:prstGeom>
           <a:solidFill>
-            <a:schemeClr val="accent1">
+            <a:schemeClr val="accent3">
               <a:lumMod val="20000"/>
               <a:lumOff val="80000"/>
             </a:schemeClr>
           </a:solidFill>
           <a:ln>
             <a:solidFill>
-              <a:schemeClr val="accent1"/>
+              <a:srgbClr val="00B050"/>
             </a:solidFill>
           </a:ln>
         </p:spPr>
@@ -7072,14 +4561,11 @@
             <a:avLst/>
           </a:prstGeom>
           <a:solidFill>
-            <a:schemeClr val="accent2">
-              <a:lumMod val="20000"/>
-              <a:lumOff val="80000"/>
-            </a:schemeClr>
+            <a:srgbClr val="FFFF99"/>
           </a:solidFill>
           <a:ln>
             <a:solidFill>
-              <a:schemeClr val="accent2"/>
+              <a:srgbClr val="FFCC66"/>
             </a:solidFill>
           </a:ln>
         </p:spPr>
@@ -7136,14 +4622,14 @@
             <a:avLst/>
           </a:prstGeom>
           <a:solidFill>
-            <a:schemeClr val="accent1">
+            <a:schemeClr val="accent3">
               <a:lumMod val="20000"/>
               <a:lumOff val="80000"/>
             </a:schemeClr>
           </a:solidFill>
           <a:ln>
             <a:solidFill>
-              <a:schemeClr val="accent1"/>
+              <a:srgbClr val="00B050"/>
             </a:solidFill>
           </a:ln>
         </p:spPr>
@@ -7200,14 +4686,11 @@
             <a:avLst/>
           </a:prstGeom>
           <a:solidFill>
-            <a:schemeClr val="accent2">
-              <a:lumMod val="20000"/>
-              <a:lumOff val="80000"/>
-            </a:schemeClr>
+            <a:srgbClr val="FFFF99"/>
           </a:solidFill>
           <a:ln>
             <a:solidFill>
-              <a:schemeClr val="accent2"/>
+              <a:srgbClr val="FFCC66"/>
             </a:solidFill>
           </a:ln>
         </p:spPr>
@@ -7264,14 +4747,14 @@
             <a:avLst/>
           </a:prstGeom>
           <a:solidFill>
-            <a:schemeClr val="accent1">
+            <a:schemeClr val="accent3">
               <a:lumMod val="20000"/>
               <a:lumOff val="80000"/>
             </a:schemeClr>
           </a:solidFill>
           <a:ln>
             <a:solidFill>
-              <a:schemeClr val="accent1"/>
+              <a:srgbClr val="00B050"/>
             </a:solidFill>
           </a:ln>
         </p:spPr>
@@ -7328,14 +4811,11 @@
             <a:avLst/>
           </a:prstGeom>
           <a:solidFill>
-            <a:schemeClr val="accent2">
-              <a:lumMod val="20000"/>
-              <a:lumOff val="80000"/>
-            </a:schemeClr>
+            <a:srgbClr val="FFFF99"/>
           </a:solidFill>
           <a:ln>
             <a:solidFill>
-              <a:schemeClr val="accent2"/>
+              <a:srgbClr val="FFCC66"/>
             </a:solidFill>
           </a:ln>
         </p:spPr>
@@ -7496,7 +4976,7 @@
           <a:p>
             <a:r>
               <a:rPr lang="en-US" sz="1400" dirty="0"/>
-              <a:t>Instance 2</a:t>
+              <a:t>Data 2</a:t>
             </a:r>
           </a:p>
         </p:txBody>
@@ -7531,7 +5011,7 @@
           <a:p>
             <a:r>
               <a:rPr lang="en-US" sz="1400" dirty="0"/>
-              <a:t>Instance 3</a:t>
+              <a:t>Data 3</a:t>
             </a:r>
           </a:p>
         </p:txBody>
@@ -7566,7 +5046,7 @@
           <a:p>
             <a:r>
               <a:rPr lang="en-US" sz="1400" dirty="0"/>
-              <a:t>Instance n</a:t>
+              <a:t>Data n</a:t>
             </a:r>
           </a:p>
         </p:txBody>
@@ -8006,7 +5486,7 @@
                   <a:avLst/>
                 </a:prstGeom>
                 <a:blipFill>
-                  <a:blip r:embed="rId2"/>
+                  <a:blip r:embed="rId4"/>
                   <a:stretch>
                     <a:fillRect/>
                   </a:stretch>
@@ -8147,7 +5627,7 @@
                   <a:avLst/>
                 </a:prstGeom>
                 <a:blipFill>
-                  <a:blip r:embed="rId3"/>
+                  <a:blip r:embed="rId5"/>
                   <a:stretch>
                     <a:fillRect/>
                   </a:stretch>
@@ -8279,7 +5759,7 @@
                   <a:avLst/>
                 </a:prstGeom>
                 <a:blipFill>
-                  <a:blip r:embed="rId4"/>
+                  <a:blip r:embed="rId6"/>
                   <a:stretch>
                     <a:fillRect/>
                   </a:stretch>
@@ -8305,42 +5785,116 @@
             </p:sp>
           </mc:Fallback>
         </mc:AlternateContent>
-        <p:sp>
-          <p:nvSpPr>
-            <p:cNvPr id="48" name="TextBox 47">
-              <a:extLst>
-                <a:ext uri="{FF2B5EF4-FFF2-40B4-BE49-F238E27FC236}">
-                  <a16:creationId xmlns:a16="http://schemas.microsoft.com/office/drawing/2014/main" id="{0C67B0A2-5346-CA1A-A8D6-BF33E5D95A39}"/>
-                </a:ext>
-              </a:extLst>
-            </p:cNvPr>
-            <p:cNvSpPr txBox="1"/>
-            <p:nvPr/>
-          </p:nvSpPr>
-          <p:spPr>
-            <a:xfrm>
-              <a:off x="3982637" y="874948"/>
-              <a:ext cx="827686" cy="523220"/>
-            </a:xfrm>
-            <a:prstGeom prst="rect">
-              <a:avLst/>
-            </a:prstGeom>
-            <a:noFill/>
-          </p:spPr>
-          <p:txBody>
-            <a:bodyPr wrap="square" rtlCol="0">
-              <a:spAutoFit/>
-            </a:bodyPr>
-            <a:lstStyle/>
-            <a:p>
-              <a:pPr algn="ctr"/>
-              <a:r>
-                <a:rPr lang="en-US" sz="1400" dirty="0"/>
-                <a:t>Input Tensor</a:t>
-              </a:r>
-            </a:p>
-          </p:txBody>
-        </p:sp>
+        <mc:AlternateContent xmlns:mc="http://schemas.openxmlformats.org/markup-compatibility/2006">
+          <mc:Choice xmlns:a14="http://schemas.microsoft.com/office/drawing/2010/main" Requires="a14">
+            <p:sp>
+              <p:nvSpPr>
+                <p:cNvPr id="48" name="TextBox 47">
+                  <a:extLst>
+                    <a:ext uri="{FF2B5EF4-FFF2-40B4-BE49-F238E27FC236}">
+                      <a16:creationId xmlns:a16="http://schemas.microsoft.com/office/drawing/2014/main" id="{0C67B0A2-5346-CA1A-A8D6-BF33E5D95A39}"/>
+                    </a:ext>
+                  </a:extLst>
+                </p:cNvPr>
+                <p:cNvSpPr txBox="1"/>
+                <p:nvPr/>
+              </p:nvSpPr>
+              <p:spPr>
+                <a:xfrm>
+                  <a:off x="3982637" y="874948"/>
+                  <a:ext cx="827686" cy="523220"/>
+                </a:xfrm>
+                <a:prstGeom prst="rect">
+                  <a:avLst/>
+                </a:prstGeom>
+                <a:noFill/>
+              </p:spPr>
+              <p:txBody>
+                <a:bodyPr wrap="square" rtlCol="0">
+                  <a:spAutoFit/>
+                </a:bodyPr>
+                <a:lstStyle/>
+                <a:p>
+                  <a:pPr algn="ctr"/>
+                  <a14:m>
+                    <m:oMathPara xmlns:m="http://schemas.openxmlformats.org/officeDocument/2006/math">
+                      <m:oMathParaPr>
+                        <m:jc m:val="centerGroup"/>
+                      </m:oMathParaPr>
+                      <m:oMath xmlns:m="http://schemas.openxmlformats.org/officeDocument/2006/math">
+                        <m:r>
+                          <a:rPr lang="en-US" sz="1400" b="1" i="0" smtClean="0">
+                            <a:solidFill>
+                              <a:sysClr val="windowText" lastClr="000000"/>
+                            </a:solidFill>
+                            <a:latin typeface="Cambria Math" panose="02040503050406030204" pitchFamily="18" charset="0"/>
+                          </a:rPr>
+                          <m:t>𝐱</m:t>
+                        </m:r>
+                      </m:oMath>
+                    </m:oMathPara>
+                  </a14:m>
+                  <a:endParaRPr lang="en-US" sz="1400" b="1" dirty="0">
+                    <a:solidFill>
+                      <a:sysClr val="windowText" lastClr="000000"/>
+                    </a:solidFill>
+                  </a:endParaRPr>
+                </a:p>
+                <a:p>
+                  <a:pPr algn="ctr"/>
+                  <a:r>
+                    <a:rPr lang="en-US" sz="1400" dirty="0"/>
+                    <a:t>Tensor</a:t>
+                  </a:r>
+                </a:p>
+              </p:txBody>
+            </p:sp>
+          </mc:Choice>
+          <mc:Fallback>
+            <p:sp>
+              <p:nvSpPr>
+                <p:cNvPr id="48" name="TextBox 47">
+                  <a:extLst>
+                    <a:ext uri="{FF2B5EF4-FFF2-40B4-BE49-F238E27FC236}">
+                      <a16:creationId xmlns:a16="http://schemas.microsoft.com/office/drawing/2014/main" id="{0C67B0A2-5346-CA1A-A8D6-BF33E5D95A39}"/>
+                    </a:ext>
+                  </a:extLst>
+                </p:cNvPr>
+                <p:cNvSpPr txBox="1">
+                  <a:spLocks noRot="1" noChangeAspect="1" noMove="1" noResize="1" noEditPoints="1" noAdjustHandles="1" noChangeArrowheads="1" noChangeShapeType="1" noTextEdit="1"/>
+                </p:cNvSpPr>
+                <p:nvPr/>
+              </p:nvSpPr>
+              <p:spPr>
+                <a:xfrm>
+                  <a:off x="3982637" y="874948"/>
+                  <a:ext cx="827686" cy="523220"/>
+                </a:xfrm>
+                <a:prstGeom prst="rect">
+                  <a:avLst/>
+                </a:prstGeom>
+                <a:blipFill>
+                  <a:blip r:embed="rId7"/>
+                  <a:stretch>
+                    <a:fillRect b="-11628"/>
+                  </a:stretch>
+                </a:blipFill>
+              </p:spPr>
+              <p:txBody>
+                <a:bodyPr/>
+                <a:lstStyle/>
+                <a:p>
+                  <a:r>
+                    <a:rPr lang="en-US">
+                      <a:noFill/>
+                    </a:rPr>
+                    <a:t> </a:t>
+                  </a:r>
+                </a:p>
+              </p:txBody>
+            </p:sp>
+          </mc:Fallback>
+        </mc:AlternateContent>
       </p:grpSp>
       <p:grpSp>
         <p:nvGrpSpPr>
@@ -8362,8 +5916,8 @@
             <a:chExt cx="838022" cy="815402"/>
           </a:xfrm>
         </p:grpSpPr>
-        <mc:AlternateContent xmlns:mc="http://schemas.openxmlformats.org/markup-compatibility/2006" xmlns:a14="http://schemas.microsoft.com/office/drawing/2010/main">
-          <mc:Choice Requires="a14">
+        <mc:AlternateContent xmlns:mc="http://schemas.openxmlformats.org/markup-compatibility/2006">
+          <mc:Choice xmlns:a14="http://schemas.microsoft.com/office/drawing/2010/main" Requires="a14">
             <p:sp>
               <p:nvSpPr>
                 <p:cNvPr id="38" name="Rectangle 37">
@@ -8385,14 +5939,11 @@
                   <a:avLst/>
                 </a:prstGeom>
                 <a:solidFill>
-                  <a:schemeClr val="accent6">
-                    <a:lumMod val="20000"/>
-                    <a:lumOff val="80000"/>
-                  </a:schemeClr>
+                  <a:srgbClr val="FFFF99"/>
                 </a:solidFill>
                 <a:ln>
                   <a:solidFill>
-                    <a:schemeClr val="accent6"/>
+                    <a:srgbClr val="FFCC66"/>
                   </a:solidFill>
                 </a:ln>
               </p:spPr>
@@ -8444,7 +5995,7 @@
               </p:txBody>
             </p:sp>
           </mc:Choice>
-          <mc:Fallback xmlns="">
+          <mc:Fallback>
             <p:sp>
               <p:nvSpPr>
                 <p:cNvPr id="38" name="Rectangle 37">
@@ -8468,14 +6019,14 @@
                   <a:avLst/>
                 </a:prstGeom>
                 <a:blipFill>
-                  <a:blip r:embed="rId5"/>
+                  <a:blip r:embed="rId8"/>
                   <a:stretch>
                     <a:fillRect/>
                   </a:stretch>
                 </a:blipFill>
                 <a:ln>
                   <a:solidFill>
-                    <a:schemeClr val="accent6"/>
+                    <a:srgbClr val="FFCC66"/>
                   </a:solidFill>
                 </a:ln>
               </p:spPr>
@@ -8494,42 +6045,109 @@
             </p:sp>
           </mc:Fallback>
         </mc:AlternateContent>
-        <p:sp>
-          <p:nvSpPr>
-            <p:cNvPr id="51" name="TextBox 50">
-              <a:extLst>
-                <a:ext uri="{FF2B5EF4-FFF2-40B4-BE49-F238E27FC236}">
-                  <a16:creationId xmlns:a16="http://schemas.microsoft.com/office/drawing/2014/main" id="{EE6D5046-2BF8-9DA4-F801-E03867611253}"/>
-                </a:ext>
-              </a:extLst>
-            </p:cNvPr>
-            <p:cNvSpPr txBox="1"/>
-            <p:nvPr/>
-          </p:nvSpPr>
-          <p:spPr>
-            <a:xfrm>
-              <a:off x="3972299" y="3030771"/>
-              <a:ext cx="827686" cy="523220"/>
-            </a:xfrm>
-            <a:prstGeom prst="rect">
-              <a:avLst/>
-            </a:prstGeom>
-            <a:noFill/>
-          </p:spPr>
-          <p:txBody>
-            <a:bodyPr wrap="square" rtlCol="0">
-              <a:spAutoFit/>
-            </a:bodyPr>
-            <a:lstStyle/>
-            <a:p>
-              <a:pPr algn="ctr"/>
-              <a:r>
-                <a:rPr lang="en-US" sz="1400" dirty="0"/>
-                <a:t>Output Tensor</a:t>
-              </a:r>
-            </a:p>
-          </p:txBody>
-        </p:sp>
+        <mc:AlternateContent xmlns:mc="http://schemas.openxmlformats.org/markup-compatibility/2006">
+          <mc:Choice xmlns:a14="http://schemas.microsoft.com/office/drawing/2010/main" Requires="a14">
+            <p:sp>
+              <p:nvSpPr>
+                <p:cNvPr id="51" name="TextBox 50">
+                  <a:extLst>
+                    <a:ext uri="{FF2B5EF4-FFF2-40B4-BE49-F238E27FC236}">
+                      <a16:creationId xmlns:a16="http://schemas.microsoft.com/office/drawing/2014/main" id="{EE6D5046-2BF8-9DA4-F801-E03867611253}"/>
+                    </a:ext>
+                  </a:extLst>
+                </p:cNvPr>
+                <p:cNvSpPr txBox="1"/>
+                <p:nvPr/>
+              </p:nvSpPr>
+              <p:spPr>
+                <a:xfrm>
+                  <a:off x="3972299" y="3030771"/>
+                  <a:ext cx="827686" cy="523220"/>
+                </a:xfrm>
+                <a:prstGeom prst="rect">
+                  <a:avLst/>
+                </a:prstGeom>
+                <a:noFill/>
+              </p:spPr>
+              <p:txBody>
+                <a:bodyPr wrap="square" rtlCol="0">
+                  <a:spAutoFit/>
+                </a:bodyPr>
+                <a:lstStyle/>
+                <a:p>
+                  <a:pPr algn="ctr"/>
+                  <a14:m>
+                    <m:oMathPara xmlns:m="http://schemas.openxmlformats.org/officeDocument/2006/math">
+                      <m:oMathParaPr>
+                        <m:jc m:val="centerGroup"/>
+                      </m:oMathParaPr>
+                      <m:oMath xmlns:m="http://schemas.openxmlformats.org/officeDocument/2006/math">
+                        <m:r>
+                          <a:rPr lang="en-US" sz="1400" b="1" i="0" smtClean="0">
+                            <a:latin typeface="Cambria Math" panose="02040503050406030204" pitchFamily="18" charset="0"/>
+                          </a:rPr>
+                          <m:t>𝐲</m:t>
+                        </m:r>
+                      </m:oMath>
+                    </m:oMathPara>
+                  </a14:m>
+                  <a:endParaRPr lang="en-US" sz="1400" dirty="0"/>
+                </a:p>
+                <a:p>
+                  <a:pPr algn="ctr"/>
+                  <a:r>
+                    <a:rPr lang="en-US" sz="1400" dirty="0"/>
+                    <a:t>Tensor</a:t>
+                  </a:r>
+                </a:p>
+              </p:txBody>
+            </p:sp>
+          </mc:Choice>
+          <mc:Fallback>
+            <p:sp>
+              <p:nvSpPr>
+                <p:cNvPr id="51" name="TextBox 50">
+                  <a:extLst>
+                    <a:ext uri="{FF2B5EF4-FFF2-40B4-BE49-F238E27FC236}">
+                      <a16:creationId xmlns:a16="http://schemas.microsoft.com/office/drawing/2014/main" id="{EE6D5046-2BF8-9DA4-F801-E03867611253}"/>
+                    </a:ext>
+                  </a:extLst>
+                </p:cNvPr>
+                <p:cNvSpPr txBox="1">
+                  <a:spLocks noRot="1" noChangeAspect="1" noMove="1" noResize="1" noEditPoints="1" noAdjustHandles="1" noChangeArrowheads="1" noChangeShapeType="1" noTextEdit="1"/>
+                </p:cNvSpPr>
+                <p:nvPr/>
+              </p:nvSpPr>
+              <p:spPr>
+                <a:xfrm>
+                  <a:off x="3972299" y="3030771"/>
+                  <a:ext cx="827686" cy="523220"/>
+                </a:xfrm>
+                <a:prstGeom prst="rect">
+                  <a:avLst/>
+                </a:prstGeom>
+                <a:blipFill>
+                  <a:blip r:embed="rId9"/>
+                  <a:stretch>
+                    <a:fillRect b="-10465"/>
+                  </a:stretch>
+                </a:blipFill>
+              </p:spPr>
+              <p:txBody>
+                <a:bodyPr/>
+                <a:lstStyle/>
+                <a:p>
+                  <a:r>
+                    <a:rPr lang="en-US">
+                      <a:noFill/>
+                    </a:rPr>
+                    <a:t> </a:t>
+                  </a:r>
+                </a:p>
+              </p:txBody>
+            </p:sp>
+          </mc:Fallback>
+        </mc:AlternateContent>
         <p:sp>
           <p:nvSpPr>
             <p:cNvPr id="52" name="Rectangle 51">
@@ -8553,7 +6171,7 @@
             <a:noFill/>
             <a:ln>
               <a:solidFill>
-                <a:schemeClr val="accent6"/>
+                <a:srgbClr val="FFCC66"/>
               </a:solidFill>
             </a:ln>
           </p:spPr>
@@ -8607,8 +6225,8 @@
             <a:chExt cx="838022" cy="823022"/>
           </a:xfrm>
         </p:grpSpPr>
-        <mc:AlternateContent xmlns:mc="http://schemas.openxmlformats.org/markup-compatibility/2006" xmlns:a14="http://schemas.microsoft.com/office/drawing/2010/main">
-          <mc:Choice Requires="a14">
+        <mc:AlternateContent xmlns:mc="http://schemas.openxmlformats.org/markup-compatibility/2006">
+          <mc:Choice xmlns:a14="http://schemas.microsoft.com/office/drawing/2010/main" Requires="a14">
             <p:sp>
               <p:nvSpPr>
                 <p:cNvPr id="53" name="Rectangle 52">
@@ -8630,14 +6248,11 @@
                   <a:avLst/>
                 </a:prstGeom>
                 <a:solidFill>
-                  <a:schemeClr val="accent6">
-                    <a:lumMod val="20000"/>
-                    <a:lumOff val="80000"/>
-                  </a:schemeClr>
+                  <a:srgbClr val="FFFF99"/>
                 </a:solidFill>
                 <a:ln>
                   <a:solidFill>
-                    <a:schemeClr val="accent6"/>
+                    <a:srgbClr val="FFCC66"/>
                   </a:solidFill>
                 </a:ln>
               </p:spPr>
@@ -8689,7 +6304,7 @@
               </p:txBody>
             </p:sp>
           </mc:Choice>
-          <mc:Fallback xmlns="">
+          <mc:Fallback>
             <p:sp>
               <p:nvSpPr>
                 <p:cNvPr id="53" name="Rectangle 52">
@@ -8713,14 +6328,14 @@
                   <a:avLst/>
                 </a:prstGeom>
                 <a:blipFill>
-                  <a:blip r:embed="rId6"/>
+                  <a:blip r:embed="rId10"/>
                   <a:stretch>
                     <a:fillRect/>
                   </a:stretch>
                 </a:blipFill>
                 <a:ln>
                   <a:solidFill>
-                    <a:schemeClr val="accent6"/>
+                    <a:srgbClr val="FFCC66"/>
                   </a:solidFill>
                 </a:ln>
               </p:spPr>
@@ -8739,42 +6354,109 @@
             </p:sp>
           </mc:Fallback>
         </mc:AlternateContent>
-        <p:sp>
-          <p:nvSpPr>
-            <p:cNvPr id="54" name="TextBox 53">
-              <a:extLst>
-                <a:ext uri="{FF2B5EF4-FFF2-40B4-BE49-F238E27FC236}">
-                  <a16:creationId xmlns:a16="http://schemas.microsoft.com/office/drawing/2014/main" id="{D6F6A2B5-7D23-7B53-A0D9-014306BE181C}"/>
-                </a:ext>
-              </a:extLst>
-            </p:cNvPr>
-            <p:cNvSpPr txBox="1"/>
-            <p:nvPr/>
-          </p:nvSpPr>
-          <p:spPr>
-            <a:xfrm>
-              <a:off x="5173734" y="3019880"/>
-              <a:ext cx="827686" cy="523220"/>
-            </a:xfrm>
-            <a:prstGeom prst="rect">
-              <a:avLst/>
-            </a:prstGeom>
-            <a:noFill/>
-          </p:spPr>
-          <p:txBody>
-            <a:bodyPr wrap="square" rtlCol="0">
-              <a:spAutoFit/>
-            </a:bodyPr>
-            <a:lstStyle/>
-            <a:p>
-              <a:pPr algn="ctr"/>
-              <a:r>
-                <a:rPr lang="en-US" sz="1400" dirty="0"/>
-                <a:t>Output Tensor</a:t>
-              </a:r>
-            </a:p>
-          </p:txBody>
-        </p:sp>
+        <mc:AlternateContent xmlns:mc="http://schemas.openxmlformats.org/markup-compatibility/2006">
+          <mc:Choice xmlns:a14="http://schemas.microsoft.com/office/drawing/2010/main" Requires="a14">
+            <p:sp>
+              <p:nvSpPr>
+                <p:cNvPr id="54" name="TextBox 53">
+                  <a:extLst>
+                    <a:ext uri="{FF2B5EF4-FFF2-40B4-BE49-F238E27FC236}">
+                      <a16:creationId xmlns:a16="http://schemas.microsoft.com/office/drawing/2014/main" id="{D6F6A2B5-7D23-7B53-A0D9-014306BE181C}"/>
+                    </a:ext>
+                  </a:extLst>
+                </p:cNvPr>
+                <p:cNvSpPr txBox="1"/>
+                <p:nvPr/>
+              </p:nvSpPr>
+              <p:spPr>
+                <a:xfrm>
+                  <a:off x="5173734" y="3019880"/>
+                  <a:ext cx="827686" cy="523220"/>
+                </a:xfrm>
+                <a:prstGeom prst="rect">
+                  <a:avLst/>
+                </a:prstGeom>
+                <a:noFill/>
+              </p:spPr>
+              <p:txBody>
+                <a:bodyPr wrap="square" rtlCol="0">
+                  <a:spAutoFit/>
+                </a:bodyPr>
+                <a:lstStyle/>
+                <a:p>
+                  <a:pPr algn="ctr"/>
+                  <a14:m>
+                    <m:oMathPara xmlns:m="http://schemas.openxmlformats.org/officeDocument/2006/math">
+                      <m:oMathParaPr>
+                        <m:jc m:val="centerGroup"/>
+                      </m:oMathParaPr>
+                      <m:oMath xmlns:m="http://schemas.openxmlformats.org/officeDocument/2006/math">
+                        <m:r>
+                          <a:rPr lang="en-US" sz="1400" b="1" i="0" smtClean="0">
+                            <a:latin typeface="Cambria Math" panose="02040503050406030204" pitchFamily="18" charset="0"/>
+                          </a:rPr>
+                          <m:t>𝐲</m:t>
+                        </m:r>
+                      </m:oMath>
+                    </m:oMathPara>
+                  </a14:m>
+                  <a:endParaRPr lang="en-US" sz="1400" dirty="0"/>
+                </a:p>
+                <a:p>
+                  <a:pPr algn="ctr"/>
+                  <a:r>
+                    <a:rPr lang="en-US" sz="1400" dirty="0"/>
+                    <a:t>Tensor</a:t>
+                  </a:r>
+                </a:p>
+              </p:txBody>
+            </p:sp>
+          </mc:Choice>
+          <mc:Fallback>
+            <p:sp>
+              <p:nvSpPr>
+                <p:cNvPr id="54" name="TextBox 53">
+                  <a:extLst>
+                    <a:ext uri="{FF2B5EF4-FFF2-40B4-BE49-F238E27FC236}">
+                      <a16:creationId xmlns:a16="http://schemas.microsoft.com/office/drawing/2014/main" id="{D6F6A2B5-7D23-7B53-A0D9-014306BE181C}"/>
+                    </a:ext>
+                  </a:extLst>
+                </p:cNvPr>
+                <p:cNvSpPr txBox="1">
+                  <a:spLocks noRot="1" noChangeAspect="1" noMove="1" noResize="1" noEditPoints="1" noAdjustHandles="1" noChangeArrowheads="1" noChangeShapeType="1" noTextEdit="1"/>
+                </p:cNvSpPr>
+                <p:nvPr/>
+              </p:nvSpPr>
+              <p:spPr>
+                <a:xfrm>
+                  <a:off x="5173734" y="3019880"/>
+                  <a:ext cx="827686" cy="523220"/>
+                </a:xfrm>
+                <a:prstGeom prst="rect">
+                  <a:avLst/>
+                </a:prstGeom>
+                <a:blipFill>
+                  <a:blip r:embed="rId9"/>
+                  <a:stretch>
+                    <a:fillRect b="-11765"/>
+                  </a:stretch>
+                </a:blipFill>
+              </p:spPr>
+              <p:txBody>
+                <a:bodyPr/>
+                <a:lstStyle/>
+                <a:p>
+                  <a:r>
+                    <a:rPr lang="en-US">
+                      <a:noFill/>
+                    </a:rPr>
+                    <a:t> </a:t>
+                  </a:r>
+                </a:p>
+              </p:txBody>
+            </p:sp>
+          </mc:Fallback>
+        </mc:AlternateContent>
         <p:sp>
           <p:nvSpPr>
             <p:cNvPr id="55" name="Rectangle 54">
@@ -8798,7 +6480,7 @@
             <a:noFill/>
             <a:ln>
               <a:solidFill>
-                <a:schemeClr val="accent6"/>
+                <a:srgbClr val="FFCC66"/>
               </a:solidFill>
             </a:ln>
           </p:spPr>
@@ -9023,7 +6705,7 @@
                   <a:avLst/>
                 </a:prstGeom>
                 <a:blipFill>
-                  <a:blip r:embed="rId2"/>
+                  <a:blip r:embed="rId4"/>
                   <a:stretch>
                     <a:fillRect/>
                   </a:stretch>
@@ -9049,42 +6731,116 @@
             </p:sp>
           </mc:Fallback>
         </mc:AlternateContent>
-        <p:sp>
-          <p:nvSpPr>
-            <p:cNvPr id="97" name="TextBox 96">
-              <a:extLst>
-                <a:ext uri="{FF2B5EF4-FFF2-40B4-BE49-F238E27FC236}">
-                  <a16:creationId xmlns:a16="http://schemas.microsoft.com/office/drawing/2014/main" id="{D7F6355D-E94D-1BD3-BBBE-2F75FA496C81}"/>
-                </a:ext>
-              </a:extLst>
-            </p:cNvPr>
-            <p:cNvSpPr txBox="1"/>
-            <p:nvPr/>
-          </p:nvSpPr>
-          <p:spPr>
-            <a:xfrm>
-              <a:off x="3982637" y="874948"/>
-              <a:ext cx="827686" cy="523220"/>
-            </a:xfrm>
-            <a:prstGeom prst="rect">
-              <a:avLst/>
-            </a:prstGeom>
-            <a:noFill/>
-          </p:spPr>
-          <p:txBody>
-            <a:bodyPr wrap="square" rtlCol="0">
-              <a:spAutoFit/>
-            </a:bodyPr>
-            <a:lstStyle/>
-            <a:p>
-              <a:pPr algn="ctr"/>
-              <a:r>
-                <a:rPr lang="en-US" sz="1400" dirty="0"/>
-                <a:t>Input Tensor</a:t>
-              </a:r>
-            </a:p>
-          </p:txBody>
-        </p:sp>
+        <mc:AlternateContent xmlns:mc="http://schemas.openxmlformats.org/markup-compatibility/2006">
+          <mc:Choice xmlns:a14="http://schemas.microsoft.com/office/drawing/2010/main" Requires="a14">
+            <p:sp>
+              <p:nvSpPr>
+                <p:cNvPr id="97" name="TextBox 96">
+                  <a:extLst>
+                    <a:ext uri="{FF2B5EF4-FFF2-40B4-BE49-F238E27FC236}">
+                      <a16:creationId xmlns:a16="http://schemas.microsoft.com/office/drawing/2014/main" id="{D7F6355D-E94D-1BD3-BBBE-2F75FA496C81}"/>
+                    </a:ext>
+                  </a:extLst>
+                </p:cNvPr>
+                <p:cNvSpPr txBox="1"/>
+                <p:nvPr/>
+              </p:nvSpPr>
+              <p:spPr>
+                <a:xfrm>
+                  <a:off x="3982637" y="874948"/>
+                  <a:ext cx="827686" cy="523220"/>
+                </a:xfrm>
+                <a:prstGeom prst="rect">
+                  <a:avLst/>
+                </a:prstGeom>
+                <a:noFill/>
+              </p:spPr>
+              <p:txBody>
+                <a:bodyPr wrap="square" rtlCol="0">
+                  <a:spAutoFit/>
+                </a:bodyPr>
+                <a:lstStyle/>
+                <a:p>
+                  <a:pPr algn="ctr"/>
+                  <a14:m>
+                    <m:oMathPara xmlns:m="http://schemas.openxmlformats.org/officeDocument/2006/math">
+                      <m:oMathParaPr>
+                        <m:jc m:val="centerGroup"/>
+                      </m:oMathParaPr>
+                      <m:oMath xmlns:m="http://schemas.openxmlformats.org/officeDocument/2006/math">
+                        <m:r>
+                          <a:rPr lang="en-US" sz="1400" b="1" i="0" smtClean="0">
+                            <a:solidFill>
+                              <a:sysClr val="windowText" lastClr="000000"/>
+                            </a:solidFill>
+                            <a:latin typeface="Cambria Math" panose="02040503050406030204" pitchFamily="18" charset="0"/>
+                          </a:rPr>
+                          <m:t>𝐱</m:t>
+                        </m:r>
+                      </m:oMath>
+                    </m:oMathPara>
+                  </a14:m>
+                  <a:endParaRPr lang="en-US" sz="1400" b="1" dirty="0">
+                    <a:solidFill>
+                      <a:sysClr val="windowText" lastClr="000000"/>
+                    </a:solidFill>
+                  </a:endParaRPr>
+                </a:p>
+                <a:p>
+                  <a:pPr algn="ctr"/>
+                  <a:r>
+                    <a:rPr lang="en-US" sz="1400" dirty="0"/>
+                    <a:t>Tensor</a:t>
+                  </a:r>
+                </a:p>
+              </p:txBody>
+            </p:sp>
+          </mc:Choice>
+          <mc:Fallback>
+            <p:sp>
+              <p:nvSpPr>
+                <p:cNvPr id="97" name="TextBox 96">
+                  <a:extLst>
+                    <a:ext uri="{FF2B5EF4-FFF2-40B4-BE49-F238E27FC236}">
+                      <a16:creationId xmlns:a16="http://schemas.microsoft.com/office/drawing/2014/main" id="{D7F6355D-E94D-1BD3-BBBE-2F75FA496C81}"/>
+                    </a:ext>
+                  </a:extLst>
+                </p:cNvPr>
+                <p:cNvSpPr txBox="1">
+                  <a:spLocks noRot="1" noChangeAspect="1" noMove="1" noResize="1" noEditPoints="1" noAdjustHandles="1" noChangeArrowheads="1" noChangeShapeType="1" noTextEdit="1"/>
+                </p:cNvSpPr>
+                <p:nvPr/>
+              </p:nvSpPr>
+              <p:spPr>
+                <a:xfrm>
+                  <a:off x="3982637" y="874948"/>
+                  <a:ext cx="827686" cy="523220"/>
+                </a:xfrm>
+                <a:prstGeom prst="rect">
+                  <a:avLst/>
+                </a:prstGeom>
+                <a:blipFill>
+                  <a:blip r:embed="rId11"/>
+                  <a:stretch>
+                    <a:fillRect b="-10465"/>
+                  </a:stretch>
+                </a:blipFill>
+              </p:spPr>
+              <p:txBody>
+                <a:bodyPr/>
+                <a:lstStyle/>
+                <a:p>
+                  <a:r>
+                    <a:rPr lang="en-US">
+                      <a:noFill/>
+                    </a:rPr>
+                    <a:t> </a:t>
+                  </a:r>
+                </a:p>
+              </p:txBody>
+            </p:sp>
+          </mc:Fallback>
+        </mc:AlternateContent>
       </p:grpSp>
     </p:spTree>
     <p:extLst>
@@ -9099,7 +6855,7 @@
 </p:sld>
 </file>
 
-<file path=ppt/slides/slide5.xml><?xml version="1.0" encoding="utf-8"?>
+<file path=ppt/slides/slide3.xml><?xml version="1.0" encoding="utf-8"?>
 <p:sld xmlns:a="http://schemas.openxmlformats.org/drawingml/2006/main" xmlns:r="http://schemas.openxmlformats.org/officeDocument/2006/relationships" xmlns:p="http://schemas.openxmlformats.org/presentationml/2006/main">
   <p:cSld>
     <p:spTree>
@@ -9139,7 +6895,7 @@
         </p:nvCxnSpPr>
         <p:spPr>
           <a:xfrm flipV="1">
-            <a:off x="6142637" y="2853435"/>
+            <a:off x="5468383" y="2927326"/>
             <a:ext cx="0" cy="429446"/>
           </a:xfrm>
           <a:prstGeom prst="straightConnector1">
@@ -9187,7 +6943,7 @@
         </p:nvCxnSpPr>
         <p:spPr>
           <a:xfrm flipV="1">
-            <a:off x="6142637" y="3658384"/>
+            <a:off x="5468383" y="3732275"/>
             <a:ext cx="0" cy="389131"/>
           </a:xfrm>
           <a:prstGeom prst="straightConnector1">
@@ -9235,7 +6991,7 @@
         </p:nvCxnSpPr>
         <p:spPr>
           <a:xfrm flipV="1">
-            <a:off x="6142637" y="4423018"/>
+            <a:off x="5468383" y="4496909"/>
             <a:ext cx="0" cy="438666"/>
           </a:xfrm>
           <a:prstGeom prst="straightConnector1">
@@ -9263,8 +7019,8 @@
           </a:fontRef>
         </p:style>
       </p:cxnSp>
-      <mc:AlternateContent xmlns:mc="http://schemas.openxmlformats.org/markup-compatibility/2006" xmlns:a14="http://schemas.microsoft.com/office/drawing/2010/main">
-        <mc:Choice Requires="a14">
+      <mc:AlternateContent xmlns:mc="http://schemas.openxmlformats.org/markup-compatibility/2006">
+        <mc:Choice xmlns:a14="http://schemas.microsoft.com/office/drawing/2010/main" Requires="a14">
           <p:sp>
             <p:nvSpPr>
               <p:cNvPr id="24" name="TextBox 23">
@@ -9279,7 +7035,7 @@
             </p:nvSpPr>
             <p:spPr>
               <a:xfrm>
-                <a:off x="6983880" y="4733363"/>
+                <a:off x="6198792" y="4807254"/>
                 <a:ext cx="884962" cy="523220"/>
               </a:xfrm>
               <a:prstGeom prst="rect">
@@ -9362,7 +7118,7 @@
             </p:txBody>
           </p:sp>
         </mc:Choice>
-        <mc:Fallback xmlns="">
+        <mc:Fallback>
           <p:sp>
             <p:nvSpPr>
               <p:cNvPr id="24" name="TextBox 23">
@@ -9379,7 +7135,7 @@
             </p:nvSpPr>
             <p:spPr>
               <a:xfrm>
-                <a:off x="6983880" y="4733363"/>
+                <a:off x="6198792" y="4807254"/>
                 <a:ext cx="884962" cy="523220"/>
               </a:xfrm>
               <a:prstGeom prst="rect">
@@ -9407,8 +7163,8 @@
           </p:sp>
         </mc:Fallback>
       </mc:AlternateContent>
-      <mc:AlternateContent xmlns:mc="http://schemas.openxmlformats.org/markup-compatibility/2006" xmlns:a14="http://schemas.microsoft.com/office/drawing/2010/main">
-        <mc:Choice Requires="a14">
+      <mc:AlternateContent xmlns:mc="http://schemas.openxmlformats.org/markup-compatibility/2006">
+        <mc:Choice xmlns:a14="http://schemas.microsoft.com/office/drawing/2010/main" Requires="a14">
           <p:sp>
             <p:nvSpPr>
               <p:cNvPr id="201" name="TextBox 200">
@@ -9423,7 +7179,7 @@
             </p:nvSpPr>
             <p:spPr>
               <a:xfrm>
-                <a:off x="6878941" y="3980403"/>
+                <a:off x="6093853" y="4054294"/>
                 <a:ext cx="1094841" cy="523220"/>
               </a:xfrm>
               <a:prstGeom prst="rect">
@@ -9512,7 +7268,7 @@
             </p:txBody>
           </p:sp>
         </mc:Choice>
-        <mc:Fallback xmlns="">
+        <mc:Fallback>
           <p:sp>
             <p:nvSpPr>
               <p:cNvPr id="201" name="TextBox 200">
@@ -9529,7 +7285,7 @@
             </p:nvSpPr>
             <p:spPr>
               <a:xfrm>
-                <a:off x="6878941" y="3980403"/>
+                <a:off x="6093853" y="4054294"/>
                 <a:ext cx="1094841" cy="523220"/>
               </a:xfrm>
               <a:prstGeom prst="rect">
@@ -9557,8 +7313,8 @@
           </p:sp>
         </mc:Fallback>
       </mc:AlternateContent>
-      <mc:AlternateContent xmlns:mc="http://schemas.openxmlformats.org/markup-compatibility/2006" xmlns:a14="http://schemas.microsoft.com/office/drawing/2010/main">
-        <mc:Choice Requires="a14">
+      <mc:AlternateContent xmlns:mc="http://schemas.openxmlformats.org/markup-compatibility/2006">
+        <mc:Choice xmlns:a14="http://schemas.microsoft.com/office/drawing/2010/main" Requires="a14">
           <p:sp>
             <p:nvSpPr>
               <p:cNvPr id="202" name="TextBox 201">
@@ -9573,7 +7329,7 @@
             </p:nvSpPr>
             <p:spPr>
               <a:xfrm>
-                <a:off x="6878940" y="3191057"/>
+                <a:off x="6093852" y="3264948"/>
                 <a:ext cx="1094843" cy="523220"/>
               </a:xfrm>
               <a:prstGeom prst="rect">
@@ -9662,7 +7418,7 @@
             </p:txBody>
           </p:sp>
         </mc:Choice>
-        <mc:Fallback xmlns="">
+        <mc:Fallback>
           <p:sp>
             <p:nvSpPr>
               <p:cNvPr id="202" name="TextBox 201">
@@ -9679,7 +7435,7 @@
             </p:nvSpPr>
             <p:spPr>
               <a:xfrm>
-                <a:off x="6878940" y="3191057"/>
+                <a:off x="6093852" y="3264948"/>
                 <a:ext cx="1094843" cy="523220"/>
               </a:xfrm>
               <a:prstGeom prst="rect">
@@ -9721,7 +7477,7 @@
         </p:nvGrpSpPr>
         <p:grpSpPr>
           <a:xfrm>
-            <a:off x="5294667" y="4624398"/>
+            <a:off x="4620413" y="4748997"/>
             <a:ext cx="1435755" cy="516627"/>
             <a:chOff x="8616106" y="5256258"/>
             <a:chExt cx="1149588" cy="516627"/>
@@ -9849,8 +7605,8 @@
             </a:p>
           </p:txBody>
         </p:sp>
-        <mc:AlternateContent xmlns:mc="http://schemas.openxmlformats.org/markup-compatibility/2006" xmlns:a14="http://schemas.microsoft.com/office/drawing/2010/main">
-          <mc:Choice Requires="a14">
+        <mc:AlternateContent xmlns:mc="http://schemas.openxmlformats.org/markup-compatibility/2006">
+          <mc:Choice xmlns:a14="http://schemas.microsoft.com/office/drawing/2010/main" Requires="a14">
             <p:sp>
               <p:nvSpPr>
                 <p:cNvPr id="206" name="Rectangle 205">
@@ -9910,92 +7666,15 @@
                         <m:jc m:val="centerGroup"/>
                       </m:oMathParaPr>
                       <m:oMath xmlns:m="http://schemas.openxmlformats.org/officeDocument/2006/math">
-                        <m:sSub>
-                          <m:sSubPr>
-                            <m:ctrlPr>
-                              <a:rPr lang="en-US" sz="1200" b="1" i="1" dirty="0" smtClean="0">
-                                <a:solidFill>
-                                  <a:sysClr val="windowText" lastClr="000000"/>
-                                </a:solidFill>
-                                <a:latin typeface="Cambria Math" panose="02040503050406030204" pitchFamily="18" charset="0"/>
-                              </a:rPr>
-                            </m:ctrlPr>
-                          </m:sSubPr>
-                          <m:e>
-                            <m:r>
-                              <a:rPr lang="en-US" sz="1200" b="1" i="0" dirty="0" smtClean="0">
-                                <a:solidFill>
-                                  <a:sysClr val="windowText" lastClr="000000"/>
-                                </a:solidFill>
-                                <a:latin typeface="Cambria Math" panose="02040503050406030204" pitchFamily="18" charset="0"/>
-                              </a:rPr>
-                              <m:t>𝐗</m:t>
-                            </m:r>
-                          </m:e>
-                          <m:sub>
-                            <m:r>
-                              <a:rPr lang="en-US" sz="1200" b="1" i="0" dirty="0" smtClean="0">
-                                <a:solidFill>
-                                  <a:sysClr val="windowText" lastClr="000000"/>
-                                </a:solidFill>
-                                <a:latin typeface="Cambria Math" panose="02040503050406030204" pitchFamily="18" charset="0"/>
-                              </a:rPr>
-                              <m:t>𝟏</m:t>
-                            </m:r>
-                          </m:sub>
-                        </m:sSub>
                         <m:r>
-                          <a:rPr lang="en-US" sz="1200" b="1" i="0" dirty="0" smtClean="0">
+                          <a:rPr lang="en-US" sz="1200" b="1">
                             <a:solidFill>
                               <a:sysClr val="windowText" lastClr="000000"/>
                             </a:solidFill>
                             <a:latin typeface="Cambria Math" panose="02040503050406030204" pitchFamily="18" charset="0"/>
                           </a:rPr>
-                          <m:t>,…,</m:t>
+                          <m:t>𝐱</m:t>
                         </m:r>
-                        <m:sSub>
-                          <m:sSubPr>
-                            <m:ctrlPr>
-                              <a:rPr lang="en-US" sz="1200" b="1" i="1" dirty="0">
-                                <a:solidFill>
-                                  <a:sysClr val="windowText" lastClr="000000"/>
-                                </a:solidFill>
-                                <a:latin typeface="Cambria Math" panose="02040503050406030204" pitchFamily="18" charset="0"/>
-                              </a:rPr>
-                            </m:ctrlPr>
-                          </m:sSubPr>
-                          <m:e>
-                            <m:r>
-                              <a:rPr lang="en-US" sz="1200" b="1" i="1" dirty="0">
-                                <a:solidFill>
-                                  <a:sysClr val="windowText" lastClr="000000"/>
-                                </a:solidFill>
-                                <a:latin typeface="Cambria Math" panose="02040503050406030204" pitchFamily="18" charset="0"/>
-                              </a:rPr>
-                              <m:t>𝑿</m:t>
-                            </m:r>
-                          </m:e>
-                          <m:sub>
-                            <m:r>
-                              <a:rPr lang="en-US" sz="1200" b="1" i="1" dirty="0">
-                                <a:solidFill>
-                                  <a:sysClr val="windowText" lastClr="000000"/>
-                                </a:solidFill>
-                                <a:latin typeface="Cambria Math" panose="02040503050406030204" pitchFamily="18" charset="0"/>
-                              </a:rPr>
-                              <m:t>𝟏</m:t>
-                            </m:r>
-                            <m:r>
-                              <a:rPr lang="en-US" sz="1200" b="1" i="1" dirty="0" smtClean="0">
-                                <a:solidFill>
-                                  <a:sysClr val="windowText" lastClr="000000"/>
-                                </a:solidFill>
-                                <a:latin typeface="Cambria Math" panose="02040503050406030204" pitchFamily="18" charset="0"/>
-                              </a:rPr>
-                              <m:t>𝟒</m:t>
-                            </m:r>
-                          </m:sub>
-                        </m:sSub>
                       </m:oMath>
                     </m:oMathPara>
                   </a14:m>
@@ -10008,7 +7687,7 @@
               </p:txBody>
             </p:sp>
           </mc:Choice>
-          <mc:Fallback xmlns="">
+          <mc:Fallback>
             <p:sp>
               <p:nvSpPr>
                 <p:cNvPr id="206" name="Rectangle 205">
@@ -10032,7 +7711,7 @@
                   <a:avLst/>
                 </a:prstGeom>
                 <a:blipFill>
-                  <a:blip r:embed="rId10"/>
+                  <a:blip r:embed="rId5"/>
                   <a:stretch>
                     <a:fillRect/>
                   </a:stretch>
@@ -10073,7 +7752,7 @@
         </p:nvGrpSpPr>
         <p:grpSpPr>
           <a:xfrm>
-            <a:off x="5294667" y="3859764"/>
+            <a:off x="4620413" y="3933655"/>
             <a:ext cx="1435755" cy="563254"/>
             <a:chOff x="8607005" y="4286928"/>
             <a:chExt cx="1030436" cy="563254"/>
@@ -10353,7 +8032,7 @@
         </p:nvGrpSpPr>
         <p:grpSpPr>
           <a:xfrm>
-            <a:off x="5294668" y="3095130"/>
+            <a:off x="4620414" y="3169021"/>
             <a:ext cx="1435755" cy="563254"/>
             <a:chOff x="8678922" y="3475530"/>
             <a:chExt cx="1030439" cy="563254"/>
@@ -10619,8 +8298,8 @@
           </p:txBody>
         </p:sp>
       </p:grpSp>
-      <mc:AlternateContent xmlns:mc="http://schemas.openxmlformats.org/markup-compatibility/2006" xmlns:a14="http://schemas.microsoft.com/office/drawing/2010/main">
-        <mc:Choice Requires="a14">
+      <mc:AlternateContent xmlns:mc="http://schemas.openxmlformats.org/markup-compatibility/2006">
+        <mc:Choice xmlns:a14="http://schemas.microsoft.com/office/drawing/2010/main" Requires="a14">
           <p:sp>
             <p:nvSpPr>
               <p:cNvPr id="214" name="TextBox 213">
@@ -10635,7 +8314,7 @@
             </p:nvSpPr>
             <p:spPr>
               <a:xfrm>
-                <a:off x="3898556" y="4211235"/>
+                <a:off x="3224302" y="4285126"/>
                 <a:ext cx="978028" cy="461665"/>
               </a:xfrm>
               <a:prstGeom prst="rect">
@@ -10701,7 +8380,7 @@
             </p:txBody>
           </p:sp>
         </mc:Choice>
-        <mc:Fallback xmlns="">
+        <mc:Fallback>
           <p:sp>
             <p:nvSpPr>
               <p:cNvPr id="214" name="TextBox 213">
@@ -10718,14 +8397,14 @@
             </p:nvSpPr>
             <p:spPr>
               <a:xfrm>
-                <a:off x="3898556" y="4211235"/>
+                <a:off x="3224302" y="4285126"/>
                 <a:ext cx="978028" cy="461665"/>
               </a:xfrm>
               <a:prstGeom prst="rect">
                 <a:avLst/>
               </a:prstGeom>
               <a:blipFill>
-                <a:blip r:embed="rId11"/>
+                <a:blip r:embed="rId6"/>
                 <a:stretch>
                   <a:fillRect/>
                 </a:stretch>
@@ -10760,7 +8439,7 @@
         </p:nvSpPr>
         <p:spPr>
           <a:xfrm rot="10800000">
-            <a:off x="4871622" y="4240742"/>
+            <a:off x="4197368" y="4314633"/>
             <a:ext cx="205725" cy="389132"/>
           </a:xfrm>
           <a:prstGeom prst="rightBrace">
@@ -10793,8 +8472,8 @@
           </a:p>
         </p:txBody>
       </p:sp>
-      <mc:AlternateContent xmlns:mc="http://schemas.openxmlformats.org/markup-compatibility/2006" xmlns:a14="http://schemas.microsoft.com/office/drawing/2010/main">
-        <mc:Choice Requires="a14">
+      <mc:AlternateContent xmlns:mc="http://schemas.openxmlformats.org/markup-compatibility/2006">
+        <mc:Choice xmlns:a14="http://schemas.microsoft.com/office/drawing/2010/main" Requires="a14">
           <p:sp>
             <p:nvSpPr>
               <p:cNvPr id="221" name="TextBox 220">
@@ -10809,7 +8488,7 @@
             </p:nvSpPr>
             <p:spPr>
               <a:xfrm>
-                <a:off x="3903237" y="3435955"/>
+                <a:off x="3228983" y="3509846"/>
                 <a:ext cx="978028" cy="461665"/>
               </a:xfrm>
               <a:prstGeom prst="rect">
@@ -10877,7 +8556,7 @@
             </p:txBody>
           </p:sp>
         </mc:Choice>
-        <mc:Fallback xmlns="">
+        <mc:Fallback>
           <p:sp>
             <p:nvSpPr>
               <p:cNvPr id="221" name="TextBox 220">
@@ -10894,14 +8573,14 @@
             </p:nvSpPr>
             <p:spPr>
               <a:xfrm>
-                <a:off x="3903237" y="3435955"/>
+                <a:off x="3228983" y="3509846"/>
                 <a:ext cx="978028" cy="461665"/>
               </a:xfrm>
               <a:prstGeom prst="rect">
                 <a:avLst/>
               </a:prstGeom>
               <a:blipFill>
-                <a:blip r:embed="rId12"/>
+                <a:blip r:embed="rId7"/>
                 <a:stretch>
                   <a:fillRect/>
                 </a:stretch>
@@ -10936,7 +8615,7 @@
         </p:nvSpPr>
         <p:spPr>
           <a:xfrm rot="10800000">
-            <a:off x="4893917" y="3474757"/>
+            <a:off x="4219663" y="3548648"/>
             <a:ext cx="205725" cy="389132"/>
           </a:xfrm>
           <a:prstGeom prst="rightBrace">
@@ -10983,7 +8662,7 @@
         </p:nvSpPr>
         <p:spPr>
           <a:xfrm>
-            <a:off x="5294667" y="2511896"/>
+            <a:off x="4620413" y="2585787"/>
             <a:ext cx="1435755" cy="341865"/>
           </a:xfrm>
           <a:prstGeom prst="rect">
@@ -11033,8 +8712,8 @@
           </a:p>
         </p:txBody>
       </p:sp>
-      <mc:AlternateContent xmlns:mc="http://schemas.openxmlformats.org/markup-compatibility/2006" xmlns:a14="http://schemas.microsoft.com/office/drawing/2010/main">
-        <mc:Choice Requires="a14">
+      <mc:AlternateContent xmlns:mc="http://schemas.openxmlformats.org/markup-compatibility/2006">
+        <mc:Choice xmlns:a14="http://schemas.microsoft.com/office/drawing/2010/main" Requires="a14">
           <p:sp>
             <p:nvSpPr>
               <p:cNvPr id="237" name="TextBox 236">
@@ -11049,7 +8728,7 @@
             </p:nvSpPr>
             <p:spPr>
               <a:xfrm>
-                <a:off x="6933456" y="2451995"/>
+                <a:off x="6148368" y="2525886"/>
                 <a:ext cx="985811" cy="523220"/>
               </a:xfrm>
               <a:prstGeom prst="rect">
@@ -11125,7 +8804,7 @@
             </p:txBody>
           </p:sp>
         </mc:Choice>
-        <mc:Fallback xmlns="">
+        <mc:Fallback>
           <p:sp>
             <p:nvSpPr>
               <p:cNvPr id="237" name="TextBox 236">
@@ -11142,14 +8821,14 @@
             </p:nvSpPr>
             <p:spPr>
               <a:xfrm>
-                <a:off x="6933456" y="2451995"/>
+                <a:off x="6148368" y="2525886"/>
                 <a:ext cx="985811" cy="523220"/>
               </a:xfrm>
               <a:prstGeom prst="rect">
                 <a:avLst/>
               </a:prstGeom>
               <a:blipFill>
-                <a:blip r:embed="rId13"/>
+                <a:blip r:embed="rId8"/>
                 <a:stretch>
                   <a:fillRect/>
                 </a:stretch>
@@ -11184,7 +8863,7 @@
         </p:nvSpPr>
         <p:spPr>
           <a:xfrm>
-            <a:off x="5288830" y="1933046"/>
+            <a:off x="4614576" y="2006937"/>
             <a:ext cx="1435755" cy="341865"/>
           </a:xfrm>
           <a:prstGeom prst="rect">
@@ -11229,13 +8908,13 @@
                   <a:schemeClr val="tx1"/>
                 </a:solidFill>
               </a:rPr>
-              <a:t>Linear, ReLU</a:t>
+              <a:t>Linear</a:t>
             </a:r>
           </a:p>
         </p:txBody>
       </p:sp>
-      <mc:AlternateContent xmlns:mc="http://schemas.openxmlformats.org/markup-compatibility/2006" xmlns:a14="http://schemas.microsoft.com/office/drawing/2010/main">
-        <mc:Choice Requires="a14">
+      <mc:AlternateContent xmlns:mc="http://schemas.openxmlformats.org/markup-compatibility/2006">
+        <mc:Choice xmlns:a14="http://schemas.microsoft.com/office/drawing/2010/main" Requires="a14">
           <p:sp>
             <p:nvSpPr>
               <p:cNvPr id="239" name="TextBox 238">
@@ -11250,7 +8929,7 @@
             </p:nvSpPr>
             <p:spPr>
               <a:xfrm>
-                <a:off x="6933456" y="1851631"/>
+                <a:off x="6148368" y="1925522"/>
                 <a:ext cx="985811" cy="523220"/>
               </a:xfrm>
               <a:prstGeom prst="rect">
@@ -11326,7 +9005,7 @@
             </p:txBody>
           </p:sp>
         </mc:Choice>
-        <mc:Fallback xmlns="">
+        <mc:Fallback>
           <p:sp>
             <p:nvSpPr>
               <p:cNvPr id="239" name="TextBox 238">
@@ -11343,14 +9022,14 @@
             </p:nvSpPr>
             <p:spPr>
               <a:xfrm>
-                <a:off x="6933456" y="1851631"/>
+                <a:off x="6148368" y="1925522"/>
                 <a:ext cx="985811" cy="523220"/>
               </a:xfrm>
               <a:prstGeom prst="rect">
                 <a:avLst/>
               </a:prstGeom>
               <a:blipFill>
-                <a:blip r:embed="rId14"/>
+                <a:blip r:embed="rId9"/>
                 <a:stretch>
                   <a:fillRect/>
                 </a:stretch>
@@ -11371,8 +9050,8 @@
           </p:sp>
         </mc:Fallback>
       </mc:AlternateContent>
-      <mc:AlternateContent xmlns:mc="http://schemas.openxmlformats.org/markup-compatibility/2006" xmlns:a14="http://schemas.microsoft.com/office/drawing/2010/main">
-        <mc:Choice Requires="a14">
+      <mc:AlternateContent xmlns:mc="http://schemas.openxmlformats.org/markup-compatibility/2006">
+        <mc:Choice xmlns:a14="http://schemas.microsoft.com/office/drawing/2010/main" Requires="a14">
           <p:sp>
             <p:nvSpPr>
               <p:cNvPr id="240" name="TextBox 239">
@@ -11387,21 +9066,18 @@
             </p:nvSpPr>
             <p:spPr>
               <a:xfrm>
-                <a:off x="5288829" y="1394477"/>
+                <a:off x="4614575" y="1442966"/>
                 <a:ext cx="1435756" cy="276999"/>
               </a:xfrm>
               <a:prstGeom prst="rect">
                 <a:avLst/>
               </a:prstGeom>
               <a:solidFill>
-                <a:schemeClr val="accent6">
-                  <a:lumMod val="20000"/>
-                  <a:lumOff val="80000"/>
-                </a:schemeClr>
+                <a:srgbClr val="FFFF99"/>
               </a:solidFill>
               <a:ln>
                 <a:solidFill>
-                  <a:schemeClr val="accent6"/>
+                  <a:srgbClr val="FFCC66"/>
                 </a:solidFill>
               </a:ln>
             </p:spPr>
@@ -11418,56 +9094,12 @@
                       <m:jc m:val="centerGroup"/>
                     </m:oMathParaPr>
                     <m:oMath xmlns:m="http://schemas.openxmlformats.org/officeDocument/2006/math">
-                      <m:d>
-                        <m:dPr>
-                          <m:begChr m:val="⟨"/>
-                          <m:endChr m:val="⟩"/>
-                          <m:ctrlPr>
-                            <a:rPr lang="en-US" sz="1200" b="1" i="1" smtClean="0">
-                              <a:latin typeface="Cambria Math" panose="02040503050406030204" pitchFamily="18" charset="0"/>
-                            </a:rPr>
-                          </m:ctrlPr>
-                        </m:dPr>
-                        <m:e>
-                          <m:sSub>
-                            <m:sSubPr>
-                              <m:ctrlPr>
-                                <a:rPr lang="en-US" sz="1200" b="1" i="1">
-                                  <a:latin typeface="Cambria Math" panose="02040503050406030204" pitchFamily="18" charset="0"/>
-                                </a:rPr>
-                              </m:ctrlPr>
-                            </m:sSubPr>
-                            <m:e>
-                              <m:r>
-                                <a:rPr lang="en-US" sz="1200" b="1" i="0" smtClean="0">
-                                  <a:latin typeface="Cambria Math" panose="02040503050406030204" pitchFamily="18" charset="0"/>
-                                </a:rPr>
-                                <m:t>𝐑</m:t>
-                              </m:r>
-                            </m:e>
-                            <m:sub>
-                              <m:r>
-                                <a:rPr lang="en-US" sz="1200" b="1" i="0" smtClean="0">
-                                  <a:latin typeface="Cambria Math" panose="02040503050406030204" pitchFamily="18" charset="0"/>
-                                </a:rPr>
-                                <m:t>𝐈</m:t>
-                              </m:r>
-                            </m:sub>
-                          </m:sSub>
-                          <m:r>
-                            <a:rPr lang="en-US" sz="1200" b="1" i="0" smtClean="0">
-                              <a:latin typeface="Cambria Math" panose="02040503050406030204" pitchFamily="18" charset="0"/>
-                            </a:rPr>
-                            <m:t> </m:t>
-                          </m:r>
-                          <m:r>
-                            <a:rPr lang="en-US" sz="1200" b="1" i="0" smtClean="0">
-                              <a:latin typeface="Cambria Math" panose="02040503050406030204" pitchFamily="18" charset="0"/>
-                            </a:rPr>
-                            <m:t>𝐃𝐨𝐋𝐏</m:t>
-                          </m:r>
-                        </m:e>
-                      </m:d>
+                      <m:r>
+                        <a:rPr lang="en-US" sz="1200" b="1">
+                          <a:latin typeface="Cambria Math" panose="02040503050406030204" pitchFamily="18" charset="0"/>
+                        </a:rPr>
+                        <m:t>𝐲</m:t>
+                      </m:r>
                     </m:oMath>
                   </m:oMathPara>
                 </a14:m>
@@ -11476,7 +9108,7 @@
             </p:txBody>
           </p:sp>
         </mc:Choice>
-        <mc:Fallback xmlns="">
+        <mc:Fallback>
           <p:sp>
             <p:nvSpPr>
               <p:cNvPr id="240" name="TextBox 239">
@@ -11493,21 +9125,21 @@
             </p:nvSpPr>
             <p:spPr>
               <a:xfrm>
-                <a:off x="5288829" y="1394477"/>
+                <a:off x="4614575" y="1442966"/>
                 <a:ext cx="1435756" cy="276999"/>
               </a:xfrm>
               <a:prstGeom prst="rect">
                 <a:avLst/>
               </a:prstGeom>
               <a:blipFill>
-                <a:blip r:embed="rId15"/>
+                <a:blip r:embed="rId10"/>
                 <a:stretch>
                   <a:fillRect/>
                 </a:stretch>
               </a:blipFill>
               <a:ln>
                 <a:solidFill>
-                  <a:schemeClr val="accent6"/>
+                  <a:srgbClr val="FFCC66"/>
                 </a:solidFill>
               </a:ln>
             </p:spPr>
@@ -11542,7 +9174,7 @@
         </p:nvCxnSpPr>
         <p:spPr>
           <a:xfrm flipV="1">
-            <a:off x="6142636" y="2281512"/>
+            <a:off x="5468382" y="2355403"/>
             <a:ext cx="0" cy="230792"/>
           </a:xfrm>
           <a:prstGeom prst="straightConnector1">
@@ -11583,7 +9215,7 @@
         </p:nvCxnSpPr>
         <p:spPr>
           <a:xfrm flipV="1">
-            <a:off x="6142636" y="1702254"/>
+            <a:off x="5468382" y="1776145"/>
             <a:ext cx="0" cy="230792"/>
           </a:xfrm>
           <a:prstGeom prst="straightConnector1">
@@ -11608,8 +9240,8 @@
           </a:fontRef>
         </p:style>
       </p:cxnSp>
-      <mc:AlternateContent xmlns:mc="http://schemas.openxmlformats.org/markup-compatibility/2006" xmlns:a14="http://schemas.microsoft.com/office/drawing/2010/main">
-        <mc:Choice Requires="a14">
+      <mc:AlternateContent xmlns:mc="http://schemas.openxmlformats.org/markup-compatibility/2006">
+        <mc:Choice xmlns:a14="http://schemas.microsoft.com/office/drawing/2010/main" Requires="a14">
           <p:sp>
             <p:nvSpPr>
               <p:cNvPr id="248" name="TextBox 247">
@@ -11624,7 +9256,7 @@
             </p:nvSpPr>
             <p:spPr>
               <a:xfrm>
-                <a:off x="6933456" y="1345057"/>
+                <a:off x="6148368" y="1418948"/>
                 <a:ext cx="985811" cy="523220"/>
               </a:xfrm>
               <a:prstGeom prst="rect">
@@ -11681,7 +9313,7 @@
             </p:txBody>
           </p:sp>
         </mc:Choice>
-        <mc:Fallback xmlns="">
+        <mc:Fallback>
           <p:sp>
             <p:nvSpPr>
               <p:cNvPr id="248" name="TextBox 247">
@@ -11698,14 +9330,14 @@
             </p:nvSpPr>
             <p:spPr>
               <a:xfrm>
-                <a:off x="6933456" y="1345057"/>
+                <a:off x="6148368" y="1418948"/>
                 <a:ext cx="985811" cy="523220"/>
               </a:xfrm>
               <a:prstGeom prst="rect">
                 <a:avLst/>
               </a:prstGeom>
               <a:blipFill>
-                <a:blip r:embed="rId16"/>
+                <a:blip r:embed="rId11"/>
                 <a:stretch>
                   <a:fillRect/>
                 </a:stretch>
@@ -11740,7 +9372,7 @@
         </p:nvSpPr>
         <p:spPr>
           <a:xfrm rot="1800000">
-            <a:off x="5296392" y="3421845"/>
+            <a:off x="4622138" y="3495736"/>
             <a:ext cx="293670" cy="246221"/>
           </a:xfrm>
           <a:prstGeom prst="rect">
@@ -11775,7 +9407,7 @@
         </p:nvSpPr>
         <p:spPr>
           <a:xfrm rot="1800000">
-            <a:off x="5290041" y="4184826"/>
+            <a:off x="4615787" y="4258717"/>
             <a:ext cx="293670" cy="246221"/>
           </a:xfrm>
           <a:prstGeom prst="rect">
@@ -11796,48 +9428,1649 @@
           </a:p>
         </p:txBody>
       </p:sp>
-    </p:spTree>
-    <p:extLst>
-      <p:ext uri="{BB962C8B-B14F-4D97-AF65-F5344CB8AC3E}">
-        <p14:creationId xmlns:p14="http://schemas.microsoft.com/office/powerpoint/2010/main" val="102800989"/>
-      </p:ext>
-    </p:extLst>
-  </p:cSld>
-  <p:clrMapOvr>
-    <a:masterClrMapping/>
-  </p:clrMapOvr>
-</p:sld>
-</file>
-
-<file path=ppt/slides/slide6.xml><?xml version="1.0" encoding="utf-8"?>
-<p:sld xmlns:a="http://schemas.openxmlformats.org/drawingml/2006/main" xmlns:r="http://schemas.openxmlformats.org/officeDocument/2006/relationships" xmlns:p="http://schemas.openxmlformats.org/presentationml/2006/main">
-  <p:cSld>
-    <p:spTree>
-      <p:nvGrpSpPr>
-        <p:cNvPr id="1" name="">
-          <a:extLst>
-            <a:ext uri="{FF2B5EF4-FFF2-40B4-BE49-F238E27FC236}">
-              <a16:creationId xmlns:a16="http://schemas.microsoft.com/office/drawing/2014/main" id="{174DBD13-B5C1-491C-6884-BB5E17D57DB2}"/>
-            </a:ext>
-          </a:extLst>
-        </p:cNvPr>
-        <p:cNvGrpSpPr/>
-        <p:nvPr/>
-      </p:nvGrpSpPr>
-      <p:grpSpPr>
-        <a:xfrm>
-          <a:off x="0" y="0"/>
-          <a:ext cx="0" cy="0"/>
-          <a:chOff x="0" y="0"/>
-          <a:chExt cx="0" cy="0"/>
-        </a:xfrm>
-      </p:grpSpPr>
+      <p:cxnSp>
+        <p:nvCxnSpPr>
+          <p:cNvPr id="4" name="Straight Arrow Connector 3">
+            <a:extLst>
+              <a:ext uri="{FF2B5EF4-FFF2-40B4-BE49-F238E27FC236}">
+                <a16:creationId xmlns:a16="http://schemas.microsoft.com/office/drawing/2014/main" id="{7586B636-1418-04BA-7935-A8CFF39DDF27}"/>
+              </a:ext>
+            </a:extLst>
+          </p:cNvPr>
+          <p:cNvCxnSpPr>
+            <a:cxnSpLocks/>
+            <a:stCxn id="7" idx="0"/>
+            <a:endCxn id="18" idx="2"/>
+          </p:cNvCxnSpPr>
+          <p:nvPr/>
+        </p:nvCxnSpPr>
+        <p:spPr>
+          <a:xfrm flipV="1">
+            <a:off x="1232584" y="4548310"/>
+            <a:ext cx="1" cy="341843"/>
+          </a:xfrm>
+          <a:prstGeom prst="straightConnector1">
+            <a:avLst/>
+          </a:prstGeom>
+          <a:ln>
+            <a:solidFill>
+              <a:srgbClr val="00B050"/>
+            </a:solidFill>
+            <a:tailEnd type="triangle"/>
+          </a:ln>
+        </p:spPr>
+        <p:style>
+          <a:lnRef idx="2">
+            <a:schemeClr val="accent1"/>
+          </a:lnRef>
+          <a:fillRef idx="0">
+            <a:schemeClr val="accent1"/>
+          </a:fillRef>
+          <a:effectRef idx="1">
+            <a:schemeClr val="accent1"/>
+          </a:effectRef>
+          <a:fontRef idx="minor">
+            <a:schemeClr val="tx1"/>
+          </a:fontRef>
+        </p:style>
+      </p:cxnSp>
+      <p:grpSp>
+        <p:nvGrpSpPr>
+          <p:cNvPr id="5" name="Group 4">
+            <a:extLst>
+              <a:ext uri="{FF2B5EF4-FFF2-40B4-BE49-F238E27FC236}">
+                <a16:creationId xmlns:a16="http://schemas.microsoft.com/office/drawing/2014/main" id="{B144DA65-9819-2525-D99F-725C90D29163}"/>
+              </a:ext>
+            </a:extLst>
+          </p:cNvPr>
+          <p:cNvGrpSpPr/>
+          <p:nvPr/>
+        </p:nvGrpSpPr>
+        <p:grpSpPr>
+          <a:xfrm>
+            <a:off x="594796" y="4816294"/>
+            <a:ext cx="2312912" cy="523220"/>
+            <a:chOff x="5371838" y="4281366"/>
+            <a:chExt cx="2312912" cy="523220"/>
+          </a:xfrm>
+        </p:grpSpPr>
+        <mc:AlternateContent xmlns:mc="http://schemas.openxmlformats.org/markup-compatibility/2006" xmlns:a14="http://schemas.microsoft.com/office/drawing/2010/main">
+          <mc:Choice Requires="a14">
+            <p:sp>
+              <p:nvSpPr>
+                <p:cNvPr id="6" name="TextBox 5">
+                  <a:extLst>
+                    <a:ext uri="{FF2B5EF4-FFF2-40B4-BE49-F238E27FC236}">
+                      <a16:creationId xmlns:a16="http://schemas.microsoft.com/office/drawing/2014/main" id="{32864936-6016-1093-C576-C90F509338F2}"/>
+                    </a:ext>
+                  </a:extLst>
+                </p:cNvPr>
+                <p:cNvSpPr txBox="1"/>
+                <p:nvPr/>
+              </p:nvSpPr>
+              <p:spPr>
+                <a:xfrm>
+                  <a:off x="6799788" y="4281366"/>
+                  <a:ext cx="884962" cy="523220"/>
+                </a:xfrm>
+                <a:prstGeom prst="rect">
+                  <a:avLst/>
+                </a:prstGeom>
+                <a:noFill/>
+              </p:spPr>
+              <p:txBody>
+                <a:bodyPr wrap="square" rtlCol="0">
+                  <a:spAutoFit/>
+                </a:bodyPr>
+                <a:lstStyle/>
+                <a:p>
+                  <a:pPr/>
+                  <a14:m>
+                    <m:oMathPara xmlns:m="http://schemas.openxmlformats.org/officeDocument/2006/math">
+                      <m:oMathParaPr>
+                        <m:jc m:val="centerGroup"/>
+                      </m:oMathParaPr>
+                      <m:oMath xmlns:m="http://schemas.openxmlformats.org/officeDocument/2006/math">
+                        <m:r>
+                          <m:rPr>
+                            <m:sty m:val="p"/>
+                          </m:rPr>
+                          <a:rPr lang="en-US" sz="1400" b="0" i="0" smtClean="0">
+                            <a:latin typeface="Cambria Math" panose="02040503050406030204" pitchFamily="18" charset="0"/>
+                          </a:rPr>
+                          <m:t>Input</m:t>
+                        </m:r>
+                      </m:oMath>
+                    </m:oMathPara>
+                  </a14:m>
+                  <a:endParaRPr lang="en-US" sz="1400" b="0" dirty="0">
+                    <a:latin typeface="Cambria Math" panose="02040503050406030204" pitchFamily="18" charset="0"/>
+                  </a:endParaRPr>
+                </a:p>
+                <a:p>
+                  <a:pPr/>
+                  <a14:m>
+                    <m:oMathPara xmlns:m="http://schemas.openxmlformats.org/officeDocument/2006/math">
+                      <m:oMathParaPr>
+                        <m:jc m:val="centerGroup"/>
+                      </m:oMathParaPr>
+                      <m:oMath xmlns:m="http://schemas.openxmlformats.org/officeDocument/2006/math">
+                        <m:d>
+                          <m:dPr>
+                            <m:ctrlPr>
+                              <a:rPr lang="en-US" sz="1400" b="0" i="1" smtClean="0">
+                                <a:latin typeface="Cambria Math" panose="02040503050406030204" pitchFamily="18" charset="0"/>
+                              </a:rPr>
+                            </m:ctrlPr>
+                          </m:dPr>
+                          <m:e>
+                            <m:r>
+                              <a:rPr lang="en-US" sz="1400" b="0" i="1" smtClean="0">
+                                <a:latin typeface="Cambria Math" panose="02040503050406030204" pitchFamily="18" charset="0"/>
+                              </a:rPr>
+                              <m:t>14 </m:t>
+                            </m:r>
+                          </m:e>
+                        </m:d>
+                      </m:oMath>
+                    </m:oMathPara>
+                  </a14:m>
+                  <a:endParaRPr lang="en-US" sz="1400" dirty="0"/>
+                </a:p>
+              </p:txBody>
+            </p:sp>
+          </mc:Choice>
+          <mc:Fallback xmlns="">
+            <p:sp>
+              <p:nvSpPr>
+                <p:cNvPr id="5" name="TextBox 4">
+                  <a:extLst>
+                    <a:ext uri="{FF2B5EF4-FFF2-40B4-BE49-F238E27FC236}">
+                      <a16:creationId xmlns:a16="http://schemas.microsoft.com/office/drawing/2014/main" id="{C1365514-C46B-782D-8733-4113A0EC8637}"/>
+                    </a:ext>
+                  </a:extLst>
+                </p:cNvPr>
+                <p:cNvSpPr txBox="1">
+                  <a:spLocks noRot="1" noChangeAspect="1" noMove="1" noResize="1" noEditPoints="1" noAdjustHandles="1" noChangeArrowheads="1" noChangeShapeType="1" noTextEdit="1"/>
+                </p:cNvSpPr>
+                <p:nvPr/>
+              </p:nvSpPr>
+              <p:spPr>
+                <a:xfrm>
+                  <a:off x="6799788" y="4281366"/>
+                  <a:ext cx="884962" cy="523220"/>
+                </a:xfrm>
+                <a:prstGeom prst="rect">
+                  <a:avLst/>
+                </a:prstGeom>
+                <a:blipFill>
+                  <a:blip r:embed="rId12"/>
+                  <a:stretch>
+                    <a:fillRect/>
+                  </a:stretch>
+                </a:blipFill>
+              </p:spPr>
+              <p:txBody>
+                <a:bodyPr/>
+                <a:lstStyle/>
+                <a:p>
+                  <a:r>
+                    <a:rPr lang="en-US">
+                      <a:noFill/>
+                    </a:rPr>
+                    <a:t> </a:t>
+                  </a:r>
+                </a:p>
+              </p:txBody>
+            </p:sp>
+          </mc:Fallback>
+        </mc:AlternateContent>
+        <mc:AlternateContent xmlns:mc="http://schemas.openxmlformats.org/markup-compatibility/2006">
+          <mc:Choice xmlns:a14="http://schemas.microsoft.com/office/drawing/2010/main" Requires="a14">
+            <p:sp>
+              <p:nvSpPr>
+                <p:cNvPr id="7" name="Rectangle 6">
+                  <a:extLst>
+                    <a:ext uri="{FF2B5EF4-FFF2-40B4-BE49-F238E27FC236}">
+                      <a16:creationId xmlns:a16="http://schemas.microsoft.com/office/drawing/2014/main" id="{A92502E5-7085-8091-EF79-F800332E1F66}"/>
+                    </a:ext>
+                  </a:extLst>
+                </p:cNvPr>
+                <p:cNvSpPr/>
+                <p:nvPr/>
+              </p:nvSpPr>
+              <p:spPr>
+                <a:xfrm>
+                  <a:off x="5371838" y="4355225"/>
+                  <a:ext cx="1275576" cy="375503"/>
+                </a:xfrm>
+                <a:prstGeom prst="rect">
+                  <a:avLst/>
+                </a:prstGeom>
+                <a:solidFill>
+                  <a:schemeClr val="accent3">
+                    <a:lumMod val="20000"/>
+                    <a:lumOff val="80000"/>
+                  </a:schemeClr>
+                </a:solidFill>
+                <a:ln>
+                  <a:solidFill>
+                    <a:srgbClr val="00B050"/>
+                  </a:solidFill>
+                </a:ln>
+              </p:spPr>
+              <p:style>
+                <a:lnRef idx="2">
+                  <a:schemeClr val="accent1">
+                    <a:shade val="15000"/>
+                  </a:schemeClr>
+                </a:lnRef>
+                <a:fillRef idx="1">
+                  <a:schemeClr val="accent1"/>
+                </a:fillRef>
+                <a:effectRef idx="0">
+                  <a:schemeClr val="accent1"/>
+                </a:effectRef>
+                <a:fontRef idx="minor">
+                  <a:schemeClr val="lt1"/>
+                </a:fontRef>
+              </p:style>
+              <p:txBody>
+                <a:bodyPr rtlCol="0" anchor="ctr"/>
+                <a:lstStyle/>
+                <a:p>
+                  <a:pPr algn="ctr"/>
+                  <a14:m>
+                    <m:oMathPara xmlns:m="http://schemas.openxmlformats.org/officeDocument/2006/math">
+                      <m:oMathParaPr>
+                        <m:jc m:val="centerGroup"/>
+                      </m:oMathParaPr>
+                      <m:oMath xmlns:m="http://schemas.openxmlformats.org/officeDocument/2006/math">
+                        <m:r>
+                          <a:rPr lang="en-US" sz="1200" b="1" i="0" smtClean="0">
+                            <a:solidFill>
+                              <a:sysClr val="windowText" lastClr="000000"/>
+                            </a:solidFill>
+                            <a:latin typeface="Cambria Math" panose="02040503050406030204" pitchFamily="18" charset="0"/>
+                          </a:rPr>
+                          <m:t>𝐱</m:t>
+                        </m:r>
+                      </m:oMath>
+                    </m:oMathPara>
+                  </a14:m>
+                  <a:endParaRPr lang="en-US" sz="1200" b="1" dirty="0">
+                    <a:solidFill>
+                      <a:sysClr val="windowText" lastClr="000000"/>
+                    </a:solidFill>
+                  </a:endParaRPr>
+                </a:p>
+              </p:txBody>
+            </p:sp>
+          </mc:Choice>
+          <mc:Fallback>
+            <p:sp>
+              <p:nvSpPr>
+                <p:cNvPr id="7" name="Rectangle 6">
+                  <a:extLst>
+                    <a:ext uri="{FF2B5EF4-FFF2-40B4-BE49-F238E27FC236}">
+                      <a16:creationId xmlns:a16="http://schemas.microsoft.com/office/drawing/2014/main" id="{A92502E5-7085-8091-EF79-F800332E1F66}"/>
+                    </a:ext>
+                  </a:extLst>
+                </p:cNvPr>
+                <p:cNvSpPr>
+                  <a:spLocks noRot="1" noChangeAspect="1" noMove="1" noResize="1" noEditPoints="1" noAdjustHandles="1" noChangeArrowheads="1" noChangeShapeType="1" noTextEdit="1"/>
+                </p:cNvSpPr>
+                <p:nvPr/>
+              </p:nvSpPr>
+              <p:spPr>
+                <a:xfrm>
+                  <a:off x="5371838" y="4355225"/>
+                  <a:ext cx="1275576" cy="375503"/>
+                </a:xfrm>
+                <a:prstGeom prst="rect">
+                  <a:avLst/>
+                </a:prstGeom>
+                <a:blipFill>
+                  <a:blip r:embed="rId13"/>
+                  <a:stretch>
+                    <a:fillRect/>
+                  </a:stretch>
+                </a:blipFill>
+                <a:ln>
+                  <a:solidFill>
+                    <a:srgbClr val="00B050"/>
+                  </a:solidFill>
+                </a:ln>
+              </p:spPr>
+              <p:txBody>
+                <a:bodyPr/>
+                <a:lstStyle/>
+                <a:p>
+                  <a:r>
+                    <a:rPr lang="en-US">
+                      <a:noFill/>
+                    </a:rPr>
+                    <a:t> </a:t>
+                  </a:r>
+                </a:p>
+              </p:txBody>
+            </p:sp>
+          </mc:Fallback>
+        </mc:AlternateContent>
+      </p:grpSp>
+      <p:grpSp>
+        <p:nvGrpSpPr>
+          <p:cNvPr id="8" name="Group 7">
+            <a:extLst>
+              <a:ext uri="{FF2B5EF4-FFF2-40B4-BE49-F238E27FC236}">
+                <a16:creationId xmlns:a16="http://schemas.microsoft.com/office/drawing/2014/main" id="{91C794FE-D7D7-E797-C4C6-7C74303E60B7}"/>
+              </a:ext>
+            </a:extLst>
+          </p:cNvPr>
+          <p:cNvGrpSpPr/>
+          <p:nvPr/>
+        </p:nvGrpSpPr>
+        <p:grpSpPr>
+          <a:xfrm>
+            <a:off x="514707" y="2014186"/>
+            <a:ext cx="2443426" cy="523220"/>
+            <a:chOff x="5291749" y="1848950"/>
+            <a:chExt cx="2443426" cy="523220"/>
+          </a:xfrm>
+        </p:grpSpPr>
+        <p:sp>
+          <p:nvSpPr>
+            <p:cNvPr id="9" name="Rectangle 8">
+              <a:extLst>
+                <a:ext uri="{FF2B5EF4-FFF2-40B4-BE49-F238E27FC236}">
+                  <a16:creationId xmlns:a16="http://schemas.microsoft.com/office/drawing/2014/main" id="{4B868E5A-226D-44D5-4422-8D8FA93492BD}"/>
+                </a:ext>
+              </a:extLst>
+            </p:cNvPr>
+            <p:cNvSpPr/>
+            <p:nvPr/>
+          </p:nvSpPr>
+          <p:spPr>
+            <a:xfrm>
+              <a:off x="5291749" y="1939628"/>
+              <a:ext cx="1435755" cy="341865"/>
+            </a:xfrm>
+            <a:prstGeom prst="rect">
+              <a:avLst/>
+            </a:prstGeom>
+            <a:solidFill>
+              <a:schemeClr val="accent2">
+                <a:lumMod val="20000"/>
+                <a:lumOff val="80000"/>
+              </a:schemeClr>
+            </a:solidFill>
+            <a:ln>
+              <a:solidFill>
+                <a:schemeClr val="accent2"/>
+              </a:solidFill>
+            </a:ln>
+          </p:spPr>
+          <p:style>
+            <a:lnRef idx="2">
+              <a:schemeClr val="accent1">
+                <a:shade val="15000"/>
+              </a:schemeClr>
+            </a:lnRef>
+            <a:fillRef idx="1">
+              <a:schemeClr val="accent1"/>
+            </a:fillRef>
+            <a:effectRef idx="0">
+              <a:schemeClr val="accent1"/>
+            </a:effectRef>
+            <a:fontRef idx="minor">
+              <a:schemeClr val="lt1"/>
+            </a:fontRef>
+          </p:style>
+          <p:txBody>
+            <a:bodyPr rtlCol="0" anchor="ctr"/>
+            <a:lstStyle/>
+            <a:p>
+              <a:pPr algn="ctr"/>
+              <a:r>
+                <a:rPr lang="en-US" sz="1200" b="1" dirty="0">
+                  <a:solidFill>
+                    <a:schemeClr val="tx1"/>
+                  </a:solidFill>
+                </a:rPr>
+                <a:t>Linear</a:t>
+              </a:r>
+            </a:p>
+          </p:txBody>
+        </p:sp>
+        <mc:AlternateContent xmlns:mc="http://schemas.openxmlformats.org/markup-compatibility/2006" xmlns:a14="http://schemas.microsoft.com/office/drawing/2010/main">
+          <mc:Choice Requires="a14">
+            <p:sp>
+              <p:nvSpPr>
+                <p:cNvPr id="10" name="TextBox 9">
+                  <a:extLst>
+                    <a:ext uri="{FF2B5EF4-FFF2-40B4-BE49-F238E27FC236}">
+                      <a16:creationId xmlns:a16="http://schemas.microsoft.com/office/drawing/2014/main" id="{85F766A6-452F-C68F-A1B1-615911F1E347}"/>
+                    </a:ext>
+                  </a:extLst>
+                </p:cNvPr>
+                <p:cNvSpPr txBox="1"/>
+                <p:nvPr/>
+              </p:nvSpPr>
+              <p:spPr>
+                <a:xfrm>
+                  <a:off x="6749364" y="1848950"/>
+                  <a:ext cx="985811" cy="523220"/>
+                </a:xfrm>
+                <a:prstGeom prst="rect">
+                  <a:avLst/>
+                </a:prstGeom>
+                <a:noFill/>
+              </p:spPr>
+              <p:txBody>
+                <a:bodyPr wrap="square" rtlCol="0">
+                  <a:spAutoFit/>
+                </a:bodyPr>
+                <a:lstStyle/>
+                <a:p>
+                  <a:pPr/>
+                  <a14:m>
+                    <m:oMathPara xmlns:m="http://schemas.openxmlformats.org/officeDocument/2006/math">
+                      <m:oMathParaPr>
+                        <m:jc m:val="centerGroup"/>
+                      </m:oMathParaPr>
+                      <m:oMath xmlns:m="http://schemas.openxmlformats.org/officeDocument/2006/math">
+                        <m:r>
+                          <m:rPr>
+                            <m:sty m:val="p"/>
+                          </m:rPr>
+                          <a:rPr lang="en-US" sz="1400" b="0" i="0" smtClean="0">
+                            <a:latin typeface="Cambria Math" panose="02040503050406030204" pitchFamily="18" charset="0"/>
+                          </a:rPr>
+                          <m:t>Linear</m:t>
+                        </m:r>
+                        <m:r>
+                          <a:rPr lang="en-US" sz="1400" b="0" i="0" smtClean="0">
+                            <a:latin typeface="Cambria Math" panose="02040503050406030204" pitchFamily="18" charset="0"/>
+                          </a:rPr>
+                          <m:t>_4</m:t>
+                        </m:r>
+                      </m:oMath>
+                    </m:oMathPara>
+                  </a14:m>
+                  <a:endParaRPr lang="en-US" sz="1400" b="0" dirty="0">
+                    <a:latin typeface="Cambria Math" panose="02040503050406030204" pitchFamily="18" charset="0"/>
+                  </a:endParaRPr>
+                </a:p>
+                <a:p>
+                  <a:pPr/>
+                  <a14:m>
+                    <m:oMathPara xmlns:m="http://schemas.openxmlformats.org/officeDocument/2006/math">
+                      <m:oMathParaPr>
+                        <m:jc m:val="centerGroup"/>
+                      </m:oMathParaPr>
+                      <m:oMath xmlns:m="http://schemas.openxmlformats.org/officeDocument/2006/math">
+                        <m:d>
+                          <m:dPr>
+                            <m:ctrlPr>
+                              <a:rPr lang="en-US" sz="1400" b="0" i="1" smtClean="0">
+                                <a:latin typeface="Cambria Math" panose="02040503050406030204" pitchFamily="18" charset="0"/>
+                              </a:rPr>
+                            </m:ctrlPr>
+                          </m:dPr>
+                          <m:e>
+                            <m:r>
+                              <a:rPr lang="en-US" sz="1400" b="0" i="1" smtClean="0">
+                                <a:latin typeface="Cambria Math" panose="02040503050406030204" pitchFamily="18" charset="0"/>
+                              </a:rPr>
+                              <m:t>256</m:t>
+                            </m:r>
+                          </m:e>
+                        </m:d>
+                      </m:oMath>
+                    </m:oMathPara>
+                  </a14:m>
+                  <a:endParaRPr lang="en-US" sz="1400" dirty="0"/>
+                </a:p>
+              </p:txBody>
+            </p:sp>
+          </mc:Choice>
+          <mc:Fallback xmlns="">
+            <p:sp>
+              <p:nvSpPr>
+                <p:cNvPr id="29" name="TextBox 28">
+                  <a:extLst>
+                    <a:ext uri="{FF2B5EF4-FFF2-40B4-BE49-F238E27FC236}">
+                      <a16:creationId xmlns:a16="http://schemas.microsoft.com/office/drawing/2014/main" id="{97C1F9EA-F8ED-0E81-2EAB-9E83358886A7}"/>
+                    </a:ext>
+                  </a:extLst>
+                </p:cNvPr>
+                <p:cNvSpPr txBox="1">
+                  <a:spLocks noRot="1" noChangeAspect="1" noMove="1" noResize="1" noEditPoints="1" noAdjustHandles="1" noChangeArrowheads="1" noChangeShapeType="1" noTextEdit="1"/>
+                </p:cNvSpPr>
+                <p:nvPr/>
+              </p:nvSpPr>
+              <p:spPr>
+                <a:xfrm>
+                  <a:off x="6749364" y="1848950"/>
+                  <a:ext cx="985811" cy="523220"/>
+                </a:xfrm>
+                <a:prstGeom prst="rect">
+                  <a:avLst/>
+                </a:prstGeom>
+                <a:blipFill>
+                  <a:blip r:embed="rId14"/>
+                  <a:stretch>
+                    <a:fillRect/>
+                  </a:stretch>
+                </a:blipFill>
+              </p:spPr>
+              <p:txBody>
+                <a:bodyPr/>
+                <a:lstStyle/>
+                <a:p>
+                  <a:r>
+                    <a:rPr lang="en-US">
+                      <a:noFill/>
+                    </a:rPr>
+                    <a:t> </a:t>
+                  </a:r>
+                </a:p>
+              </p:txBody>
+            </p:sp>
+          </mc:Fallback>
+        </mc:AlternateContent>
+      </p:grpSp>
+      <p:cxnSp>
+        <p:nvCxnSpPr>
+          <p:cNvPr id="11" name="Straight Arrow Connector 10">
+            <a:extLst>
+              <a:ext uri="{FF2B5EF4-FFF2-40B4-BE49-F238E27FC236}">
+                <a16:creationId xmlns:a16="http://schemas.microsoft.com/office/drawing/2014/main" id="{4D0456A8-844F-A262-7C60-CABD5066400A}"/>
+              </a:ext>
+            </a:extLst>
+          </p:cNvPr>
+          <p:cNvCxnSpPr>
+            <a:cxnSpLocks/>
+            <a:stCxn id="26" idx="0"/>
+            <a:endCxn id="9" idx="2"/>
+          </p:cNvCxnSpPr>
+          <p:nvPr/>
+        </p:nvCxnSpPr>
+        <p:spPr>
+          <a:xfrm flipV="1">
+            <a:off x="1232585" y="2446729"/>
+            <a:ext cx="0" cy="358662"/>
+          </a:xfrm>
+          <a:prstGeom prst="straightConnector1">
+            <a:avLst/>
+          </a:prstGeom>
+          <a:ln>
+            <a:tailEnd type="triangle"/>
+          </a:ln>
+        </p:spPr>
+        <p:style>
+          <a:lnRef idx="1">
+            <a:schemeClr val="accent2"/>
+          </a:lnRef>
+          <a:fillRef idx="0">
+            <a:schemeClr val="accent2"/>
+          </a:fillRef>
+          <a:effectRef idx="0">
+            <a:schemeClr val="accent2"/>
+          </a:effectRef>
+          <a:fontRef idx="minor">
+            <a:schemeClr val="tx1"/>
+          </a:fontRef>
+        </p:style>
+      </p:cxnSp>
+      <p:cxnSp>
+        <p:nvCxnSpPr>
+          <p:cNvPr id="12" name="Straight Arrow Connector 11">
+            <a:extLst>
+              <a:ext uri="{FF2B5EF4-FFF2-40B4-BE49-F238E27FC236}">
+                <a16:creationId xmlns:a16="http://schemas.microsoft.com/office/drawing/2014/main" id="{657D62A6-19EA-64CB-C165-E2E6CF8DA4ED}"/>
+              </a:ext>
+            </a:extLst>
+          </p:cNvPr>
+          <p:cNvCxnSpPr>
+            <a:cxnSpLocks/>
+            <a:stCxn id="9" idx="0"/>
+            <a:endCxn id="14" idx="2"/>
+          </p:cNvCxnSpPr>
+          <p:nvPr/>
+        </p:nvCxnSpPr>
+        <p:spPr>
+          <a:xfrm flipH="1" flipV="1">
+            <a:off x="1229665" y="1713769"/>
+            <a:ext cx="2920" cy="391095"/>
+          </a:xfrm>
+          <a:prstGeom prst="straightConnector1">
+            <a:avLst/>
+          </a:prstGeom>
+          <a:ln>
+            <a:tailEnd type="triangle"/>
+          </a:ln>
+        </p:spPr>
+        <p:style>
+          <a:lnRef idx="1">
+            <a:schemeClr val="accent2"/>
+          </a:lnRef>
+          <a:fillRef idx="0">
+            <a:schemeClr val="accent2"/>
+          </a:fillRef>
+          <a:effectRef idx="0">
+            <a:schemeClr val="accent2"/>
+          </a:effectRef>
+          <a:fontRef idx="minor">
+            <a:schemeClr val="tx1"/>
+          </a:fontRef>
+        </p:style>
+      </p:cxnSp>
+      <p:grpSp>
+        <p:nvGrpSpPr>
+          <p:cNvPr id="13" name="Group 12">
+            <a:extLst>
+              <a:ext uri="{FF2B5EF4-FFF2-40B4-BE49-F238E27FC236}">
+                <a16:creationId xmlns:a16="http://schemas.microsoft.com/office/drawing/2014/main" id="{09F90135-2867-C19D-7CF5-8A571024E8DE}"/>
+              </a:ext>
+            </a:extLst>
+          </p:cNvPr>
+          <p:cNvGrpSpPr/>
+          <p:nvPr/>
+        </p:nvGrpSpPr>
+        <p:grpSpPr>
+          <a:xfrm>
+            <a:off x="511787" y="1313659"/>
+            <a:ext cx="2446346" cy="523220"/>
+            <a:chOff x="5288829" y="1281342"/>
+            <a:chExt cx="2446346" cy="523220"/>
+          </a:xfrm>
+        </p:grpSpPr>
+        <mc:AlternateContent xmlns:mc="http://schemas.openxmlformats.org/markup-compatibility/2006">
+          <mc:Choice xmlns:a14="http://schemas.microsoft.com/office/drawing/2010/main" Requires="a14">
+            <p:sp>
+              <p:nvSpPr>
+                <p:cNvPr id="14" name="TextBox 13">
+                  <a:extLst>
+                    <a:ext uri="{FF2B5EF4-FFF2-40B4-BE49-F238E27FC236}">
+                      <a16:creationId xmlns:a16="http://schemas.microsoft.com/office/drawing/2014/main" id="{156C6E16-9D1D-CF38-6423-864D26C83814}"/>
+                    </a:ext>
+                  </a:extLst>
+                </p:cNvPr>
+                <p:cNvSpPr txBox="1"/>
+                <p:nvPr/>
+              </p:nvSpPr>
+              <p:spPr>
+                <a:xfrm>
+                  <a:off x="5288829" y="1404453"/>
+                  <a:ext cx="1435756" cy="276999"/>
+                </a:xfrm>
+                <a:prstGeom prst="rect">
+                  <a:avLst/>
+                </a:prstGeom>
+                <a:solidFill>
+                  <a:srgbClr val="FFFF99"/>
+                </a:solidFill>
+                <a:ln>
+                  <a:solidFill>
+                    <a:srgbClr val="FFCC66"/>
+                  </a:solidFill>
+                </a:ln>
+              </p:spPr>
+              <p:txBody>
+                <a:bodyPr wrap="square" rtlCol="0">
+                  <a:spAutoFit/>
+                </a:bodyPr>
+                <a:lstStyle/>
+                <a:p>
+                  <a:pPr/>
+                  <a14:m>
+                    <m:oMathPara xmlns:m="http://schemas.openxmlformats.org/officeDocument/2006/math">
+                      <m:oMathParaPr>
+                        <m:jc m:val="centerGroup"/>
+                      </m:oMathParaPr>
+                      <m:oMath xmlns:m="http://schemas.openxmlformats.org/officeDocument/2006/math">
+                        <m:r>
+                          <a:rPr lang="en-US" sz="1200" b="1" i="0" smtClean="0">
+                            <a:latin typeface="Cambria Math" panose="02040503050406030204" pitchFamily="18" charset="0"/>
+                          </a:rPr>
+                          <m:t>𝐲</m:t>
+                        </m:r>
+                      </m:oMath>
+                    </m:oMathPara>
+                  </a14:m>
+                  <a:endParaRPr lang="en-US" sz="1200" b="1" dirty="0"/>
+                </a:p>
+              </p:txBody>
+            </p:sp>
+          </mc:Choice>
+          <mc:Fallback>
+            <p:sp>
+              <p:nvSpPr>
+                <p:cNvPr id="14" name="TextBox 13">
+                  <a:extLst>
+                    <a:ext uri="{FF2B5EF4-FFF2-40B4-BE49-F238E27FC236}">
+                      <a16:creationId xmlns:a16="http://schemas.microsoft.com/office/drawing/2014/main" id="{156C6E16-9D1D-CF38-6423-864D26C83814}"/>
+                    </a:ext>
+                  </a:extLst>
+                </p:cNvPr>
+                <p:cNvSpPr txBox="1">
+                  <a:spLocks noRot="1" noChangeAspect="1" noMove="1" noResize="1" noEditPoints="1" noAdjustHandles="1" noChangeArrowheads="1" noChangeShapeType="1" noTextEdit="1"/>
+                </p:cNvSpPr>
+                <p:nvPr/>
+              </p:nvSpPr>
+              <p:spPr>
+                <a:xfrm>
+                  <a:off x="5288829" y="1404453"/>
+                  <a:ext cx="1435756" cy="276999"/>
+                </a:xfrm>
+                <a:prstGeom prst="rect">
+                  <a:avLst/>
+                </a:prstGeom>
+                <a:blipFill>
+                  <a:blip r:embed="rId15"/>
+                  <a:stretch>
+                    <a:fillRect/>
+                  </a:stretch>
+                </a:blipFill>
+                <a:ln>
+                  <a:solidFill>
+                    <a:srgbClr val="FFCC66"/>
+                  </a:solidFill>
+                </a:ln>
+              </p:spPr>
+              <p:txBody>
+                <a:bodyPr/>
+                <a:lstStyle/>
+                <a:p>
+                  <a:r>
+                    <a:rPr lang="en-US">
+                      <a:noFill/>
+                    </a:rPr>
+                    <a:t> </a:t>
+                  </a:r>
+                </a:p>
+              </p:txBody>
+            </p:sp>
+          </mc:Fallback>
+        </mc:AlternateContent>
+        <mc:AlternateContent xmlns:mc="http://schemas.openxmlformats.org/markup-compatibility/2006">
+          <mc:Choice xmlns:a14="http://schemas.microsoft.com/office/drawing/2010/main" Requires="a14">
+            <p:sp>
+              <p:nvSpPr>
+                <p:cNvPr id="15" name="TextBox 14">
+                  <a:extLst>
+                    <a:ext uri="{FF2B5EF4-FFF2-40B4-BE49-F238E27FC236}">
+                      <a16:creationId xmlns:a16="http://schemas.microsoft.com/office/drawing/2014/main" id="{E1C974D8-145B-4A5E-C1FB-3BFD35B80FBE}"/>
+                    </a:ext>
+                  </a:extLst>
+                </p:cNvPr>
+                <p:cNvSpPr txBox="1"/>
+                <p:nvPr/>
+              </p:nvSpPr>
+              <p:spPr>
+                <a:xfrm>
+                  <a:off x="6749364" y="1281342"/>
+                  <a:ext cx="985811" cy="523220"/>
+                </a:xfrm>
+                <a:prstGeom prst="rect">
+                  <a:avLst/>
+                </a:prstGeom>
+                <a:noFill/>
+              </p:spPr>
+              <p:txBody>
+                <a:bodyPr wrap="square" rtlCol="0">
+                  <a:spAutoFit/>
+                </a:bodyPr>
+                <a:lstStyle/>
+                <a:p>
+                  <a:pPr algn="ctr"/>
+                  <a14:m>
+                    <m:oMathPara xmlns:m="http://schemas.openxmlformats.org/officeDocument/2006/math">
+                      <m:oMathParaPr>
+                        <m:jc m:val="center"/>
+                      </m:oMathParaPr>
+                      <m:oMath xmlns:m="http://schemas.openxmlformats.org/officeDocument/2006/math">
+                        <m:r>
+                          <m:rPr>
+                            <m:sty m:val="p"/>
+                          </m:rPr>
+                          <a:rPr lang="en-US" sz="1400" b="0" i="0" smtClean="0">
+                            <a:latin typeface="Cambria Math" panose="02040503050406030204" pitchFamily="18" charset="0"/>
+                          </a:rPr>
+                          <m:t>Output</m:t>
+                        </m:r>
+                      </m:oMath>
+                      <m:oMath xmlns:m="http://schemas.openxmlformats.org/officeDocument/2006/math">
+                        <m:d>
+                          <m:dPr>
+                            <m:ctrlPr>
+                              <a:rPr lang="en-US" sz="1400" b="0" i="1" smtClean="0">
+                                <a:latin typeface="Cambria Math" panose="02040503050406030204" pitchFamily="18" charset="0"/>
+                              </a:rPr>
+                            </m:ctrlPr>
+                          </m:dPr>
+                          <m:e>
+                            <m:r>
+                              <a:rPr lang="en-US" sz="1400" b="0" i="1" smtClean="0">
+                                <a:latin typeface="Cambria Math" panose="02040503050406030204" pitchFamily="18" charset="0"/>
+                              </a:rPr>
+                              <m:t>22 </m:t>
+                            </m:r>
+                          </m:e>
+                        </m:d>
+                      </m:oMath>
+                    </m:oMathPara>
+                  </a14:m>
+                  <a:endParaRPr lang="en-US" sz="1400" dirty="0"/>
+                </a:p>
+              </p:txBody>
+            </p:sp>
+          </mc:Choice>
+          <mc:Fallback>
+            <p:sp>
+              <p:nvSpPr>
+                <p:cNvPr id="15" name="TextBox 14">
+                  <a:extLst>
+                    <a:ext uri="{FF2B5EF4-FFF2-40B4-BE49-F238E27FC236}">
+                      <a16:creationId xmlns:a16="http://schemas.microsoft.com/office/drawing/2014/main" id="{E1C974D8-145B-4A5E-C1FB-3BFD35B80FBE}"/>
+                    </a:ext>
+                  </a:extLst>
+                </p:cNvPr>
+                <p:cNvSpPr txBox="1">
+                  <a:spLocks noRot="1" noChangeAspect="1" noMove="1" noResize="1" noEditPoints="1" noAdjustHandles="1" noChangeArrowheads="1" noChangeShapeType="1" noTextEdit="1"/>
+                </p:cNvSpPr>
+                <p:nvPr/>
+              </p:nvSpPr>
+              <p:spPr>
+                <a:xfrm>
+                  <a:off x="6749364" y="1281342"/>
+                  <a:ext cx="985811" cy="523220"/>
+                </a:xfrm>
+                <a:prstGeom prst="rect">
+                  <a:avLst/>
+                </a:prstGeom>
+                <a:blipFill>
+                  <a:blip r:embed="rId16"/>
+                  <a:stretch>
+                    <a:fillRect/>
+                  </a:stretch>
+                </a:blipFill>
+              </p:spPr>
+              <p:txBody>
+                <a:bodyPr/>
+                <a:lstStyle/>
+                <a:p>
+                  <a:r>
+                    <a:rPr lang="en-US">
+                      <a:noFill/>
+                    </a:rPr>
+                    <a:t> </a:t>
+                  </a:r>
+                </a:p>
+              </p:txBody>
+            </p:sp>
+          </mc:Fallback>
+        </mc:AlternateContent>
+      </p:grpSp>
+      <p:grpSp>
+        <p:nvGrpSpPr>
+          <p:cNvPr id="16" name="Group 15">
+            <a:extLst>
+              <a:ext uri="{FF2B5EF4-FFF2-40B4-BE49-F238E27FC236}">
+                <a16:creationId xmlns:a16="http://schemas.microsoft.com/office/drawing/2014/main" id="{96C4E70F-DD6D-8F1B-13A4-3D5A57AA2E55}"/>
+              </a:ext>
+            </a:extLst>
+          </p:cNvPr>
+          <p:cNvGrpSpPr/>
+          <p:nvPr/>
+        </p:nvGrpSpPr>
+        <p:grpSpPr>
+          <a:xfrm>
+            <a:off x="514707" y="4115767"/>
+            <a:ext cx="2443426" cy="523220"/>
+            <a:chOff x="5291749" y="3613122"/>
+            <a:chExt cx="2443426" cy="523220"/>
+          </a:xfrm>
+        </p:grpSpPr>
+        <mc:AlternateContent xmlns:mc="http://schemas.openxmlformats.org/markup-compatibility/2006">
+          <mc:Choice xmlns:a14="http://schemas.microsoft.com/office/drawing/2010/main" Requires="a14">
+            <p:sp>
+              <p:nvSpPr>
+                <p:cNvPr id="17" name="TextBox 16">
+                  <a:extLst>
+                    <a:ext uri="{FF2B5EF4-FFF2-40B4-BE49-F238E27FC236}">
+                      <a16:creationId xmlns:a16="http://schemas.microsoft.com/office/drawing/2014/main" id="{6B01334A-F182-2682-B01D-EE9961F9286D}"/>
+                    </a:ext>
+                  </a:extLst>
+                </p:cNvPr>
+                <p:cNvSpPr txBox="1"/>
+                <p:nvPr/>
+              </p:nvSpPr>
+              <p:spPr>
+                <a:xfrm>
+                  <a:off x="6749364" y="3613122"/>
+                  <a:ext cx="985811" cy="523220"/>
+                </a:xfrm>
+                <a:prstGeom prst="rect">
+                  <a:avLst/>
+                </a:prstGeom>
+                <a:noFill/>
+              </p:spPr>
+              <p:txBody>
+                <a:bodyPr wrap="square" rtlCol="0">
+                  <a:spAutoFit/>
+                </a:bodyPr>
+                <a:lstStyle/>
+                <a:p>
+                  <a:pPr/>
+                  <a14:m>
+                    <m:oMathPara xmlns:m="http://schemas.openxmlformats.org/officeDocument/2006/math">
+                      <m:oMathParaPr>
+                        <m:jc m:val="centerGroup"/>
+                      </m:oMathParaPr>
+                      <m:oMath xmlns:m="http://schemas.openxmlformats.org/officeDocument/2006/math">
+                        <m:r>
+                          <m:rPr>
+                            <m:sty m:val="p"/>
+                          </m:rPr>
+                          <a:rPr lang="en-US" sz="1400" b="0" i="0" smtClean="0">
+                            <a:latin typeface="Cambria Math" panose="02040503050406030204" pitchFamily="18" charset="0"/>
+                          </a:rPr>
+                          <m:t>Linear</m:t>
+                        </m:r>
+                        <m:r>
+                          <a:rPr lang="en-US" sz="1400" b="0" i="0" smtClean="0">
+                            <a:latin typeface="Cambria Math" panose="02040503050406030204" pitchFamily="18" charset="0"/>
+                          </a:rPr>
+                          <m:t>_1</m:t>
+                        </m:r>
+                      </m:oMath>
+                    </m:oMathPara>
+                  </a14:m>
+                  <a:endParaRPr lang="en-US" sz="1400" b="0" dirty="0">
+                    <a:latin typeface="Cambria Math" panose="02040503050406030204" pitchFamily="18" charset="0"/>
+                  </a:endParaRPr>
+                </a:p>
+                <a:p>
+                  <a:pPr/>
+                  <a14:m>
+                    <m:oMathPara xmlns:m="http://schemas.openxmlformats.org/officeDocument/2006/math">
+                      <m:oMathParaPr>
+                        <m:jc m:val="centerGroup"/>
+                      </m:oMathParaPr>
+                      <m:oMath xmlns:m="http://schemas.openxmlformats.org/officeDocument/2006/math">
+                        <m:d>
+                          <m:dPr>
+                            <m:ctrlPr>
+                              <a:rPr lang="en-US" sz="1400" b="0" i="1" smtClean="0">
+                                <a:latin typeface="Cambria Math" panose="02040503050406030204" pitchFamily="18" charset="0"/>
+                              </a:rPr>
+                            </m:ctrlPr>
+                          </m:dPr>
+                          <m:e>
+                            <m:r>
+                              <a:rPr lang="en-US" sz="1400" b="0" i="1" smtClean="0">
+                                <a:latin typeface="Cambria Math" panose="02040503050406030204" pitchFamily="18" charset="0"/>
+                              </a:rPr>
+                              <m:t>256</m:t>
+                            </m:r>
+                          </m:e>
+                        </m:d>
+                      </m:oMath>
+                    </m:oMathPara>
+                  </a14:m>
+                  <a:endParaRPr lang="en-US" sz="1400" dirty="0"/>
+                </a:p>
+              </p:txBody>
+            </p:sp>
+          </mc:Choice>
+          <mc:Fallback>
+            <p:sp>
+              <p:nvSpPr>
+                <p:cNvPr id="17" name="TextBox 16">
+                  <a:extLst>
+                    <a:ext uri="{FF2B5EF4-FFF2-40B4-BE49-F238E27FC236}">
+                      <a16:creationId xmlns:a16="http://schemas.microsoft.com/office/drawing/2014/main" id="{6B01334A-F182-2682-B01D-EE9961F9286D}"/>
+                    </a:ext>
+                  </a:extLst>
+                </p:cNvPr>
+                <p:cNvSpPr txBox="1">
+                  <a:spLocks noRot="1" noChangeAspect="1" noMove="1" noResize="1" noEditPoints="1" noAdjustHandles="1" noChangeArrowheads="1" noChangeShapeType="1" noTextEdit="1"/>
+                </p:cNvSpPr>
+                <p:nvPr/>
+              </p:nvSpPr>
+              <p:spPr>
+                <a:xfrm>
+                  <a:off x="6749364" y="3613122"/>
+                  <a:ext cx="985811" cy="523220"/>
+                </a:xfrm>
+                <a:prstGeom prst="rect">
+                  <a:avLst/>
+                </a:prstGeom>
+                <a:blipFill>
+                  <a:blip r:embed="rId17"/>
+                  <a:stretch>
+                    <a:fillRect/>
+                  </a:stretch>
+                </a:blipFill>
+              </p:spPr>
+              <p:txBody>
+                <a:bodyPr/>
+                <a:lstStyle/>
+                <a:p>
+                  <a:r>
+                    <a:rPr lang="en-US">
+                      <a:noFill/>
+                    </a:rPr>
+                    <a:t> </a:t>
+                  </a:r>
+                </a:p>
+              </p:txBody>
+            </p:sp>
+          </mc:Fallback>
+        </mc:AlternateContent>
+        <p:sp>
+          <p:nvSpPr>
+            <p:cNvPr id="18" name="Rectangle 17">
+              <a:extLst>
+                <a:ext uri="{FF2B5EF4-FFF2-40B4-BE49-F238E27FC236}">
+                  <a16:creationId xmlns:a16="http://schemas.microsoft.com/office/drawing/2014/main" id="{25B39697-75A6-F504-7397-79B5CB0296BB}"/>
+                </a:ext>
+              </a:extLst>
+            </p:cNvPr>
+            <p:cNvSpPr/>
+            <p:nvPr/>
+          </p:nvSpPr>
+          <p:spPr>
+            <a:xfrm>
+              <a:off x="5291749" y="3703800"/>
+              <a:ext cx="1435755" cy="341865"/>
+            </a:xfrm>
+            <a:prstGeom prst="rect">
+              <a:avLst/>
+            </a:prstGeom>
+            <a:solidFill>
+              <a:schemeClr val="accent2">
+                <a:lumMod val="20000"/>
+                <a:lumOff val="80000"/>
+              </a:schemeClr>
+            </a:solidFill>
+            <a:ln>
+              <a:solidFill>
+                <a:schemeClr val="accent2"/>
+              </a:solidFill>
+            </a:ln>
+          </p:spPr>
+          <p:style>
+            <a:lnRef idx="2">
+              <a:schemeClr val="accent1">
+                <a:shade val="15000"/>
+              </a:schemeClr>
+            </a:lnRef>
+            <a:fillRef idx="1">
+              <a:schemeClr val="accent1"/>
+            </a:fillRef>
+            <a:effectRef idx="0">
+              <a:schemeClr val="accent1"/>
+            </a:effectRef>
+            <a:fontRef idx="minor">
+              <a:schemeClr val="lt1"/>
+            </a:fontRef>
+          </p:style>
+          <p:txBody>
+            <a:bodyPr rtlCol="0" anchor="ctr"/>
+            <a:lstStyle/>
+            <a:p>
+              <a:pPr algn="ctr"/>
+              <a:r>
+                <a:rPr lang="en-US" sz="1200" b="1" dirty="0">
+                  <a:solidFill>
+                    <a:schemeClr val="tx1"/>
+                  </a:solidFill>
+                </a:rPr>
+                <a:t>Linear, ReLU</a:t>
+              </a:r>
+            </a:p>
+          </p:txBody>
+        </p:sp>
+      </p:grpSp>
+      <p:cxnSp>
+        <p:nvCxnSpPr>
+          <p:cNvPr id="19" name="Straight Arrow Connector 18">
+            <a:extLst>
+              <a:ext uri="{FF2B5EF4-FFF2-40B4-BE49-F238E27FC236}">
+                <a16:creationId xmlns:a16="http://schemas.microsoft.com/office/drawing/2014/main" id="{5D9DBD17-4DF1-5BEF-2B1B-9FA0C0B5D049}"/>
+              </a:ext>
+            </a:extLst>
+          </p:cNvPr>
+          <p:cNvCxnSpPr>
+            <a:cxnSpLocks/>
+            <a:stCxn id="22" idx="0"/>
+            <a:endCxn id="26" idx="2"/>
+          </p:cNvCxnSpPr>
+          <p:nvPr/>
+        </p:nvCxnSpPr>
+        <p:spPr>
+          <a:xfrm flipV="1">
+            <a:off x="1232585" y="3147256"/>
+            <a:ext cx="0" cy="358662"/>
+          </a:xfrm>
+          <a:prstGeom prst="straightConnector1">
+            <a:avLst/>
+          </a:prstGeom>
+          <a:ln>
+            <a:tailEnd type="triangle"/>
+          </a:ln>
+        </p:spPr>
+        <p:style>
+          <a:lnRef idx="1">
+            <a:schemeClr val="accent2"/>
+          </a:lnRef>
+          <a:fillRef idx="0">
+            <a:schemeClr val="accent2"/>
+          </a:fillRef>
+          <a:effectRef idx="0">
+            <a:schemeClr val="accent2"/>
+          </a:effectRef>
+          <a:fontRef idx="minor">
+            <a:schemeClr val="tx1"/>
+          </a:fontRef>
+        </p:style>
+      </p:cxnSp>
+      <p:cxnSp>
+        <p:nvCxnSpPr>
+          <p:cNvPr id="20" name="Straight Arrow Connector 19">
+            <a:extLst>
+              <a:ext uri="{FF2B5EF4-FFF2-40B4-BE49-F238E27FC236}">
+                <a16:creationId xmlns:a16="http://schemas.microsoft.com/office/drawing/2014/main" id="{09A2661C-B5C4-5B13-9F6F-A7C0DD6E5F35}"/>
+              </a:ext>
+            </a:extLst>
+          </p:cNvPr>
+          <p:cNvCxnSpPr>
+            <a:cxnSpLocks/>
+            <a:stCxn id="18" idx="0"/>
+            <a:endCxn id="22" idx="2"/>
+          </p:cNvCxnSpPr>
+          <p:nvPr/>
+        </p:nvCxnSpPr>
+        <p:spPr>
+          <a:xfrm flipV="1">
+            <a:off x="1232585" y="3847783"/>
+            <a:ext cx="0" cy="358662"/>
+          </a:xfrm>
+          <a:prstGeom prst="straightConnector1">
+            <a:avLst/>
+          </a:prstGeom>
+          <a:ln>
+            <a:tailEnd type="triangle"/>
+          </a:ln>
+        </p:spPr>
+        <p:style>
+          <a:lnRef idx="1">
+            <a:schemeClr val="accent2"/>
+          </a:lnRef>
+          <a:fillRef idx="0">
+            <a:schemeClr val="accent2"/>
+          </a:fillRef>
+          <a:effectRef idx="0">
+            <a:schemeClr val="accent2"/>
+          </a:effectRef>
+          <a:fontRef idx="minor">
+            <a:schemeClr val="tx1"/>
+          </a:fontRef>
+        </p:style>
+      </p:cxnSp>
+      <p:grpSp>
+        <p:nvGrpSpPr>
+          <p:cNvPr id="21" name="Group 20">
+            <a:extLst>
+              <a:ext uri="{FF2B5EF4-FFF2-40B4-BE49-F238E27FC236}">
+                <a16:creationId xmlns:a16="http://schemas.microsoft.com/office/drawing/2014/main" id="{485914FE-48E1-4362-9DA0-93AF1DC2ED6A}"/>
+              </a:ext>
+            </a:extLst>
+          </p:cNvPr>
+          <p:cNvGrpSpPr/>
+          <p:nvPr/>
+        </p:nvGrpSpPr>
+        <p:grpSpPr>
+          <a:xfrm>
+            <a:off x="514707" y="3415240"/>
+            <a:ext cx="2443426" cy="523220"/>
+            <a:chOff x="5291749" y="3057633"/>
+            <a:chExt cx="2443426" cy="523220"/>
+          </a:xfrm>
+        </p:grpSpPr>
+        <p:sp>
+          <p:nvSpPr>
+            <p:cNvPr id="22" name="Rectangle 21">
+              <a:extLst>
+                <a:ext uri="{FF2B5EF4-FFF2-40B4-BE49-F238E27FC236}">
+                  <a16:creationId xmlns:a16="http://schemas.microsoft.com/office/drawing/2014/main" id="{13617B61-D4CD-DBC9-DB12-DF2865B8C3EF}"/>
+                </a:ext>
+              </a:extLst>
+            </p:cNvPr>
+            <p:cNvSpPr/>
+            <p:nvPr/>
+          </p:nvSpPr>
+          <p:spPr>
+            <a:xfrm>
+              <a:off x="5291749" y="3148311"/>
+              <a:ext cx="1435755" cy="341865"/>
+            </a:xfrm>
+            <a:prstGeom prst="rect">
+              <a:avLst/>
+            </a:prstGeom>
+            <a:solidFill>
+              <a:schemeClr val="accent2">
+                <a:lumMod val="20000"/>
+                <a:lumOff val="80000"/>
+              </a:schemeClr>
+            </a:solidFill>
+            <a:ln>
+              <a:solidFill>
+                <a:schemeClr val="accent2"/>
+              </a:solidFill>
+            </a:ln>
+          </p:spPr>
+          <p:style>
+            <a:lnRef idx="2">
+              <a:schemeClr val="accent1">
+                <a:shade val="15000"/>
+              </a:schemeClr>
+            </a:lnRef>
+            <a:fillRef idx="1">
+              <a:schemeClr val="accent1"/>
+            </a:fillRef>
+            <a:effectRef idx="0">
+              <a:schemeClr val="accent1"/>
+            </a:effectRef>
+            <a:fontRef idx="minor">
+              <a:schemeClr val="lt1"/>
+            </a:fontRef>
+          </p:style>
+          <p:txBody>
+            <a:bodyPr rtlCol="0" anchor="ctr"/>
+            <a:lstStyle/>
+            <a:p>
+              <a:pPr algn="ctr"/>
+              <a:r>
+                <a:rPr lang="en-US" sz="1200" b="1" dirty="0">
+                  <a:solidFill>
+                    <a:schemeClr val="tx1"/>
+                  </a:solidFill>
+                </a:rPr>
+                <a:t>Linear, ReLU</a:t>
+              </a:r>
+            </a:p>
+          </p:txBody>
+        </p:sp>
+        <mc:AlternateContent xmlns:mc="http://schemas.openxmlformats.org/markup-compatibility/2006" xmlns:a14="http://schemas.microsoft.com/office/drawing/2010/main">
+          <mc:Choice Requires="a14">
+            <p:sp>
+              <p:nvSpPr>
+                <p:cNvPr id="23" name="TextBox 22">
+                  <a:extLst>
+                    <a:ext uri="{FF2B5EF4-FFF2-40B4-BE49-F238E27FC236}">
+                      <a16:creationId xmlns:a16="http://schemas.microsoft.com/office/drawing/2014/main" id="{5FFBF6E1-A309-645C-D5E1-DE3E5F39CA05}"/>
+                    </a:ext>
+                  </a:extLst>
+                </p:cNvPr>
+                <p:cNvSpPr txBox="1"/>
+                <p:nvPr/>
+              </p:nvSpPr>
+              <p:spPr>
+                <a:xfrm>
+                  <a:off x="6749364" y="3057633"/>
+                  <a:ext cx="985811" cy="523220"/>
+                </a:xfrm>
+                <a:prstGeom prst="rect">
+                  <a:avLst/>
+                </a:prstGeom>
+                <a:noFill/>
+              </p:spPr>
+              <p:txBody>
+                <a:bodyPr wrap="square" rtlCol="0">
+                  <a:spAutoFit/>
+                </a:bodyPr>
+                <a:lstStyle/>
+                <a:p>
+                  <a:pPr/>
+                  <a14:m>
+                    <m:oMathPara xmlns:m="http://schemas.openxmlformats.org/officeDocument/2006/math">
+                      <m:oMathParaPr>
+                        <m:jc m:val="centerGroup"/>
+                      </m:oMathParaPr>
+                      <m:oMath xmlns:m="http://schemas.openxmlformats.org/officeDocument/2006/math">
+                        <m:r>
+                          <m:rPr>
+                            <m:sty m:val="p"/>
+                          </m:rPr>
+                          <a:rPr lang="en-US" sz="1400" b="0" i="0" smtClean="0">
+                            <a:latin typeface="Cambria Math" panose="02040503050406030204" pitchFamily="18" charset="0"/>
+                          </a:rPr>
+                          <m:t>Linear</m:t>
+                        </m:r>
+                        <m:r>
+                          <a:rPr lang="en-US" sz="1400" b="0" i="0" smtClean="0">
+                            <a:latin typeface="Cambria Math" panose="02040503050406030204" pitchFamily="18" charset="0"/>
+                          </a:rPr>
+                          <m:t>_2</m:t>
+                        </m:r>
+                      </m:oMath>
+                    </m:oMathPara>
+                  </a14:m>
+                  <a:endParaRPr lang="en-US" sz="1400" b="0" dirty="0">
+                    <a:latin typeface="Cambria Math" panose="02040503050406030204" pitchFamily="18" charset="0"/>
+                  </a:endParaRPr>
+                </a:p>
+                <a:p>
+                  <a:pPr/>
+                  <a14:m>
+                    <m:oMathPara xmlns:m="http://schemas.openxmlformats.org/officeDocument/2006/math">
+                      <m:oMathParaPr>
+                        <m:jc m:val="centerGroup"/>
+                      </m:oMathParaPr>
+                      <m:oMath xmlns:m="http://schemas.openxmlformats.org/officeDocument/2006/math">
+                        <m:d>
+                          <m:dPr>
+                            <m:ctrlPr>
+                              <a:rPr lang="en-US" sz="1400" b="0" i="1" smtClean="0">
+                                <a:latin typeface="Cambria Math" panose="02040503050406030204" pitchFamily="18" charset="0"/>
+                              </a:rPr>
+                            </m:ctrlPr>
+                          </m:dPr>
+                          <m:e>
+                            <m:r>
+                              <a:rPr lang="en-US" sz="1400" b="0" i="1" smtClean="0">
+                                <a:latin typeface="Cambria Math" panose="02040503050406030204" pitchFamily="18" charset="0"/>
+                              </a:rPr>
+                              <m:t>256</m:t>
+                            </m:r>
+                          </m:e>
+                        </m:d>
+                      </m:oMath>
+                    </m:oMathPara>
+                  </a14:m>
+                  <a:endParaRPr lang="en-US" sz="1400" dirty="0"/>
+                </a:p>
+              </p:txBody>
+            </p:sp>
+          </mc:Choice>
+          <mc:Fallback xmlns="">
+            <p:sp>
+              <p:nvSpPr>
+                <p:cNvPr id="49" name="TextBox 48">
+                  <a:extLst>
+                    <a:ext uri="{FF2B5EF4-FFF2-40B4-BE49-F238E27FC236}">
+                      <a16:creationId xmlns:a16="http://schemas.microsoft.com/office/drawing/2014/main" id="{306AB3AE-3495-6243-F123-0F7E08F13172}"/>
+                    </a:ext>
+                  </a:extLst>
+                </p:cNvPr>
+                <p:cNvSpPr txBox="1">
+                  <a:spLocks noRot="1" noChangeAspect="1" noMove="1" noResize="1" noEditPoints="1" noAdjustHandles="1" noChangeArrowheads="1" noChangeShapeType="1" noTextEdit="1"/>
+                </p:cNvSpPr>
+                <p:nvPr/>
+              </p:nvSpPr>
+              <p:spPr>
+                <a:xfrm>
+                  <a:off x="6749364" y="3057633"/>
+                  <a:ext cx="985811" cy="523220"/>
+                </a:xfrm>
+                <a:prstGeom prst="rect">
+                  <a:avLst/>
+                </a:prstGeom>
+                <a:blipFill>
+                  <a:blip r:embed="rId18"/>
+                  <a:stretch>
+                    <a:fillRect/>
+                  </a:stretch>
+                </a:blipFill>
+              </p:spPr>
+              <p:txBody>
+                <a:bodyPr/>
+                <a:lstStyle/>
+                <a:p>
+                  <a:r>
+                    <a:rPr lang="en-US">
+                      <a:noFill/>
+                    </a:rPr>
+                    <a:t> </a:t>
+                  </a:r>
+                </a:p>
+              </p:txBody>
+            </p:sp>
+          </mc:Fallback>
+        </mc:AlternateContent>
+      </p:grpSp>
+      <p:grpSp>
+        <p:nvGrpSpPr>
+          <p:cNvPr id="25" name="Group 24">
+            <a:extLst>
+              <a:ext uri="{FF2B5EF4-FFF2-40B4-BE49-F238E27FC236}">
+                <a16:creationId xmlns:a16="http://schemas.microsoft.com/office/drawing/2014/main" id="{06F5D410-B7A4-887F-E686-D32D8D7BCD3E}"/>
+              </a:ext>
+            </a:extLst>
+          </p:cNvPr>
+          <p:cNvGrpSpPr/>
+          <p:nvPr/>
+        </p:nvGrpSpPr>
+        <p:grpSpPr>
+          <a:xfrm>
+            <a:off x="514707" y="2714713"/>
+            <a:ext cx="2443426" cy="523220"/>
+            <a:chOff x="5291749" y="2444682"/>
+            <a:chExt cx="2443426" cy="523220"/>
+          </a:xfrm>
+        </p:grpSpPr>
+        <p:sp>
+          <p:nvSpPr>
+            <p:cNvPr id="26" name="Rectangle 25">
+              <a:extLst>
+                <a:ext uri="{FF2B5EF4-FFF2-40B4-BE49-F238E27FC236}">
+                  <a16:creationId xmlns:a16="http://schemas.microsoft.com/office/drawing/2014/main" id="{E5098483-397E-A111-1C33-342A3B79DC36}"/>
+                </a:ext>
+              </a:extLst>
+            </p:cNvPr>
+            <p:cNvSpPr/>
+            <p:nvPr/>
+          </p:nvSpPr>
+          <p:spPr>
+            <a:xfrm>
+              <a:off x="5291749" y="2535360"/>
+              <a:ext cx="1435755" cy="341865"/>
+            </a:xfrm>
+            <a:prstGeom prst="rect">
+              <a:avLst/>
+            </a:prstGeom>
+            <a:solidFill>
+              <a:schemeClr val="accent2">
+                <a:lumMod val="20000"/>
+                <a:lumOff val="80000"/>
+              </a:schemeClr>
+            </a:solidFill>
+            <a:ln>
+              <a:solidFill>
+                <a:schemeClr val="accent2"/>
+              </a:solidFill>
+            </a:ln>
+          </p:spPr>
+          <p:style>
+            <a:lnRef idx="2">
+              <a:schemeClr val="accent1">
+                <a:shade val="15000"/>
+              </a:schemeClr>
+            </a:lnRef>
+            <a:fillRef idx="1">
+              <a:schemeClr val="accent1"/>
+            </a:fillRef>
+            <a:effectRef idx="0">
+              <a:schemeClr val="accent1"/>
+            </a:effectRef>
+            <a:fontRef idx="minor">
+              <a:schemeClr val="lt1"/>
+            </a:fontRef>
+          </p:style>
+          <p:txBody>
+            <a:bodyPr rtlCol="0" anchor="ctr"/>
+            <a:lstStyle/>
+            <a:p>
+              <a:pPr algn="ctr"/>
+              <a:r>
+                <a:rPr lang="en-US" sz="1200" b="1" dirty="0">
+                  <a:solidFill>
+                    <a:schemeClr val="tx1"/>
+                  </a:solidFill>
+                </a:rPr>
+                <a:t>Linear, ReLU</a:t>
+              </a:r>
+            </a:p>
+          </p:txBody>
+        </p:sp>
+        <mc:AlternateContent xmlns:mc="http://schemas.openxmlformats.org/markup-compatibility/2006" xmlns:a14="http://schemas.microsoft.com/office/drawing/2010/main">
+          <mc:Choice Requires="a14">
+            <p:sp>
+              <p:nvSpPr>
+                <p:cNvPr id="27" name="TextBox 26">
+                  <a:extLst>
+                    <a:ext uri="{FF2B5EF4-FFF2-40B4-BE49-F238E27FC236}">
+                      <a16:creationId xmlns:a16="http://schemas.microsoft.com/office/drawing/2014/main" id="{6F34E10C-88ED-470D-F7A1-E589427AA410}"/>
+                    </a:ext>
+                  </a:extLst>
+                </p:cNvPr>
+                <p:cNvSpPr txBox="1"/>
+                <p:nvPr/>
+              </p:nvSpPr>
+              <p:spPr>
+                <a:xfrm>
+                  <a:off x="6749364" y="2444682"/>
+                  <a:ext cx="985811" cy="523220"/>
+                </a:xfrm>
+                <a:prstGeom prst="rect">
+                  <a:avLst/>
+                </a:prstGeom>
+                <a:noFill/>
+              </p:spPr>
+              <p:txBody>
+                <a:bodyPr wrap="square" rtlCol="0">
+                  <a:spAutoFit/>
+                </a:bodyPr>
+                <a:lstStyle/>
+                <a:p>
+                  <a:pPr/>
+                  <a14:m>
+                    <m:oMathPara xmlns:m="http://schemas.openxmlformats.org/officeDocument/2006/math">
+                      <m:oMathParaPr>
+                        <m:jc m:val="centerGroup"/>
+                      </m:oMathParaPr>
+                      <m:oMath xmlns:m="http://schemas.openxmlformats.org/officeDocument/2006/math">
+                        <m:r>
+                          <m:rPr>
+                            <m:sty m:val="p"/>
+                          </m:rPr>
+                          <a:rPr lang="en-US" sz="1400" b="0" i="0" smtClean="0">
+                            <a:latin typeface="Cambria Math" panose="02040503050406030204" pitchFamily="18" charset="0"/>
+                          </a:rPr>
+                          <m:t>Linear</m:t>
+                        </m:r>
+                        <m:r>
+                          <a:rPr lang="en-US" sz="1400" b="0" i="0" smtClean="0">
+                            <a:latin typeface="Cambria Math" panose="02040503050406030204" pitchFamily="18" charset="0"/>
+                          </a:rPr>
+                          <m:t>_3</m:t>
+                        </m:r>
+                      </m:oMath>
+                    </m:oMathPara>
+                  </a14:m>
+                  <a:endParaRPr lang="en-US" sz="1400" b="0" dirty="0">
+                    <a:latin typeface="Cambria Math" panose="02040503050406030204" pitchFamily="18" charset="0"/>
+                  </a:endParaRPr>
+                </a:p>
+                <a:p>
+                  <a:pPr/>
+                  <a14:m>
+                    <m:oMathPara xmlns:m="http://schemas.openxmlformats.org/officeDocument/2006/math">
+                      <m:oMathParaPr>
+                        <m:jc m:val="centerGroup"/>
+                      </m:oMathParaPr>
+                      <m:oMath xmlns:m="http://schemas.openxmlformats.org/officeDocument/2006/math">
+                        <m:d>
+                          <m:dPr>
+                            <m:ctrlPr>
+                              <a:rPr lang="en-US" sz="1400" b="0" i="1" smtClean="0">
+                                <a:latin typeface="Cambria Math" panose="02040503050406030204" pitchFamily="18" charset="0"/>
+                              </a:rPr>
+                            </m:ctrlPr>
+                          </m:dPr>
+                          <m:e>
+                            <m:r>
+                              <a:rPr lang="en-US" sz="1400" b="0" i="1" smtClean="0">
+                                <a:latin typeface="Cambria Math" panose="02040503050406030204" pitchFamily="18" charset="0"/>
+                              </a:rPr>
+                              <m:t>256</m:t>
+                            </m:r>
+                          </m:e>
+                        </m:d>
+                      </m:oMath>
+                    </m:oMathPara>
+                  </a14:m>
+                  <a:endParaRPr lang="en-US" sz="1400" dirty="0"/>
+                </a:p>
+              </p:txBody>
+            </p:sp>
+          </mc:Choice>
+          <mc:Fallback xmlns="">
+            <p:sp>
+              <p:nvSpPr>
+                <p:cNvPr id="50" name="TextBox 49">
+                  <a:extLst>
+                    <a:ext uri="{FF2B5EF4-FFF2-40B4-BE49-F238E27FC236}">
+                      <a16:creationId xmlns:a16="http://schemas.microsoft.com/office/drawing/2014/main" id="{F9E6FDE1-1B87-AA14-D715-A26BA57068AB}"/>
+                    </a:ext>
+                  </a:extLst>
+                </p:cNvPr>
+                <p:cNvSpPr txBox="1">
+                  <a:spLocks noRot="1" noChangeAspect="1" noMove="1" noResize="1" noEditPoints="1" noAdjustHandles="1" noChangeArrowheads="1" noChangeShapeType="1" noTextEdit="1"/>
+                </p:cNvSpPr>
+                <p:nvPr/>
+              </p:nvSpPr>
+              <p:spPr>
+                <a:xfrm>
+                  <a:off x="6749364" y="2444682"/>
+                  <a:ext cx="985811" cy="523220"/>
+                </a:xfrm>
+                <a:prstGeom prst="rect">
+                  <a:avLst/>
+                </a:prstGeom>
+                <a:blipFill>
+                  <a:blip r:embed="rId19"/>
+                  <a:stretch>
+                    <a:fillRect/>
+                  </a:stretch>
+                </a:blipFill>
+              </p:spPr>
+              <p:txBody>
+                <a:bodyPr/>
+                <a:lstStyle/>
+                <a:p>
+                  <a:r>
+                    <a:rPr lang="en-US">
+                      <a:noFill/>
+                    </a:rPr>
+                    <a:t> </a:t>
+                  </a:r>
+                </a:p>
+              </p:txBody>
+            </p:sp>
+          </mc:Fallback>
+        </mc:AlternateContent>
+      </p:grpSp>
       <p:sp>
         <p:nvSpPr>
-          <p:cNvPr id="42" name="Rectangle 41">
-            <a:extLst>
-              <a:ext uri="{FF2B5EF4-FFF2-40B4-BE49-F238E27FC236}">
-                <a16:creationId xmlns:a16="http://schemas.microsoft.com/office/drawing/2014/main" id="{577BA0FE-ACDC-5C8C-4970-4E6C05CFA969}"/>
+          <p:cNvPr id="28" name="Rectangle 27">
+            <a:extLst>
+              <a:ext uri="{FF2B5EF4-FFF2-40B4-BE49-F238E27FC236}">
+                <a16:creationId xmlns:a16="http://schemas.microsoft.com/office/drawing/2014/main" id="{62247F3E-8D8A-8040-F4D8-D8872DBCED31}"/>
               </a:ext>
             </a:extLst>
           </p:cNvPr>
@@ -11846,7 +11079,7 @@
         </p:nvSpPr>
         <p:spPr>
           <a:xfrm>
-            <a:off x="3971466" y="3922086"/>
+            <a:off x="7569149" y="4062443"/>
             <a:ext cx="676594" cy="375503"/>
           </a:xfrm>
           <a:prstGeom prst="rect">
@@ -11901,10 +11134,10 @@
       </p:sp>
       <p:sp>
         <p:nvSpPr>
-          <p:cNvPr id="43" name="Rectangle 42">
-            <a:extLst>
-              <a:ext uri="{FF2B5EF4-FFF2-40B4-BE49-F238E27FC236}">
-                <a16:creationId xmlns:a16="http://schemas.microsoft.com/office/drawing/2014/main" id="{2F220F3D-925F-5CB8-1F5E-C83297339B86}"/>
+          <p:cNvPr id="29" name="Rectangle 28">
+            <a:extLst>
+              <a:ext uri="{FF2B5EF4-FFF2-40B4-BE49-F238E27FC236}">
+                <a16:creationId xmlns:a16="http://schemas.microsoft.com/office/drawing/2014/main" id="{427ABC66-36FE-88A6-EFF7-867066F6B520}"/>
               </a:ext>
             </a:extLst>
           </p:cNvPr>
@@ -11913,7 +11146,7 @@
         </p:nvSpPr>
         <p:spPr>
           <a:xfrm>
-            <a:off x="4845844" y="3922089"/>
+            <a:off x="8443527" y="4062446"/>
             <a:ext cx="621968" cy="375503"/>
           </a:xfrm>
           <a:prstGeom prst="rect">
@@ -11968,10 +11201,10 @@
       </p:sp>
       <p:sp>
         <p:nvSpPr>
-          <p:cNvPr id="44" name="Rectangle 43">
-            <a:extLst>
-              <a:ext uri="{FF2B5EF4-FFF2-40B4-BE49-F238E27FC236}">
-                <a16:creationId xmlns:a16="http://schemas.microsoft.com/office/drawing/2014/main" id="{FA3329A4-E302-FBD8-474F-92EE67D1356B}"/>
+          <p:cNvPr id="30" name="Rectangle 29">
+            <a:extLst>
+              <a:ext uri="{FF2B5EF4-FFF2-40B4-BE49-F238E27FC236}">
+                <a16:creationId xmlns:a16="http://schemas.microsoft.com/office/drawing/2014/main" id="{285543B5-BB53-B211-74A0-D8C500839523}"/>
               </a:ext>
             </a:extLst>
           </p:cNvPr>
@@ -11980,7 +11213,7 @@
         </p:nvSpPr>
         <p:spPr>
           <a:xfrm>
-            <a:off x="5554187" y="3874759"/>
+            <a:off x="9151870" y="4015116"/>
             <a:ext cx="540690" cy="375504"/>
           </a:xfrm>
           <a:prstGeom prst="rect">
@@ -12025,10 +11258,10 @@
       </p:sp>
       <p:sp>
         <p:nvSpPr>
-          <p:cNvPr id="45" name="Rectangle 44">
-            <a:extLst>
-              <a:ext uri="{FF2B5EF4-FFF2-40B4-BE49-F238E27FC236}">
-                <a16:creationId xmlns:a16="http://schemas.microsoft.com/office/drawing/2014/main" id="{F1D2540C-B601-74C7-3166-8FC71B1DBF77}"/>
+          <p:cNvPr id="31" name="Rectangle 30">
+            <a:extLst>
+              <a:ext uri="{FF2B5EF4-FFF2-40B4-BE49-F238E27FC236}">
+                <a16:creationId xmlns:a16="http://schemas.microsoft.com/office/drawing/2014/main" id="{641703F9-D324-BCD6-F7AF-B88677D1CC57}"/>
               </a:ext>
             </a:extLst>
           </p:cNvPr>
@@ -12037,7 +11270,7 @@
         </p:nvSpPr>
         <p:spPr>
           <a:xfrm>
-            <a:off x="6194993" y="3963779"/>
+            <a:off x="9792676" y="4104136"/>
             <a:ext cx="621968" cy="375503"/>
           </a:xfrm>
           <a:prstGeom prst="rect">
@@ -12092,10 +11325,10 @@
       </p:sp>
       <p:sp>
         <p:nvSpPr>
-          <p:cNvPr id="46" name="Rectangle 45">
-            <a:extLst>
-              <a:ext uri="{FF2B5EF4-FFF2-40B4-BE49-F238E27FC236}">
-                <a16:creationId xmlns:a16="http://schemas.microsoft.com/office/drawing/2014/main" id="{7B8A4749-38D1-AE89-6A4A-62D432D2845A}"/>
+          <p:cNvPr id="32" name="Rectangle 31">
+            <a:extLst>
+              <a:ext uri="{FF2B5EF4-FFF2-40B4-BE49-F238E27FC236}">
+                <a16:creationId xmlns:a16="http://schemas.microsoft.com/office/drawing/2014/main" id="{7D410DE3-04BE-960E-1E69-669C71908E25}"/>
               </a:ext>
             </a:extLst>
           </p:cNvPr>
@@ -12104,7 +11337,7 @@
         </p:nvSpPr>
         <p:spPr>
           <a:xfrm>
-            <a:off x="7033797" y="3963778"/>
+            <a:off x="10631480" y="4104135"/>
             <a:ext cx="621968" cy="375504"/>
           </a:xfrm>
           <a:prstGeom prst="rect">
@@ -12157,14 +11390,14 @@
           </a:p>
         </p:txBody>
       </p:sp>
-      <mc:AlternateContent xmlns:mc="http://schemas.openxmlformats.org/markup-compatibility/2006" xmlns:a14="http://schemas.microsoft.com/office/drawing/2010/main">
-        <mc:Choice Requires="a14">
+      <mc:AlternateContent xmlns:mc="http://schemas.openxmlformats.org/markup-compatibility/2006">
+        <mc:Choice xmlns:a14="http://schemas.microsoft.com/office/drawing/2010/main" Requires="a14">
           <p:sp>
             <p:nvSpPr>
-              <p:cNvPr id="47" name="Oval 46">
+              <p:cNvPr id="33" name="Oval 32">
                 <a:extLst>
                   <a:ext uri="{FF2B5EF4-FFF2-40B4-BE49-F238E27FC236}">
-                    <a16:creationId xmlns:a16="http://schemas.microsoft.com/office/drawing/2014/main" id="{599C2510-7F82-A1E7-2B5F-A380D875D48F}"/>
+                    <a16:creationId xmlns:a16="http://schemas.microsoft.com/office/drawing/2014/main" id="{5979093C-4859-5F15-C380-559E55A26D66}"/>
                   </a:ext>
                 </a:extLst>
               </p:cNvPr>
@@ -12173,7 +11406,7 @@
             </p:nvSpPr>
             <p:spPr>
               <a:xfrm>
-                <a:off x="4069652" y="2470466"/>
+                <a:off x="7667335" y="2610823"/>
                 <a:ext cx="461174" cy="461174"/>
               </a:xfrm>
               <a:prstGeom prst="ellipse">
@@ -12262,13 +11495,13 @@
             </p:txBody>
           </p:sp>
         </mc:Choice>
-        <mc:Fallback xmlns="">
+        <mc:Fallback>
           <p:sp>
             <p:nvSpPr>
-              <p:cNvPr id="47" name="Oval 46">
+              <p:cNvPr id="33" name="Oval 32">
                 <a:extLst>
                   <a:ext uri="{FF2B5EF4-FFF2-40B4-BE49-F238E27FC236}">
-                    <a16:creationId xmlns:a16="http://schemas.microsoft.com/office/drawing/2014/main" id="{599C2510-7F82-A1E7-2B5F-A380D875D48F}"/>
+                    <a16:creationId xmlns:a16="http://schemas.microsoft.com/office/drawing/2014/main" id="{5979093C-4859-5F15-C380-559E55A26D66}"/>
                   </a:ext>
                 </a:extLst>
               </p:cNvPr>
@@ -12279,14 +11512,14 @@
             </p:nvSpPr>
             <p:spPr>
               <a:xfrm>
-                <a:off x="4069652" y="2470466"/>
+                <a:off x="7667335" y="2610823"/>
                 <a:ext cx="461174" cy="461174"/>
               </a:xfrm>
               <a:prstGeom prst="ellipse">
                 <a:avLst/>
               </a:prstGeom>
               <a:blipFill>
-                <a:blip r:embed="rId2"/>
+                <a:blip r:embed="rId20"/>
                 <a:stretch>
                   <a:fillRect/>
                 </a:stretch>
@@ -12315,14 +11548,14 @@
           </p:sp>
         </mc:Fallback>
       </mc:AlternateContent>
-      <mc:AlternateContent xmlns:mc="http://schemas.openxmlformats.org/markup-compatibility/2006" xmlns:a14="http://schemas.microsoft.com/office/drawing/2010/main">
-        <mc:Choice Requires="a14">
+      <mc:AlternateContent xmlns:mc="http://schemas.openxmlformats.org/markup-compatibility/2006">
+        <mc:Choice xmlns:a14="http://schemas.microsoft.com/office/drawing/2010/main" Requires="a14">
           <p:sp>
             <p:nvSpPr>
-              <p:cNvPr id="48" name="Oval 47">
+              <p:cNvPr id="34" name="Oval 33">
                 <a:extLst>
                   <a:ext uri="{FF2B5EF4-FFF2-40B4-BE49-F238E27FC236}">
-                    <a16:creationId xmlns:a16="http://schemas.microsoft.com/office/drawing/2014/main" id="{5CA341BC-6864-957C-CBBD-49ECA6F24CDD}"/>
+                    <a16:creationId xmlns:a16="http://schemas.microsoft.com/office/drawing/2014/main" id="{7F6268A2-5217-A567-EFE5-24B6C5E44BB6}"/>
                   </a:ext>
                 </a:extLst>
               </p:cNvPr>
@@ -12331,7 +11564,7 @@
             </p:nvSpPr>
             <p:spPr>
               <a:xfrm>
-                <a:off x="6258608" y="2518785"/>
+                <a:off x="9856291" y="2659142"/>
                 <a:ext cx="461665" cy="461665"/>
               </a:xfrm>
               <a:prstGeom prst="ellipse">
@@ -12420,13 +11653,13 @@
             </p:txBody>
           </p:sp>
         </mc:Choice>
-        <mc:Fallback xmlns="">
+        <mc:Fallback>
           <p:sp>
             <p:nvSpPr>
-              <p:cNvPr id="48" name="Oval 47">
+              <p:cNvPr id="34" name="Oval 33">
                 <a:extLst>
                   <a:ext uri="{FF2B5EF4-FFF2-40B4-BE49-F238E27FC236}">
-                    <a16:creationId xmlns:a16="http://schemas.microsoft.com/office/drawing/2014/main" id="{5CA341BC-6864-957C-CBBD-49ECA6F24CDD}"/>
+                    <a16:creationId xmlns:a16="http://schemas.microsoft.com/office/drawing/2014/main" id="{7F6268A2-5217-A567-EFE5-24B6C5E44BB6}"/>
                   </a:ext>
                 </a:extLst>
               </p:cNvPr>
@@ -12437,16 +11670,16 @@
             </p:nvSpPr>
             <p:spPr>
               <a:xfrm>
-                <a:off x="6258608" y="2518785"/>
+                <a:off x="9856291" y="2659142"/>
                 <a:ext cx="461665" cy="461665"/>
               </a:xfrm>
               <a:prstGeom prst="ellipse">
                 <a:avLst/>
               </a:prstGeom>
               <a:blipFill>
-                <a:blip r:embed="rId3"/>
+                <a:blip r:embed="rId21"/>
                 <a:stretch>
-                  <a:fillRect l="-5128"/>
+                  <a:fillRect l="-5063"/>
                 </a:stretch>
               </a:blipFill>
               <a:ln>
@@ -12473,14 +11706,14 @@
           </p:sp>
         </mc:Fallback>
       </mc:AlternateContent>
-      <mc:AlternateContent xmlns:mc="http://schemas.openxmlformats.org/markup-compatibility/2006" xmlns:a14="http://schemas.microsoft.com/office/drawing/2010/main">
-        <mc:Choice Requires="a14">
+      <mc:AlternateContent xmlns:mc="http://schemas.openxmlformats.org/markup-compatibility/2006">
+        <mc:Choice xmlns:a14="http://schemas.microsoft.com/office/drawing/2010/main" Requires="a14">
           <p:sp>
             <p:nvSpPr>
-              <p:cNvPr id="49" name="Oval 48">
+              <p:cNvPr id="35" name="Oval 34">
                 <a:extLst>
                   <a:ext uri="{FF2B5EF4-FFF2-40B4-BE49-F238E27FC236}">
-                    <a16:creationId xmlns:a16="http://schemas.microsoft.com/office/drawing/2014/main" id="{84220ED7-0387-36B7-4555-FA0067E4D718}"/>
+                    <a16:creationId xmlns:a16="http://schemas.microsoft.com/office/drawing/2014/main" id="{4A90130A-6FA3-9647-87C8-85BA7AF645EB}"/>
                   </a:ext>
                 </a:extLst>
               </p:cNvPr>
@@ -12489,7 +11722,7 @@
             </p:nvSpPr>
             <p:spPr>
               <a:xfrm>
-                <a:off x="7092102" y="2500917"/>
+                <a:off x="10689785" y="2641274"/>
                 <a:ext cx="457985" cy="457985"/>
               </a:xfrm>
               <a:prstGeom prst="ellipse">
@@ -12578,13 +11811,13 @@
             </p:txBody>
           </p:sp>
         </mc:Choice>
-        <mc:Fallback xmlns="">
+        <mc:Fallback>
           <p:sp>
             <p:nvSpPr>
-              <p:cNvPr id="49" name="Oval 48">
+              <p:cNvPr id="35" name="Oval 34">
                 <a:extLst>
                   <a:ext uri="{FF2B5EF4-FFF2-40B4-BE49-F238E27FC236}">
-                    <a16:creationId xmlns:a16="http://schemas.microsoft.com/office/drawing/2014/main" id="{84220ED7-0387-36B7-4555-FA0067E4D718}"/>
+                    <a16:creationId xmlns:a16="http://schemas.microsoft.com/office/drawing/2014/main" id="{4A90130A-6FA3-9647-87C8-85BA7AF645EB}"/>
                   </a:ext>
                 </a:extLst>
               </p:cNvPr>
@@ -12595,16 +11828,16 @@
             </p:nvSpPr>
             <p:spPr>
               <a:xfrm>
-                <a:off x="7092102" y="2500917"/>
+                <a:off x="10689785" y="2641274"/>
                 <a:ext cx="457985" cy="457985"/>
               </a:xfrm>
               <a:prstGeom prst="ellipse">
                 <a:avLst/>
               </a:prstGeom>
               <a:blipFill>
-                <a:blip r:embed="rId4"/>
+                <a:blip r:embed="rId22"/>
                 <a:stretch>
-                  <a:fillRect l="-5063"/>
+                  <a:fillRect l="-6410"/>
                 </a:stretch>
               </a:blipFill>
               <a:ln>
@@ -12631,14 +11864,14 @@
           </p:sp>
         </mc:Fallback>
       </mc:AlternateContent>
-      <mc:AlternateContent xmlns:mc="http://schemas.openxmlformats.org/markup-compatibility/2006" xmlns:a14="http://schemas.microsoft.com/office/drawing/2010/main">
-        <mc:Choice Requires="a14">
+      <mc:AlternateContent xmlns:mc="http://schemas.openxmlformats.org/markup-compatibility/2006">
+        <mc:Choice xmlns:a14="http://schemas.microsoft.com/office/drawing/2010/main" Requires="a14">
           <p:sp>
             <p:nvSpPr>
-              <p:cNvPr id="50" name="Oval 49">
+              <p:cNvPr id="36" name="Oval 35">
                 <a:extLst>
                   <a:ext uri="{FF2B5EF4-FFF2-40B4-BE49-F238E27FC236}">
-                    <a16:creationId xmlns:a16="http://schemas.microsoft.com/office/drawing/2014/main" id="{7A26EF53-DDA5-C142-7BDE-38EA0F66A975}"/>
+                    <a16:creationId xmlns:a16="http://schemas.microsoft.com/office/drawing/2014/main" id="{D55773E2-63F5-17F7-D722-C06BCE194E58}"/>
                   </a:ext>
                 </a:extLst>
               </p:cNvPr>
@@ -12647,7 +11880,7 @@
             </p:nvSpPr>
             <p:spPr>
               <a:xfrm>
-                <a:off x="4923689" y="2473430"/>
+                <a:off x="8521372" y="2613787"/>
                 <a:ext cx="458210" cy="458210"/>
               </a:xfrm>
               <a:prstGeom prst="ellipse">
@@ -12736,13 +11969,13 @@
             </p:txBody>
           </p:sp>
         </mc:Choice>
-        <mc:Fallback xmlns="">
+        <mc:Fallback>
           <p:sp>
             <p:nvSpPr>
-              <p:cNvPr id="50" name="Oval 49">
+              <p:cNvPr id="36" name="Oval 35">
                 <a:extLst>
                   <a:ext uri="{FF2B5EF4-FFF2-40B4-BE49-F238E27FC236}">
-                    <a16:creationId xmlns:a16="http://schemas.microsoft.com/office/drawing/2014/main" id="{7A26EF53-DDA5-C142-7BDE-38EA0F66A975}"/>
+                    <a16:creationId xmlns:a16="http://schemas.microsoft.com/office/drawing/2014/main" id="{D55773E2-63F5-17F7-D722-C06BCE194E58}"/>
                   </a:ext>
                 </a:extLst>
               </p:cNvPr>
@@ -12753,14 +11986,14 @@
             </p:nvSpPr>
             <p:spPr>
               <a:xfrm>
-                <a:off x="4923689" y="2473430"/>
+                <a:off x="8521372" y="2613787"/>
                 <a:ext cx="458210" cy="458210"/>
               </a:xfrm>
               <a:prstGeom prst="ellipse">
                 <a:avLst/>
               </a:prstGeom>
               <a:blipFill>
-                <a:blip r:embed="rId5"/>
+                <a:blip r:embed="rId23"/>
                 <a:stretch>
                   <a:fillRect/>
                 </a:stretch>
@@ -12791,23 +12024,23 @@
       </mc:AlternateContent>
       <p:cxnSp>
         <p:nvCxnSpPr>
-          <p:cNvPr id="52" name="Straight Arrow Connector 51">
-            <a:extLst>
-              <a:ext uri="{FF2B5EF4-FFF2-40B4-BE49-F238E27FC236}">
-                <a16:creationId xmlns:a16="http://schemas.microsoft.com/office/drawing/2014/main" id="{44A82767-85DD-30DD-5D4B-195B21EA5FF7}"/>
+          <p:cNvPr id="37" name="Straight Arrow Connector 36">
+            <a:extLst>
+              <a:ext uri="{FF2B5EF4-FFF2-40B4-BE49-F238E27FC236}">
+                <a16:creationId xmlns:a16="http://schemas.microsoft.com/office/drawing/2014/main" id="{9B99C52F-2C22-B409-FA9E-235E78DDE6EB}"/>
               </a:ext>
             </a:extLst>
           </p:cNvPr>
           <p:cNvCxnSpPr>
             <a:cxnSpLocks/>
-            <a:stCxn id="42" idx="0"/>
-            <a:endCxn id="124" idx="2"/>
+            <a:stCxn id="28" idx="0"/>
+            <a:endCxn id="49" idx="2"/>
           </p:cNvCxnSpPr>
           <p:nvPr/>
         </p:nvCxnSpPr>
         <p:spPr>
           <a:xfrm flipV="1">
-            <a:off x="4309763" y="3612130"/>
+            <a:off x="7907446" y="3752487"/>
             <a:ext cx="0" cy="309956"/>
           </a:xfrm>
           <a:prstGeom prst="straightConnector1">
@@ -12840,23 +12073,23 @@
       </p:cxnSp>
       <p:cxnSp>
         <p:nvCxnSpPr>
-          <p:cNvPr id="54" name="Straight Arrow Connector 53">
-            <a:extLst>
-              <a:ext uri="{FF2B5EF4-FFF2-40B4-BE49-F238E27FC236}">
-                <a16:creationId xmlns:a16="http://schemas.microsoft.com/office/drawing/2014/main" id="{29743DA7-9CA4-CCC9-56EB-4C3FF598F524}"/>
+          <p:cNvPr id="38" name="Straight Arrow Connector 37">
+            <a:extLst>
+              <a:ext uri="{FF2B5EF4-FFF2-40B4-BE49-F238E27FC236}">
+                <a16:creationId xmlns:a16="http://schemas.microsoft.com/office/drawing/2014/main" id="{6F4C19E1-7076-5342-7B27-CF87395E73B4}"/>
               </a:ext>
             </a:extLst>
           </p:cNvPr>
           <p:cNvCxnSpPr>
             <a:cxnSpLocks/>
-            <a:stCxn id="43" idx="0"/>
-            <a:endCxn id="125" idx="2"/>
+            <a:stCxn id="29" idx="0"/>
+            <a:endCxn id="50" idx="2"/>
           </p:cNvCxnSpPr>
           <p:nvPr/>
         </p:nvCxnSpPr>
         <p:spPr>
           <a:xfrm flipV="1">
-            <a:off x="5156828" y="3612133"/>
+            <a:off x="8754511" y="3752490"/>
             <a:ext cx="0" cy="309956"/>
           </a:xfrm>
           <a:prstGeom prst="straightConnector1">
@@ -12889,23 +12122,23 @@
       </p:cxnSp>
       <p:cxnSp>
         <p:nvCxnSpPr>
-          <p:cNvPr id="56" name="Straight Arrow Connector 55">
-            <a:extLst>
-              <a:ext uri="{FF2B5EF4-FFF2-40B4-BE49-F238E27FC236}">
-                <a16:creationId xmlns:a16="http://schemas.microsoft.com/office/drawing/2014/main" id="{FB100717-DE4A-1470-6A32-14C441AC848F}"/>
+          <p:cNvPr id="39" name="Straight Arrow Connector 38">
+            <a:extLst>
+              <a:ext uri="{FF2B5EF4-FFF2-40B4-BE49-F238E27FC236}">
+                <a16:creationId xmlns:a16="http://schemas.microsoft.com/office/drawing/2014/main" id="{1E904E48-D0DC-A0F1-77DA-2C2990639472}"/>
               </a:ext>
             </a:extLst>
           </p:cNvPr>
           <p:cNvCxnSpPr>
             <a:cxnSpLocks/>
-            <a:stCxn id="45" idx="0"/>
-            <a:endCxn id="127" idx="2"/>
+            <a:stCxn id="31" idx="0"/>
+            <a:endCxn id="52" idx="2"/>
           </p:cNvCxnSpPr>
           <p:nvPr/>
         </p:nvCxnSpPr>
         <p:spPr>
           <a:xfrm flipH="1" flipV="1">
-            <a:off x="6503769" y="3653823"/>
+            <a:off x="10101452" y="3794180"/>
             <a:ext cx="2208" cy="309956"/>
           </a:xfrm>
           <a:prstGeom prst="straightConnector1">
@@ -12938,23 +12171,23 @@
       </p:cxnSp>
       <p:cxnSp>
         <p:nvCxnSpPr>
-          <p:cNvPr id="58" name="Straight Arrow Connector 57">
-            <a:extLst>
-              <a:ext uri="{FF2B5EF4-FFF2-40B4-BE49-F238E27FC236}">
-                <a16:creationId xmlns:a16="http://schemas.microsoft.com/office/drawing/2014/main" id="{EEC37E57-1041-363F-9C1E-8705E42DA6FE}"/>
+          <p:cNvPr id="40" name="Straight Arrow Connector 39">
+            <a:extLst>
+              <a:ext uri="{FF2B5EF4-FFF2-40B4-BE49-F238E27FC236}">
+                <a16:creationId xmlns:a16="http://schemas.microsoft.com/office/drawing/2014/main" id="{1819DCB0-FFC3-8D5C-4619-42A90801D9B8}"/>
               </a:ext>
             </a:extLst>
           </p:cNvPr>
           <p:cNvCxnSpPr>
             <a:cxnSpLocks/>
-            <a:stCxn id="46" idx="0"/>
-            <a:endCxn id="128" idx="2"/>
+            <a:stCxn id="32" idx="0"/>
+            <a:endCxn id="53" idx="2"/>
           </p:cNvCxnSpPr>
           <p:nvPr/>
         </p:nvCxnSpPr>
         <p:spPr>
           <a:xfrm flipV="1">
-            <a:off x="7344781" y="3653823"/>
+            <a:off x="10942464" y="3794180"/>
             <a:ext cx="2205" cy="309955"/>
           </a:xfrm>
           <a:prstGeom prst="straightConnector1">
@@ -12987,22 +12220,22 @@
       </p:cxnSp>
       <p:cxnSp>
         <p:nvCxnSpPr>
-          <p:cNvPr id="89" name="Straight Arrow Connector 88">
-            <a:extLst>
-              <a:ext uri="{FF2B5EF4-FFF2-40B4-BE49-F238E27FC236}">
-                <a16:creationId xmlns:a16="http://schemas.microsoft.com/office/drawing/2014/main" id="{9A44197D-E79D-9113-30EB-D3607B1AD0C7}"/>
+          <p:cNvPr id="41" name="Straight Arrow Connector 40">
+            <a:extLst>
+              <a:ext uri="{FF2B5EF4-FFF2-40B4-BE49-F238E27FC236}">
+                <a16:creationId xmlns:a16="http://schemas.microsoft.com/office/drawing/2014/main" id="{65C51A0F-FF8D-A10E-9FA0-FE7C61A35ABB}"/>
               </a:ext>
             </a:extLst>
           </p:cNvPr>
           <p:cNvCxnSpPr>
             <a:cxnSpLocks/>
-            <a:stCxn id="47" idx="0"/>
+            <a:stCxn id="33" idx="0"/>
           </p:cNvCxnSpPr>
           <p:nvPr/>
         </p:nvCxnSpPr>
         <p:spPr>
           <a:xfrm flipV="1">
-            <a:off x="4300239" y="2259720"/>
+            <a:off x="7897922" y="2400077"/>
             <a:ext cx="1473946" cy="210746"/>
           </a:xfrm>
           <a:prstGeom prst="straightConnector1">
@@ -13035,22 +12268,22 @@
       </p:cxnSp>
       <p:cxnSp>
         <p:nvCxnSpPr>
-          <p:cNvPr id="91" name="Straight Arrow Connector 90">
-            <a:extLst>
-              <a:ext uri="{FF2B5EF4-FFF2-40B4-BE49-F238E27FC236}">
-                <a16:creationId xmlns:a16="http://schemas.microsoft.com/office/drawing/2014/main" id="{C30FDD7D-0E26-A07A-DECA-4FC0E4E09E11}"/>
+          <p:cNvPr id="42" name="Straight Arrow Connector 41">
+            <a:extLst>
+              <a:ext uri="{FF2B5EF4-FFF2-40B4-BE49-F238E27FC236}">
+                <a16:creationId xmlns:a16="http://schemas.microsoft.com/office/drawing/2014/main" id="{15935FAE-AD78-C88B-2924-43D1762F2C81}"/>
               </a:ext>
             </a:extLst>
           </p:cNvPr>
           <p:cNvCxnSpPr>
             <a:cxnSpLocks/>
-            <a:stCxn id="50" idx="0"/>
+            <a:stCxn id="36" idx="0"/>
           </p:cNvCxnSpPr>
           <p:nvPr/>
         </p:nvCxnSpPr>
         <p:spPr>
           <a:xfrm flipV="1">
-            <a:off x="5152794" y="2259720"/>
+            <a:off x="8750477" y="2400077"/>
             <a:ext cx="635354" cy="213710"/>
           </a:xfrm>
           <a:prstGeom prst="straightConnector1">
@@ -13083,22 +12316,22 @@
       </p:cxnSp>
       <p:cxnSp>
         <p:nvCxnSpPr>
-          <p:cNvPr id="93" name="Straight Arrow Connector 92">
-            <a:extLst>
-              <a:ext uri="{FF2B5EF4-FFF2-40B4-BE49-F238E27FC236}">
-                <a16:creationId xmlns:a16="http://schemas.microsoft.com/office/drawing/2014/main" id="{9159D639-28BA-A99B-F179-2184842C9325}"/>
+          <p:cNvPr id="43" name="Straight Arrow Connector 42">
+            <a:extLst>
+              <a:ext uri="{FF2B5EF4-FFF2-40B4-BE49-F238E27FC236}">
+                <a16:creationId xmlns:a16="http://schemas.microsoft.com/office/drawing/2014/main" id="{9F213330-50A9-4188-5F01-A0A1EC8051B3}"/>
               </a:ext>
             </a:extLst>
           </p:cNvPr>
           <p:cNvCxnSpPr>
             <a:cxnSpLocks/>
-            <a:stCxn id="48" idx="0"/>
+            <a:stCxn id="34" idx="0"/>
           </p:cNvCxnSpPr>
           <p:nvPr/>
         </p:nvCxnSpPr>
         <p:spPr>
           <a:xfrm flipH="1" flipV="1">
-            <a:off x="5768840" y="2266838"/>
+            <a:off x="9366523" y="2407195"/>
             <a:ext cx="720601" cy="251947"/>
           </a:xfrm>
           <a:prstGeom prst="straightConnector1">
@@ -13131,22 +12364,22 @@
       </p:cxnSp>
       <p:cxnSp>
         <p:nvCxnSpPr>
-          <p:cNvPr id="95" name="Straight Arrow Connector 94">
-            <a:extLst>
-              <a:ext uri="{FF2B5EF4-FFF2-40B4-BE49-F238E27FC236}">
-                <a16:creationId xmlns:a16="http://schemas.microsoft.com/office/drawing/2014/main" id="{75E38C47-3638-88B0-F7CD-DC79DC1BD700}"/>
+          <p:cNvPr id="44" name="Straight Arrow Connector 43">
+            <a:extLst>
+              <a:ext uri="{FF2B5EF4-FFF2-40B4-BE49-F238E27FC236}">
+                <a16:creationId xmlns:a16="http://schemas.microsoft.com/office/drawing/2014/main" id="{08A4E02B-9901-8CE2-6BA7-A400B33BC5E2}"/>
               </a:ext>
             </a:extLst>
           </p:cNvPr>
           <p:cNvCxnSpPr>
             <a:cxnSpLocks/>
-            <a:stCxn id="49" idx="0"/>
+            <a:stCxn id="35" idx="0"/>
           </p:cNvCxnSpPr>
           <p:nvPr/>
         </p:nvCxnSpPr>
         <p:spPr>
           <a:xfrm flipH="1" flipV="1">
-            <a:off x="5844740" y="2245290"/>
+            <a:off x="9442423" y="2385647"/>
             <a:ext cx="1476355" cy="255627"/>
           </a:xfrm>
           <a:prstGeom prst="straightConnector1">
@@ -13179,24 +12412,24 @@
       </p:cxnSp>
       <p:cxnSp>
         <p:nvCxnSpPr>
-          <p:cNvPr id="97" name="Straight Arrow Connector 96">
-            <a:extLst>
-              <a:ext uri="{FF2B5EF4-FFF2-40B4-BE49-F238E27FC236}">
-                <a16:creationId xmlns:a16="http://schemas.microsoft.com/office/drawing/2014/main" id="{4B509506-D7C6-5E44-1A17-A72CD8860962}"/>
+          <p:cNvPr id="45" name="Straight Arrow Connector 44">
+            <a:extLst>
+              <a:ext uri="{FF2B5EF4-FFF2-40B4-BE49-F238E27FC236}">
+                <a16:creationId xmlns:a16="http://schemas.microsoft.com/office/drawing/2014/main" id="{D4C66B5B-217D-7C98-2E55-CE0C4E28C322}"/>
               </a:ext>
             </a:extLst>
           </p:cNvPr>
           <p:cNvCxnSpPr>
             <a:cxnSpLocks/>
-            <a:stCxn id="33" idx="0"/>
-            <a:endCxn id="42" idx="2"/>
+            <a:stCxn id="128" idx="0"/>
+            <a:endCxn id="28" idx="2"/>
           </p:cNvCxnSpPr>
           <p:nvPr/>
         </p:nvCxnSpPr>
         <p:spPr>
           <a:xfrm flipH="1" flipV="1">
-            <a:off x="4309763" y="4297589"/>
-            <a:ext cx="1529270" cy="411363"/>
+            <a:off x="7907446" y="4437946"/>
+            <a:ext cx="1529270" cy="355947"/>
           </a:xfrm>
           <a:prstGeom prst="straightConnector1">
             <a:avLst/>
@@ -13222,24 +12455,24 @@
       </p:cxnSp>
       <p:cxnSp>
         <p:nvCxnSpPr>
-          <p:cNvPr id="101" name="Straight Arrow Connector 100">
-            <a:extLst>
-              <a:ext uri="{FF2B5EF4-FFF2-40B4-BE49-F238E27FC236}">
-                <a16:creationId xmlns:a16="http://schemas.microsoft.com/office/drawing/2014/main" id="{7ACB159E-3801-4F01-87A8-6750990D9FE2}"/>
+          <p:cNvPr id="46" name="Straight Arrow Connector 45">
+            <a:extLst>
+              <a:ext uri="{FF2B5EF4-FFF2-40B4-BE49-F238E27FC236}">
+                <a16:creationId xmlns:a16="http://schemas.microsoft.com/office/drawing/2014/main" id="{74E76EF1-590A-3558-2804-AFD46E25205A}"/>
               </a:ext>
             </a:extLst>
           </p:cNvPr>
           <p:cNvCxnSpPr>
             <a:cxnSpLocks/>
-            <a:stCxn id="33" idx="0"/>
-            <a:endCxn id="45" idx="2"/>
+            <a:stCxn id="128" idx="0"/>
+            <a:endCxn id="31" idx="2"/>
           </p:cNvCxnSpPr>
           <p:nvPr/>
         </p:nvCxnSpPr>
         <p:spPr>
           <a:xfrm flipV="1">
-            <a:off x="5839033" y="4339282"/>
-            <a:ext cx="666944" cy="369670"/>
+            <a:off x="9436716" y="4479639"/>
+            <a:ext cx="666944" cy="314254"/>
           </a:xfrm>
           <a:prstGeom prst="straightConnector1">
             <a:avLst/>
@@ -13265,24 +12498,24 @@
       </p:cxnSp>
       <p:cxnSp>
         <p:nvCxnSpPr>
-          <p:cNvPr id="108" name="Straight Arrow Connector 107">
-            <a:extLst>
-              <a:ext uri="{FF2B5EF4-FFF2-40B4-BE49-F238E27FC236}">
-                <a16:creationId xmlns:a16="http://schemas.microsoft.com/office/drawing/2014/main" id="{13EC5917-D439-7D4C-44B8-B1769DCC3159}"/>
+          <p:cNvPr id="47" name="Straight Arrow Connector 46">
+            <a:extLst>
+              <a:ext uri="{FF2B5EF4-FFF2-40B4-BE49-F238E27FC236}">
+                <a16:creationId xmlns:a16="http://schemas.microsoft.com/office/drawing/2014/main" id="{E183118D-26A5-D30D-032A-4208201DB21C}"/>
               </a:ext>
             </a:extLst>
           </p:cNvPr>
           <p:cNvCxnSpPr>
             <a:cxnSpLocks/>
-            <a:stCxn id="33" idx="0"/>
-            <a:endCxn id="46" idx="2"/>
+            <a:stCxn id="128" idx="0"/>
+            <a:endCxn id="32" idx="2"/>
           </p:cNvCxnSpPr>
           <p:nvPr/>
         </p:nvCxnSpPr>
         <p:spPr>
           <a:xfrm flipV="1">
-            <a:off x="5839033" y="4339282"/>
-            <a:ext cx="1505748" cy="369670"/>
+            <a:off x="9436716" y="4479639"/>
+            <a:ext cx="1505748" cy="314254"/>
           </a:xfrm>
           <a:prstGeom prst="straightConnector1">
             <a:avLst/>
@@ -13308,24 +12541,24 @@
       </p:cxnSp>
       <p:cxnSp>
         <p:nvCxnSpPr>
-          <p:cNvPr id="117" name="Straight Arrow Connector 116">
-            <a:extLst>
-              <a:ext uri="{FF2B5EF4-FFF2-40B4-BE49-F238E27FC236}">
-                <a16:creationId xmlns:a16="http://schemas.microsoft.com/office/drawing/2014/main" id="{95ECCD91-CC55-9B0A-A655-605E7C2C5D58}"/>
+          <p:cNvPr id="48" name="Straight Arrow Connector 47">
+            <a:extLst>
+              <a:ext uri="{FF2B5EF4-FFF2-40B4-BE49-F238E27FC236}">
+                <a16:creationId xmlns:a16="http://schemas.microsoft.com/office/drawing/2014/main" id="{90F06A16-BD30-EEEE-4195-2C7520A47DA8}"/>
               </a:ext>
             </a:extLst>
           </p:cNvPr>
           <p:cNvCxnSpPr>
             <a:cxnSpLocks/>
-            <a:stCxn id="33" idx="0"/>
-            <a:endCxn id="43" idx="2"/>
+            <a:stCxn id="128" idx="0"/>
+            <a:endCxn id="29" idx="2"/>
           </p:cNvCxnSpPr>
           <p:nvPr/>
         </p:nvCxnSpPr>
         <p:spPr>
           <a:xfrm flipH="1" flipV="1">
-            <a:off x="5156828" y="4297592"/>
-            <a:ext cx="682205" cy="411360"/>
+            <a:off x="8754511" y="4437949"/>
+            <a:ext cx="682205" cy="355944"/>
           </a:xfrm>
           <a:prstGeom prst="straightConnector1">
             <a:avLst/>
@@ -13351,10 +12584,10 @@
       </p:cxnSp>
       <p:sp>
         <p:nvSpPr>
-          <p:cNvPr id="124" name="Rectangle 123">
-            <a:extLst>
-              <a:ext uri="{FF2B5EF4-FFF2-40B4-BE49-F238E27FC236}">
-                <a16:creationId xmlns:a16="http://schemas.microsoft.com/office/drawing/2014/main" id="{8C595113-A9D4-B95C-3BD5-AAF1848919DB}"/>
+          <p:cNvPr id="49" name="Rectangle 48">
+            <a:extLst>
+              <a:ext uri="{FF2B5EF4-FFF2-40B4-BE49-F238E27FC236}">
+                <a16:creationId xmlns:a16="http://schemas.microsoft.com/office/drawing/2014/main" id="{DEA4DE4B-825D-209A-1E95-6D155B46501D}"/>
               </a:ext>
             </a:extLst>
           </p:cNvPr>
@@ -13363,7 +12596,7 @@
         </p:nvSpPr>
         <p:spPr>
           <a:xfrm>
-            <a:off x="3971466" y="3236627"/>
+            <a:off x="7569149" y="3376984"/>
             <a:ext cx="676594" cy="375503"/>
           </a:xfrm>
           <a:prstGeom prst="rect">
@@ -13418,10 +12651,10 @@
       </p:sp>
       <p:sp>
         <p:nvSpPr>
-          <p:cNvPr id="125" name="Rectangle 124">
-            <a:extLst>
-              <a:ext uri="{FF2B5EF4-FFF2-40B4-BE49-F238E27FC236}">
-                <a16:creationId xmlns:a16="http://schemas.microsoft.com/office/drawing/2014/main" id="{6930F6C2-DEEF-A0BB-44EB-C112A31A5084}"/>
+          <p:cNvPr id="50" name="Rectangle 49">
+            <a:extLst>
+              <a:ext uri="{FF2B5EF4-FFF2-40B4-BE49-F238E27FC236}">
+                <a16:creationId xmlns:a16="http://schemas.microsoft.com/office/drawing/2014/main" id="{4D723DED-E893-B9DC-FB16-D766B38FB6E4}"/>
               </a:ext>
             </a:extLst>
           </p:cNvPr>
@@ -13430,7 +12663,7 @@
         </p:nvSpPr>
         <p:spPr>
           <a:xfrm>
-            <a:off x="4845844" y="3236630"/>
+            <a:off x="8443527" y="3376987"/>
             <a:ext cx="621968" cy="375503"/>
           </a:xfrm>
           <a:prstGeom prst="rect">
@@ -13485,10 +12718,10 @@
       </p:sp>
       <p:sp>
         <p:nvSpPr>
-          <p:cNvPr id="126" name="Rectangle 125">
-            <a:extLst>
-              <a:ext uri="{FF2B5EF4-FFF2-40B4-BE49-F238E27FC236}">
-                <a16:creationId xmlns:a16="http://schemas.microsoft.com/office/drawing/2014/main" id="{BB8CF26B-0DEC-7A29-16EF-7B766CB19D60}"/>
+          <p:cNvPr id="51" name="Rectangle 50">
+            <a:extLst>
+              <a:ext uri="{FF2B5EF4-FFF2-40B4-BE49-F238E27FC236}">
+                <a16:creationId xmlns:a16="http://schemas.microsoft.com/office/drawing/2014/main" id="{49F89739-CA2F-A5B6-010E-C9B3BAE5B256}"/>
               </a:ext>
             </a:extLst>
           </p:cNvPr>
@@ -13497,7 +12730,7 @@
         </p:nvSpPr>
         <p:spPr>
           <a:xfrm>
-            <a:off x="5554187" y="3236626"/>
+            <a:off x="9151870" y="3376983"/>
             <a:ext cx="540690" cy="375504"/>
           </a:xfrm>
           <a:prstGeom prst="rect">
@@ -13542,10 +12775,10 @@
       </p:sp>
       <p:sp>
         <p:nvSpPr>
-          <p:cNvPr id="127" name="Rectangle 126">
-            <a:extLst>
-              <a:ext uri="{FF2B5EF4-FFF2-40B4-BE49-F238E27FC236}">
-                <a16:creationId xmlns:a16="http://schemas.microsoft.com/office/drawing/2014/main" id="{0D32BA7E-3521-5F1A-495E-602E7F3C5E88}"/>
+          <p:cNvPr id="52" name="Rectangle 51">
+            <a:extLst>
+              <a:ext uri="{FF2B5EF4-FFF2-40B4-BE49-F238E27FC236}">
+                <a16:creationId xmlns:a16="http://schemas.microsoft.com/office/drawing/2014/main" id="{08DC724C-EFDA-87A0-6854-857B3D2C7A20}"/>
               </a:ext>
             </a:extLst>
           </p:cNvPr>
@@ -13554,7 +12787,7 @@
         </p:nvSpPr>
         <p:spPr>
           <a:xfrm>
-            <a:off x="6190576" y="3278320"/>
+            <a:off x="9788259" y="3418677"/>
             <a:ext cx="626385" cy="375503"/>
           </a:xfrm>
           <a:prstGeom prst="rect">
@@ -13609,10 +12842,10 @@
       </p:sp>
       <p:sp>
         <p:nvSpPr>
-          <p:cNvPr id="128" name="Rectangle 127">
-            <a:extLst>
-              <a:ext uri="{FF2B5EF4-FFF2-40B4-BE49-F238E27FC236}">
-                <a16:creationId xmlns:a16="http://schemas.microsoft.com/office/drawing/2014/main" id="{2E0FC5FB-D083-59E3-5B1B-E423B36DF91D}"/>
+          <p:cNvPr id="53" name="Rectangle 52">
+            <a:extLst>
+              <a:ext uri="{FF2B5EF4-FFF2-40B4-BE49-F238E27FC236}">
+                <a16:creationId xmlns:a16="http://schemas.microsoft.com/office/drawing/2014/main" id="{31CD13BF-FD3B-7D7C-B06C-93573CE4197F}"/>
               </a:ext>
             </a:extLst>
           </p:cNvPr>
@@ -13621,7 +12854,7 @@
         </p:nvSpPr>
         <p:spPr>
           <a:xfrm>
-            <a:off x="7033796" y="3278319"/>
+            <a:off x="10631479" y="3418676"/>
             <a:ext cx="626379" cy="375504"/>
           </a:xfrm>
           <a:prstGeom prst="rect">
@@ -13676,22 +12909,22 @@
       </p:sp>
       <p:cxnSp>
         <p:nvCxnSpPr>
-          <p:cNvPr id="129" name="Connector: Elbow 128">
-            <a:extLst>
-              <a:ext uri="{FF2B5EF4-FFF2-40B4-BE49-F238E27FC236}">
-                <a16:creationId xmlns:a16="http://schemas.microsoft.com/office/drawing/2014/main" id="{05854225-4ECA-AA33-BA46-CF3DFB7C6A94}"/>
+          <p:cNvPr id="54" name="Connector: Elbow 53">
+            <a:extLst>
+              <a:ext uri="{FF2B5EF4-FFF2-40B4-BE49-F238E27FC236}">
+                <a16:creationId xmlns:a16="http://schemas.microsoft.com/office/drawing/2014/main" id="{18AFB11B-744F-7AEE-580D-F574916EAC4E}"/>
               </a:ext>
             </a:extLst>
           </p:cNvPr>
           <p:cNvCxnSpPr>
             <a:cxnSpLocks/>
-            <a:endCxn id="125" idx="1"/>
+            <a:endCxn id="50" idx="1"/>
           </p:cNvCxnSpPr>
           <p:nvPr/>
         </p:nvCxnSpPr>
         <p:spPr>
           <a:xfrm>
-            <a:off x="4307864" y="3117075"/>
+            <a:off x="7905547" y="3257432"/>
             <a:ext cx="537980" cy="307307"/>
           </a:xfrm>
           <a:prstGeom prst="bentConnector3">
@@ -13726,10 +12959,10 @@
       </p:cxnSp>
       <p:cxnSp>
         <p:nvCxnSpPr>
-          <p:cNvPr id="136" name="Straight Arrow Connector 135">
-            <a:extLst>
-              <a:ext uri="{FF2B5EF4-FFF2-40B4-BE49-F238E27FC236}">
-                <a16:creationId xmlns:a16="http://schemas.microsoft.com/office/drawing/2014/main" id="{038E33B7-6B22-BE07-26BA-2336B69CA5F9}"/>
+          <p:cNvPr id="55" name="Straight Arrow Connector 54">
+            <a:extLst>
+              <a:ext uri="{FF2B5EF4-FFF2-40B4-BE49-F238E27FC236}">
+                <a16:creationId xmlns:a16="http://schemas.microsoft.com/office/drawing/2014/main" id="{21FAA0D2-9D22-02C1-616B-766F8D0E6B93}"/>
               </a:ext>
             </a:extLst>
           </p:cNvPr>
@@ -13740,7 +12973,7 @@
         </p:nvCxnSpPr>
         <p:spPr>
           <a:xfrm flipV="1">
-            <a:off x="4307864" y="2926668"/>
+            <a:off x="7905547" y="3067025"/>
             <a:ext cx="0" cy="309956"/>
           </a:xfrm>
           <a:prstGeom prst="straightConnector1">
@@ -13773,10 +13006,10 @@
       </p:cxnSp>
       <p:cxnSp>
         <p:nvCxnSpPr>
-          <p:cNvPr id="137" name="Straight Arrow Connector 136">
-            <a:extLst>
-              <a:ext uri="{FF2B5EF4-FFF2-40B4-BE49-F238E27FC236}">
-                <a16:creationId xmlns:a16="http://schemas.microsoft.com/office/drawing/2014/main" id="{64BC39FE-6C0E-5A1D-1E17-14DCB1104041}"/>
+          <p:cNvPr id="56" name="Straight Arrow Connector 55">
+            <a:extLst>
+              <a:ext uri="{FF2B5EF4-FFF2-40B4-BE49-F238E27FC236}">
+                <a16:creationId xmlns:a16="http://schemas.microsoft.com/office/drawing/2014/main" id="{33994AC8-4402-5FE6-02B6-DAF05D48F828}"/>
               </a:ext>
             </a:extLst>
           </p:cNvPr>
@@ -13787,7 +13020,7 @@
         </p:nvCxnSpPr>
         <p:spPr>
           <a:xfrm flipV="1">
-            <a:off x="5147938" y="2926671"/>
+            <a:off x="8745621" y="3067028"/>
             <a:ext cx="0" cy="309956"/>
           </a:xfrm>
           <a:prstGeom prst="straightConnector1">
@@ -13820,10 +13053,10 @@
       </p:cxnSp>
       <p:cxnSp>
         <p:nvCxnSpPr>
-          <p:cNvPr id="138" name="Straight Arrow Connector 137">
-            <a:extLst>
-              <a:ext uri="{FF2B5EF4-FFF2-40B4-BE49-F238E27FC236}">
-                <a16:creationId xmlns:a16="http://schemas.microsoft.com/office/drawing/2014/main" id="{6EE4500D-164C-D83E-A209-470E956B2F70}"/>
+          <p:cNvPr id="57" name="Straight Arrow Connector 56">
+            <a:extLst>
+              <a:ext uri="{FF2B5EF4-FFF2-40B4-BE49-F238E27FC236}">
+                <a16:creationId xmlns:a16="http://schemas.microsoft.com/office/drawing/2014/main" id="{8C79B222-563B-29C3-CB06-422675721CC5}"/>
               </a:ext>
             </a:extLst>
           </p:cNvPr>
@@ -13834,7 +13067,7 @@
         </p:nvCxnSpPr>
         <p:spPr>
           <a:xfrm flipV="1">
-            <a:off x="6502165" y="2968361"/>
+            <a:off x="10099848" y="3108718"/>
             <a:ext cx="0" cy="309956"/>
           </a:xfrm>
           <a:prstGeom prst="straightConnector1">
@@ -13867,10 +13100,10 @@
       </p:cxnSp>
       <p:cxnSp>
         <p:nvCxnSpPr>
-          <p:cNvPr id="139" name="Straight Arrow Connector 138">
-            <a:extLst>
-              <a:ext uri="{FF2B5EF4-FFF2-40B4-BE49-F238E27FC236}">
-                <a16:creationId xmlns:a16="http://schemas.microsoft.com/office/drawing/2014/main" id="{6EBDFBE1-4940-B467-5271-72E6BA12DC0D}"/>
+          <p:cNvPr id="58" name="Straight Arrow Connector 57">
+            <a:extLst>
+              <a:ext uri="{FF2B5EF4-FFF2-40B4-BE49-F238E27FC236}">
+                <a16:creationId xmlns:a16="http://schemas.microsoft.com/office/drawing/2014/main" id="{DF65DA8C-CAC9-1D7B-CE39-58B921AE7731}"/>
               </a:ext>
             </a:extLst>
           </p:cNvPr>
@@ -13881,7 +13114,7 @@
         </p:nvCxnSpPr>
         <p:spPr>
           <a:xfrm flipV="1">
-            <a:off x="7342241" y="2968361"/>
+            <a:off x="10939924" y="3108718"/>
             <a:ext cx="0" cy="309955"/>
           </a:xfrm>
           <a:prstGeom prst="straightConnector1">
@@ -13914,10 +13147,10 @@
       </p:cxnSp>
       <p:sp>
         <p:nvSpPr>
-          <p:cNvPr id="140" name="Rectangle 139">
-            <a:extLst>
-              <a:ext uri="{FF2B5EF4-FFF2-40B4-BE49-F238E27FC236}">
-                <a16:creationId xmlns:a16="http://schemas.microsoft.com/office/drawing/2014/main" id="{EACB3C24-FA40-1817-49BA-E19AECBB3A6D}"/>
+          <p:cNvPr id="59" name="Rectangle 58">
+            <a:extLst>
+              <a:ext uri="{FF2B5EF4-FFF2-40B4-BE49-F238E27FC236}">
+                <a16:creationId xmlns:a16="http://schemas.microsoft.com/office/drawing/2014/main" id="{0A80058A-3FE1-3BBE-AD5C-709538C523C0}"/>
               </a:ext>
             </a:extLst>
           </p:cNvPr>
@@ -13926,7 +13159,7 @@
         </p:nvSpPr>
         <p:spPr>
           <a:xfrm>
-            <a:off x="5554187" y="2561302"/>
+            <a:off x="9151870" y="2701659"/>
             <a:ext cx="540690" cy="375504"/>
           </a:xfrm>
           <a:prstGeom prst="rect">
@@ -13971,10 +13204,10 @@
       </p:sp>
       <p:sp>
         <p:nvSpPr>
-          <p:cNvPr id="149" name="Rectangle 148">
-            <a:extLst>
-              <a:ext uri="{FF2B5EF4-FFF2-40B4-BE49-F238E27FC236}">
-                <a16:creationId xmlns:a16="http://schemas.microsoft.com/office/drawing/2014/main" id="{F5FB5E63-77D6-84CA-0D14-20EFFCFE1493}"/>
+          <p:cNvPr id="60" name="Rectangle 59">
+            <a:extLst>
+              <a:ext uri="{FF2B5EF4-FFF2-40B4-BE49-F238E27FC236}">
+                <a16:creationId xmlns:a16="http://schemas.microsoft.com/office/drawing/2014/main" id="{000B5E58-8847-35E3-A13A-EBF1E9AF405F}"/>
               </a:ext>
             </a:extLst>
           </p:cNvPr>
@@ -13983,7 +13216,7 @@
         </p:nvSpPr>
         <p:spPr>
           <a:xfrm>
-            <a:off x="4791196" y="1827260"/>
+            <a:off x="8388879" y="1967617"/>
             <a:ext cx="2058059" cy="430421"/>
           </a:xfrm>
           <a:prstGeom prst="rect">
@@ -14028,17 +13261,17 @@
                   <a:schemeClr val="tx1"/>
                 </a:solidFill>
               </a:rPr>
-              <a:t>Linear, ReLU</a:t>
+              <a:t>Linear</a:t>
             </a:r>
           </a:p>
         </p:txBody>
       </p:sp>
       <p:cxnSp>
         <p:nvCxnSpPr>
-          <p:cNvPr id="155" name="Straight Arrow Connector 154">
-            <a:extLst>
-              <a:ext uri="{FF2B5EF4-FFF2-40B4-BE49-F238E27FC236}">
-                <a16:creationId xmlns:a16="http://schemas.microsoft.com/office/drawing/2014/main" id="{B6D5A67E-DD1A-1256-1A51-1F7B4888D183}"/>
+          <p:cNvPr id="61" name="Straight Arrow Connector 60">
+            <a:extLst>
+              <a:ext uri="{FF2B5EF4-FFF2-40B4-BE49-F238E27FC236}">
+                <a16:creationId xmlns:a16="http://schemas.microsoft.com/office/drawing/2014/main" id="{5CACB3A2-77FA-FA5D-2FA4-873A8EB7B351}"/>
               </a:ext>
             </a:extLst>
           </p:cNvPr>
@@ -14049,7 +13282,7 @@
         </p:nvCxnSpPr>
         <p:spPr>
           <a:xfrm flipH="1" flipV="1">
-            <a:off x="5820226" y="1612565"/>
+            <a:off x="9417909" y="1752922"/>
             <a:ext cx="1" cy="242696"/>
           </a:xfrm>
           <a:prstGeom prst="straightConnector1">
@@ -14076,10 +13309,10 @@
       </p:cxnSp>
       <p:grpSp>
         <p:nvGrpSpPr>
-          <p:cNvPr id="40" name="Group 39">
-            <a:extLst>
-              <a:ext uri="{FF2B5EF4-FFF2-40B4-BE49-F238E27FC236}">
-                <a16:creationId xmlns:a16="http://schemas.microsoft.com/office/drawing/2014/main" id="{23BB1076-33ED-8896-D1AB-A56FA1D37B84}"/>
+          <p:cNvPr id="62" name="Group 61">
+            <a:extLst>
+              <a:ext uri="{FF2B5EF4-FFF2-40B4-BE49-F238E27FC236}">
+                <a16:creationId xmlns:a16="http://schemas.microsoft.com/office/drawing/2014/main" id="{605B4DE2-ED9B-01FC-42A5-6EA425DCFF68}"/>
               </a:ext>
             </a:extLst>
           </p:cNvPr>
@@ -14088,7 +13321,7 @@
         </p:nvGrpSpPr>
         <p:grpSpPr>
           <a:xfrm>
-            <a:off x="5257163" y="4615942"/>
+            <a:off x="8854846" y="4700883"/>
             <a:ext cx="1191296" cy="564741"/>
             <a:chOff x="8551905" y="4779590"/>
             <a:chExt cx="1191296" cy="564741"/>
@@ -14096,10 +13329,10 @@
         </p:grpSpPr>
         <p:sp>
           <p:nvSpPr>
-            <p:cNvPr id="32" name="Rectangle 31">
+            <p:cNvPr id="63" name="Rectangle 62">
               <a:extLst>
                 <a:ext uri="{FF2B5EF4-FFF2-40B4-BE49-F238E27FC236}">
-                  <a16:creationId xmlns:a16="http://schemas.microsoft.com/office/drawing/2014/main" id="{94138547-368C-D22C-5C00-E7CD08749542}"/>
+                  <a16:creationId xmlns:a16="http://schemas.microsoft.com/office/drawing/2014/main" id="{D4CEB90B-D69A-DA6E-6000-8F4C30C26444}"/>
                 </a:ext>
               </a:extLst>
             </p:cNvPr>
@@ -14157,10 +13390,10 @@
         </p:sp>
         <p:sp>
           <p:nvSpPr>
-            <p:cNvPr id="33" name="Rectangle 32">
+            <p:cNvPr id="128" name="Rectangle 127">
               <a:extLst>
                 <a:ext uri="{FF2B5EF4-FFF2-40B4-BE49-F238E27FC236}">
-                  <a16:creationId xmlns:a16="http://schemas.microsoft.com/office/drawing/2014/main" id="{173628BF-ECEE-4CC1-745C-033496AE33D1}"/>
+                  <a16:creationId xmlns:a16="http://schemas.microsoft.com/office/drawing/2014/main" id="{8350360D-A382-7BF0-D495-2D4056B0F854}"/>
                 </a:ext>
               </a:extLst>
             </p:cNvPr>
@@ -14216,14 +13449,14 @@
             </a:p>
           </p:txBody>
         </p:sp>
-        <mc:AlternateContent xmlns:mc="http://schemas.openxmlformats.org/markup-compatibility/2006" xmlns:a14="http://schemas.microsoft.com/office/drawing/2010/main">
-          <mc:Choice Requires="a14">
+        <mc:AlternateContent xmlns:mc="http://schemas.openxmlformats.org/markup-compatibility/2006">
+          <mc:Choice xmlns:a14="http://schemas.microsoft.com/office/drawing/2010/main" Requires="a14">
             <p:sp>
               <p:nvSpPr>
-                <p:cNvPr id="38" name="Rectangle 37">
+                <p:cNvPr id="129" name="Rectangle 128">
                   <a:extLst>
                     <a:ext uri="{FF2B5EF4-FFF2-40B4-BE49-F238E27FC236}">
-                      <a16:creationId xmlns:a16="http://schemas.microsoft.com/office/drawing/2014/main" id="{EF6A6A03-89AA-1B03-291E-22FD1ED8AF95}"/>
+                      <a16:creationId xmlns:a16="http://schemas.microsoft.com/office/drawing/2014/main" id="{A3C3D2FE-161D-5B5F-9E35-0A8D887C6ACF}"/>
                     </a:ext>
                   </a:extLst>
                 </p:cNvPr>
@@ -14277,92 +13510,15 @@
                         <m:jc m:val="centerGroup"/>
                       </m:oMathParaPr>
                       <m:oMath xmlns:m="http://schemas.openxmlformats.org/officeDocument/2006/math">
-                        <m:sSub>
-                          <m:sSubPr>
-                            <m:ctrlPr>
-                              <a:rPr lang="en-US" sz="1400" b="1" i="1" dirty="0" smtClean="0">
-                                <a:solidFill>
-                                  <a:sysClr val="windowText" lastClr="000000"/>
-                                </a:solidFill>
-                                <a:latin typeface="Cambria Math" panose="02040503050406030204" pitchFamily="18" charset="0"/>
-                              </a:rPr>
-                            </m:ctrlPr>
-                          </m:sSubPr>
-                          <m:e>
-                            <m:r>
-                              <a:rPr lang="en-US" sz="1400" b="1" i="0" dirty="0" smtClean="0">
-                                <a:solidFill>
-                                  <a:sysClr val="windowText" lastClr="000000"/>
-                                </a:solidFill>
-                                <a:latin typeface="Cambria Math" panose="02040503050406030204" pitchFamily="18" charset="0"/>
-                              </a:rPr>
-                              <m:t>𝐗</m:t>
-                            </m:r>
-                          </m:e>
-                          <m:sub>
-                            <m:r>
-                              <a:rPr lang="en-US" sz="1400" b="1" i="0" dirty="0" smtClean="0">
-                                <a:solidFill>
-                                  <a:sysClr val="windowText" lastClr="000000"/>
-                                </a:solidFill>
-                                <a:latin typeface="Cambria Math" panose="02040503050406030204" pitchFamily="18" charset="0"/>
-                              </a:rPr>
-                              <m:t>𝟏</m:t>
-                            </m:r>
-                          </m:sub>
-                        </m:sSub>
                         <m:r>
-                          <a:rPr lang="en-US" sz="1400" b="1" i="0" dirty="0" smtClean="0">
+                          <a:rPr lang="en-US" sz="1400" b="1">
                             <a:solidFill>
                               <a:sysClr val="windowText" lastClr="000000"/>
                             </a:solidFill>
                             <a:latin typeface="Cambria Math" panose="02040503050406030204" pitchFamily="18" charset="0"/>
                           </a:rPr>
-                          <m:t>,…,</m:t>
+                          <m:t>𝐱</m:t>
                         </m:r>
-                        <m:sSub>
-                          <m:sSubPr>
-                            <m:ctrlPr>
-                              <a:rPr lang="en-US" sz="1400" b="1" i="1" dirty="0">
-                                <a:solidFill>
-                                  <a:sysClr val="windowText" lastClr="000000"/>
-                                </a:solidFill>
-                                <a:latin typeface="Cambria Math" panose="02040503050406030204" pitchFamily="18" charset="0"/>
-                              </a:rPr>
-                            </m:ctrlPr>
-                          </m:sSubPr>
-                          <m:e>
-                            <m:r>
-                              <a:rPr lang="en-US" sz="1400" b="1" i="1" dirty="0">
-                                <a:solidFill>
-                                  <a:sysClr val="windowText" lastClr="000000"/>
-                                </a:solidFill>
-                                <a:latin typeface="Cambria Math" panose="02040503050406030204" pitchFamily="18" charset="0"/>
-                              </a:rPr>
-                              <m:t>𝑿</m:t>
-                            </m:r>
-                          </m:e>
-                          <m:sub>
-                            <m:r>
-                              <a:rPr lang="en-US" sz="1400" b="1" i="1" dirty="0">
-                                <a:solidFill>
-                                  <a:sysClr val="windowText" lastClr="000000"/>
-                                </a:solidFill>
-                                <a:latin typeface="Cambria Math" panose="02040503050406030204" pitchFamily="18" charset="0"/>
-                              </a:rPr>
-                              <m:t>𝟏</m:t>
-                            </m:r>
-                            <m:r>
-                              <a:rPr lang="en-US" sz="1400" b="1" i="1" dirty="0" smtClean="0">
-                                <a:solidFill>
-                                  <a:sysClr val="windowText" lastClr="000000"/>
-                                </a:solidFill>
-                                <a:latin typeface="Cambria Math" panose="02040503050406030204" pitchFamily="18" charset="0"/>
-                              </a:rPr>
-                              <m:t>𝟒</m:t>
-                            </m:r>
-                          </m:sub>
-                        </m:sSub>
                       </m:oMath>
                     </m:oMathPara>
                   </a14:m>
@@ -14375,13 +13531,13 @@
               </p:txBody>
             </p:sp>
           </mc:Choice>
-          <mc:Fallback xmlns="">
+          <mc:Fallback>
             <p:sp>
               <p:nvSpPr>
-                <p:cNvPr id="38" name="Rectangle 37">
+                <p:cNvPr id="129" name="Rectangle 128">
                   <a:extLst>
                     <a:ext uri="{FF2B5EF4-FFF2-40B4-BE49-F238E27FC236}">
-                      <a16:creationId xmlns:a16="http://schemas.microsoft.com/office/drawing/2014/main" id="{EF6A6A03-89AA-1B03-291E-22FD1ED8AF95}"/>
+                      <a16:creationId xmlns:a16="http://schemas.microsoft.com/office/drawing/2014/main" id="{A3C3D2FE-161D-5B5F-9E35-0A8D887C6ACF}"/>
                     </a:ext>
                   </a:extLst>
                 </p:cNvPr>
@@ -14399,7 +13555,7 @@
                   <a:avLst/>
                 </a:prstGeom>
                 <a:blipFill>
-                  <a:blip r:embed="rId6"/>
+                  <a:blip r:embed="rId24"/>
                   <a:stretch>
                     <a:fillRect/>
                   </a:stretch>
@@ -14426,14 +13582,14 @@
           </mc:Fallback>
         </mc:AlternateContent>
       </p:grpSp>
-      <mc:AlternateContent xmlns:mc="http://schemas.openxmlformats.org/markup-compatibility/2006" xmlns:a14="http://schemas.microsoft.com/office/drawing/2010/main">
-        <mc:Choice Requires="a14">
+      <mc:AlternateContent xmlns:mc="http://schemas.openxmlformats.org/markup-compatibility/2006">
+        <mc:Choice xmlns:a14="http://schemas.microsoft.com/office/drawing/2010/main" Requires="a14">
           <p:sp>
             <p:nvSpPr>
-              <p:cNvPr id="61" name="TextBox 60">
+              <p:cNvPr id="130" name="TextBox 129">
                 <a:extLst>
                   <a:ext uri="{FF2B5EF4-FFF2-40B4-BE49-F238E27FC236}">
-                    <a16:creationId xmlns:a16="http://schemas.microsoft.com/office/drawing/2014/main" id="{21123623-0477-92E1-F3E4-470FDA1C95F5}"/>
+                    <a16:creationId xmlns:a16="http://schemas.microsoft.com/office/drawing/2014/main" id="{B8572E17-A03F-D01F-2BAF-A52117292821}"/>
                   </a:ext>
                 </a:extLst>
               </p:cNvPr>
@@ -14442,21 +13598,18 @@
             </p:nvSpPr>
             <p:spPr>
               <a:xfrm>
-                <a:off x="5102348" y="1302609"/>
+                <a:off x="8700031" y="1442966"/>
                 <a:ext cx="1435756" cy="307777"/>
               </a:xfrm>
               <a:prstGeom prst="rect">
                 <a:avLst/>
               </a:prstGeom>
               <a:solidFill>
-                <a:schemeClr val="accent6">
-                  <a:lumMod val="20000"/>
-                  <a:lumOff val="80000"/>
-                </a:schemeClr>
+                <a:srgbClr val="FFFF99"/>
               </a:solidFill>
               <a:ln>
                 <a:solidFill>
-                  <a:schemeClr val="accent6"/>
+                  <a:srgbClr val="FFCC66"/>
                 </a:solidFill>
               </a:ln>
             </p:spPr>
@@ -14473,56 +13626,12 @@
                       <m:jc m:val="centerGroup"/>
                     </m:oMathParaPr>
                     <m:oMath xmlns:m="http://schemas.openxmlformats.org/officeDocument/2006/math">
-                      <m:d>
-                        <m:dPr>
-                          <m:begChr m:val="⟨"/>
-                          <m:endChr m:val="⟩"/>
-                          <m:ctrlPr>
-                            <a:rPr lang="en-US" sz="1400" b="1" i="1" smtClean="0">
-                              <a:latin typeface="Cambria Math" panose="02040503050406030204" pitchFamily="18" charset="0"/>
-                            </a:rPr>
-                          </m:ctrlPr>
-                        </m:dPr>
-                        <m:e>
-                          <m:sSub>
-                            <m:sSubPr>
-                              <m:ctrlPr>
-                                <a:rPr lang="en-US" sz="1400" b="1" i="1">
-                                  <a:latin typeface="Cambria Math" panose="02040503050406030204" pitchFamily="18" charset="0"/>
-                                </a:rPr>
-                              </m:ctrlPr>
-                            </m:sSubPr>
-                            <m:e>
-                              <m:r>
-                                <a:rPr lang="en-US" sz="1400" b="1" i="0" smtClean="0">
-                                  <a:latin typeface="Cambria Math" panose="02040503050406030204" pitchFamily="18" charset="0"/>
-                                </a:rPr>
-                                <m:t>𝐑</m:t>
-                              </m:r>
-                            </m:e>
-                            <m:sub>
-                              <m:r>
-                                <a:rPr lang="en-US" sz="1400" b="1" i="0" smtClean="0">
-                                  <a:latin typeface="Cambria Math" panose="02040503050406030204" pitchFamily="18" charset="0"/>
-                                </a:rPr>
-                                <m:t>𝐈</m:t>
-                              </m:r>
-                            </m:sub>
-                          </m:sSub>
-                          <m:r>
-                            <a:rPr lang="en-US" sz="1400" b="1" i="0" smtClean="0">
-                              <a:latin typeface="Cambria Math" panose="02040503050406030204" pitchFamily="18" charset="0"/>
-                            </a:rPr>
-                            <m:t> </m:t>
-                          </m:r>
-                          <m:r>
-                            <a:rPr lang="en-US" sz="1400" b="1" i="0" smtClean="0">
-                              <a:latin typeface="Cambria Math" panose="02040503050406030204" pitchFamily="18" charset="0"/>
-                            </a:rPr>
-                            <m:t>𝐃𝐨𝐋𝐏</m:t>
-                          </m:r>
-                        </m:e>
-                      </m:d>
+                      <m:r>
+                        <a:rPr lang="en-US" sz="1400" b="1">
+                          <a:latin typeface="Cambria Math" panose="02040503050406030204" pitchFamily="18" charset="0"/>
+                        </a:rPr>
+                        <m:t>𝐲</m:t>
+                      </m:r>
                     </m:oMath>
                   </m:oMathPara>
                 </a14:m>
@@ -14531,13 +13640,13 @@
             </p:txBody>
           </p:sp>
         </mc:Choice>
-        <mc:Fallback xmlns="">
+        <mc:Fallback>
           <p:sp>
             <p:nvSpPr>
-              <p:cNvPr id="61" name="TextBox 60">
+              <p:cNvPr id="130" name="TextBox 129">
                 <a:extLst>
                   <a:ext uri="{FF2B5EF4-FFF2-40B4-BE49-F238E27FC236}">
-                    <a16:creationId xmlns:a16="http://schemas.microsoft.com/office/drawing/2014/main" id="{21123623-0477-92E1-F3E4-470FDA1C95F5}"/>
+                    <a16:creationId xmlns:a16="http://schemas.microsoft.com/office/drawing/2014/main" id="{B8572E17-A03F-D01F-2BAF-A52117292821}"/>
                   </a:ext>
                 </a:extLst>
               </p:cNvPr>
@@ -14548,21 +13657,21 @@
             </p:nvSpPr>
             <p:spPr>
               <a:xfrm>
-                <a:off x="5102348" y="1302609"/>
+                <a:off x="8700031" y="1442966"/>
                 <a:ext cx="1435756" cy="307777"/>
               </a:xfrm>
               <a:prstGeom prst="rect">
                 <a:avLst/>
               </a:prstGeom>
               <a:blipFill>
-                <a:blip r:embed="rId7"/>
+                <a:blip r:embed="rId25"/>
                 <a:stretch>
                   <a:fillRect/>
                 </a:stretch>
               </a:blipFill>
               <a:ln>
                 <a:solidFill>
-                  <a:schemeClr val="accent6"/>
+                  <a:srgbClr val="FFCC66"/>
                 </a:solidFill>
               </a:ln>
             </p:spPr>
@@ -14581,14 +13690,14 @@
           </p:sp>
         </mc:Fallback>
       </mc:AlternateContent>
-      <mc:AlternateContent xmlns:mc="http://schemas.openxmlformats.org/markup-compatibility/2006" xmlns:a14="http://schemas.microsoft.com/office/drawing/2010/main">
-        <mc:Choice Requires="a14">
+      <mc:AlternateContent xmlns:mc="http://schemas.openxmlformats.org/markup-compatibility/2006">
+        <mc:Choice xmlns:a14="http://schemas.microsoft.com/office/drawing/2010/main" Requires="a14">
           <p:sp>
             <p:nvSpPr>
-              <p:cNvPr id="62" name="TextBox 61">
+              <p:cNvPr id="131" name="TextBox 130">
                 <a:extLst>
                   <a:ext uri="{FF2B5EF4-FFF2-40B4-BE49-F238E27FC236}">
-                    <a16:creationId xmlns:a16="http://schemas.microsoft.com/office/drawing/2014/main" id="{BC120B51-2227-231B-C6E0-738082511DA4}"/>
+                    <a16:creationId xmlns:a16="http://schemas.microsoft.com/office/drawing/2014/main" id="{35DEBD36-ED0D-4868-DC51-0388C5A4F3AF}"/>
                   </a:ext>
                 </a:extLst>
               </p:cNvPr>
@@ -14597,7 +13706,7 @@
             </p:nvSpPr>
             <p:spPr>
               <a:xfrm>
-                <a:off x="7805593" y="4669802"/>
+                <a:off x="11227788" y="4810159"/>
                 <a:ext cx="884961" cy="523220"/>
               </a:xfrm>
               <a:prstGeom prst="rect">
@@ -14680,13 +13789,13 @@
             </p:txBody>
           </p:sp>
         </mc:Choice>
-        <mc:Fallback xmlns="">
+        <mc:Fallback>
           <p:sp>
             <p:nvSpPr>
-              <p:cNvPr id="62" name="TextBox 61">
+              <p:cNvPr id="131" name="TextBox 130">
                 <a:extLst>
                   <a:ext uri="{FF2B5EF4-FFF2-40B4-BE49-F238E27FC236}">
-                    <a16:creationId xmlns:a16="http://schemas.microsoft.com/office/drawing/2014/main" id="{BC120B51-2227-231B-C6E0-738082511DA4}"/>
+                    <a16:creationId xmlns:a16="http://schemas.microsoft.com/office/drawing/2014/main" id="{35DEBD36-ED0D-4868-DC51-0388C5A4F3AF}"/>
                   </a:ext>
                 </a:extLst>
               </p:cNvPr>
@@ -14697,14 +13806,14 @@
             </p:nvSpPr>
             <p:spPr>
               <a:xfrm>
-                <a:off x="7805593" y="4669802"/>
+                <a:off x="11227788" y="4810159"/>
                 <a:ext cx="884961" cy="523220"/>
               </a:xfrm>
               <a:prstGeom prst="rect">
                 <a:avLst/>
               </a:prstGeom>
               <a:blipFill>
-                <a:blip r:embed="rId8"/>
+                <a:blip r:embed="rId26"/>
                 <a:stretch>
                   <a:fillRect/>
                 </a:stretch>
@@ -14725,14 +13834,14 @@
           </p:sp>
         </mc:Fallback>
       </mc:AlternateContent>
-      <mc:AlternateContent xmlns:mc="http://schemas.openxmlformats.org/markup-compatibility/2006" xmlns:a14="http://schemas.microsoft.com/office/drawing/2010/main">
-        <mc:Choice Requires="a14">
+      <mc:AlternateContent xmlns:mc="http://schemas.openxmlformats.org/markup-compatibility/2006">
+        <mc:Choice xmlns:a14="http://schemas.microsoft.com/office/drawing/2010/main" Requires="a14">
           <p:sp>
             <p:nvSpPr>
-              <p:cNvPr id="63" name="TextBox 62">
+              <p:cNvPr id="132" name="TextBox 131">
                 <a:extLst>
                   <a:ext uri="{FF2B5EF4-FFF2-40B4-BE49-F238E27FC236}">
-                    <a16:creationId xmlns:a16="http://schemas.microsoft.com/office/drawing/2014/main" id="{B65A509A-E606-87A8-45A0-A44D4117F8EA}"/>
+                    <a16:creationId xmlns:a16="http://schemas.microsoft.com/office/drawing/2014/main" id="{E52A65F0-E33F-C184-A041-8CEE5DD6D01B}"/>
                   </a:ext>
                 </a:extLst>
               </p:cNvPr>
@@ -14741,7 +13850,7 @@
             </p:nvSpPr>
             <p:spPr>
               <a:xfrm>
-                <a:off x="7755169" y="3890611"/>
+                <a:off x="11177364" y="4030968"/>
                 <a:ext cx="985811" cy="523220"/>
               </a:xfrm>
               <a:prstGeom prst="rect">
@@ -14817,13 +13926,13 @@
             </p:txBody>
           </p:sp>
         </mc:Choice>
-        <mc:Fallback xmlns="">
+        <mc:Fallback>
           <p:sp>
             <p:nvSpPr>
-              <p:cNvPr id="63" name="TextBox 62">
+              <p:cNvPr id="132" name="TextBox 131">
                 <a:extLst>
                   <a:ext uri="{FF2B5EF4-FFF2-40B4-BE49-F238E27FC236}">
-                    <a16:creationId xmlns:a16="http://schemas.microsoft.com/office/drawing/2014/main" id="{B65A509A-E606-87A8-45A0-A44D4117F8EA}"/>
+                    <a16:creationId xmlns:a16="http://schemas.microsoft.com/office/drawing/2014/main" id="{E52A65F0-E33F-C184-A041-8CEE5DD6D01B}"/>
                   </a:ext>
                 </a:extLst>
               </p:cNvPr>
@@ -14834,14 +13943,14 @@
             </p:nvSpPr>
             <p:spPr>
               <a:xfrm>
-                <a:off x="7755169" y="3890611"/>
+                <a:off x="11177364" y="4030968"/>
                 <a:ext cx="985811" cy="523220"/>
               </a:xfrm>
               <a:prstGeom prst="rect">
                 <a:avLst/>
               </a:prstGeom>
               <a:blipFill>
-                <a:blip r:embed="rId9"/>
+                <a:blip r:embed="rId27"/>
                 <a:stretch>
                   <a:fillRect/>
                 </a:stretch>
@@ -14862,14 +13971,14 @@
           </p:sp>
         </mc:Fallback>
       </mc:AlternateContent>
-      <mc:AlternateContent xmlns:mc="http://schemas.openxmlformats.org/markup-compatibility/2006" xmlns:a14="http://schemas.microsoft.com/office/drawing/2010/main">
-        <mc:Choice Requires="a14">
+      <mc:AlternateContent xmlns:mc="http://schemas.openxmlformats.org/markup-compatibility/2006">
+        <mc:Choice xmlns:a14="http://schemas.microsoft.com/office/drawing/2010/main" Requires="a14">
           <p:sp>
             <p:nvSpPr>
-              <p:cNvPr id="66" name="TextBox 65">
+              <p:cNvPr id="133" name="TextBox 132">
                 <a:extLst>
                   <a:ext uri="{FF2B5EF4-FFF2-40B4-BE49-F238E27FC236}">
-                    <a16:creationId xmlns:a16="http://schemas.microsoft.com/office/drawing/2014/main" id="{368AB888-F0BA-4EAE-BCBC-7501837A7E49}"/>
+                    <a16:creationId xmlns:a16="http://schemas.microsoft.com/office/drawing/2014/main" id="{B3C264D9-0AE6-EAFA-F654-A978CC5E6F7A}"/>
                   </a:ext>
                 </a:extLst>
               </p:cNvPr>
@@ -14878,7 +13987,7 @@
             </p:nvSpPr>
             <p:spPr>
               <a:xfrm>
-                <a:off x="7755170" y="3230756"/>
+                <a:off x="11177365" y="3371113"/>
                 <a:ext cx="985811" cy="523220"/>
               </a:xfrm>
               <a:prstGeom prst="rect">
@@ -14954,13 +14063,13 @@
             </p:txBody>
           </p:sp>
         </mc:Choice>
-        <mc:Fallback xmlns="">
+        <mc:Fallback>
           <p:sp>
             <p:nvSpPr>
-              <p:cNvPr id="66" name="TextBox 65">
+              <p:cNvPr id="133" name="TextBox 132">
                 <a:extLst>
                   <a:ext uri="{FF2B5EF4-FFF2-40B4-BE49-F238E27FC236}">
-                    <a16:creationId xmlns:a16="http://schemas.microsoft.com/office/drawing/2014/main" id="{368AB888-F0BA-4EAE-BCBC-7501837A7E49}"/>
+                    <a16:creationId xmlns:a16="http://schemas.microsoft.com/office/drawing/2014/main" id="{B3C264D9-0AE6-EAFA-F654-A978CC5E6F7A}"/>
                   </a:ext>
                 </a:extLst>
               </p:cNvPr>
@@ -14971,14 +14080,14 @@
             </p:nvSpPr>
             <p:spPr>
               <a:xfrm>
-                <a:off x="7755170" y="3230756"/>
+                <a:off x="11177365" y="3371113"/>
                 <a:ext cx="985811" cy="523220"/>
               </a:xfrm>
               <a:prstGeom prst="rect">
                 <a:avLst/>
               </a:prstGeom>
               <a:blipFill>
-                <a:blip r:embed="rId10"/>
+                <a:blip r:embed="rId28"/>
                 <a:stretch>
                   <a:fillRect/>
                 </a:stretch>
@@ -14999,14 +14108,14 @@
           </p:sp>
         </mc:Fallback>
       </mc:AlternateContent>
-      <mc:AlternateContent xmlns:mc="http://schemas.openxmlformats.org/markup-compatibility/2006" xmlns:a14="http://schemas.microsoft.com/office/drawing/2010/main">
-        <mc:Choice Requires="a14">
+      <mc:AlternateContent xmlns:mc="http://schemas.openxmlformats.org/markup-compatibility/2006">
+        <mc:Choice xmlns:a14="http://schemas.microsoft.com/office/drawing/2010/main" Requires="a14">
           <p:sp>
             <p:nvSpPr>
-              <p:cNvPr id="67" name="TextBox 66">
+              <p:cNvPr id="134" name="TextBox 133">
                 <a:extLst>
                   <a:ext uri="{FF2B5EF4-FFF2-40B4-BE49-F238E27FC236}">
-                    <a16:creationId xmlns:a16="http://schemas.microsoft.com/office/drawing/2014/main" id="{217BA2DA-BBE2-D348-24D6-A6E5C6A942A7}"/>
+                    <a16:creationId xmlns:a16="http://schemas.microsoft.com/office/drawing/2014/main" id="{082176EB-3E02-CA4B-A1A7-AD00A37A078E}"/>
                   </a:ext>
                 </a:extLst>
               </p:cNvPr>
@@ -15015,7 +14124,7 @@
             </p:nvSpPr>
             <p:spPr>
               <a:xfrm>
-                <a:off x="7755170" y="2372756"/>
+                <a:off x="11177365" y="2513113"/>
                 <a:ext cx="985811" cy="738664"/>
               </a:xfrm>
               <a:prstGeom prst="rect">
@@ -15109,13 +14218,13 @@
             </p:txBody>
           </p:sp>
         </mc:Choice>
-        <mc:Fallback xmlns="">
+        <mc:Fallback>
           <p:sp>
             <p:nvSpPr>
-              <p:cNvPr id="67" name="TextBox 66">
+              <p:cNvPr id="134" name="TextBox 133">
                 <a:extLst>
                   <a:ext uri="{FF2B5EF4-FFF2-40B4-BE49-F238E27FC236}">
-                    <a16:creationId xmlns:a16="http://schemas.microsoft.com/office/drawing/2014/main" id="{217BA2DA-BBE2-D348-24D6-A6E5C6A942A7}"/>
+                    <a16:creationId xmlns:a16="http://schemas.microsoft.com/office/drawing/2014/main" id="{082176EB-3E02-CA4B-A1A7-AD00A37A078E}"/>
                   </a:ext>
                 </a:extLst>
               </p:cNvPr>
@@ -15126,14 +14235,14 @@
             </p:nvSpPr>
             <p:spPr>
               <a:xfrm>
-                <a:off x="7755170" y="2372756"/>
+                <a:off x="11177365" y="2513113"/>
                 <a:ext cx="985811" cy="738664"/>
               </a:xfrm>
               <a:prstGeom prst="rect">
                 <a:avLst/>
               </a:prstGeom>
               <a:blipFill>
-                <a:blip r:embed="rId11"/>
+                <a:blip r:embed="rId29"/>
                 <a:stretch>
                   <a:fillRect/>
                 </a:stretch>
@@ -15154,14 +14263,14 @@
           </p:sp>
         </mc:Fallback>
       </mc:AlternateContent>
-      <mc:AlternateContent xmlns:mc="http://schemas.openxmlformats.org/markup-compatibility/2006" xmlns:a14="http://schemas.microsoft.com/office/drawing/2010/main">
-        <mc:Choice Requires="a14">
+      <mc:AlternateContent xmlns:mc="http://schemas.openxmlformats.org/markup-compatibility/2006">
+        <mc:Choice xmlns:a14="http://schemas.microsoft.com/office/drawing/2010/main" Requires="a14">
           <p:sp>
             <p:nvSpPr>
-              <p:cNvPr id="68" name="TextBox 67">
+              <p:cNvPr id="135" name="TextBox 134">
                 <a:extLst>
                   <a:ext uri="{FF2B5EF4-FFF2-40B4-BE49-F238E27FC236}">
-                    <a16:creationId xmlns:a16="http://schemas.microsoft.com/office/drawing/2014/main" id="{15AD830F-EC37-CA00-EE75-BAC5C6E3D32B}"/>
+                    <a16:creationId xmlns:a16="http://schemas.microsoft.com/office/drawing/2014/main" id="{E8197310-83AF-A16C-BED6-539A8C4D7710}"/>
                   </a:ext>
                 </a:extLst>
               </p:cNvPr>
@@ -15170,7 +14279,7 @@
             </p:nvSpPr>
             <p:spPr>
               <a:xfrm>
-                <a:off x="7755170" y="1849536"/>
+                <a:off x="11177365" y="1989893"/>
                 <a:ext cx="985811" cy="523220"/>
               </a:xfrm>
               <a:prstGeom prst="rect">
@@ -15240,13 +14349,13 @@
             </p:txBody>
           </p:sp>
         </mc:Choice>
-        <mc:Fallback xmlns="">
+        <mc:Fallback>
           <p:sp>
             <p:nvSpPr>
-              <p:cNvPr id="68" name="TextBox 67">
+              <p:cNvPr id="135" name="TextBox 134">
                 <a:extLst>
                   <a:ext uri="{FF2B5EF4-FFF2-40B4-BE49-F238E27FC236}">
-                    <a16:creationId xmlns:a16="http://schemas.microsoft.com/office/drawing/2014/main" id="{15AD830F-EC37-CA00-EE75-BAC5C6E3D32B}"/>
+                    <a16:creationId xmlns:a16="http://schemas.microsoft.com/office/drawing/2014/main" id="{E8197310-83AF-A16C-BED6-539A8C4D7710}"/>
                   </a:ext>
                 </a:extLst>
               </p:cNvPr>
@@ -15257,14 +14366,14 @@
             </p:nvSpPr>
             <p:spPr>
               <a:xfrm>
-                <a:off x="7755170" y="1849536"/>
+                <a:off x="11177365" y="1989893"/>
                 <a:ext cx="985811" cy="523220"/>
               </a:xfrm>
               <a:prstGeom prst="rect">
                 <a:avLst/>
               </a:prstGeom>
               <a:blipFill>
-                <a:blip r:embed="rId12"/>
+                <a:blip r:embed="rId30"/>
                 <a:stretch>
                   <a:fillRect/>
                 </a:stretch>
@@ -15285,14 +14394,14 @@
           </p:sp>
         </mc:Fallback>
       </mc:AlternateContent>
-      <mc:AlternateContent xmlns:mc="http://schemas.openxmlformats.org/markup-compatibility/2006" xmlns:a14="http://schemas.microsoft.com/office/drawing/2010/main">
-        <mc:Choice Requires="a14">
+      <mc:AlternateContent xmlns:mc="http://schemas.openxmlformats.org/markup-compatibility/2006">
+        <mc:Choice xmlns:a14="http://schemas.microsoft.com/office/drawing/2010/main" Requires="a14">
           <p:sp>
             <p:nvSpPr>
-              <p:cNvPr id="69" name="TextBox 68">
+              <p:cNvPr id="136" name="TextBox 135">
                 <a:extLst>
                   <a:ext uri="{FF2B5EF4-FFF2-40B4-BE49-F238E27FC236}">
-                    <a16:creationId xmlns:a16="http://schemas.microsoft.com/office/drawing/2014/main" id="{C4C5C635-BF40-0D72-9509-259383196C9B}"/>
+                    <a16:creationId xmlns:a16="http://schemas.microsoft.com/office/drawing/2014/main" id="{A719AFC6-4FB0-5102-E238-DFF3A610B534}"/>
                   </a:ext>
                 </a:extLst>
               </p:cNvPr>
@@ -15301,7 +14410,7 @@
             </p:nvSpPr>
             <p:spPr>
               <a:xfrm>
-                <a:off x="7755170" y="1193253"/>
+                <a:off x="11177365" y="1333610"/>
                 <a:ext cx="985811" cy="523220"/>
               </a:xfrm>
               <a:prstGeom prst="rect">
@@ -15358,13 +14467,13 @@
             </p:txBody>
           </p:sp>
         </mc:Choice>
-        <mc:Fallback xmlns="">
+        <mc:Fallback>
           <p:sp>
             <p:nvSpPr>
-              <p:cNvPr id="69" name="TextBox 68">
+              <p:cNvPr id="136" name="TextBox 135">
                 <a:extLst>
                   <a:ext uri="{FF2B5EF4-FFF2-40B4-BE49-F238E27FC236}">
-                    <a16:creationId xmlns:a16="http://schemas.microsoft.com/office/drawing/2014/main" id="{C4C5C635-BF40-0D72-9509-259383196C9B}"/>
+                    <a16:creationId xmlns:a16="http://schemas.microsoft.com/office/drawing/2014/main" id="{A719AFC6-4FB0-5102-E238-DFF3A610B534}"/>
                   </a:ext>
                 </a:extLst>
               </p:cNvPr>
@@ -15375,14 +14484,14 @@
             </p:nvSpPr>
             <p:spPr>
               <a:xfrm>
-                <a:off x="7755170" y="1193253"/>
+                <a:off x="11177365" y="1333610"/>
                 <a:ext cx="985811" cy="523220"/>
               </a:xfrm>
               <a:prstGeom prst="rect">
                 <a:avLst/>
               </a:prstGeom>
               <a:blipFill>
-                <a:blip r:embed="rId13"/>
+                <a:blip r:embed="rId31"/>
                 <a:stretch>
                   <a:fillRect/>
                 </a:stretch>
@@ -15405,10 +14514,10 @@
       </mc:AlternateContent>
       <p:cxnSp>
         <p:nvCxnSpPr>
-          <p:cNvPr id="96" name="Connector: Elbow 95">
-            <a:extLst>
-              <a:ext uri="{FF2B5EF4-FFF2-40B4-BE49-F238E27FC236}">
-                <a16:creationId xmlns:a16="http://schemas.microsoft.com/office/drawing/2014/main" id="{AF3A6314-04CB-4163-DD10-8C36CD8E46A1}"/>
+          <p:cNvPr id="137" name="Connector: Elbow 136">
+            <a:extLst>
+              <a:ext uri="{FF2B5EF4-FFF2-40B4-BE49-F238E27FC236}">
+                <a16:creationId xmlns:a16="http://schemas.microsoft.com/office/drawing/2014/main" id="{E8B87828-2F3C-E61C-0157-E9E02FB4B50F}"/>
               </a:ext>
             </a:extLst>
           </p:cNvPr>
@@ -15419,7 +14528,7 @@
         </p:nvCxnSpPr>
         <p:spPr>
           <a:xfrm>
-            <a:off x="5139522" y="3123338"/>
+            <a:off x="8737205" y="3263695"/>
             <a:ext cx="537980" cy="307307"/>
           </a:xfrm>
           <a:prstGeom prst="bentConnector3">
@@ -15454,10 +14563,10 @@
       </p:cxnSp>
       <p:cxnSp>
         <p:nvCxnSpPr>
-          <p:cNvPr id="98" name="Connector: Elbow 97">
-            <a:extLst>
-              <a:ext uri="{FF2B5EF4-FFF2-40B4-BE49-F238E27FC236}">
-                <a16:creationId xmlns:a16="http://schemas.microsoft.com/office/drawing/2014/main" id="{71FC38D6-3924-2360-0FEB-98660A7C1173}"/>
+          <p:cNvPr id="138" name="Connector: Elbow 137">
+            <a:extLst>
+              <a:ext uri="{FF2B5EF4-FFF2-40B4-BE49-F238E27FC236}">
+                <a16:creationId xmlns:a16="http://schemas.microsoft.com/office/drawing/2014/main" id="{ACD224BD-C788-2987-1690-3F0B1FF3A4DA}"/>
               </a:ext>
             </a:extLst>
           </p:cNvPr>
@@ -15468,7 +14577,7 @@
         </p:nvCxnSpPr>
         <p:spPr>
           <a:xfrm>
-            <a:off x="4313724" y="3802530"/>
+            <a:off x="7911407" y="3942887"/>
             <a:ext cx="537980" cy="307307"/>
           </a:xfrm>
           <a:prstGeom prst="bentConnector3">
@@ -15503,10 +14612,10 @@
       </p:cxnSp>
       <p:cxnSp>
         <p:nvCxnSpPr>
-          <p:cNvPr id="102" name="Connector: Elbow 101">
-            <a:extLst>
-              <a:ext uri="{FF2B5EF4-FFF2-40B4-BE49-F238E27FC236}">
-                <a16:creationId xmlns:a16="http://schemas.microsoft.com/office/drawing/2014/main" id="{E6DA7CC2-71BD-DE38-6C7A-44F4C6B4F3C4}"/>
+          <p:cNvPr id="139" name="Connector: Elbow 138">
+            <a:extLst>
+              <a:ext uri="{FF2B5EF4-FFF2-40B4-BE49-F238E27FC236}">
+                <a16:creationId xmlns:a16="http://schemas.microsoft.com/office/drawing/2014/main" id="{B3BCE7EF-652D-3051-C85C-6B4ABF7F10B4}"/>
               </a:ext>
             </a:extLst>
           </p:cNvPr>
@@ -15517,7 +14626,7 @@
         </p:nvCxnSpPr>
         <p:spPr>
           <a:xfrm>
-            <a:off x="5156826" y="3812945"/>
+            <a:off x="8754509" y="3953302"/>
             <a:ext cx="537980" cy="307307"/>
           </a:xfrm>
           <a:prstGeom prst="bentConnector3">
@@ -15552,10 +14661,10 @@
       </p:cxnSp>
       <p:cxnSp>
         <p:nvCxnSpPr>
-          <p:cNvPr id="110" name="Connector: Elbow 109">
-            <a:extLst>
-              <a:ext uri="{FF2B5EF4-FFF2-40B4-BE49-F238E27FC236}">
-                <a16:creationId xmlns:a16="http://schemas.microsoft.com/office/drawing/2014/main" id="{0DE1AD07-D5B6-1CC2-B06A-5852BFA453E2}"/>
+          <p:cNvPr id="140" name="Connector: Elbow 139">
+            <a:extLst>
+              <a:ext uri="{FF2B5EF4-FFF2-40B4-BE49-F238E27FC236}">
+                <a16:creationId xmlns:a16="http://schemas.microsoft.com/office/drawing/2014/main" id="{AB1C8DDD-BE5C-8D26-5616-D38EE1800608}"/>
               </a:ext>
             </a:extLst>
           </p:cNvPr>
@@ -15566,7 +14675,7 @@
         </p:nvCxnSpPr>
         <p:spPr>
           <a:xfrm>
-            <a:off x="6498685" y="3166353"/>
+            <a:off x="10096368" y="3306710"/>
             <a:ext cx="537980" cy="307307"/>
           </a:xfrm>
           <a:prstGeom prst="bentConnector3">
@@ -15601,10 +14710,10 @@
       </p:cxnSp>
       <p:cxnSp>
         <p:nvCxnSpPr>
-          <p:cNvPr id="112" name="Connector: Elbow 111">
-            <a:extLst>
-              <a:ext uri="{FF2B5EF4-FFF2-40B4-BE49-F238E27FC236}">
-                <a16:creationId xmlns:a16="http://schemas.microsoft.com/office/drawing/2014/main" id="{1FB5A374-AF64-FE6D-56AA-4C6A2AA37B58}"/>
+          <p:cNvPr id="141" name="Connector: Elbow 140">
+            <a:extLst>
+              <a:ext uri="{FF2B5EF4-FFF2-40B4-BE49-F238E27FC236}">
+                <a16:creationId xmlns:a16="http://schemas.microsoft.com/office/drawing/2014/main" id="{37BA3806-6A84-A185-8EF8-F476E29ADADF}"/>
               </a:ext>
             </a:extLst>
           </p:cNvPr>
@@ -15615,7 +14724,7 @@
         </p:nvCxnSpPr>
         <p:spPr>
           <a:xfrm>
-            <a:off x="6509564" y="3874759"/>
+            <a:off x="10107247" y="4015116"/>
             <a:ext cx="537980" cy="307307"/>
           </a:xfrm>
           <a:prstGeom prst="bentConnector3">
@@ -15648,10 +14757,156 @@
           </a:fontRef>
         </p:style>
       </p:cxnSp>
+      <p:sp>
+        <p:nvSpPr>
+          <p:cNvPr id="142" name="Rectangle 141">
+            <a:extLst>
+              <a:ext uri="{FF2B5EF4-FFF2-40B4-BE49-F238E27FC236}">
+                <a16:creationId xmlns:a16="http://schemas.microsoft.com/office/drawing/2014/main" id="{9A04BA1C-7332-C2DC-A476-4500E7F9B7F6}"/>
+              </a:ext>
+            </a:extLst>
+          </p:cNvPr>
+          <p:cNvSpPr/>
+          <p:nvPr/>
+        </p:nvSpPr>
+        <p:spPr>
+          <a:xfrm>
+            <a:off x="450212" y="1200727"/>
+            <a:ext cx="2488766" cy="4221018"/>
+          </a:xfrm>
+          <a:prstGeom prst="rect">
+            <a:avLst/>
+          </a:prstGeom>
+          <a:noFill/>
+          <a:ln>
+            <a:solidFill>
+              <a:schemeClr val="tx1"/>
+            </a:solidFill>
+          </a:ln>
+        </p:spPr>
+        <p:style>
+          <a:lnRef idx="2">
+            <a:schemeClr val="accent1">
+              <a:shade val="15000"/>
+            </a:schemeClr>
+          </a:lnRef>
+          <a:fillRef idx="1">
+            <a:schemeClr val="accent1"/>
+          </a:fillRef>
+          <a:effectRef idx="0">
+            <a:schemeClr val="accent1"/>
+          </a:effectRef>
+          <a:fontRef idx="minor">
+            <a:schemeClr val="lt1"/>
+          </a:fontRef>
+        </p:style>
+        <p:txBody>
+          <a:bodyPr rtlCol="0" anchor="ctr"/>
+          <a:lstStyle/>
+          <a:p>
+            <a:pPr algn="ctr"/>
+            <a:endParaRPr lang="en-US"/>
+          </a:p>
+        </p:txBody>
+      </p:sp>
+      <p:sp>
+        <p:nvSpPr>
+          <p:cNvPr id="143" name="Rectangle 142">
+            <a:extLst>
+              <a:ext uri="{FF2B5EF4-FFF2-40B4-BE49-F238E27FC236}">
+                <a16:creationId xmlns:a16="http://schemas.microsoft.com/office/drawing/2014/main" id="{B90623A7-3E01-1AA5-194E-BDB6A1165533}"/>
+              </a:ext>
+            </a:extLst>
+          </p:cNvPr>
+          <p:cNvSpPr/>
+          <p:nvPr/>
+        </p:nvSpPr>
+        <p:spPr>
+          <a:xfrm>
+            <a:off x="3272631" y="1212437"/>
+            <a:ext cx="3956323" cy="4221018"/>
+          </a:xfrm>
+          <a:prstGeom prst="rect">
+            <a:avLst/>
+          </a:prstGeom>
+          <a:noFill/>
+        </p:spPr>
+        <p:style>
+          <a:lnRef idx="2">
+            <a:schemeClr val="accent1">
+              <a:shade val="15000"/>
+            </a:schemeClr>
+          </a:lnRef>
+          <a:fillRef idx="1">
+            <a:schemeClr val="accent1"/>
+          </a:fillRef>
+          <a:effectRef idx="0">
+            <a:schemeClr val="accent1"/>
+          </a:effectRef>
+          <a:fontRef idx="minor">
+            <a:schemeClr val="lt1"/>
+          </a:fontRef>
+        </p:style>
+        <p:txBody>
+          <a:bodyPr rtlCol="0" anchor="ctr"/>
+          <a:lstStyle/>
+          <a:p>
+            <a:pPr algn="ctr"/>
+            <a:endParaRPr lang="en-US"/>
+          </a:p>
+        </p:txBody>
+      </p:sp>
+      <p:sp>
+        <p:nvSpPr>
+          <p:cNvPr id="144" name="Rectangle 143">
+            <a:extLst>
+              <a:ext uri="{FF2B5EF4-FFF2-40B4-BE49-F238E27FC236}">
+                <a16:creationId xmlns:a16="http://schemas.microsoft.com/office/drawing/2014/main" id="{6062A15E-94EC-51A7-6957-6F661D4219A2}"/>
+              </a:ext>
+            </a:extLst>
+          </p:cNvPr>
+          <p:cNvSpPr/>
+          <p:nvPr/>
+        </p:nvSpPr>
+        <p:spPr>
+          <a:xfrm>
+            <a:off x="7502608" y="1225082"/>
+            <a:ext cx="4541610" cy="4221018"/>
+          </a:xfrm>
+          <a:prstGeom prst="rect">
+            <a:avLst/>
+          </a:prstGeom>
+          <a:noFill/>
+        </p:spPr>
+        <p:style>
+          <a:lnRef idx="2">
+            <a:schemeClr val="accent1">
+              <a:shade val="15000"/>
+            </a:schemeClr>
+          </a:lnRef>
+          <a:fillRef idx="1">
+            <a:schemeClr val="accent1"/>
+          </a:fillRef>
+          <a:effectRef idx="0">
+            <a:schemeClr val="accent1"/>
+          </a:effectRef>
+          <a:fontRef idx="minor">
+            <a:schemeClr val="lt1"/>
+          </a:fontRef>
+        </p:style>
+        <p:txBody>
+          <a:bodyPr rtlCol="0" anchor="ctr"/>
+          <a:lstStyle/>
+          <a:p>
+            <a:pPr algn="ctr"/>
+            <a:endParaRPr lang="en-US"/>
+          </a:p>
+        </p:txBody>
+      </p:sp>
     </p:spTree>
     <p:extLst>
       <p:ext uri="{BB962C8B-B14F-4D97-AF65-F5344CB8AC3E}">
-        <p14:creationId xmlns:p14="http://schemas.microsoft.com/office/powerpoint/2010/main" val="577031597"/>
+        <p14:creationId xmlns:p14="http://schemas.microsoft.com/office/powerpoint/2010/main" val="102800989"/>
       </p:ext>
     </p:extLst>
   </p:cSld>
@@ -15661,7 +14916,7 @@
 </p:sld>
 </file>
 
-<file path=ppt/slides/slide7.xml><?xml version="1.0" encoding="utf-8"?>
+<file path=ppt/slides/slide4.xml><?xml version="1.0" encoding="utf-8"?>
 <p:sld xmlns:a="http://schemas.openxmlformats.org/drawingml/2006/main" xmlns:r="http://schemas.openxmlformats.org/officeDocument/2006/relationships" xmlns:p="http://schemas.openxmlformats.org/presentationml/2006/main">
   <p:cSld>
     <p:spTree>
